--- a/presentations/presentacionFinal.pptx
+++ b/presentations/presentacionFinal.pptx
@@ -5,10 +5,10 @@
     <p:sldMasterId id="2147483648" r:id="rId1"/>
   </p:sldMasterIdLst>
   <p:notesMasterIdLst>
-    <p:notesMasterId r:id="rId18"/>
+    <p:notesMasterId r:id="rId19"/>
   </p:notesMasterIdLst>
   <p:handoutMasterIdLst>
-    <p:handoutMasterId r:id="rId19"/>
+    <p:handoutMasterId r:id="rId20"/>
   </p:handoutMasterIdLst>
   <p:sldIdLst>
     <p:sldId id="256" r:id="rId2"/>
@@ -19,14 +19,15 @@
     <p:sldId id="273" r:id="rId7"/>
     <p:sldId id="272" r:id="rId8"/>
     <p:sldId id="279" r:id="rId9"/>
-    <p:sldId id="297" r:id="rId10"/>
-    <p:sldId id="276" r:id="rId11"/>
-    <p:sldId id="282" r:id="rId12"/>
-    <p:sldId id="296" r:id="rId13"/>
-    <p:sldId id="278" r:id="rId14"/>
-    <p:sldId id="286" r:id="rId15"/>
-    <p:sldId id="293" r:id="rId16"/>
-    <p:sldId id="264" r:id="rId17"/>
+    <p:sldId id="298" r:id="rId10"/>
+    <p:sldId id="299" r:id="rId11"/>
+    <p:sldId id="297" r:id="rId12"/>
+    <p:sldId id="276" r:id="rId13"/>
+    <p:sldId id="296" r:id="rId14"/>
+    <p:sldId id="278" r:id="rId15"/>
+    <p:sldId id="286" r:id="rId16"/>
+    <p:sldId id="293" r:id="rId17"/>
+    <p:sldId id="264" r:id="rId18"/>
   </p:sldIdLst>
   <p:sldSz cx="9144000" cy="6858000" type="screen4x3"/>
   <p:notesSz cx="6858000" cy="9144000"/>
@@ -8786,6 +8787,101 @@
       </p:grpSpPr>
       <p:sp>
         <p:nvSpPr>
+          <p:cNvPr id="36866" name="Rectangle 7"/>
+          <p:cNvSpPr>
+            <a:spLocks noGrp="1" noChangeArrowheads="1"/>
+          </p:cNvSpPr>
+          <p:nvPr>
+            <p:ph type="sldNum" sz="quarter" idx="5"/>
+          </p:nvPr>
+        </p:nvSpPr>
+        <p:spPr>
+          <a:noFill/>
+        </p:spPr>
+        <p:txBody>
+          <a:bodyPr/>
+          <a:lstStyle/>
+          <a:p>
+            <a:fld id="{1E1A1660-3780-4A19-B6F5-320F2243A912}" type="slidenum">
+              <a:rPr lang="es-ES" smtClean="0"/>
+              <a:pPr/>
+              <a:t>10</a:t>
+            </a:fld>
+            <a:endParaRPr lang="es-ES" smtClean="0"/>
+          </a:p>
+        </p:txBody>
+      </p:sp>
+      <p:sp>
+        <p:nvSpPr>
+          <p:cNvPr id="36867" name="Rectangle 2"/>
+          <p:cNvSpPr>
+            <a:spLocks noGrp="1" noRot="1" noChangeAspect="1" noChangeArrowheads="1" noTextEdit="1"/>
+          </p:cNvSpPr>
+          <p:nvPr>
+            <p:ph type="sldImg"/>
+          </p:nvPr>
+        </p:nvSpPr>
+        <p:spPr>
+          <a:ln cap="flat"/>
+        </p:spPr>
+      </p:sp>
+      <p:sp>
+        <p:nvSpPr>
+          <p:cNvPr id="36868" name="Rectangle 3"/>
+          <p:cNvSpPr>
+            <a:spLocks noGrp="1" noChangeArrowheads="1"/>
+          </p:cNvSpPr>
+          <p:nvPr>
+            <p:ph type="body" idx="1"/>
+          </p:nvPr>
+        </p:nvSpPr>
+        <p:spPr>
+          <a:noFill/>
+          <a:ln/>
+        </p:spPr>
+        <p:txBody>
+          <a:bodyPr/>
+          <a:lstStyle/>
+          <a:p>
+            <a:pPr>
+              <a:buFont typeface="Arial" pitchFamily="34" charset="0"/>
+              <a:buNone/>
+            </a:pPr>
+            <a:r>
+              <a:rPr lang="es-AR" b="1" dirty="0" smtClean="0"/>
+              <a:t>Speaker:</a:t>
+            </a:r>
+            <a:endParaRPr lang="es-AR" dirty="0" smtClean="0"/>
+          </a:p>
+        </p:txBody>
+      </p:sp>
+    </p:spTree>
+  </p:cSld>
+  <p:clrMapOvr>
+    <a:masterClrMapping/>
+  </p:clrMapOvr>
+</p:notes>
+</file>
+
+<file path=ppt/notesSlides/notesSlide11.xml><?xml version="1.0" encoding="utf-8"?>
+<p:notes xmlns:a="http://schemas.openxmlformats.org/drawingml/2006/main" xmlns:r="http://schemas.openxmlformats.org/officeDocument/2006/relationships" xmlns:p="http://schemas.openxmlformats.org/presentationml/2006/main">
+  <p:cSld>
+    <p:spTree>
+      <p:nvGrpSpPr>
+        <p:cNvPr id="1" name=""/>
+        <p:cNvGrpSpPr/>
+        <p:nvPr/>
+      </p:nvGrpSpPr>
+      <p:grpSpPr>
+        <a:xfrm>
+          <a:off x="0" y="0"/>
+          <a:ext cx="0" cy="0"/>
+          <a:chOff x="0" y="0"/>
+          <a:chExt cx="0" cy="0"/>
+        </a:xfrm>
+      </p:grpSpPr>
+      <p:sp>
+        <p:nvSpPr>
           <p:cNvPr id="35842" name="Rectangle 7"/>
           <p:cNvSpPr>
             <a:spLocks noGrp="1" noChangeArrowheads="1"/>
@@ -8804,7 +8900,7 @@
             <a:fld id="{14EEAC4B-1C41-41C5-8B73-AFF1C9F3356C}" type="slidenum">
               <a:rPr lang="es-ES" smtClean="0"/>
               <a:pPr/>
-              <a:t>10</a:t>
+              <a:t>11</a:t>
             </a:fld>
             <a:endParaRPr lang="es-ES" smtClean="0"/>
           </a:p>
@@ -8862,7 +8958,7 @@
 </p:notes>
 </file>
 
-<file path=ppt/notesSlides/notesSlide11.xml><?xml version="1.0" encoding="utf-8"?>
+<file path=ppt/notesSlides/notesSlide12.xml><?xml version="1.0" encoding="utf-8"?>
 <p:notes xmlns:a="http://schemas.openxmlformats.org/drawingml/2006/main" xmlns:r="http://schemas.openxmlformats.org/officeDocument/2006/relationships" xmlns:p="http://schemas.openxmlformats.org/presentationml/2006/main">
   <p:cSld>
     <p:spTree>
@@ -8881,7 +8977,7 @@
       </p:grpSpPr>
       <p:sp>
         <p:nvSpPr>
-          <p:cNvPr id="41986" name="Rectangle 7"/>
+          <p:cNvPr id="35842" name="Rectangle 7"/>
           <p:cNvSpPr>
             <a:spLocks noGrp="1" noChangeArrowheads="1"/>
           </p:cNvSpPr>
@@ -8896,10 +8992,10 @@
           <a:bodyPr/>
           <a:lstStyle/>
           <a:p>
-            <a:fld id="{09FE994F-A800-45E0-B4A9-9BF8CAAA6AA7}" type="slidenum">
+            <a:fld id="{14EEAC4B-1C41-41C5-8B73-AFF1C9F3356C}" type="slidenum">
               <a:rPr lang="es-ES" smtClean="0"/>
               <a:pPr/>
-              <a:t>11</a:t>
+              <a:t>12</a:t>
             </a:fld>
             <a:endParaRPr lang="es-ES" smtClean="0"/>
           </a:p>
@@ -8907,7 +9003,7 @@
       </p:sp>
       <p:sp>
         <p:nvSpPr>
-          <p:cNvPr id="41987" name="Rectangle 2"/>
+          <p:cNvPr id="35843" name="Rectangle 2"/>
           <p:cNvSpPr>
             <a:spLocks noGrp="1" noRot="1" noChangeAspect="1" noChangeArrowheads="1" noTextEdit="1"/>
           </p:cNvSpPr>
@@ -8921,7 +9017,7 @@
       </p:sp>
       <p:sp>
         <p:nvSpPr>
-          <p:cNvPr id="41988" name="Rectangle 3"/>
+          <p:cNvPr id="35844" name="Rectangle 3"/>
           <p:cNvSpPr>
             <a:spLocks noGrp="1" noChangeArrowheads="1"/>
           </p:cNvSpPr>
@@ -8937,12 +9033,15 @@
           <a:bodyPr/>
           <a:lstStyle/>
           <a:p>
-            <a:pPr eaLnBrk="1" hangingPunct="1"/>
+            <a:pPr>
+              <a:buFontTx/>
+              <a:buNone/>
+            </a:pPr>
             <a:r>
               <a:rPr lang="es-AR" b="1" dirty="0" smtClean="0"/>
               <a:t>Speaker:</a:t>
             </a:r>
-            <a:endParaRPr lang="es-AR" dirty="0" smtClean="0"/>
+            <a:endParaRPr lang="es-ES_tradnl" baseline="0" dirty="0" smtClean="0"/>
           </a:p>
         </p:txBody>
       </p:sp>
@@ -8954,7 +9053,7 @@
 </p:notes>
 </file>
 
-<file path=ppt/notesSlides/notesSlide12.xml><?xml version="1.0" encoding="utf-8"?>
+<file path=ppt/notesSlides/notesSlide13.xml><?xml version="1.0" encoding="utf-8"?>
 <p:notes xmlns:a="http://schemas.openxmlformats.org/drawingml/2006/main" xmlns:r="http://schemas.openxmlformats.org/officeDocument/2006/relationships" xmlns:p="http://schemas.openxmlformats.org/presentationml/2006/main">
   <p:cSld>
     <p:spTree>
@@ -8991,7 +9090,7 @@
             <a:fld id="{060F6942-349D-437D-B6CE-AF49DFD3E8BD}" type="slidenum">
               <a:rPr lang="es-ES" smtClean="0"/>
               <a:pPr/>
-              <a:t>12</a:t>
+              <a:t>13</a:t>
             </a:fld>
             <a:endParaRPr lang="es-ES" smtClean="0"/>
           </a:p>
@@ -9046,7 +9145,7 @@
 </p:notes>
 </file>
 
-<file path=ppt/notesSlides/notesSlide13.xml><?xml version="1.0" encoding="utf-8"?>
+<file path=ppt/notesSlides/notesSlide14.xml><?xml version="1.0" encoding="utf-8"?>
 <p:notes xmlns:a="http://schemas.openxmlformats.org/drawingml/2006/main" xmlns:r="http://schemas.openxmlformats.org/officeDocument/2006/relationships" xmlns:p="http://schemas.openxmlformats.org/presentationml/2006/main">
   <p:cSld>
     <p:spTree>
@@ -9083,7 +9182,7 @@
             <a:fld id="{D9234D06-4B3E-4649-8770-4AC86EB469B1}" type="slidenum">
               <a:rPr lang="es-ES" smtClean="0"/>
               <a:pPr/>
-              <a:t>13</a:t>
+              <a:t>14</a:t>
             </a:fld>
             <a:endParaRPr lang="es-ES" smtClean="0"/>
           </a:p>
@@ -9138,7 +9237,7 @@
 </p:notes>
 </file>
 
-<file path=ppt/notesSlides/notesSlide14.xml><?xml version="1.0" encoding="utf-8"?>
+<file path=ppt/notesSlides/notesSlide15.xml><?xml version="1.0" encoding="utf-8"?>
 <p:notes xmlns:a="http://schemas.openxmlformats.org/drawingml/2006/main" xmlns:r="http://schemas.openxmlformats.org/officeDocument/2006/relationships" xmlns:p="http://schemas.openxmlformats.org/presentationml/2006/main">
   <p:cSld>
     <p:spTree>
@@ -9175,7 +9274,7 @@
             <a:fld id="{060F6942-349D-437D-B6CE-AF49DFD3E8BD}" type="slidenum">
               <a:rPr lang="es-ES" smtClean="0"/>
               <a:pPr/>
-              <a:t>14</a:t>
+              <a:t>15</a:t>
             </a:fld>
             <a:endParaRPr lang="es-ES" smtClean="0"/>
           </a:p>
@@ -9219,94 +9318,6 @@
               <a:t>Speaker:</a:t>
             </a:r>
             <a:endParaRPr lang="es-AR" b="0" baseline="0" dirty="0" smtClean="0"/>
-          </a:p>
-        </p:txBody>
-      </p:sp>
-    </p:spTree>
-  </p:cSld>
-  <p:clrMapOvr>
-    <a:masterClrMapping/>
-  </p:clrMapOvr>
-</p:notes>
-</file>
-
-<file path=ppt/notesSlides/notesSlide15.xml><?xml version="1.0" encoding="utf-8"?>
-<p:notes xmlns:a="http://schemas.openxmlformats.org/drawingml/2006/main" xmlns:r="http://schemas.openxmlformats.org/officeDocument/2006/relationships" xmlns:p="http://schemas.openxmlformats.org/presentationml/2006/main">
-  <p:cSld>
-    <p:spTree>
-      <p:nvGrpSpPr>
-        <p:cNvPr id="1" name=""/>
-        <p:cNvGrpSpPr/>
-        <p:nvPr/>
-      </p:nvGrpSpPr>
-      <p:grpSpPr>
-        <a:xfrm>
-          <a:off x="0" y="0"/>
-          <a:ext cx="0" cy="0"/>
-          <a:chOff x="0" y="0"/>
-          <a:chExt cx="0" cy="0"/>
-        </a:xfrm>
-      </p:grpSpPr>
-      <p:sp>
-        <p:nvSpPr>
-          <p:cNvPr id="48130" name="Rectangle 7"/>
-          <p:cNvSpPr>
-            <a:spLocks noGrp="1" noChangeArrowheads="1"/>
-          </p:cNvSpPr>
-          <p:nvPr>
-            <p:ph type="sldNum" sz="quarter" idx="5"/>
-          </p:nvPr>
-        </p:nvSpPr>
-        <p:spPr>
-          <a:noFill/>
-        </p:spPr>
-        <p:txBody>
-          <a:bodyPr/>
-          <a:lstStyle/>
-          <a:p>
-            <a:fld id="{4D183F08-FBD3-4A86-BA7F-79516DB782E6}" type="slidenum">
-              <a:rPr lang="es-ES" smtClean="0"/>
-              <a:pPr/>
-              <a:t>15</a:t>
-            </a:fld>
-            <a:endParaRPr lang="es-ES" smtClean="0"/>
-          </a:p>
-        </p:txBody>
-      </p:sp>
-      <p:sp>
-        <p:nvSpPr>
-          <p:cNvPr id="48131" name="Rectangle 2"/>
-          <p:cNvSpPr>
-            <a:spLocks noGrp="1" noRot="1" noChangeAspect="1" noChangeArrowheads="1" noTextEdit="1"/>
-          </p:cNvSpPr>
-          <p:nvPr>
-            <p:ph type="sldImg"/>
-          </p:nvPr>
-        </p:nvSpPr>
-        <p:spPr>
-          <a:ln cap="flat"/>
-        </p:spPr>
-      </p:sp>
-      <p:sp>
-        <p:nvSpPr>
-          <p:cNvPr id="48132" name="Rectangle 3"/>
-          <p:cNvSpPr>
-            <a:spLocks noGrp="1" noChangeArrowheads="1"/>
-          </p:cNvSpPr>
-          <p:nvPr>
-            <p:ph type="body" idx="1"/>
-          </p:nvPr>
-        </p:nvSpPr>
-        <p:spPr>
-          <a:noFill/>
-          <a:ln/>
-        </p:spPr>
-        <p:txBody>
-          <a:bodyPr/>
-          <a:lstStyle/>
-          <a:p>
-            <a:pPr eaLnBrk="1" hangingPunct="1"/>
-            <a:endParaRPr lang="es-AR" smtClean="0"/>
           </a:p>
         </p:txBody>
       </p:sp>
@@ -9406,6 +9417,94 @@
 </p:notes>
 </file>
 
+<file path=ppt/notesSlides/notesSlide17.xml><?xml version="1.0" encoding="utf-8"?>
+<p:notes xmlns:a="http://schemas.openxmlformats.org/drawingml/2006/main" xmlns:r="http://schemas.openxmlformats.org/officeDocument/2006/relationships" xmlns:p="http://schemas.openxmlformats.org/presentationml/2006/main">
+  <p:cSld>
+    <p:spTree>
+      <p:nvGrpSpPr>
+        <p:cNvPr id="1" name=""/>
+        <p:cNvGrpSpPr/>
+        <p:nvPr/>
+      </p:nvGrpSpPr>
+      <p:grpSpPr>
+        <a:xfrm>
+          <a:off x="0" y="0"/>
+          <a:ext cx="0" cy="0"/>
+          <a:chOff x="0" y="0"/>
+          <a:chExt cx="0" cy="0"/>
+        </a:xfrm>
+      </p:grpSpPr>
+      <p:sp>
+        <p:nvSpPr>
+          <p:cNvPr id="48130" name="Rectangle 7"/>
+          <p:cNvSpPr>
+            <a:spLocks noGrp="1" noChangeArrowheads="1"/>
+          </p:cNvSpPr>
+          <p:nvPr>
+            <p:ph type="sldNum" sz="quarter" idx="5"/>
+          </p:nvPr>
+        </p:nvSpPr>
+        <p:spPr>
+          <a:noFill/>
+        </p:spPr>
+        <p:txBody>
+          <a:bodyPr/>
+          <a:lstStyle/>
+          <a:p>
+            <a:fld id="{4D183F08-FBD3-4A86-BA7F-79516DB782E6}" type="slidenum">
+              <a:rPr lang="es-ES" smtClean="0"/>
+              <a:pPr/>
+              <a:t>17</a:t>
+            </a:fld>
+            <a:endParaRPr lang="es-ES" smtClean="0"/>
+          </a:p>
+        </p:txBody>
+      </p:sp>
+      <p:sp>
+        <p:nvSpPr>
+          <p:cNvPr id="48131" name="Rectangle 2"/>
+          <p:cNvSpPr>
+            <a:spLocks noGrp="1" noRot="1" noChangeAspect="1" noChangeArrowheads="1" noTextEdit="1"/>
+          </p:cNvSpPr>
+          <p:nvPr>
+            <p:ph type="sldImg"/>
+          </p:nvPr>
+        </p:nvSpPr>
+        <p:spPr>
+          <a:ln cap="flat"/>
+        </p:spPr>
+      </p:sp>
+      <p:sp>
+        <p:nvSpPr>
+          <p:cNvPr id="48132" name="Rectangle 3"/>
+          <p:cNvSpPr>
+            <a:spLocks noGrp="1" noChangeArrowheads="1"/>
+          </p:cNvSpPr>
+          <p:nvPr>
+            <p:ph type="body" idx="1"/>
+          </p:nvPr>
+        </p:nvSpPr>
+        <p:spPr>
+          <a:noFill/>
+          <a:ln/>
+        </p:spPr>
+        <p:txBody>
+          <a:bodyPr/>
+          <a:lstStyle/>
+          <a:p>
+            <a:pPr eaLnBrk="1" hangingPunct="1"/>
+            <a:endParaRPr lang="es-AR" smtClean="0"/>
+          </a:p>
+        </p:txBody>
+      </p:sp>
+    </p:spTree>
+  </p:cSld>
+  <p:clrMapOvr>
+    <a:masterClrMapping/>
+  </p:clrMapOvr>
+</p:notes>
+</file>
+
 <file path=ppt/notesSlides/notesSlide2.xml><?xml version="1.0" encoding="utf-8"?>
 <p:notes xmlns:a="http://schemas.openxmlformats.org/drawingml/2006/main" xmlns:r="http://schemas.openxmlformats.org/officeDocument/2006/relationships" xmlns:p="http://schemas.openxmlformats.org/presentationml/2006/main">
   <p:cSld>
@@ -10091,7 +10190,7 @@
       </p:grpSpPr>
       <p:sp>
         <p:nvSpPr>
-          <p:cNvPr id="35842" name="Rectangle 7"/>
+          <p:cNvPr id="36866" name="Rectangle 7"/>
           <p:cNvSpPr>
             <a:spLocks noGrp="1" noChangeArrowheads="1"/>
           </p:cNvSpPr>
@@ -10106,7 +10205,7 @@
           <a:bodyPr/>
           <a:lstStyle/>
           <a:p>
-            <a:fld id="{14EEAC4B-1C41-41C5-8B73-AFF1C9F3356C}" type="slidenum">
+            <a:fld id="{1E1A1660-3780-4A19-B6F5-320F2243A912}" type="slidenum">
               <a:rPr lang="es-ES" smtClean="0"/>
               <a:pPr/>
               <a:t>9</a:t>
@@ -10117,7 +10216,7 @@
       </p:sp>
       <p:sp>
         <p:nvSpPr>
-          <p:cNvPr id="35843" name="Rectangle 2"/>
+          <p:cNvPr id="36867" name="Rectangle 2"/>
           <p:cNvSpPr>
             <a:spLocks noGrp="1" noRot="1" noChangeAspect="1" noChangeArrowheads="1" noTextEdit="1"/>
           </p:cNvSpPr>
@@ -10131,7 +10230,7 @@
       </p:sp>
       <p:sp>
         <p:nvSpPr>
-          <p:cNvPr id="35844" name="Rectangle 3"/>
+          <p:cNvPr id="36868" name="Rectangle 3"/>
           <p:cNvSpPr>
             <a:spLocks noGrp="1" noChangeArrowheads="1"/>
           </p:cNvSpPr>
@@ -10148,14 +10247,14 @@
           <a:lstStyle/>
           <a:p>
             <a:pPr>
-              <a:buFontTx/>
+              <a:buFont typeface="Arial" pitchFamily="34" charset="0"/>
               <a:buNone/>
             </a:pPr>
             <a:r>
               <a:rPr lang="es-AR" b="1" dirty="0" smtClean="0"/>
               <a:t>Speaker:</a:t>
             </a:r>
-            <a:endParaRPr lang="es-ES_tradnl" baseline="0" dirty="0" smtClean="0"/>
+            <a:endParaRPr lang="es-AR" dirty="0" smtClean="0"/>
           </a:p>
         </p:txBody>
       </p:sp>
@@ -16559,7 +16658,7 @@
       </p:grpSpPr>
       <p:sp>
         <p:nvSpPr>
-          <p:cNvPr id="14338" name="Rectangle 4"/>
+          <p:cNvPr id="15362" name="Rectangle 2"/>
           <p:cNvSpPr>
             <a:spLocks noGrp="1" noChangeArrowheads="1"/>
           </p:cNvSpPr>
@@ -16574,20 +16673,17 @@
           <a:p>
             <a:pPr eaLnBrk="1" hangingPunct="1"/>
             <a:r>
-              <a:rPr lang="es-AR" dirty="0" smtClean="0">
+              <a:rPr lang="es-AR" sz="3200" smtClean="0">
                 <a:latin typeface="Copperplate Gothic Bold" pitchFamily="34" charset="0"/>
               </a:rPr>
-              <a:t>Cambios de Alcance</a:t>
+              <a:t>Seguimiento y Control</a:t>
             </a:r>
-            <a:endParaRPr lang="es-AR" dirty="0" smtClean="0">
-              <a:latin typeface="Copperplate Gothic Bold" pitchFamily="34" charset="0"/>
-            </a:endParaRPr>
           </a:p>
         </p:txBody>
       </p:sp>
       <p:sp>
         <p:nvSpPr>
-          <p:cNvPr id="11" name="TextBox 24"/>
+          <p:cNvPr id="25" name="TextBox 24"/>
           <p:cNvSpPr txBox="1">
             <a:spLocks noChangeArrowheads="1"/>
           </p:cNvSpPr>
@@ -16595,8 +16691,8 @@
         </p:nvSpPr>
         <p:spPr bwMode="auto">
           <a:xfrm>
-            <a:off x="1403648" y="1988840"/>
-            <a:ext cx="5832648" cy="1015663"/>
+            <a:off x="1403648" y="1700808"/>
+            <a:ext cx="4033837" cy="400110"/>
           </a:xfrm>
           <a:prstGeom prst="rect">
             <a:avLst/>
@@ -16610,15 +16706,11 @@
           </a:ln>
         </p:spPr>
         <p:txBody>
-          <a:bodyPr wrap="square">
+          <a:bodyPr>
             <a:spAutoFit/>
           </a:bodyPr>
           <a:lstStyle/>
           <a:p>
-            <a:pPr>
-              <a:buFont typeface="Arial" pitchFamily="34" charset="0"/>
-              <a:buChar char="•"/>
-            </a:pPr>
             <a:r>
               <a:rPr lang="es-AR" sz="2000" dirty="0" smtClean="0">
                 <a:solidFill>
@@ -16629,7 +16721,7 @@
                 <a:latin typeface="Cambria" pitchFamily="18" charset="0"/>
                 <a:cs typeface="Arial" charset="0"/>
               </a:rPr>
-              <a:t>Múltiples </a:t>
+              <a:t>Caso de Análisis: Sprint </a:t>
             </a:r>
             <a:r>
               <a:rPr lang="es-AR" sz="2000" dirty="0" smtClean="0">
@@ -16641,40 +16733,7 @@
                 <a:latin typeface="Cambria" pitchFamily="18" charset="0"/>
                 <a:cs typeface="Arial" charset="0"/>
               </a:rPr>
-              <a:t>supervisores</a:t>
-            </a:r>
-          </a:p>
-          <a:p>
-            <a:pPr>
-              <a:buFont typeface="Arial" pitchFamily="34" charset="0"/>
-              <a:buChar char="•"/>
-            </a:pPr>
-            <a:endParaRPr lang="es-AR" sz="2000" dirty="0" smtClean="0">
-              <a:solidFill>
-                <a:schemeClr val="tx2">
-                  <a:lumMod val="50000"/>
-                </a:schemeClr>
-              </a:solidFill>
-              <a:latin typeface="Cambria" pitchFamily="18" charset="0"/>
-              <a:cs typeface="Arial" charset="0"/>
-            </a:endParaRPr>
-          </a:p>
-          <a:p>
-            <a:pPr>
-              <a:buFont typeface="Arial" pitchFamily="34" charset="0"/>
-              <a:buChar char="•"/>
-            </a:pPr>
-            <a:r>
-              <a:rPr lang="es-AR" sz="2000" dirty="0" smtClean="0">
-                <a:solidFill>
-                  <a:schemeClr val="tx2">
-                    <a:lumMod val="50000"/>
-                  </a:schemeClr>
-                </a:solidFill>
-                <a:latin typeface="Cambria" pitchFamily="18" charset="0"/>
-                <a:cs typeface="Arial" charset="0"/>
-              </a:rPr>
-              <a:t>…</a:t>
+              <a:t>4</a:t>
             </a:r>
             <a:endParaRPr lang="es-AR" sz="2000" dirty="0">
               <a:solidFill>
@@ -16688,6 +16747,112 @@
           </a:p>
         </p:txBody>
       </p:sp>
+      <p:grpSp>
+        <p:nvGrpSpPr>
+          <p:cNvPr id="7" name="6 Grupo"/>
+          <p:cNvGrpSpPr/>
+          <p:nvPr/>
+        </p:nvGrpSpPr>
+        <p:grpSpPr>
+          <a:xfrm>
+            <a:off x="971600" y="2132856"/>
+            <a:ext cx="7805330" cy="4536504"/>
+            <a:chOff x="971600" y="2132856"/>
+            <a:chExt cx="7805330" cy="4536504"/>
+          </a:xfrm>
+        </p:grpSpPr>
+        <p:sp>
+          <p:nvSpPr>
+            <p:cNvPr id="5" name="TextBox 24"/>
+            <p:cNvSpPr txBox="1">
+              <a:spLocks noChangeArrowheads="1"/>
+            </p:cNvSpPr>
+            <p:nvPr/>
+          </p:nvSpPr>
+          <p:spPr bwMode="auto">
+            <a:xfrm>
+              <a:off x="7164288" y="2132856"/>
+              <a:ext cx="1612642" cy="338554"/>
+            </a:xfrm>
+            <a:prstGeom prst="rect">
+              <a:avLst/>
+            </a:prstGeom>
+            <a:noFill/>
+            <a:ln w="9525">
+              <a:noFill/>
+              <a:miter lim="800000"/>
+              <a:headEnd/>
+              <a:tailEnd/>
+            </a:ln>
+          </p:spPr>
+          <p:txBody>
+            <a:bodyPr wrap="square">
+              <a:spAutoFit/>
+            </a:bodyPr>
+            <a:lstStyle/>
+            <a:p>
+              <a:r>
+                <a:rPr lang="es-AR" sz="1600" b="1" dirty="0" smtClean="0">
+                  <a:solidFill>
+                    <a:schemeClr val="tx1">
+                      <a:lumMod val="95000"/>
+                      <a:lumOff val="5000"/>
+                    </a:schemeClr>
+                  </a:solidFill>
+                  <a:latin typeface="Cambria" pitchFamily="18" charset="0"/>
+                  <a:cs typeface="Arial" charset="0"/>
+                </a:rPr>
+                <a:t>Costo en horas</a:t>
+              </a:r>
+              <a:endParaRPr lang="es-AR" sz="1600" b="1" dirty="0">
+                <a:solidFill>
+                  <a:schemeClr val="tx1">
+                    <a:lumMod val="95000"/>
+                    <a:lumOff val="5000"/>
+                  </a:schemeClr>
+                </a:solidFill>
+                <a:latin typeface="Cambria" pitchFamily="18" charset="0"/>
+                <a:cs typeface="Arial" charset="0"/>
+              </a:endParaRPr>
+            </a:p>
+          </p:txBody>
+        </p:sp>
+        <p:pic>
+          <p:nvPicPr>
+            <p:cNvPr id="3074" name="Gráfico 3"/>
+            <p:cNvPicPr>
+              <a:picLocks noChangeArrowheads="1"/>
+            </p:cNvPicPr>
+            <p:nvPr/>
+          </p:nvPicPr>
+          <p:blipFill>
+            <a:blip r:embed="rId3" cstate="print"/>
+            <a:srcRect/>
+            <a:stretch>
+              <a:fillRect/>
+            </a:stretch>
+          </p:blipFill>
+          <p:spPr bwMode="auto">
+            <a:xfrm>
+              <a:off x="971600" y="2564033"/>
+              <a:ext cx="7632924" cy="4105327"/>
+            </a:xfrm>
+            <a:prstGeom prst="rect">
+              <a:avLst/>
+            </a:prstGeom>
+            <a:ln>
+              <a:noFill/>
+            </a:ln>
+            <a:effectLst>
+              <a:outerShdw blurRad="190500" algn="tl" rotWithShape="0">
+                <a:srgbClr val="000000">
+                  <a:alpha val="70000"/>
+                </a:srgbClr>
+              </a:outerShdw>
+            </a:effectLst>
+          </p:spPr>
+        </p:pic>
+      </p:grpSp>
     </p:spTree>
   </p:cSld>
   <p:clrMapOvr>
@@ -16696,7 +16861,86 @@
   <p:timing>
     <p:tnLst>
       <p:par>
-        <p:cTn id="1" dur="indefinite" restart="never" nodeType="tmRoot"/>
+        <p:cTn id="1" dur="indefinite" restart="never" nodeType="tmRoot">
+          <p:childTnLst>
+            <p:seq concurrent="1" nextAc="seek">
+              <p:cTn id="2" dur="indefinite" nodeType="mainSeq">
+                <p:childTnLst>
+                  <p:par>
+                    <p:cTn id="3" fill="hold">
+                      <p:stCondLst>
+                        <p:cond delay="indefinite"/>
+                        <p:cond evt="onBegin" delay="0">
+                          <p:tn val="2"/>
+                        </p:cond>
+                      </p:stCondLst>
+                      <p:childTnLst>
+                        <p:par>
+                          <p:cTn id="4" fill="hold">
+                            <p:stCondLst>
+                              <p:cond delay="0"/>
+                            </p:stCondLst>
+                            <p:childTnLst>
+                              <p:par>
+                                <p:cTn id="5" presetID="10" presetClass="entr" presetSubtype="0" fill="hold" nodeType="withEffect">
+                                  <p:stCondLst>
+                                    <p:cond delay="0"/>
+                                  </p:stCondLst>
+                                  <p:childTnLst>
+                                    <p:set>
+                                      <p:cBhvr>
+                                        <p:cTn id="6" dur="1" fill="hold">
+                                          <p:stCondLst>
+                                            <p:cond delay="0"/>
+                                          </p:stCondLst>
+                                        </p:cTn>
+                                        <p:tgtEl>
+                                          <p:spTgt spid="7"/>
+                                        </p:tgtEl>
+                                        <p:attrNameLst>
+                                          <p:attrName>style.visibility</p:attrName>
+                                        </p:attrNameLst>
+                                      </p:cBhvr>
+                                      <p:to>
+                                        <p:strVal val="visible"/>
+                                      </p:to>
+                                    </p:set>
+                                    <p:animEffect transition="in" filter="fade">
+                                      <p:cBhvr>
+                                        <p:cTn id="7" dur="2000"/>
+                                        <p:tgtEl>
+                                          <p:spTgt spid="7"/>
+                                        </p:tgtEl>
+                                      </p:cBhvr>
+                                    </p:animEffect>
+                                  </p:childTnLst>
+                                </p:cTn>
+                              </p:par>
+                            </p:childTnLst>
+                          </p:cTn>
+                        </p:par>
+                      </p:childTnLst>
+                    </p:cTn>
+                  </p:par>
+                </p:childTnLst>
+              </p:cTn>
+              <p:prevCondLst>
+                <p:cond evt="onPrev" delay="0">
+                  <p:tgtEl>
+                    <p:sldTgt/>
+                  </p:tgtEl>
+                </p:cond>
+              </p:prevCondLst>
+              <p:nextCondLst>
+                <p:cond evt="onNext" delay="0">
+                  <p:tgtEl>
+                    <p:sldTgt/>
+                  </p:tgtEl>
+                </p:cond>
+              </p:nextCondLst>
+            </p:seq>
+          </p:childTnLst>
+        </p:cTn>
       </p:par>
     </p:tnLst>
   </p:timing>
@@ -16722,7 +16966,7 @@
       </p:grpSpPr>
       <p:sp>
         <p:nvSpPr>
-          <p:cNvPr id="3076" name="Rectangle 2"/>
+          <p:cNvPr id="14338" name="Rectangle 4"/>
           <p:cNvSpPr>
             <a:spLocks noGrp="1" noChangeArrowheads="1"/>
           </p:cNvSpPr>
@@ -16740,14 +16984,343 @@
               <a:rPr lang="es-AR" dirty="0" smtClean="0">
                 <a:latin typeface="Copperplate Gothic Bold" pitchFamily="34" charset="0"/>
               </a:rPr>
-              <a:t>Pruebas</a:t>
+              <a:t>Desvíos No Planificados</a:t>
+            </a:r>
+          </a:p>
+        </p:txBody>
+      </p:sp>
+      <p:grpSp>
+        <p:nvGrpSpPr>
+          <p:cNvPr id="7" name="6 Grupo"/>
+          <p:cNvGrpSpPr/>
+          <p:nvPr/>
+        </p:nvGrpSpPr>
+        <p:grpSpPr>
+          <a:xfrm>
+            <a:off x="1403648" y="1772816"/>
+            <a:ext cx="6928964" cy="4752528"/>
+            <a:chOff x="1403648" y="1772816"/>
+            <a:chExt cx="6928964" cy="4752528"/>
+          </a:xfrm>
+        </p:grpSpPr>
+        <p:sp>
+          <p:nvSpPr>
+            <p:cNvPr id="11" name="TextBox 24"/>
+            <p:cNvSpPr txBox="1">
+              <a:spLocks noChangeArrowheads="1"/>
+            </p:cNvSpPr>
+            <p:nvPr/>
+          </p:nvSpPr>
+          <p:spPr bwMode="auto">
+            <a:xfrm>
+              <a:off x="1403648" y="1772816"/>
+              <a:ext cx="5832648" cy="400110"/>
+            </a:xfrm>
+            <a:prstGeom prst="rect">
+              <a:avLst/>
+            </a:prstGeom>
+            <a:noFill/>
+            <a:ln w="9525">
+              <a:noFill/>
+              <a:miter lim="800000"/>
+              <a:headEnd/>
+              <a:tailEnd/>
+            </a:ln>
+          </p:spPr>
+          <p:txBody>
+            <a:bodyPr wrap="square">
+              <a:spAutoFit/>
+            </a:bodyPr>
+            <a:lstStyle/>
+            <a:p>
+              <a:pPr>
+                <a:buFont typeface="Arial" pitchFamily="34" charset="0"/>
+                <a:buChar char="•"/>
+              </a:pPr>
+              <a:r>
+                <a:rPr lang="es-AR" sz="2000" dirty="0" smtClean="0">
+                  <a:solidFill>
+                    <a:schemeClr val="tx2">
+                      <a:lumMod val="50000"/>
+                    </a:schemeClr>
+                  </a:solidFill>
+                  <a:latin typeface="Cambria" pitchFamily="18" charset="0"/>
+                  <a:cs typeface="Arial" charset="0"/>
+                </a:rPr>
+                <a:t> </a:t>
+              </a:r>
+              <a:r>
+                <a:rPr lang="es-AR" sz="2000" dirty="0" err="1" smtClean="0">
+                  <a:solidFill>
+                    <a:schemeClr val="tx2">
+                      <a:lumMod val="50000"/>
+                    </a:schemeClr>
+                  </a:solidFill>
+                  <a:latin typeface="Cambria" pitchFamily="18" charset="0"/>
+                  <a:cs typeface="Arial" charset="0"/>
+                </a:rPr>
+                <a:t>Code</a:t>
+              </a:r>
+              <a:r>
+                <a:rPr lang="es-AR" sz="2000" dirty="0" smtClean="0">
+                  <a:solidFill>
+                    <a:schemeClr val="tx2">
+                      <a:lumMod val="50000"/>
+                    </a:schemeClr>
+                  </a:solidFill>
+                  <a:latin typeface="Cambria" pitchFamily="18" charset="0"/>
+                  <a:cs typeface="Arial" charset="0"/>
+                </a:rPr>
+                <a:t> </a:t>
+              </a:r>
+              <a:r>
+                <a:rPr lang="es-AR" sz="2000" dirty="0" err="1" smtClean="0">
+                  <a:solidFill>
+                    <a:schemeClr val="tx2">
+                      <a:lumMod val="50000"/>
+                    </a:schemeClr>
+                  </a:solidFill>
+                  <a:latin typeface="Cambria" pitchFamily="18" charset="0"/>
+                  <a:cs typeface="Arial" charset="0"/>
+                </a:rPr>
+                <a:t>C</a:t>
+              </a:r>
+              <a:r>
+                <a:rPr lang="es-AR" sz="2000" dirty="0" err="1" smtClean="0">
+                  <a:solidFill>
+                    <a:schemeClr val="tx2">
+                      <a:lumMod val="50000"/>
+                    </a:schemeClr>
+                  </a:solidFill>
+                  <a:latin typeface="Cambria" pitchFamily="18" charset="0"/>
+                  <a:cs typeface="Arial" charset="0"/>
+                </a:rPr>
+                <a:t>overage</a:t>
+              </a:r>
+              <a:endParaRPr lang="es-AR" sz="2000" dirty="0">
+                <a:solidFill>
+                  <a:schemeClr val="tx2">
+                    <a:lumMod val="50000"/>
+                  </a:schemeClr>
+                </a:solidFill>
+                <a:latin typeface="Cambria" pitchFamily="18" charset="0"/>
+                <a:cs typeface="Arial" charset="0"/>
+              </a:endParaRPr>
+            </a:p>
+          </p:txBody>
+        </p:sp>
+        <p:pic>
+          <p:nvPicPr>
+            <p:cNvPr id="6" name="5 Imagen" descr="CodeCoverage.PNG"/>
+            <p:cNvPicPr>
+              <a:picLocks noChangeAspect="1"/>
+            </p:cNvPicPr>
+            <p:nvPr/>
+          </p:nvPicPr>
+          <p:blipFill>
+            <a:blip r:embed="rId3" cstate="print"/>
+            <a:stretch>
+              <a:fillRect/>
+            </a:stretch>
+          </p:blipFill>
+          <p:spPr>
+            <a:xfrm>
+              <a:off x="1475656" y="2276872"/>
+              <a:ext cx="6856956" cy="4248472"/>
+            </a:xfrm>
+            <a:prstGeom prst="rect">
+              <a:avLst/>
+            </a:prstGeom>
+            <a:ln>
+              <a:noFill/>
+            </a:ln>
+            <a:effectLst>
+              <a:outerShdw blurRad="190500" algn="tl" rotWithShape="0">
+                <a:srgbClr val="000000">
+                  <a:alpha val="70000"/>
+                </a:srgbClr>
+              </a:outerShdw>
+            </a:effectLst>
+          </p:spPr>
+        </p:pic>
+      </p:grpSp>
+    </p:spTree>
+  </p:cSld>
+  <p:clrMapOvr>
+    <a:masterClrMapping/>
+  </p:clrMapOvr>
+  <p:timing>
+    <p:tnLst>
+      <p:par>
+        <p:cTn id="1" dur="indefinite" restart="never" nodeType="tmRoot">
+          <p:childTnLst>
+            <p:seq concurrent="1" nextAc="seek">
+              <p:cTn id="2" dur="indefinite" nodeType="mainSeq">
+                <p:childTnLst>
+                  <p:par>
+                    <p:cTn id="3" fill="hold">
+                      <p:stCondLst>
+                        <p:cond delay="indefinite"/>
+                        <p:cond evt="onBegin" delay="0">
+                          <p:tn val="2"/>
+                        </p:cond>
+                      </p:stCondLst>
+                      <p:childTnLst>
+                        <p:par>
+                          <p:cTn id="4" fill="hold">
+                            <p:stCondLst>
+                              <p:cond delay="0"/>
+                            </p:stCondLst>
+                            <p:childTnLst>
+                              <p:par>
+                                <p:cTn id="5" presetID="2" presetClass="entr" presetSubtype="4" fill="hold" nodeType="withEffect">
+                                  <p:stCondLst>
+                                    <p:cond delay="0"/>
+                                  </p:stCondLst>
+                                  <p:childTnLst>
+                                    <p:set>
+                                      <p:cBhvr>
+                                        <p:cTn id="6" dur="1" fill="hold">
+                                          <p:stCondLst>
+                                            <p:cond delay="0"/>
+                                          </p:stCondLst>
+                                        </p:cTn>
+                                        <p:tgtEl>
+                                          <p:spTgt spid="7"/>
+                                        </p:tgtEl>
+                                        <p:attrNameLst>
+                                          <p:attrName>style.visibility</p:attrName>
+                                        </p:attrNameLst>
+                                      </p:cBhvr>
+                                      <p:to>
+                                        <p:strVal val="visible"/>
+                                      </p:to>
+                                    </p:set>
+                                    <p:anim calcmode="lin" valueType="num">
+                                      <p:cBhvr additive="base">
+                                        <p:cTn id="7" dur="500" fill="hold"/>
+                                        <p:tgtEl>
+                                          <p:spTgt spid="7"/>
+                                        </p:tgtEl>
+                                        <p:attrNameLst>
+                                          <p:attrName>ppt_x</p:attrName>
+                                        </p:attrNameLst>
+                                      </p:cBhvr>
+                                      <p:tavLst>
+                                        <p:tav tm="0">
+                                          <p:val>
+                                            <p:strVal val="#ppt_x"/>
+                                          </p:val>
+                                        </p:tav>
+                                        <p:tav tm="100000">
+                                          <p:val>
+                                            <p:strVal val="#ppt_x"/>
+                                          </p:val>
+                                        </p:tav>
+                                      </p:tavLst>
+                                    </p:anim>
+                                    <p:anim calcmode="lin" valueType="num">
+                                      <p:cBhvr additive="base">
+                                        <p:cTn id="8" dur="500" fill="hold"/>
+                                        <p:tgtEl>
+                                          <p:spTgt spid="7"/>
+                                        </p:tgtEl>
+                                        <p:attrNameLst>
+                                          <p:attrName>ppt_y</p:attrName>
+                                        </p:attrNameLst>
+                                      </p:cBhvr>
+                                      <p:tavLst>
+                                        <p:tav tm="0">
+                                          <p:val>
+                                            <p:strVal val="1+#ppt_h/2"/>
+                                          </p:val>
+                                        </p:tav>
+                                        <p:tav tm="100000">
+                                          <p:val>
+                                            <p:strVal val="#ppt_y"/>
+                                          </p:val>
+                                        </p:tav>
+                                      </p:tavLst>
+                                    </p:anim>
+                                  </p:childTnLst>
+                                </p:cTn>
+                              </p:par>
+                            </p:childTnLst>
+                          </p:cTn>
+                        </p:par>
+                      </p:childTnLst>
+                    </p:cTn>
+                  </p:par>
+                </p:childTnLst>
+              </p:cTn>
+              <p:prevCondLst>
+                <p:cond evt="onPrev" delay="0">
+                  <p:tgtEl>
+                    <p:sldTgt/>
+                  </p:tgtEl>
+                </p:cond>
+              </p:prevCondLst>
+              <p:nextCondLst>
+                <p:cond evt="onNext" delay="0">
+                  <p:tgtEl>
+                    <p:sldTgt/>
+                  </p:tgtEl>
+                </p:cond>
+              </p:nextCondLst>
+            </p:seq>
+          </p:childTnLst>
+        </p:cTn>
+      </p:par>
+    </p:tnLst>
+  </p:timing>
+</p:sld>
+</file>
+
+<file path=ppt/slides/slide12.xml><?xml version="1.0" encoding="utf-8"?>
+<p:sld xmlns:a="http://schemas.openxmlformats.org/drawingml/2006/main" xmlns:r="http://schemas.openxmlformats.org/officeDocument/2006/relationships" xmlns:p="http://schemas.openxmlformats.org/presentationml/2006/main">
+  <p:cSld>
+    <p:spTree>
+      <p:nvGrpSpPr>
+        <p:cNvPr id="1" name=""/>
+        <p:cNvGrpSpPr/>
+        <p:nvPr/>
+      </p:nvGrpSpPr>
+      <p:grpSpPr>
+        <a:xfrm>
+          <a:off x="0" y="0"/>
+          <a:ext cx="0" cy="0"/>
+          <a:chOff x="0" y="0"/>
+          <a:chExt cx="0" cy="0"/>
+        </a:xfrm>
+      </p:grpSpPr>
+      <p:sp>
+        <p:nvSpPr>
+          <p:cNvPr id="14338" name="Rectangle 4"/>
+          <p:cNvSpPr>
+            <a:spLocks noGrp="1" noChangeArrowheads="1"/>
+          </p:cNvSpPr>
+          <p:nvPr>
+            <p:ph type="title"/>
+          </p:nvPr>
+        </p:nvSpPr>
+        <p:spPr/>
+        <p:txBody>
+          <a:bodyPr/>
+          <a:lstStyle/>
+          <a:p>
+            <a:pPr eaLnBrk="1" hangingPunct="1"/>
+            <a:r>
+              <a:rPr lang="es-AR" dirty="0" smtClean="0">
+                <a:latin typeface="Copperplate Gothic Bold" pitchFamily="34" charset="0"/>
+              </a:rPr>
+              <a:t>Cambios de Alcance</a:t>
             </a:r>
           </a:p>
         </p:txBody>
       </p:sp>
       <p:sp>
         <p:nvSpPr>
-          <p:cNvPr id="14" name="TextBox 24"/>
+          <p:cNvPr id="11" name="TextBox 24"/>
           <p:cNvSpPr txBox="1">
             <a:spLocks noChangeArrowheads="1"/>
           </p:cNvSpPr>
@@ -16756,7 +17329,7 @@
         <p:spPr bwMode="auto">
           <a:xfrm>
             <a:off x="1403648" y="1988840"/>
-            <a:ext cx="5832648" cy="1631216"/>
+            <a:ext cx="5832648" cy="400110"/>
           </a:xfrm>
           <a:prstGeom prst="rect">
             <a:avLst/>
@@ -16789,153 +17362,9 @@
                 <a:latin typeface="Cambria" pitchFamily="18" charset="0"/>
                 <a:cs typeface="Arial" charset="0"/>
               </a:rPr>
-              <a:t>Pruebas unitarias: Problemas de </a:t>
-            </a:r>
-            <a:r>
-              <a:rPr lang="es-AR" sz="2000" dirty="0" err="1" smtClean="0">
-                <a:solidFill>
-                  <a:schemeClr val="tx2">
-                    <a:lumMod val="50000"/>
-                  </a:schemeClr>
-                </a:solidFill>
-                <a:latin typeface="Cambria" pitchFamily="18" charset="0"/>
-                <a:cs typeface="Arial" charset="0"/>
-              </a:rPr>
-              <a:t>coverage</a:t>
+              <a:t> Múltiples supervisores</a:t>
             </a:r>
             <a:endParaRPr lang="es-AR" sz="2000" dirty="0" smtClean="0">
-              <a:solidFill>
-                <a:schemeClr val="tx2">
-                  <a:lumMod val="50000"/>
-                </a:schemeClr>
-              </a:solidFill>
-              <a:latin typeface="Cambria" pitchFamily="18" charset="0"/>
-              <a:cs typeface="Arial" charset="0"/>
-            </a:endParaRPr>
-          </a:p>
-          <a:p>
-            <a:pPr>
-              <a:buFont typeface="Arial" pitchFamily="34" charset="0"/>
-              <a:buChar char="•"/>
-            </a:pPr>
-            <a:endParaRPr lang="es-AR" sz="2000" dirty="0" smtClean="0">
-              <a:solidFill>
-                <a:schemeClr val="tx2">
-                  <a:lumMod val="50000"/>
-                </a:schemeClr>
-              </a:solidFill>
-              <a:latin typeface="Cambria" pitchFamily="18" charset="0"/>
-              <a:cs typeface="Arial" charset="0"/>
-            </a:endParaRPr>
-          </a:p>
-          <a:p>
-            <a:pPr>
-              <a:buFont typeface="Arial" pitchFamily="34" charset="0"/>
-              <a:buChar char="•"/>
-            </a:pPr>
-            <a:r>
-              <a:rPr lang="es-AR" sz="2000" dirty="0" smtClean="0">
-                <a:solidFill>
-                  <a:schemeClr val="tx2">
-                    <a:lumMod val="50000"/>
-                  </a:schemeClr>
-                </a:solidFill>
-                <a:latin typeface="Cambria" pitchFamily="18" charset="0"/>
-                <a:cs typeface="Arial" charset="0"/>
-              </a:rPr>
-              <a:t>Pruebas  de integración: Verificación de </a:t>
-            </a:r>
-            <a:r>
-              <a:rPr lang="es-AR" sz="2000" dirty="0" err="1" smtClean="0">
-                <a:solidFill>
-                  <a:schemeClr val="tx2">
-                    <a:lumMod val="50000"/>
-                  </a:schemeClr>
-                </a:solidFill>
-                <a:latin typeface="Cambria" pitchFamily="18" charset="0"/>
-                <a:cs typeface="Arial" charset="0"/>
-              </a:rPr>
-              <a:t>UATs</a:t>
-            </a:r>
-            <a:endParaRPr lang="es-AR" sz="2000" dirty="0" smtClean="0">
-              <a:solidFill>
-                <a:schemeClr val="tx2">
-                  <a:lumMod val="50000"/>
-                </a:schemeClr>
-              </a:solidFill>
-              <a:latin typeface="Cambria" pitchFamily="18" charset="0"/>
-              <a:cs typeface="Arial" charset="0"/>
-            </a:endParaRPr>
-          </a:p>
-          <a:p>
-            <a:pPr>
-              <a:buFont typeface="Arial" pitchFamily="34" charset="0"/>
-              <a:buChar char="•"/>
-            </a:pPr>
-            <a:endParaRPr lang="es-AR" sz="2000" dirty="0" smtClean="0">
-              <a:solidFill>
-                <a:schemeClr val="tx2">
-                  <a:lumMod val="50000"/>
-                </a:schemeClr>
-              </a:solidFill>
-              <a:latin typeface="Cambria" pitchFamily="18" charset="0"/>
-              <a:cs typeface="Arial" charset="0"/>
-            </a:endParaRPr>
-          </a:p>
-          <a:p>
-            <a:pPr>
-              <a:buFont typeface="Arial" pitchFamily="34" charset="0"/>
-              <a:buChar char="•"/>
-            </a:pPr>
-            <a:r>
-              <a:rPr lang="es-AR" sz="2000" dirty="0" smtClean="0">
-                <a:solidFill>
-                  <a:schemeClr val="tx2">
-                    <a:lumMod val="50000"/>
-                  </a:schemeClr>
-                </a:solidFill>
-                <a:latin typeface="Cambria" pitchFamily="18" charset="0"/>
-                <a:cs typeface="Arial" charset="0"/>
-              </a:rPr>
-              <a:t>Seguimiento de </a:t>
-            </a:r>
-            <a:r>
-              <a:rPr lang="es-AR" sz="2000" dirty="0" err="1" smtClean="0">
-                <a:solidFill>
-                  <a:schemeClr val="tx2">
-                    <a:lumMod val="50000"/>
-                  </a:schemeClr>
-                </a:solidFill>
-                <a:latin typeface="Cambria" pitchFamily="18" charset="0"/>
-                <a:cs typeface="Arial" charset="0"/>
-              </a:rPr>
-              <a:t>bugs</a:t>
-            </a:r>
-            <a:r>
-              <a:rPr lang="es-AR" sz="2000" dirty="0" smtClean="0">
-                <a:solidFill>
-                  <a:schemeClr val="tx2">
-                    <a:lumMod val="50000"/>
-                  </a:schemeClr>
-                </a:solidFill>
-                <a:latin typeface="Cambria" pitchFamily="18" charset="0"/>
-                <a:cs typeface="Arial" charset="0"/>
-              </a:rPr>
-              <a:t>: </a:t>
-            </a:r>
-            <a:r>
-              <a:rPr lang="es-AR" sz="2000" dirty="0" err="1" smtClean="0">
-                <a:solidFill>
-                  <a:schemeClr val="tx2">
-                    <a:lumMod val="50000"/>
-                  </a:schemeClr>
-                </a:solidFill>
-                <a:latin typeface="Cambria" pitchFamily="18" charset="0"/>
-                <a:cs typeface="Arial" charset="0"/>
-              </a:rPr>
-              <a:t>Wolof</a:t>
-            </a:r>
-            <a:endParaRPr lang="es-AR" sz="2000" dirty="0">
               <a:solidFill>
                 <a:schemeClr val="tx2">
                   <a:lumMod val="50000"/>
@@ -16962,7 +17391,7 @@
 </p:sld>
 </file>
 
-<file path=ppt/slides/slide12.xml><?xml version="1.0" encoding="utf-8"?>
+<file path=ppt/slides/slide13.xml><?xml version="1.0" encoding="utf-8"?>
 <p:sld xmlns:a="http://schemas.openxmlformats.org/drawingml/2006/main" xmlns:r="http://schemas.openxmlformats.org/officeDocument/2006/relationships" xmlns:p="http://schemas.openxmlformats.org/presentationml/2006/main">
   <p:cSld>
     <p:spTree>
@@ -17084,14 +17513,142 @@
   <p:timing>
     <p:tnLst>
       <p:par>
-        <p:cTn id="1" dur="indefinite" restart="never" nodeType="tmRoot"/>
+        <p:cTn id="1" dur="indefinite" restart="never" nodeType="tmRoot">
+          <p:childTnLst>
+            <p:seq concurrent="1" nextAc="seek">
+              <p:cTn id="2" dur="indefinite" nodeType="mainSeq">
+                <p:childTnLst>
+                  <p:par>
+                    <p:cTn id="3" fill="hold">
+                      <p:stCondLst>
+                        <p:cond delay="indefinite"/>
+                        <p:cond evt="onBegin" delay="0">
+                          <p:tn val="2"/>
+                        </p:cond>
+                      </p:stCondLst>
+                      <p:childTnLst>
+                        <p:par>
+                          <p:cTn id="4" fill="hold">
+                            <p:stCondLst>
+                              <p:cond delay="0"/>
+                            </p:stCondLst>
+                            <p:childTnLst>
+                              <p:par>
+                                <p:cTn id="5" presetID="53" presetClass="entr" presetSubtype="0" fill="hold" grpId="0" nodeType="withEffect">
+                                  <p:stCondLst>
+                                    <p:cond delay="0"/>
+                                  </p:stCondLst>
+                                  <p:childTnLst>
+                                    <p:set>
+                                      <p:cBhvr>
+                                        <p:cTn id="6" dur="1" fill="hold">
+                                          <p:stCondLst>
+                                            <p:cond delay="0"/>
+                                          </p:stCondLst>
+                                        </p:cTn>
+                                        <p:tgtEl>
+                                          <p:spTgt spid="3"/>
+                                        </p:tgtEl>
+                                        <p:attrNameLst>
+                                          <p:attrName>style.visibility</p:attrName>
+                                        </p:attrNameLst>
+                                      </p:cBhvr>
+                                      <p:to>
+                                        <p:strVal val="visible"/>
+                                      </p:to>
+                                    </p:set>
+                                    <p:anim calcmode="lin" valueType="num">
+                                      <p:cBhvr>
+                                        <p:cTn id="7" dur="500" fill="hold"/>
+                                        <p:tgtEl>
+                                          <p:spTgt spid="3"/>
+                                        </p:tgtEl>
+                                        <p:attrNameLst>
+                                          <p:attrName>ppt_w</p:attrName>
+                                        </p:attrNameLst>
+                                      </p:cBhvr>
+                                      <p:tavLst>
+                                        <p:tav tm="0">
+                                          <p:val>
+                                            <p:fltVal val="0"/>
+                                          </p:val>
+                                        </p:tav>
+                                        <p:tav tm="100000">
+                                          <p:val>
+                                            <p:strVal val="#ppt_w"/>
+                                          </p:val>
+                                        </p:tav>
+                                      </p:tavLst>
+                                    </p:anim>
+                                    <p:anim calcmode="lin" valueType="num">
+                                      <p:cBhvr>
+                                        <p:cTn id="8" dur="500" fill="hold"/>
+                                        <p:tgtEl>
+                                          <p:spTgt spid="3"/>
+                                        </p:tgtEl>
+                                        <p:attrNameLst>
+                                          <p:attrName>ppt_h</p:attrName>
+                                        </p:attrNameLst>
+                                      </p:cBhvr>
+                                      <p:tavLst>
+                                        <p:tav tm="0">
+                                          <p:val>
+                                            <p:fltVal val="0"/>
+                                          </p:val>
+                                        </p:tav>
+                                        <p:tav tm="100000">
+                                          <p:val>
+                                            <p:strVal val="#ppt_h"/>
+                                          </p:val>
+                                        </p:tav>
+                                      </p:tavLst>
+                                    </p:anim>
+                                    <p:animEffect transition="in" filter="fade">
+                                      <p:cBhvr>
+                                        <p:cTn id="9" dur="500"/>
+                                        <p:tgtEl>
+                                          <p:spTgt spid="3"/>
+                                        </p:tgtEl>
+                                      </p:cBhvr>
+                                    </p:animEffect>
+                                  </p:childTnLst>
+                                </p:cTn>
+                              </p:par>
+                            </p:childTnLst>
+                          </p:cTn>
+                        </p:par>
+                      </p:childTnLst>
+                    </p:cTn>
+                  </p:par>
+                </p:childTnLst>
+              </p:cTn>
+              <p:prevCondLst>
+                <p:cond evt="onPrev" delay="0">
+                  <p:tgtEl>
+                    <p:sldTgt/>
+                  </p:tgtEl>
+                </p:cond>
+              </p:prevCondLst>
+              <p:nextCondLst>
+                <p:cond evt="onNext" delay="0">
+                  <p:tgtEl>
+                    <p:sldTgt/>
+                  </p:tgtEl>
+                </p:cond>
+              </p:nextCondLst>
+            </p:seq>
+          </p:childTnLst>
+        </p:cTn>
       </p:par>
     </p:tnLst>
+    <p:bldLst>
+      <p:bldP spid="3" grpId="0" animBg="1"/>
+    </p:bldLst>
   </p:timing>
 </p:sld>
 </file>
 
-<file path=ppt/slides/slide13.xml><?xml version="1.0" encoding="utf-8"?>
+<file path=ppt/slides/slide14.xml><?xml version="1.0" encoding="utf-8"?>
 <p:sld xmlns:a="http://schemas.openxmlformats.org/drawingml/2006/main" xmlns:r="http://schemas.openxmlformats.org/officeDocument/2006/relationships" xmlns:p="http://schemas.openxmlformats.org/presentationml/2006/main">
   <p:cSld>
     <p:spTree>
@@ -17588,7 +18145,7 @@
 </p:sld>
 </file>
 
-<file path=ppt/slides/slide14.xml><?xml version="1.0" encoding="utf-8"?>
+<file path=ppt/slides/slide15.xml><?xml version="1.0" encoding="utf-8"?>
 <p:sld xmlns:a="http://schemas.openxmlformats.org/drawingml/2006/main" xmlns:r="http://schemas.openxmlformats.org/officeDocument/2006/relationships" xmlns:p="http://schemas.openxmlformats.org/presentationml/2006/main">
   <p:cSld>
     <p:spTree>
@@ -17645,7 +18202,7 @@
 </p:sld>
 </file>
 
-<file path=ppt/slides/slide15.xml><?xml version="1.0" encoding="utf-8"?>
+<file path=ppt/slides/slide16.xml><?xml version="1.0" encoding="utf-8"?>
 <p:sld xmlns:a="http://schemas.openxmlformats.org/drawingml/2006/main" xmlns:r="http://schemas.openxmlformats.org/officeDocument/2006/relationships" xmlns:p="http://schemas.openxmlformats.org/presentationml/2006/main">
   <p:cSld>
     <p:spTree>
@@ -17852,7 +18409,7 @@
 </p:sld>
 </file>
 
-<file path=ppt/slides/slide16.xml><?xml version="1.0" encoding="utf-8"?>
+<file path=ppt/slides/slide17.xml><?xml version="1.0" encoding="utf-8"?>
 <p:sld xmlns:a="http://schemas.openxmlformats.org/drawingml/2006/main" xmlns:r="http://schemas.openxmlformats.org/officeDocument/2006/relationships" xmlns:p="http://schemas.openxmlformats.org/presentationml/2006/main">
   <p:cSld>
     <p:spTree>
@@ -18045,8 +18602,8 @@
         </p:nvSpPr>
         <p:spPr bwMode="auto">
           <a:xfrm>
-            <a:off x="539552" y="4581128"/>
-            <a:ext cx="6740549" cy="1872208"/>
+            <a:off x="539552" y="4797152"/>
+            <a:ext cx="7272808" cy="1872208"/>
           </a:xfrm>
           <a:prstGeom prst="rect">
             <a:avLst/>
@@ -18084,7 +18641,7 @@
               <a:defRPr/>
             </a:pPr>
             <a:r>
-              <a:rPr lang="es-ES" sz="2100" dirty="0" smtClean="0">
+              <a:rPr lang="es-ES" sz="2200" dirty="0" smtClean="0">
                 <a:solidFill>
                   <a:schemeClr val="tx2">
                     <a:lumMod val="50000"/>
@@ -18110,7 +18667,7 @@
               <a:defRPr/>
             </a:pPr>
             <a:r>
-              <a:rPr lang="es-AR" dirty="0" smtClean="0">
+              <a:rPr lang="es-AR" sz="2000" dirty="0" smtClean="0">
                 <a:latin typeface="Calibri" pitchFamily="34" charset="0"/>
                 <a:cs typeface="Calibri" pitchFamily="34" charset="0"/>
               </a:rPr>
@@ -18131,7 +18688,7 @@
               <a:defRPr/>
             </a:pPr>
             <a:r>
-              <a:rPr lang="es-AR" dirty="0" smtClean="0">
+              <a:rPr lang="es-AR" sz="2000" dirty="0" smtClean="0">
                 <a:latin typeface="Calibri" pitchFamily="34" charset="0"/>
                 <a:cs typeface="Calibri" pitchFamily="34" charset="0"/>
               </a:rPr>
@@ -18152,42 +18709,42 @@
               <a:defRPr/>
             </a:pPr>
             <a:r>
-              <a:rPr lang="es-AR" dirty="0" smtClean="0">
+              <a:rPr lang="es-AR" sz="2000" dirty="0" smtClean="0">
                 <a:latin typeface="Calibri" pitchFamily="34" charset="0"/>
                 <a:cs typeface="Calibri" pitchFamily="34" charset="0"/>
               </a:rPr>
               <a:t>Sprint </a:t>
             </a:r>
             <a:r>
-              <a:rPr lang="es-AR" dirty="0" err="1" smtClean="0">
+              <a:rPr lang="es-AR" sz="2000" dirty="0" err="1" smtClean="0">
                 <a:latin typeface="Calibri" pitchFamily="34" charset="0"/>
                 <a:cs typeface="Calibri" pitchFamily="34" charset="0"/>
               </a:rPr>
               <a:t>Review</a:t>
             </a:r>
             <a:r>
-              <a:rPr lang="es-AR" dirty="0" smtClean="0">
+              <a:rPr lang="es-AR" sz="2000" dirty="0" smtClean="0">
                 <a:latin typeface="Calibri" pitchFamily="34" charset="0"/>
                 <a:cs typeface="Calibri" pitchFamily="34" charset="0"/>
               </a:rPr>
               <a:t> + </a:t>
             </a:r>
             <a:r>
-              <a:rPr lang="es-AR" dirty="0" err="1" smtClean="0">
+              <a:rPr lang="es-AR" sz="2000" dirty="0" err="1" smtClean="0">
                 <a:latin typeface="Calibri" pitchFamily="34" charset="0"/>
                 <a:cs typeface="Calibri" pitchFamily="34" charset="0"/>
               </a:rPr>
               <a:t>Planning</a:t>
             </a:r>
             <a:r>
-              <a:rPr lang="es-AR" dirty="0" smtClean="0">
+              <a:rPr lang="es-AR" sz="2000" dirty="0" smtClean="0">
                 <a:latin typeface="Calibri" pitchFamily="34" charset="0"/>
                 <a:cs typeface="Calibri" pitchFamily="34" charset="0"/>
               </a:rPr>
               <a:t> </a:t>
             </a:r>
             <a:r>
-              <a:rPr lang="es-AR" dirty="0" smtClean="0">
+              <a:rPr lang="es-AR" sz="2000" dirty="0" smtClean="0">
                 <a:latin typeface="Calibri" pitchFamily="34" charset="0"/>
                 <a:cs typeface="Calibri" pitchFamily="34" charset="0"/>
                 <a:sym typeface="Wingdings" pitchFamily="2" charset="2"/>
@@ -18195,13 +18752,13 @@
               <a:t> </a:t>
             </a:r>
             <a:r>
-              <a:rPr lang="es-AR" dirty="0" smtClean="0">
+              <a:rPr lang="es-AR" sz="2000" dirty="0" smtClean="0">
                 <a:latin typeface="Calibri" pitchFamily="34" charset="0"/>
                 <a:cs typeface="Calibri" pitchFamily="34" charset="0"/>
               </a:rPr>
               <a:t>Reuniones formales de la materia</a:t>
             </a:r>
-            <a:endParaRPr lang="es-ES" dirty="0" smtClean="0">
+            <a:endParaRPr lang="es-ES" sz="2000" dirty="0" smtClean="0">
               <a:latin typeface="Calibri" pitchFamily="34" charset="0"/>
               <a:cs typeface="Calibri" pitchFamily="34" charset="0"/>
             </a:endParaRPr>
@@ -18235,63 +18792,100 @@
           </a:p>
         </p:txBody>
       </p:sp>
-      <p:pic>
-        <p:nvPicPr>
-          <p:cNvPr id="5" name="4 Imagen" descr="wolof1.PNG"/>
-          <p:cNvPicPr>
-            <a:picLocks noChangeAspect="1"/>
-          </p:cNvPicPr>
+      <p:grpSp>
+        <p:nvGrpSpPr>
+          <p:cNvPr id="7" name="6 Grupo"/>
+          <p:cNvGrpSpPr/>
           <p:nvPr/>
-        </p:nvPicPr>
-        <p:blipFill>
-          <a:blip r:embed="rId3" cstate="print"/>
-          <a:stretch>
-            <a:fillRect/>
-          </a:stretch>
-        </p:blipFill>
-        <p:spPr>
+        </p:nvGrpSpPr>
+        <p:grpSpPr>
           <a:xfrm>
-            <a:off x="3635896" y="2276872"/>
-            <a:ext cx="5009122" cy="2475487"/>
+            <a:off x="3347864" y="1830310"/>
+            <a:ext cx="5297154" cy="3038851"/>
+            <a:chOff x="3347864" y="1830310"/>
+            <a:chExt cx="5297154" cy="3038851"/>
           </a:xfrm>
-          <a:prstGeom prst="rect">
-            <a:avLst/>
-          </a:prstGeom>
-        </p:spPr>
-      </p:pic>
-      <p:sp>
-        <p:nvSpPr>
-          <p:cNvPr id="6" name="5 Rectángulo"/>
-          <p:cNvSpPr/>
-          <p:nvPr/>
-        </p:nvSpPr>
-        <p:spPr>
-          <a:xfrm>
-            <a:off x="3635896" y="1844824"/>
-            <a:ext cx="2819939" cy="415498"/>
-          </a:xfrm>
-          <a:prstGeom prst="rect">
-            <a:avLst/>
-          </a:prstGeom>
-        </p:spPr>
-        <p:txBody>
-          <a:bodyPr wrap="none">
-            <a:spAutoFit/>
-          </a:bodyPr>
-          <a:lstStyle/>
-          <a:p>
-            <a:pPr marL="342900" lvl="0" indent="-342900">
-              <a:spcBef>
-                <a:spcPts val="1600"/>
-              </a:spcBef>
-              <a:buClr>
-                <a:schemeClr val="tx2"/>
-              </a:buClr>
-              <a:buSzPct val="70000"/>
-              <a:defRPr/>
-            </a:pPr>
-            <a:r>
-              <a:rPr lang="es-ES" sz="2100" dirty="0" smtClean="0">
+        </p:grpSpPr>
+        <p:pic>
+          <p:nvPicPr>
+            <p:cNvPr id="5" name="4 Imagen" descr="wolof1.PNG"/>
+            <p:cNvPicPr>
+              <a:picLocks noChangeAspect="1"/>
+            </p:cNvPicPr>
+            <p:nvPr/>
+          </p:nvPicPr>
+          <p:blipFill>
+            <a:blip r:embed="rId3" cstate="print"/>
+            <a:stretch>
+              <a:fillRect/>
+            </a:stretch>
+          </p:blipFill>
+          <p:spPr>
+            <a:xfrm>
+              <a:off x="3399550" y="2276873"/>
+              <a:ext cx="5245468" cy="2592288"/>
+            </a:xfrm>
+            <a:prstGeom prst="rect">
+              <a:avLst/>
+            </a:prstGeom>
+          </p:spPr>
+        </p:pic>
+        <p:sp>
+          <p:nvSpPr>
+            <p:cNvPr id="6" name="5 Rectángulo"/>
+            <p:cNvSpPr/>
+            <p:nvPr/>
+          </p:nvSpPr>
+          <p:spPr>
+            <a:xfrm>
+              <a:off x="3347864" y="1830310"/>
+              <a:ext cx="2881430" cy="430887"/>
+            </a:xfrm>
+            <a:prstGeom prst="rect">
+              <a:avLst/>
+            </a:prstGeom>
+          </p:spPr>
+          <p:txBody>
+            <a:bodyPr wrap="none">
+              <a:spAutoFit/>
+            </a:bodyPr>
+            <a:lstStyle/>
+            <a:p>
+              <a:pPr marL="342900" lvl="0" indent="-342900">
+                <a:spcBef>
+                  <a:spcPts val="1600"/>
+                </a:spcBef>
+                <a:buClr>
+                  <a:schemeClr val="tx2"/>
+                </a:buClr>
+                <a:buSzPct val="70000"/>
+                <a:defRPr/>
+              </a:pPr>
+              <a:r>
+                <a:rPr lang="es-ES" sz="2200" dirty="0" smtClean="0">
+                  <a:solidFill>
+                    <a:schemeClr val="tx2">
+                      <a:lumMod val="50000"/>
+                    </a:schemeClr>
+                  </a:solidFill>
+                  <a:latin typeface="Cambria" pitchFamily="18" charset="0"/>
+                  <a:cs typeface="Calibri" pitchFamily="34" charset="0"/>
+                </a:rPr>
+                <a:t>Administración: </a:t>
+              </a:r>
+              <a:r>
+                <a:rPr lang="es-ES" sz="2200" dirty="0" err="1" smtClean="0">
+                  <a:solidFill>
+                    <a:schemeClr val="tx2">
+                      <a:lumMod val="50000"/>
+                    </a:schemeClr>
+                  </a:solidFill>
+                  <a:latin typeface="Cambria" pitchFamily="18" charset="0"/>
+                  <a:cs typeface="Calibri" pitchFamily="34" charset="0"/>
+                </a:rPr>
+                <a:t>Wolof</a:t>
+              </a:r>
+              <a:endParaRPr lang="es-ES" sz="2200" dirty="0" smtClean="0">
                 <a:solidFill>
                   <a:schemeClr val="tx2">
                     <a:lumMod val="50000"/>
@@ -18299,33 +18893,11 @@
                 </a:solidFill>
                 <a:latin typeface="Cambria" pitchFamily="18" charset="0"/>
                 <a:cs typeface="Calibri" pitchFamily="34" charset="0"/>
-              </a:rPr>
-              <a:t>Administración: </a:t>
-            </a:r>
-            <a:r>
-              <a:rPr lang="es-ES" sz="2100" dirty="0" err="1" smtClean="0">
-                <a:solidFill>
-                  <a:schemeClr val="tx2">
-                    <a:lumMod val="50000"/>
-                  </a:schemeClr>
-                </a:solidFill>
-                <a:latin typeface="Cambria" pitchFamily="18" charset="0"/>
-                <a:cs typeface="Calibri" pitchFamily="34" charset="0"/>
-              </a:rPr>
-              <a:t>Wolof</a:t>
-            </a:r>
-            <a:endParaRPr lang="es-ES" sz="2100" dirty="0" smtClean="0">
-              <a:solidFill>
-                <a:schemeClr val="tx2">
-                  <a:lumMod val="50000"/>
-                </a:schemeClr>
-              </a:solidFill>
-              <a:latin typeface="Cambria" pitchFamily="18" charset="0"/>
-              <a:cs typeface="Calibri" pitchFamily="34" charset="0"/>
-            </a:endParaRPr>
-          </a:p>
-        </p:txBody>
-      </p:sp>
+              </a:endParaRPr>
+            </a:p>
+          </p:txBody>
+        </p:sp>
+      </p:grpSp>
     </p:spTree>
   </p:cSld>
   <p:clrMapOvr>
@@ -18334,9 +18906,263 @@
   <p:timing>
     <p:tnLst>
       <p:par>
-        <p:cTn id="1" dur="indefinite" restart="never" nodeType="tmRoot"/>
+        <p:cTn id="1" dur="indefinite" restart="never" nodeType="tmRoot">
+          <p:childTnLst>
+            <p:seq concurrent="1" nextAc="seek">
+              <p:cTn id="2" dur="indefinite" nodeType="mainSeq">
+                <p:childTnLst>
+                  <p:par>
+                    <p:cTn id="3" fill="hold">
+                      <p:stCondLst>
+                        <p:cond delay="indefinite"/>
+                        <p:cond evt="onBegin" delay="0">
+                          <p:tn val="2"/>
+                        </p:cond>
+                      </p:stCondLst>
+                      <p:childTnLst>
+                        <p:par>
+                          <p:cTn id="4" fill="hold">
+                            <p:stCondLst>
+                              <p:cond delay="0"/>
+                            </p:stCondLst>
+                            <p:childTnLst>
+                              <p:par>
+                                <p:cTn id="5" presetID="3" presetClass="entr" presetSubtype="10" fill="hold" nodeType="withEffect">
+                                  <p:stCondLst>
+                                    <p:cond delay="0"/>
+                                  </p:stCondLst>
+                                  <p:childTnLst>
+                                    <p:set>
+                                      <p:cBhvr>
+                                        <p:cTn id="6" dur="1" fill="hold">
+                                          <p:stCondLst>
+                                            <p:cond delay="0"/>
+                                          </p:stCondLst>
+                                        </p:cTn>
+                                        <p:tgtEl>
+                                          <p:spTgt spid="7"/>
+                                        </p:tgtEl>
+                                        <p:attrNameLst>
+                                          <p:attrName>style.visibility</p:attrName>
+                                        </p:attrNameLst>
+                                      </p:cBhvr>
+                                      <p:to>
+                                        <p:strVal val="visible"/>
+                                      </p:to>
+                                    </p:set>
+                                    <p:animEffect transition="in" filter="blinds(horizontal)">
+                                      <p:cBhvr>
+                                        <p:cTn id="7" dur="500"/>
+                                        <p:tgtEl>
+                                          <p:spTgt spid="7"/>
+                                        </p:tgtEl>
+                                      </p:cBhvr>
+                                    </p:animEffect>
+                                  </p:childTnLst>
+                                </p:cTn>
+                              </p:par>
+                              <p:par>
+                                <p:cTn id="8" presetID="3" presetClass="entr" presetSubtype="10" fill="hold" grpId="0" nodeType="withEffect">
+                                  <p:stCondLst>
+                                    <p:cond delay="0"/>
+                                  </p:stCondLst>
+                                  <p:childTnLst>
+                                    <p:set>
+                                      <p:cBhvr>
+                                        <p:cTn id="9" dur="1" fill="hold">
+                                          <p:stCondLst>
+                                            <p:cond delay="0"/>
+                                          </p:stCondLst>
+                                        </p:cTn>
+                                        <p:tgtEl>
+                                          <p:spTgt spid="10">
+                                            <p:txEl>
+                                              <p:pRg st="0" end="0"/>
+                                            </p:txEl>
+                                          </p:spTgt>
+                                        </p:tgtEl>
+                                        <p:attrNameLst>
+                                          <p:attrName>style.visibility</p:attrName>
+                                        </p:attrNameLst>
+                                      </p:cBhvr>
+                                      <p:to>
+                                        <p:strVal val="visible"/>
+                                      </p:to>
+                                    </p:set>
+                                    <p:animEffect transition="in" filter="blinds(horizontal)">
+                                      <p:cBhvr>
+                                        <p:cTn id="10" dur="500"/>
+                                        <p:tgtEl>
+                                          <p:spTgt spid="10">
+                                            <p:txEl>
+                                              <p:pRg st="0" end="0"/>
+                                            </p:txEl>
+                                          </p:spTgt>
+                                        </p:tgtEl>
+                                      </p:cBhvr>
+                                    </p:animEffect>
+                                  </p:childTnLst>
+                                </p:cTn>
+                              </p:par>
+                              <p:par>
+                                <p:cTn id="11" presetID="3" presetClass="entr" presetSubtype="10" fill="hold" grpId="0" nodeType="withEffect">
+                                  <p:stCondLst>
+                                    <p:cond delay="0"/>
+                                  </p:stCondLst>
+                                  <p:childTnLst>
+                                    <p:set>
+                                      <p:cBhvr>
+                                        <p:cTn id="12" dur="1" fill="hold">
+                                          <p:stCondLst>
+                                            <p:cond delay="0"/>
+                                          </p:stCondLst>
+                                        </p:cTn>
+                                        <p:tgtEl>
+                                          <p:spTgt spid="10">
+                                            <p:txEl>
+                                              <p:pRg st="1" end="1"/>
+                                            </p:txEl>
+                                          </p:spTgt>
+                                        </p:tgtEl>
+                                        <p:attrNameLst>
+                                          <p:attrName>style.visibility</p:attrName>
+                                        </p:attrNameLst>
+                                      </p:cBhvr>
+                                      <p:to>
+                                        <p:strVal val="visible"/>
+                                      </p:to>
+                                    </p:set>
+                                    <p:animEffect transition="in" filter="blinds(horizontal)">
+                                      <p:cBhvr>
+                                        <p:cTn id="13" dur="500"/>
+                                        <p:tgtEl>
+                                          <p:spTgt spid="10">
+                                            <p:txEl>
+                                              <p:pRg st="1" end="1"/>
+                                            </p:txEl>
+                                          </p:spTgt>
+                                        </p:tgtEl>
+                                      </p:cBhvr>
+                                    </p:animEffect>
+                                  </p:childTnLst>
+                                </p:cTn>
+                              </p:par>
+                              <p:par>
+                                <p:cTn id="14" presetID="3" presetClass="entr" presetSubtype="10" fill="hold" grpId="0" nodeType="withEffect">
+                                  <p:stCondLst>
+                                    <p:cond delay="0"/>
+                                  </p:stCondLst>
+                                  <p:childTnLst>
+                                    <p:set>
+                                      <p:cBhvr>
+                                        <p:cTn id="15" dur="1" fill="hold">
+                                          <p:stCondLst>
+                                            <p:cond delay="0"/>
+                                          </p:stCondLst>
+                                        </p:cTn>
+                                        <p:tgtEl>
+                                          <p:spTgt spid="10">
+                                            <p:txEl>
+                                              <p:pRg st="2" end="2"/>
+                                            </p:txEl>
+                                          </p:spTgt>
+                                        </p:tgtEl>
+                                        <p:attrNameLst>
+                                          <p:attrName>style.visibility</p:attrName>
+                                        </p:attrNameLst>
+                                      </p:cBhvr>
+                                      <p:to>
+                                        <p:strVal val="visible"/>
+                                      </p:to>
+                                    </p:set>
+                                    <p:animEffect transition="in" filter="blinds(horizontal)">
+                                      <p:cBhvr>
+                                        <p:cTn id="16" dur="500"/>
+                                        <p:tgtEl>
+                                          <p:spTgt spid="10">
+                                            <p:txEl>
+                                              <p:pRg st="2" end="2"/>
+                                            </p:txEl>
+                                          </p:spTgt>
+                                        </p:tgtEl>
+                                      </p:cBhvr>
+                                    </p:animEffect>
+                                  </p:childTnLst>
+                                </p:cTn>
+                              </p:par>
+                              <p:par>
+                                <p:cTn id="17" presetID="3" presetClass="entr" presetSubtype="10" fill="hold" grpId="0" nodeType="withEffect">
+                                  <p:stCondLst>
+                                    <p:cond delay="0"/>
+                                  </p:stCondLst>
+                                  <p:childTnLst>
+                                    <p:set>
+                                      <p:cBhvr>
+                                        <p:cTn id="18" dur="1" fill="hold">
+                                          <p:stCondLst>
+                                            <p:cond delay="0"/>
+                                          </p:stCondLst>
+                                        </p:cTn>
+                                        <p:tgtEl>
+                                          <p:spTgt spid="10">
+                                            <p:txEl>
+                                              <p:pRg st="3" end="3"/>
+                                            </p:txEl>
+                                          </p:spTgt>
+                                        </p:tgtEl>
+                                        <p:attrNameLst>
+                                          <p:attrName>style.visibility</p:attrName>
+                                        </p:attrNameLst>
+                                      </p:cBhvr>
+                                      <p:to>
+                                        <p:strVal val="visible"/>
+                                      </p:to>
+                                    </p:set>
+                                    <p:animEffect transition="in" filter="blinds(horizontal)">
+                                      <p:cBhvr>
+                                        <p:cTn id="19" dur="500"/>
+                                        <p:tgtEl>
+                                          <p:spTgt spid="10">
+                                            <p:txEl>
+                                              <p:pRg st="3" end="3"/>
+                                            </p:txEl>
+                                          </p:spTgt>
+                                        </p:tgtEl>
+                                      </p:cBhvr>
+                                    </p:animEffect>
+                                  </p:childTnLst>
+                                </p:cTn>
+                              </p:par>
+                            </p:childTnLst>
+                          </p:cTn>
+                        </p:par>
+                      </p:childTnLst>
+                    </p:cTn>
+                  </p:par>
+                </p:childTnLst>
+              </p:cTn>
+              <p:prevCondLst>
+                <p:cond evt="onPrev" delay="0">
+                  <p:tgtEl>
+                    <p:sldTgt/>
+                  </p:tgtEl>
+                </p:cond>
+              </p:prevCondLst>
+              <p:nextCondLst>
+                <p:cond evt="onNext" delay="0">
+                  <p:tgtEl>
+                    <p:sldTgt/>
+                  </p:tgtEl>
+                </p:cond>
+              </p:nextCondLst>
+            </p:seq>
+          </p:childTnLst>
+        </p:cTn>
       </p:par>
     </p:tnLst>
+    <p:bldLst>
+      <p:bldP spid="10" grpId="0" build="allAtOnce"/>
+    </p:bldLst>
   </p:timing>
 </p:sld>
 </file>
@@ -19003,9 +19829,275 @@
   <p:timing>
     <p:tnLst>
       <p:par>
-        <p:cTn id="1" dur="indefinite" restart="never" nodeType="tmRoot"/>
+        <p:cTn id="1" dur="indefinite" restart="never" nodeType="tmRoot">
+          <p:childTnLst>
+            <p:seq concurrent="1" nextAc="seek">
+              <p:cTn id="2" dur="indefinite" nodeType="mainSeq">
+                <p:childTnLst>
+                  <p:par>
+                    <p:cTn id="3" fill="hold">
+                      <p:stCondLst>
+                        <p:cond delay="indefinite"/>
+                        <p:cond evt="onBegin" delay="0">
+                          <p:tn val="2"/>
+                        </p:cond>
+                      </p:stCondLst>
+                      <p:childTnLst>
+                        <p:par>
+                          <p:cTn id="4" fill="hold">
+                            <p:stCondLst>
+                              <p:cond delay="0"/>
+                            </p:stCondLst>
+                            <p:childTnLst>
+                              <p:par>
+                                <p:cTn id="5" presetID="10" presetClass="entr" presetSubtype="0" fill="hold" grpId="0" nodeType="withEffect">
+                                  <p:stCondLst>
+                                    <p:cond delay="0"/>
+                                  </p:stCondLst>
+                                  <p:childTnLst>
+                                    <p:set>
+                                      <p:cBhvr>
+                                        <p:cTn id="6" dur="1" fill="hold">
+                                          <p:stCondLst>
+                                            <p:cond delay="0"/>
+                                          </p:stCondLst>
+                                        </p:cTn>
+                                        <p:tgtEl>
+                                          <p:spTgt spid="16">
+                                            <p:graphicEl>
+                                              <a:dgm id="{890CD38B-303D-4AF9-A9E6-14557519AF81}"/>
+                                            </p:graphicEl>
+                                          </p:spTgt>
+                                        </p:tgtEl>
+                                        <p:attrNameLst>
+                                          <p:attrName>style.visibility</p:attrName>
+                                        </p:attrNameLst>
+                                      </p:cBhvr>
+                                      <p:to>
+                                        <p:strVal val="visible"/>
+                                      </p:to>
+                                    </p:set>
+                                    <p:animEffect transition="in" filter="fade">
+                                      <p:cBhvr>
+                                        <p:cTn id="7" dur="1000"/>
+                                        <p:tgtEl>
+                                          <p:spTgt spid="16">
+                                            <p:graphicEl>
+                                              <a:dgm id="{890CD38B-303D-4AF9-A9E6-14557519AF81}"/>
+                                            </p:graphicEl>
+                                          </p:spTgt>
+                                        </p:tgtEl>
+                                      </p:cBhvr>
+                                    </p:animEffect>
+                                  </p:childTnLst>
+                                </p:cTn>
+                              </p:par>
+                              <p:par>
+                                <p:cTn id="8" presetID="10" presetClass="entr" presetSubtype="0" fill="hold" grpId="0" nodeType="withEffect">
+                                  <p:stCondLst>
+                                    <p:cond delay="0"/>
+                                  </p:stCondLst>
+                                  <p:childTnLst>
+                                    <p:set>
+                                      <p:cBhvr>
+                                        <p:cTn id="9" dur="1" fill="hold">
+                                          <p:stCondLst>
+                                            <p:cond delay="0"/>
+                                          </p:stCondLst>
+                                        </p:cTn>
+                                        <p:tgtEl>
+                                          <p:spTgt spid="16">
+                                            <p:graphicEl>
+                                              <a:dgm id="{8717C3D6-AEB4-43BC-8C14-00EF8DABA0F1}"/>
+                                            </p:graphicEl>
+                                          </p:spTgt>
+                                        </p:tgtEl>
+                                        <p:attrNameLst>
+                                          <p:attrName>style.visibility</p:attrName>
+                                        </p:attrNameLst>
+                                      </p:cBhvr>
+                                      <p:to>
+                                        <p:strVal val="visible"/>
+                                      </p:to>
+                                    </p:set>
+                                    <p:animEffect transition="in" filter="fade">
+                                      <p:cBhvr>
+                                        <p:cTn id="10" dur="1000"/>
+                                        <p:tgtEl>
+                                          <p:spTgt spid="16">
+                                            <p:graphicEl>
+                                              <a:dgm id="{8717C3D6-AEB4-43BC-8C14-00EF8DABA0F1}"/>
+                                            </p:graphicEl>
+                                          </p:spTgt>
+                                        </p:tgtEl>
+                                      </p:cBhvr>
+                                    </p:animEffect>
+                                  </p:childTnLst>
+                                </p:cTn>
+                              </p:par>
+                              <p:par>
+                                <p:cTn id="11" presetID="10" presetClass="entr" presetSubtype="0" fill="hold" grpId="0" nodeType="withEffect">
+                                  <p:stCondLst>
+                                    <p:cond delay="0"/>
+                                  </p:stCondLst>
+                                  <p:childTnLst>
+                                    <p:set>
+                                      <p:cBhvr>
+                                        <p:cTn id="12" dur="1" fill="hold">
+                                          <p:stCondLst>
+                                            <p:cond delay="0"/>
+                                          </p:stCondLst>
+                                        </p:cTn>
+                                        <p:tgtEl>
+                                          <p:spTgt spid="16">
+                                            <p:graphicEl>
+                                              <a:dgm id="{2B04FF30-D00D-401E-96FA-6A9307E8887F}"/>
+                                            </p:graphicEl>
+                                          </p:spTgt>
+                                        </p:tgtEl>
+                                        <p:attrNameLst>
+                                          <p:attrName>style.visibility</p:attrName>
+                                        </p:attrNameLst>
+                                      </p:cBhvr>
+                                      <p:to>
+                                        <p:strVal val="visible"/>
+                                      </p:to>
+                                    </p:set>
+                                    <p:animEffect transition="in" filter="fade">
+                                      <p:cBhvr>
+                                        <p:cTn id="13" dur="1000"/>
+                                        <p:tgtEl>
+                                          <p:spTgt spid="16">
+                                            <p:graphicEl>
+                                              <a:dgm id="{2B04FF30-D00D-401E-96FA-6A9307E8887F}"/>
+                                            </p:graphicEl>
+                                          </p:spTgt>
+                                        </p:tgtEl>
+                                      </p:cBhvr>
+                                    </p:animEffect>
+                                  </p:childTnLst>
+                                </p:cTn>
+                              </p:par>
+                              <p:par>
+                                <p:cTn id="14" presetID="10" presetClass="entr" presetSubtype="0" fill="hold" grpId="0" nodeType="withEffect">
+                                  <p:stCondLst>
+                                    <p:cond delay="0"/>
+                                  </p:stCondLst>
+                                  <p:childTnLst>
+                                    <p:set>
+                                      <p:cBhvr>
+                                        <p:cTn id="15" dur="1" fill="hold">
+                                          <p:stCondLst>
+                                            <p:cond delay="0"/>
+                                          </p:stCondLst>
+                                        </p:cTn>
+                                        <p:tgtEl>
+                                          <p:spTgt spid="16">
+                                            <p:graphicEl>
+                                              <a:dgm id="{9E141F7E-6E09-4309-A88A-AB28D75F1864}"/>
+                                            </p:graphicEl>
+                                          </p:spTgt>
+                                        </p:tgtEl>
+                                        <p:attrNameLst>
+                                          <p:attrName>style.visibility</p:attrName>
+                                        </p:attrNameLst>
+                                      </p:cBhvr>
+                                      <p:to>
+                                        <p:strVal val="visible"/>
+                                      </p:to>
+                                    </p:set>
+                                    <p:animEffect transition="in" filter="fade">
+                                      <p:cBhvr>
+                                        <p:cTn id="16" dur="1000"/>
+                                        <p:tgtEl>
+                                          <p:spTgt spid="16">
+                                            <p:graphicEl>
+                                              <a:dgm id="{9E141F7E-6E09-4309-A88A-AB28D75F1864}"/>
+                                            </p:graphicEl>
+                                          </p:spTgt>
+                                        </p:tgtEl>
+                                      </p:cBhvr>
+                                    </p:animEffect>
+                                  </p:childTnLst>
+                                </p:cTn>
+                              </p:par>
+                              <p:par>
+                                <p:cTn id="17" presetID="10" presetClass="entr" presetSubtype="0" fill="hold" grpId="0" nodeType="withEffect">
+                                  <p:stCondLst>
+                                    <p:cond delay="0"/>
+                                  </p:stCondLst>
+                                  <p:childTnLst>
+                                    <p:set>
+                                      <p:cBhvr>
+                                        <p:cTn id="18" dur="1" fill="hold">
+                                          <p:stCondLst>
+                                            <p:cond delay="0"/>
+                                          </p:stCondLst>
+                                        </p:cTn>
+                                        <p:tgtEl>
+                                          <p:spTgt spid="16">
+                                            <p:graphicEl>
+                                              <a:dgm id="{49AB87C6-0C0C-427C-B09A-1FD1EC7BF601}"/>
+                                            </p:graphicEl>
+                                          </p:spTgt>
+                                        </p:tgtEl>
+                                        <p:attrNameLst>
+                                          <p:attrName>style.visibility</p:attrName>
+                                        </p:attrNameLst>
+                                      </p:cBhvr>
+                                      <p:to>
+                                        <p:strVal val="visible"/>
+                                      </p:to>
+                                    </p:set>
+                                    <p:animEffect transition="in" filter="fade">
+                                      <p:cBhvr>
+                                        <p:cTn id="19" dur="1000"/>
+                                        <p:tgtEl>
+                                          <p:spTgt spid="16">
+                                            <p:graphicEl>
+                                              <a:dgm id="{49AB87C6-0C0C-427C-B09A-1FD1EC7BF601}"/>
+                                            </p:graphicEl>
+                                          </p:spTgt>
+                                        </p:tgtEl>
+                                      </p:cBhvr>
+                                    </p:animEffect>
+                                  </p:childTnLst>
+                                </p:cTn>
+                              </p:par>
+                            </p:childTnLst>
+                          </p:cTn>
+                        </p:par>
+                      </p:childTnLst>
+                    </p:cTn>
+                  </p:par>
+                </p:childTnLst>
+              </p:cTn>
+              <p:prevCondLst>
+                <p:cond evt="onPrev" delay="0">
+                  <p:tgtEl>
+                    <p:sldTgt/>
+                  </p:tgtEl>
+                </p:cond>
+              </p:prevCondLst>
+              <p:nextCondLst>
+                <p:cond evt="onNext" delay="0">
+                  <p:tgtEl>
+                    <p:sldTgt/>
+                  </p:tgtEl>
+                </p:cond>
+              </p:nextCondLst>
+            </p:seq>
+          </p:childTnLst>
+        </p:cTn>
       </p:par>
     </p:tnLst>
+    <p:bldLst>
+      <p:bldGraphic spid="16" grpId="0">
+        <p:bldSub>
+          <a:bldDgm bld="one"/>
+        </p:bldSub>
+      </p:bldGraphic>
+    </p:bldLst>
   </p:timing>
 </p:sld>
 </file>
@@ -20223,7 +21315,7 @@
         </p:nvSpPr>
         <p:spPr bwMode="auto">
           <a:xfrm>
-            <a:off x="1403648" y="1844824"/>
+            <a:off x="1403648" y="1700808"/>
             <a:ext cx="4033837" cy="400110"/>
           </a:xfrm>
           <a:prstGeom prst="rect">
@@ -20253,7 +21345,19 @@
                 <a:latin typeface="Cambria" pitchFamily="18" charset="0"/>
                 <a:cs typeface="Arial" charset="0"/>
               </a:rPr>
-              <a:t>Caso de Análisis: Sprint ??</a:t>
+              <a:t>Caso de Análisis: Sprint </a:t>
+            </a:r>
+            <a:r>
+              <a:rPr lang="es-AR" sz="2000" dirty="0" smtClean="0">
+                <a:solidFill>
+                  <a:schemeClr val="tx2">
+                    <a:lumMod val="50000"/>
+                  </a:schemeClr>
+                </a:solidFill>
+                <a:latin typeface="Cambria" pitchFamily="18" charset="0"/>
+                <a:cs typeface="Arial" charset="0"/>
+              </a:rPr>
+              <a:t>4</a:t>
             </a:r>
             <a:endParaRPr lang="es-AR" sz="2000" dirty="0">
               <a:solidFill>
@@ -20267,6 +21371,125 @@
           </a:p>
         </p:txBody>
       </p:sp>
+      <p:grpSp>
+        <p:nvGrpSpPr>
+          <p:cNvPr id="6" name="5 Grupo"/>
+          <p:cNvGrpSpPr/>
+          <p:nvPr/>
+        </p:nvGrpSpPr>
+        <p:grpSpPr>
+          <a:xfrm>
+            <a:off x="2124290" y="2132856"/>
+            <a:ext cx="6696182" cy="4475798"/>
+            <a:chOff x="2124290" y="2132856"/>
+            <a:chExt cx="6696182" cy="4475798"/>
+          </a:xfrm>
+        </p:grpSpPr>
+        <p:pic>
+          <p:nvPicPr>
+            <p:cNvPr id="1026" name="Gráfico 1"/>
+            <p:cNvPicPr>
+              <a:picLocks noChangeArrowheads="1"/>
+            </p:cNvPicPr>
+            <p:nvPr/>
+          </p:nvPicPr>
+          <p:blipFill>
+            <a:blip r:embed="rId3" cstate="print"/>
+            <a:srcRect/>
+            <a:stretch>
+              <a:fillRect/>
+            </a:stretch>
+          </p:blipFill>
+          <p:spPr bwMode="auto">
+            <a:xfrm>
+              <a:off x="2124290" y="2492895"/>
+              <a:ext cx="6518534" cy="4115759"/>
+            </a:xfrm>
+            <a:prstGeom prst="rect">
+              <a:avLst/>
+            </a:prstGeom>
+            <a:ln>
+              <a:noFill/>
+            </a:ln>
+            <a:effectLst>
+              <a:outerShdw blurRad="190500" algn="tl" rotWithShape="0">
+                <a:srgbClr val="000000">
+                  <a:alpha val="70000"/>
+                </a:srgbClr>
+              </a:outerShdw>
+            </a:effectLst>
+          </p:spPr>
+        </p:pic>
+        <p:sp>
+          <p:nvSpPr>
+            <p:cNvPr id="5" name="TextBox 24"/>
+            <p:cNvSpPr txBox="1">
+              <a:spLocks noChangeArrowheads="1"/>
+            </p:cNvSpPr>
+            <p:nvPr/>
+          </p:nvSpPr>
+          <p:spPr bwMode="auto">
+            <a:xfrm>
+              <a:off x="7020272" y="2132856"/>
+              <a:ext cx="1800200" cy="338554"/>
+            </a:xfrm>
+            <a:prstGeom prst="rect">
+              <a:avLst/>
+            </a:prstGeom>
+            <a:noFill/>
+            <a:ln w="9525">
+              <a:noFill/>
+              <a:miter lim="800000"/>
+              <a:headEnd/>
+              <a:tailEnd/>
+            </a:ln>
+          </p:spPr>
+          <p:txBody>
+            <a:bodyPr wrap="square">
+              <a:spAutoFit/>
+            </a:bodyPr>
+            <a:lstStyle/>
+            <a:p>
+              <a:r>
+                <a:rPr lang="es-AR" sz="1600" b="1" dirty="0" err="1" smtClean="0">
+                  <a:solidFill>
+                    <a:schemeClr val="tx1">
+                      <a:lumMod val="95000"/>
+                      <a:lumOff val="5000"/>
+                    </a:schemeClr>
+                  </a:solidFill>
+                  <a:latin typeface="Cambria" pitchFamily="18" charset="0"/>
+                  <a:cs typeface="Arial" charset="0"/>
+                </a:rPr>
+                <a:t>Burndown</a:t>
+              </a:r>
+              <a:r>
+                <a:rPr lang="es-AR" sz="1600" b="1" dirty="0" smtClean="0">
+                  <a:solidFill>
+                    <a:schemeClr val="tx1">
+                      <a:lumMod val="95000"/>
+                      <a:lumOff val="5000"/>
+                    </a:schemeClr>
+                  </a:solidFill>
+                  <a:latin typeface="Cambria" pitchFamily="18" charset="0"/>
+                  <a:cs typeface="Arial" charset="0"/>
+                </a:rPr>
+                <a:t> chart</a:t>
+              </a:r>
+              <a:endParaRPr lang="es-AR" sz="1600" b="1" dirty="0">
+                <a:solidFill>
+                  <a:schemeClr val="tx1">
+                    <a:lumMod val="95000"/>
+                    <a:lumOff val="5000"/>
+                  </a:schemeClr>
+                </a:solidFill>
+                <a:latin typeface="Cambria" pitchFamily="18" charset="0"/>
+                <a:cs typeface="Arial" charset="0"/>
+              </a:endParaRPr>
+            </a:p>
+          </p:txBody>
+        </p:sp>
+      </p:grpSp>
     </p:spTree>
   </p:cSld>
   <p:clrMapOvr>
@@ -20275,7 +21498,86 @@
   <p:timing>
     <p:tnLst>
       <p:par>
-        <p:cTn id="1" dur="indefinite" restart="never" nodeType="tmRoot"/>
+        <p:cTn id="1" dur="indefinite" restart="never" nodeType="tmRoot">
+          <p:childTnLst>
+            <p:seq concurrent="1" nextAc="seek">
+              <p:cTn id="2" dur="indefinite" nodeType="mainSeq">
+                <p:childTnLst>
+                  <p:par>
+                    <p:cTn id="3" fill="hold">
+                      <p:stCondLst>
+                        <p:cond delay="indefinite"/>
+                        <p:cond evt="onBegin" delay="0">
+                          <p:tn val="2"/>
+                        </p:cond>
+                      </p:stCondLst>
+                      <p:childTnLst>
+                        <p:par>
+                          <p:cTn id="4" fill="hold">
+                            <p:stCondLst>
+                              <p:cond delay="0"/>
+                            </p:stCondLst>
+                            <p:childTnLst>
+                              <p:par>
+                                <p:cTn id="5" presetID="10" presetClass="entr" presetSubtype="0" fill="hold" nodeType="withEffect">
+                                  <p:stCondLst>
+                                    <p:cond delay="0"/>
+                                  </p:stCondLst>
+                                  <p:childTnLst>
+                                    <p:set>
+                                      <p:cBhvr>
+                                        <p:cTn id="6" dur="1" fill="hold">
+                                          <p:stCondLst>
+                                            <p:cond delay="0"/>
+                                          </p:stCondLst>
+                                        </p:cTn>
+                                        <p:tgtEl>
+                                          <p:spTgt spid="6"/>
+                                        </p:tgtEl>
+                                        <p:attrNameLst>
+                                          <p:attrName>style.visibility</p:attrName>
+                                        </p:attrNameLst>
+                                      </p:cBhvr>
+                                      <p:to>
+                                        <p:strVal val="visible"/>
+                                      </p:to>
+                                    </p:set>
+                                    <p:animEffect transition="in" filter="fade">
+                                      <p:cBhvr>
+                                        <p:cTn id="7" dur="2000"/>
+                                        <p:tgtEl>
+                                          <p:spTgt spid="6"/>
+                                        </p:tgtEl>
+                                      </p:cBhvr>
+                                    </p:animEffect>
+                                  </p:childTnLst>
+                                </p:cTn>
+                              </p:par>
+                            </p:childTnLst>
+                          </p:cTn>
+                        </p:par>
+                      </p:childTnLst>
+                    </p:cTn>
+                  </p:par>
+                </p:childTnLst>
+              </p:cTn>
+              <p:prevCondLst>
+                <p:cond evt="onPrev" delay="0">
+                  <p:tgtEl>
+                    <p:sldTgt/>
+                  </p:tgtEl>
+                </p:cond>
+              </p:prevCondLst>
+              <p:nextCondLst>
+                <p:cond evt="onNext" delay="0">
+                  <p:tgtEl>
+                    <p:sldTgt/>
+                  </p:tgtEl>
+                </p:cond>
+              </p:nextCondLst>
+            </p:seq>
+          </p:childTnLst>
+        </p:cTn>
       </p:par>
     </p:tnLst>
   </p:timing>
@@ -20301,7 +21603,7 @@
       </p:grpSpPr>
       <p:sp>
         <p:nvSpPr>
-          <p:cNvPr id="14338" name="Rectangle 4"/>
+          <p:cNvPr id="15362" name="Rectangle 2"/>
           <p:cNvSpPr>
             <a:spLocks noGrp="1" noChangeArrowheads="1"/>
           </p:cNvSpPr>
@@ -20316,17 +21618,17 @@
           <a:p>
             <a:pPr eaLnBrk="1" hangingPunct="1"/>
             <a:r>
-              <a:rPr lang="es-AR" dirty="0" smtClean="0">
+              <a:rPr lang="es-AR" sz="3200" smtClean="0">
                 <a:latin typeface="Copperplate Gothic Bold" pitchFamily="34" charset="0"/>
               </a:rPr>
-              <a:t>Desvíos No Planificados</a:t>
+              <a:t>Seguimiento y Control</a:t>
             </a:r>
           </a:p>
         </p:txBody>
       </p:sp>
       <p:sp>
         <p:nvSpPr>
-          <p:cNvPr id="11" name="TextBox 24"/>
+          <p:cNvPr id="25" name="TextBox 24"/>
           <p:cNvSpPr txBox="1">
             <a:spLocks noChangeArrowheads="1"/>
           </p:cNvSpPr>
@@ -20334,8 +21636,8 @@
         </p:nvSpPr>
         <p:spPr bwMode="auto">
           <a:xfrm>
-            <a:off x="1403648" y="1988840"/>
-            <a:ext cx="5832648" cy="400110"/>
+            <a:off x="1403648" y="1700808"/>
+            <a:ext cx="4033837" cy="400110"/>
           </a:xfrm>
           <a:prstGeom prst="rect">
             <a:avLst/>
@@ -20349,15 +21651,11 @@
           </a:ln>
         </p:spPr>
         <p:txBody>
-          <a:bodyPr wrap="square">
+          <a:bodyPr>
             <a:spAutoFit/>
           </a:bodyPr>
           <a:lstStyle/>
           <a:p>
-            <a:pPr>
-              <a:buFont typeface="Arial" pitchFamily="34" charset="0"/>
-              <a:buChar char="•"/>
-            </a:pPr>
             <a:r>
               <a:rPr lang="es-AR" sz="2000" dirty="0" smtClean="0">
                 <a:solidFill>
@@ -20368,7 +21666,19 @@
                 <a:latin typeface="Cambria" pitchFamily="18" charset="0"/>
                 <a:cs typeface="Arial" charset="0"/>
               </a:rPr>
-              <a:t>…</a:t>
+              <a:t>Caso de Análisis: Sprint </a:t>
+            </a:r>
+            <a:r>
+              <a:rPr lang="es-AR" sz="2000" dirty="0" smtClean="0">
+                <a:solidFill>
+                  <a:schemeClr val="tx2">
+                    <a:lumMod val="50000"/>
+                  </a:schemeClr>
+                </a:solidFill>
+                <a:latin typeface="Cambria" pitchFamily="18" charset="0"/>
+                <a:cs typeface="Arial" charset="0"/>
+              </a:rPr>
+              <a:t>4</a:t>
             </a:r>
             <a:endParaRPr lang="es-AR" sz="2000" dirty="0">
               <a:solidFill>
@@ -20382,6 +21692,125 @@
           </a:p>
         </p:txBody>
       </p:sp>
+      <p:grpSp>
+        <p:nvGrpSpPr>
+          <p:cNvPr id="7" name="6 Grupo"/>
+          <p:cNvGrpSpPr/>
+          <p:nvPr/>
+        </p:nvGrpSpPr>
+        <p:grpSpPr>
+          <a:xfrm>
+            <a:off x="1547664" y="2132856"/>
+            <a:ext cx="7100326" cy="4536504"/>
+            <a:chOff x="1547664" y="2132856"/>
+            <a:chExt cx="7100326" cy="4536504"/>
+          </a:xfrm>
+        </p:grpSpPr>
+        <p:sp>
+          <p:nvSpPr>
+            <p:cNvPr id="5" name="TextBox 24"/>
+            <p:cNvSpPr txBox="1">
+              <a:spLocks noChangeArrowheads="1"/>
+            </p:cNvSpPr>
+            <p:nvPr/>
+          </p:nvSpPr>
+          <p:spPr bwMode="auto">
+            <a:xfrm>
+              <a:off x="4803100" y="2132856"/>
+              <a:ext cx="3844890" cy="338554"/>
+            </a:xfrm>
+            <a:prstGeom prst="rect">
+              <a:avLst/>
+            </a:prstGeom>
+            <a:noFill/>
+            <a:ln w="9525">
+              <a:noFill/>
+              <a:miter lim="800000"/>
+              <a:headEnd/>
+              <a:tailEnd/>
+            </a:ln>
+          </p:spPr>
+          <p:txBody>
+            <a:bodyPr wrap="square">
+              <a:spAutoFit/>
+            </a:bodyPr>
+            <a:lstStyle/>
+            <a:p>
+              <a:r>
+                <a:rPr lang="es-AR" sz="1600" b="1" dirty="0" smtClean="0">
+                  <a:solidFill>
+                    <a:schemeClr val="tx1">
+                      <a:lumMod val="95000"/>
+                      <a:lumOff val="5000"/>
+                    </a:schemeClr>
+                  </a:solidFill>
+                  <a:latin typeface="Cambria" pitchFamily="18" charset="0"/>
+                  <a:cs typeface="Arial" charset="0"/>
+                </a:rPr>
+                <a:t>Cobertura de la prueba basado en </a:t>
+              </a:r>
+              <a:r>
+                <a:rPr lang="es-AR" sz="1600" b="1" dirty="0" err="1" smtClean="0">
+                  <a:solidFill>
+                    <a:schemeClr val="tx1">
+                      <a:lumMod val="95000"/>
+                      <a:lumOff val="5000"/>
+                    </a:schemeClr>
+                  </a:solidFill>
+                  <a:latin typeface="Cambria" pitchFamily="18" charset="0"/>
+                  <a:cs typeface="Arial" charset="0"/>
+                </a:rPr>
+                <a:t>UATs</a:t>
+              </a:r>
+              <a:endParaRPr lang="es-AR" sz="1600" b="1" dirty="0">
+                <a:solidFill>
+                  <a:schemeClr val="tx1">
+                    <a:lumMod val="95000"/>
+                    <a:lumOff val="5000"/>
+                  </a:schemeClr>
+                </a:solidFill>
+                <a:latin typeface="Cambria" pitchFamily="18" charset="0"/>
+                <a:cs typeface="Arial" charset="0"/>
+              </a:endParaRPr>
+            </a:p>
+          </p:txBody>
+        </p:sp>
+        <p:pic>
+          <p:nvPicPr>
+            <p:cNvPr id="2050" name="Gráfico 2"/>
+            <p:cNvPicPr>
+              <a:picLocks noChangeArrowheads="1"/>
+            </p:cNvPicPr>
+            <p:nvPr/>
+          </p:nvPicPr>
+          <p:blipFill>
+            <a:blip r:embed="rId3" cstate="print"/>
+            <a:srcRect/>
+            <a:stretch>
+              <a:fillRect/>
+            </a:stretch>
+          </p:blipFill>
+          <p:spPr bwMode="auto">
+            <a:xfrm>
+              <a:off x="1547664" y="2537302"/>
+              <a:ext cx="7056859" cy="4132058"/>
+            </a:xfrm>
+            <a:prstGeom prst="rect">
+              <a:avLst/>
+            </a:prstGeom>
+            <a:ln>
+              <a:noFill/>
+            </a:ln>
+            <a:effectLst>
+              <a:outerShdw blurRad="190500" algn="tl" rotWithShape="0">
+                <a:srgbClr val="000000">
+                  <a:alpha val="70000"/>
+                </a:srgbClr>
+              </a:outerShdw>
+            </a:effectLst>
+          </p:spPr>
+        </p:pic>
+      </p:grpSp>
     </p:spTree>
   </p:cSld>
   <p:clrMapOvr>
@@ -20390,7 +21819,86 @@
   <p:timing>
     <p:tnLst>
       <p:par>
-        <p:cTn id="1" dur="indefinite" restart="never" nodeType="tmRoot"/>
+        <p:cTn id="1" dur="indefinite" restart="never" nodeType="tmRoot">
+          <p:childTnLst>
+            <p:seq concurrent="1" nextAc="seek">
+              <p:cTn id="2" dur="indefinite" nodeType="mainSeq">
+                <p:childTnLst>
+                  <p:par>
+                    <p:cTn id="3" fill="hold">
+                      <p:stCondLst>
+                        <p:cond delay="indefinite"/>
+                        <p:cond evt="onBegin" delay="0">
+                          <p:tn val="2"/>
+                        </p:cond>
+                      </p:stCondLst>
+                      <p:childTnLst>
+                        <p:par>
+                          <p:cTn id="4" fill="hold">
+                            <p:stCondLst>
+                              <p:cond delay="0"/>
+                            </p:stCondLst>
+                            <p:childTnLst>
+                              <p:par>
+                                <p:cTn id="5" presetID="10" presetClass="entr" presetSubtype="0" fill="hold" nodeType="withEffect">
+                                  <p:stCondLst>
+                                    <p:cond delay="0"/>
+                                  </p:stCondLst>
+                                  <p:childTnLst>
+                                    <p:set>
+                                      <p:cBhvr>
+                                        <p:cTn id="6" dur="1" fill="hold">
+                                          <p:stCondLst>
+                                            <p:cond delay="0"/>
+                                          </p:stCondLst>
+                                        </p:cTn>
+                                        <p:tgtEl>
+                                          <p:spTgt spid="7"/>
+                                        </p:tgtEl>
+                                        <p:attrNameLst>
+                                          <p:attrName>style.visibility</p:attrName>
+                                        </p:attrNameLst>
+                                      </p:cBhvr>
+                                      <p:to>
+                                        <p:strVal val="visible"/>
+                                      </p:to>
+                                    </p:set>
+                                    <p:animEffect transition="in" filter="fade">
+                                      <p:cBhvr>
+                                        <p:cTn id="7" dur="2000"/>
+                                        <p:tgtEl>
+                                          <p:spTgt spid="7"/>
+                                        </p:tgtEl>
+                                      </p:cBhvr>
+                                    </p:animEffect>
+                                  </p:childTnLst>
+                                </p:cTn>
+                              </p:par>
+                            </p:childTnLst>
+                          </p:cTn>
+                        </p:par>
+                      </p:childTnLst>
+                    </p:cTn>
+                  </p:par>
+                </p:childTnLst>
+              </p:cTn>
+              <p:prevCondLst>
+                <p:cond evt="onPrev" delay="0">
+                  <p:tgtEl>
+                    <p:sldTgt/>
+                  </p:tgtEl>
+                </p:cond>
+              </p:prevCondLst>
+              <p:nextCondLst>
+                <p:cond evt="onNext" delay="0">
+                  <p:tgtEl>
+                    <p:sldTgt/>
+                  </p:tgtEl>
+                </p:cond>
+              </p:nextCondLst>
+            </p:seq>
+          </p:childTnLst>
+        </p:cTn>
       </p:par>
     </p:tnLst>
   </p:timing>

--- a/presentations/presentacionFinal.pptx
+++ b/presentations/presentacionFinal.pptx
@@ -5,10 +5,10 @@
     <p:sldMasterId id="2147483648" r:id="rId1"/>
   </p:sldMasterIdLst>
   <p:notesMasterIdLst>
-    <p:notesMasterId r:id="rId19"/>
+    <p:notesMasterId r:id="rId21"/>
   </p:notesMasterIdLst>
   <p:handoutMasterIdLst>
-    <p:handoutMasterId r:id="rId20"/>
+    <p:handoutMasterId r:id="rId22"/>
   </p:handoutMasterIdLst>
   <p:sldIdLst>
     <p:sldId id="256" r:id="rId2"/>
@@ -26,8 +26,10 @@
     <p:sldId id="296" r:id="rId14"/>
     <p:sldId id="278" r:id="rId15"/>
     <p:sldId id="286" r:id="rId16"/>
-    <p:sldId id="293" r:id="rId17"/>
-    <p:sldId id="264" r:id="rId18"/>
+    <p:sldId id="300" r:id="rId17"/>
+    <p:sldId id="301" r:id="rId18"/>
+    <p:sldId id="293" r:id="rId19"/>
+    <p:sldId id="264" r:id="rId20"/>
   </p:sldIdLst>
   <p:sldSz cx="9144000" cy="6858000" type="screen4x3"/>
   <p:notesSz cx="6858000" cy="9144000"/>
@@ -907,6 +909,757 @@
 </file>
 
 <file path=ppt/diagrams/colors2.xml><?xml version="1.0" encoding="utf-8"?>
+<dgm:colorsDef xmlns:dgm="http://schemas.openxmlformats.org/drawingml/2006/diagram" xmlns:a="http://schemas.openxmlformats.org/drawingml/2006/main" uniqueId="urn:microsoft.com/office/officeart/2005/8/colors/accent0_3">
+  <dgm:title val=""/>
+  <dgm:desc val=""/>
+  <dgm:catLst>
+    <dgm:cat type="mainScheme" pri="10300"/>
+  </dgm:catLst>
+  <dgm:styleLbl name="node0">
+    <dgm:fillClrLst meth="repeat">
+      <a:schemeClr val="dk2"/>
+    </dgm:fillClrLst>
+    <dgm:linClrLst meth="repeat">
+      <a:schemeClr val="lt2"/>
+    </dgm:linClrLst>
+    <dgm:effectClrLst/>
+    <dgm:txLinClrLst/>
+    <dgm:txFillClrLst/>
+    <dgm:txEffectClrLst/>
+  </dgm:styleLbl>
+  <dgm:styleLbl name="alignNode1">
+    <dgm:fillClrLst meth="repeat">
+      <a:schemeClr val="dk2"/>
+    </dgm:fillClrLst>
+    <dgm:linClrLst meth="repeat">
+      <a:schemeClr val="dk2"/>
+    </dgm:linClrLst>
+    <dgm:effectClrLst/>
+    <dgm:txLinClrLst/>
+    <dgm:txFillClrLst/>
+    <dgm:txEffectClrLst/>
+  </dgm:styleLbl>
+  <dgm:styleLbl name="node1">
+    <dgm:fillClrLst meth="repeat">
+      <a:schemeClr val="dk2"/>
+    </dgm:fillClrLst>
+    <dgm:linClrLst meth="repeat">
+      <a:schemeClr val="lt2"/>
+    </dgm:linClrLst>
+    <dgm:effectClrLst/>
+    <dgm:txLinClrLst/>
+    <dgm:txFillClrLst/>
+    <dgm:txEffectClrLst/>
+  </dgm:styleLbl>
+  <dgm:styleLbl name="lnNode1">
+    <dgm:fillClrLst meth="repeat">
+      <a:schemeClr val="dk2"/>
+    </dgm:fillClrLst>
+    <dgm:linClrLst meth="repeat">
+      <a:schemeClr val="lt2"/>
+    </dgm:linClrLst>
+    <dgm:effectClrLst/>
+    <dgm:txLinClrLst/>
+    <dgm:txFillClrLst/>
+    <dgm:txEffectClrLst/>
+  </dgm:styleLbl>
+  <dgm:styleLbl name="vennNode1">
+    <dgm:fillClrLst meth="repeat">
+      <a:schemeClr val="dk2">
+        <a:alpha val="50000"/>
+      </a:schemeClr>
+    </dgm:fillClrLst>
+    <dgm:linClrLst meth="repeat">
+      <a:schemeClr val="lt2"/>
+    </dgm:linClrLst>
+    <dgm:effectClrLst/>
+    <dgm:txLinClrLst/>
+    <dgm:txFillClrLst/>
+    <dgm:txEffectClrLst/>
+  </dgm:styleLbl>
+  <dgm:styleLbl name="node2">
+    <dgm:fillClrLst meth="repeat">
+      <a:schemeClr val="dk2"/>
+    </dgm:fillClrLst>
+    <dgm:linClrLst meth="repeat">
+      <a:schemeClr val="lt2"/>
+    </dgm:linClrLst>
+    <dgm:effectClrLst/>
+    <dgm:txLinClrLst/>
+    <dgm:txFillClrLst/>
+    <dgm:txEffectClrLst/>
+  </dgm:styleLbl>
+  <dgm:styleLbl name="node3">
+    <dgm:fillClrLst meth="repeat">
+      <a:schemeClr val="dk2"/>
+    </dgm:fillClrLst>
+    <dgm:linClrLst meth="repeat">
+      <a:schemeClr val="lt2"/>
+    </dgm:linClrLst>
+    <dgm:effectClrLst/>
+    <dgm:txLinClrLst/>
+    <dgm:txFillClrLst/>
+    <dgm:txEffectClrLst/>
+  </dgm:styleLbl>
+  <dgm:styleLbl name="node4">
+    <dgm:fillClrLst meth="repeat">
+      <a:schemeClr val="dk2"/>
+    </dgm:fillClrLst>
+    <dgm:linClrLst meth="repeat">
+      <a:schemeClr val="lt2"/>
+    </dgm:linClrLst>
+    <dgm:effectClrLst/>
+    <dgm:txLinClrLst/>
+    <dgm:txFillClrLst/>
+    <dgm:txEffectClrLst/>
+  </dgm:styleLbl>
+  <dgm:styleLbl name="fgImgPlace1">
+    <dgm:fillClrLst meth="repeat">
+      <a:schemeClr val="dk2">
+        <a:tint val="50000"/>
+      </a:schemeClr>
+    </dgm:fillClrLst>
+    <dgm:linClrLst meth="repeat">
+      <a:schemeClr val="lt2"/>
+    </dgm:linClrLst>
+    <dgm:effectClrLst/>
+    <dgm:txLinClrLst/>
+    <dgm:txFillClrLst meth="repeat">
+      <a:schemeClr val="lt2"/>
+    </dgm:txFillClrLst>
+    <dgm:txEffectClrLst/>
+  </dgm:styleLbl>
+  <dgm:styleLbl name="alignImgPlace1">
+    <dgm:fillClrLst meth="repeat">
+      <a:schemeClr val="dk2">
+        <a:tint val="50000"/>
+      </a:schemeClr>
+    </dgm:fillClrLst>
+    <dgm:linClrLst meth="repeat">
+      <a:schemeClr val="dk2">
+        <a:shade val="80000"/>
+      </a:schemeClr>
+    </dgm:linClrLst>
+    <dgm:effectClrLst/>
+    <dgm:txLinClrLst/>
+    <dgm:txFillClrLst meth="repeat">
+      <a:schemeClr val="lt2"/>
+    </dgm:txFillClrLst>
+    <dgm:txEffectClrLst/>
+  </dgm:styleLbl>
+  <dgm:styleLbl name="bgImgPlace1">
+    <dgm:fillClrLst meth="repeat">
+      <a:schemeClr val="dk2">
+        <a:tint val="50000"/>
+      </a:schemeClr>
+    </dgm:fillClrLst>
+    <dgm:linClrLst meth="repeat">
+      <a:schemeClr val="dk2">
+        <a:shade val="80000"/>
+      </a:schemeClr>
+    </dgm:linClrLst>
+    <dgm:effectClrLst/>
+    <dgm:txLinClrLst/>
+    <dgm:txFillClrLst meth="repeat">
+      <a:schemeClr val="lt2"/>
+    </dgm:txFillClrLst>
+    <dgm:txEffectClrLst/>
+  </dgm:styleLbl>
+  <dgm:styleLbl name="sibTrans2D1">
+    <dgm:fillClrLst meth="repeat">
+      <a:schemeClr val="dk2">
+        <a:tint val="60000"/>
+      </a:schemeClr>
+    </dgm:fillClrLst>
+    <dgm:linClrLst meth="repeat">
+      <a:schemeClr val="dk2">
+        <a:tint val="60000"/>
+      </a:schemeClr>
+    </dgm:linClrLst>
+    <dgm:effectClrLst/>
+    <dgm:txLinClrLst/>
+    <dgm:txFillClrLst/>
+    <dgm:txEffectClrLst/>
+  </dgm:styleLbl>
+  <dgm:styleLbl name="fgSibTrans2D1">
+    <dgm:fillClrLst meth="repeat">
+      <a:schemeClr val="dk2">
+        <a:tint val="60000"/>
+      </a:schemeClr>
+    </dgm:fillClrLst>
+    <dgm:linClrLst meth="repeat">
+      <a:schemeClr val="dk2">
+        <a:tint val="60000"/>
+      </a:schemeClr>
+    </dgm:linClrLst>
+    <dgm:effectClrLst/>
+    <dgm:txLinClrLst/>
+    <dgm:txFillClrLst/>
+    <dgm:txEffectClrLst/>
+  </dgm:styleLbl>
+  <dgm:styleLbl name="bgSibTrans2D1">
+    <dgm:fillClrLst meth="repeat">
+      <a:schemeClr val="dk2">
+        <a:tint val="60000"/>
+      </a:schemeClr>
+    </dgm:fillClrLst>
+    <dgm:linClrLst meth="repeat">
+      <a:schemeClr val="dk2">
+        <a:tint val="60000"/>
+      </a:schemeClr>
+    </dgm:linClrLst>
+    <dgm:effectClrLst/>
+    <dgm:txLinClrLst/>
+    <dgm:txFillClrLst/>
+    <dgm:txEffectClrLst/>
+  </dgm:styleLbl>
+  <dgm:styleLbl name="sibTrans1D1">
+    <dgm:fillClrLst meth="repeat">
+      <a:schemeClr val="dk2"/>
+    </dgm:fillClrLst>
+    <dgm:linClrLst meth="repeat">
+      <a:schemeClr val="dk2"/>
+    </dgm:linClrLst>
+    <dgm:effectClrLst/>
+    <dgm:txLinClrLst/>
+    <dgm:txFillClrLst meth="repeat">
+      <a:schemeClr val="lt2"/>
+    </dgm:txFillClrLst>
+    <dgm:txEffectClrLst/>
+  </dgm:styleLbl>
+  <dgm:styleLbl name="callout">
+    <dgm:fillClrLst meth="repeat">
+      <a:schemeClr val="dk2"/>
+    </dgm:fillClrLst>
+    <dgm:linClrLst meth="repeat">
+      <a:schemeClr val="dk2">
+        <a:tint val="50000"/>
+      </a:schemeClr>
+    </dgm:linClrLst>
+    <dgm:effectClrLst/>
+    <dgm:txLinClrLst/>
+    <dgm:txFillClrLst meth="repeat">
+      <a:schemeClr val="lt2"/>
+    </dgm:txFillClrLst>
+    <dgm:txEffectClrLst/>
+  </dgm:styleLbl>
+  <dgm:styleLbl name="asst0">
+    <dgm:fillClrLst meth="repeat">
+      <a:schemeClr val="dk2"/>
+    </dgm:fillClrLst>
+    <dgm:linClrLst meth="repeat">
+      <a:schemeClr val="lt2"/>
+    </dgm:linClrLst>
+    <dgm:effectClrLst/>
+    <dgm:txLinClrLst/>
+    <dgm:txFillClrLst/>
+    <dgm:txEffectClrLst/>
+  </dgm:styleLbl>
+  <dgm:styleLbl name="asst1">
+    <dgm:fillClrLst meth="repeat">
+      <a:schemeClr val="dk2"/>
+    </dgm:fillClrLst>
+    <dgm:linClrLst meth="repeat">
+      <a:schemeClr val="lt2"/>
+    </dgm:linClrLst>
+    <dgm:effectClrLst/>
+    <dgm:txLinClrLst/>
+    <dgm:txFillClrLst/>
+    <dgm:txEffectClrLst/>
+  </dgm:styleLbl>
+  <dgm:styleLbl name="asst2">
+    <dgm:fillClrLst meth="repeat">
+      <a:schemeClr val="dk2"/>
+    </dgm:fillClrLst>
+    <dgm:linClrLst meth="repeat">
+      <a:schemeClr val="lt2"/>
+    </dgm:linClrLst>
+    <dgm:effectClrLst/>
+    <dgm:txLinClrLst/>
+    <dgm:txFillClrLst/>
+    <dgm:txEffectClrLst/>
+  </dgm:styleLbl>
+  <dgm:styleLbl name="asst3">
+    <dgm:fillClrLst meth="repeat">
+      <a:schemeClr val="dk2"/>
+    </dgm:fillClrLst>
+    <dgm:linClrLst meth="repeat">
+      <a:schemeClr val="lt2"/>
+    </dgm:linClrLst>
+    <dgm:effectClrLst/>
+    <dgm:txLinClrLst/>
+    <dgm:txFillClrLst/>
+    <dgm:txEffectClrLst/>
+  </dgm:styleLbl>
+  <dgm:styleLbl name="asst4">
+    <dgm:fillClrLst meth="repeat">
+      <a:schemeClr val="dk2"/>
+    </dgm:fillClrLst>
+    <dgm:linClrLst meth="repeat">
+      <a:schemeClr val="lt2"/>
+    </dgm:linClrLst>
+    <dgm:effectClrLst/>
+    <dgm:txLinClrLst/>
+    <dgm:txFillClrLst/>
+    <dgm:txEffectClrLst/>
+  </dgm:styleLbl>
+  <dgm:styleLbl name="parChTrans2D1">
+    <dgm:fillClrLst meth="repeat">
+      <a:schemeClr val="dk2">
+        <a:tint val="60000"/>
+      </a:schemeClr>
+    </dgm:fillClrLst>
+    <dgm:linClrLst meth="repeat">
+      <a:schemeClr val="dk2">
+        <a:tint val="60000"/>
+      </a:schemeClr>
+    </dgm:linClrLst>
+    <dgm:effectClrLst/>
+    <dgm:txLinClrLst/>
+    <dgm:txFillClrLst meth="repeat">
+      <a:schemeClr val="lt2"/>
+    </dgm:txFillClrLst>
+    <dgm:txEffectClrLst/>
+  </dgm:styleLbl>
+  <dgm:styleLbl name="parChTrans2D2">
+    <dgm:fillClrLst meth="repeat">
+      <a:schemeClr val="dk2"/>
+    </dgm:fillClrLst>
+    <dgm:linClrLst meth="repeat">
+      <a:schemeClr val="dk2"/>
+    </dgm:linClrLst>
+    <dgm:effectClrLst/>
+    <dgm:txLinClrLst/>
+    <dgm:txFillClrLst meth="repeat">
+      <a:schemeClr val="lt2"/>
+    </dgm:txFillClrLst>
+    <dgm:txEffectClrLst/>
+  </dgm:styleLbl>
+  <dgm:styleLbl name="parChTrans2D3">
+    <dgm:fillClrLst meth="repeat">
+      <a:schemeClr val="dk2"/>
+    </dgm:fillClrLst>
+    <dgm:linClrLst meth="repeat">
+      <a:schemeClr val="dk2"/>
+    </dgm:linClrLst>
+    <dgm:effectClrLst/>
+    <dgm:txLinClrLst/>
+    <dgm:txFillClrLst meth="repeat">
+      <a:schemeClr val="lt2"/>
+    </dgm:txFillClrLst>
+    <dgm:txEffectClrLst/>
+  </dgm:styleLbl>
+  <dgm:styleLbl name="parChTrans2D4">
+    <dgm:fillClrLst meth="repeat">
+      <a:schemeClr val="dk2"/>
+    </dgm:fillClrLst>
+    <dgm:linClrLst meth="repeat">
+      <a:schemeClr val="dk2"/>
+    </dgm:linClrLst>
+    <dgm:effectClrLst/>
+    <dgm:txLinClrLst/>
+    <dgm:txFillClrLst meth="repeat">
+      <a:schemeClr val="lt2"/>
+    </dgm:txFillClrLst>
+    <dgm:txEffectClrLst/>
+  </dgm:styleLbl>
+  <dgm:styleLbl name="parChTrans1D1">
+    <dgm:fillClrLst meth="repeat">
+      <a:schemeClr val="dk2"/>
+    </dgm:fillClrLst>
+    <dgm:linClrLst meth="repeat">
+      <a:schemeClr val="dk2">
+        <a:shade val="60000"/>
+      </a:schemeClr>
+    </dgm:linClrLst>
+    <dgm:effectClrLst/>
+    <dgm:txLinClrLst/>
+    <dgm:txFillClrLst meth="repeat">
+      <a:schemeClr val="tx1"/>
+    </dgm:txFillClrLst>
+    <dgm:txEffectClrLst/>
+  </dgm:styleLbl>
+  <dgm:styleLbl name="parChTrans1D2">
+    <dgm:fillClrLst meth="repeat">
+      <a:schemeClr val="dk2"/>
+    </dgm:fillClrLst>
+    <dgm:linClrLst meth="repeat">
+      <a:schemeClr val="dk2">
+        <a:shade val="60000"/>
+      </a:schemeClr>
+    </dgm:linClrLst>
+    <dgm:effectClrLst/>
+    <dgm:txLinClrLst/>
+    <dgm:txFillClrLst meth="repeat">
+      <a:schemeClr val="tx1"/>
+    </dgm:txFillClrLst>
+    <dgm:txEffectClrLst/>
+  </dgm:styleLbl>
+  <dgm:styleLbl name="parChTrans1D3">
+    <dgm:fillClrLst meth="repeat">
+      <a:schemeClr val="dk2"/>
+    </dgm:fillClrLst>
+    <dgm:linClrLst meth="repeat">
+      <a:schemeClr val="dk2">
+        <a:shade val="80000"/>
+      </a:schemeClr>
+    </dgm:linClrLst>
+    <dgm:effectClrLst/>
+    <dgm:txLinClrLst/>
+    <dgm:txFillClrLst meth="repeat">
+      <a:schemeClr val="tx1"/>
+    </dgm:txFillClrLst>
+    <dgm:txEffectClrLst/>
+  </dgm:styleLbl>
+  <dgm:styleLbl name="parChTrans1D4">
+    <dgm:fillClrLst meth="repeat">
+      <a:schemeClr val="dk2"/>
+    </dgm:fillClrLst>
+    <dgm:linClrLst meth="repeat">
+      <a:schemeClr val="dk2">
+        <a:shade val="80000"/>
+      </a:schemeClr>
+    </dgm:linClrLst>
+    <dgm:effectClrLst/>
+    <dgm:txLinClrLst/>
+    <dgm:txFillClrLst meth="repeat">
+      <a:schemeClr val="tx1"/>
+    </dgm:txFillClrLst>
+    <dgm:txEffectClrLst/>
+  </dgm:styleLbl>
+  <dgm:styleLbl name="fgAcc1">
+    <dgm:fillClrLst meth="repeat">
+      <a:schemeClr val="lt2">
+        <a:alpha val="90000"/>
+      </a:schemeClr>
+    </dgm:fillClrLst>
+    <dgm:linClrLst meth="repeat">
+      <a:schemeClr val="dk2"/>
+    </dgm:linClrLst>
+    <dgm:effectClrLst/>
+    <dgm:txLinClrLst/>
+    <dgm:txFillClrLst meth="repeat">
+      <a:schemeClr val="dk1"/>
+    </dgm:txFillClrLst>
+    <dgm:txEffectClrLst/>
+  </dgm:styleLbl>
+  <dgm:styleLbl name="conFgAcc1">
+    <dgm:fillClrLst meth="repeat">
+      <a:schemeClr val="lt2">
+        <a:alpha val="90000"/>
+      </a:schemeClr>
+    </dgm:fillClrLst>
+    <dgm:linClrLst meth="repeat">
+      <a:schemeClr val="dk2"/>
+    </dgm:linClrLst>
+    <dgm:effectClrLst/>
+    <dgm:txLinClrLst/>
+    <dgm:txFillClrLst meth="repeat">
+      <a:schemeClr val="dk1"/>
+    </dgm:txFillClrLst>
+    <dgm:txEffectClrLst/>
+  </dgm:styleLbl>
+  <dgm:styleLbl name="alignAcc1">
+    <dgm:fillClrLst meth="repeat">
+      <a:schemeClr val="lt2">
+        <a:alpha val="90000"/>
+      </a:schemeClr>
+    </dgm:fillClrLst>
+    <dgm:linClrLst meth="repeat">
+      <a:schemeClr val="dk2"/>
+    </dgm:linClrLst>
+    <dgm:effectClrLst/>
+    <dgm:txLinClrLst/>
+    <dgm:txFillClrLst meth="repeat">
+      <a:schemeClr val="dk1"/>
+    </dgm:txFillClrLst>
+    <dgm:txEffectClrLst/>
+  </dgm:styleLbl>
+  <dgm:styleLbl name="trAlignAcc1">
+    <dgm:fillClrLst meth="repeat">
+      <a:schemeClr val="lt2">
+        <a:alpha val="40000"/>
+      </a:schemeClr>
+    </dgm:fillClrLst>
+    <dgm:linClrLst meth="repeat">
+      <a:schemeClr val="dk2"/>
+    </dgm:linClrLst>
+    <dgm:effectClrLst/>
+    <dgm:txLinClrLst/>
+    <dgm:txFillClrLst meth="repeat">
+      <a:schemeClr val="dk1"/>
+    </dgm:txFillClrLst>
+    <dgm:txEffectClrLst/>
+  </dgm:styleLbl>
+  <dgm:styleLbl name="bgAcc1">
+    <dgm:fillClrLst meth="repeat">
+      <a:schemeClr val="lt2">
+        <a:alpha val="90000"/>
+      </a:schemeClr>
+    </dgm:fillClrLst>
+    <dgm:linClrLst meth="repeat">
+      <a:schemeClr val="dk2"/>
+    </dgm:linClrLst>
+    <dgm:effectClrLst/>
+    <dgm:txLinClrLst/>
+    <dgm:txFillClrLst meth="repeat">
+      <a:schemeClr val="dk1"/>
+    </dgm:txFillClrLst>
+    <dgm:txEffectClrLst/>
+  </dgm:styleLbl>
+  <dgm:styleLbl name="solidFgAcc1">
+    <dgm:fillClrLst meth="repeat">
+      <a:schemeClr val="lt2"/>
+    </dgm:fillClrLst>
+    <dgm:linClrLst meth="repeat">
+      <a:schemeClr val="dk2"/>
+    </dgm:linClrLst>
+    <dgm:effectClrLst/>
+    <dgm:txLinClrLst/>
+    <dgm:txFillClrLst meth="repeat">
+      <a:schemeClr val="dk1"/>
+    </dgm:txFillClrLst>
+    <dgm:txEffectClrLst/>
+  </dgm:styleLbl>
+  <dgm:styleLbl name="solidAlignAcc1">
+    <dgm:fillClrLst meth="repeat">
+      <a:schemeClr val="lt2"/>
+    </dgm:fillClrLst>
+    <dgm:linClrLst meth="repeat">
+      <a:schemeClr val="dk2"/>
+    </dgm:linClrLst>
+    <dgm:effectClrLst/>
+    <dgm:txLinClrLst/>
+    <dgm:txFillClrLst meth="repeat">
+      <a:schemeClr val="dk1"/>
+    </dgm:txFillClrLst>
+    <dgm:txEffectClrLst/>
+  </dgm:styleLbl>
+  <dgm:styleLbl name="solidBgAcc1">
+    <dgm:fillClrLst meth="repeat">
+      <a:schemeClr val="lt2"/>
+    </dgm:fillClrLst>
+    <dgm:linClrLst meth="repeat">
+      <a:schemeClr val="dk2"/>
+    </dgm:linClrLst>
+    <dgm:effectClrLst/>
+    <dgm:txLinClrLst/>
+    <dgm:txFillClrLst meth="repeat">
+      <a:schemeClr val="dk1"/>
+    </dgm:txFillClrLst>
+    <dgm:txEffectClrLst/>
+  </dgm:styleLbl>
+  <dgm:styleLbl name="fgAccFollowNode1">
+    <dgm:fillClrLst meth="repeat">
+      <a:schemeClr val="dk2">
+        <a:alpha val="90000"/>
+        <a:tint val="40000"/>
+      </a:schemeClr>
+    </dgm:fillClrLst>
+    <dgm:linClrLst meth="repeat">
+      <a:schemeClr val="dk2">
+        <a:alpha val="90000"/>
+        <a:tint val="40000"/>
+      </a:schemeClr>
+    </dgm:linClrLst>
+    <dgm:effectClrLst/>
+    <dgm:txLinClrLst/>
+    <dgm:txFillClrLst meth="repeat">
+      <a:schemeClr val="dk1"/>
+    </dgm:txFillClrLst>
+    <dgm:txEffectClrLst/>
+  </dgm:styleLbl>
+  <dgm:styleLbl name="alignAccFollowNode1">
+    <dgm:fillClrLst meth="repeat">
+      <a:schemeClr val="dk2">
+        <a:alpha val="90000"/>
+        <a:tint val="40000"/>
+      </a:schemeClr>
+    </dgm:fillClrLst>
+    <dgm:linClrLst meth="repeat">
+      <a:schemeClr val="dk2">
+        <a:alpha val="90000"/>
+        <a:tint val="40000"/>
+      </a:schemeClr>
+    </dgm:linClrLst>
+    <dgm:effectClrLst/>
+    <dgm:txLinClrLst/>
+    <dgm:txFillClrLst meth="repeat">
+      <a:schemeClr val="dk1"/>
+    </dgm:txFillClrLst>
+    <dgm:txEffectClrLst/>
+  </dgm:styleLbl>
+  <dgm:styleLbl name="bgAccFollowNode1">
+    <dgm:fillClrLst meth="repeat">
+      <a:schemeClr val="dk2">
+        <a:alpha val="90000"/>
+        <a:tint val="40000"/>
+      </a:schemeClr>
+    </dgm:fillClrLst>
+    <dgm:linClrLst meth="repeat">
+      <a:schemeClr val="dk2">
+        <a:alpha val="90000"/>
+        <a:tint val="40000"/>
+      </a:schemeClr>
+    </dgm:linClrLst>
+    <dgm:effectClrLst/>
+    <dgm:txLinClrLst/>
+    <dgm:txFillClrLst meth="repeat">
+      <a:schemeClr val="dk1"/>
+    </dgm:txFillClrLst>
+    <dgm:txEffectClrLst/>
+  </dgm:styleLbl>
+  <dgm:styleLbl name="fgAcc0">
+    <dgm:fillClrLst meth="repeat">
+      <a:schemeClr val="lt2">
+        <a:alpha val="90000"/>
+      </a:schemeClr>
+    </dgm:fillClrLst>
+    <dgm:linClrLst meth="repeat">
+      <a:schemeClr val="dk2"/>
+    </dgm:linClrLst>
+    <dgm:effectClrLst/>
+    <dgm:txLinClrLst/>
+    <dgm:txFillClrLst meth="repeat">
+      <a:schemeClr val="dk1"/>
+    </dgm:txFillClrLst>
+    <dgm:txEffectClrLst/>
+  </dgm:styleLbl>
+  <dgm:styleLbl name="fgAcc2">
+    <dgm:fillClrLst meth="repeat">
+      <a:schemeClr val="lt2">
+        <a:alpha val="90000"/>
+      </a:schemeClr>
+    </dgm:fillClrLst>
+    <dgm:linClrLst meth="repeat">
+      <a:schemeClr val="dk2"/>
+    </dgm:linClrLst>
+    <dgm:effectClrLst/>
+    <dgm:txLinClrLst/>
+    <dgm:txFillClrLst meth="repeat">
+      <a:schemeClr val="dk1"/>
+    </dgm:txFillClrLst>
+    <dgm:txEffectClrLst/>
+  </dgm:styleLbl>
+  <dgm:styleLbl name="fgAcc3">
+    <dgm:fillClrLst meth="repeat">
+      <a:schemeClr val="lt2">
+        <a:alpha val="90000"/>
+      </a:schemeClr>
+    </dgm:fillClrLst>
+    <dgm:linClrLst meth="repeat">
+      <a:schemeClr val="dk2"/>
+    </dgm:linClrLst>
+    <dgm:effectClrLst/>
+    <dgm:txLinClrLst/>
+    <dgm:txFillClrLst meth="repeat">
+      <a:schemeClr val="dk1"/>
+    </dgm:txFillClrLst>
+    <dgm:txEffectClrLst/>
+  </dgm:styleLbl>
+  <dgm:styleLbl name="fgAcc4">
+    <dgm:fillClrLst meth="repeat">
+      <a:schemeClr val="lt2">
+        <a:alpha val="90000"/>
+      </a:schemeClr>
+    </dgm:fillClrLst>
+    <dgm:linClrLst meth="repeat">
+      <a:schemeClr val="dk2"/>
+    </dgm:linClrLst>
+    <dgm:effectClrLst/>
+    <dgm:txLinClrLst/>
+    <dgm:txFillClrLst meth="repeat">
+      <a:schemeClr val="dk1"/>
+    </dgm:txFillClrLst>
+    <dgm:txEffectClrLst/>
+  </dgm:styleLbl>
+  <dgm:styleLbl name="bgShp">
+    <dgm:fillClrLst meth="repeat">
+      <a:schemeClr val="dk2">
+        <a:tint val="40000"/>
+      </a:schemeClr>
+    </dgm:fillClrLst>
+    <dgm:linClrLst meth="repeat">
+      <a:schemeClr val="dk2"/>
+    </dgm:linClrLst>
+    <dgm:effectClrLst/>
+    <dgm:txLinClrLst/>
+    <dgm:txFillClrLst meth="repeat">
+      <a:schemeClr val="dk1"/>
+    </dgm:txFillClrLst>
+    <dgm:txEffectClrLst/>
+  </dgm:styleLbl>
+  <dgm:styleLbl name="dkBgShp">
+    <dgm:fillClrLst meth="repeat">
+      <a:schemeClr val="dk2">
+        <a:shade val="80000"/>
+      </a:schemeClr>
+    </dgm:fillClrLst>
+    <dgm:linClrLst meth="repeat">
+      <a:schemeClr val="dk2"/>
+    </dgm:linClrLst>
+    <dgm:effectClrLst/>
+    <dgm:txLinClrLst/>
+    <dgm:txFillClrLst meth="repeat">
+      <a:schemeClr val="lt1"/>
+    </dgm:txFillClrLst>
+    <dgm:txEffectClrLst/>
+  </dgm:styleLbl>
+  <dgm:styleLbl name="trBgShp">
+    <dgm:fillClrLst meth="repeat">
+      <a:schemeClr val="dk2">
+        <a:tint val="50000"/>
+        <a:alpha val="40000"/>
+      </a:schemeClr>
+    </dgm:fillClrLst>
+    <dgm:linClrLst meth="repeat">
+      <a:schemeClr val="dk2"/>
+    </dgm:linClrLst>
+    <dgm:effectClrLst/>
+    <dgm:txLinClrLst/>
+    <dgm:txFillClrLst meth="repeat">
+      <a:schemeClr val="lt1"/>
+    </dgm:txFillClrLst>
+    <dgm:txEffectClrLst/>
+  </dgm:styleLbl>
+  <dgm:styleLbl name="fgShp">
+    <dgm:fillClrLst meth="repeat">
+      <a:schemeClr val="dk2">
+        <a:tint val="60000"/>
+      </a:schemeClr>
+    </dgm:fillClrLst>
+    <dgm:linClrLst meth="repeat">
+      <a:schemeClr val="lt2"/>
+    </dgm:linClrLst>
+    <dgm:effectClrLst/>
+    <dgm:txLinClrLst/>
+    <dgm:txFillClrLst meth="repeat">
+      <a:schemeClr val="dk1"/>
+    </dgm:txFillClrLst>
+    <dgm:txEffectClrLst/>
+  </dgm:styleLbl>
+  <dgm:styleLbl name="revTx">
+    <dgm:fillClrLst meth="repeat">
+      <a:schemeClr val="lt2">
+        <a:alpha val="0"/>
+      </a:schemeClr>
+    </dgm:fillClrLst>
+    <dgm:linClrLst meth="repeat">
+      <a:schemeClr val="dk1">
+        <a:alpha val="0"/>
+      </a:schemeClr>
+    </dgm:linClrLst>
+    <dgm:effectClrLst/>
+    <dgm:txLinClrLst/>
+    <dgm:txFillClrLst meth="repeat">
+      <a:schemeClr val="tx1"/>
+    </dgm:txFillClrLst>
+    <dgm:txEffectClrLst/>
+  </dgm:styleLbl>
+</dgm:colorsDef>
+</file>
+
+<file path=ppt/diagrams/colors3.xml><?xml version="1.0" encoding="utf-8"?>
 <dgm:colorsDef xmlns:dgm="http://schemas.openxmlformats.org/drawingml/2006/diagram" xmlns:a="http://schemas.openxmlformats.org/drawingml/2006/main" uniqueId="urn:microsoft.com/office/officeart/2005/8/colors/accent0_3">
   <dgm:title val=""/>
   <dgm:desc val=""/>
@@ -2834,6 +3587,218 @@
     <dgm:cxn modelId="{6E0FA2A0-5F2A-42C7-9BC1-273612E3F53B}" type="presParOf" srcId="{690FA3B4-EC90-439A-8655-2A32100600FB}" destId="{2732E359-3DAC-471E-AC4C-AA5277438353}" srcOrd="6" destOrd="0" presId="urn:microsoft.com/office/officeart/2005/8/layout/vProcess5"/>
     <dgm:cxn modelId="{B3CCEA93-EAAF-43C7-8543-1DFFFF4DED18}" type="presParOf" srcId="{690FA3B4-EC90-439A-8655-2A32100600FB}" destId="{5ABCB511-D260-4C43-BDD2-A74EBA98B2DF}" srcOrd="7" destOrd="0" presId="urn:microsoft.com/office/officeart/2005/8/layout/vProcess5"/>
     <dgm:cxn modelId="{B2C0BB50-3DAF-42E9-A4CE-BB0417BC6FAC}" type="presParOf" srcId="{690FA3B4-EC90-439A-8655-2A32100600FB}" destId="{C83BE921-31DD-43FA-A99F-7AEA303BD24B}" srcOrd="8" destOrd="0" presId="urn:microsoft.com/office/officeart/2005/8/layout/vProcess5"/>
+  </dgm:cxnLst>
+  <dgm:bg/>
+  <dgm:whole/>
+  <dgm:extLst>
+    <a:ext uri="http://schemas.microsoft.com/office/drawing/2008/diagram">
+      <dsp:dataModelExt xmlns:dsp="http://schemas.microsoft.com/office/drawing/2008/diagram" xmlns="" relId="rId7" minVer="http://schemas.openxmlformats.org/drawingml/2006/diagram"/>
+    </a:ext>
+  </dgm:extLst>
+</dgm:dataModel>
+</file>
+
+<file path=ppt/diagrams/data3.xml><?xml version="1.0" encoding="utf-8"?>
+<dgm:dataModel xmlns:dgm="http://schemas.openxmlformats.org/drawingml/2006/diagram" xmlns:a="http://schemas.openxmlformats.org/drawingml/2006/main">
+  <dgm:ptLst>
+    <dgm:pt modelId="{F8BAE730-7ACC-41AC-9A96-A7DAF402C243}" type="doc">
+      <dgm:prSet loTypeId="urn:microsoft.com/office/officeart/2005/8/layout/default" loCatId="list" qsTypeId="urn:microsoft.com/office/officeart/2005/8/quickstyle/simple3" qsCatId="simple" csTypeId="urn:microsoft.com/office/officeart/2005/8/colors/accent0_3" csCatId="mainScheme" phldr="1"/>
+      <dgm:spPr/>
+      <dgm:t>
+        <a:bodyPr/>
+        <a:lstStyle/>
+        <a:p>
+          <a:endParaRPr lang="en-US"/>
+        </a:p>
+      </dgm:t>
+    </dgm:pt>
+    <dgm:pt modelId="{337FC5F5-C507-42D3-9895-2F9F73CEC34F}">
+      <dgm:prSet phldrT="[Texto]" custT="1"/>
+      <dgm:spPr/>
+      <dgm:t>
+        <a:bodyPr/>
+        <a:lstStyle/>
+        <a:p>
+          <a:r>
+            <a:rPr lang="es-AR" sz="2000" dirty="0" smtClean="0"/>
+            <a:t>Estimación errónea</a:t>
+          </a:r>
+          <a:endParaRPr lang="en-US" sz="2000" dirty="0"/>
+        </a:p>
+      </dgm:t>
+    </dgm:pt>
+    <dgm:pt modelId="{F69CFC13-C39A-41F1-9A5E-D1487D91C713}" type="parTrans" cxnId="{BC265463-E2D8-4EF0-90C2-8506EACAFFA8}">
+      <dgm:prSet/>
+      <dgm:spPr/>
+      <dgm:t>
+        <a:bodyPr/>
+        <a:lstStyle/>
+        <a:p>
+          <a:endParaRPr lang="en-US" sz="2000"/>
+        </a:p>
+      </dgm:t>
+    </dgm:pt>
+    <dgm:pt modelId="{1B608440-9F80-43EC-8837-2D0407915F8B}" type="sibTrans" cxnId="{BC265463-E2D8-4EF0-90C2-8506EACAFFA8}">
+      <dgm:prSet/>
+      <dgm:spPr/>
+      <dgm:t>
+        <a:bodyPr/>
+        <a:lstStyle/>
+        <a:p>
+          <a:endParaRPr lang="en-US" sz="2000"/>
+        </a:p>
+      </dgm:t>
+    </dgm:pt>
+    <dgm:pt modelId="{FF2CDA73-FB39-4ECE-B49B-2073DFBF20DA}">
+      <dgm:prSet phldrT="[Texto]" custT="1"/>
+      <dgm:spPr/>
+      <dgm:t>
+        <a:bodyPr/>
+        <a:lstStyle/>
+        <a:p>
+          <a:r>
+            <a:rPr lang="es-AR" sz="2000" dirty="0" smtClean="0"/>
+            <a:t>Poco control de horas reales</a:t>
+          </a:r>
+          <a:endParaRPr lang="en-US" sz="2000" dirty="0"/>
+        </a:p>
+      </dgm:t>
+    </dgm:pt>
+    <dgm:pt modelId="{C575DB8E-50EF-4EC4-90B9-E15EAABB8D16}" type="parTrans" cxnId="{A00C968B-E9D3-44AC-ADC3-A3D124767948}">
+      <dgm:prSet/>
+      <dgm:spPr/>
+      <dgm:t>
+        <a:bodyPr/>
+        <a:lstStyle/>
+        <a:p>
+          <a:endParaRPr lang="en-US" sz="2000"/>
+        </a:p>
+      </dgm:t>
+    </dgm:pt>
+    <dgm:pt modelId="{D2E06355-6B61-4BCB-AD00-5F66A2300C26}" type="sibTrans" cxnId="{A00C968B-E9D3-44AC-ADC3-A3D124767948}">
+      <dgm:prSet/>
+      <dgm:spPr/>
+      <dgm:t>
+        <a:bodyPr/>
+        <a:lstStyle/>
+        <a:p>
+          <a:endParaRPr lang="en-US" sz="2000"/>
+        </a:p>
+      </dgm:t>
+    </dgm:pt>
+    <dgm:pt modelId="{9350D9A4-7014-4240-9CD1-8C66F2412107}">
+      <dgm:prSet phldrT="[Texto]" custT="1"/>
+      <dgm:spPr/>
+      <dgm:t>
+        <a:bodyPr/>
+        <a:lstStyle/>
+        <a:p>
+          <a:r>
+            <a:rPr lang="es-AR" sz="2000" dirty="0" smtClean="0"/>
+            <a:t>Actualización de horas planificadas</a:t>
+          </a:r>
+          <a:endParaRPr lang="en-US" sz="2000" dirty="0"/>
+        </a:p>
+      </dgm:t>
+    </dgm:pt>
+    <dgm:pt modelId="{E95B2B7C-1040-47C0-8263-D7CBDA7554A1}" type="parTrans" cxnId="{0A36971D-B38F-479D-9741-EAE342061D4C}">
+      <dgm:prSet/>
+      <dgm:spPr/>
+      <dgm:t>
+        <a:bodyPr/>
+        <a:lstStyle/>
+        <a:p>
+          <a:endParaRPr lang="en-US" sz="2000"/>
+        </a:p>
+      </dgm:t>
+    </dgm:pt>
+    <dgm:pt modelId="{0ACE3162-D077-4644-AEEC-EC7366C89EE1}" type="sibTrans" cxnId="{0A36971D-B38F-479D-9741-EAE342061D4C}">
+      <dgm:prSet/>
+      <dgm:spPr/>
+      <dgm:t>
+        <a:bodyPr/>
+        <a:lstStyle/>
+        <a:p>
+          <a:endParaRPr lang="en-US" sz="2000"/>
+        </a:p>
+      </dgm:t>
+    </dgm:pt>
+    <dgm:pt modelId="{CDD00681-29A1-4C9D-9C07-7192BAFCDB68}" type="pres">
+      <dgm:prSet presAssocID="{F8BAE730-7ACC-41AC-9A96-A7DAF402C243}" presName="diagram" presStyleCnt="0">
+        <dgm:presLayoutVars>
+          <dgm:dir/>
+          <dgm:resizeHandles val="exact"/>
+        </dgm:presLayoutVars>
+      </dgm:prSet>
+      <dgm:spPr/>
+    </dgm:pt>
+    <dgm:pt modelId="{BDC8FC93-55F3-42CA-9630-F3D0AEDB332B}" type="pres">
+      <dgm:prSet presAssocID="{337FC5F5-C507-42D3-9895-2F9F73CEC34F}" presName="node" presStyleLbl="node1" presStyleIdx="0" presStyleCnt="3">
+        <dgm:presLayoutVars>
+          <dgm:bulletEnabled val="1"/>
+        </dgm:presLayoutVars>
+      </dgm:prSet>
+      <dgm:spPr/>
+      <dgm:t>
+        <a:bodyPr/>
+        <a:lstStyle/>
+        <a:p>
+          <a:endParaRPr lang="en-US"/>
+        </a:p>
+      </dgm:t>
+    </dgm:pt>
+    <dgm:pt modelId="{FD880E55-DA4D-4BA0-9356-8227B67F101E}" type="pres">
+      <dgm:prSet presAssocID="{1B608440-9F80-43EC-8837-2D0407915F8B}" presName="sibTrans" presStyleCnt="0"/>
+      <dgm:spPr/>
+    </dgm:pt>
+    <dgm:pt modelId="{B3472502-75B4-4278-A8C7-45CCF2FD979B}" type="pres">
+      <dgm:prSet presAssocID="{FF2CDA73-FB39-4ECE-B49B-2073DFBF20DA}" presName="node" presStyleLbl="node1" presStyleIdx="1" presStyleCnt="3">
+        <dgm:presLayoutVars>
+          <dgm:bulletEnabled val="1"/>
+        </dgm:presLayoutVars>
+      </dgm:prSet>
+      <dgm:spPr/>
+      <dgm:t>
+        <a:bodyPr/>
+        <a:lstStyle/>
+        <a:p>
+          <a:endParaRPr lang="en-US"/>
+        </a:p>
+      </dgm:t>
+    </dgm:pt>
+    <dgm:pt modelId="{0E16161A-79F5-486B-B305-C76F7EE03FAF}" type="pres">
+      <dgm:prSet presAssocID="{D2E06355-6B61-4BCB-AD00-5F66A2300C26}" presName="sibTrans" presStyleCnt="0"/>
+      <dgm:spPr/>
+    </dgm:pt>
+    <dgm:pt modelId="{E804E072-BE71-453A-B5DB-446E67B97AEA}" type="pres">
+      <dgm:prSet presAssocID="{9350D9A4-7014-4240-9CD1-8C66F2412107}" presName="node" presStyleLbl="node1" presStyleIdx="2" presStyleCnt="3">
+        <dgm:presLayoutVars>
+          <dgm:bulletEnabled val="1"/>
+        </dgm:presLayoutVars>
+      </dgm:prSet>
+      <dgm:spPr/>
+      <dgm:t>
+        <a:bodyPr/>
+        <a:lstStyle/>
+        <a:p>
+          <a:endParaRPr lang="en-US"/>
+        </a:p>
+      </dgm:t>
+    </dgm:pt>
+  </dgm:ptLst>
+  <dgm:cxnLst>
+    <dgm:cxn modelId="{A00C968B-E9D3-44AC-ADC3-A3D124767948}" srcId="{F8BAE730-7ACC-41AC-9A96-A7DAF402C243}" destId="{FF2CDA73-FB39-4ECE-B49B-2073DFBF20DA}" srcOrd="1" destOrd="0" parTransId="{C575DB8E-50EF-4EC4-90B9-E15EAABB8D16}" sibTransId="{D2E06355-6B61-4BCB-AD00-5F66A2300C26}"/>
+    <dgm:cxn modelId="{F5513D9F-179F-4F1B-89E2-D93A34F4A274}" type="presOf" srcId="{337FC5F5-C507-42D3-9895-2F9F73CEC34F}" destId="{BDC8FC93-55F3-42CA-9630-F3D0AEDB332B}" srcOrd="0" destOrd="0" presId="urn:microsoft.com/office/officeart/2005/8/layout/default"/>
+    <dgm:cxn modelId="{4C715BB7-4764-4CB8-8B9F-5FD2FBACCD5E}" type="presOf" srcId="{FF2CDA73-FB39-4ECE-B49B-2073DFBF20DA}" destId="{B3472502-75B4-4278-A8C7-45CCF2FD979B}" srcOrd="0" destOrd="0" presId="urn:microsoft.com/office/officeart/2005/8/layout/default"/>
+    <dgm:cxn modelId="{A9239CE3-2563-49C3-B954-ACE046BC5F5C}" type="presOf" srcId="{F8BAE730-7ACC-41AC-9A96-A7DAF402C243}" destId="{CDD00681-29A1-4C9D-9C07-7192BAFCDB68}" srcOrd="0" destOrd="0" presId="urn:microsoft.com/office/officeart/2005/8/layout/default"/>
+    <dgm:cxn modelId="{8F16E27E-E963-423D-A083-CCA060443281}" type="presOf" srcId="{9350D9A4-7014-4240-9CD1-8C66F2412107}" destId="{E804E072-BE71-453A-B5DB-446E67B97AEA}" srcOrd="0" destOrd="0" presId="urn:microsoft.com/office/officeart/2005/8/layout/default"/>
+    <dgm:cxn modelId="{0A36971D-B38F-479D-9741-EAE342061D4C}" srcId="{F8BAE730-7ACC-41AC-9A96-A7DAF402C243}" destId="{9350D9A4-7014-4240-9CD1-8C66F2412107}" srcOrd="2" destOrd="0" parTransId="{E95B2B7C-1040-47C0-8263-D7CBDA7554A1}" sibTransId="{0ACE3162-D077-4644-AEEC-EC7366C89EE1}"/>
+    <dgm:cxn modelId="{BC265463-E2D8-4EF0-90C2-8506EACAFFA8}" srcId="{F8BAE730-7ACC-41AC-9A96-A7DAF402C243}" destId="{337FC5F5-C507-42D3-9895-2F9F73CEC34F}" srcOrd="0" destOrd="0" parTransId="{F69CFC13-C39A-41F1-9A5E-D1487D91C713}" sibTransId="{1B608440-9F80-43EC-8837-2D0407915F8B}"/>
+    <dgm:cxn modelId="{F58AFF3F-D43F-4A31-82A2-3B0B32185303}" type="presParOf" srcId="{CDD00681-29A1-4C9D-9C07-7192BAFCDB68}" destId="{BDC8FC93-55F3-42CA-9630-F3D0AEDB332B}" srcOrd="0" destOrd="0" presId="urn:microsoft.com/office/officeart/2005/8/layout/default"/>
+    <dgm:cxn modelId="{CB7CD2FE-5CE3-4611-A36C-235BB0A29F34}" type="presParOf" srcId="{CDD00681-29A1-4C9D-9C07-7192BAFCDB68}" destId="{FD880E55-DA4D-4BA0-9356-8227B67F101E}" srcOrd="1" destOrd="0" presId="urn:microsoft.com/office/officeart/2005/8/layout/default"/>
+    <dgm:cxn modelId="{8792A8C5-662A-4CD4-9D0B-0178CDBF08A6}" type="presParOf" srcId="{CDD00681-29A1-4C9D-9C07-7192BAFCDB68}" destId="{B3472502-75B4-4278-A8C7-45CCF2FD979B}" srcOrd="2" destOrd="0" presId="urn:microsoft.com/office/officeart/2005/8/layout/default"/>
+    <dgm:cxn modelId="{199B0983-A8FE-4CFA-9127-A6507786F1D9}" type="presParOf" srcId="{CDD00681-29A1-4C9D-9C07-7192BAFCDB68}" destId="{0E16161A-79F5-486B-B305-C76F7EE03FAF}" srcOrd="3" destOrd="0" presId="urn:microsoft.com/office/officeart/2005/8/layout/default"/>
+    <dgm:cxn modelId="{9C35DD3B-1CE8-4FA3-A883-4140A01686BD}" type="presParOf" srcId="{CDD00681-29A1-4C9D-9C07-7192BAFCDB68}" destId="{E804E072-BE71-453A-B5DB-446E67B97AEA}" srcOrd="4" destOrd="0" presId="urn:microsoft.com/office/officeart/2005/8/layout/default"/>
   </dgm:cxnLst>
   <dgm:bg/>
   <dgm:whole/>
@@ -4386,6 +5351,345 @@
 </dsp:drawing>
 </file>
 
+<file path=ppt/diagrams/drawing3.xml><?xml version="1.0" encoding="utf-8"?>
+<dsp:drawing xmlns:dgm="http://schemas.openxmlformats.org/drawingml/2006/diagram" xmlns:a="http://schemas.openxmlformats.org/drawingml/2006/main" xmlns:dsp="http://schemas.microsoft.com/office/drawing/2008/diagram">
+  <dsp:spTree>
+    <dsp:nvGrpSpPr>
+      <dsp:cNvPr id="0" name=""/>
+      <dsp:cNvGrpSpPr/>
+    </dsp:nvGrpSpPr>
+    <dsp:grpSpPr/>
+    <dsp:sp modelId="{BDC8FC93-55F3-42CA-9630-F3D0AEDB332B}">
+      <dsp:nvSpPr>
+        <dsp:cNvPr id="0" name=""/>
+        <dsp:cNvSpPr/>
+      </dsp:nvSpPr>
+      <dsp:spPr>
+        <a:xfrm>
+          <a:off x="720" y="141033"/>
+          <a:ext cx="2811054" cy="1686632"/>
+        </a:xfrm>
+        <a:prstGeom prst="rect">
+          <a:avLst/>
+        </a:prstGeom>
+        <a:gradFill rotWithShape="0">
+          <a:gsLst>
+            <a:gs pos="0">
+              <a:schemeClr val="dk2">
+                <a:hueOff val="0"/>
+                <a:satOff val="0"/>
+                <a:lumOff val="0"/>
+                <a:alphaOff val="0"/>
+                <a:tint val="50000"/>
+                <a:satMod val="300000"/>
+              </a:schemeClr>
+            </a:gs>
+            <a:gs pos="35000">
+              <a:schemeClr val="dk2">
+                <a:hueOff val="0"/>
+                <a:satOff val="0"/>
+                <a:lumOff val="0"/>
+                <a:alphaOff val="0"/>
+                <a:tint val="37000"/>
+                <a:satMod val="300000"/>
+              </a:schemeClr>
+            </a:gs>
+            <a:gs pos="100000">
+              <a:schemeClr val="dk2">
+                <a:hueOff val="0"/>
+                <a:satOff val="0"/>
+                <a:lumOff val="0"/>
+                <a:alphaOff val="0"/>
+                <a:tint val="15000"/>
+                <a:satMod val="350000"/>
+              </a:schemeClr>
+            </a:gs>
+          </a:gsLst>
+          <a:lin ang="16200000" scaled="1"/>
+        </a:gradFill>
+        <a:ln>
+          <a:noFill/>
+        </a:ln>
+        <a:effectLst>
+          <a:outerShdw blurRad="40000" dist="20000" dir="5400000" rotWithShape="0">
+            <a:srgbClr val="000000">
+              <a:alpha val="38000"/>
+            </a:srgbClr>
+          </a:outerShdw>
+        </a:effectLst>
+        <a:scene3d>
+          <a:camera prst="orthographicFront"/>
+          <a:lightRig rig="flat" dir="t"/>
+        </a:scene3d>
+        <a:sp3d prstMaterial="dkEdge">
+          <a:bevelT w="8200" h="38100"/>
+        </a:sp3d>
+      </dsp:spPr>
+      <dsp:style>
+        <a:lnRef idx="0">
+          <a:scrgbClr r="0" g="0" b="0"/>
+        </a:lnRef>
+        <a:fillRef idx="2">
+          <a:scrgbClr r="0" g="0" b="0"/>
+        </a:fillRef>
+        <a:effectRef idx="1">
+          <a:scrgbClr r="0" g="0" b="0"/>
+        </a:effectRef>
+        <a:fontRef idx="minor">
+          <a:schemeClr val="dk1"/>
+        </a:fontRef>
+      </dsp:style>
+      <dsp:txBody>
+        <a:bodyPr spcFirstLastPara="0" vert="horz" wrap="square" lIns="76200" tIns="76200" rIns="76200" bIns="76200" numCol="1" spcCol="1270" anchor="ctr" anchorCtr="0">
+          <a:noAutofit/>
+        </a:bodyPr>
+        <a:lstStyle/>
+        <a:p>
+          <a:pPr lvl="0" algn="ctr" defTabSz="889000">
+            <a:lnSpc>
+              <a:spcPct val="90000"/>
+            </a:lnSpc>
+            <a:spcBef>
+              <a:spcPct val="0"/>
+            </a:spcBef>
+            <a:spcAft>
+              <a:spcPct val="35000"/>
+            </a:spcAft>
+          </a:pPr>
+          <a:r>
+            <a:rPr lang="es-AR" sz="2000" kern="1200" dirty="0" smtClean="0"/>
+            <a:t>Estimación errónea</a:t>
+          </a:r>
+          <a:endParaRPr lang="en-US" sz="2000" kern="1200" dirty="0"/>
+        </a:p>
+      </dsp:txBody>
+      <dsp:txXfrm>
+        <a:off x="720" y="141033"/>
+        <a:ext cx="2811054" cy="1686632"/>
+      </dsp:txXfrm>
+    </dsp:sp>
+    <dsp:sp modelId="{B3472502-75B4-4278-A8C7-45CCF2FD979B}">
+      <dsp:nvSpPr>
+        <dsp:cNvPr id="0" name=""/>
+        <dsp:cNvSpPr/>
+      </dsp:nvSpPr>
+      <dsp:spPr>
+        <a:xfrm>
+          <a:off x="3092880" y="141033"/>
+          <a:ext cx="2811054" cy="1686632"/>
+        </a:xfrm>
+        <a:prstGeom prst="rect">
+          <a:avLst/>
+        </a:prstGeom>
+        <a:gradFill rotWithShape="0">
+          <a:gsLst>
+            <a:gs pos="0">
+              <a:schemeClr val="dk2">
+                <a:hueOff val="0"/>
+                <a:satOff val="0"/>
+                <a:lumOff val="0"/>
+                <a:alphaOff val="0"/>
+                <a:tint val="50000"/>
+                <a:satMod val="300000"/>
+              </a:schemeClr>
+            </a:gs>
+            <a:gs pos="35000">
+              <a:schemeClr val="dk2">
+                <a:hueOff val="0"/>
+                <a:satOff val="0"/>
+                <a:lumOff val="0"/>
+                <a:alphaOff val="0"/>
+                <a:tint val="37000"/>
+                <a:satMod val="300000"/>
+              </a:schemeClr>
+            </a:gs>
+            <a:gs pos="100000">
+              <a:schemeClr val="dk2">
+                <a:hueOff val="0"/>
+                <a:satOff val="0"/>
+                <a:lumOff val="0"/>
+                <a:alphaOff val="0"/>
+                <a:tint val="15000"/>
+                <a:satMod val="350000"/>
+              </a:schemeClr>
+            </a:gs>
+          </a:gsLst>
+          <a:lin ang="16200000" scaled="1"/>
+        </a:gradFill>
+        <a:ln>
+          <a:noFill/>
+        </a:ln>
+        <a:effectLst>
+          <a:outerShdw blurRad="40000" dist="20000" dir="5400000" rotWithShape="0">
+            <a:srgbClr val="000000">
+              <a:alpha val="38000"/>
+            </a:srgbClr>
+          </a:outerShdw>
+        </a:effectLst>
+        <a:scene3d>
+          <a:camera prst="orthographicFront"/>
+          <a:lightRig rig="flat" dir="t"/>
+        </a:scene3d>
+        <a:sp3d prstMaterial="dkEdge">
+          <a:bevelT w="8200" h="38100"/>
+        </a:sp3d>
+      </dsp:spPr>
+      <dsp:style>
+        <a:lnRef idx="0">
+          <a:scrgbClr r="0" g="0" b="0"/>
+        </a:lnRef>
+        <a:fillRef idx="2">
+          <a:scrgbClr r="0" g="0" b="0"/>
+        </a:fillRef>
+        <a:effectRef idx="1">
+          <a:scrgbClr r="0" g="0" b="0"/>
+        </a:effectRef>
+        <a:fontRef idx="minor">
+          <a:schemeClr val="dk1"/>
+        </a:fontRef>
+      </dsp:style>
+      <dsp:txBody>
+        <a:bodyPr spcFirstLastPara="0" vert="horz" wrap="square" lIns="76200" tIns="76200" rIns="76200" bIns="76200" numCol="1" spcCol="1270" anchor="ctr" anchorCtr="0">
+          <a:noAutofit/>
+        </a:bodyPr>
+        <a:lstStyle/>
+        <a:p>
+          <a:pPr lvl="0" algn="ctr" defTabSz="889000">
+            <a:lnSpc>
+              <a:spcPct val="90000"/>
+            </a:lnSpc>
+            <a:spcBef>
+              <a:spcPct val="0"/>
+            </a:spcBef>
+            <a:spcAft>
+              <a:spcPct val="35000"/>
+            </a:spcAft>
+          </a:pPr>
+          <a:r>
+            <a:rPr lang="es-AR" sz="2000" kern="1200" dirty="0" smtClean="0"/>
+            <a:t>Poco control de horas reales</a:t>
+          </a:r>
+          <a:endParaRPr lang="en-US" sz="2000" kern="1200" dirty="0"/>
+        </a:p>
+      </dsp:txBody>
+      <dsp:txXfrm>
+        <a:off x="3092880" y="141033"/>
+        <a:ext cx="2811054" cy="1686632"/>
+      </dsp:txXfrm>
+    </dsp:sp>
+    <dsp:sp modelId="{E804E072-BE71-453A-B5DB-446E67B97AEA}">
+      <dsp:nvSpPr>
+        <dsp:cNvPr id="0" name=""/>
+        <dsp:cNvSpPr/>
+      </dsp:nvSpPr>
+      <dsp:spPr>
+        <a:xfrm>
+          <a:off x="1546800" y="2108771"/>
+          <a:ext cx="2811054" cy="1686632"/>
+        </a:xfrm>
+        <a:prstGeom prst="rect">
+          <a:avLst/>
+        </a:prstGeom>
+        <a:gradFill rotWithShape="0">
+          <a:gsLst>
+            <a:gs pos="0">
+              <a:schemeClr val="dk2">
+                <a:hueOff val="0"/>
+                <a:satOff val="0"/>
+                <a:lumOff val="0"/>
+                <a:alphaOff val="0"/>
+                <a:tint val="50000"/>
+                <a:satMod val="300000"/>
+              </a:schemeClr>
+            </a:gs>
+            <a:gs pos="35000">
+              <a:schemeClr val="dk2">
+                <a:hueOff val="0"/>
+                <a:satOff val="0"/>
+                <a:lumOff val="0"/>
+                <a:alphaOff val="0"/>
+                <a:tint val="37000"/>
+                <a:satMod val="300000"/>
+              </a:schemeClr>
+            </a:gs>
+            <a:gs pos="100000">
+              <a:schemeClr val="dk2">
+                <a:hueOff val="0"/>
+                <a:satOff val="0"/>
+                <a:lumOff val="0"/>
+                <a:alphaOff val="0"/>
+                <a:tint val="15000"/>
+                <a:satMod val="350000"/>
+              </a:schemeClr>
+            </a:gs>
+          </a:gsLst>
+          <a:lin ang="16200000" scaled="1"/>
+        </a:gradFill>
+        <a:ln>
+          <a:noFill/>
+        </a:ln>
+        <a:effectLst>
+          <a:outerShdw blurRad="40000" dist="20000" dir="5400000" rotWithShape="0">
+            <a:srgbClr val="000000">
+              <a:alpha val="38000"/>
+            </a:srgbClr>
+          </a:outerShdw>
+        </a:effectLst>
+        <a:scene3d>
+          <a:camera prst="orthographicFront"/>
+          <a:lightRig rig="flat" dir="t"/>
+        </a:scene3d>
+        <a:sp3d prstMaterial="dkEdge">
+          <a:bevelT w="8200" h="38100"/>
+        </a:sp3d>
+      </dsp:spPr>
+      <dsp:style>
+        <a:lnRef idx="0">
+          <a:scrgbClr r="0" g="0" b="0"/>
+        </a:lnRef>
+        <a:fillRef idx="2">
+          <a:scrgbClr r="0" g="0" b="0"/>
+        </a:fillRef>
+        <a:effectRef idx="1">
+          <a:scrgbClr r="0" g="0" b="0"/>
+        </a:effectRef>
+        <a:fontRef idx="minor">
+          <a:schemeClr val="dk1"/>
+        </a:fontRef>
+      </dsp:style>
+      <dsp:txBody>
+        <a:bodyPr spcFirstLastPara="0" vert="horz" wrap="square" lIns="76200" tIns="76200" rIns="76200" bIns="76200" numCol="1" spcCol="1270" anchor="ctr" anchorCtr="0">
+          <a:noAutofit/>
+        </a:bodyPr>
+        <a:lstStyle/>
+        <a:p>
+          <a:pPr lvl="0" algn="ctr" defTabSz="889000">
+            <a:lnSpc>
+              <a:spcPct val="90000"/>
+            </a:lnSpc>
+            <a:spcBef>
+              <a:spcPct val="0"/>
+            </a:spcBef>
+            <a:spcAft>
+              <a:spcPct val="35000"/>
+            </a:spcAft>
+          </a:pPr>
+          <a:r>
+            <a:rPr lang="es-AR" sz="2000" kern="1200" dirty="0" smtClean="0"/>
+            <a:t>Actualización de horas planificadas</a:t>
+          </a:r>
+          <a:endParaRPr lang="en-US" sz="2000" kern="1200" dirty="0"/>
+        </a:p>
+      </dsp:txBody>
+      <dsp:txXfrm>
+        <a:off x="1546800" y="2108771"/>
+        <a:ext cx="2811054" cy="1686632"/>
+      </dsp:txXfrm>
+    </dsp:sp>
+  </dsp:spTree>
+</dsp:drawing>
+</file>
+
 <file path=ppt/diagrams/layout1.xml><?xml version="1.0" encoding="utf-8"?>
 <dgm:layoutDef xmlns:dgm="http://schemas.openxmlformats.org/drawingml/2006/diagram" xmlns:a="http://schemas.openxmlformats.org/drawingml/2006/main" uniqueId="urn:microsoft.com/office/officeart/2005/8/layout/vList5">
   <dgm:title val=""/>
@@ -5845,6 +7149,153 @@
 </dgm:layoutDef>
 </file>
 
+<file path=ppt/diagrams/layout3.xml><?xml version="1.0" encoding="utf-8"?>
+<dgm:layoutDef xmlns:dgm="http://schemas.openxmlformats.org/drawingml/2006/diagram" xmlns:a="http://schemas.openxmlformats.org/drawingml/2006/main" uniqueId="urn:microsoft.com/office/officeart/2005/8/layout/default">
+  <dgm:title val=""/>
+  <dgm:desc val=""/>
+  <dgm:catLst>
+    <dgm:cat type="list" pri="1000"/>
+  </dgm:catLst>
+  <dgm:sampData>
+    <dgm:dataModel>
+      <dgm:ptLst>
+        <dgm:pt modelId="0" type="doc"/>
+        <dgm:pt modelId="1">
+          <dgm:prSet phldr="1"/>
+        </dgm:pt>
+        <dgm:pt modelId="2">
+          <dgm:prSet phldr="1"/>
+        </dgm:pt>
+        <dgm:pt modelId="3">
+          <dgm:prSet phldr="1"/>
+        </dgm:pt>
+        <dgm:pt modelId="4">
+          <dgm:prSet phldr="1"/>
+        </dgm:pt>
+        <dgm:pt modelId="5">
+          <dgm:prSet phldr="1"/>
+        </dgm:pt>
+      </dgm:ptLst>
+      <dgm:cxnLst>
+        <dgm:cxn modelId="6" srcId="0" destId="1" srcOrd="0" destOrd="0"/>
+        <dgm:cxn modelId="7" srcId="0" destId="2" srcOrd="1" destOrd="0"/>
+        <dgm:cxn modelId="8" srcId="0" destId="3" srcOrd="2" destOrd="0"/>
+        <dgm:cxn modelId="9" srcId="0" destId="4" srcOrd="3" destOrd="0"/>
+        <dgm:cxn modelId="10" srcId="0" destId="5" srcOrd="4" destOrd="0"/>
+      </dgm:cxnLst>
+      <dgm:bg/>
+      <dgm:whole/>
+    </dgm:dataModel>
+  </dgm:sampData>
+  <dgm:styleData>
+    <dgm:dataModel>
+      <dgm:ptLst>
+        <dgm:pt modelId="0" type="doc"/>
+        <dgm:pt modelId="1"/>
+        <dgm:pt modelId="2"/>
+      </dgm:ptLst>
+      <dgm:cxnLst>
+        <dgm:cxn modelId="3" srcId="0" destId="1" srcOrd="0" destOrd="0"/>
+        <dgm:cxn modelId="4" srcId="0" destId="2" srcOrd="1" destOrd="0"/>
+      </dgm:cxnLst>
+      <dgm:bg/>
+      <dgm:whole/>
+    </dgm:dataModel>
+  </dgm:styleData>
+  <dgm:clrData>
+    <dgm:dataModel>
+      <dgm:ptLst>
+        <dgm:pt modelId="0" type="doc"/>
+        <dgm:pt modelId="1"/>
+        <dgm:pt modelId="2"/>
+        <dgm:pt modelId="3"/>
+        <dgm:pt modelId="4"/>
+        <dgm:pt modelId="5"/>
+        <dgm:pt modelId="6"/>
+      </dgm:ptLst>
+      <dgm:cxnLst>
+        <dgm:cxn modelId="7" srcId="0" destId="1" srcOrd="0" destOrd="0"/>
+        <dgm:cxn modelId="8" srcId="0" destId="2" srcOrd="1" destOrd="0"/>
+        <dgm:cxn modelId="9" srcId="0" destId="3" srcOrd="2" destOrd="0"/>
+        <dgm:cxn modelId="10" srcId="0" destId="4" srcOrd="3" destOrd="0"/>
+        <dgm:cxn modelId="11" srcId="0" destId="5" srcOrd="4" destOrd="0"/>
+        <dgm:cxn modelId="12" srcId="0" destId="6" srcOrd="5" destOrd="0"/>
+      </dgm:cxnLst>
+      <dgm:bg/>
+      <dgm:whole/>
+    </dgm:dataModel>
+  </dgm:clrData>
+  <dgm:layoutNode name="diagram">
+    <dgm:varLst>
+      <dgm:dir/>
+      <dgm:resizeHandles val="exact"/>
+    </dgm:varLst>
+    <dgm:choose name="Name0">
+      <dgm:if name="Name1" func="var" arg="dir" op="equ" val="norm">
+        <dgm:alg type="snake">
+          <dgm:param type="grDir" val="tL"/>
+          <dgm:param type="flowDir" val="row"/>
+          <dgm:param type="contDir" val="sameDir"/>
+          <dgm:param type="off" val="ctr"/>
+        </dgm:alg>
+      </dgm:if>
+      <dgm:else name="Name2">
+        <dgm:alg type="snake">
+          <dgm:param type="grDir" val="tR"/>
+          <dgm:param type="flowDir" val="row"/>
+          <dgm:param type="contDir" val="sameDir"/>
+          <dgm:param type="off" val="ctr"/>
+        </dgm:alg>
+      </dgm:else>
+    </dgm:choose>
+    <dgm:shape xmlns:r="http://schemas.openxmlformats.org/officeDocument/2006/relationships" r:blip="">
+      <dgm:adjLst/>
+    </dgm:shape>
+    <dgm:presOf/>
+    <dgm:constrLst>
+      <dgm:constr type="w" for="ch" forName="node" refType="w"/>
+      <dgm:constr type="h" for="ch" forName="node" refType="w" refFor="ch" refForName="node" fact="0.6"/>
+      <dgm:constr type="w" for="ch" forName="sibTrans" refType="w" refFor="ch" refForName="node" fact="0.1"/>
+      <dgm:constr type="sp" refType="w" refFor="ch" refForName="sibTrans"/>
+      <dgm:constr type="primFontSz" for="ch" forName="node" op="equ" val="65"/>
+    </dgm:constrLst>
+    <dgm:ruleLst/>
+    <dgm:forEach name="Name3" axis="ch" ptType="node">
+      <dgm:layoutNode name="node">
+        <dgm:varLst>
+          <dgm:bulletEnabled val="1"/>
+        </dgm:varLst>
+        <dgm:alg type="tx"/>
+        <dgm:shape xmlns:r="http://schemas.openxmlformats.org/officeDocument/2006/relationships" type="rect" r:blip="">
+          <dgm:adjLst/>
+        </dgm:shape>
+        <dgm:presOf axis="desOrSelf" ptType="node"/>
+        <dgm:constrLst>
+          <dgm:constr type="lMarg" refType="primFontSz" fact="0.3"/>
+          <dgm:constr type="rMarg" refType="primFontSz" fact="0.3"/>
+          <dgm:constr type="tMarg" refType="primFontSz" fact="0.3"/>
+          <dgm:constr type="bMarg" refType="primFontSz" fact="0.3"/>
+        </dgm:constrLst>
+        <dgm:ruleLst>
+          <dgm:rule type="primFontSz" val="5" fact="NaN" max="NaN"/>
+        </dgm:ruleLst>
+      </dgm:layoutNode>
+      <dgm:forEach name="Name4" axis="followSib" ptType="sibTrans" cnt="1">
+        <dgm:layoutNode name="sibTrans">
+          <dgm:alg type="sp"/>
+          <dgm:shape xmlns:r="http://schemas.openxmlformats.org/officeDocument/2006/relationships" r:blip="">
+            <dgm:adjLst/>
+          </dgm:shape>
+          <dgm:presOf/>
+          <dgm:constrLst/>
+          <dgm:ruleLst/>
+        </dgm:layoutNode>
+      </dgm:forEach>
+    </dgm:forEach>
+  </dgm:layoutNode>
+</dgm:layoutDef>
+</file>
+
 <file path=ppt/diagrams/quickStyle1.xml><?xml version="1.0" encoding="utf-8"?>
 <dgm:styleDef xmlns:dgm="http://schemas.openxmlformats.org/drawingml/2006/diagram" xmlns:a="http://schemas.openxmlformats.org/drawingml/2006/main" uniqueId="urn:microsoft.com/office/officeart/2005/8/quickstyle/simple4">
   <dgm:title val=""/>
@@ -7962,6 +9413,1066 @@
         <a:scrgbClr r="0" g="0" b="0"/>
       </a:fillRef>
       <a:effectRef idx="0">
+        <a:scrgbClr r="0" g="0" b="0"/>
+      </a:effectRef>
+      <a:fontRef idx="minor"/>
+    </dgm:style>
+  </dgm:styleLbl>
+  <dgm:styleLbl name="revTx">
+    <dgm:scene3d>
+      <a:camera prst="orthographicFront"/>
+      <a:lightRig rig="threePt" dir="t"/>
+    </dgm:scene3d>
+    <dgm:sp3d/>
+    <dgm:txPr/>
+    <dgm:style>
+      <a:lnRef idx="0">
+        <a:scrgbClr r="0" g="0" b="0"/>
+      </a:lnRef>
+      <a:fillRef idx="0">
+        <a:scrgbClr r="0" g="0" b="0"/>
+      </a:fillRef>
+      <a:effectRef idx="0">
+        <a:scrgbClr r="0" g="0" b="0"/>
+      </a:effectRef>
+      <a:fontRef idx="minor"/>
+    </dgm:style>
+  </dgm:styleLbl>
+</dgm:styleDef>
+</file>
+
+<file path=ppt/diagrams/quickStyle3.xml><?xml version="1.0" encoding="utf-8"?>
+<dgm:styleDef xmlns:dgm="http://schemas.openxmlformats.org/drawingml/2006/diagram" xmlns:a="http://schemas.openxmlformats.org/drawingml/2006/main" uniqueId="urn:microsoft.com/office/officeart/2005/8/quickstyle/simple3">
+  <dgm:title val=""/>
+  <dgm:desc val=""/>
+  <dgm:catLst>
+    <dgm:cat type="simple" pri="10300"/>
+  </dgm:catLst>
+  <dgm:scene3d>
+    <a:camera prst="orthographicFront"/>
+    <a:lightRig rig="threePt" dir="t"/>
+  </dgm:scene3d>
+  <dgm:styleLbl name="node0">
+    <dgm:scene3d>
+      <a:camera prst="orthographicFront"/>
+      <a:lightRig rig="flat" dir="t"/>
+    </dgm:scene3d>
+    <dgm:sp3d prstMaterial="dkEdge">
+      <a:bevelT w="8200" h="38100"/>
+    </dgm:sp3d>
+    <dgm:txPr/>
+    <dgm:style>
+      <a:lnRef idx="0">
+        <a:scrgbClr r="0" g="0" b="0"/>
+      </a:lnRef>
+      <a:fillRef idx="2">
+        <a:scrgbClr r="0" g="0" b="0"/>
+      </a:fillRef>
+      <a:effectRef idx="1">
+        <a:scrgbClr r="0" g="0" b="0"/>
+      </a:effectRef>
+      <a:fontRef idx="minor">
+        <a:schemeClr val="dk1"/>
+      </a:fontRef>
+    </dgm:style>
+  </dgm:styleLbl>
+  <dgm:styleLbl name="lnNode1">
+    <dgm:scene3d>
+      <a:camera prst="orthographicFront"/>
+      <a:lightRig rig="flat" dir="t"/>
+    </dgm:scene3d>
+    <dgm:sp3d prstMaterial="dkEdge">
+      <a:bevelT w="8200" h="38100"/>
+    </dgm:sp3d>
+    <dgm:txPr/>
+    <dgm:style>
+      <a:lnRef idx="1">
+        <a:scrgbClr r="0" g="0" b="0"/>
+      </a:lnRef>
+      <a:fillRef idx="2">
+        <a:scrgbClr r="0" g="0" b="0"/>
+      </a:fillRef>
+      <a:effectRef idx="0">
+        <a:scrgbClr r="0" g="0" b="0"/>
+      </a:effectRef>
+      <a:fontRef idx="minor">
+        <a:schemeClr val="dk1"/>
+      </a:fontRef>
+    </dgm:style>
+  </dgm:styleLbl>
+  <dgm:styleLbl name="vennNode1">
+    <dgm:scene3d>
+      <a:camera prst="orthographicFront"/>
+      <a:lightRig rig="flat" dir="t"/>
+    </dgm:scene3d>
+    <dgm:sp3d prstMaterial="dkEdge">
+      <a:bevelT w="8200" h="38100"/>
+    </dgm:sp3d>
+    <dgm:txPr/>
+    <dgm:style>
+      <a:lnRef idx="0">
+        <a:scrgbClr r="0" g="0" b="0"/>
+      </a:lnRef>
+      <a:fillRef idx="2">
+        <a:scrgbClr r="0" g="0" b="0"/>
+      </a:fillRef>
+      <a:effectRef idx="0">
+        <a:scrgbClr r="0" g="0" b="0"/>
+      </a:effectRef>
+      <a:fontRef idx="minor">
+        <a:schemeClr val="tx1"/>
+      </a:fontRef>
+    </dgm:style>
+  </dgm:styleLbl>
+  <dgm:styleLbl name="alignNode1">
+    <dgm:scene3d>
+      <a:camera prst="orthographicFront"/>
+      <a:lightRig rig="threePt" dir="t"/>
+    </dgm:scene3d>
+    <dgm:sp3d/>
+    <dgm:txPr/>
+    <dgm:style>
+      <a:lnRef idx="1">
+        <a:scrgbClr r="0" g="0" b="0"/>
+      </a:lnRef>
+      <a:fillRef idx="2">
+        <a:scrgbClr r="0" g="0" b="0"/>
+      </a:fillRef>
+      <a:effectRef idx="1">
+        <a:scrgbClr r="0" g="0" b="0"/>
+      </a:effectRef>
+      <a:fontRef idx="minor">
+        <a:schemeClr val="dk1"/>
+      </a:fontRef>
+    </dgm:style>
+  </dgm:styleLbl>
+  <dgm:styleLbl name="node1">
+    <dgm:scene3d>
+      <a:camera prst="orthographicFront"/>
+      <a:lightRig rig="flat" dir="t"/>
+    </dgm:scene3d>
+    <dgm:sp3d prstMaterial="dkEdge">
+      <a:bevelT w="8200" h="38100"/>
+    </dgm:sp3d>
+    <dgm:txPr/>
+    <dgm:style>
+      <a:lnRef idx="0">
+        <a:scrgbClr r="0" g="0" b="0"/>
+      </a:lnRef>
+      <a:fillRef idx="2">
+        <a:scrgbClr r="0" g="0" b="0"/>
+      </a:fillRef>
+      <a:effectRef idx="1">
+        <a:scrgbClr r="0" g="0" b="0"/>
+      </a:effectRef>
+      <a:fontRef idx="minor">
+        <a:schemeClr val="dk1"/>
+      </a:fontRef>
+    </dgm:style>
+  </dgm:styleLbl>
+  <dgm:styleLbl name="node2">
+    <dgm:scene3d>
+      <a:camera prst="orthographicFront"/>
+      <a:lightRig rig="flat" dir="t"/>
+    </dgm:scene3d>
+    <dgm:sp3d prstMaterial="dkEdge">
+      <a:bevelT w="8200" h="38100"/>
+    </dgm:sp3d>
+    <dgm:txPr/>
+    <dgm:style>
+      <a:lnRef idx="0">
+        <a:scrgbClr r="0" g="0" b="0"/>
+      </a:lnRef>
+      <a:fillRef idx="2">
+        <a:scrgbClr r="0" g="0" b="0"/>
+      </a:fillRef>
+      <a:effectRef idx="1">
+        <a:scrgbClr r="0" g="0" b="0"/>
+      </a:effectRef>
+      <a:fontRef idx="minor">
+        <a:schemeClr val="dk1"/>
+      </a:fontRef>
+    </dgm:style>
+  </dgm:styleLbl>
+  <dgm:styleLbl name="node3">
+    <dgm:scene3d>
+      <a:camera prst="orthographicFront"/>
+      <a:lightRig rig="flat" dir="t"/>
+    </dgm:scene3d>
+    <dgm:sp3d prstMaterial="dkEdge">
+      <a:bevelT w="8200" h="38100"/>
+    </dgm:sp3d>
+    <dgm:txPr/>
+    <dgm:style>
+      <a:lnRef idx="0">
+        <a:scrgbClr r="0" g="0" b="0"/>
+      </a:lnRef>
+      <a:fillRef idx="2">
+        <a:scrgbClr r="0" g="0" b="0"/>
+      </a:fillRef>
+      <a:effectRef idx="1">
+        <a:scrgbClr r="0" g="0" b="0"/>
+      </a:effectRef>
+      <a:fontRef idx="minor">
+        <a:schemeClr val="dk1"/>
+      </a:fontRef>
+    </dgm:style>
+  </dgm:styleLbl>
+  <dgm:styleLbl name="node4">
+    <dgm:scene3d>
+      <a:camera prst="orthographicFront"/>
+      <a:lightRig rig="flat" dir="t"/>
+    </dgm:scene3d>
+    <dgm:sp3d prstMaterial="dkEdge">
+      <a:bevelT w="8200" h="38100"/>
+    </dgm:sp3d>
+    <dgm:txPr/>
+    <dgm:style>
+      <a:lnRef idx="0">
+        <a:scrgbClr r="0" g="0" b="0"/>
+      </a:lnRef>
+      <a:fillRef idx="2">
+        <a:scrgbClr r="0" g="0" b="0"/>
+      </a:fillRef>
+      <a:effectRef idx="1">
+        <a:scrgbClr r="0" g="0" b="0"/>
+      </a:effectRef>
+      <a:fontRef idx="minor">
+        <a:schemeClr val="dk1"/>
+      </a:fontRef>
+    </dgm:style>
+  </dgm:styleLbl>
+  <dgm:styleLbl name="fgImgPlace1">
+    <dgm:scene3d>
+      <a:camera prst="orthographicFront"/>
+      <a:lightRig rig="threePt" dir="t"/>
+    </dgm:scene3d>
+    <dgm:sp3d/>
+    <dgm:txPr/>
+    <dgm:style>
+      <a:lnRef idx="1">
+        <a:scrgbClr r="0" g="0" b="0"/>
+      </a:lnRef>
+      <a:fillRef idx="1">
+        <a:scrgbClr r="0" g="0" b="0"/>
+      </a:fillRef>
+      <a:effectRef idx="1">
+        <a:scrgbClr r="0" g="0" b="0"/>
+      </a:effectRef>
+      <a:fontRef idx="minor"/>
+    </dgm:style>
+  </dgm:styleLbl>
+  <dgm:styleLbl name="alignImgPlace1">
+    <dgm:scene3d>
+      <a:camera prst="orthographicFront"/>
+      <a:lightRig rig="threePt" dir="t"/>
+    </dgm:scene3d>
+    <dgm:sp3d/>
+    <dgm:txPr/>
+    <dgm:style>
+      <a:lnRef idx="1">
+        <a:scrgbClr r="0" g="0" b="0"/>
+      </a:lnRef>
+      <a:fillRef idx="1">
+        <a:scrgbClr r="0" g="0" b="0"/>
+      </a:fillRef>
+      <a:effectRef idx="1">
+        <a:scrgbClr r="0" g="0" b="0"/>
+      </a:effectRef>
+      <a:fontRef idx="minor"/>
+    </dgm:style>
+  </dgm:styleLbl>
+  <dgm:styleLbl name="bgImgPlace1">
+    <dgm:scene3d>
+      <a:camera prst="orthographicFront"/>
+      <a:lightRig rig="threePt" dir="t"/>
+    </dgm:scene3d>
+    <dgm:sp3d/>
+    <dgm:txPr/>
+    <dgm:style>
+      <a:lnRef idx="1">
+        <a:scrgbClr r="0" g="0" b="0"/>
+      </a:lnRef>
+      <a:fillRef idx="1">
+        <a:scrgbClr r="0" g="0" b="0"/>
+      </a:fillRef>
+      <a:effectRef idx="1">
+        <a:scrgbClr r="0" g="0" b="0"/>
+      </a:effectRef>
+      <a:fontRef idx="minor"/>
+    </dgm:style>
+  </dgm:styleLbl>
+  <dgm:styleLbl name="sibTrans2D1">
+    <dgm:scene3d>
+      <a:camera prst="orthographicFront"/>
+      <a:lightRig rig="threePt" dir="t"/>
+    </dgm:scene3d>
+    <dgm:sp3d/>
+    <dgm:txPr/>
+    <dgm:style>
+      <a:lnRef idx="0">
+        <a:scrgbClr r="0" g="0" b="0"/>
+      </a:lnRef>
+      <a:fillRef idx="2">
+        <a:scrgbClr r="0" g="0" b="0"/>
+      </a:fillRef>
+      <a:effectRef idx="1">
+        <a:scrgbClr r="0" g="0" b="0"/>
+      </a:effectRef>
+      <a:fontRef idx="minor">
+        <a:schemeClr val="dk1"/>
+      </a:fontRef>
+    </dgm:style>
+  </dgm:styleLbl>
+  <dgm:styleLbl name="fgSibTrans2D1">
+    <dgm:scene3d>
+      <a:camera prst="orthographicFront"/>
+      <a:lightRig rig="threePt" dir="t"/>
+    </dgm:scene3d>
+    <dgm:sp3d/>
+    <dgm:txPr/>
+    <dgm:style>
+      <a:lnRef idx="0">
+        <a:scrgbClr r="0" g="0" b="0"/>
+      </a:lnRef>
+      <a:fillRef idx="2">
+        <a:scrgbClr r="0" g="0" b="0"/>
+      </a:fillRef>
+      <a:effectRef idx="1">
+        <a:scrgbClr r="0" g="0" b="0"/>
+      </a:effectRef>
+      <a:fontRef idx="minor">
+        <a:schemeClr val="dk1"/>
+      </a:fontRef>
+    </dgm:style>
+  </dgm:styleLbl>
+  <dgm:styleLbl name="bgSibTrans2D1">
+    <dgm:scene3d>
+      <a:camera prst="orthographicFront"/>
+      <a:lightRig rig="threePt" dir="t"/>
+    </dgm:scene3d>
+    <dgm:sp3d/>
+    <dgm:txPr/>
+    <dgm:style>
+      <a:lnRef idx="0">
+        <a:scrgbClr r="0" g="0" b="0"/>
+      </a:lnRef>
+      <a:fillRef idx="2">
+        <a:scrgbClr r="0" g="0" b="0"/>
+      </a:fillRef>
+      <a:effectRef idx="1">
+        <a:scrgbClr r="0" g="0" b="0"/>
+      </a:effectRef>
+      <a:fontRef idx="minor">
+        <a:schemeClr val="dk1"/>
+      </a:fontRef>
+    </dgm:style>
+  </dgm:styleLbl>
+  <dgm:styleLbl name="sibTrans1D1">
+    <dgm:scene3d>
+      <a:camera prst="orthographicFront"/>
+      <a:lightRig rig="threePt" dir="t"/>
+    </dgm:scene3d>
+    <dgm:sp3d/>
+    <dgm:txPr/>
+    <dgm:style>
+      <a:lnRef idx="1">
+        <a:scrgbClr r="0" g="0" b="0"/>
+      </a:lnRef>
+      <a:fillRef idx="0">
+        <a:scrgbClr r="0" g="0" b="0"/>
+      </a:fillRef>
+      <a:effectRef idx="0">
+        <a:scrgbClr r="0" g="0" b="0"/>
+      </a:effectRef>
+      <a:fontRef idx="minor"/>
+    </dgm:style>
+  </dgm:styleLbl>
+  <dgm:styleLbl name="callout">
+    <dgm:scene3d>
+      <a:camera prst="orthographicFront"/>
+      <a:lightRig rig="threePt" dir="t"/>
+    </dgm:scene3d>
+    <dgm:sp3d/>
+    <dgm:txPr/>
+    <dgm:style>
+      <a:lnRef idx="1">
+        <a:scrgbClr r="0" g="0" b="0"/>
+      </a:lnRef>
+      <a:fillRef idx="2">
+        <a:scrgbClr r="0" g="0" b="0"/>
+      </a:fillRef>
+      <a:effectRef idx="1">
+        <a:scrgbClr r="0" g="0" b="0"/>
+      </a:effectRef>
+      <a:fontRef idx="minor"/>
+    </dgm:style>
+  </dgm:styleLbl>
+  <dgm:styleLbl name="asst0">
+    <dgm:scene3d>
+      <a:camera prst="orthographicFront"/>
+      <a:lightRig rig="flat" dir="t"/>
+    </dgm:scene3d>
+    <dgm:sp3d prstMaterial="dkEdge">
+      <a:bevelT w="8200" h="38100"/>
+    </dgm:sp3d>
+    <dgm:txPr/>
+    <dgm:style>
+      <a:lnRef idx="0">
+        <a:scrgbClr r="0" g="0" b="0"/>
+      </a:lnRef>
+      <a:fillRef idx="2">
+        <a:scrgbClr r="0" g="0" b="0"/>
+      </a:fillRef>
+      <a:effectRef idx="1">
+        <a:scrgbClr r="0" g="0" b="0"/>
+      </a:effectRef>
+      <a:fontRef idx="minor">
+        <a:schemeClr val="dk1"/>
+      </a:fontRef>
+    </dgm:style>
+  </dgm:styleLbl>
+  <dgm:styleLbl name="asst1">
+    <dgm:scene3d>
+      <a:camera prst="orthographicFront"/>
+      <a:lightRig rig="flat" dir="t"/>
+    </dgm:scene3d>
+    <dgm:sp3d prstMaterial="dkEdge">
+      <a:bevelT w="8200" h="38100"/>
+    </dgm:sp3d>
+    <dgm:txPr/>
+    <dgm:style>
+      <a:lnRef idx="0">
+        <a:scrgbClr r="0" g="0" b="0"/>
+      </a:lnRef>
+      <a:fillRef idx="2">
+        <a:scrgbClr r="0" g="0" b="0"/>
+      </a:fillRef>
+      <a:effectRef idx="1">
+        <a:scrgbClr r="0" g="0" b="0"/>
+      </a:effectRef>
+      <a:fontRef idx="minor">
+        <a:schemeClr val="dk1"/>
+      </a:fontRef>
+    </dgm:style>
+  </dgm:styleLbl>
+  <dgm:styleLbl name="asst2">
+    <dgm:scene3d>
+      <a:camera prst="orthographicFront"/>
+      <a:lightRig rig="flat" dir="t"/>
+    </dgm:scene3d>
+    <dgm:sp3d prstMaterial="dkEdge">
+      <a:bevelT w="8200" h="38100"/>
+    </dgm:sp3d>
+    <dgm:txPr/>
+    <dgm:style>
+      <a:lnRef idx="0">
+        <a:scrgbClr r="0" g="0" b="0"/>
+      </a:lnRef>
+      <a:fillRef idx="2">
+        <a:scrgbClr r="0" g="0" b="0"/>
+      </a:fillRef>
+      <a:effectRef idx="1">
+        <a:scrgbClr r="0" g="0" b="0"/>
+      </a:effectRef>
+      <a:fontRef idx="minor">
+        <a:schemeClr val="dk1"/>
+      </a:fontRef>
+    </dgm:style>
+  </dgm:styleLbl>
+  <dgm:styleLbl name="asst3">
+    <dgm:scene3d>
+      <a:camera prst="orthographicFront"/>
+      <a:lightRig rig="flat" dir="t"/>
+    </dgm:scene3d>
+    <dgm:sp3d prstMaterial="dkEdge">
+      <a:bevelT w="8200" h="38100"/>
+    </dgm:sp3d>
+    <dgm:txPr/>
+    <dgm:style>
+      <a:lnRef idx="0">
+        <a:scrgbClr r="0" g="0" b="0"/>
+      </a:lnRef>
+      <a:fillRef idx="2">
+        <a:scrgbClr r="0" g="0" b="0"/>
+      </a:fillRef>
+      <a:effectRef idx="1">
+        <a:scrgbClr r="0" g="0" b="0"/>
+      </a:effectRef>
+      <a:fontRef idx="minor">
+        <a:schemeClr val="dk1"/>
+      </a:fontRef>
+    </dgm:style>
+  </dgm:styleLbl>
+  <dgm:styleLbl name="asst4">
+    <dgm:scene3d>
+      <a:camera prst="orthographicFront"/>
+      <a:lightRig rig="flat" dir="t"/>
+    </dgm:scene3d>
+    <dgm:sp3d prstMaterial="dkEdge">
+      <a:bevelT w="8200" h="38100"/>
+    </dgm:sp3d>
+    <dgm:txPr/>
+    <dgm:style>
+      <a:lnRef idx="0">
+        <a:scrgbClr r="0" g="0" b="0"/>
+      </a:lnRef>
+      <a:fillRef idx="2">
+        <a:scrgbClr r="0" g="0" b="0"/>
+      </a:fillRef>
+      <a:effectRef idx="1">
+        <a:scrgbClr r="0" g="0" b="0"/>
+      </a:effectRef>
+      <a:fontRef idx="minor">
+        <a:schemeClr val="dk1"/>
+      </a:fontRef>
+    </dgm:style>
+  </dgm:styleLbl>
+  <dgm:styleLbl name="parChTrans2D1">
+    <dgm:scene3d>
+      <a:camera prst="orthographicFront"/>
+      <a:lightRig rig="threePt" dir="t"/>
+    </dgm:scene3d>
+    <dgm:sp3d/>
+    <dgm:txPr/>
+    <dgm:style>
+      <a:lnRef idx="1">
+        <a:scrgbClr r="0" g="0" b="0"/>
+      </a:lnRef>
+      <a:fillRef idx="2">
+        <a:scrgbClr r="0" g="0" b="0"/>
+      </a:fillRef>
+      <a:effectRef idx="1">
+        <a:scrgbClr r="0" g="0" b="0"/>
+      </a:effectRef>
+      <a:fontRef idx="minor">
+        <a:schemeClr val="dk1"/>
+      </a:fontRef>
+    </dgm:style>
+  </dgm:styleLbl>
+  <dgm:styleLbl name="parChTrans2D2">
+    <dgm:scene3d>
+      <a:camera prst="orthographicFront"/>
+      <a:lightRig rig="threePt" dir="t"/>
+    </dgm:scene3d>
+    <dgm:sp3d/>
+    <dgm:txPr/>
+    <dgm:style>
+      <a:lnRef idx="1">
+        <a:scrgbClr r="0" g="0" b="0"/>
+      </a:lnRef>
+      <a:fillRef idx="2">
+        <a:scrgbClr r="0" g="0" b="0"/>
+      </a:fillRef>
+      <a:effectRef idx="1">
+        <a:scrgbClr r="0" g="0" b="0"/>
+      </a:effectRef>
+      <a:fontRef idx="minor">
+        <a:schemeClr val="dk1"/>
+      </a:fontRef>
+    </dgm:style>
+  </dgm:styleLbl>
+  <dgm:styleLbl name="parChTrans2D3">
+    <dgm:scene3d>
+      <a:camera prst="orthographicFront"/>
+      <a:lightRig rig="threePt" dir="t"/>
+    </dgm:scene3d>
+    <dgm:sp3d/>
+    <dgm:txPr/>
+    <dgm:style>
+      <a:lnRef idx="1">
+        <a:scrgbClr r="0" g="0" b="0"/>
+      </a:lnRef>
+      <a:fillRef idx="2">
+        <a:scrgbClr r="0" g="0" b="0"/>
+      </a:fillRef>
+      <a:effectRef idx="1">
+        <a:scrgbClr r="0" g="0" b="0"/>
+      </a:effectRef>
+      <a:fontRef idx="minor">
+        <a:schemeClr val="dk1"/>
+      </a:fontRef>
+    </dgm:style>
+  </dgm:styleLbl>
+  <dgm:styleLbl name="parChTrans2D4">
+    <dgm:scene3d>
+      <a:camera prst="orthographicFront"/>
+      <a:lightRig rig="threePt" dir="t"/>
+    </dgm:scene3d>
+    <dgm:sp3d/>
+    <dgm:txPr/>
+    <dgm:style>
+      <a:lnRef idx="1">
+        <a:scrgbClr r="0" g="0" b="0"/>
+      </a:lnRef>
+      <a:fillRef idx="2">
+        <a:scrgbClr r="0" g="0" b="0"/>
+      </a:fillRef>
+      <a:effectRef idx="1">
+        <a:scrgbClr r="0" g="0" b="0"/>
+      </a:effectRef>
+      <a:fontRef idx="minor">
+        <a:schemeClr val="dk1"/>
+      </a:fontRef>
+    </dgm:style>
+  </dgm:styleLbl>
+  <dgm:styleLbl name="parChTrans1D1">
+    <dgm:scene3d>
+      <a:camera prst="orthographicFront"/>
+      <a:lightRig rig="threePt" dir="t"/>
+    </dgm:scene3d>
+    <dgm:sp3d/>
+    <dgm:txPr/>
+    <dgm:style>
+      <a:lnRef idx="2">
+        <a:scrgbClr r="0" g="0" b="0"/>
+      </a:lnRef>
+      <a:fillRef idx="0">
+        <a:scrgbClr r="0" g="0" b="0"/>
+      </a:fillRef>
+      <a:effectRef idx="0">
+        <a:scrgbClr r="0" g="0" b="0"/>
+      </a:effectRef>
+      <a:fontRef idx="minor"/>
+    </dgm:style>
+  </dgm:styleLbl>
+  <dgm:styleLbl name="parChTrans1D2">
+    <dgm:scene3d>
+      <a:camera prst="orthographicFront"/>
+      <a:lightRig rig="threePt" dir="t"/>
+    </dgm:scene3d>
+    <dgm:sp3d/>
+    <dgm:txPr/>
+    <dgm:style>
+      <a:lnRef idx="2">
+        <a:scrgbClr r="0" g="0" b="0"/>
+      </a:lnRef>
+      <a:fillRef idx="0">
+        <a:scrgbClr r="0" g="0" b="0"/>
+      </a:fillRef>
+      <a:effectRef idx="0">
+        <a:scrgbClr r="0" g="0" b="0"/>
+      </a:effectRef>
+      <a:fontRef idx="minor"/>
+    </dgm:style>
+  </dgm:styleLbl>
+  <dgm:styleLbl name="parChTrans1D3">
+    <dgm:scene3d>
+      <a:camera prst="orthographicFront"/>
+      <a:lightRig rig="threePt" dir="t"/>
+    </dgm:scene3d>
+    <dgm:sp3d/>
+    <dgm:txPr/>
+    <dgm:style>
+      <a:lnRef idx="2">
+        <a:scrgbClr r="0" g="0" b="0"/>
+      </a:lnRef>
+      <a:fillRef idx="0">
+        <a:scrgbClr r="0" g="0" b="0"/>
+      </a:fillRef>
+      <a:effectRef idx="0">
+        <a:scrgbClr r="0" g="0" b="0"/>
+      </a:effectRef>
+      <a:fontRef idx="minor"/>
+    </dgm:style>
+  </dgm:styleLbl>
+  <dgm:styleLbl name="parChTrans1D4">
+    <dgm:scene3d>
+      <a:camera prst="orthographicFront"/>
+      <a:lightRig rig="threePt" dir="t"/>
+    </dgm:scene3d>
+    <dgm:sp3d/>
+    <dgm:txPr/>
+    <dgm:style>
+      <a:lnRef idx="2">
+        <a:scrgbClr r="0" g="0" b="0"/>
+      </a:lnRef>
+      <a:fillRef idx="0">
+        <a:scrgbClr r="0" g="0" b="0"/>
+      </a:fillRef>
+      <a:effectRef idx="0">
+        <a:scrgbClr r="0" g="0" b="0"/>
+      </a:effectRef>
+      <a:fontRef idx="minor"/>
+    </dgm:style>
+  </dgm:styleLbl>
+  <dgm:styleLbl name="fgAcc1">
+    <dgm:scene3d>
+      <a:camera prst="orthographicFront"/>
+      <a:lightRig rig="threePt" dir="t"/>
+    </dgm:scene3d>
+    <dgm:sp3d/>
+    <dgm:txPr/>
+    <dgm:style>
+      <a:lnRef idx="1">
+        <a:scrgbClr r="0" g="0" b="0"/>
+      </a:lnRef>
+      <a:fillRef idx="1">
+        <a:scrgbClr r="0" g="0" b="0"/>
+      </a:fillRef>
+      <a:effectRef idx="0">
+        <a:scrgbClr r="0" g="0" b="0"/>
+      </a:effectRef>
+      <a:fontRef idx="minor"/>
+    </dgm:style>
+  </dgm:styleLbl>
+  <dgm:styleLbl name="conFgAcc1">
+    <dgm:scene3d>
+      <a:camera prst="orthographicFront"/>
+      <a:lightRig rig="threePt" dir="t"/>
+    </dgm:scene3d>
+    <dgm:sp3d/>
+    <dgm:txPr/>
+    <dgm:style>
+      <a:lnRef idx="1">
+        <a:scrgbClr r="0" g="0" b="0"/>
+      </a:lnRef>
+      <a:fillRef idx="1">
+        <a:scrgbClr r="0" g="0" b="0"/>
+      </a:fillRef>
+      <a:effectRef idx="0">
+        <a:scrgbClr r="0" g="0" b="0"/>
+      </a:effectRef>
+      <a:fontRef idx="minor"/>
+    </dgm:style>
+  </dgm:styleLbl>
+  <dgm:styleLbl name="alignAcc1">
+    <dgm:scene3d>
+      <a:camera prst="orthographicFront"/>
+      <a:lightRig rig="threePt" dir="t"/>
+    </dgm:scene3d>
+    <dgm:sp3d/>
+    <dgm:txPr/>
+    <dgm:style>
+      <a:lnRef idx="1">
+        <a:scrgbClr r="0" g="0" b="0"/>
+      </a:lnRef>
+      <a:fillRef idx="1">
+        <a:scrgbClr r="0" g="0" b="0"/>
+      </a:fillRef>
+      <a:effectRef idx="0">
+        <a:scrgbClr r="0" g="0" b="0"/>
+      </a:effectRef>
+      <a:fontRef idx="minor"/>
+    </dgm:style>
+  </dgm:styleLbl>
+  <dgm:styleLbl name="trAlignAcc1">
+    <dgm:scene3d>
+      <a:camera prst="orthographicFront"/>
+      <a:lightRig rig="threePt" dir="t"/>
+    </dgm:scene3d>
+    <dgm:sp3d/>
+    <dgm:txPr/>
+    <dgm:style>
+      <a:lnRef idx="1">
+        <a:scrgbClr r="0" g="0" b="0"/>
+      </a:lnRef>
+      <a:fillRef idx="1">
+        <a:scrgbClr r="0" g="0" b="0"/>
+      </a:fillRef>
+      <a:effectRef idx="0">
+        <a:scrgbClr r="0" g="0" b="0"/>
+      </a:effectRef>
+      <a:fontRef idx="minor"/>
+    </dgm:style>
+  </dgm:styleLbl>
+  <dgm:styleLbl name="bgAcc1">
+    <dgm:scene3d>
+      <a:camera prst="orthographicFront"/>
+      <a:lightRig rig="threePt" dir="t"/>
+    </dgm:scene3d>
+    <dgm:sp3d/>
+    <dgm:txPr/>
+    <dgm:style>
+      <a:lnRef idx="1">
+        <a:scrgbClr r="0" g="0" b="0"/>
+      </a:lnRef>
+      <a:fillRef idx="1">
+        <a:scrgbClr r="0" g="0" b="0"/>
+      </a:fillRef>
+      <a:effectRef idx="0">
+        <a:scrgbClr r="0" g="0" b="0"/>
+      </a:effectRef>
+      <a:fontRef idx="minor"/>
+    </dgm:style>
+  </dgm:styleLbl>
+  <dgm:styleLbl name="solidFgAcc1">
+    <dgm:scene3d>
+      <a:camera prst="orthographicFront"/>
+      <a:lightRig rig="threePt" dir="t"/>
+    </dgm:scene3d>
+    <dgm:sp3d/>
+    <dgm:txPr/>
+    <dgm:style>
+      <a:lnRef idx="1">
+        <a:scrgbClr r="0" g="0" b="0"/>
+      </a:lnRef>
+      <a:fillRef idx="2">
+        <a:scrgbClr r="0" g="0" b="0"/>
+      </a:fillRef>
+      <a:effectRef idx="0">
+        <a:scrgbClr r="0" g="0" b="0"/>
+      </a:effectRef>
+      <a:fontRef idx="minor"/>
+    </dgm:style>
+  </dgm:styleLbl>
+  <dgm:styleLbl name="solidAlignAcc1">
+    <dgm:scene3d>
+      <a:camera prst="orthographicFront"/>
+      <a:lightRig rig="threePt" dir="t"/>
+    </dgm:scene3d>
+    <dgm:sp3d/>
+    <dgm:txPr/>
+    <dgm:style>
+      <a:lnRef idx="1">
+        <a:scrgbClr r="0" g="0" b="0"/>
+      </a:lnRef>
+      <a:fillRef idx="1">
+        <a:scrgbClr r="0" g="0" b="0"/>
+      </a:fillRef>
+      <a:effectRef idx="0">
+        <a:scrgbClr r="0" g="0" b="0"/>
+      </a:effectRef>
+      <a:fontRef idx="minor"/>
+    </dgm:style>
+  </dgm:styleLbl>
+  <dgm:styleLbl name="solidBgAcc1">
+    <dgm:scene3d>
+      <a:camera prst="orthographicFront"/>
+      <a:lightRig rig="threePt" dir="t"/>
+    </dgm:scene3d>
+    <dgm:sp3d/>
+    <dgm:txPr/>
+    <dgm:style>
+      <a:lnRef idx="1">
+        <a:scrgbClr r="0" g="0" b="0"/>
+      </a:lnRef>
+      <a:fillRef idx="1">
+        <a:scrgbClr r="0" g="0" b="0"/>
+      </a:fillRef>
+      <a:effectRef idx="0">
+        <a:scrgbClr r="0" g="0" b="0"/>
+      </a:effectRef>
+      <a:fontRef idx="minor"/>
+    </dgm:style>
+  </dgm:styleLbl>
+  <dgm:styleLbl name="fgAccFollowNode1">
+    <dgm:scene3d>
+      <a:camera prst="orthographicFront"/>
+      <a:lightRig rig="threePt" dir="t"/>
+    </dgm:scene3d>
+    <dgm:sp3d/>
+    <dgm:txPr/>
+    <dgm:style>
+      <a:lnRef idx="1">
+        <a:scrgbClr r="0" g="0" b="0"/>
+      </a:lnRef>
+      <a:fillRef idx="1">
+        <a:scrgbClr r="0" g="0" b="0"/>
+      </a:fillRef>
+      <a:effectRef idx="0">
+        <a:scrgbClr r="0" g="0" b="0"/>
+      </a:effectRef>
+      <a:fontRef idx="minor"/>
+    </dgm:style>
+  </dgm:styleLbl>
+  <dgm:styleLbl name="alignAccFollowNode1">
+    <dgm:scene3d>
+      <a:camera prst="orthographicFront"/>
+      <a:lightRig rig="threePt" dir="t"/>
+    </dgm:scene3d>
+    <dgm:sp3d/>
+    <dgm:txPr/>
+    <dgm:style>
+      <a:lnRef idx="1">
+        <a:scrgbClr r="0" g="0" b="0"/>
+      </a:lnRef>
+      <a:fillRef idx="1">
+        <a:scrgbClr r="0" g="0" b="0"/>
+      </a:fillRef>
+      <a:effectRef idx="0">
+        <a:scrgbClr r="0" g="0" b="0"/>
+      </a:effectRef>
+      <a:fontRef idx="minor"/>
+    </dgm:style>
+  </dgm:styleLbl>
+  <dgm:styleLbl name="bgAccFollowNode1">
+    <dgm:scene3d>
+      <a:camera prst="orthographicFront"/>
+      <a:lightRig rig="threePt" dir="t"/>
+    </dgm:scene3d>
+    <dgm:sp3d/>
+    <dgm:txPr/>
+    <dgm:style>
+      <a:lnRef idx="1">
+        <a:scrgbClr r="0" g="0" b="0"/>
+      </a:lnRef>
+      <a:fillRef idx="1">
+        <a:scrgbClr r="0" g="0" b="0"/>
+      </a:fillRef>
+      <a:effectRef idx="0">
+        <a:scrgbClr r="0" g="0" b="0"/>
+      </a:effectRef>
+      <a:fontRef idx="minor"/>
+    </dgm:style>
+  </dgm:styleLbl>
+  <dgm:styleLbl name="fgAcc0">
+    <dgm:scene3d>
+      <a:camera prst="orthographicFront"/>
+      <a:lightRig rig="threePt" dir="t"/>
+    </dgm:scene3d>
+    <dgm:sp3d/>
+    <dgm:txPr/>
+    <dgm:style>
+      <a:lnRef idx="1">
+        <a:scrgbClr r="0" g="0" b="0"/>
+      </a:lnRef>
+      <a:fillRef idx="1">
+        <a:scrgbClr r="0" g="0" b="0"/>
+      </a:fillRef>
+      <a:effectRef idx="0">
+        <a:scrgbClr r="0" g="0" b="0"/>
+      </a:effectRef>
+      <a:fontRef idx="minor"/>
+    </dgm:style>
+  </dgm:styleLbl>
+  <dgm:styleLbl name="fgAcc2">
+    <dgm:scene3d>
+      <a:camera prst="orthographicFront"/>
+      <a:lightRig rig="threePt" dir="t"/>
+    </dgm:scene3d>
+    <dgm:sp3d/>
+    <dgm:txPr/>
+    <dgm:style>
+      <a:lnRef idx="1">
+        <a:scrgbClr r="0" g="0" b="0"/>
+      </a:lnRef>
+      <a:fillRef idx="1">
+        <a:scrgbClr r="0" g="0" b="0"/>
+      </a:fillRef>
+      <a:effectRef idx="0">
+        <a:scrgbClr r="0" g="0" b="0"/>
+      </a:effectRef>
+      <a:fontRef idx="minor"/>
+    </dgm:style>
+  </dgm:styleLbl>
+  <dgm:styleLbl name="fgAcc3">
+    <dgm:scene3d>
+      <a:camera prst="orthographicFront"/>
+      <a:lightRig rig="threePt" dir="t"/>
+    </dgm:scene3d>
+    <dgm:sp3d/>
+    <dgm:txPr/>
+    <dgm:style>
+      <a:lnRef idx="1">
+        <a:scrgbClr r="0" g="0" b="0"/>
+      </a:lnRef>
+      <a:fillRef idx="1">
+        <a:scrgbClr r="0" g="0" b="0"/>
+      </a:fillRef>
+      <a:effectRef idx="0">
+        <a:scrgbClr r="0" g="0" b="0"/>
+      </a:effectRef>
+      <a:fontRef idx="minor"/>
+    </dgm:style>
+  </dgm:styleLbl>
+  <dgm:styleLbl name="fgAcc4">
+    <dgm:scene3d>
+      <a:camera prst="orthographicFront"/>
+      <a:lightRig rig="threePt" dir="t"/>
+    </dgm:scene3d>
+    <dgm:sp3d/>
+    <dgm:txPr/>
+    <dgm:style>
+      <a:lnRef idx="1">
+        <a:scrgbClr r="0" g="0" b="0"/>
+      </a:lnRef>
+      <a:fillRef idx="1">
+        <a:scrgbClr r="0" g="0" b="0"/>
+      </a:fillRef>
+      <a:effectRef idx="0">
+        <a:scrgbClr r="0" g="0" b="0"/>
+      </a:effectRef>
+      <a:fontRef idx="minor"/>
+    </dgm:style>
+  </dgm:styleLbl>
+  <dgm:styleLbl name="bgShp">
+    <dgm:scene3d>
+      <a:camera prst="orthographicFront"/>
+      <a:lightRig rig="threePt" dir="t"/>
+    </dgm:scene3d>
+    <dgm:sp3d/>
+    <dgm:txPr/>
+    <dgm:style>
+      <a:lnRef idx="0">
+        <a:scrgbClr r="0" g="0" b="0"/>
+      </a:lnRef>
+      <a:fillRef idx="1">
+        <a:scrgbClr r="0" g="0" b="0"/>
+      </a:fillRef>
+      <a:effectRef idx="1">
+        <a:scrgbClr r="0" g="0" b="0"/>
+      </a:effectRef>
+      <a:fontRef idx="minor"/>
+    </dgm:style>
+  </dgm:styleLbl>
+  <dgm:styleLbl name="dkBgShp">
+    <dgm:scene3d>
+      <a:camera prst="orthographicFront"/>
+      <a:lightRig rig="threePt" dir="t"/>
+    </dgm:scene3d>
+    <dgm:sp3d/>
+    <dgm:txPr/>
+    <dgm:style>
+      <a:lnRef idx="0">
+        <a:scrgbClr r="0" g="0" b="0"/>
+      </a:lnRef>
+      <a:fillRef idx="1">
+        <a:scrgbClr r="0" g="0" b="0"/>
+      </a:fillRef>
+      <a:effectRef idx="1">
+        <a:scrgbClr r="0" g="0" b="0"/>
+      </a:effectRef>
+      <a:fontRef idx="minor"/>
+    </dgm:style>
+  </dgm:styleLbl>
+  <dgm:styleLbl name="trBgShp">
+    <dgm:scene3d>
+      <a:camera prst="orthographicFront"/>
+      <a:lightRig rig="threePt" dir="t"/>
+    </dgm:scene3d>
+    <dgm:sp3d/>
+    <dgm:txPr/>
+    <dgm:style>
+      <a:lnRef idx="0">
+        <a:scrgbClr r="0" g="0" b="0"/>
+      </a:lnRef>
+      <a:fillRef idx="1">
+        <a:scrgbClr r="0" g="0" b="0"/>
+      </a:fillRef>
+      <a:effectRef idx="0">
+        <a:scrgbClr r="0" g="0" b="0"/>
+      </a:effectRef>
+      <a:fontRef idx="minor"/>
+    </dgm:style>
+  </dgm:styleLbl>
+  <dgm:styleLbl name="fgShp">
+    <dgm:scene3d>
+      <a:camera prst="orthographicFront"/>
+      <a:lightRig rig="flat" dir="t"/>
+    </dgm:scene3d>
+    <dgm:sp3d prstMaterial="dkEdge">
+      <a:bevelT w="8200" h="38100"/>
+    </dgm:sp3d>
+    <dgm:txPr/>
+    <dgm:style>
+      <a:lnRef idx="1">
+        <a:scrgbClr r="0" g="0" b="0"/>
+      </a:lnRef>
+      <a:fillRef idx="2">
+        <a:scrgbClr r="0" g="0" b="0"/>
+      </a:fillRef>
+      <a:effectRef idx="1">
         <a:scrgbClr r="0" g="0" b="0"/>
       </a:effectRef>
       <a:fontRef idx="minor"/>
@@ -9348,6 +11859,190 @@
       </p:grpSpPr>
       <p:sp>
         <p:nvSpPr>
+          <p:cNvPr id="47106" name="Rectangle 7"/>
+          <p:cNvSpPr>
+            <a:spLocks noGrp="1" noChangeArrowheads="1"/>
+          </p:cNvSpPr>
+          <p:nvPr>
+            <p:ph type="sldNum" sz="quarter" idx="5"/>
+          </p:nvPr>
+        </p:nvSpPr>
+        <p:spPr>
+          <a:noFill/>
+        </p:spPr>
+        <p:txBody>
+          <a:bodyPr/>
+          <a:lstStyle/>
+          <a:p>
+            <a:fld id="{060F6942-349D-437D-B6CE-AF49DFD3E8BD}" type="slidenum">
+              <a:rPr lang="es-ES" smtClean="0"/>
+              <a:pPr/>
+              <a:t>16</a:t>
+            </a:fld>
+            <a:endParaRPr lang="es-ES" smtClean="0"/>
+          </a:p>
+        </p:txBody>
+      </p:sp>
+      <p:sp>
+        <p:nvSpPr>
+          <p:cNvPr id="47107" name="Rectangle 2"/>
+          <p:cNvSpPr>
+            <a:spLocks noGrp="1" noRot="1" noChangeAspect="1" noChangeArrowheads="1" noTextEdit="1"/>
+          </p:cNvSpPr>
+          <p:nvPr>
+            <p:ph type="sldImg"/>
+          </p:nvPr>
+        </p:nvSpPr>
+        <p:spPr>
+          <a:ln cap="flat"/>
+        </p:spPr>
+      </p:sp>
+      <p:sp>
+        <p:nvSpPr>
+          <p:cNvPr id="47108" name="Rectangle 3"/>
+          <p:cNvSpPr>
+            <a:spLocks noGrp="1" noChangeArrowheads="1"/>
+          </p:cNvSpPr>
+          <p:nvPr>
+            <p:ph type="body" idx="1"/>
+          </p:nvPr>
+        </p:nvSpPr>
+        <p:spPr>
+          <a:noFill/>
+          <a:ln/>
+        </p:spPr>
+        <p:txBody>
+          <a:bodyPr/>
+          <a:lstStyle/>
+          <a:p>
+            <a:pPr eaLnBrk="1" hangingPunct="1"/>
+            <a:r>
+              <a:rPr lang="es-AR" b="1" dirty="0" smtClean="0"/>
+              <a:t>Speaker:</a:t>
+            </a:r>
+            <a:endParaRPr lang="es-AR" b="0" baseline="0" dirty="0" smtClean="0"/>
+          </a:p>
+        </p:txBody>
+      </p:sp>
+    </p:spTree>
+  </p:cSld>
+  <p:clrMapOvr>
+    <a:masterClrMapping/>
+  </p:clrMapOvr>
+</p:notes>
+</file>
+
+<file path=ppt/notesSlides/notesSlide17.xml><?xml version="1.0" encoding="utf-8"?>
+<p:notes xmlns:a="http://schemas.openxmlformats.org/drawingml/2006/main" xmlns:r="http://schemas.openxmlformats.org/officeDocument/2006/relationships" xmlns:p="http://schemas.openxmlformats.org/presentationml/2006/main">
+  <p:cSld>
+    <p:spTree>
+      <p:nvGrpSpPr>
+        <p:cNvPr id="1" name=""/>
+        <p:cNvGrpSpPr/>
+        <p:nvPr/>
+      </p:nvGrpSpPr>
+      <p:grpSpPr>
+        <a:xfrm>
+          <a:off x="0" y="0"/>
+          <a:ext cx="0" cy="0"/>
+          <a:chOff x="0" y="0"/>
+          <a:chExt cx="0" cy="0"/>
+        </a:xfrm>
+      </p:grpSpPr>
+      <p:sp>
+        <p:nvSpPr>
+          <p:cNvPr id="47106" name="Rectangle 7"/>
+          <p:cNvSpPr>
+            <a:spLocks noGrp="1" noChangeArrowheads="1"/>
+          </p:cNvSpPr>
+          <p:nvPr>
+            <p:ph type="sldNum" sz="quarter" idx="5"/>
+          </p:nvPr>
+        </p:nvSpPr>
+        <p:spPr>
+          <a:noFill/>
+        </p:spPr>
+        <p:txBody>
+          <a:bodyPr/>
+          <a:lstStyle/>
+          <a:p>
+            <a:fld id="{060F6942-349D-437D-B6CE-AF49DFD3E8BD}" type="slidenum">
+              <a:rPr lang="es-ES" smtClean="0"/>
+              <a:pPr/>
+              <a:t>17</a:t>
+            </a:fld>
+            <a:endParaRPr lang="es-ES" smtClean="0"/>
+          </a:p>
+        </p:txBody>
+      </p:sp>
+      <p:sp>
+        <p:nvSpPr>
+          <p:cNvPr id="47107" name="Rectangle 2"/>
+          <p:cNvSpPr>
+            <a:spLocks noGrp="1" noRot="1" noChangeAspect="1" noChangeArrowheads="1" noTextEdit="1"/>
+          </p:cNvSpPr>
+          <p:nvPr>
+            <p:ph type="sldImg"/>
+          </p:nvPr>
+        </p:nvSpPr>
+        <p:spPr>
+          <a:ln cap="flat"/>
+        </p:spPr>
+      </p:sp>
+      <p:sp>
+        <p:nvSpPr>
+          <p:cNvPr id="47108" name="Rectangle 3"/>
+          <p:cNvSpPr>
+            <a:spLocks noGrp="1" noChangeArrowheads="1"/>
+          </p:cNvSpPr>
+          <p:nvPr>
+            <p:ph type="body" idx="1"/>
+          </p:nvPr>
+        </p:nvSpPr>
+        <p:spPr>
+          <a:noFill/>
+          <a:ln/>
+        </p:spPr>
+        <p:txBody>
+          <a:bodyPr/>
+          <a:lstStyle/>
+          <a:p>
+            <a:pPr eaLnBrk="1" hangingPunct="1"/>
+            <a:r>
+              <a:rPr lang="es-AR" b="1" dirty="0" smtClean="0"/>
+              <a:t>Speaker:</a:t>
+            </a:r>
+            <a:endParaRPr lang="es-AR" b="0" baseline="0" dirty="0" smtClean="0"/>
+          </a:p>
+        </p:txBody>
+      </p:sp>
+    </p:spTree>
+  </p:cSld>
+  <p:clrMapOvr>
+    <a:masterClrMapping/>
+  </p:clrMapOvr>
+</p:notes>
+</file>
+
+<file path=ppt/notesSlides/notesSlide18.xml><?xml version="1.0" encoding="utf-8"?>
+<p:notes xmlns:a="http://schemas.openxmlformats.org/drawingml/2006/main" xmlns:r="http://schemas.openxmlformats.org/officeDocument/2006/relationships" xmlns:p="http://schemas.openxmlformats.org/presentationml/2006/main">
+  <p:cSld>
+    <p:spTree>
+      <p:nvGrpSpPr>
+        <p:cNvPr id="1" name=""/>
+        <p:cNvGrpSpPr/>
+        <p:nvPr/>
+      </p:nvGrpSpPr>
+      <p:grpSpPr>
+        <a:xfrm>
+          <a:off x="0" y="0"/>
+          <a:ext cx="0" cy="0"/>
+          <a:chOff x="0" y="0"/>
+          <a:chExt cx="0" cy="0"/>
+        </a:xfrm>
+      </p:grpSpPr>
+      <p:sp>
+        <p:nvSpPr>
           <p:cNvPr id="48130" name="Rectangle 7"/>
           <p:cNvSpPr>
             <a:spLocks noGrp="1" noChangeArrowheads="1"/>
@@ -9366,7 +12061,7 @@
             <a:fld id="{4D183F08-FBD3-4A86-BA7F-79516DB782E6}" type="slidenum">
               <a:rPr lang="es-ES" smtClean="0"/>
               <a:pPr/>
-              <a:t>16</a:t>
+              <a:t>18</a:t>
             </a:fld>
             <a:endParaRPr lang="es-ES" smtClean="0"/>
           </a:p>
@@ -9417,7 +12112,7 @@
 </p:notes>
 </file>
 
-<file path=ppt/notesSlides/notesSlide17.xml><?xml version="1.0" encoding="utf-8"?>
+<file path=ppt/notesSlides/notesSlide19.xml><?xml version="1.0" encoding="utf-8"?>
 <p:notes xmlns:a="http://schemas.openxmlformats.org/drawingml/2006/main" xmlns:r="http://schemas.openxmlformats.org/officeDocument/2006/relationships" xmlns:p="http://schemas.openxmlformats.org/presentationml/2006/main">
   <p:cSld>
     <p:spTree>
@@ -9454,7 +12149,7 @@
             <a:fld id="{4D183F08-FBD3-4A86-BA7F-79516DB782E6}" type="slidenum">
               <a:rPr lang="es-ES" smtClean="0"/>
               <a:pPr/>
-              <a:t>17</a:t>
+              <a:t>19</a:t>
             </a:fld>
             <a:endParaRPr lang="es-ES" smtClean="0"/>
           </a:p>
@@ -16721,19 +19416,7 @@
                 <a:latin typeface="Cambria" pitchFamily="18" charset="0"/>
                 <a:cs typeface="Arial" charset="0"/>
               </a:rPr>
-              <a:t>Caso de Análisis: Sprint </a:t>
-            </a:r>
-            <a:r>
-              <a:rPr lang="es-AR" sz="2000" dirty="0" smtClean="0">
-                <a:solidFill>
-                  <a:schemeClr val="tx2">
-                    <a:lumMod val="50000"/>
-                  </a:schemeClr>
-                </a:solidFill>
-                <a:latin typeface="Cambria" pitchFamily="18" charset="0"/>
-                <a:cs typeface="Arial" charset="0"/>
-              </a:rPr>
-              <a:t>4</a:t>
+              <a:t>Caso de Análisis: Sprint 4</a:t>
             </a:r>
             <a:endParaRPr lang="es-AR" sz="2000" dirty="0">
               <a:solidFill>
@@ -17083,19 +19766,7 @@
                   <a:latin typeface="Cambria" pitchFamily="18" charset="0"/>
                   <a:cs typeface="Arial" charset="0"/>
                 </a:rPr>
-                <a:t>C</a:t>
-              </a:r>
-              <a:r>
-                <a:rPr lang="es-AR" sz="2000" dirty="0" err="1" smtClean="0">
-                  <a:solidFill>
-                    <a:schemeClr val="tx2">
-                      <a:lumMod val="50000"/>
-                    </a:schemeClr>
-                  </a:solidFill>
-                  <a:latin typeface="Cambria" pitchFamily="18" charset="0"/>
-                  <a:cs typeface="Arial" charset="0"/>
-                </a:rPr>
-                <a:t>overage</a:t>
+                <a:t>Coverage</a:t>
               </a:r>
               <a:endParaRPr lang="es-AR" sz="2000" dirty="0">
                 <a:solidFill>
@@ -17364,15 +20035,6 @@
               </a:rPr>
               <a:t> Múltiples supervisores</a:t>
             </a:r>
-            <a:endParaRPr lang="es-AR" sz="2000" dirty="0" smtClean="0">
-              <a:solidFill>
-                <a:schemeClr val="tx2">
-                  <a:lumMod val="50000"/>
-                </a:schemeClr>
-              </a:solidFill>
-              <a:latin typeface="Cambria" pitchFamily="18" charset="0"/>
-              <a:cs typeface="Arial" charset="0"/>
-            </a:endParaRPr>
           </a:p>
         </p:txBody>
       </p:sp>
@@ -18187,6 +20849,599 @@
           </a:p>
         </p:txBody>
       </p:sp>
+      <p:pic>
+        <p:nvPicPr>
+          <p:cNvPr id="4" name="3 Imagen" descr="CostosReal.PNG"/>
+          <p:cNvPicPr>
+            <a:picLocks noChangeAspect="1"/>
+          </p:cNvPicPr>
+          <p:nvPr/>
+        </p:nvPicPr>
+        <p:blipFill>
+          <a:blip r:embed="rId3" cstate="print"/>
+          <a:stretch>
+            <a:fillRect/>
+          </a:stretch>
+        </p:blipFill>
+        <p:spPr>
+          <a:xfrm>
+            <a:off x="899592" y="2636244"/>
+            <a:ext cx="7923665" cy="3943448"/>
+          </a:xfrm>
+          <a:prstGeom prst="rect">
+            <a:avLst/>
+          </a:prstGeom>
+        </p:spPr>
+      </p:pic>
+      <p:sp>
+        <p:nvSpPr>
+          <p:cNvPr id="5" name="TextBox 24"/>
+          <p:cNvSpPr txBox="1">
+            <a:spLocks noChangeArrowheads="1"/>
+          </p:cNvSpPr>
+          <p:nvPr/>
+        </p:nvSpPr>
+        <p:spPr bwMode="auto">
+          <a:xfrm>
+            <a:off x="1403648" y="1772816"/>
+            <a:ext cx="5832648" cy="523220"/>
+          </a:xfrm>
+          <a:prstGeom prst="rect">
+            <a:avLst/>
+          </a:prstGeom>
+          <a:noFill/>
+          <a:ln w="9525">
+            <a:noFill/>
+            <a:miter lim="800000"/>
+            <a:headEnd/>
+            <a:tailEnd/>
+          </a:ln>
+        </p:spPr>
+        <p:txBody>
+          <a:bodyPr wrap="square">
+            <a:spAutoFit/>
+          </a:bodyPr>
+          <a:lstStyle/>
+          <a:p>
+            <a:r>
+              <a:rPr lang="es-AR" sz="2800" dirty="0" smtClean="0">
+                <a:solidFill>
+                  <a:schemeClr val="tx2">
+                    <a:lumMod val="50000"/>
+                  </a:schemeClr>
+                </a:solidFill>
+                <a:latin typeface="Cambria" pitchFamily="18" charset="0"/>
+                <a:cs typeface="Arial" charset="0"/>
+              </a:rPr>
+              <a:t>Seguimiento de Costos</a:t>
+            </a:r>
+            <a:endParaRPr lang="es-AR" sz="2800" dirty="0" smtClean="0">
+              <a:solidFill>
+                <a:schemeClr val="tx2">
+                  <a:lumMod val="50000"/>
+                </a:schemeClr>
+              </a:solidFill>
+              <a:latin typeface="Cambria" pitchFamily="18" charset="0"/>
+              <a:cs typeface="Arial" charset="0"/>
+            </a:endParaRPr>
+          </a:p>
+        </p:txBody>
+      </p:sp>
+    </p:spTree>
+  </p:cSld>
+  <p:clrMapOvr>
+    <a:masterClrMapping/>
+  </p:clrMapOvr>
+  <p:timing>
+    <p:tnLst>
+      <p:par>
+        <p:cTn id="1" dur="indefinite" restart="never" nodeType="tmRoot">
+          <p:childTnLst>
+            <p:seq concurrent="1" nextAc="seek">
+              <p:cTn id="2" dur="indefinite" nodeType="mainSeq">
+                <p:childTnLst>
+                  <p:par>
+                    <p:cTn id="3" fill="hold">
+                      <p:stCondLst>
+                        <p:cond delay="indefinite"/>
+                        <p:cond evt="onBegin" delay="0">
+                          <p:tn val="2"/>
+                        </p:cond>
+                      </p:stCondLst>
+                      <p:childTnLst>
+                        <p:par>
+                          <p:cTn id="4" fill="hold">
+                            <p:stCondLst>
+                              <p:cond delay="0"/>
+                            </p:stCondLst>
+                            <p:childTnLst>
+                              <p:par>
+                                <p:cTn id="5" presetID="22" presetClass="entr" presetSubtype="4" fill="hold" nodeType="withEffect">
+                                  <p:stCondLst>
+                                    <p:cond delay="0"/>
+                                  </p:stCondLst>
+                                  <p:childTnLst>
+                                    <p:set>
+                                      <p:cBhvr>
+                                        <p:cTn id="6" dur="1" fill="hold">
+                                          <p:stCondLst>
+                                            <p:cond delay="0"/>
+                                          </p:stCondLst>
+                                        </p:cTn>
+                                        <p:tgtEl>
+                                          <p:spTgt spid="4"/>
+                                        </p:tgtEl>
+                                        <p:attrNameLst>
+                                          <p:attrName>style.visibility</p:attrName>
+                                        </p:attrNameLst>
+                                      </p:cBhvr>
+                                      <p:to>
+                                        <p:strVal val="visible"/>
+                                      </p:to>
+                                    </p:set>
+                                    <p:animEffect transition="in" filter="wipe(down)">
+                                      <p:cBhvr>
+                                        <p:cTn id="7" dur="500"/>
+                                        <p:tgtEl>
+                                          <p:spTgt spid="4"/>
+                                        </p:tgtEl>
+                                      </p:cBhvr>
+                                    </p:animEffect>
+                                  </p:childTnLst>
+                                </p:cTn>
+                              </p:par>
+                            </p:childTnLst>
+                          </p:cTn>
+                        </p:par>
+                      </p:childTnLst>
+                    </p:cTn>
+                  </p:par>
+                </p:childTnLst>
+              </p:cTn>
+              <p:prevCondLst>
+                <p:cond evt="onPrev" delay="0">
+                  <p:tgtEl>
+                    <p:sldTgt/>
+                  </p:tgtEl>
+                </p:cond>
+              </p:prevCondLst>
+              <p:nextCondLst>
+                <p:cond evt="onNext" delay="0">
+                  <p:tgtEl>
+                    <p:sldTgt/>
+                  </p:tgtEl>
+                </p:cond>
+              </p:nextCondLst>
+            </p:seq>
+          </p:childTnLst>
+        </p:cTn>
+      </p:par>
+    </p:tnLst>
+  </p:timing>
+</p:sld>
+</file>
+
+<file path=ppt/slides/slide16.xml><?xml version="1.0" encoding="utf-8"?>
+<p:sld xmlns:a="http://schemas.openxmlformats.org/drawingml/2006/main" xmlns:r="http://schemas.openxmlformats.org/officeDocument/2006/relationships" xmlns:p="http://schemas.openxmlformats.org/presentationml/2006/main">
+  <p:cSld>
+    <p:spTree>
+      <p:nvGrpSpPr>
+        <p:cNvPr id="1" name=""/>
+        <p:cNvGrpSpPr/>
+        <p:nvPr/>
+      </p:nvGrpSpPr>
+      <p:grpSpPr>
+        <a:xfrm>
+          <a:off x="0" y="0"/>
+          <a:ext cx="0" cy="0"/>
+          <a:chOff x="0" y="0"/>
+          <a:chExt cx="0" cy="0"/>
+        </a:xfrm>
+      </p:grpSpPr>
+      <p:sp>
+        <p:nvSpPr>
+          <p:cNvPr id="4099" name="Rectangle 2"/>
+          <p:cNvSpPr>
+            <a:spLocks noGrp="1" noChangeArrowheads="1"/>
+          </p:cNvSpPr>
+          <p:nvPr>
+            <p:ph type="title"/>
+          </p:nvPr>
+        </p:nvSpPr>
+        <p:spPr/>
+        <p:txBody>
+          <a:bodyPr/>
+          <a:lstStyle/>
+          <a:p>
+            <a:pPr eaLnBrk="1" hangingPunct="1"/>
+            <a:r>
+              <a:rPr lang="es-AR" dirty="0" smtClean="0">
+                <a:latin typeface="Copperplate Gothic Bold" pitchFamily="34" charset="0"/>
+              </a:rPr>
+              <a:t>Lecciones Aprendidas</a:t>
+            </a:r>
+          </a:p>
+        </p:txBody>
+      </p:sp>
+      <p:sp>
+        <p:nvSpPr>
+          <p:cNvPr id="5" name="TextBox 24"/>
+          <p:cNvSpPr txBox="1">
+            <a:spLocks noChangeArrowheads="1"/>
+          </p:cNvSpPr>
+          <p:nvPr/>
+        </p:nvSpPr>
+        <p:spPr bwMode="auto">
+          <a:xfrm>
+            <a:off x="1403648" y="1772816"/>
+            <a:ext cx="5832648" cy="523220"/>
+          </a:xfrm>
+          <a:prstGeom prst="rect">
+            <a:avLst/>
+          </a:prstGeom>
+          <a:noFill/>
+          <a:ln w="9525">
+            <a:noFill/>
+            <a:miter lim="800000"/>
+            <a:headEnd/>
+            <a:tailEnd/>
+          </a:ln>
+        </p:spPr>
+        <p:txBody>
+          <a:bodyPr wrap="square">
+            <a:spAutoFit/>
+          </a:bodyPr>
+          <a:lstStyle/>
+          <a:p>
+            <a:r>
+              <a:rPr lang="es-AR" sz="2800" dirty="0" smtClean="0">
+                <a:solidFill>
+                  <a:schemeClr val="tx2">
+                    <a:lumMod val="50000"/>
+                  </a:schemeClr>
+                </a:solidFill>
+                <a:latin typeface="Cambria" pitchFamily="18" charset="0"/>
+                <a:cs typeface="Arial" charset="0"/>
+              </a:rPr>
+              <a:t>Seguimiento de Costos</a:t>
+            </a:r>
+            <a:endParaRPr lang="es-AR" sz="2800" dirty="0" smtClean="0">
+              <a:solidFill>
+                <a:schemeClr val="tx2">
+                  <a:lumMod val="50000"/>
+                </a:schemeClr>
+              </a:solidFill>
+              <a:latin typeface="Cambria" pitchFamily="18" charset="0"/>
+              <a:cs typeface="Arial" charset="0"/>
+            </a:endParaRPr>
+          </a:p>
+        </p:txBody>
+      </p:sp>
+      <p:graphicFrame>
+        <p:nvGraphicFramePr>
+          <p:cNvPr id="6" name="5 Diagrama"/>
+          <p:cNvGraphicFramePr/>
+          <p:nvPr/>
+        </p:nvGraphicFramePr>
+        <p:xfrm>
+          <a:off x="2051720" y="2636912"/>
+          <a:ext cx="5904656" cy="3936437"/>
+        </p:xfrm>
+        <a:graphic>
+          <a:graphicData uri="http://schemas.openxmlformats.org/drawingml/2006/diagram">
+            <dgm:relIds xmlns:dgm="http://schemas.openxmlformats.org/drawingml/2006/diagram" xmlns:r="http://schemas.openxmlformats.org/officeDocument/2006/relationships" r:dm="rId3" r:lo="rId4" r:qs="rId5" r:cs="rId6"/>
+          </a:graphicData>
+        </a:graphic>
+      </p:graphicFrame>
+    </p:spTree>
+  </p:cSld>
+  <p:clrMapOvr>
+    <a:masterClrMapping/>
+  </p:clrMapOvr>
+  <p:timing>
+    <p:tnLst>
+      <p:par>
+        <p:cTn id="1" dur="indefinite" restart="never" nodeType="tmRoot">
+          <p:childTnLst>
+            <p:seq concurrent="1" nextAc="seek">
+              <p:cTn id="2" dur="indefinite" nodeType="mainSeq">
+                <p:childTnLst>
+                  <p:par>
+                    <p:cTn id="3" fill="hold">
+                      <p:stCondLst>
+                        <p:cond delay="indefinite"/>
+                        <p:cond evt="onBegin" delay="0">
+                          <p:tn val="2"/>
+                        </p:cond>
+                      </p:stCondLst>
+                      <p:childTnLst>
+                        <p:par>
+                          <p:cTn id="4" fill="hold">
+                            <p:stCondLst>
+                              <p:cond delay="0"/>
+                            </p:stCondLst>
+                            <p:childTnLst>
+                              <p:par>
+                                <p:cTn id="5" presetID="10" presetClass="entr" presetSubtype="0" fill="hold" grpId="0" nodeType="withEffect">
+                                  <p:stCondLst>
+                                    <p:cond delay="0"/>
+                                  </p:stCondLst>
+                                  <p:childTnLst>
+                                    <p:set>
+                                      <p:cBhvr>
+                                        <p:cTn id="6" dur="1" fill="hold">
+                                          <p:stCondLst>
+                                            <p:cond delay="0"/>
+                                          </p:stCondLst>
+                                        </p:cTn>
+                                        <p:tgtEl>
+                                          <p:spTgt spid="6">
+                                            <p:graphicEl>
+                                              <a:dgm id="{BDC8FC93-55F3-42CA-9630-F3D0AEDB332B}"/>
+                                            </p:graphicEl>
+                                          </p:spTgt>
+                                        </p:tgtEl>
+                                        <p:attrNameLst>
+                                          <p:attrName>style.visibility</p:attrName>
+                                        </p:attrNameLst>
+                                      </p:cBhvr>
+                                      <p:to>
+                                        <p:strVal val="visible"/>
+                                      </p:to>
+                                    </p:set>
+                                    <p:animEffect transition="in" filter="fade">
+                                      <p:cBhvr>
+                                        <p:cTn id="7" dur="1000"/>
+                                        <p:tgtEl>
+                                          <p:spTgt spid="6">
+                                            <p:graphicEl>
+                                              <a:dgm id="{BDC8FC93-55F3-42CA-9630-F3D0AEDB332B}"/>
+                                            </p:graphicEl>
+                                          </p:spTgt>
+                                        </p:tgtEl>
+                                      </p:cBhvr>
+                                    </p:animEffect>
+                                  </p:childTnLst>
+                                </p:cTn>
+                              </p:par>
+                            </p:childTnLst>
+                          </p:cTn>
+                        </p:par>
+                        <p:par>
+                          <p:cTn id="8" fill="hold">
+                            <p:stCondLst>
+                              <p:cond delay="1000"/>
+                            </p:stCondLst>
+                            <p:childTnLst>
+                              <p:par>
+                                <p:cTn id="9" presetID="10" presetClass="entr" presetSubtype="0" fill="hold" grpId="0" nodeType="afterEffect">
+                                  <p:stCondLst>
+                                    <p:cond delay="0"/>
+                                  </p:stCondLst>
+                                  <p:childTnLst>
+                                    <p:set>
+                                      <p:cBhvr>
+                                        <p:cTn id="10" dur="1" fill="hold">
+                                          <p:stCondLst>
+                                            <p:cond delay="0"/>
+                                          </p:stCondLst>
+                                        </p:cTn>
+                                        <p:tgtEl>
+                                          <p:spTgt spid="6">
+                                            <p:graphicEl>
+                                              <a:dgm id="{B3472502-75B4-4278-A8C7-45CCF2FD979B}"/>
+                                            </p:graphicEl>
+                                          </p:spTgt>
+                                        </p:tgtEl>
+                                        <p:attrNameLst>
+                                          <p:attrName>style.visibility</p:attrName>
+                                        </p:attrNameLst>
+                                      </p:cBhvr>
+                                      <p:to>
+                                        <p:strVal val="visible"/>
+                                      </p:to>
+                                    </p:set>
+                                    <p:animEffect transition="in" filter="fade">
+                                      <p:cBhvr>
+                                        <p:cTn id="11" dur="1000"/>
+                                        <p:tgtEl>
+                                          <p:spTgt spid="6">
+                                            <p:graphicEl>
+                                              <a:dgm id="{B3472502-75B4-4278-A8C7-45CCF2FD979B}"/>
+                                            </p:graphicEl>
+                                          </p:spTgt>
+                                        </p:tgtEl>
+                                      </p:cBhvr>
+                                    </p:animEffect>
+                                  </p:childTnLst>
+                                </p:cTn>
+                              </p:par>
+                            </p:childTnLst>
+                          </p:cTn>
+                        </p:par>
+                        <p:par>
+                          <p:cTn id="12" fill="hold">
+                            <p:stCondLst>
+                              <p:cond delay="2000"/>
+                            </p:stCondLst>
+                            <p:childTnLst>
+                              <p:par>
+                                <p:cTn id="13" presetID="10" presetClass="entr" presetSubtype="0" fill="hold" grpId="0" nodeType="afterEffect">
+                                  <p:stCondLst>
+                                    <p:cond delay="0"/>
+                                  </p:stCondLst>
+                                  <p:childTnLst>
+                                    <p:set>
+                                      <p:cBhvr>
+                                        <p:cTn id="14" dur="1" fill="hold">
+                                          <p:stCondLst>
+                                            <p:cond delay="0"/>
+                                          </p:stCondLst>
+                                        </p:cTn>
+                                        <p:tgtEl>
+                                          <p:spTgt spid="6">
+                                            <p:graphicEl>
+                                              <a:dgm id="{E804E072-BE71-453A-B5DB-446E67B97AEA}"/>
+                                            </p:graphicEl>
+                                          </p:spTgt>
+                                        </p:tgtEl>
+                                        <p:attrNameLst>
+                                          <p:attrName>style.visibility</p:attrName>
+                                        </p:attrNameLst>
+                                      </p:cBhvr>
+                                      <p:to>
+                                        <p:strVal val="visible"/>
+                                      </p:to>
+                                    </p:set>
+                                    <p:animEffect transition="in" filter="fade">
+                                      <p:cBhvr>
+                                        <p:cTn id="15" dur="1000"/>
+                                        <p:tgtEl>
+                                          <p:spTgt spid="6">
+                                            <p:graphicEl>
+                                              <a:dgm id="{E804E072-BE71-453A-B5DB-446E67B97AEA}"/>
+                                            </p:graphicEl>
+                                          </p:spTgt>
+                                        </p:tgtEl>
+                                      </p:cBhvr>
+                                    </p:animEffect>
+                                  </p:childTnLst>
+                                </p:cTn>
+                              </p:par>
+                            </p:childTnLst>
+                          </p:cTn>
+                        </p:par>
+                      </p:childTnLst>
+                    </p:cTn>
+                  </p:par>
+                </p:childTnLst>
+              </p:cTn>
+              <p:prevCondLst>
+                <p:cond evt="onPrev" delay="0">
+                  <p:tgtEl>
+                    <p:sldTgt/>
+                  </p:tgtEl>
+                </p:cond>
+              </p:prevCondLst>
+              <p:nextCondLst>
+                <p:cond evt="onNext" delay="0">
+                  <p:tgtEl>
+                    <p:sldTgt/>
+                  </p:tgtEl>
+                </p:cond>
+              </p:nextCondLst>
+            </p:seq>
+          </p:childTnLst>
+        </p:cTn>
+      </p:par>
+    </p:tnLst>
+    <p:bldLst>
+      <p:bldGraphic spid="6" grpId="0" uiExpand="1">
+        <p:bldSub>
+          <a:bldDgm bld="one"/>
+        </p:bldSub>
+      </p:bldGraphic>
+    </p:bldLst>
+  </p:timing>
+</p:sld>
+</file>
+
+<file path=ppt/slides/slide17.xml><?xml version="1.0" encoding="utf-8"?>
+<p:sld xmlns:a="http://schemas.openxmlformats.org/drawingml/2006/main" xmlns:r="http://schemas.openxmlformats.org/officeDocument/2006/relationships" xmlns:p="http://schemas.openxmlformats.org/presentationml/2006/main">
+  <p:cSld>
+    <p:spTree>
+      <p:nvGrpSpPr>
+        <p:cNvPr id="1" name=""/>
+        <p:cNvGrpSpPr/>
+        <p:nvPr/>
+      </p:nvGrpSpPr>
+      <p:grpSpPr>
+        <a:xfrm>
+          <a:off x="0" y="0"/>
+          <a:ext cx="0" cy="0"/>
+          <a:chOff x="0" y="0"/>
+          <a:chExt cx="0" cy="0"/>
+        </a:xfrm>
+      </p:grpSpPr>
+      <p:sp>
+        <p:nvSpPr>
+          <p:cNvPr id="4099" name="Rectangle 2"/>
+          <p:cNvSpPr>
+            <a:spLocks noGrp="1" noChangeArrowheads="1"/>
+          </p:cNvSpPr>
+          <p:nvPr>
+            <p:ph type="title"/>
+          </p:nvPr>
+        </p:nvSpPr>
+        <p:spPr/>
+        <p:txBody>
+          <a:bodyPr/>
+          <a:lstStyle/>
+          <a:p>
+            <a:pPr eaLnBrk="1" hangingPunct="1"/>
+            <a:r>
+              <a:rPr lang="es-AR" dirty="0" smtClean="0">
+                <a:latin typeface="Copperplate Gothic Bold" pitchFamily="34" charset="0"/>
+              </a:rPr>
+              <a:t>Lecciones Aprendidas</a:t>
+            </a:r>
+          </a:p>
+        </p:txBody>
+      </p:sp>
+      <p:sp>
+        <p:nvSpPr>
+          <p:cNvPr id="5" name="TextBox 24"/>
+          <p:cNvSpPr txBox="1">
+            <a:spLocks noChangeArrowheads="1"/>
+          </p:cNvSpPr>
+          <p:nvPr/>
+        </p:nvSpPr>
+        <p:spPr bwMode="auto">
+          <a:xfrm>
+            <a:off x="1403648" y="1772816"/>
+            <a:ext cx="5832648" cy="523220"/>
+          </a:xfrm>
+          <a:prstGeom prst="rect">
+            <a:avLst/>
+          </a:prstGeom>
+          <a:noFill/>
+          <a:ln w="9525">
+            <a:noFill/>
+            <a:miter lim="800000"/>
+            <a:headEnd/>
+            <a:tailEnd/>
+          </a:ln>
+        </p:spPr>
+        <p:txBody>
+          <a:bodyPr wrap="square">
+            <a:spAutoFit/>
+          </a:bodyPr>
+          <a:lstStyle/>
+          <a:p>
+            <a:r>
+              <a:rPr lang="es-AR" sz="2800" dirty="0" smtClean="0">
+                <a:solidFill>
+                  <a:schemeClr val="tx2">
+                    <a:lumMod val="50000"/>
+                  </a:schemeClr>
+                </a:solidFill>
+                <a:latin typeface="Cambria" pitchFamily="18" charset="0"/>
+                <a:cs typeface="Arial" charset="0"/>
+              </a:rPr>
+              <a:t>??</a:t>
+            </a:r>
+            <a:endParaRPr lang="es-AR" sz="2800" dirty="0" smtClean="0">
+              <a:solidFill>
+                <a:schemeClr val="tx2">
+                  <a:lumMod val="50000"/>
+                </a:schemeClr>
+              </a:solidFill>
+              <a:latin typeface="Cambria" pitchFamily="18" charset="0"/>
+              <a:cs typeface="Arial" charset="0"/>
+            </a:endParaRPr>
+          </a:p>
+        </p:txBody>
+      </p:sp>
     </p:spTree>
   </p:cSld>
   <p:clrMapOvr>
@@ -18202,7 +21457,7 @@
 </p:sld>
 </file>
 
-<file path=ppt/slides/slide16.xml><?xml version="1.0" encoding="utf-8"?>
+<file path=ppt/slides/slide18.xml><?xml version="1.0" encoding="utf-8"?>
 <p:sld xmlns:a="http://schemas.openxmlformats.org/drawingml/2006/main" xmlns:r="http://schemas.openxmlformats.org/officeDocument/2006/relationships" xmlns:p="http://schemas.openxmlformats.org/presentationml/2006/main">
   <p:cSld>
     <p:spTree>
@@ -18409,7 +21664,7 @@
 </p:sld>
 </file>
 
-<file path=ppt/slides/slide17.xml><?xml version="1.0" encoding="utf-8"?>
+<file path=ppt/slides/slide19.xml><?xml version="1.0" encoding="utf-8"?>
 <p:sld xmlns:a="http://schemas.openxmlformats.org/drawingml/2006/main" xmlns:r="http://schemas.openxmlformats.org/officeDocument/2006/relationships" xmlns:p="http://schemas.openxmlformats.org/presentationml/2006/main">
   <p:cSld>
     <p:spTree>
@@ -21345,19 +24600,7 @@
                 <a:latin typeface="Cambria" pitchFamily="18" charset="0"/>
                 <a:cs typeface="Arial" charset="0"/>
               </a:rPr>
-              <a:t>Caso de Análisis: Sprint </a:t>
-            </a:r>
-            <a:r>
-              <a:rPr lang="es-AR" sz="2000" dirty="0" smtClean="0">
-                <a:solidFill>
-                  <a:schemeClr val="tx2">
-                    <a:lumMod val="50000"/>
-                  </a:schemeClr>
-                </a:solidFill>
-                <a:latin typeface="Cambria" pitchFamily="18" charset="0"/>
-                <a:cs typeface="Arial" charset="0"/>
-              </a:rPr>
-              <a:t>4</a:t>
+              <a:t>Caso de Análisis: Sprint 4</a:t>
             </a:r>
             <a:endParaRPr lang="es-AR" sz="2000" dirty="0">
               <a:solidFill>
@@ -21666,19 +24909,7 @@
                 <a:latin typeface="Cambria" pitchFamily="18" charset="0"/>
                 <a:cs typeface="Arial" charset="0"/>
               </a:rPr>
-              <a:t>Caso de Análisis: Sprint </a:t>
-            </a:r>
-            <a:r>
-              <a:rPr lang="es-AR" sz="2000" dirty="0" smtClean="0">
-                <a:solidFill>
-                  <a:schemeClr val="tx2">
-                    <a:lumMod val="50000"/>
-                  </a:schemeClr>
-                </a:solidFill>
-                <a:latin typeface="Cambria" pitchFamily="18" charset="0"/>
-                <a:cs typeface="Arial" charset="0"/>
-              </a:rPr>
-              <a:t>4</a:t>
+              <a:t>Caso de Análisis: Sprint 4</a:t>
             </a:r>
             <a:endParaRPr lang="es-AR" sz="2000" dirty="0">
               <a:solidFill>

--- a/presentations/presentacionFinal.pptx
+++ b/presentations/presentacionFinal.pptx
@@ -3290,7 +3290,7 @@
   <dgm:whole/>
   <dgm:extLst>
     <a:ext uri="http://schemas.microsoft.com/office/drawing/2008/diagram">
-      <dsp:dataModelExt xmlns:dsp="http://schemas.microsoft.com/office/drawing/2008/diagram" xmlns="" relId="rId7" minVer="http://schemas.openxmlformats.org/drawingml/2006/diagram"/>
+      <dsp:dataModelExt xmlns="" xmlns:dsp="http://schemas.microsoft.com/office/drawing/2008/diagram" relId="rId7" minVer="http://schemas.openxmlformats.org/drawingml/2006/diagram"/>
     </a:ext>
   </dgm:extLst>
 </dgm:dataModel>
@@ -3592,7 +3592,7 @@
   <dgm:whole/>
   <dgm:extLst>
     <a:ext uri="http://schemas.microsoft.com/office/drawing/2008/diagram">
-      <dsp:dataModelExt xmlns:dsp="http://schemas.microsoft.com/office/drawing/2008/diagram" xmlns="" relId="rId7" minVer="http://schemas.openxmlformats.org/drawingml/2006/diagram"/>
+      <dsp:dataModelExt xmlns="" xmlns:dsp="http://schemas.microsoft.com/office/drawing/2008/diagram" relId="rId7" minVer="http://schemas.openxmlformats.org/drawingml/2006/diagram"/>
     </a:ext>
   </dgm:extLst>
 </dgm:dataModel>
@@ -3731,6 +3731,13 @@
         </dgm:presLayoutVars>
       </dgm:prSet>
       <dgm:spPr/>
+      <dgm:t>
+        <a:bodyPr/>
+        <a:lstStyle/>
+        <a:p>
+          <a:endParaRPr lang="es-AR"/>
+        </a:p>
+      </dgm:t>
     </dgm:pt>
     <dgm:pt modelId="{BDC8FC93-55F3-42CA-9630-F3D0AEDB332B}" type="pres">
       <dgm:prSet presAssocID="{337FC5F5-C507-42D3-9895-2F9F73CEC34F}" presName="node" presStyleLbl="node1" presStyleIdx="0" presStyleCnt="3">
@@ -3804,7 +3811,7 @@
   <dgm:whole/>
   <dgm:extLst>
     <a:ext uri="http://schemas.microsoft.com/office/drawing/2008/diagram">
-      <dsp:dataModelExt xmlns:dsp="http://schemas.microsoft.com/office/drawing/2008/diagram" xmlns="" relId="rId7" minVer="http://schemas.openxmlformats.org/drawingml/2006/diagram"/>
+      <dsp:dataModelExt xmlns="" xmlns:dsp="http://schemas.microsoft.com/office/drawing/2008/diagram" relId="rId7" minVer="http://schemas.openxmlformats.org/drawingml/2006/diagram"/>
     </a:ext>
   </dgm:extLst>
 </dgm:dataModel>
@@ -20915,15 +20922,6 @@
               </a:rPr>
               <a:t>Seguimiento de Costos</a:t>
             </a:r>
-            <a:endParaRPr lang="es-AR" sz="2800" dirty="0" smtClean="0">
-              <a:solidFill>
-                <a:schemeClr val="tx2">
-                  <a:lumMod val="50000"/>
-                </a:schemeClr>
-              </a:solidFill>
-              <a:latin typeface="Cambria" pitchFamily="18" charset="0"/>
-              <a:cs typeface="Arial" charset="0"/>
-            </a:endParaRPr>
           </a:p>
         </p:txBody>
       </p:sp>
@@ -21105,15 +21103,6 @@
               </a:rPr>
               <a:t>Seguimiento de Costos</a:t>
             </a:r>
-            <a:endParaRPr lang="es-AR" sz="2800" dirty="0" smtClean="0">
-              <a:solidFill>
-                <a:schemeClr val="tx2">
-                  <a:lumMod val="50000"/>
-                </a:schemeClr>
-              </a:solidFill>
-              <a:latin typeface="Cambria" pitchFamily="18" charset="0"/>
-              <a:cs typeface="Arial" charset="0"/>
-            </a:endParaRPr>
           </a:p>
         </p:txBody>
       </p:sp>
@@ -21398,8 +21387,8 @@
         </p:nvSpPr>
         <p:spPr bwMode="auto">
           <a:xfrm>
-            <a:off x="1403648" y="1772816"/>
-            <a:ext cx="5832648" cy="523220"/>
+            <a:off x="1214414" y="2285992"/>
+            <a:ext cx="7715304" cy="4093428"/>
           </a:xfrm>
           <a:prstGeom prst="rect">
             <a:avLst/>
@@ -21418,8 +21407,15 @@
           </a:bodyPr>
           <a:lstStyle/>
           <a:p>
+            <a:pPr>
+              <a:spcAft>
+                <a:spcPts val="4200"/>
+              </a:spcAft>
+              <a:buFont typeface="Arial" pitchFamily="34" charset="0"/>
+              <a:buChar char="•"/>
+            </a:pPr>
             <a:r>
-              <a:rPr lang="es-AR" sz="2800" dirty="0" smtClean="0">
+              <a:rPr lang="es-AR" sz="2400" dirty="0" smtClean="0">
                 <a:solidFill>
                   <a:schemeClr val="tx2">
                     <a:lumMod val="50000"/>
@@ -21428,9 +21424,153 @@
                 <a:latin typeface="Cambria" pitchFamily="18" charset="0"/>
                 <a:cs typeface="Arial" charset="0"/>
               </a:rPr>
-              <a:t>??</a:t>
+              <a:t> Buscar </a:t>
             </a:r>
-            <a:endParaRPr lang="es-AR" sz="2800" dirty="0" smtClean="0">
+            <a:r>
+              <a:rPr lang="es-AR" sz="2400" dirty="0" smtClean="0">
+                <a:solidFill>
+                  <a:schemeClr val="tx2">
+                    <a:lumMod val="50000"/>
+                  </a:schemeClr>
+                </a:solidFill>
+                <a:latin typeface="Cambria" pitchFamily="18" charset="0"/>
+                <a:cs typeface="Arial" charset="0"/>
+              </a:rPr>
+              <a:t>una comunicación fluida con el cliente</a:t>
+            </a:r>
+          </a:p>
+          <a:p>
+            <a:pPr>
+              <a:spcAft>
+                <a:spcPts val="4200"/>
+              </a:spcAft>
+              <a:buFont typeface="Arial" pitchFamily="34" charset="0"/>
+              <a:buChar char="•"/>
+            </a:pPr>
+            <a:r>
+              <a:rPr lang="es-AR" sz="2400" dirty="0" smtClean="0">
+                <a:solidFill>
+                  <a:schemeClr val="tx2">
+                    <a:lumMod val="50000"/>
+                  </a:schemeClr>
+                </a:solidFill>
+                <a:latin typeface="Cambria" pitchFamily="18" charset="0"/>
+                <a:cs typeface="Arial" charset="0"/>
+              </a:rPr>
+              <a:t> Asegurar </a:t>
+            </a:r>
+            <a:r>
+              <a:rPr lang="es-AR" sz="2400" dirty="0" smtClean="0">
+                <a:solidFill>
+                  <a:schemeClr val="tx2">
+                    <a:lumMod val="50000"/>
+                  </a:schemeClr>
+                </a:solidFill>
+                <a:latin typeface="Cambria" pitchFamily="18" charset="0"/>
+                <a:cs typeface="Arial" charset="0"/>
+              </a:rPr>
+              <a:t>que los requisitos son precisos</a:t>
+            </a:r>
+          </a:p>
+          <a:p>
+            <a:pPr>
+              <a:spcAft>
+                <a:spcPts val="4200"/>
+              </a:spcAft>
+              <a:buFont typeface="Arial" pitchFamily="34" charset="0"/>
+              <a:buChar char="•"/>
+            </a:pPr>
+            <a:r>
+              <a:rPr lang="es-AR" sz="2400" dirty="0" smtClean="0">
+                <a:solidFill>
+                  <a:schemeClr val="tx2">
+                    <a:lumMod val="50000"/>
+                  </a:schemeClr>
+                </a:solidFill>
+                <a:latin typeface="Cambria" pitchFamily="18" charset="0"/>
+                <a:cs typeface="Arial" charset="0"/>
+              </a:rPr>
+              <a:t> Buscar </a:t>
+            </a:r>
+            <a:r>
+              <a:rPr lang="es-AR" sz="2400" dirty="0" smtClean="0">
+                <a:solidFill>
+                  <a:schemeClr val="tx2">
+                    <a:lumMod val="50000"/>
+                  </a:schemeClr>
+                </a:solidFill>
+                <a:latin typeface="Cambria" pitchFamily="18" charset="0"/>
+                <a:cs typeface="Arial" charset="0"/>
+              </a:rPr>
+              <a:t>verificación del alcance por parte del cliente</a:t>
+            </a:r>
+          </a:p>
+          <a:p>
+            <a:pPr>
+              <a:spcAft>
+                <a:spcPts val="4200"/>
+              </a:spcAft>
+              <a:buFont typeface="Arial" pitchFamily="34" charset="0"/>
+              <a:buChar char="•"/>
+            </a:pPr>
+            <a:r>
+              <a:rPr lang="es-AR" sz="2400" dirty="0" smtClean="0">
+                <a:solidFill>
+                  <a:schemeClr val="tx2">
+                    <a:lumMod val="50000"/>
+                  </a:schemeClr>
+                </a:solidFill>
+                <a:latin typeface="Cambria" pitchFamily="18" charset="0"/>
+                <a:cs typeface="Arial" charset="0"/>
+              </a:rPr>
+              <a:t> Avisar </a:t>
+            </a:r>
+            <a:r>
+              <a:rPr lang="es-AR" sz="2400" dirty="0" smtClean="0">
+                <a:solidFill>
+                  <a:schemeClr val="tx2">
+                    <a:lumMod val="50000"/>
+                  </a:schemeClr>
+                </a:solidFill>
+                <a:latin typeface="Cambria" pitchFamily="18" charset="0"/>
+                <a:cs typeface="Arial" charset="0"/>
+              </a:rPr>
+              <a:t>con anticipación al no finalizar algo en un sprint</a:t>
+            </a:r>
+          </a:p>
+          <a:p>
+            <a:pPr>
+              <a:spcAft>
+                <a:spcPts val="4200"/>
+              </a:spcAft>
+              <a:buFont typeface="Arial" pitchFamily="34" charset="0"/>
+              <a:buChar char="•"/>
+            </a:pPr>
+            <a:r>
+              <a:rPr lang="es-AR" sz="2400" dirty="0" smtClean="0">
+                <a:solidFill>
+                  <a:schemeClr val="tx2">
+                    <a:lumMod val="50000"/>
+                  </a:schemeClr>
+                </a:solidFill>
+                <a:latin typeface="Cambria" pitchFamily="18" charset="0"/>
+                <a:cs typeface="Arial" charset="0"/>
+              </a:rPr>
+              <a:t> Importancia </a:t>
+            </a:r>
+            <a:r>
+              <a:rPr lang="es-AR" sz="2400" dirty="0" smtClean="0">
+                <a:solidFill>
+                  <a:schemeClr val="tx2">
+                    <a:lumMod val="50000"/>
+                  </a:schemeClr>
+                </a:solidFill>
+                <a:latin typeface="Cambria" pitchFamily="18" charset="0"/>
+                <a:cs typeface="Arial" charset="0"/>
+              </a:rPr>
+              <a:t>de mantener una trazabilidad</a:t>
+            </a:r>
+            <a:endParaRPr lang="es-AR" sz="2400" dirty="0" smtClean="0">
               <a:solidFill>
                 <a:schemeClr val="tx2">
                   <a:lumMod val="50000"/>
@@ -22494,7 +22634,7 @@
           <p:nvPr/>
         </p:nvPicPr>
         <p:blipFill>
-          <a:blip r:embed="rId8" cstate="print"/>
+          <a:blip r:embed="rId7" cstate="print"/>
           <a:stretch>
             <a:fillRect/>
           </a:stretch>
@@ -22532,7 +22672,7 @@
             <p:nvPr/>
           </p:nvPicPr>
           <p:blipFill>
-            <a:blip r:embed="rId9" cstate="print">
+            <a:blip r:embed="rId8" cstate="print">
               <a:clrChange>
                 <a:clrFrom>
                   <a:srgbClr val="F6F6FB"/>
@@ -22567,7 +22707,7 @@
             <p:nvPr/>
           </p:nvPicPr>
           <p:blipFill>
-            <a:blip r:embed="rId10" cstate="print">
+            <a:blip r:embed="rId9" cstate="print">
               <a:clrChange>
                 <a:clrFrom>
                   <a:srgbClr val="F6F6FB"/>
@@ -22611,7 +22751,7 @@
           <p:nvPr/>
         </p:nvPicPr>
         <p:blipFill>
-          <a:blip r:embed="rId11" cstate="print"/>
+          <a:blip r:embed="rId10" cstate="print"/>
           <a:srcRect/>
           <a:stretch>
             <a:fillRect/>
@@ -22646,7 +22786,7 @@
           <p:nvPr/>
         </p:nvPicPr>
         <p:blipFill>
-          <a:blip r:embed="rId11" cstate="print"/>
+          <a:blip r:embed="rId10" cstate="print"/>
           <a:srcRect/>
           <a:stretch>
             <a:fillRect/>
@@ -22681,7 +22821,7 @@
           <p:nvPr/>
         </p:nvPicPr>
         <p:blipFill>
-          <a:blip r:embed="rId12" cstate="print"/>
+          <a:blip r:embed="rId11" cstate="print"/>
           <a:srcRect/>
           <a:stretch>
             <a:fillRect/>

--- a/presentations/presentacionFinal.pptx
+++ b/presentations/presentacionFinal.pptx
@@ -3290,7 +3290,7 @@
   <dgm:whole/>
   <dgm:extLst>
     <a:ext uri="http://schemas.microsoft.com/office/drawing/2008/diagram">
-      <dsp:dataModelExt xmlns="" xmlns:dsp="http://schemas.microsoft.com/office/drawing/2008/diagram" relId="rId7" minVer="http://schemas.openxmlformats.org/drawingml/2006/diagram"/>
+      <dsp:dataModelExt xmlns:dsp="http://schemas.microsoft.com/office/drawing/2008/diagram" xmlns="" relId="rId7" minVer="http://schemas.openxmlformats.org/drawingml/2006/diagram"/>
     </a:ext>
   </dgm:extLst>
 </dgm:dataModel>
@@ -3592,7 +3592,7 @@
   <dgm:whole/>
   <dgm:extLst>
     <a:ext uri="http://schemas.microsoft.com/office/drawing/2008/diagram">
-      <dsp:dataModelExt xmlns="" xmlns:dsp="http://schemas.microsoft.com/office/drawing/2008/diagram" relId="rId7" minVer="http://schemas.openxmlformats.org/drawingml/2006/diagram"/>
+      <dsp:dataModelExt xmlns:dsp="http://schemas.microsoft.com/office/drawing/2008/diagram" xmlns="" relId="rId7" minVer="http://schemas.openxmlformats.org/drawingml/2006/diagram"/>
     </a:ext>
   </dgm:extLst>
 </dgm:dataModel>
@@ -3811,7 +3811,7 @@
   <dgm:whole/>
   <dgm:extLst>
     <a:ext uri="http://schemas.microsoft.com/office/drawing/2008/diagram">
-      <dsp:dataModelExt xmlns="" xmlns:dsp="http://schemas.microsoft.com/office/drawing/2008/diagram" relId="rId7" minVer="http://schemas.openxmlformats.org/drawingml/2006/diagram"/>
+      <dsp:dataModelExt xmlns:dsp="http://schemas.microsoft.com/office/drawing/2008/diagram" xmlns="" relId="rId7" minVer="http://schemas.openxmlformats.org/drawingml/2006/diagram"/>
     </a:ext>
   </dgm:extLst>
 </dgm:dataModel>
@@ -11741,8 +11741,112 @@
             <a:pPr eaLnBrk="1" hangingPunct="1"/>
             <a:r>
               <a:rPr lang="es-AR" b="1" dirty="0" smtClean="0"/>
-              <a:t>Speaker:</a:t>
+              <a:t>Speaker</a:t>
             </a:r>
+            <a:r>
+              <a:rPr lang="es-AR" b="1" dirty="0" smtClean="0"/>
+              <a:t>:</a:t>
+            </a:r>
+          </a:p>
+          <a:p>
+            <a:pPr eaLnBrk="1" hangingPunct="1"/>
+            <a:endParaRPr lang="es-AR" b="1" baseline="0" dirty="0" smtClean="0"/>
+          </a:p>
+          <a:p>
+            <a:pPr eaLnBrk="1" hangingPunct="1"/>
+            <a:r>
+              <a:rPr lang="es-AR" dirty="0" smtClean="0"/>
+              <a:t>Utilizamos</a:t>
+            </a:r>
+            <a:r>
+              <a:rPr lang="es-AR" baseline="0" dirty="0" smtClean="0"/>
+              <a:t> etiquetas y links a archivos en los </a:t>
+            </a:r>
+            <a:r>
+              <a:rPr lang="es-AR" baseline="0" dirty="0" err="1" smtClean="0"/>
+              <a:t>Stories</a:t>
+            </a:r>
+            <a:r>
+              <a:rPr lang="es-AR" baseline="0" dirty="0" smtClean="0"/>
+              <a:t> para realizar la trazabilidad.</a:t>
+            </a:r>
+          </a:p>
+          <a:p>
+            <a:pPr eaLnBrk="1" hangingPunct="1"/>
+            <a:endParaRPr lang="es-AR" baseline="0" dirty="0" smtClean="0"/>
+          </a:p>
+          <a:p>
+            <a:pPr marL="0" marR="0" indent="0" algn="l" defTabSz="914400" rtl="0" eaLnBrk="1" fontAlgn="base" latinLnBrk="0" hangingPunct="1">
+              <a:lnSpc>
+                <a:spcPct val="100000"/>
+              </a:lnSpc>
+              <a:spcBef>
+                <a:spcPct val="30000"/>
+              </a:spcBef>
+              <a:spcAft>
+                <a:spcPct val="0"/>
+              </a:spcAft>
+              <a:buClrTx/>
+              <a:buSzTx/>
+              <a:buFontTx/>
+              <a:buNone/>
+              <a:tabLst/>
+              <a:defRPr/>
+            </a:pPr>
+            <a:r>
+              <a:rPr lang="es-AR" dirty="0" err="1" smtClean="0"/>
+              <a:t>UATs</a:t>
+            </a:r>
+            <a:r>
+              <a:rPr lang="es-AR" dirty="0" smtClean="0"/>
+              <a:t> indicadas</a:t>
+            </a:r>
+            <a:r>
+              <a:rPr lang="es-AR" baseline="0" dirty="0" smtClean="0"/>
+              <a:t> para cada </a:t>
+            </a:r>
+            <a:r>
+              <a:rPr lang="es-AR" baseline="0" dirty="0" err="1" smtClean="0"/>
+              <a:t>story</a:t>
+            </a:r>
+            <a:r>
+              <a:rPr lang="es-AR" baseline="0" dirty="0" smtClean="0"/>
+              <a:t>.</a:t>
+            </a:r>
+          </a:p>
+          <a:p>
+            <a:pPr eaLnBrk="1" hangingPunct="1"/>
+            <a:endParaRPr lang="es-AR" baseline="0" dirty="0" smtClean="0"/>
+          </a:p>
+          <a:p>
+            <a:pPr eaLnBrk="1" hangingPunct="1"/>
+            <a:r>
+              <a:rPr lang="es-AR" baseline="0" smtClean="0"/>
+              <a:t>En </a:t>
+            </a:r>
+            <a:r>
+              <a:rPr lang="es-AR" baseline="0" dirty="0" smtClean="0"/>
+              <a:t>cada </a:t>
+            </a:r>
+            <a:r>
+              <a:rPr lang="es-AR" baseline="0" dirty="0" err="1" smtClean="0"/>
+              <a:t>commit</a:t>
+            </a:r>
+            <a:r>
+              <a:rPr lang="es-AR" baseline="0" dirty="0" smtClean="0"/>
+              <a:t> se mencionaba la </a:t>
+            </a:r>
+            <a:r>
+              <a:rPr lang="es-AR" baseline="0" dirty="0" err="1" smtClean="0"/>
+              <a:t>story</a:t>
+            </a:r>
+            <a:r>
+              <a:rPr lang="es-AR" baseline="0" dirty="0" smtClean="0"/>
+              <a:t> involucrada.</a:t>
+            </a:r>
+          </a:p>
+          <a:p>
+            <a:pPr eaLnBrk="1" hangingPunct="1"/>
             <a:endParaRPr lang="es-AR" baseline="0" dirty="0" smtClean="0"/>
           </a:p>
         </p:txBody>
@@ -20361,55 +20465,64 @@
       </p:sp>
       <p:grpSp>
         <p:nvGrpSpPr>
-          <p:cNvPr id="8" name="7 Grupo"/>
+          <p:cNvPr id="10" name="9 Grupo"/>
           <p:cNvGrpSpPr/>
           <p:nvPr/>
         </p:nvGrpSpPr>
         <p:grpSpPr>
           <a:xfrm>
-            <a:off x="1403648" y="1898162"/>
-            <a:ext cx="5161186" cy="1962886"/>
-            <a:chOff x="1211014" y="1673497"/>
-            <a:chExt cx="5161186" cy="1962886"/>
+            <a:off x="4071934" y="4286256"/>
+            <a:ext cx="5392180" cy="2340391"/>
+            <a:chOff x="2013360" y="4221087"/>
+            <a:chExt cx="5392180" cy="2340391"/>
           </a:xfrm>
         </p:grpSpPr>
         <p:pic>
           <p:nvPicPr>
-            <p:cNvPr id="4" name="3 Imagen" descr="who-what-why.png"/>
+            <p:cNvPr id="11" name="Picture 2"/>
             <p:cNvPicPr>
-              <a:picLocks noChangeAspect="1"/>
+              <a:picLocks noChangeAspect="1" noChangeArrowheads="1"/>
             </p:cNvPicPr>
             <p:nvPr/>
           </p:nvPicPr>
           <p:blipFill>
-            <a:blip r:embed="rId3" cstate="print"/>
+            <a:blip r:embed="rId3" cstate="print">
+              <a:clrChange>
+                <a:clrFrom>
+                  <a:srgbClr val="FFFFFF"/>
+                </a:clrFrom>
+                <a:clrTo>
+                  <a:srgbClr val="FFFFFF">
+                    <a:alpha val="0"/>
+                  </a:srgbClr>
+                </a:clrTo>
+              </a:clrChange>
+            </a:blip>
+            <a:srcRect/>
             <a:stretch>
               <a:fillRect/>
             </a:stretch>
           </p:blipFill>
-          <p:spPr>
+          <p:spPr bwMode="auto">
             <a:xfrm>
-              <a:off x="3645969" y="1673497"/>
-              <a:ext cx="2726231" cy="1962886"/>
+              <a:off x="2013360" y="4221087"/>
+              <a:ext cx="3007512" cy="2340391"/>
             </a:xfrm>
             <a:prstGeom prst="rect">
               <a:avLst/>
             </a:prstGeom>
-            <a:ln>
+            <a:noFill/>
+            <a:ln w="9525">
               <a:noFill/>
+              <a:miter lim="800000"/>
+              <a:headEnd/>
+              <a:tailEnd/>
             </a:ln>
-            <a:effectLst>
-              <a:outerShdw blurRad="190500" algn="tl" rotWithShape="0">
-                <a:srgbClr val="000000">
-                  <a:alpha val="70000"/>
-                </a:srgbClr>
-              </a:outerShdw>
-            </a:effectLst>
           </p:spPr>
         </p:pic>
         <p:sp>
           <p:nvSpPr>
-            <p:cNvPr id="6" name="TextBox 20"/>
+            <p:cNvPr id="12" name="TextBox 20"/>
             <p:cNvSpPr txBox="1">
               <a:spLocks noChangeArrowheads="1"/>
             </p:cNvSpPr>
@@ -20417,8 +20530,248 @@
           </p:nvSpPr>
           <p:spPr bwMode="auto">
             <a:xfrm>
-              <a:off x="1211014" y="2463279"/>
+              <a:off x="4476602" y="5013176"/>
               <a:ext cx="2928938" cy="461665"/>
+            </a:xfrm>
+            <a:prstGeom prst="rect">
+              <a:avLst/>
+            </a:prstGeom>
+            <a:noFill/>
+            <a:ln w="9525">
+              <a:noFill/>
+              <a:miter lim="800000"/>
+              <a:headEnd/>
+              <a:tailEnd/>
+            </a:ln>
+          </p:spPr>
+          <p:txBody>
+            <a:bodyPr>
+              <a:spAutoFit/>
+            </a:bodyPr>
+            <a:lstStyle/>
+            <a:p>
+              <a:pPr algn="ctr"/>
+              <a:r>
+                <a:rPr lang="es-AR" sz="2400" dirty="0" smtClean="0">
+                  <a:solidFill>
+                    <a:schemeClr val="tx2">
+                      <a:lumMod val="50000"/>
+                    </a:schemeClr>
+                  </a:solidFill>
+                  <a:latin typeface="Cambria" pitchFamily="18" charset="0"/>
+                  <a:cs typeface="Arial" charset="0"/>
+                </a:rPr>
+                <a:t>Entregables</a:t>
+              </a:r>
+              <a:endParaRPr lang="es-AR" sz="2400" dirty="0">
+                <a:solidFill>
+                  <a:schemeClr val="tx2">
+                    <a:lumMod val="50000"/>
+                  </a:schemeClr>
+                </a:solidFill>
+                <a:latin typeface="Cambria" pitchFamily="18" charset="0"/>
+                <a:cs typeface="Arial" charset="0"/>
+              </a:endParaRPr>
+            </a:p>
+          </p:txBody>
+        </p:sp>
+      </p:grpSp>
+      <p:grpSp>
+        <p:nvGrpSpPr>
+          <p:cNvPr id="15" name="14 Grupo"/>
+          <p:cNvGrpSpPr/>
+          <p:nvPr/>
+        </p:nvGrpSpPr>
+        <p:grpSpPr>
+          <a:xfrm>
+            <a:off x="571472" y="1714488"/>
+            <a:ext cx="8572528" cy="3700659"/>
+            <a:chOff x="571472" y="1714488"/>
+            <a:chExt cx="8572528" cy="3700659"/>
+          </a:xfrm>
+        </p:grpSpPr>
+        <p:grpSp>
+          <p:nvGrpSpPr>
+            <p:cNvPr id="8" name="7 Grupo"/>
+            <p:cNvGrpSpPr/>
+            <p:nvPr/>
+          </p:nvGrpSpPr>
+          <p:grpSpPr>
+            <a:xfrm>
+              <a:off x="571472" y="1714488"/>
+              <a:ext cx="5446938" cy="1962886"/>
+              <a:chOff x="925262" y="1673497"/>
+              <a:chExt cx="5446938" cy="1962886"/>
+            </a:xfrm>
+          </p:grpSpPr>
+          <p:pic>
+            <p:nvPicPr>
+              <p:cNvPr id="4" name="3 Imagen" descr="who-what-why.png"/>
+              <p:cNvPicPr>
+                <a:picLocks noChangeAspect="1"/>
+              </p:cNvPicPr>
+              <p:nvPr/>
+            </p:nvPicPr>
+            <p:blipFill>
+              <a:blip r:embed="rId4" cstate="print"/>
+              <a:stretch>
+                <a:fillRect/>
+              </a:stretch>
+            </p:blipFill>
+            <p:spPr>
+              <a:xfrm>
+                <a:off x="3645969" y="1673497"/>
+                <a:ext cx="2726231" cy="1962886"/>
+              </a:xfrm>
+              <a:prstGeom prst="rect">
+                <a:avLst/>
+              </a:prstGeom>
+              <a:ln>
+                <a:noFill/>
+              </a:ln>
+              <a:effectLst>
+                <a:outerShdw blurRad="190500" algn="tl" rotWithShape="0">
+                  <a:srgbClr val="000000">
+                    <a:alpha val="70000"/>
+                  </a:srgbClr>
+                </a:outerShdw>
+              </a:effectLst>
+            </p:spPr>
+          </p:pic>
+          <p:sp>
+            <p:nvSpPr>
+              <p:cNvPr id="6" name="TextBox 20"/>
+              <p:cNvSpPr txBox="1">
+                <a:spLocks noChangeArrowheads="1"/>
+              </p:cNvSpPr>
+              <p:nvPr/>
+            </p:nvSpPr>
+            <p:spPr bwMode="auto">
+              <a:xfrm>
+                <a:off x="925262" y="2245001"/>
+                <a:ext cx="2928938" cy="830997"/>
+              </a:xfrm>
+              <a:prstGeom prst="rect">
+                <a:avLst/>
+              </a:prstGeom>
+              <a:noFill/>
+              <a:ln w="9525">
+                <a:noFill/>
+                <a:miter lim="800000"/>
+                <a:headEnd/>
+                <a:tailEnd/>
+              </a:ln>
+            </p:spPr>
+            <p:txBody>
+              <a:bodyPr>
+                <a:spAutoFit/>
+              </a:bodyPr>
+              <a:lstStyle/>
+              <a:p>
+                <a:pPr algn="ctr"/>
+                <a:r>
+                  <a:rPr lang="es-AR" sz="2400" dirty="0" err="1" smtClean="0">
+                    <a:solidFill>
+                      <a:schemeClr val="tx2">
+                        <a:lumMod val="50000"/>
+                      </a:schemeClr>
+                    </a:solidFill>
+                    <a:latin typeface="Cambria" pitchFamily="18" charset="0"/>
+                    <a:cs typeface="Arial" charset="0"/>
+                  </a:rPr>
+                  <a:t>User</a:t>
+                </a:r>
+                <a:r>
+                  <a:rPr lang="es-AR" sz="2400" dirty="0" smtClean="0">
+                    <a:solidFill>
+                      <a:schemeClr val="tx2">
+                        <a:lumMod val="50000"/>
+                      </a:schemeClr>
+                    </a:solidFill>
+                    <a:latin typeface="Cambria" pitchFamily="18" charset="0"/>
+                    <a:cs typeface="Arial" charset="0"/>
+                  </a:rPr>
+                  <a:t> </a:t>
+                </a:r>
+                <a:r>
+                  <a:rPr lang="es-AR" sz="2400" dirty="0" err="1" smtClean="0">
+                    <a:solidFill>
+                      <a:schemeClr val="tx2">
+                        <a:lumMod val="50000"/>
+                      </a:schemeClr>
+                    </a:solidFill>
+                    <a:latin typeface="Cambria" pitchFamily="18" charset="0"/>
+                    <a:cs typeface="Arial" charset="0"/>
+                  </a:rPr>
+                  <a:t>Stories</a:t>
+                </a:r>
+                <a:r>
+                  <a:rPr lang="es-AR" sz="2400" dirty="0" smtClean="0">
+                    <a:solidFill>
+                      <a:schemeClr val="tx2">
+                        <a:lumMod val="50000"/>
+                      </a:schemeClr>
+                    </a:solidFill>
+                    <a:latin typeface="Cambria" pitchFamily="18" charset="0"/>
+                    <a:cs typeface="Arial" charset="0"/>
+                  </a:rPr>
+                  <a:t> </a:t>
+                </a:r>
+                <a:r>
+                  <a:rPr lang="es-AR" sz="2400" dirty="0" smtClean="0">
+                    <a:solidFill>
+                      <a:schemeClr val="tx2">
+                        <a:lumMod val="50000"/>
+                      </a:schemeClr>
+                    </a:solidFill>
+                    <a:latin typeface="Cambria" pitchFamily="18" charset="0"/>
+                    <a:cs typeface="Arial" charset="0"/>
+                  </a:rPr>
+                  <a:t> y</a:t>
+                </a:r>
+              </a:p>
+              <a:p>
+                <a:pPr algn="ctr"/>
+                <a:r>
+                  <a:rPr lang="es-AR" sz="2400" dirty="0" err="1" smtClean="0">
+                    <a:solidFill>
+                      <a:schemeClr val="tx2">
+                        <a:lumMod val="50000"/>
+                      </a:schemeClr>
+                    </a:solidFill>
+                    <a:latin typeface="Cambria" pitchFamily="18" charset="0"/>
+                    <a:cs typeface="Arial" charset="0"/>
+                  </a:rPr>
+                  <a:t>UATs</a:t>
+                </a:r>
+                <a:r>
+                  <a:rPr lang="es-AR" sz="2400" dirty="0" smtClean="0">
+                    <a:solidFill>
+                      <a:schemeClr val="tx2">
+                        <a:lumMod val="50000"/>
+                      </a:schemeClr>
+                    </a:solidFill>
+                    <a:latin typeface="Cambria" pitchFamily="18" charset="0"/>
+                    <a:cs typeface="Arial" charset="0"/>
+                  </a:rPr>
+                  <a:t>  asociadas</a:t>
+                </a:r>
+              </a:p>
+            </p:txBody>
+          </p:sp>
+        </p:grpSp>
+        <p:sp>
+          <p:nvSpPr>
+            <p:cNvPr id="13" name="TextBox 20"/>
+            <p:cNvSpPr txBox="1">
+              <a:spLocks noChangeArrowheads="1"/>
+            </p:cNvSpPr>
+            <p:nvPr/>
+          </p:nvSpPr>
+          <p:spPr bwMode="auto">
+            <a:xfrm>
+              <a:off x="6215062" y="2428868"/>
+              <a:ext cx="2928938" cy="830997"/>
             </a:xfrm>
             <a:prstGeom prst="rect">
               <a:avLst/>
@@ -20474,79 +20827,51 @@
                 </a:rPr>
                 <a:t>Stories</a:t>
               </a:r>
-              <a:endParaRPr lang="es-AR" sz="2400" dirty="0">
-                <a:solidFill>
-                  <a:schemeClr val="tx2">
-                    <a:lumMod val="50000"/>
-                  </a:schemeClr>
-                </a:solidFill>
-                <a:latin typeface="Cambria" pitchFamily="18" charset="0"/>
-                <a:cs typeface="Arial" charset="0"/>
-              </a:endParaRPr>
+              <a:r>
+                <a:rPr lang="es-AR" sz="2400" dirty="0" smtClean="0">
+                  <a:solidFill>
+                    <a:schemeClr val="tx2">
+                      <a:lumMod val="50000"/>
+                    </a:schemeClr>
+                  </a:solidFill>
+                  <a:latin typeface="Cambria" pitchFamily="18" charset="0"/>
+                  <a:cs typeface="Arial" charset="0"/>
+                </a:rPr>
+                <a:t> </a:t>
+              </a:r>
+              <a:r>
+                <a:rPr lang="es-AR" sz="2400" dirty="0" smtClean="0">
+                  <a:solidFill>
+                    <a:schemeClr val="tx2">
+                      <a:lumMod val="50000"/>
+                    </a:schemeClr>
+                  </a:solidFill>
+                  <a:latin typeface="Cambria" pitchFamily="18" charset="0"/>
+                  <a:cs typeface="Arial" charset="0"/>
+                </a:rPr>
+                <a:t> y</a:t>
+              </a:r>
+            </a:p>
+            <a:p>
+              <a:pPr algn="ctr"/>
+              <a:r>
+                <a:rPr lang="es-AR" sz="2400" dirty="0" smtClean="0">
+                  <a:solidFill>
+                    <a:schemeClr val="tx2">
+                      <a:lumMod val="50000"/>
+                    </a:schemeClr>
+                  </a:solidFill>
+                  <a:latin typeface="Cambria" pitchFamily="18" charset="0"/>
+                  <a:cs typeface="Arial" charset="0"/>
+                </a:rPr>
+                <a:t>archivos  asociados</a:t>
+              </a:r>
             </a:p>
           </p:txBody>
         </p:sp>
-      </p:grpSp>
-      <p:grpSp>
-        <p:nvGrpSpPr>
-          <p:cNvPr id="9" name="8 Grupo"/>
-          <p:cNvGrpSpPr/>
-          <p:nvPr/>
-        </p:nvGrpSpPr>
-        <p:grpSpPr>
-          <a:xfrm>
-            <a:off x="2708212" y="4256961"/>
-            <a:ext cx="5392180" cy="2340391"/>
-            <a:chOff x="2013360" y="4221087"/>
-            <a:chExt cx="5392180" cy="2340391"/>
-          </a:xfrm>
-        </p:grpSpPr>
-        <p:pic>
-          <p:nvPicPr>
-            <p:cNvPr id="57346" name="Picture 2"/>
-            <p:cNvPicPr>
-              <a:picLocks noChangeAspect="1" noChangeArrowheads="1"/>
-            </p:cNvPicPr>
-            <p:nvPr/>
-          </p:nvPicPr>
-          <p:blipFill>
-            <a:blip r:embed="rId4" cstate="print">
-              <a:clrChange>
-                <a:clrFrom>
-                  <a:srgbClr val="FFFFFF"/>
-                </a:clrFrom>
-                <a:clrTo>
-                  <a:srgbClr val="FFFFFF">
-                    <a:alpha val="0"/>
-                  </a:srgbClr>
-                </a:clrTo>
-              </a:clrChange>
-            </a:blip>
-            <a:srcRect/>
-            <a:stretch>
-              <a:fillRect/>
-            </a:stretch>
-          </p:blipFill>
-          <p:spPr bwMode="auto">
-            <a:xfrm>
-              <a:off x="2013360" y="4221087"/>
-              <a:ext cx="3007512" cy="2340391"/>
-            </a:xfrm>
-            <a:prstGeom prst="rect">
-              <a:avLst/>
-            </a:prstGeom>
-            <a:noFill/>
-            <a:ln w="9525">
-              <a:noFill/>
-              <a:miter lim="800000"/>
-              <a:headEnd/>
-              <a:tailEnd/>
-            </a:ln>
-          </p:spPr>
-        </p:pic>
         <p:sp>
           <p:nvSpPr>
-            <p:cNvPr id="7" name="TextBox 20"/>
+            <p:cNvPr id="14" name="TextBox 20"/>
             <p:cNvSpPr txBox="1">
               <a:spLocks noChangeArrowheads="1"/>
             </p:cNvSpPr>
@@ -20554,8 +20879,8 @@
           </p:nvSpPr>
           <p:spPr bwMode="auto">
             <a:xfrm>
-              <a:off x="4476602" y="5013176"/>
-              <a:ext cx="2928938" cy="461665"/>
+              <a:off x="1000100" y="4214818"/>
+              <a:ext cx="2857500" cy="1200329"/>
             </a:xfrm>
             <a:prstGeom prst="rect">
               <a:avLst/>
@@ -20569,12 +20894,24 @@
             </a:ln>
           </p:spPr>
           <p:txBody>
-            <a:bodyPr>
+            <a:bodyPr wrap="square">
               <a:spAutoFit/>
             </a:bodyPr>
             <a:lstStyle/>
             <a:p>
               <a:pPr algn="ctr"/>
+              <a:r>
+                <a:rPr lang="es-AR" sz="2400" dirty="0" err="1" smtClean="0">
+                  <a:solidFill>
+                    <a:schemeClr val="tx2">
+                      <a:lumMod val="50000"/>
+                    </a:schemeClr>
+                  </a:solidFill>
+                  <a:latin typeface="Cambria" pitchFamily="18" charset="0"/>
+                  <a:cs typeface="Arial" charset="0"/>
+                </a:rPr>
+                <a:t>User</a:t>
+              </a:r>
               <a:r>
                 <a:rPr lang="es-AR" sz="2400" dirty="0" smtClean="0">
                   <a:solidFill>
@@ -20585,9 +20922,57 @@
                   <a:latin typeface="Cambria" pitchFamily="18" charset="0"/>
                   <a:cs typeface="Arial" charset="0"/>
                 </a:rPr>
-                <a:t>Entregables</a:t>
+                <a:t> </a:t>
               </a:r>
-              <a:endParaRPr lang="es-AR" sz="2400" dirty="0">
+              <a:r>
+                <a:rPr lang="es-AR" sz="2400" dirty="0" err="1" smtClean="0">
+                  <a:solidFill>
+                    <a:schemeClr val="tx2">
+                      <a:lumMod val="50000"/>
+                    </a:schemeClr>
+                  </a:solidFill>
+                  <a:latin typeface="Cambria" pitchFamily="18" charset="0"/>
+                  <a:cs typeface="Arial" charset="0"/>
+                </a:rPr>
+                <a:t>Stories</a:t>
+              </a:r>
+              <a:r>
+                <a:rPr lang="es-AR" sz="2400" dirty="0" smtClean="0">
+                  <a:solidFill>
+                    <a:schemeClr val="tx2">
+                      <a:lumMod val="50000"/>
+                    </a:schemeClr>
+                  </a:solidFill>
+                  <a:latin typeface="Cambria" pitchFamily="18" charset="0"/>
+                  <a:cs typeface="Arial" charset="0"/>
+                </a:rPr>
+                <a:t> indicados en los </a:t>
+              </a:r>
+              <a:r>
+                <a:rPr lang="es-AR" sz="2400" dirty="0" err="1" smtClean="0">
+                  <a:solidFill>
+                    <a:schemeClr val="tx2">
+                      <a:lumMod val="50000"/>
+                    </a:schemeClr>
+                  </a:solidFill>
+                  <a:latin typeface="Cambria" pitchFamily="18" charset="0"/>
+                  <a:cs typeface="Arial" charset="0"/>
+                </a:rPr>
+                <a:t>commits</a:t>
+              </a:r>
+              <a:r>
+                <a:rPr lang="es-AR" sz="2400" dirty="0" smtClean="0">
+                  <a:solidFill>
+                    <a:schemeClr val="tx2">
+                      <a:lumMod val="50000"/>
+                    </a:schemeClr>
+                  </a:solidFill>
+                  <a:latin typeface="Cambria" pitchFamily="18" charset="0"/>
+                  <a:cs typeface="Arial" charset="0"/>
+                </a:rPr>
+                <a:t> </a:t>
+              </a:r>
+              <a:endParaRPr lang="es-AR" sz="2400" dirty="0" smtClean="0">
                 <a:solidFill>
                   <a:schemeClr val="tx2">
                     <a:lumMod val="50000"/>
@@ -20629,7 +21014,7 @@
                             </p:stCondLst>
                             <p:childTnLst>
                               <p:par>
-                                <p:cTn id="5" presetID="17" presetClass="entr" presetSubtype="10" fill="hold" nodeType="withEffect">
+                                <p:cTn id="5" presetID="17" presetClass="entr" presetSubtype="10" fill="hold" nodeType="afterEffect">
                                   <p:stCondLst>
                                     <p:cond delay="0"/>
                                   </p:stCondLst>
@@ -20642,7 +21027,7 @@
                                           </p:stCondLst>
                                         </p:cTn>
                                         <p:tgtEl>
-                                          <p:spTgt spid="8"/>
+                                          <p:spTgt spid="10"/>
                                         </p:tgtEl>
                                         <p:attrNameLst>
                                           <p:attrName>style.visibility</p:attrName>
@@ -20656,7 +21041,7 @@
                                       <p:cBhvr>
                                         <p:cTn id="7" dur="500" fill="hold"/>
                                         <p:tgtEl>
-                                          <p:spTgt spid="8"/>
+                                          <p:spTgt spid="10"/>
                                         </p:tgtEl>
                                         <p:attrNameLst>
                                           <p:attrName>ppt_w</p:attrName>
@@ -20679,89 +21064,7 @@
                                       <p:cBhvr>
                                         <p:cTn id="8" dur="500" fill="hold"/>
                                         <p:tgtEl>
-                                          <p:spTgt spid="8"/>
-                                        </p:tgtEl>
-                                        <p:attrNameLst>
-                                          <p:attrName>ppt_h</p:attrName>
-                                        </p:attrNameLst>
-                                      </p:cBhvr>
-                                      <p:tavLst>
-                                        <p:tav tm="0">
-                                          <p:val>
-                                            <p:strVal val="#ppt_h"/>
-                                          </p:val>
-                                        </p:tav>
-                                        <p:tav tm="100000">
-                                          <p:val>
-                                            <p:strVal val="#ppt_h"/>
-                                          </p:val>
-                                        </p:tav>
-                                      </p:tavLst>
-                                    </p:anim>
-                                  </p:childTnLst>
-                                </p:cTn>
-                              </p:par>
-                            </p:childTnLst>
-                          </p:cTn>
-                        </p:par>
-                        <p:par>
-                          <p:cTn id="9" fill="hold">
-                            <p:stCondLst>
-                              <p:cond delay="500"/>
-                            </p:stCondLst>
-                            <p:childTnLst>
-                              <p:par>
-                                <p:cTn id="10" presetID="17" presetClass="entr" presetSubtype="10" fill="hold" nodeType="afterEffect">
-                                  <p:stCondLst>
-                                    <p:cond delay="0"/>
-                                  </p:stCondLst>
-                                  <p:childTnLst>
-                                    <p:set>
-                                      <p:cBhvr>
-                                        <p:cTn id="11" dur="1" fill="hold">
-                                          <p:stCondLst>
-                                            <p:cond delay="0"/>
-                                          </p:stCondLst>
-                                        </p:cTn>
-                                        <p:tgtEl>
-                                          <p:spTgt spid="9"/>
-                                        </p:tgtEl>
-                                        <p:attrNameLst>
-                                          <p:attrName>style.visibility</p:attrName>
-                                        </p:attrNameLst>
-                                      </p:cBhvr>
-                                      <p:to>
-                                        <p:strVal val="visible"/>
-                                      </p:to>
-                                    </p:set>
-                                    <p:anim calcmode="lin" valueType="num">
-                                      <p:cBhvr>
-                                        <p:cTn id="12" dur="500" fill="hold"/>
-                                        <p:tgtEl>
-                                          <p:spTgt spid="9"/>
-                                        </p:tgtEl>
-                                        <p:attrNameLst>
-                                          <p:attrName>ppt_w</p:attrName>
-                                        </p:attrNameLst>
-                                      </p:cBhvr>
-                                      <p:tavLst>
-                                        <p:tav tm="0">
-                                          <p:val>
-                                            <p:fltVal val="0"/>
-                                          </p:val>
-                                        </p:tav>
-                                        <p:tav tm="100000">
-                                          <p:val>
-                                            <p:strVal val="#ppt_w"/>
-                                          </p:val>
-                                        </p:tav>
-                                      </p:tavLst>
-                                    </p:anim>
-                                    <p:anim calcmode="lin" valueType="num">
-                                      <p:cBhvr>
-                                        <p:cTn id="13" dur="500" fill="hold"/>
-                                        <p:tgtEl>
-                                          <p:spTgt spid="9"/>
+                                          <p:spTgt spid="10"/>
                                         </p:tgtEl>
                                         <p:attrNameLst>
                                           <p:attrName>ppt_h</p:attrName>
@@ -21424,19 +21727,7 @@
                 <a:latin typeface="Cambria" pitchFamily="18" charset="0"/>
                 <a:cs typeface="Arial" charset="0"/>
               </a:rPr>
-              <a:t> Buscar </a:t>
-            </a:r>
-            <a:r>
-              <a:rPr lang="es-AR" sz="2400" dirty="0" smtClean="0">
-                <a:solidFill>
-                  <a:schemeClr val="tx2">
-                    <a:lumMod val="50000"/>
-                  </a:schemeClr>
-                </a:solidFill>
-                <a:latin typeface="Cambria" pitchFamily="18" charset="0"/>
-                <a:cs typeface="Arial" charset="0"/>
-              </a:rPr>
-              <a:t>una comunicación fluida con el cliente</a:t>
+              <a:t> Buscar una comunicación fluida con el cliente</a:t>
             </a:r>
           </a:p>
           <a:p>
@@ -21457,19 +21748,7 @@
                 <a:latin typeface="Cambria" pitchFamily="18" charset="0"/>
                 <a:cs typeface="Arial" charset="0"/>
               </a:rPr>
-              <a:t> Asegurar </a:t>
-            </a:r>
-            <a:r>
-              <a:rPr lang="es-AR" sz="2400" dirty="0" smtClean="0">
-                <a:solidFill>
-                  <a:schemeClr val="tx2">
-                    <a:lumMod val="50000"/>
-                  </a:schemeClr>
-                </a:solidFill>
-                <a:latin typeface="Cambria" pitchFamily="18" charset="0"/>
-                <a:cs typeface="Arial" charset="0"/>
-              </a:rPr>
-              <a:t>que los requisitos son precisos</a:t>
+              <a:t> Asegurar que los requisitos son precisos</a:t>
             </a:r>
           </a:p>
           <a:p>
@@ -21490,19 +21769,7 @@
                 <a:latin typeface="Cambria" pitchFamily="18" charset="0"/>
                 <a:cs typeface="Arial" charset="0"/>
               </a:rPr>
-              <a:t> Buscar </a:t>
-            </a:r>
-            <a:r>
-              <a:rPr lang="es-AR" sz="2400" dirty="0" smtClean="0">
-                <a:solidFill>
-                  <a:schemeClr val="tx2">
-                    <a:lumMod val="50000"/>
-                  </a:schemeClr>
-                </a:solidFill>
-                <a:latin typeface="Cambria" pitchFamily="18" charset="0"/>
-                <a:cs typeface="Arial" charset="0"/>
-              </a:rPr>
-              <a:t>verificación del alcance por parte del cliente</a:t>
+              <a:t> Buscar verificación del alcance por parte del cliente</a:t>
             </a:r>
           </a:p>
           <a:p>
@@ -21523,19 +21790,7 @@
                 <a:latin typeface="Cambria" pitchFamily="18" charset="0"/>
                 <a:cs typeface="Arial" charset="0"/>
               </a:rPr>
-              <a:t> Avisar </a:t>
-            </a:r>
-            <a:r>
-              <a:rPr lang="es-AR" sz="2400" dirty="0" smtClean="0">
-                <a:solidFill>
-                  <a:schemeClr val="tx2">
-                    <a:lumMod val="50000"/>
-                  </a:schemeClr>
-                </a:solidFill>
-                <a:latin typeface="Cambria" pitchFamily="18" charset="0"/>
-                <a:cs typeface="Arial" charset="0"/>
-              </a:rPr>
-              <a:t>con anticipación al no finalizar algo en un sprint</a:t>
+              <a:t> Avisar con anticipación al no finalizar algo en un sprint</a:t>
             </a:r>
           </a:p>
           <a:p>
@@ -21556,29 +21811,8 @@
                 <a:latin typeface="Cambria" pitchFamily="18" charset="0"/>
                 <a:cs typeface="Arial" charset="0"/>
               </a:rPr>
-              <a:t> Importancia </a:t>
+              <a:t> Importancia de mantener una trazabilidad</a:t>
             </a:r>
-            <a:r>
-              <a:rPr lang="es-AR" sz="2400" dirty="0" smtClean="0">
-                <a:solidFill>
-                  <a:schemeClr val="tx2">
-                    <a:lumMod val="50000"/>
-                  </a:schemeClr>
-                </a:solidFill>
-                <a:latin typeface="Cambria" pitchFamily="18" charset="0"/>
-                <a:cs typeface="Arial" charset="0"/>
-              </a:rPr>
-              <a:t>de mantener una trazabilidad</a:t>
-            </a:r>
-            <a:endParaRPr lang="es-AR" sz="2400" dirty="0" smtClean="0">
-              <a:solidFill>
-                <a:schemeClr val="tx2">
-                  <a:lumMod val="50000"/>
-                </a:schemeClr>
-              </a:solidFill>
-              <a:latin typeface="Cambria" pitchFamily="18" charset="0"/>
-              <a:cs typeface="Arial" charset="0"/>
-            </a:endParaRPr>
           </a:p>
         </p:txBody>
       </p:sp>

--- a/presentations/presentacionFinal.pptx
+++ b/presentations/presentacionFinal.pptx
@@ -3290,7 +3290,7 @@
   <dgm:whole/>
   <dgm:extLst>
     <a:ext uri="http://schemas.microsoft.com/office/drawing/2008/diagram">
-      <dsp:dataModelExt xmlns:dsp="http://schemas.microsoft.com/office/drawing/2008/diagram" xmlns="" relId="rId7" minVer="http://schemas.openxmlformats.org/drawingml/2006/diagram"/>
+      <dsp:dataModelExt xmlns="" xmlns:dsp="http://schemas.microsoft.com/office/drawing/2008/diagram" relId="rId7" minVer="http://schemas.openxmlformats.org/drawingml/2006/diagram"/>
     </a:ext>
   </dgm:extLst>
 </dgm:dataModel>
@@ -3592,7 +3592,7 @@
   <dgm:whole/>
   <dgm:extLst>
     <a:ext uri="http://schemas.microsoft.com/office/drawing/2008/diagram">
-      <dsp:dataModelExt xmlns:dsp="http://schemas.microsoft.com/office/drawing/2008/diagram" xmlns="" relId="rId7" minVer="http://schemas.openxmlformats.org/drawingml/2006/diagram"/>
+      <dsp:dataModelExt xmlns="" xmlns:dsp="http://schemas.microsoft.com/office/drawing/2008/diagram" relId="rId7" minVer="http://schemas.openxmlformats.org/drawingml/2006/diagram"/>
     </a:ext>
   </dgm:extLst>
 </dgm:dataModel>
@@ -3811,7 +3811,7 @@
   <dgm:whole/>
   <dgm:extLst>
     <a:ext uri="http://schemas.microsoft.com/office/drawing/2008/diagram">
-      <dsp:dataModelExt xmlns:dsp="http://schemas.microsoft.com/office/drawing/2008/diagram" xmlns="" relId="rId7" minVer="http://schemas.openxmlformats.org/drawingml/2006/diagram"/>
+      <dsp:dataModelExt xmlns="" xmlns:dsp="http://schemas.microsoft.com/office/drawing/2008/diagram" relId="rId7" minVer="http://schemas.openxmlformats.org/drawingml/2006/diagram"/>
     </a:ext>
   </dgm:extLst>
 </dgm:dataModel>
@@ -11741,11 +11741,7 @@
             <a:pPr eaLnBrk="1" hangingPunct="1"/>
             <a:r>
               <a:rPr lang="es-AR" b="1" dirty="0" smtClean="0"/>
-              <a:t>Speaker</a:t>
-            </a:r>
-            <a:r>
-              <a:rPr lang="es-AR" b="1" dirty="0" smtClean="0"/>
-              <a:t>:</a:t>
+              <a:t>Speaker:</a:t>
             </a:r>
           </a:p>
           <a:p>
@@ -20715,19 +20711,7 @@
                     <a:latin typeface="Cambria" pitchFamily="18" charset="0"/>
                     <a:cs typeface="Arial" charset="0"/>
                   </a:rPr>
-                  <a:t> </a:t>
-                </a:r>
-                <a:r>
-                  <a:rPr lang="es-AR" sz="2400" dirty="0" smtClean="0">
-                    <a:solidFill>
-                      <a:schemeClr val="tx2">
-                        <a:lumMod val="50000"/>
-                      </a:schemeClr>
-                    </a:solidFill>
-                    <a:latin typeface="Cambria" pitchFamily="18" charset="0"/>
-                    <a:cs typeface="Arial" charset="0"/>
-                  </a:rPr>
-                  <a:t> y</a:t>
+                  <a:t>  y</a:t>
                 </a:r>
               </a:p>
               <a:p>
@@ -20837,19 +20821,7 @@
                   <a:latin typeface="Cambria" pitchFamily="18" charset="0"/>
                   <a:cs typeface="Arial" charset="0"/>
                 </a:rPr>
-                <a:t> </a:t>
-              </a:r>
-              <a:r>
-                <a:rPr lang="es-AR" sz="2400" dirty="0" smtClean="0">
-                  <a:solidFill>
-                    <a:schemeClr val="tx2">
-                      <a:lumMod val="50000"/>
-                    </a:schemeClr>
-                  </a:solidFill>
-                  <a:latin typeface="Cambria" pitchFamily="18" charset="0"/>
-                  <a:cs typeface="Arial" charset="0"/>
-                </a:rPr>
-                <a:t> y</a:t>
+                <a:t>  y</a:t>
               </a:r>
             </a:p>
             <a:p>
@@ -20972,15 +20944,6 @@
                 </a:rPr>
                 <a:t> </a:t>
               </a:r>
-              <a:endParaRPr lang="es-AR" sz="2400" dirty="0" smtClean="0">
-                <a:solidFill>
-                  <a:schemeClr val="tx2">
-                    <a:lumMod val="50000"/>
-                  </a:schemeClr>
-                </a:solidFill>
-                <a:latin typeface="Cambria" pitchFamily="18" charset="0"/>
-                <a:cs typeface="Arial" charset="0"/>
-              </a:endParaRPr>
             </a:p>
           </p:txBody>
         </p:sp>
@@ -21154,8 +21117,17 @@
               <a:rPr lang="es-AR" dirty="0" smtClean="0">
                 <a:latin typeface="Copperplate Gothic Bold" pitchFamily="34" charset="0"/>
               </a:rPr>
-              <a:t>Lecciones Aprendidas</a:t>
+              <a:t>Lecciones </a:t>
             </a:r>
+            <a:r>
+              <a:rPr lang="es-AR" dirty="0" smtClean="0">
+                <a:latin typeface="Copperplate Gothic Bold" pitchFamily="34" charset="0"/>
+              </a:rPr>
+              <a:t>Aprendidas (1)</a:t>
+            </a:r>
+            <a:endParaRPr lang="es-AR" dirty="0" smtClean="0">
+              <a:latin typeface="Copperplate Gothic Bold" pitchFamily="34" charset="0"/>
+            </a:endParaRPr>
           </a:p>
         </p:txBody>
       </p:sp>
@@ -21359,8 +21331,23 @@
               <a:rPr lang="es-AR" dirty="0" smtClean="0">
                 <a:latin typeface="Copperplate Gothic Bold" pitchFamily="34" charset="0"/>
               </a:rPr>
-              <a:t>Lecciones Aprendidas</a:t>
+              <a:t>Lecciones </a:t>
             </a:r>
+            <a:r>
+              <a:rPr lang="es-AR" dirty="0" smtClean="0">
+                <a:latin typeface="Copperplate Gothic Bold" pitchFamily="34" charset="0"/>
+              </a:rPr>
+              <a:t>Aprendidas </a:t>
+            </a:r>
+            <a:r>
+              <a:rPr lang="es-AR" dirty="0" smtClean="0">
+                <a:latin typeface="Copperplate Gothic Bold" pitchFamily="34" charset="0"/>
+              </a:rPr>
+              <a:t>(2)</a:t>
+            </a:r>
+            <a:endParaRPr lang="es-AR" dirty="0" smtClean="0">
+              <a:latin typeface="Copperplate Gothic Bold" pitchFamily="34" charset="0"/>
+            </a:endParaRPr>
           </a:p>
         </p:txBody>
       </p:sp>
@@ -21675,8 +21662,23 @@
               <a:rPr lang="es-AR" dirty="0" smtClean="0">
                 <a:latin typeface="Copperplate Gothic Bold" pitchFamily="34" charset="0"/>
               </a:rPr>
-              <a:t>Lecciones Aprendidas</a:t>
+              <a:t>Lecciones </a:t>
             </a:r>
+            <a:r>
+              <a:rPr lang="es-AR" dirty="0" smtClean="0">
+                <a:latin typeface="Copperplate Gothic Bold" pitchFamily="34" charset="0"/>
+              </a:rPr>
+              <a:t>Aprendidas </a:t>
+            </a:r>
+            <a:r>
+              <a:rPr lang="es-AR" dirty="0" smtClean="0">
+                <a:latin typeface="Copperplate Gothic Bold" pitchFamily="34" charset="0"/>
+              </a:rPr>
+              <a:t>(3)</a:t>
+            </a:r>
+            <a:endParaRPr lang="es-AR" dirty="0" smtClean="0">
+              <a:latin typeface="Copperplate Gothic Bold" pitchFamily="34" charset="0"/>
+            </a:endParaRPr>
           </a:p>
         </p:txBody>
       </p:sp>
@@ -21727,7 +21729,43 @@
                 <a:latin typeface="Cambria" pitchFamily="18" charset="0"/>
                 <a:cs typeface="Arial" charset="0"/>
               </a:rPr>
-              <a:t> Buscar una comunicación fluida con el cliente</a:t>
+              <a:t> </a:t>
+            </a:r>
+            <a:r>
+              <a:rPr lang="es-AR" sz="2400" dirty="0" smtClean="0">
+                <a:solidFill>
+                  <a:schemeClr val="tx2">
+                    <a:lumMod val="50000"/>
+                  </a:schemeClr>
+                </a:solidFill>
+                <a:latin typeface="Cambria" pitchFamily="18" charset="0"/>
+                <a:cs typeface="Arial" charset="0"/>
+              </a:rPr>
+              <a:t>C</a:t>
+            </a:r>
+            <a:r>
+              <a:rPr lang="es-AR" sz="2400" dirty="0" smtClean="0">
+                <a:solidFill>
+                  <a:schemeClr val="tx2">
+                    <a:lumMod val="50000"/>
+                  </a:schemeClr>
+                </a:solidFill>
+                <a:latin typeface="Cambria" pitchFamily="18" charset="0"/>
+                <a:cs typeface="Arial" charset="0"/>
+              </a:rPr>
+              <a:t>omunicación </a:t>
+            </a:r>
+            <a:r>
+              <a:rPr lang="es-AR" sz="2400" dirty="0" smtClean="0">
+                <a:solidFill>
+                  <a:schemeClr val="tx2">
+                    <a:lumMod val="50000"/>
+                  </a:schemeClr>
+                </a:solidFill>
+                <a:latin typeface="Cambria" pitchFamily="18" charset="0"/>
+                <a:cs typeface="Arial" charset="0"/>
+              </a:rPr>
+              <a:t>fluida con el cliente</a:t>
             </a:r>
           </a:p>
           <a:p>
@@ -21748,7 +21786,31 @@
                 <a:latin typeface="Cambria" pitchFamily="18" charset="0"/>
                 <a:cs typeface="Arial" charset="0"/>
               </a:rPr>
-              <a:t> Asegurar que los requisitos son precisos</a:t>
+              <a:t> Asegurar que los requisitos </a:t>
+            </a:r>
+            <a:r>
+              <a:rPr lang="es-AR" sz="2400" dirty="0" smtClean="0">
+                <a:solidFill>
+                  <a:schemeClr val="tx2">
+                    <a:lumMod val="50000"/>
+                  </a:schemeClr>
+                </a:solidFill>
+                <a:latin typeface="Cambria" pitchFamily="18" charset="0"/>
+                <a:cs typeface="Arial" charset="0"/>
+              </a:rPr>
+              <a:t>sean </a:t>
+            </a:r>
+            <a:r>
+              <a:rPr lang="es-AR" sz="2400" dirty="0" smtClean="0">
+                <a:solidFill>
+                  <a:schemeClr val="tx2">
+                    <a:lumMod val="50000"/>
+                  </a:schemeClr>
+                </a:solidFill>
+                <a:latin typeface="Cambria" pitchFamily="18" charset="0"/>
+                <a:cs typeface="Arial" charset="0"/>
+              </a:rPr>
+              <a:t>precisos</a:t>
             </a:r>
           </a:p>
           <a:p>
@@ -21769,7 +21831,43 @@
                 <a:latin typeface="Cambria" pitchFamily="18" charset="0"/>
                 <a:cs typeface="Arial" charset="0"/>
               </a:rPr>
-              <a:t> Buscar verificación del alcance por parte del cliente</a:t>
+              <a:t> </a:t>
+            </a:r>
+            <a:r>
+              <a:rPr lang="es-AR" sz="2400" dirty="0" smtClean="0">
+                <a:solidFill>
+                  <a:schemeClr val="tx2">
+                    <a:lumMod val="50000"/>
+                  </a:schemeClr>
+                </a:solidFill>
+                <a:latin typeface="Cambria" pitchFamily="18" charset="0"/>
+                <a:cs typeface="Arial" charset="0"/>
+              </a:rPr>
+              <a:t>V</a:t>
+            </a:r>
+            <a:r>
+              <a:rPr lang="es-AR" sz="2400" dirty="0" smtClean="0">
+                <a:solidFill>
+                  <a:schemeClr val="tx2">
+                    <a:lumMod val="50000"/>
+                  </a:schemeClr>
+                </a:solidFill>
+                <a:latin typeface="Cambria" pitchFamily="18" charset="0"/>
+                <a:cs typeface="Arial" charset="0"/>
+              </a:rPr>
+              <a:t>erificar el alcance con el </a:t>
+            </a:r>
+            <a:r>
+              <a:rPr lang="es-AR" sz="2400" dirty="0" smtClean="0">
+                <a:solidFill>
+                  <a:schemeClr val="tx2">
+                    <a:lumMod val="50000"/>
+                  </a:schemeClr>
+                </a:solidFill>
+                <a:latin typeface="Cambria" pitchFamily="18" charset="0"/>
+                <a:cs typeface="Arial" charset="0"/>
+              </a:rPr>
+              <a:t>cliente</a:t>
             </a:r>
           </a:p>
           <a:p>
@@ -21816,6 +21914,39 @@
           </a:p>
         </p:txBody>
       </p:sp>
+      <p:pic>
+        <p:nvPicPr>
+          <p:cNvPr id="1026" name="Picture 2"/>
+          <p:cNvPicPr>
+            <a:picLocks noChangeAspect="1" noChangeArrowheads="1"/>
+          </p:cNvPicPr>
+          <p:nvPr/>
+        </p:nvPicPr>
+        <p:blipFill>
+          <a:blip r:embed="rId3"/>
+          <a:srcRect/>
+          <a:stretch>
+            <a:fillRect/>
+          </a:stretch>
+        </p:blipFill>
+        <p:spPr bwMode="auto">
+          <a:xfrm>
+            <a:off x="6929454" y="1714488"/>
+            <a:ext cx="1995311" cy="1481135"/>
+          </a:xfrm>
+          <a:prstGeom prst="rect">
+            <a:avLst/>
+          </a:prstGeom>
+          <a:noFill/>
+          <a:ln w="9525">
+            <a:noFill/>
+            <a:miter lim="800000"/>
+            <a:headEnd/>
+            <a:tailEnd/>
+          </a:ln>
+          <a:effectLst/>
+        </p:spPr>
+      </p:pic>
     </p:spTree>
   </p:cSld>
   <p:clrMapOvr>

--- a/presentations/presentacionFinal.pptx
+++ b/presentations/presentacionFinal.pptx
@@ -1660,6 +1660,757 @@
 </file>
 
 <file path=ppt/diagrams/colors3.xml><?xml version="1.0" encoding="utf-8"?>
+<dgm:colorsDef xmlns:dgm="http://schemas.openxmlformats.org/drawingml/2006/diagram" xmlns:a="http://schemas.openxmlformats.org/drawingml/2006/main" uniqueId="urn:microsoft.com/office/officeart/2005/8/colors/accent0_3">
+  <dgm:title val=""/>
+  <dgm:desc val=""/>
+  <dgm:catLst>
+    <dgm:cat type="mainScheme" pri="10300"/>
+  </dgm:catLst>
+  <dgm:styleLbl name="node0">
+    <dgm:fillClrLst meth="repeat">
+      <a:schemeClr val="dk2"/>
+    </dgm:fillClrLst>
+    <dgm:linClrLst meth="repeat">
+      <a:schemeClr val="lt2"/>
+    </dgm:linClrLst>
+    <dgm:effectClrLst/>
+    <dgm:txLinClrLst/>
+    <dgm:txFillClrLst/>
+    <dgm:txEffectClrLst/>
+  </dgm:styleLbl>
+  <dgm:styleLbl name="alignNode1">
+    <dgm:fillClrLst meth="repeat">
+      <a:schemeClr val="dk2"/>
+    </dgm:fillClrLst>
+    <dgm:linClrLst meth="repeat">
+      <a:schemeClr val="dk2"/>
+    </dgm:linClrLst>
+    <dgm:effectClrLst/>
+    <dgm:txLinClrLst/>
+    <dgm:txFillClrLst/>
+    <dgm:txEffectClrLst/>
+  </dgm:styleLbl>
+  <dgm:styleLbl name="node1">
+    <dgm:fillClrLst meth="repeat">
+      <a:schemeClr val="dk2"/>
+    </dgm:fillClrLst>
+    <dgm:linClrLst meth="repeat">
+      <a:schemeClr val="lt2"/>
+    </dgm:linClrLst>
+    <dgm:effectClrLst/>
+    <dgm:txLinClrLst/>
+    <dgm:txFillClrLst/>
+    <dgm:txEffectClrLst/>
+  </dgm:styleLbl>
+  <dgm:styleLbl name="lnNode1">
+    <dgm:fillClrLst meth="repeat">
+      <a:schemeClr val="dk2"/>
+    </dgm:fillClrLst>
+    <dgm:linClrLst meth="repeat">
+      <a:schemeClr val="lt2"/>
+    </dgm:linClrLst>
+    <dgm:effectClrLst/>
+    <dgm:txLinClrLst/>
+    <dgm:txFillClrLst/>
+    <dgm:txEffectClrLst/>
+  </dgm:styleLbl>
+  <dgm:styleLbl name="vennNode1">
+    <dgm:fillClrLst meth="repeat">
+      <a:schemeClr val="dk2">
+        <a:alpha val="50000"/>
+      </a:schemeClr>
+    </dgm:fillClrLst>
+    <dgm:linClrLst meth="repeat">
+      <a:schemeClr val="lt2"/>
+    </dgm:linClrLst>
+    <dgm:effectClrLst/>
+    <dgm:txLinClrLst/>
+    <dgm:txFillClrLst/>
+    <dgm:txEffectClrLst/>
+  </dgm:styleLbl>
+  <dgm:styleLbl name="node2">
+    <dgm:fillClrLst meth="repeat">
+      <a:schemeClr val="dk2"/>
+    </dgm:fillClrLst>
+    <dgm:linClrLst meth="repeat">
+      <a:schemeClr val="lt2"/>
+    </dgm:linClrLst>
+    <dgm:effectClrLst/>
+    <dgm:txLinClrLst/>
+    <dgm:txFillClrLst/>
+    <dgm:txEffectClrLst/>
+  </dgm:styleLbl>
+  <dgm:styleLbl name="node3">
+    <dgm:fillClrLst meth="repeat">
+      <a:schemeClr val="dk2"/>
+    </dgm:fillClrLst>
+    <dgm:linClrLst meth="repeat">
+      <a:schemeClr val="lt2"/>
+    </dgm:linClrLst>
+    <dgm:effectClrLst/>
+    <dgm:txLinClrLst/>
+    <dgm:txFillClrLst/>
+    <dgm:txEffectClrLst/>
+  </dgm:styleLbl>
+  <dgm:styleLbl name="node4">
+    <dgm:fillClrLst meth="repeat">
+      <a:schemeClr val="dk2"/>
+    </dgm:fillClrLst>
+    <dgm:linClrLst meth="repeat">
+      <a:schemeClr val="lt2"/>
+    </dgm:linClrLst>
+    <dgm:effectClrLst/>
+    <dgm:txLinClrLst/>
+    <dgm:txFillClrLst/>
+    <dgm:txEffectClrLst/>
+  </dgm:styleLbl>
+  <dgm:styleLbl name="fgImgPlace1">
+    <dgm:fillClrLst meth="repeat">
+      <a:schemeClr val="dk2">
+        <a:tint val="50000"/>
+      </a:schemeClr>
+    </dgm:fillClrLst>
+    <dgm:linClrLst meth="repeat">
+      <a:schemeClr val="lt2"/>
+    </dgm:linClrLst>
+    <dgm:effectClrLst/>
+    <dgm:txLinClrLst/>
+    <dgm:txFillClrLst meth="repeat">
+      <a:schemeClr val="lt2"/>
+    </dgm:txFillClrLst>
+    <dgm:txEffectClrLst/>
+  </dgm:styleLbl>
+  <dgm:styleLbl name="alignImgPlace1">
+    <dgm:fillClrLst meth="repeat">
+      <a:schemeClr val="dk2">
+        <a:tint val="50000"/>
+      </a:schemeClr>
+    </dgm:fillClrLst>
+    <dgm:linClrLst meth="repeat">
+      <a:schemeClr val="dk2">
+        <a:shade val="80000"/>
+      </a:schemeClr>
+    </dgm:linClrLst>
+    <dgm:effectClrLst/>
+    <dgm:txLinClrLst/>
+    <dgm:txFillClrLst meth="repeat">
+      <a:schemeClr val="lt2"/>
+    </dgm:txFillClrLst>
+    <dgm:txEffectClrLst/>
+  </dgm:styleLbl>
+  <dgm:styleLbl name="bgImgPlace1">
+    <dgm:fillClrLst meth="repeat">
+      <a:schemeClr val="dk2">
+        <a:tint val="50000"/>
+      </a:schemeClr>
+    </dgm:fillClrLst>
+    <dgm:linClrLst meth="repeat">
+      <a:schemeClr val="dk2">
+        <a:shade val="80000"/>
+      </a:schemeClr>
+    </dgm:linClrLst>
+    <dgm:effectClrLst/>
+    <dgm:txLinClrLst/>
+    <dgm:txFillClrLst meth="repeat">
+      <a:schemeClr val="lt2"/>
+    </dgm:txFillClrLst>
+    <dgm:txEffectClrLst/>
+  </dgm:styleLbl>
+  <dgm:styleLbl name="sibTrans2D1">
+    <dgm:fillClrLst meth="repeat">
+      <a:schemeClr val="dk2">
+        <a:tint val="60000"/>
+      </a:schemeClr>
+    </dgm:fillClrLst>
+    <dgm:linClrLst meth="repeat">
+      <a:schemeClr val="dk2">
+        <a:tint val="60000"/>
+      </a:schemeClr>
+    </dgm:linClrLst>
+    <dgm:effectClrLst/>
+    <dgm:txLinClrLst/>
+    <dgm:txFillClrLst/>
+    <dgm:txEffectClrLst/>
+  </dgm:styleLbl>
+  <dgm:styleLbl name="fgSibTrans2D1">
+    <dgm:fillClrLst meth="repeat">
+      <a:schemeClr val="dk2">
+        <a:tint val="60000"/>
+      </a:schemeClr>
+    </dgm:fillClrLst>
+    <dgm:linClrLst meth="repeat">
+      <a:schemeClr val="dk2">
+        <a:tint val="60000"/>
+      </a:schemeClr>
+    </dgm:linClrLst>
+    <dgm:effectClrLst/>
+    <dgm:txLinClrLst/>
+    <dgm:txFillClrLst/>
+    <dgm:txEffectClrLst/>
+  </dgm:styleLbl>
+  <dgm:styleLbl name="bgSibTrans2D1">
+    <dgm:fillClrLst meth="repeat">
+      <a:schemeClr val="dk2">
+        <a:tint val="60000"/>
+      </a:schemeClr>
+    </dgm:fillClrLst>
+    <dgm:linClrLst meth="repeat">
+      <a:schemeClr val="dk2">
+        <a:tint val="60000"/>
+      </a:schemeClr>
+    </dgm:linClrLst>
+    <dgm:effectClrLst/>
+    <dgm:txLinClrLst/>
+    <dgm:txFillClrLst/>
+    <dgm:txEffectClrLst/>
+  </dgm:styleLbl>
+  <dgm:styleLbl name="sibTrans1D1">
+    <dgm:fillClrLst meth="repeat">
+      <a:schemeClr val="dk2"/>
+    </dgm:fillClrLst>
+    <dgm:linClrLst meth="repeat">
+      <a:schemeClr val="dk2"/>
+    </dgm:linClrLst>
+    <dgm:effectClrLst/>
+    <dgm:txLinClrLst/>
+    <dgm:txFillClrLst meth="repeat">
+      <a:schemeClr val="lt2"/>
+    </dgm:txFillClrLst>
+    <dgm:txEffectClrLst/>
+  </dgm:styleLbl>
+  <dgm:styleLbl name="callout">
+    <dgm:fillClrLst meth="repeat">
+      <a:schemeClr val="dk2"/>
+    </dgm:fillClrLst>
+    <dgm:linClrLst meth="repeat">
+      <a:schemeClr val="dk2">
+        <a:tint val="50000"/>
+      </a:schemeClr>
+    </dgm:linClrLst>
+    <dgm:effectClrLst/>
+    <dgm:txLinClrLst/>
+    <dgm:txFillClrLst meth="repeat">
+      <a:schemeClr val="lt2"/>
+    </dgm:txFillClrLst>
+    <dgm:txEffectClrLst/>
+  </dgm:styleLbl>
+  <dgm:styleLbl name="asst0">
+    <dgm:fillClrLst meth="repeat">
+      <a:schemeClr val="dk2"/>
+    </dgm:fillClrLst>
+    <dgm:linClrLst meth="repeat">
+      <a:schemeClr val="lt2"/>
+    </dgm:linClrLst>
+    <dgm:effectClrLst/>
+    <dgm:txLinClrLst/>
+    <dgm:txFillClrLst/>
+    <dgm:txEffectClrLst/>
+  </dgm:styleLbl>
+  <dgm:styleLbl name="asst1">
+    <dgm:fillClrLst meth="repeat">
+      <a:schemeClr val="dk2"/>
+    </dgm:fillClrLst>
+    <dgm:linClrLst meth="repeat">
+      <a:schemeClr val="lt2"/>
+    </dgm:linClrLst>
+    <dgm:effectClrLst/>
+    <dgm:txLinClrLst/>
+    <dgm:txFillClrLst/>
+    <dgm:txEffectClrLst/>
+  </dgm:styleLbl>
+  <dgm:styleLbl name="asst2">
+    <dgm:fillClrLst meth="repeat">
+      <a:schemeClr val="dk2"/>
+    </dgm:fillClrLst>
+    <dgm:linClrLst meth="repeat">
+      <a:schemeClr val="lt2"/>
+    </dgm:linClrLst>
+    <dgm:effectClrLst/>
+    <dgm:txLinClrLst/>
+    <dgm:txFillClrLst/>
+    <dgm:txEffectClrLst/>
+  </dgm:styleLbl>
+  <dgm:styleLbl name="asst3">
+    <dgm:fillClrLst meth="repeat">
+      <a:schemeClr val="dk2"/>
+    </dgm:fillClrLst>
+    <dgm:linClrLst meth="repeat">
+      <a:schemeClr val="lt2"/>
+    </dgm:linClrLst>
+    <dgm:effectClrLst/>
+    <dgm:txLinClrLst/>
+    <dgm:txFillClrLst/>
+    <dgm:txEffectClrLst/>
+  </dgm:styleLbl>
+  <dgm:styleLbl name="asst4">
+    <dgm:fillClrLst meth="repeat">
+      <a:schemeClr val="dk2"/>
+    </dgm:fillClrLst>
+    <dgm:linClrLst meth="repeat">
+      <a:schemeClr val="lt2"/>
+    </dgm:linClrLst>
+    <dgm:effectClrLst/>
+    <dgm:txLinClrLst/>
+    <dgm:txFillClrLst/>
+    <dgm:txEffectClrLst/>
+  </dgm:styleLbl>
+  <dgm:styleLbl name="parChTrans2D1">
+    <dgm:fillClrLst meth="repeat">
+      <a:schemeClr val="dk2">
+        <a:tint val="60000"/>
+      </a:schemeClr>
+    </dgm:fillClrLst>
+    <dgm:linClrLst meth="repeat">
+      <a:schemeClr val="dk2">
+        <a:tint val="60000"/>
+      </a:schemeClr>
+    </dgm:linClrLst>
+    <dgm:effectClrLst/>
+    <dgm:txLinClrLst/>
+    <dgm:txFillClrLst meth="repeat">
+      <a:schemeClr val="lt2"/>
+    </dgm:txFillClrLst>
+    <dgm:txEffectClrLst/>
+  </dgm:styleLbl>
+  <dgm:styleLbl name="parChTrans2D2">
+    <dgm:fillClrLst meth="repeat">
+      <a:schemeClr val="dk2"/>
+    </dgm:fillClrLst>
+    <dgm:linClrLst meth="repeat">
+      <a:schemeClr val="dk2"/>
+    </dgm:linClrLst>
+    <dgm:effectClrLst/>
+    <dgm:txLinClrLst/>
+    <dgm:txFillClrLst meth="repeat">
+      <a:schemeClr val="lt2"/>
+    </dgm:txFillClrLst>
+    <dgm:txEffectClrLst/>
+  </dgm:styleLbl>
+  <dgm:styleLbl name="parChTrans2D3">
+    <dgm:fillClrLst meth="repeat">
+      <a:schemeClr val="dk2"/>
+    </dgm:fillClrLst>
+    <dgm:linClrLst meth="repeat">
+      <a:schemeClr val="dk2"/>
+    </dgm:linClrLst>
+    <dgm:effectClrLst/>
+    <dgm:txLinClrLst/>
+    <dgm:txFillClrLst meth="repeat">
+      <a:schemeClr val="lt2"/>
+    </dgm:txFillClrLst>
+    <dgm:txEffectClrLst/>
+  </dgm:styleLbl>
+  <dgm:styleLbl name="parChTrans2D4">
+    <dgm:fillClrLst meth="repeat">
+      <a:schemeClr val="dk2"/>
+    </dgm:fillClrLst>
+    <dgm:linClrLst meth="repeat">
+      <a:schemeClr val="dk2"/>
+    </dgm:linClrLst>
+    <dgm:effectClrLst/>
+    <dgm:txLinClrLst/>
+    <dgm:txFillClrLst meth="repeat">
+      <a:schemeClr val="lt2"/>
+    </dgm:txFillClrLst>
+    <dgm:txEffectClrLst/>
+  </dgm:styleLbl>
+  <dgm:styleLbl name="parChTrans1D1">
+    <dgm:fillClrLst meth="repeat">
+      <a:schemeClr val="dk2"/>
+    </dgm:fillClrLst>
+    <dgm:linClrLst meth="repeat">
+      <a:schemeClr val="dk2">
+        <a:shade val="60000"/>
+      </a:schemeClr>
+    </dgm:linClrLst>
+    <dgm:effectClrLst/>
+    <dgm:txLinClrLst/>
+    <dgm:txFillClrLst meth="repeat">
+      <a:schemeClr val="tx1"/>
+    </dgm:txFillClrLst>
+    <dgm:txEffectClrLst/>
+  </dgm:styleLbl>
+  <dgm:styleLbl name="parChTrans1D2">
+    <dgm:fillClrLst meth="repeat">
+      <a:schemeClr val="dk2"/>
+    </dgm:fillClrLst>
+    <dgm:linClrLst meth="repeat">
+      <a:schemeClr val="dk2">
+        <a:shade val="60000"/>
+      </a:schemeClr>
+    </dgm:linClrLst>
+    <dgm:effectClrLst/>
+    <dgm:txLinClrLst/>
+    <dgm:txFillClrLst meth="repeat">
+      <a:schemeClr val="tx1"/>
+    </dgm:txFillClrLst>
+    <dgm:txEffectClrLst/>
+  </dgm:styleLbl>
+  <dgm:styleLbl name="parChTrans1D3">
+    <dgm:fillClrLst meth="repeat">
+      <a:schemeClr val="dk2"/>
+    </dgm:fillClrLst>
+    <dgm:linClrLst meth="repeat">
+      <a:schemeClr val="dk2">
+        <a:shade val="80000"/>
+      </a:schemeClr>
+    </dgm:linClrLst>
+    <dgm:effectClrLst/>
+    <dgm:txLinClrLst/>
+    <dgm:txFillClrLst meth="repeat">
+      <a:schemeClr val="tx1"/>
+    </dgm:txFillClrLst>
+    <dgm:txEffectClrLst/>
+  </dgm:styleLbl>
+  <dgm:styleLbl name="parChTrans1D4">
+    <dgm:fillClrLst meth="repeat">
+      <a:schemeClr val="dk2"/>
+    </dgm:fillClrLst>
+    <dgm:linClrLst meth="repeat">
+      <a:schemeClr val="dk2">
+        <a:shade val="80000"/>
+      </a:schemeClr>
+    </dgm:linClrLst>
+    <dgm:effectClrLst/>
+    <dgm:txLinClrLst/>
+    <dgm:txFillClrLst meth="repeat">
+      <a:schemeClr val="tx1"/>
+    </dgm:txFillClrLst>
+    <dgm:txEffectClrLst/>
+  </dgm:styleLbl>
+  <dgm:styleLbl name="fgAcc1">
+    <dgm:fillClrLst meth="repeat">
+      <a:schemeClr val="lt2">
+        <a:alpha val="90000"/>
+      </a:schemeClr>
+    </dgm:fillClrLst>
+    <dgm:linClrLst meth="repeat">
+      <a:schemeClr val="dk2"/>
+    </dgm:linClrLst>
+    <dgm:effectClrLst/>
+    <dgm:txLinClrLst/>
+    <dgm:txFillClrLst meth="repeat">
+      <a:schemeClr val="dk1"/>
+    </dgm:txFillClrLst>
+    <dgm:txEffectClrLst/>
+  </dgm:styleLbl>
+  <dgm:styleLbl name="conFgAcc1">
+    <dgm:fillClrLst meth="repeat">
+      <a:schemeClr val="lt2">
+        <a:alpha val="90000"/>
+      </a:schemeClr>
+    </dgm:fillClrLst>
+    <dgm:linClrLst meth="repeat">
+      <a:schemeClr val="dk2"/>
+    </dgm:linClrLst>
+    <dgm:effectClrLst/>
+    <dgm:txLinClrLst/>
+    <dgm:txFillClrLst meth="repeat">
+      <a:schemeClr val="dk1"/>
+    </dgm:txFillClrLst>
+    <dgm:txEffectClrLst/>
+  </dgm:styleLbl>
+  <dgm:styleLbl name="alignAcc1">
+    <dgm:fillClrLst meth="repeat">
+      <a:schemeClr val="lt2">
+        <a:alpha val="90000"/>
+      </a:schemeClr>
+    </dgm:fillClrLst>
+    <dgm:linClrLst meth="repeat">
+      <a:schemeClr val="dk2"/>
+    </dgm:linClrLst>
+    <dgm:effectClrLst/>
+    <dgm:txLinClrLst/>
+    <dgm:txFillClrLst meth="repeat">
+      <a:schemeClr val="dk1"/>
+    </dgm:txFillClrLst>
+    <dgm:txEffectClrLst/>
+  </dgm:styleLbl>
+  <dgm:styleLbl name="trAlignAcc1">
+    <dgm:fillClrLst meth="repeat">
+      <a:schemeClr val="lt2">
+        <a:alpha val="40000"/>
+      </a:schemeClr>
+    </dgm:fillClrLst>
+    <dgm:linClrLst meth="repeat">
+      <a:schemeClr val="dk2"/>
+    </dgm:linClrLst>
+    <dgm:effectClrLst/>
+    <dgm:txLinClrLst/>
+    <dgm:txFillClrLst meth="repeat">
+      <a:schemeClr val="dk1"/>
+    </dgm:txFillClrLst>
+    <dgm:txEffectClrLst/>
+  </dgm:styleLbl>
+  <dgm:styleLbl name="bgAcc1">
+    <dgm:fillClrLst meth="repeat">
+      <a:schemeClr val="lt2">
+        <a:alpha val="90000"/>
+      </a:schemeClr>
+    </dgm:fillClrLst>
+    <dgm:linClrLst meth="repeat">
+      <a:schemeClr val="dk2"/>
+    </dgm:linClrLst>
+    <dgm:effectClrLst/>
+    <dgm:txLinClrLst/>
+    <dgm:txFillClrLst meth="repeat">
+      <a:schemeClr val="dk1"/>
+    </dgm:txFillClrLst>
+    <dgm:txEffectClrLst/>
+  </dgm:styleLbl>
+  <dgm:styleLbl name="solidFgAcc1">
+    <dgm:fillClrLst meth="repeat">
+      <a:schemeClr val="lt2"/>
+    </dgm:fillClrLst>
+    <dgm:linClrLst meth="repeat">
+      <a:schemeClr val="dk2"/>
+    </dgm:linClrLst>
+    <dgm:effectClrLst/>
+    <dgm:txLinClrLst/>
+    <dgm:txFillClrLst meth="repeat">
+      <a:schemeClr val="dk1"/>
+    </dgm:txFillClrLst>
+    <dgm:txEffectClrLst/>
+  </dgm:styleLbl>
+  <dgm:styleLbl name="solidAlignAcc1">
+    <dgm:fillClrLst meth="repeat">
+      <a:schemeClr val="lt2"/>
+    </dgm:fillClrLst>
+    <dgm:linClrLst meth="repeat">
+      <a:schemeClr val="dk2"/>
+    </dgm:linClrLst>
+    <dgm:effectClrLst/>
+    <dgm:txLinClrLst/>
+    <dgm:txFillClrLst meth="repeat">
+      <a:schemeClr val="dk1"/>
+    </dgm:txFillClrLst>
+    <dgm:txEffectClrLst/>
+  </dgm:styleLbl>
+  <dgm:styleLbl name="solidBgAcc1">
+    <dgm:fillClrLst meth="repeat">
+      <a:schemeClr val="lt2"/>
+    </dgm:fillClrLst>
+    <dgm:linClrLst meth="repeat">
+      <a:schemeClr val="dk2"/>
+    </dgm:linClrLst>
+    <dgm:effectClrLst/>
+    <dgm:txLinClrLst/>
+    <dgm:txFillClrLst meth="repeat">
+      <a:schemeClr val="dk1"/>
+    </dgm:txFillClrLst>
+    <dgm:txEffectClrLst/>
+  </dgm:styleLbl>
+  <dgm:styleLbl name="fgAccFollowNode1">
+    <dgm:fillClrLst meth="repeat">
+      <a:schemeClr val="dk2">
+        <a:alpha val="90000"/>
+        <a:tint val="40000"/>
+      </a:schemeClr>
+    </dgm:fillClrLst>
+    <dgm:linClrLst meth="repeat">
+      <a:schemeClr val="dk2">
+        <a:alpha val="90000"/>
+        <a:tint val="40000"/>
+      </a:schemeClr>
+    </dgm:linClrLst>
+    <dgm:effectClrLst/>
+    <dgm:txLinClrLst/>
+    <dgm:txFillClrLst meth="repeat">
+      <a:schemeClr val="dk1"/>
+    </dgm:txFillClrLst>
+    <dgm:txEffectClrLst/>
+  </dgm:styleLbl>
+  <dgm:styleLbl name="alignAccFollowNode1">
+    <dgm:fillClrLst meth="repeat">
+      <a:schemeClr val="dk2">
+        <a:alpha val="90000"/>
+        <a:tint val="40000"/>
+      </a:schemeClr>
+    </dgm:fillClrLst>
+    <dgm:linClrLst meth="repeat">
+      <a:schemeClr val="dk2">
+        <a:alpha val="90000"/>
+        <a:tint val="40000"/>
+      </a:schemeClr>
+    </dgm:linClrLst>
+    <dgm:effectClrLst/>
+    <dgm:txLinClrLst/>
+    <dgm:txFillClrLst meth="repeat">
+      <a:schemeClr val="dk1"/>
+    </dgm:txFillClrLst>
+    <dgm:txEffectClrLst/>
+  </dgm:styleLbl>
+  <dgm:styleLbl name="bgAccFollowNode1">
+    <dgm:fillClrLst meth="repeat">
+      <a:schemeClr val="dk2">
+        <a:alpha val="90000"/>
+        <a:tint val="40000"/>
+      </a:schemeClr>
+    </dgm:fillClrLst>
+    <dgm:linClrLst meth="repeat">
+      <a:schemeClr val="dk2">
+        <a:alpha val="90000"/>
+        <a:tint val="40000"/>
+      </a:schemeClr>
+    </dgm:linClrLst>
+    <dgm:effectClrLst/>
+    <dgm:txLinClrLst/>
+    <dgm:txFillClrLst meth="repeat">
+      <a:schemeClr val="dk1"/>
+    </dgm:txFillClrLst>
+    <dgm:txEffectClrLst/>
+  </dgm:styleLbl>
+  <dgm:styleLbl name="fgAcc0">
+    <dgm:fillClrLst meth="repeat">
+      <a:schemeClr val="lt2">
+        <a:alpha val="90000"/>
+      </a:schemeClr>
+    </dgm:fillClrLst>
+    <dgm:linClrLst meth="repeat">
+      <a:schemeClr val="dk2"/>
+    </dgm:linClrLst>
+    <dgm:effectClrLst/>
+    <dgm:txLinClrLst/>
+    <dgm:txFillClrLst meth="repeat">
+      <a:schemeClr val="dk1"/>
+    </dgm:txFillClrLst>
+    <dgm:txEffectClrLst/>
+  </dgm:styleLbl>
+  <dgm:styleLbl name="fgAcc2">
+    <dgm:fillClrLst meth="repeat">
+      <a:schemeClr val="lt2">
+        <a:alpha val="90000"/>
+      </a:schemeClr>
+    </dgm:fillClrLst>
+    <dgm:linClrLst meth="repeat">
+      <a:schemeClr val="dk2"/>
+    </dgm:linClrLst>
+    <dgm:effectClrLst/>
+    <dgm:txLinClrLst/>
+    <dgm:txFillClrLst meth="repeat">
+      <a:schemeClr val="dk1"/>
+    </dgm:txFillClrLst>
+    <dgm:txEffectClrLst/>
+  </dgm:styleLbl>
+  <dgm:styleLbl name="fgAcc3">
+    <dgm:fillClrLst meth="repeat">
+      <a:schemeClr val="lt2">
+        <a:alpha val="90000"/>
+      </a:schemeClr>
+    </dgm:fillClrLst>
+    <dgm:linClrLst meth="repeat">
+      <a:schemeClr val="dk2"/>
+    </dgm:linClrLst>
+    <dgm:effectClrLst/>
+    <dgm:txLinClrLst/>
+    <dgm:txFillClrLst meth="repeat">
+      <a:schemeClr val="dk1"/>
+    </dgm:txFillClrLst>
+    <dgm:txEffectClrLst/>
+  </dgm:styleLbl>
+  <dgm:styleLbl name="fgAcc4">
+    <dgm:fillClrLst meth="repeat">
+      <a:schemeClr val="lt2">
+        <a:alpha val="90000"/>
+      </a:schemeClr>
+    </dgm:fillClrLst>
+    <dgm:linClrLst meth="repeat">
+      <a:schemeClr val="dk2"/>
+    </dgm:linClrLst>
+    <dgm:effectClrLst/>
+    <dgm:txLinClrLst/>
+    <dgm:txFillClrLst meth="repeat">
+      <a:schemeClr val="dk1"/>
+    </dgm:txFillClrLst>
+    <dgm:txEffectClrLst/>
+  </dgm:styleLbl>
+  <dgm:styleLbl name="bgShp">
+    <dgm:fillClrLst meth="repeat">
+      <a:schemeClr val="dk2">
+        <a:tint val="40000"/>
+      </a:schemeClr>
+    </dgm:fillClrLst>
+    <dgm:linClrLst meth="repeat">
+      <a:schemeClr val="dk2"/>
+    </dgm:linClrLst>
+    <dgm:effectClrLst/>
+    <dgm:txLinClrLst/>
+    <dgm:txFillClrLst meth="repeat">
+      <a:schemeClr val="dk1"/>
+    </dgm:txFillClrLst>
+    <dgm:txEffectClrLst/>
+  </dgm:styleLbl>
+  <dgm:styleLbl name="dkBgShp">
+    <dgm:fillClrLst meth="repeat">
+      <a:schemeClr val="dk2">
+        <a:shade val="80000"/>
+      </a:schemeClr>
+    </dgm:fillClrLst>
+    <dgm:linClrLst meth="repeat">
+      <a:schemeClr val="dk2"/>
+    </dgm:linClrLst>
+    <dgm:effectClrLst/>
+    <dgm:txLinClrLst/>
+    <dgm:txFillClrLst meth="repeat">
+      <a:schemeClr val="lt1"/>
+    </dgm:txFillClrLst>
+    <dgm:txEffectClrLst/>
+  </dgm:styleLbl>
+  <dgm:styleLbl name="trBgShp">
+    <dgm:fillClrLst meth="repeat">
+      <a:schemeClr val="dk2">
+        <a:tint val="50000"/>
+        <a:alpha val="40000"/>
+      </a:schemeClr>
+    </dgm:fillClrLst>
+    <dgm:linClrLst meth="repeat">
+      <a:schemeClr val="dk2"/>
+    </dgm:linClrLst>
+    <dgm:effectClrLst/>
+    <dgm:txLinClrLst/>
+    <dgm:txFillClrLst meth="repeat">
+      <a:schemeClr val="lt1"/>
+    </dgm:txFillClrLst>
+    <dgm:txEffectClrLst/>
+  </dgm:styleLbl>
+  <dgm:styleLbl name="fgShp">
+    <dgm:fillClrLst meth="repeat">
+      <a:schemeClr val="dk2">
+        <a:tint val="60000"/>
+      </a:schemeClr>
+    </dgm:fillClrLst>
+    <dgm:linClrLst meth="repeat">
+      <a:schemeClr val="lt2"/>
+    </dgm:linClrLst>
+    <dgm:effectClrLst/>
+    <dgm:txLinClrLst/>
+    <dgm:txFillClrLst meth="repeat">
+      <a:schemeClr val="dk1"/>
+    </dgm:txFillClrLst>
+    <dgm:txEffectClrLst/>
+  </dgm:styleLbl>
+  <dgm:styleLbl name="revTx">
+    <dgm:fillClrLst meth="repeat">
+      <a:schemeClr val="lt2">
+        <a:alpha val="0"/>
+      </a:schemeClr>
+    </dgm:fillClrLst>
+    <dgm:linClrLst meth="repeat">
+      <a:schemeClr val="dk1">
+        <a:alpha val="0"/>
+      </a:schemeClr>
+    </dgm:linClrLst>
+    <dgm:effectClrLst/>
+    <dgm:txLinClrLst/>
+    <dgm:txFillClrLst meth="repeat">
+      <a:schemeClr val="tx1"/>
+    </dgm:txFillClrLst>
+    <dgm:txEffectClrLst/>
+  </dgm:styleLbl>
+</dgm:colorsDef>
+</file>
+
+<file path=ppt/diagrams/colors4.xml><?xml version="1.0" encoding="utf-8"?>
 <dgm:colorsDef xmlns:dgm="http://schemas.openxmlformats.org/drawingml/2006/diagram" xmlns:a="http://schemas.openxmlformats.org/drawingml/2006/main" uniqueId="urn:microsoft.com/office/officeart/2005/8/colors/accent0_3">
   <dgm:title val=""/>
   <dgm:desc val=""/>
@@ -3290,7 +4041,7 @@
   <dgm:whole/>
   <dgm:extLst>
     <a:ext uri="http://schemas.microsoft.com/office/drawing/2008/diagram">
-      <dsp:dataModelExt xmlns="" xmlns:dsp="http://schemas.microsoft.com/office/drawing/2008/diagram" relId="rId7" minVer="http://schemas.openxmlformats.org/drawingml/2006/diagram"/>
+      <dsp:dataModelExt xmlns:dsp="http://schemas.microsoft.com/office/drawing/2008/diagram" xmlns="" relId="rId7" minVer="http://schemas.openxmlformats.org/drawingml/2006/diagram"/>
     </a:ext>
   </dgm:extLst>
 </dgm:dataModel>
@@ -3311,17 +4062,17 @@
       </dgm:t>
     </dgm:pt>
     <dgm:pt modelId="{6ABB3C32-03F3-4D9E-8DED-E2906F4061A5}">
-      <dgm:prSet phldrT="[Texto]"/>
+      <dgm:prSet phldrT="[Texto]" custT="1"/>
       <dgm:spPr/>
       <dgm:t>
         <a:bodyPr/>
         <a:lstStyle/>
         <a:p>
           <a:r>
-            <a:rPr lang="es-AR" dirty="0" smtClean="0"/>
+            <a:rPr lang="es-AR" sz="2200" b="0" dirty="0" smtClean="0"/>
             <a:t>Definición al comienzo del sprint</a:t>
           </a:r>
-          <a:endParaRPr lang="en-US" dirty="0"/>
+          <a:endParaRPr lang="en-US" sz="2200" b="0" dirty="0"/>
         </a:p>
       </dgm:t>
     </dgm:pt>
@@ -3332,33 +4083,33 @@
         <a:bodyPr/>
         <a:lstStyle/>
         <a:p>
-          <a:endParaRPr lang="en-US"/>
+          <a:endParaRPr lang="en-US" sz="2200" b="0"/>
         </a:p>
       </dgm:t>
     </dgm:pt>
     <dgm:pt modelId="{2076058A-1651-48DA-8FEF-87A804D0B168}" type="sibTrans" cxnId="{34222FA7-B9B9-474F-A4CC-C7997DD13B33}">
-      <dgm:prSet/>
+      <dgm:prSet custT="1"/>
       <dgm:spPr/>
       <dgm:t>
         <a:bodyPr/>
         <a:lstStyle/>
         <a:p>
-          <a:endParaRPr lang="en-US"/>
+          <a:endParaRPr lang="en-US" sz="2200" b="0"/>
         </a:p>
       </dgm:t>
     </dgm:pt>
     <dgm:pt modelId="{BE8F12A1-5913-4991-A976-7E5D01474B2F}">
-      <dgm:prSet phldrT="[Texto]"/>
+      <dgm:prSet phldrT="[Texto]" custT="1"/>
       <dgm:spPr/>
       <dgm:t>
         <a:bodyPr/>
         <a:lstStyle/>
         <a:p>
           <a:r>
-            <a:rPr lang="es-AR" dirty="0" smtClean="0"/>
+            <a:rPr lang="es-AR" sz="2200" b="0" dirty="0" smtClean="0"/>
             <a:t>Validación con el cliente en reunión informal</a:t>
           </a:r>
-          <a:endParaRPr lang="en-US" dirty="0"/>
+          <a:endParaRPr lang="en-US" sz="2200" b="0" dirty="0"/>
         </a:p>
       </dgm:t>
     </dgm:pt>
@@ -3369,33 +4120,33 @@
         <a:bodyPr/>
         <a:lstStyle/>
         <a:p>
-          <a:endParaRPr lang="en-US"/>
+          <a:endParaRPr lang="en-US" sz="2200" b="0"/>
         </a:p>
       </dgm:t>
     </dgm:pt>
     <dgm:pt modelId="{8184659C-7AC7-4E48-A03B-724859B320E3}" type="sibTrans" cxnId="{7CD81DF4-113E-486C-BAAB-1B0B83905F47}">
-      <dgm:prSet/>
+      <dgm:prSet custT="1"/>
       <dgm:spPr/>
       <dgm:t>
         <a:bodyPr/>
         <a:lstStyle/>
         <a:p>
-          <a:endParaRPr lang="en-US"/>
+          <a:endParaRPr lang="en-US" sz="2200" b="0"/>
         </a:p>
       </dgm:t>
     </dgm:pt>
     <dgm:pt modelId="{64D16823-4C25-4CB7-B1E8-442086E3F17C}">
-      <dgm:prSet phldrT="[Texto]"/>
+      <dgm:prSet phldrT="[Texto]" custT="1"/>
       <dgm:spPr/>
       <dgm:t>
         <a:bodyPr/>
         <a:lstStyle/>
         <a:p>
           <a:r>
-            <a:rPr lang="es-AR" dirty="0" smtClean="0"/>
+            <a:rPr lang="es-AR" sz="2200" b="0" dirty="0" smtClean="0"/>
             <a:t>Verificación del cliente en reunión formal</a:t>
           </a:r>
-          <a:endParaRPr lang="en-US" dirty="0"/>
+          <a:endParaRPr lang="en-US" sz="2200" b="0" dirty="0"/>
         </a:p>
       </dgm:t>
     </dgm:pt>
@@ -3406,7 +4157,7 @@
         <a:bodyPr/>
         <a:lstStyle/>
         <a:p>
-          <a:endParaRPr lang="en-US"/>
+          <a:endParaRPr lang="en-US" sz="2200" b="0"/>
         </a:p>
       </dgm:t>
     </dgm:pt>
@@ -3417,7 +4168,7 @@
         <a:bodyPr/>
         <a:lstStyle/>
         <a:p>
-          <a:endParaRPr lang="en-US"/>
+          <a:endParaRPr lang="en-US" sz="2200" b="0"/>
         </a:p>
       </dgm:t>
     </dgm:pt>
@@ -3592,13 +4343,227 @@
   <dgm:whole/>
   <dgm:extLst>
     <a:ext uri="http://schemas.microsoft.com/office/drawing/2008/diagram">
-      <dsp:dataModelExt xmlns="" xmlns:dsp="http://schemas.microsoft.com/office/drawing/2008/diagram" relId="rId7" minVer="http://schemas.openxmlformats.org/drawingml/2006/diagram"/>
+      <dsp:dataModelExt xmlns:dsp="http://schemas.microsoft.com/office/drawing/2008/diagram" xmlns="" relId="rId7" minVer="http://schemas.openxmlformats.org/drawingml/2006/diagram"/>
     </a:ext>
   </dgm:extLst>
 </dgm:dataModel>
 </file>
 
 <file path=ppt/diagrams/data3.xml><?xml version="1.0" encoding="utf-8"?>
+<dgm:dataModel xmlns:dgm="http://schemas.openxmlformats.org/drawingml/2006/diagram" xmlns:a="http://schemas.openxmlformats.org/drawingml/2006/main">
+  <dgm:ptLst>
+    <dgm:pt modelId="{42038578-62EC-4408-AB0A-5C8C430D1086}" type="doc">
+      <dgm:prSet loTypeId="urn:microsoft.com/office/officeart/2005/8/layout/hProcess9" loCatId="process" qsTypeId="urn:microsoft.com/office/officeart/2005/8/quickstyle/simple4" qsCatId="simple" csTypeId="urn:microsoft.com/office/officeart/2005/8/colors/accent0_3" csCatId="mainScheme" phldr="1"/>
+      <dgm:spPr/>
+    </dgm:pt>
+    <dgm:pt modelId="{F94C1B4F-8FAF-4F74-AEEE-A83F294D788B}">
+      <dgm:prSet phldrT="[Texto]" custT="1"/>
+      <dgm:spPr/>
+      <dgm:t>
+        <a:bodyPr/>
+        <a:lstStyle/>
+        <a:p>
+          <a:r>
+            <a:rPr lang="es-AR" sz="1800" dirty="0" smtClean="0"/>
+            <a:t>Agregado de nuevas </a:t>
+          </a:r>
+          <a:r>
+            <a:rPr lang="es-AR" sz="1800" dirty="0" err="1" smtClean="0"/>
+            <a:t>stories</a:t>
+          </a:r>
+          <a:endParaRPr lang="en-US" sz="1800" dirty="0"/>
+        </a:p>
+      </dgm:t>
+    </dgm:pt>
+    <dgm:pt modelId="{3E67BB20-19EB-4709-86F5-BFCECAC4623E}" type="parTrans" cxnId="{347A0563-3B4B-49FD-9B3C-EF5CF1B6BBE2}">
+      <dgm:prSet/>
+      <dgm:spPr/>
+      <dgm:t>
+        <a:bodyPr/>
+        <a:lstStyle/>
+        <a:p>
+          <a:endParaRPr lang="en-US" sz="1800"/>
+        </a:p>
+      </dgm:t>
+    </dgm:pt>
+    <dgm:pt modelId="{F347E4E1-32C2-4ADD-86D3-636ADCF8C776}" type="sibTrans" cxnId="{347A0563-3B4B-49FD-9B3C-EF5CF1B6BBE2}">
+      <dgm:prSet/>
+      <dgm:spPr/>
+      <dgm:t>
+        <a:bodyPr/>
+        <a:lstStyle/>
+        <a:p>
+          <a:endParaRPr lang="en-US" sz="1800"/>
+        </a:p>
+      </dgm:t>
+    </dgm:pt>
+    <dgm:pt modelId="{3C98A1BB-FE60-4B5F-A789-F5A90F690E4C}">
+      <dgm:prSet phldrT="[Texto]" custT="1"/>
+      <dgm:spPr/>
+      <dgm:t>
+        <a:bodyPr/>
+        <a:lstStyle/>
+        <a:p>
+          <a:r>
+            <a:rPr lang="es-AR" sz="1800" dirty="0" err="1" smtClean="0"/>
+            <a:t>Repriorización</a:t>
+          </a:r>
+          <a:r>
+            <a:rPr lang="es-AR" sz="1800" dirty="0" smtClean="0"/>
+            <a:t> del </a:t>
+          </a:r>
+          <a:r>
+            <a:rPr lang="es-AR" sz="1800" dirty="0" err="1" smtClean="0"/>
+            <a:t>backlog</a:t>
+          </a:r>
+          <a:endParaRPr lang="en-US" sz="1800" dirty="0"/>
+        </a:p>
+      </dgm:t>
+    </dgm:pt>
+    <dgm:pt modelId="{785F86F0-3433-44A4-9FDB-551F22637C6F}" type="parTrans" cxnId="{2AC4E09B-1668-4E15-99D8-AA344E248800}">
+      <dgm:prSet/>
+      <dgm:spPr/>
+      <dgm:t>
+        <a:bodyPr/>
+        <a:lstStyle/>
+        <a:p>
+          <a:endParaRPr lang="en-US" sz="1800"/>
+        </a:p>
+      </dgm:t>
+    </dgm:pt>
+    <dgm:pt modelId="{95638AF9-C5BA-4E06-969F-00394F314752}" type="sibTrans" cxnId="{2AC4E09B-1668-4E15-99D8-AA344E248800}">
+      <dgm:prSet/>
+      <dgm:spPr/>
+      <dgm:t>
+        <a:bodyPr/>
+        <a:lstStyle/>
+        <a:p>
+          <a:endParaRPr lang="en-US" sz="1800"/>
+        </a:p>
+      </dgm:t>
+    </dgm:pt>
+    <dgm:pt modelId="{6BAA3BE8-3327-4A36-911F-F2A1BFA87217}">
+      <dgm:prSet phldrT="[Texto]" custT="1"/>
+      <dgm:spPr/>
+      <dgm:t>
+        <a:bodyPr/>
+        <a:lstStyle/>
+        <a:p>
+          <a:r>
+            <a:rPr lang="es-AR" sz="1800" dirty="0" smtClean="0"/>
+            <a:t>Implementación de nuevas </a:t>
+          </a:r>
+          <a:r>
+            <a:rPr lang="es-AR" sz="1800" dirty="0" err="1" smtClean="0"/>
+            <a:t>stories</a:t>
+          </a:r>
+          <a:r>
+            <a:rPr lang="es-AR" sz="1800" dirty="0" smtClean="0"/>
+            <a:t> en Sprint 2</a:t>
+          </a:r>
+          <a:endParaRPr lang="en-US" sz="1800" dirty="0"/>
+        </a:p>
+      </dgm:t>
+    </dgm:pt>
+    <dgm:pt modelId="{DFFF0857-20A3-42BF-88DC-109FE2B67C90}" type="parTrans" cxnId="{C7575360-AAEC-4D8A-8712-7D455617A66F}">
+      <dgm:prSet/>
+      <dgm:spPr/>
+      <dgm:t>
+        <a:bodyPr/>
+        <a:lstStyle/>
+        <a:p>
+          <a:endParaRPr lang="en-US" sz="1800"/>
+        </a:p>
+      </dgm:t>
+    </dgm:pt>
+    <dgm:pt modelId="{BDA766D3-F451-48AE-96EB-55C09C979673}" type="sibTrans" cxnId="{C7575360-AAEC-4D8A-8712-7D455617A66F}">
+      <dgm:prSet/>
+      <dgm:spPr/>
+      <dgm:t>
+        <a:bodyPr/>
+        <a:lstStyle/>
+        <a:p>
+          <a:endParaRPr lang="en-US" sz="1800"/>
+        </a:p>
+      </dgm:t>
+    </dgm:pt>
+    <dgm:pt modelId="{D6904062-EAEA-4E45-92DB-E8EA43D5B7D0}" type="pres">
+      <dgm:prSet presAssocID="{42038578-62EC-4408-AB0A-5C8C430D1086}" presName="CompostProcess" presStyleCnt="0">
+        <dgm:presLayoutVars>
+          <dgm:dir/>
+          <dgm:resizeHandles val="exact"/>
+        </dgm:presLayoutVars>
+      </dgm:prSet>
+      <dgm:spPr/>
+    </dgm:pt>
+    <dgm:pt modelId="{B3E6B583-9654-4E7F-892D-8908B1435FF6}" type="pres">
+      <dgm:prSet presAssocID="{42038578-62EC-4408-AB0A-5C8C430D1086}" presName="arrow" presStyleLbl="bgShp" presStyleIdx="0" presStyleCnt="1"/>
+      <dgm:spPr/>
+    </dgm:pt>
+    <dgm:pt modelId="{41663A19-6A67-402D-837B-69987EC74ED0}" type="pres">
+      <dgm:prSet presAssocID="{42038578-62EC-4408-AB0A-5C8C430D1086}" presName="linearProcess" presStyleCnt="0"/>
+      <dgm:spPr/>
+    </dgm:pt>
+    <dgm:pt modelId="{C9C6AA2F-F6CE-4F9A-A0A0-A4FB364B78E4}" type="pres">
+      <dgm:prSet presAssocID="{F94C1B4F-8FAF-4F74-AEEE-A83F294D788B}" presName="textNode" presStyleLbl="node1" presStyleIdx="0" presStyleCnt="3">
+        <dgm:presLayoutVars>
+          <dgm:bulletEnabled val="1"/>
+        </dgm:presLayoutVars>
+      </dgm:prSet>
+      <dgm:spPr/>
+    </dgm:pt>
+    <dgm:pt modelId="{BA95758A-2237-4356-B9A1-2725CF38A041}" type="pres">
+      <dgm:prSet presAssocID="{F347E4E1-32C2-4ADD-86D3-636ADCF8C776}" presName="sibTrans" presStyleCnt="0"/>
+      <dgm:spPr/>
+    </dgm:pt>
+    <dgm:pt modelId="{89E31B8C-B1F1-4ACF-9FA6-A908EB5B54AA}" type="pres">
+      <dgm:prSet presAssocID="{3C98A1BB-FE60-4B5F-A789-F5A90F690E4C}" presName="textNode" presStyleLbl="node1" presStyleIdx="1" presStyleCnt="3">
+        <dgm:presLayoutVars>
+          <dgm:bulletEnabled val="1"/>
+        </dgm:presLayoutVars>
+      </dgm:prSet>
+      <dgm:spPr/>
+    </dgm:pt>
+    <dgm:pt modelId="{8BA669E2-4FE4-4A76-A003-7F81253E9070}" type="pres">
+      <dgm:prSet presAssocID="{95638AF9-C5BA-4E06-969F-00394F314752}" presName="sibTrans" presStyleCnt="0"/>
+      <dgm:spPr/>
+    </dgm:pt>
+    <dgm:pt modelId="{31A8DE1E-3226-437D-9608-072DF772CBF1}" type="pres">
+      <dgm:prSet presAssocID="{6BAA3BE8-3327-4A36-911F-F2A1BFA87217}" presName="textNode" presStyleLbl="node1" presStyleIdx="2" presStyleCnt="3" custScaleX="111199">
+        <dgm:presLayoutVars>
+          <dgm:bulletEnabled val="1"/>
+        </dgm:presLayoutVars>
+      </dgm:prSet>
+      <dgm:spPr/>
+    </dgm:pt>
+  </dgm:ptLst>
+  <dgm:cxnLst>
+    <dgm:cxn modelId="{EC7628F3-19AE-40EF-BFD4-14F1E19BC245}" type="presOf" srcId="{42038578-62EC-4408-AB0A-5C8C430D1086}" destId="{D6904062-EAEA-4E45-92DB-E8EA43D5B7D0}" srcOrd="0" destOrd="0" presId="urn:microsoft.com/office/officeart/2005/8/layout/hProcess9"/>
+    <dgm:cxn modelId="{1E207F17-42AF-4A73-9EAF-3CFB06708F06}" type="presOf" srcId="{6BAA3BE8-3327-4A36-911F-F2A1BFA87217}" destId="{31A8DE1E-3226-437D-9608-072DF772CBF1}" srcOrd="0" destOrd="0" presId="urn:microsoft.com/office/officeart/2005/8/layout/hProcess9"/>
+    <dgm:cxn modelId="{7870EA32-0051-43EB-A449-FE2CDBE48E24}" type="presOf" srcId="{3C98A1BB-FE60-4B5F-A789-F5A90F690E4C}" destId="{89E31B8C-B1F1-4ACF-9FA6-A908EB5B54AA}" srcOrd="0" destOrd="0" presId="urn:microsoft.com/office/officeart/2005/8/layout/hProcess9"/>
+    <dgm:cxn modelId="{7BF0655F-DF6B-42D9-8B33-6007A368E810}" type="presOf" srcId="{F94C1B4F-8FAF-4F74-AEEE-A83F294D788B}" destId="{C9C6AA2F-F6CE-4F9A-A0A0-A4FB364B78E4}" srcOrd="0" destOrd="0" presId="urn:microsoft.com/office/officeart/2005/8/layout/hProcess9"/>
+    <dgm:cxn modelId="{C7575360-AAEC-4D8A-8712-7D455617A66F}" srcId="{42038578-62EC-4408-AB0A-5C8C430D1086}" destId="{6BAA3BE8-3327-4A36-911F-F2A1BFA87217}" srcOrd="2" destOrd="0" parTransId="{DFFF0857-20A3-42BF-88DC-109FE2B67C90}" sibTransId="{BDA766D3-F451-48AE-96EB-55C09C979673}"/>
+    <dgm:cxn modelId="{347A0563-3B4B-49FD-9B3C-EF5CF1B6BBE2}" srcId="{42038578-62EC-4408-AB0A-5C8C430D1086}" destId="{F94C1B4F-8FAF-4F74-AEEE-A83F294D788B}" srcOrd="0" destOrd="0" parTransId="{3E67BB20-19EB-4709-86F5-BFCECAC4623E}" sibTransId="{F347E4E1-32C2-4ADD-86D3-636ADCF8C776}"/>
+    <dgm:cxn modelId="{2AC4E09B-1668-4E15-99D8-AA344E248800}" srcId="{42038578-62EC-4408-AB0A-5C8C430D1086}" destId="{3C98A1BB-FE60-4B5F-A789-F5A90F690E4C}" srcOrd="1" destOrd="0" parTransId="{785F86F0-3433-44A4-9FDB-551F22637C6F}" sibTransId="{95638AF9-C5BA-4E06-969F-00394F314752}"/>
+    <dgm:cxn modelId="{D4D8669B-7A82-4844-B55B-7764A32E5933}" type="presParOf" srcId="{D6904062-EAEA-4E45-92DB-E8EA43D5B7D0}" destId="{B3E6B583-9654-4E7F-892D-8908B1435FF6}" srcOrd="0" destOrd="0" presId="urn:microsoft.com/office/officeart/2005/8/layout/hProcess9"/>
+    <dgm:cxn modelId="{876E72B9-0FBD-4D0B-B69E-FC5D2AEE8A52}" type="presParOf" srcId="{D6904062-EAEA-4E45-92DB-E8EA43D5B7D0}" destId="{41663A19-6A67-402D-837B-69987EC74ED0}" srcOrd="1" destOrd="0" presId="urn:microsoft.com/office/officeart/2005/8/layout/hProcess9"/>
+    <dgm:cxn modelId="{AD923447-825C-49C1-9F80-3A4AB57ABBB9}" type="presParOf" srcId="{41663A19-6A67-402D-837B-69987EC74ED0}" destId="{C9C6AA2F-F6CE-4F9A-A0A0-A4FB364B78E4}" srcOrd="0" destOrd="0" presId="urn:microsoft.com/office/officeart/2005/8/layout/hProcess9"/>
+    <dgm:cxn modelId="{EB0DEF8A-4A1F-4294-BC47-C0B722A79601}" type="presParOf" srcId="{41663A19-6A67-402D-837B-69987EC74ED0}" destId="{BA95758A-2237-4356-B9A1-2725CF38A041}" srcOrd="1" destOrd="0" presId="urn:microsoft.com/office/officeart/2005/8/layout/hProcess9"/>
+    <dgm:cxn modelId="{E3E296B9-0731-489D-971E-2879957CEA82}" type="presParOf" srcId="{41663A19-6A67-402D-837B-69987EC74ED0}" destId="{89E31B8C-B1F1-4ACF-9FA6-A908EB5B54AA}" srcOrd="2" destOrd="0" presId="urn:microsoft.com/office/officeart/2005/8/layout/hProcess9"/>
+    <dgm:cxn modelId="{8B7BDA68-968B-497B-B72F-E0D2C42D0FEB}" type="presParOf" srcId="{41663A19-6A67-402D-837B-69987EC74ED0}" destId="{8BA669E2-4FE4-4A76-A003-7F81253E9070}" srcOrd="3" destOrd="0" presId="urn:microsoft.com/office/officeart/2005/8/layout/hProcess9"/>
+    <dgm:cxn modelId="{9EF01DF1-DAB8-4FC2-A192-C7CAE514705C}" type="presParOf" srcId="{41663A19-6A67-402D-837B-69987EC74ED0}" destId="{31A8DE1E-3226-437D-9608-072DF772CBF1}" srcOrd="4" destOrd="0" presId="urn:microsoft.com/office/officeart/2005/8/layout/hProcess9"/>
+  </dgm:cxnLst>
+  <dgm:bg/>
+  <dgm:whole/>
+  <dgm:extLst>
+    <a:ext uri="http://schemas.microsoft.com/office/drawing/2008/diagram">
+      <dsp:dataModelExt xmlns:dsp="http://schemas.microsoft.com/office/drawing/2008/diagram" xmlns="" relId="rId7" minVer="http://schemas.openxmlformats.org/drawingml/2006/diagram"/>
+    </a:ext>
+  </dgm:extLst>
+</dgm:dataModel>
+</file>
+
+<file path=ppt/diagrams/data4.xml><?xml version="1.0" encoding="utf-8"?>
 <dgm:dataModel xmlns:dgm="http://schemas.openxmlformats.org/drawingml/2006/diagram" xmlns:a="http://schemas.openxmlformats.org/drawingml/2006/main">
   <dgm:ptLst>
     <dgm:pt modelId="{F8BAE730-7ACC-41AC-9A96-A7DAF402C243}" type="doc">
@@ -3811,7 +4776,7 @@
   <dgm:whole/>
   <dgm:extLst>
     <a:ext uri="http://schemas.microsoft.com/office/drawing/2008/diagram">
-      <dsp:dataModelExt xmlns="" xmlns:dsp="http://schemas.microsoft.com/office/drawing/2008/diagram" relId="rId7" minVer="http://schemas.openxmlformats.org/drawingml/2006/diagram"/>
+      <dsp:dataModelExt xmlns:dsp="http://schemas.microsoft.com/office/drawing/2008/diagram" xmlns="" relId="rId7" minVer="http://schemas.openxmlformats.org/drawingml/2006/diagram"/>
     </a:ext>
   </dgm:extLst>
 </dgm:dataModel>
@@ -4956,7 +5921,7 @@
       <dsp:spPr>
         <a:xfrm>
           <a:off x="0" y="0"/>
-          <a:ext cx="4774130" cy="1123324"/>
+          <a:ext cx="6120680" cy="1123324"/>
         </a:xfrm>
         <a:prstGeom prst="roundRect">
           <a:avLst>
@@ -5015,15 +5980,15 @@
             </a:spcAft>
           </a:pPr>
           <a:r>
-            <a:rPr lang="es-AR" sz="2200" kern="1200" dirty="0" smtClean="0"/>
+            <a:rPr lang="es-AR" sz="2200" b="0" kern="1200" dirty="0" smtClean="0"/>
             <a:t>Definición al comienzo del sprint</a:t>
           </a:r>
-          <a:endParaRPr lang="en-US" sz="2200" kern="1200" dirty="0"/>
+          <a:endParaRPr lang="en-US" sz="2200" b="0" kern="1200" dirty="0"/>
         </a:p>
       </dsp:txBody>
       <dsp:txXfrm>
         <a:off x="0" y="0"/>
-        <a:ext cx="3627777" cy="1123324"/>
+        <a:ext cx="4974327" cy="1123324"/>
       </dsp:txXfrm>
     </dsp:sp>
     <dsp:sp modelId="{2B04FF30-D00D-401E-96FA-6A9307E8887F}">
@@ -5033,8 +5998,8 @@
       </dsp:nvSpPr>
       <dsp:spPr>
         <a:xfrm>
-          <a:off x="421246" y="1310545"/>
-          <a:ext cx="4774130" cy="1123324"/>
+          <a:off x="540059" y="1310545"/>
+          <a:ext cx="6120680" cy="1123324"/>
         </a:xfrm>
         <a:prstGeom prst="roundRect">
           <a:avLst>
@@ -5093,15 +6058,15 @@
             </a:spcAft>
           </a:pPr>
           <a:r>
-            <a:rPr lang="es-AR" sz="2200" kern="1200" dirty="0" smtClean="0"/>
+            <a:rPr lang="es-AR" sz="2200" b="0" kern="1200" dirty="0" smtClean="0"/>
             <a:t>Validación con el cliente en reunión informal</a:t>
           </a:r>
-          <a:endParaRPr lang="en-US" sz="2200" kern="1200" dirty="0"/>
+          <a:endParaRPr lang="en-US" sz="2200" b="0" kern="1200" dirty="0"/>
         </a:p>
       </dsp:txBody>
       <dsp:txXfrm>
-        <a:off x="421246" y="1310545"/>
-        <a:ext cx="3622722" cy="1123324"/>
+        <a:off x="540059" y="1310545"/>
+        <a:ext cx="4850458" cy="1123324"/>
       </dsp:txXfrm>
     </dsp:sp>
     <dsp:sp modelId="{49AB87C6-0C0C-427C-B09A-1FD1EC7BF601}">
@@ -5111,8 +6076,8 @@
       </dsp:nvSpPr>
       <dsp:spPr>
         <a:xfrm>
-          <a:off x="842493" y="2621091"/>
-          <a:ext cx="4774130" cy="1123324"/>
+          <a:off x="1080119" y="2621091"/>
+          <a:ext cx="6120680" cy="1123324"/>
         </a:xfrm>
         <a:prstGeom prst="roundRect">
           <a:avLst>
@@ -5171,15 +6136,15 @@
             </a:spcAft>
           </a:pPr>
           <a:r>
-            <a:rPr lang="es-AR" sz="2200" kern="1200" dirty="0" smtClean="0"/>
+            <a:rPr lang="es-AR" sz="2200" b="0" kern="1200" dirty="0" smtClean="0"/>
             <a:t>Verificación del cliente en reunión formal</a:t>
           </a:r>
-          <a:endParaRPr lang="en-US" sz="2200" kern="1200" dirty="0"/>
+          <a:endParaRPr lang="en-US" sz="2200" b="0" kern="1200" dirty="0"/>
         </a:p>
       </dsp:txBody>
       <dsp:txXfrm>
-        <a:off x="842493" y="2621091"/>
-        <a:ext cx="3622722" cy="1123324"/>
+        <a:off x="1080119" y="2621091"/>
+        <a:ext cx="4850458" cy="1123324"/>
       </dsp:txXfrm>
     </dsp:sp>
     <dsp:sp modelId="{8717C3D6-AEB4-43BC-8C14-00EF8DABA0F1}">
@@ -5189,7 +6154,7 @@
       </dsp:nvSpPr>
       <dsp:spPr>
         <a:xfrm>
-          <a:off x="4043969" y="851854"/>
+          <a:off x="5390518" y="851854"/>
           <a:ext cx="730161" cy="730161"/>
         </a:xfrm>
         <a:prstGeom prst="downArrow">
@@ -5244,12 +6209,12 @@
         <a:fontRef idx="minor"/>
       </dsp:style>
       <dsp:txBody>
-        <a:bodyPr spcFirstLastPara="0" vert="horz" wrap="square" lIns="41910" tIns="41910" rIns="41910" bIns="41910" numCol="1" spcCol="1270" anchor="ctr" anchorCtr="0">
+        <a:bodyPr spcFirstLastPara="0" vert="horz" wrap="square" lIns="27940" tIns="27940" rIns="27940" bIns="27940" numCol="1" spcCol="1270" anchor="ctr" anchorCtr="0">
           <a:noAutofit/>
         </a:bodyPr>
         <a:lstStyle/>
         <a:p>
-          <a:pPr lvl="0" algn="ctr" defTabSz="1466850">
+          <a:pPr lvl="0" algn="ctr" defTabSz="977900">
             <a:lnSpc>
               <a:spcPct val="90000"/>
             </a:lnSpc>
@@ -5260,11 +6225,11 @@
               <a:spcPct val="35000"/>
             </a:spcAft>
           </a:pPr>
-          <a:endParaRPr lang="en-US" sz="3300" kern="1200"/>
+          <a:endParaRPr lang="en-US" sz="2200" b="0" kern="1200"/>
         </a:p>
       </dsp:txBody>
       <dsp:txXfrm>
-        <a:off x="4043969" y="851854"/>
+        <a:off x="5390518" y="851854"/>
         <a:ext cx="730161" cy="730161"/>
       </dsp:txXfrm>
     </dsp:sp>
@@ -5275,7 +6240,7 @@
       </dsp:nvSpPr>
       <dsp:spPr>
         <a:xfrm>
-          <a:off x="4465216" y="2154911"/>
+          <a:off x="5930578" y="2154911"/>
           <a:ext cx="730161" cy="730161"/>
         </a:xfrm>
         <a:prstGeom prst="downArrow">
@@ -5330,12 +6295,12 @@
         <a:fontRef idx="minor"/>
       </dsp:style>
       <dsp:txBody>
-        <a:bodyPr spcFirstLastPara="0" vert="horz" wrap="square" lIns="41910" tIns="41910" rIns="41910" bIns="41910" numCol="1" spcCol="1270" anchor="ctr" anchorCtr="0">
+        <a:bodyPr spcFirstLastPara="0" vert="horz" wrap="square" lIns="27940" tIns="27940" rIns="27940" bIns="27940" numCol="1" spcCol="1270" anchor="ctr" anchorCtr="0">
           <a:noAutofit/>
         </a:bodyPr>
         <a:lstStyle/>
         <a:p>
-          <a:pPr lvl="0" algn="ctr" defTabSz="1466850">
+          <a:pPr lvl="0" algn="ctr" defTabSz="977900">
             <a:lnSpc>
               <a:spcPct val="90000"/>
             </a:lnSpc>
@@ -5346,11 +6311,11 @@
               <a:spcPct val="35000"/>
             </a:spcAft>
           </a:pPr>
-          <a:endParaRPr lang="en-US" sz="3300" kern="1200"/>
+          <a:endParaRPr lang="en-US" sz="2200" b="0" kern="1200"/>
         </a:p>
       </dsp:txBody>
       <dsp:txXfrm>
-        <a:off x="4465216" y="2154911"/>
+        <a:off x="5930578" y="2154911"/>
         <a:ext cx="730161" cy="730161"/>
       </dsp:txXfrm>
     </dsp:sp>
@@ -5359,6 +6324,390 @@
 </file>
 
 <file path=ppt/diagrams/drawing3.xml><?xml version="1.0" encoding="utf-8"?>
+<dsp:drawing xmlns:dgm="http://schemas.openxmlformats.org/drawingml/2006/diagram" xmlns:a="http://schemas.openxmlformats.org/drawingml/2006/main" xmlns:dsp="http://schemas.microsoft.com/office/drawing/2008/diagram">
+  <dsp:spTree>
+    <dsp:nvGrpSpPr>
+      <dsp:cNvPr id="0" name=""/>
+      <dsp:cNvGrpSpPr/>
+    </dsp:nvGrpSpPr>
+    <dsp:grpSpPr/>
+    <dsp:sp modelId="{B3E6B583-9654-4E7F-892D-8908B1435FF6}">
+      <dsp:nvSpPr>
+        <dsp:cNvPr id="0" name=""/>
+        <dsp:cNvSpPr/>
+      </dsp:nvSpPr>
+      <dsp:spPr>
+        <a:xfrm>
+          <a:off x="534659" y="0"/>
+          <a:ext cx="6059473" cy="4248472"/>
+        </a:xfrm>
+        <a:prstGeom prst="rightArrow">
+          <a:avLst/>
+        </a:prstGeom>
+        <a:solidFill>
+          <a:schemeClr val="dk2">
+            <a:tint val="40000"/>
+            <a:hueOff val="0"/>
+            <a:satOff val="0"/>
+            <a:lumOff val="0"/>
+            <a:alphaOff val="0"/>
+          </a:schemeClr>
+        </a:solidFill>
+        <a:ln>
+          <a:noFill/>
+        </a:ln>
+        <a:effectLst>
+          <a:outerShdw blurRad="40000" dist="23000" dir="5400000" rotWithShape="0">
+            <a:srgbClr val="000000">
+              <a:alpha val="35000"/>
+            </a:srgbClr>
+          </a:outerShdw>
+        </a:effectLst>
+      </dsp:spPr>
+      <dsp:style>
+        <a:lnRef idx="0">
+          <a:scrgbClr r="0" g="0" b="0"/>
+        </a:lnRef>
+        <a:fillRef idx="1">
+          <a:scrgbClr r="0" g="0" b="0"/>
+        </a:fillRef>
+        <a:effectRef idx="2">
+          <a:scrgbClr r="0" g="0" b="0"/>
+        </a:effectRef>
+        <a:fontRef idx="minor"/>
+      </dsp:style>
+    </dsp:sp>
+    <dsp:sp modelId="{C9C6AA2F-F6CE-4F9A-A0A0-A4FB364B78E4}">
+      <dsp:nvSpPr>
+        <dsp:cNvPr id="0" name=""/>
+        <dsp:cNvSpPr/>
+      </dsp:nvSpPr>
+      <dsp:spPr>
+        <a:xfrm>
+          <a:off x="1903" y="1274541"/>
+          <a:ext cx="2081703" cy="1699388"/>
+        </a:xfrm>
+        <a:prstGeom prst="roundRect">
+          <a:avLst/>
+        </a:prstGeom>
+        <a:gradFill rotWithShape="0">
+          <a:gsLst>
+            <a:gs pos="0">
+              <a:schemeClr val="dk2">
+                <a:hueOff val="0"/>
+                <a:satOff val="0"/>
+                <a:lumOff val="0"/>
+                <a:alphaOff val="0"/>
+                <a:shade val="51000"/>
+                <a:satMod val="130000"/>
+              </a:schemeClr>
+            </a:gs>
+            <a:gs pos="80000">
+              <a:schemeClr val="dk2">
+                <a:hueOff val="0"/>
+                <a:satOff val="0"/>
+                <a:lumOff val="0"/>
+                <a:alphaOff val="0"/>
+                <a:shade val="93000"/>
+                <a:satMod val="130000"/>
+              </a:schemeClr>
+            </a:gs>
+            <a:gs pos="100000">
+              <a:schemeClr val="dk2">
+                <a:hueOff val="0"/>
+                <a:satOff val="0"/>
+                <a:lumOff val="0"/>
+                <a:alphaOff val="0"/>
+                <a:shade val="94000"/>
+                <a:satMod val="135000"/>
+              </a:schemeClr>
+            </a:gs>
+          </a:gsLst>
+          <a:lin ang="16200000" scaled="0"/>
+        </a:gradFill>
+        <a:ln>
+          <a:noFill/>
+        </a:ln>
+        <a:effectLst>
+          <a:outerShdw blurRad="40000" dist="23000" dir="5400000" rotWithShape="0">
+            <a:srgbClr val="000000">
+              <a:alpha val="35000"/>
+            </a:srgbClr>
+          </a:outerShdw>
+        </a:effectLst>
+      </dsp:spPr>
+      <dsp:style>
+        <a:lnRef idx="0">
+          <a:scrgbClr r="0" g="0" b="0"/>
+        </a:lnRef>
+        <a:fillRef idx="3">
+          <a:scrgbClr r="0" g="0" b="0"/>
+        </a:fillRef>
+        <a:effectRef idx="2">
+          <a:scrgbClr r="0" g="0" b="0"/>
+        </a:effectRef>
+        <a:fontRef idx="minor">
+          <a:schemeClr val="lt1"/>
+        </a:fontRef>
+      </dsp:style>
+      <dsp:txBody>
+        <a:bodyPr spcFirstLastPara="0" vert="horz" wrap="square" lIns="68580" tIns="68580" rIns="68580" bIns="68580" numCol="1" spcCol="1270" anchor="ctr" anchorCtr="0">
+          <a:noAutofit/>
+        </a:bodyPr>
+        <a:lstStyle/>
+        <a:p>
+          <a:pPr lvl="0" algn="ctr" defTabSz="800100">
+            <a:lnSpc>
+              <a:spcPct val="90000"/>
+            </a:lnSpc>
+            <a:spcBef>
+              <a:spcPct val="0"/>
+            </a:spcBef>
+            <a:spcAft>
+              <a:spcPct val="35000"/>
+            </a:spcAft>
+          </a:pPr>
+          <a:r>
+            <a:rPr lang="es-AR" sz="1800" kern="1200" dirty="0" smtClean="0"/>
+            <a:t>Agregado de nuevas </a:t>
+          </a:r>
+          <a:r>
+            <a:rPr lang="es-AR" sz="1800" kern="1200" dirty="0" err="1" smtClean="0"/>
+            <a:t>stories</a:t>
+          </a:r>
+          <a:endParaRPr lang="en-US" sz="1800" kern="1200" dirty="0"/>
+        </a:p>
+      </dsp:txBody>
+      <dsp:txXfrm>
+        <a:off x="1903" y="1274541"/>
+        <a:ext cx="2081703" cy="1699388"/>
+      </dsp:txXfrm>
+    </dsp:sp>
+    <dsp:sp modelId="{89E31B8C-B1F1-4ACF-9FA6-A908EB5B54AA}">
+      <dsp:nvSpPr>
+        <dsp:cNvPr id="0" name=""/>
+        <dsp:cNvSpPr/>
+      </dsp:nvSpPr>
+      <dsp:spPr>
+        <a:xfrm>
+          <a:off x="2406979" y="1274541"/>
+          <a:ext cx="2081703" cy="1699388"/>
+        </a:xfrm>
+        <a:prstGeom prst="roundRect">
+          <a:avLst/>
+        </a:prstGeom>
+        <a:gradFill rotWithShape="0">
+          <a:gsLst>
+            <a:gs pos="0">
+              <a:schemeClr val="dk2">
+                <a:hueOff val="0"/>
+                <a:satOff val="0"/>
+                <a:lumOff val="0"/>
+                <a:alphaOff val="0"/>
+                <a:shade val="51000"/>
+                <a:satMod val="130000"/>
+              </a:schemeClr>
+            </a:gs>
+            <a:gs pos="80000">
+              <a:schemeClr val="dk2">
+                <a:hueOff val="0"/>
+                <a:satOff val="0"/>
+                <a:lumOff val="0"/>
+                <a:alphaOff val="0"/>
+                <a:shade val="93000"/>
+                <a:satMod val="130000"/>
+              </a:schemeClr>
+            </a:gs>
+            <a:gs pos="100000">
+              <a:schemeClr val="dk2">
+                <a:hueOff val="0"/>
+                <a:satOff val="0"/>
+                <a:lumOff val="0"/>
+                <a:alphaOff val="0"/>
+                <a:shade val="94000"/>
+                <a:satMod val="135000"/>
+              </a:schemeClr>
+            </a:gs>
+          </a:gsLst>
+          <a:lin ang="16200000" scaled="0"/>
+        </a:gradFill>
+        <a:ln>
+          <a:noFill/>
+        </a:ln>
+        <a:effectLst>
+          <a:outerShdw blurRad="40000" dist="23000" dir="5400000" rotWithShape="0">
+            <a:srgbClr val="000000">
+              <a:alpha val="35000"/>
+            </a:srgbClr>
+          </a:outerShdw>
+        </a:effectLst>
+      </dsp:spPr>
+      <dsp:style>
+        <a:lnRef idx="0">
+          <a:scrgbClr r="0" g="0" b="0"/>
+        </a:lnRef>
+        <a:fillRef idx="3">
+          <a:scrgbClr r="0" g="0" b="0"/>
+        </a:fillRef>
+        <a:effectRef idx="2">
+          <a:scrgbClr r="0" g="0" b="0"/>
+        </a:effectRef>
+        <a:fontRef idx="minor">
+          <a:schemeClr val="lt1"/>
+        </a:fontRef>
+      </dsp:style>
+      <dsp:txBody>
+        <a:bodyPr spcFirstLastPara="0" vert="horz" wrap="square" lIns="68580" tIns="68580" rIns="68580" bIns="68580" numCol="1" spcCol="1270" anchor="ctr" anchorCtr="0">
+          <a:noAutofit/>
+        </a:bodyPr>
+        <a:lstStyle/>
+        <a:p>
+          <a:pPr lvl="0" algn="ctr" defTabSz="800100">
+            <a:lnSpc>
+              <a:spcPct val="90000"/>
+            </a:lnSpc>
+            <a:spcBef>
+              <a:spcPct val="0"/>
+            </a:spcBef>
+            <a:spcAft>
+              <a:spcPct val="35000"/>
+            </a:spcAft>
+          </a:pPr>
+          <a:r>
+            <a:rPr lang="es-AR" sz="1800" kern="1200" dirty="0" err="1" smtClean="0"/>
+            <a:t>Repriorización</a:t>
+          </a:r>
+          <a:r>
+            <a:rPr lang="es-AR" sz="1800" kern="1200" dirty="0" smtClean="0"/>
+            <a:t> del </a:t>
+          </a:r>
+          <a:r>
+            <a:rPr lang="es-AR" sz="1800" kern="1200" dirty="0" err="1" smtClean="0"/>
+            <a:t>backlog</a:t>
+          </a:r>
+          <a:endParaRPr lang="en-US" sz="1800" kern="1200" dirty="0"/>
+        </a:p>
+      </dsp:txBody>
+      <dsp:txXfrm>
+        <a:off x="2406979" y="1274541"/>
+        <a:ext cx="2081703" cy="1699388"/>
+      </dsp:txXfrm>
+    </dsp:sp>
+    <dsp:sp modelId="{31A8DE1E-3226-437D-9608-072DF772CBF1}">
+      <dsp:nvSpPr>
+        <dsp:cNvPr id="0" name=""/>
+        <dsp:cNvSpPr/>
+      </dsp:nvSpPr>
+      <dsp:spPr>
+        <a:xfrm>
+          <a:off x="4812054" y="1274541"/>
+          <a:ext cx="2314833" cy="1699388"/>
+        </a:xfrm>
+        <a:prstGeom prst="roundRect">
+          <a:avLst/>
+        </a:prstGeom>
+        <a:gradFill rotWithShape="0">
+          <a:gsLst>
+            <a:gs pos="0">
+              <a:schemeClr val="dk2">
+                <a:hueOff val="0"/>
+                <a:satOff val="0"/>
+                <a:lumOff val="0"/>
+                <a:alphaOff val="0"/>
+                <a:shade val="51000"/>
+                <a:satMod val="130000"/>
+              </a:schemeClr>
+            </a:gs>
+            <a:gs pos="80000">
+              <a:schemeClr val="dk2">
+                <a:hueOff val="0"/>
+                <a:satOff val="0"/>
+                <a:lumOff val="0"/>
+                <a:alphaOff val="0"/>
+                <a:shade val="93000"/>
+                <a:satMod val="130000"/>
+              </a:schemeClr>
+            </a:gs>
+            <a:gs pos="100000">
+              <a:schemeClr val="dk2">
+                <a:hueOff val="0"/>
+                <a:satOff val="0"/>
+                <a:lumOff val="0"/>
+                <a:alphaOff val="0"/>
+                <a:shade val="94000"/>
+                <a:satMod val="135000"/>
+              </a:schemeClr>
+            </a:gs>
+          </a:gsLst>
+          <a:lin ang="16200000" scaled="0"/>
+        </a:gradFill>
+        <a:ln>
+          <a:noFill/>
+        </a:ln>
+        <a:effectLst>
+          <a:outerShdw blurRad="40000" dist="23000" dir="5400000" rotWithShape="0">
+            <a:srgbClr val="000000">
+              <a:alpha val="35000"/>
+            </a:srgbClr>
+          </a:outerShdw>
+        </a:effectLst>
+      </dsp:spPr>
+      <dsp:style>
+        <a:lnRef idx="0">
+          <a:scrgbClr r="0" g="0" b="0"/>
+        </a:lnRef>
+        <a:fillRef idx="3">
+          <a:scrgbClr r="0" g="0" b="0"/>
+        </a:fillRef>
+        <a:effectRef idx="2">
+          <a:scrgbClr r="0" g="0" b="0"/>
+        </a:effectRef>
+        <a:fontRef idx="minor">
+          <a:schemeClr val="lt1"/>
+        </a:fontRef>
+      </dsp:style>
+      <dsp:txBody>
+        <a:bodyPr spcFirstLastPara="0" vert="horz" wrap="square" lIns="68580" tIns="68580" rIns="68580" bIns="68580" numCol="1" spcCol="1270" anchor="ctr" anchorCtr="0">
+          <a:noAutofit/>
+        </a:bodyPr>
+        <a:lstStyle/>
+        <a:p>
+          <a:pPr lvl="0" algn="ctr" defTabSz="800100">
+            <a:lnSpc>
+              <a:spcPct val="90000"/>
+            </a:lnSpc>
+            <a:spcBef>
+              <a:spcPct val="0"/>
+            </a:spcBef>
+            <a:spcAft>
+              <a:spcPct val="35000"/>
+            </a:spcAft>
+          </a:pPr>
+          <a:r>
+            <a:rPr lang="es-AR" sz="1800" kern="1200" dirty="0" smtClean="0"/>
+            <a:t>Implementación de nuevas </a:t>
+          </a:r>
+          <a:r>
+            <a:rPr lang="es-AR" sz="1800" kern="1200" dirty="0" err="1" smtClean="0"/>
+            <a:t>stories</a:t>
+          </a:r>
+          <a:r>
+            <a:rPr lang="es-AR" sz="1800" kern="1200" dirty="0" smtClean="0"/>
+            <a:t> en Sprint 2</a:t>
+          </a:r>
+          <a:endParaRPr lang="en-US" sz="1800" kern="1200" dirty="0"/>
+        </a:p>
+      </dsp:txBody>
+      <dsp:txXfrm>
+        <a:off x="4812054" y="1274541"/>
+        <a:ext cx="2314833" cy="1699388"/>
+      </dsp:txXfrm>
+    </dsp:sp>
+  </dsp:spTree>
+</dsp:drawing>
+</file>
+
+<file path=ppt/diagrams/drawing4.xml><?xml version="1.0" encoding="utf-8"?>
 <dsp:drawing xmlns:dgm="http://schemas.openxmlformats.org/drawingml/2006/diagram" xmlns:a="http://schemas.openxmlformats.org/drawingml/2006/main" xmlns:dsp="http://schemas.microsoft.com/office/drawing/2008/diagram">
   <dsp:spTree>
     <dsp:nvGrpSpPr>
@@ -7157,6 +8506,160 @@
 </file>
 
 <file path=ppt/diagrams/layout3.xml><?xml version="1.0" encoding="utf-8"?>
+<dgm:layoutDef xmlns:dgm="http://schemas.openxmlformats.org/drawingml/2006/diagram" xmlns:a="http://schemas.openxmlformats.org/drawingml/2006/main" uniqueId="urn:microsoft.com/office/officeart/2005/8/layout/hProcess9">
+  <dgm:title val=""/>
+  <dgm:desc val=""/>
+  <dgm:catLst>
+    <dgm:cat type="process" pri="5000"/>
+    <dgm:cat type="convert" pri="13000"/>
+  </dgm:catLst>
+  <dgm:sampData useDef="1">
+    <dgm:dataModel>
+      <dgm:ptLst/>
+      <dgm:bg/>
+      <dgm:whole/>
+    </dgm:dataModel>
+  </dgm:sampData>
+  <dgm:styleData>
+    <dgm:dataModel>
+      <dgm:ptLst>
+        <dgm:pt modelId="0" type="doc"/>
+        <dgm:pt modelId="1"/>
+        <dgm:pt modelId="2"/>
+      </dgm:ptLst>
+      <dgm:cxnLst>
+        <dgm:cxn modelId="3" srcId="0" destId="1" srcOrd="0" destOrd="0"/>
+        <dgm:cxn modelId="4" srcId="0" destId="2" srcOrd="1" destOrd="0"/>
+      </dgm:cxnLst>
+      <dgm:bg/>
+      <dgm:whole/>
+    </dgm:dataModel>
+  </dgm:styleData>
+  <dgm:clrData>
+    <dgm:dataModel>
+      <dgm:ptLst>
+        <dgm:pt modelId="0" type="doc"/>
+        <dgm:pt modelId="1"/>
+        <dgm:pt modelId="2"/>
+        <dgm:pt modelId="3"/>
+        <dgm:pt modelId="4"/>
+      </dgm:ptLst>
+      <dgm:cxnLst>
+        <dgm:cxn modelId="5" srcId="0" destId="1" srcOrd="0" destOrd="0"/>
+        <dgm:cxn modelId="6" srcId="0" destId="2" srcOrd="1" destOrd="0"/>
+        <dgm:cxn modelId="7" srcId="0" destId="3" srcOrd="2" destOrd="0"/>
+        <dgm:cxn modelId="8" srcId="0" destId="4" srcOrd="3" destOrd="0"/>
+      </dgm:cxnLst>
+      <dgm:bg/>
+      <dgm:whole/>
+    </dgm:dataModel>
+  </dgm:clrData>
+  <dgm:layoutNode name="CompostProcess">
+    <dgm:varLst>
+      <dgm:dir/>
+      <dgm:resizeHandles val="exact"/>
+    </dgm:varLst>
+    <dgm:alg type="composite">
+      <dgm:param type="horzAlign" val="ctr"/>
+      <dgm:param type="vertAlign" val="mid"/>
+    </dgm:alg>
+    <dgm:shape xmlns:r="http://schemas.openxmlformats.org/officeDocument/2006/relationships" r:blip="">
+      <dgm:adjLst/>
+    </dgm:shape>
+    <dgm:presOf/>
+    <dgm:constrLst>
+      <dgm:constr type="w" for="ch" forName="arrow" refType="w" fact="0.85"/>
+      <dgm:constr type="h" for="ch" forName="arrow" refType="h"/>
+      <dgm:constr type="ctrX" for="ch" forName="arrow" refType="w" fact="0.5"/>
+      <dgm:constr type="ctrY" for="ch" forName="arrow" refType="h" fact="0.5"/>
+      <dgm:constr type="w" for="ch" forName="linearProcess" refType="w"/>
+      <dgm:constr type="h" for="ch" forName="linearProcess" refType="h" fact="0.4"/>
+      <dgm:constr type="ctrX" for="ch" forName="linearProcess" refType="w" fact="0.5"/>
+      <dgm:constr type="ctrY" for="ch" forName="linearProcess" refType="h" fact="0.5"/>
+    </dgm:constrLst>
+    <dgm:ruleLst/>
+    <dgm:layoutNode name="arrow" styleLbl="bgShp">
+      <dgm:alg type="sp"/>
+      <dgm:choose name="Name0">
+        <dgm:if name="Name1" func="var" arg="dir" op="equ" val="norm">
+          <dgm:shape xmlns:r="http://schemas.openxmlformats.org/officeDocument/2006/relationships" type="rightArrow" r:blip="">
+            <dgm:adjLst/>
+          </dgm:shape>
+        </dgm:if>
+        <dgm:else name="Name2">
+          <dgm:shape xmlns:r="http://schemas.openxmlformats.org/officeDocument/2006/relationships" type="leftArrow" r:blip="">
+            <dgm:adjLst/>
+          </dgm:shape>
+        </dgm:else>
+      </dgm:choose>
+      <dgm:presOf/>
+      <dgm:constrLst/>
+      <dgm:ruleLst/>
+    </dgm:layoutNode>
+    <dgm:layoutNode name="linearProcess">
+      <dgm:choose name="Name3">
+        <dgm:if name="Name4" func="var" arg="dir" op="equ" val="norm">
+          <dgm:alg type="lin"/>
+        </dgm:if>
+        <dgm:else name="Name5">
+          <dgm:alg type="lin">
+            <dgm:param type="linDir" val="fromR"/>
+          </dgm:alg>
+        </dgm:else>
+      </dgm:choose>
+      <dgm:shape xmlns:r="http://schemas.openxmlformats.org/officeDocument/2006/relationships" r:blip="">
+        <dgm:adjLst/>
+      </dgm:shape>
+      <dgm:presOf/>
+      <dgm:constrLst>
+        <dgm:constr type="userA" for="ch" ptType="node" refType="w"/>
+        <dgm:constr type="h" for="ch" ptType="node" refType="h"/>
+        <dgm:constr type="w" for="ch" ptType="node" op="equ"/>
+        <dgm:constr type="w" for="ch" forName="sibTrans" refType="w" fact="0.05"/>
+        <dgm:constr type="primFontSz" for="ch" ptType="node" op="equ" val="65"/>
+      </dgm:constrLst>
+      <dgm:ruleLst/>
+      <dgm:forEach name="Name6" axis="ch" ptType="node">
+        <dgm:layoutNode name="textNode" styleLbl="node1">
+          <dgm:varLst>
+            <dgm:bulletEnabled val="1"/>
+          </dgm:varLst>
+          <dgm:alg type="tx"/>
+          <dgm:shape xmlns:r="http://schemas.openxmlformats.org/officeDocument/2006/relationships" type="roundRect" r:blip="">
+            <dgm:adjLst/>
+          </dgm:shape>
+          <dgm:presOf axis="desOrSelf" ptType="node"/>
+          <dgm:constrLst>
+            <dgm:constr type="userA"/>
+            <dgm:constr type="w" refType="userA" fact="0.3"/>
+            <dgm:constr type="tMarg" refType="primFontSz" fact="0.3"/>
+            <dgm:constr type="bMarg" refType="primFontSz" fact="0.3"/>
+            <dgm:constr type="lMarg" refType="primFontSz" fact="0.3"/>
+            <dgm:constr type="rMarg" refType="primFontSz" fact="0.3"/>
+          </dgm:constrLst>
+          <dgm:ruleLst>
+            <dgm:rule type="w" val="NaN" fact="1" max="NaN"/>
+            <dgm:rule type="primFontSz" val="5" fact="NaN" max="NaN"/>
+          </dgm:ruleLst>
+        </dgm:layoutNode>
+        <dgm:forEach name="Name7" axis="followSib" ptType="sibTrans" cnt="1">
+          <dgm:layoutNode name="sibTrans">
+            <dgm:alg type="sp"/>
+            <dgm:shape xmlns:r="http://schemas.openxmlformats.org/officeDocument/2006/relationships" r:blip="">
+              <dgm:adjLst/>
+            </dgm:shape>
+            <dgm:presOf/>
+            <dgm:constrLst/>
+            <dgm:ruleLst/>
+          </dgm:layoutNode>
+        </dgm:forEach>
+      </dgm:forEach>
+    </dgm:layoutNode>
+  </dgm:layoutNode>
+</dgm:layoutDef>
+</file>
+
+<file path=ppt/diagrams/layout4.xml><?xml version="1.0" encoding="utf-8"?>
 <dgm:layoutDef xmlns:dgm="http://schemas.openxmlformats.org/drawingml/2006/diagram" xmlns:a="http://schemas.openxmlformats.org/drawingml/2006/main" uniqueId="urn:microsoft.com/office/officeart/2005/8/layout/default">
   <dgm:title val=""/>
   <dgm:desc val=""/>
@@ -9449,6 +10952,1040 @@
 </file>
 
 <file path=ppt/diagrams/quickStyle3.xml><?xml version="1.0" encoding="utf-8"?>
+<dgm:styleDef xmlns:dgm="http://schemas.openxmlformats.org/drawingml/2006/diagram" xmlns:a="http://schemas.openxmlformats.org/drawingml/2006/main" uniqueId="urn:microsoft.com/office/officeart/2005/8/quickstyle/simple4">
+  <dgm:title val=""/>
+  <dgm:desc val=""/>
+  <dgm:catLst>
+    <dgm:cat type="simple" pri="10400"/>
+  </dgm:catLst>
+  <dgm:scene3d>
+    <a:camera prst="orthographicFront"/>
+    <a:lightRig rig="threePt" dir="t"/>
+  </dgm:scene3d>
+  <dgm:styleLbl name="node0">
+    <dgm:scene3d>
+      <a:camera prst="orthographicFront"/>
+      <a:lightRig rig="threePt" dir="t"/>
+    </dgm:scene3d>
+    <dgm:sp3d/>
+    <dgm:txPr/>
+    <dgm:style>
+      <a:lnRef idx="0">
+        <a:scrgbClr r="0" g="0" b="0"/>
+      </a:lnRef>
+      <a:fillRef idx="3">
+        <a:scrgbClr r="0" g="0" b="0"/>
+      </a:fillRef>
+      <a:effectRef idx="2">
+        <a:scrgbClr r="0" g="0" b="0"/>
+      </a:effectRef>
+      <a:fontRef idx="minor">
+        <a:schemeClr val="lt1"/>
+      </a:fontRef>
+    </dgm:style>
+  </dgm:styleLbl>
+  <dgm:styleLbl name="lnNode1">
+    <dgm:scene3d>
+      <a:camera prst="orthographicFront"/>
+      <a:lightRig rig="threePt" dir="t"/>
+    </dgm:scene3d>
+    <dgm:sp3d/>
+    <dgm:txPr/>
+    <dgm:style>
+      <a:lnRef idx="1">
+        <a:scrgbClr r="0" g="0" b="0"/>
+      </a:lnRef>
+      <a:fillRef idx="3">
+        <a:scrgbClr r="0" g="0" b="0"/>
+      </a:fillRef>
+      <a:effectRef idx="2">
+        <a:scrgbClr r="0" g="0" b="0"/>
+      </a:effectRef>
+      <a:fontRef idx="minor">
+        <a:schemeClr val="lt1"/>
+      </a:fontRef>
+    </dgm:style>
+  </dgm:styleLbl>
+  <dgm:styleLbl name="vennNode1">
+    <dgm:scene3d>
+      <a:camera prst="orthographicFront"/>
+      <a:lightRig rig="threePt" dir="t"/>
+    </dgm:scene3d>
+    <dgm:sp3d/>
+    <dgm:txPr/>
+    <dgm:style>
+      <a:lnRef idx="0">
+        <a:scrgbClr r="0" g="0" b="0"/>
+      </a:lnRef>
+      <a:fillRef idx="3">
+        <a:scrgbClr r="0" g="0" b="0"/>
+      </a:fillRef>
+      <a:effectRef idx="0">
+        <a:scrgbClr r="0" g="0" b="0"/>
+      </a:effectRef>
+      <a:fontRef idx="minor">
+        <a:schemeClr val="tx1"/>
+      </a:fontRef>
+    </dgm:style>
+  </dgm:styleLbl>
+  <dgm:styleLbl name="alignNode1">
+    <dgm:scene3d>
+      <a:camera prst="orthographicFront"/>
+      <a:lightRig rig="threePt" dir="t"/>
+    </dgm:scene3d>
+    <dgm:sp3d/>
+    <dgm:txPr/>
+    <dgm:style>
+      <a:lnRef idx="1">
+        <a:scrgbClr r="0" g="0" b="0"/>
+      </a:lnRef>
+      <a:fillRef idx="3">
+        <a:scrgbClr r="0" g="0" b="0"/>
+      </a:fillRef>
+      <a:effectRef idx="2">
+        <a:scrgbClr r="0" g="0" b="0"/>
+      </a:effectRef>
+      <a:fontRef idx="minor">
+        <a:schemeClr val="lt1"/>
+      </a:fontRef>
+    </dgm:style>
+  </dgm:styleLbl>
+  <dgm:styleLbl name="node1">
+    <dgm:scene3d>
+      <a:camera prst="orthographicFront"/>
+      <a:lightRig rig="threePt" dir="t"/>
+    </dgm:scene3d>
+    <dgm:sp3d/>
+    <dgm:txPr/>
+    <dgm:style>
+      <a:lnRef idx="0">
+        <a:scrgbClr r="0" g="0" b="0"/>
+      </a:lnRef>
+      <a:fillRef idx="3">
+        <a:scrgbClr r="0" g="0" b="0"/>
+      </a:fillRef>
+      <a:effectRef idx="2">
+        <a:scrgbClr r="0" g="0" b="0"/>
+      </a:effectRef>
+      <a:fontRef idx="minor">
+        <a:schemeClr val="lt1"/>
+      </a:fontRef>
+    </dgm:style>
+  </dgm:styleLbl>
+  <dgm:styleLbl name="node2">
+    <dgm:scene3d>
+      <a:camera prst="orthographicFront"/>
+      <a:lightRig rig="threePt" dir="t"/>
+    </dgm:scene3d>
+    <dgm:sp3d/>
+    <dgm:txPr/>
+    <dgm:style>
+      <a:lnRef idx="0">
+        <a:scrgbClr r="0" g="0" b="0"/>
+      </a:lnRef>
+      <a:fillRef idx="3">
+        <a:scrgbClr r="0" g="0" b="0"/>
+      </a:fillRef>
+      <a:effectRef idx="2">
+        <a:scrgbClr r="0" g="0" b="0"/>
+      </a:effectRef>
+      <a:fontRef idx="minor">
+        <a:schemeClr val="lt1"/>
+      </a:fontRef>
+    </dgm:style>
+  </dgm:styleLbl>
+  <dgm:styleLbl name="node3">
+    <dgm:scene3d>
+      <a:camera prst="orthographicFront"/>
+      <a:lightRig rig="threePt" dir="t"/>
+    </dgm:scene3d>
+    <dgm:sp3d/>
+    <dgm:txPr/>
+    <dgm:style>
+      <a:lnRef idx="0">
+        <a:scrgbClr r="0" g="0" b="0"/>
+      </a:lnRef>
+      <a:fillRef idx="3">
+        <a:scrgbClr r="0" g="0" b="0"/>
+      </a:fillRef>
+      <a:effectRef idx="2">
+        <a:scrgbClr r="0" g="0" b="0"/>
+      </a:effectRef>
+      <a:fontRef idx="minor">
+        <a:schemeClr val="lt1"/>
+      </a:fontRef>
+    </dgm:style>
+  </dgm:styleLbl>
+  <dgm:styleLbl name="node4">
+    <dgm:scene3d>
+      <a:camera prst="orthographicFront"/>
+      <a:lightRig rig="threePt" dir="t"/>
+    </dgm:scene3d>
+    <dgm:sp3d/>
+    <dgm:txPr/>
+    <dgm:style>
+      <a:lnRef idx="0">
+        <a:scrgbClr r="0" g="0" b="0"/>
+      </a:lnRef>
+      <a:fillRef idx="3">
+        <a:scrgbClr r="0" g="0" b="0"/>
+      </a:fillRef>
+      <a:effectRef idx="2">
+        <a:scrgbClr r="0" g="0" b="0"/>
+      </a:effectRef>
+      <a:fontRef idx="minor">
+        <a:schemeClr val="lt1"/>
+      </a:fontRef>
+    </dgm:style>
+  </dgm:styleLbl>
+  <dgm:styleLbl name="fgImgPlace1">
+    <dgm:scene3d>
+      <a:camera prst="orthographicFront"/>
+      <a:lightRig rig="threePt" dir="t"/>
+    </dgm:scene3d>
+    <dgm:sp3d/>
+    <dgm:txPr/>
+    <dgm:style>
+      <a:lnRef idx="0">
+        <a:scrgbClr r="0" g="0" b="0"/>
+      </a:lnRef>
+      <a:fillRef idx="1">
+        <a:scrgbClr r="0" g="0" b="0"/>
+      </a:fillRef>
+      <a:effectRef idx="2">
+        <a:scrgbClr r="0" g="0" b="0"/>
+      </a:effectRef>
+      <a:fontRef idx="minor"/>
+    </dgm:style>
+  </dgm:styleLbl>
+  <dgm:styleLbl name="alignImgPlace1">
+    <dgm:scene3d>
+      <a:camera prst="orthographicFront"/>
+      <a:lightRig rig="threePt" dir="t"/>
+    </dgm:scene3d>
+    <dgm:sp3d/>
+    <dgm:txPr/>
+    <dgm:style>
+      <a:lnRef idx="0">
+        <a:scrgbClr r="0" g="0" b="0"/>
+      </a:lnRef>
+      <a:fillRef idx="1">
+        <a:scrgbClr r="0" g="0" b="0"/>
+      </a:fillRef>
+      <a:effectRef idx="2">
+        <a:scrgbClr r="0" g="0" b="0"/>
+      </a:effectRef>
+      <a:fontRef idx="minor"/>
+    </dgm:style>
+  </dgm:styleLbl>
+  <dgm:styleLbl name="bgImgPlace1">
+    <dgm:scene3d>
+      <a:camera prst="orthographicFront"/>
+      <a:lightRig rig="threePt" dir="t"/>
+    </dgm:scene3d>
+    <dgm:sp3d/>
+    <dgm:txPr/>
+    <dgm:style>
+      <a:lnRef idx="0">
+        <a:scrgbClr r="0" g="0" b="0"/>
+      </a:lnRef>
+      <a:fillRef idx="1">
+        <a:scrgbClr r="0" g="0" b="0"/>
+      </a:fillRef>
+      <a:effectRef idx="2">
+        <a:scrgbClr r="0" g="0" b="0"/>
+      </a:effectRef>
+      <a:fontRef idx="minor"/>
+    </dgm:style>
+  </dgm:styleLbl>
+  <dgm:styleLbl name="sibTrans2D1">
+    <dgm:scene3d>
+      <a:camera prst="orthographicFront"/>
+      <a:lightRig rig="threePt" dir="t"/>
+    </dgm:scene3d>
+    <dgm:sp3d/>
+    <dgm:txPr/>
+    <dgm:style>
+      <a:lnRef idx="0">
+        <a:scrgbClr r="0" g="0" b="0"/>
+      </a:lnRef>
+      <a:fillRef idx="3">
+        <a:scrgbClr r="0" g="0" b="0"/>
+      </a:fillRef>
+      <a:effectRef idx="2">
+        <a:scrgbClr r="0" g="0" b="0"/>
+      </a:effectRef>
+      <a:fontRef idx="minor">
+        <a:schemeClr val="lt1"/>
+      </a:fontRef>
+    </dgm:style>
+  </dgm:styleLbl>
+  <dgm:styleLbl name="fgSibTrans2D1">
+    <dgm:scene3d>
+      <a:camera prst="orthographicFront"/>
+      <a:lightRig rig="threePt" dir="t"/>
+    </dgm:scene3d>
+    <dgm:sp3d/>
+    <dgm:txPr/>
+    <dgm:style>
+      <a:lnRef idx="0">
+        <a:scrgbClr r="0" g="0" b="0"/>
+      </a:lnRef>
+      <a:fillRef idx="3">
+        <a:scrgbClr r="0" g="0" b="0"/>
+      </a:fillRef>
+      <a:effectRef idx="2">
+        <a:scrgbClr r="0" g="0" b="0"/>
+      </a:effectRef>
+      <a:fontRef idx="minor">
+        <a:schemeClr val="lt1"/>
+      </a:fontRef>
+    </dgm:style>
+  </dgm:styleLbl>
+  <dgm:styleLbl name="bgSibTrans2D1">
+    <dgm:scene3d>
+      <a:camera prst="orthographicFront"/>
+      <a:lightRig rig="threePt" dir="t"/>
+    </dgm:scene3d>
+    <dgm:sp3d/>
+    <dgm:txPr/>
+    <dgm:style>
+      <a:lnRef idx="0">
+        <a:scrgbClr r="0" g="0" b="0"/>
+      </a:lnRef>
+      <a:fillRef idx="3">
+        <a:scrgbClr r="0" g="0" b="0"/>
+      </a:fillRef>
+      <a:effectRef idx="2">
+        <a:scrgbClr r="0" g="0" b="0"/>
+      </a:effectRef>
+      <a:fontRef idx="minor">
+        <a:schemeClr val="lt1"/>
+      </a:fontRef>
+    </dgm:style>
+  </dgm:styleLbl>
+  <dgm:styleLbl name="sibTrans1D1">
+    <dgm:scene3d>
+      <a:camera prst="orthographicFront"/>
+      <a:lightRig rig="threePt" dir="t"/>
+    </dgm:scene3d>
+    <dgm:sp3d/>
+    <dgm:txPr/>
+    <dgm:style>
+      <a:lnRef idx="1">
+        <a:scrgbClr r="0" g="0" b="0"/>
+      </a:lnRef>
+      <a:fillRef idx="0">
+        <a:scrgbClr r="0" g="0" b="0"/>
+      </a:fillRef>
+      <a:effectRef idx="0">
+        <a:scrgbClr r="0" g="0" b="0"/>
+      </a:effectRef>
+      <a:fontRef idx="minor"/>
+    </dgm:style>
+  </dgm:styleLbl>
+  <dgm:styleLbl name="callout">
+    <dgm:scene3d>
+      <a:camera prst="orthographicFront"/>
+      <a:lightRig rig="threePt" dir="t"/>
+    </dgm:scene3d>
+    <dgm:sp3d/>
+    <dgm:txPr/>
+    <dgm:style>
+      <a:lnRef idx="2">
+        <a:scrgbClr r="0" g="0" b="0"/>
+      </a:lnRef>
+      <a:fillRef idx="1">
+        <a:scrgbClr r="0" g="0" b="0"/>
+      </a:fillRef>
+      <a:effectRef idx="1">
+        <a:scrgbClr r="0" g="0" b="0"/>
+      </a:effectRef>
+      <a:fontRef idx="minor"/>
+    </dgm:style>
+  </dgm:styleLbl>
+  <dgm:styleLbl name="asst0">
+    <dgm:scene3d>
+      <a:camera prst="orthographicFront"/>
+      <a:lightRig rig="threePt" dir="t"/>
+    </dgm:scene3d>
+    <dgm:sp3d/>
+    <dgm:txPr/>
+    <dgm:style>
+      <a:lnRef idx="0">
+        <a:scrgbClr r="0" g="0" b="0"/>
+      </a:lnRef>
+      <a:fillRef idx="3">
+        <a:scrgbClr r="0" g="0" b="0"/>
+      </a:fillRef>
+      <a:effectRef idx="2">
+        <a:scrgbClr r="0" g="0" b="0"/>
+      </a:effectRef>
+      <a:fontRef idx="minor">
+        <a:schemeClr val="lt1"/>
+      </a:fontRef>
+    </dgm:style>
+  </dgm:styleLbl>
+  <dgm:styleLbl name="asst1">
+    <dgm:scene3d>
+      <a:camera prst="orthographicFront"/>
+      <a:lightRig rig="threePt" dir="t"/>
+    </dgm:scene3d>
+    <dgm:sp3d/>
+    <dgm:txPr/>
+    <dgm:style>
+      <a:lnRef idx="0">
+        <a:scrgbClr r="0" g="0" b="0"/>
+      </a:lnRef>
+      <a:fillRef idx="3">
+        <a:scrgbClr r="0" g="0" b="0"/>
+      </a:fillRef>
+      <a:effectRef idx="2">
+        <a:scrgbClr r="0" g="0" b="0"/>
+      </a:effectRef>
+      <a:fontRef idx="minor">
+        <a:schemeClr val="lt1"/>
+      </a:fontRef>
+    </dgm:style>
+  </dgm:styleLbl>
+  <dgm:styleLbl name="asst2">
+    <dgm:scene3d>
+      <a:camera prst="orthographicFront"/>
+      <a:lightRig rig="threePt" dir="t"/>
+    </dgm:scene3d>
+    <dgm:sp3d/>
+    <dgm:txPr/>
+    <dgm:style>
+      <a:lnRef idx="0">
+        <a:scrgbClr r="0" g="0" b="0"/>
+      </a:lnRef>
+      <a:fillRef idx="3">
+        <a:scrgbClr r="0" g="0" b="0"/>
+      </a:fillRef>
+      <a:effectRef idx="2">
+        <a:scrgbClr r="0" g="0" b="0"/>
+      </a:effectRef>
+      <a:fontRef idx="minor">
+        <a:schemeClr val="lt1"/>
+      </a:fontRef>
+    </dgm:style>
+  </dgm:styleLbl>
+  <dgm:styleLbl name="asst3">
+    <dgm:scene3d>
+      <a:camera prst="orthographicFront"/>
+      <a:lightRig rig="threePt" dir="t"/>
+    </dgm:scene3d>
+    <dgm:sp3d/>
+    <dgm:txPr/>
+    <dgm:style>
+      <a:lnRef idx="0">
+        <a:scrgbClr r="0" g="0" b="0"/>
+      </a:lnRef>
+      <a:fillRef idx="3">
+        <a:scrgbClr r="0" g="0" b="0"/>
+      </a:fillRef>
+      <a:effectRef idx="2">
+        <a:scrgbClr r="0" g="0" b="0"/>
+      </a:effectRef>
+      <a:fontRef idx="minor">
+        <a:schemeClr val="lt1"/>
+      </a:fontRef>
+    </dgm:style>
+  </dgm:styleLbl>
+  <dgm:styleLbl name="asst4">
+    <dgm:scene3d>
+      <a:camera prst="orthographicFront"/>
+      <a:lightRig rig="threePt" dir="t"/>
+    </dgm:scene3d>
+    <dgm:sp3d/>
+    <dgm:txPr/>
+    <dgm:style>
+      <a:lnRef idx="0">
+        <a:scrgbClr r="0" g="0" b="0"/>
+      </a:lnRef>
+      <a:fillRef idx="3">
+        <a:scrgbClr r="0" g="0" b="0"/>
+      </a:fillRef>
+      <a:effectRef idx="2">
+        <a:scrgbClr r="0" g="0" b="0"/>
+      </a:effectRef>
+      <a:fontRef idx="minor">
+        <a:schemeClr val="lt1"/>
+      </a:fontRef>
+    </dgm:style>
+  </dgm:styleLbl>
+  <dgm:styleLbl name="parChTrans2D1">
+    <dgm:scene3d>
+      <a:camera prst="orthographicFront"/>
+      <a:lightRig rig="threePt" dir="t"/>
+    </dgm:scene3d>
+    <dgm:sp3d/>
+    <dgm:txPr/>
+    <dgm:style>
+      <a:lnRef idx="0">
+        <a:scrgbClr r="0" g="0" b="0"/>
+      </a:lnRef>
+      <a:fillRef idx="3">
+        <a:scrgbClr r="0" g="0" b="0"/>
+      </a:fillRef>
+      <a:effectRef idx="2">
+        <a:scrgbClr r="0" g="0" b="0"/>
+      </a:effectRef>
+      <a:fontRef idx="minor">
+        <a:schemeClr val="lt1"/>
+      </a:fontRef>
+    </dgm:style>
+  </dgm:styleLbl>
+  <dgm:styleLbl name="parChTrans2D2">
+    <dgm:scene3d>
+      <a:camera prst="orthographicFront"/>
+      <a:lightRig rig="threePt" dir="t"/>
+    </dgm:scene3d>
+    <dgm:sp3d/>
+    <dgm:txPr/>
+    <dgm:style>
+      <a:lnRef idx="0">
+        <a:scrgbClr r="0" g="0" b="0"/>
+      </a:lnRef>
+      <a:fillRef idx="3">
+        <a:scrgbClr r="0" g="0" b="0"/>
+      </a:fillRef>
+      <a:effectRef idx="2">
+        <a:scrgbClr r="0" g="0" b="0"/>
+      </a:effectRef>
+      <a:fontRef idx="minor">
+        <a:schemeClr val="lt1"/>
+      </a:fontRef>
+    </dgm:style>
+  </dgm:styleLbl>
+  <dgm:styleLbl name="parChTrans2D3">
+    <dgm:scene3d>
+      <a:camera prst="orthographicFront"/>
+      <a:lightRig rig="threePt" dir="t"/>
+    </dgm:scene3d>
+    <dgm:sp3d/>
+    <dgm:txPr/>
+    <dgm:style>
+      <a:lnRef idx="1">
+        <a:scrgbClr r="0" g="0" b="0"/>
+      </a:lnRef>
+      <a:fillRef idx="3">
+        <a:scrgbClr r="0" g="0" b="0"/>
+      </a:fillRef>
+      <a:effectRef idx="2">
+        <a:scrgbClr r="0" g="0" b="0"/>
+      </a:effectRef>
+      <a:fontRef idx="minor">
+        <a:schemeClr val="lt1"/>
+      </a:fontRef>
+    </dgm:style>
+  </dgm:styleLbl>
+  <dgm:styleLbl name="parChTrans2D4">
+    <dgm:scene3d>
+      <a:camera prst="orthographicFront"/>
+      <a:lightRig rig="threePt" dir="t"/>
+    </dgm:scene3d>
+    <dgm:sp3d/>
+    <dgm:txPr/>
+    <dgm:style>
+      <a:lnRef idx="1">
+        <a:scrgbClr r="0" g="0" b="0"/>
+      </a:lnRef>
+      <a:fillRef idx="3">
+        <a:scrgbClr r="0" g="0" b="0"/>
+      </a:fillRef>
+      <a:effectRef idx="2">
+        <a:scrgbClr r="0" g="0" b="0"/>
+      </a:effectRef>
+      <a:fontRef idx="minor">
+        <a:schemeClr val="lt1"/>
+      </a:fontRef>
+    </dgm:style>
+  </dgm:styleLbl>
+  <dgm:styleLbl name="parChTrans1D1">
+    <dgm:scene3d>
+      <a:camera prst="orthographicFront"/>
+      <a:lightRig rig="threePt" dir="t"/>
+    </dgm:scene3d>
+    <dgm:sp3d/>
+    <dgm:txPr/>
+    <dgm:style>
+      <a:lnRef idx="1">
+        <a:scrgbClr r="0" g="0" b="0"/>
+      </a:lnRef>
+      <a:fillRef idx="0">
+        <a:scrgbClr r="0" g="0" b="0"/>
+      </a:fillRef>
+      <a:effectRef idx="0">
+        <a:scrgbClr r="0" g="0" b="0"/>
+      </a:effectRef>
+      <a:fontRef idx="minor"/>
+    </dgm:style>
+  </dgm:styleLbl>
+  <dgm:styleLbl name="parChTrans1D2">
+    <dgm:scene3d>
+      <a:camera prst="orthographicFront"/>
+      <a:lightRig rig="threePt" dir="t"/>
+    </dgm:scene3d>
+    <dgm:sp3d/>
+    <dgm:txPr/>
+    <dgm:style>
+      <a:lnRef idx="1">
+        <a:scrgbClr r="0" g="0" b="0"/>
+      </a:lnRef>
+      <a:fillRef idx="0">
+        <a:scrgbClr r="0" g="0" b="0"/>
+      </a:fillRef>
+      <a:effectRef idx="0">
+        <a:scrgbClr r="0" g="0" b="0"/>
+      </a:effectRef>
+      <a:fontRef idx="minor"/>
+    </dgm:style>
+  </dgm:styleLbl>
+  <dgm:styleLbl name="parChTrans1D3">
+    <dgm:scene3d>
+      <a:camera prst="orthographicFront"/>
+      <a:lightRig rig="threePt" dir="t"/>
+    </dgm:scene3d>
+    <dgm:sp3d/>
+    <dgm:txPr/>
+    <dgm:style>
+      <a:lnRef idx="1">
+        <a:scrgbClr r="0" g="0" b="0"/>
+      </a:lnRef>
+      <a:fillRef idx="0">
+        <a:scrgbClr r="0" g="0" b="0"/>
+      </a:fillRef>
+      <a:effectRef idx="0">
+        <a:scrgbClr r="0" g="0" b="0"/>
+      </a:effectRef>
+      <a:fontRef idx="minor"/>
+    </dgm:style>
+  </dgm:styleLbl>
+  <dgm:styleLbl name="parChTrans1D4">
+    <dgm:scene3d>
+      <a:camera prst="orthographicFront"/>
+      <a:lightRig rig="threePt" dir="t"/>
+    </dgm:scene3d>
+    <dgm:sp3d/>
+    <dgm:txPr/>
+    <dgm:style>
+      <a:lnRef idx="1">
+        <a:scrgbClr r="0" g="0" b="0"/>
+      </a:lnRef>
+      <a:fillRef idx="0">
+        <a:scrgbClr r="0" g="0" b="0"/>
+      </a:fillRef>
+      <a:effectRef idx="0">
+        <a:scrgbClr r="0" g="0" b="0"/>
+      </a:effectRef>
+      <a:fontRef idx="minor"/>
+    </dgm:style>
+  </dgm:styleLbl>
+  <dgm:styleLbl name="fgAcc1">
+    <dgm:scene3d>
+      <a:camera prst="orthographicFront"/>
+      <a:lightRig rig="threePt" dir="t"/>
+    </dgm:scene3d>
+    <dgm:sp3d/>
+    <dgm:txPr/>
+    <dgm:style>
+      <a:lnRef idx="1">
+        <a:scrgbClr r="0" g="0" b="0"/>
+      </a:lnRef>
+      <a:fillRef idx="1">
+        <a:scrgbClr r="0" g="0" b="0"/>
+      </a:fillRef>
+      <a:effectRef idx="0">
+        <a:scrgbClr r="0" g="0" b="0"/>
+      </a:effectRef>
+      <a:fontRef idx="minor"/>
+    </dgm:style>
+  </dgm:styleLbl>
+  <dgm:styleLbl name="conFgAcc1">
+    <dgm:scene3d>
+      <a:camera prst="orthographicFront"/>
+      <a:lightRig rig="threePt" dir="t"/>
+    </dgm:scene3d>
+    <dgm:sp3d/>
+    <dgm:txPr/>
+    <dgm:style>
+      <a:lnRef idx="1">
+        <a:scrgbClr r="0" g="0" b="0"/>
+      </a:lnRef>
+      <a:fillRef idx="1">
+        <a:scrgbClr r="0" g="0" b="0"/>
+      </a:fillRef>
+      <a:effectRef idx="0">
+        <a:scrgbClr r="0" g="0" b="0"/>
+      </a:effectRef>
+      <a:fontRef idx="minor"/>
+    </dgm:style>
+  </dgm:styleLbl>
+  <dgm:styleLbl name="alignAcc1">
+    <dgm:scene3d>
+      <a:camera prst="orthographicFront"/>
+      <a:lightRig rig="threePt" dir="t"/>
+    </dgm:scene3d>
+    <dgm:sp3d/>
+    <dgm:txPr/>
+    <dgm:style>
+      <a:lnRef idx="1">
+        <a:scrgbClr r="0" g="0" b="0"/>
+      </a:lnRef>
+      <a:fillRef idx="1">
+        <a:scrgbClr r="0" g="0" b="0"/>
+      </a:fillRef>
+      <a:effectRef idx="0">
+        <a:scrgbClr r="0" g="0" b="0"/>
+      </a:effectRef>
+      <a:fontRef idx="minor"/>
+    </dgm:style>
+  </dgm:styleLbl>
+  <dgm:styleLbl name="trAlignAcc1">
+    <dgm:scene3d>
+      <a:camera prst="orthographicFront"/>
+      <a:lightRig rig="threePt" dir="t"/>
+    </dgm:scene3d>
+    <dgm:sp3d/>
+    <dgm:txPr/>
+    <dgm:style>
+      <a:lnRef idx="1">
+        <a:scrgbClr r="0" g="0" b="0"/>
+      </a:lnRef>
+      <a:fillRef idx="1">
+        <a:scrgbClr r="0" g="0" b="0"/>
+      </a:fillRef>
+      <a:effectRef idx="0">
+        <a:scrgbClr r="0" g="0" b="0"/>
+      </a:effectRef>
+      <a:fontRef idx="minor"/>
+    </dgm:style>
+  </dgm:styleLbl>
+  <dgm:styleLbl name="bgAcc1">
+    <dgm:scene3d>
+      <a:camera prst="orthographicFront"/>
+      <a:lightRig rig="threePt" dir="t"/>
+    </dgm:scene3d>
+    <dgm:sp3d/>
+    <dgm:txPr/>
+    <dgm:style>
+      <a:lnRef idx="1">
+        <a:scrgbClr r="0" g="0" b="0"/>
+      </a:lnRef>
+      <a:fillRef idx="1">
+        <a:scrgbClr r="0" g="0" b="0"/>
+      </a:fillRef>
+      <a:effectRef idx="0">
+        <a:scrgbClr r="0" g="0" b="0"/>
+      </a:effectRef>
+      <a:fontRef idx="minor"/>
+    </dgm:style>
+  </dgm:styleLbl>
+  <dgm:styleLbl name="solidFgAcc1">
+    <dgm:scene3d>
+      <a:camera prst="orthographicFront"/>
+      <a:lightRig rig="threePt" dir="t"/>
+    </dgm:scene3d>
+    <dgm:sp3d/>
+    <dgm:txPr/>
+    <dgm:style>
+      <a:lnRef idx="1">
+        <a:scrgbClr r="0" g="0" b="0"/>
+      </a:lnRef>
+      <a:fillRef idx="1">
+        <a:scrgbClr r="0" g="0" b="0"/>
+      </a:fillRef>
+      <a:effectRef idx="0">
+        <a:scrgbClr r="0" g="0" b="0"/>
+      </a:effectRef>
+      <a:fontRef idx="minor"/>
+    </dgm:style>
+  </dgm:styleLbl>
+  <dgm:styleLbl name="solidAlignAcc1">
+    <dgm:scene3d>
+      <a:camera prst="orthographicFront"/>
+      <a:lightRig rig="threePt" dir="t"/>
+    </dgm:scene3d>
+    <dgm:sp3d/>
+    <dgm:txPr/>
+    <dgm:style>
+      <a:lnRef idx="1">
+        <a:scrgbClr r="0" g="0" b="0"/>
+      </a:lnRef>
+      <a:fillRef idx="1">
+        <a:scrgbClr r="0" g="0" b="0"/>
+      </a:fillRef>
+      <a:effectRef idx="0">
+        <a:scrgbClr r="0" g="0" b="0"/>
+      </a:effectRef>
+      <a:fontRef idx="minor"/>
+    </dgm:style>
+  </dgm:styleLbl>
+  <dgm:styleLbl name="solidBgAcc1">
+    <dgm:scene3d>
+      <a:camera prst="orthographicFront"/>
+      <a:lightRig rig="threePt" dir="t"/>
+    </dgm:scene3d>
+    <dgm:sp3d/>
+    <dgm:txPr/>
+    <dgm:style>
+      <a:lnRef idx="1">
+        <a:scrgbClr r="0" g="0" b="0"/>
+      </a:lnRef>
+      <a:fillRef idx="1">
+        <a:scrgbClr r="0" g="0" b="0"/>
+      </a:fillRef>
+      <a:effectRef idx="0">
+        <a:scrgbClr r="0" g="0" b="0"/>
+      </a:effectRef>
+      <a:fontRef idx="minor"/>
+    </dgm:style>
+  </dgm:styleLbl>
+  <dgm:styleLbl name="fgAccFollowNode1">
+    <dgm:scene3d>
+      <a:camera prst="orthographicFront"/>
+      <a:lightRig rig="threePt" dir="t"/>
+    </dgm:scene3d>
+    <dgm:sp3d/>
+    <dgm:txPr/>
+    <dgm:style>
+      <a:lnRef idx="1">
+        <a:scrgbClr r="0" g="0" b="0"/>
+      </a:lnRef>
+      <a:fillRef idx="1">
+        <a:scrgbClr r="0" g="0" b="0"/>
+      </a:fillRef>
+      <a:effectRef idx="0">
+        <a:scrgbClr r="0" g="0" b="0"/>
+      </a:effectRef>
+      <a:fontRef idx="minor"/>
+    </dgm:style>
+  </dgm:styleLbl>
+  <dgm:styleLbl name="alignAccFollowNode1">
+    <dgm:scene3d>
+      <a:camera prst="orthographicFront"/>
+      <a:lightRig rig="threePt" dir="t"/>
+    </dgm:scene3d>
+    <dgm:sp3d/>
+    <dgm:txPr/>
+    <dgm:style>
+      <a:lnRef idx="1">
+        <a:scrgbClr r="0" g="0" b="0"/>
+      </a:lnRef>
+      <a:fillRef idx="1">
+        <a:scrgbClr r="0" g="0" b="0"/>
+      </a:fillRef>
+      <a:effectRef idx="0">
+        <a:scrgbClr r="0" g="0" b="0"/>
+      </a:effectRef>
+      <a:fontRef idx="minor"/>
+    </dgm:style>
+  </dgm:styleLbl>
+  <dgm:styleLbl name="bgAccFollowNode1">
+    <dgm:scene3d>
+      <a:camera prst="orthographicFront"/>
+      <a:lightRig rig="threePt" dir="t"/>
+    </dgm:scene3d>
+    <dgm:sp3d/>
+    <dgm:txPr/>
+    <dgm:style>
+      <a:lnRef idx="1">
+        <a:scrgbClr r="0" g="0" b="0"/>
+      </a:lnRef>
+      <a:fillRef idx="1">
+        <a:scrgbClr r="0" g="0" b="0"/>
+      </a:fillRef>
+      <a:effectRef idx="0">
+        <a:scrgbClr r="0" g="0" b="0"/>
+      </a:effectRef>
+      <a:fontRef idx="minor"/>
+    </dgm:style>
+  </dgm:styleLbl>
+  <dgm:styleLbl name="fgAcc0">
+    <dgm:scene3d>
+      <a:camera prst="orthographicFront"/>
+      <a:lightRig rig="threePt" dir="t"/>
+    </dgm:scene3d>
+    <dgm:sp3d/>
+    <dgm:txPr/>
+    <dgm:style>
+      <a:lnRef idx="1">
+        <a:scrgbClr r="0" g="0" b="0"/>
+      </a:lnRef>
+      <a:fillRef idx="1">
+        <a:scrgbClr r="0" g="0" b="0"/>
+      </a:fillRef>
+      <a:effectRef idx="0">
+        <a:scrgbClr r="0" g="0" b="0"/>
+      </a:effectRef>
+      <a:fontRef idx="minor"/>
+    </dgm:style>
+  </dgm:styleLbl>
+  <dgm:styleLbl name="fgAcc2">
+    <dgm:scene3d>
+      <a:camera prst="orthographicFront"/>
+      <a:lightRig rig="threePt" dir="t"/>
+    </dgm:scene3d>
+    <dgm:sp3d/>
+    <dgm:txPr/>
+    <dgm:style>
+      <a:lnRef idx="1">
+        <a:scrgbClr r="0" g="0" b="0"/>
+      </a:lnRef>
+      <a:fillRef idx="1">
+        <a:scrgbClr r="0" g="0" b="0"/>
+      </a:fillRef>
+      <a:effectRef idx="0">
+        <a:scrgbClr r="0" g="0" b="0"/>
+      </a:effectRef>
+      <a:fontRef idx="minor"/>
+    </dgm:style>
+  </dgm:styleLbl>
+  <dgm:styleLbl name="fgAcc3">
+    <dgm:scene3d>
+      <a:camera prst="orthographicFront"/>
+      <a:lightRig rig="threePt" dir="t"/>
+    </dgm:scene3d>
+    <dgm:sp3d/>
+    <dgm:txPr/>
+    <dgm:style>
+      <a:lnRef idx="1">
+        <a:scrgbClr r="0" g="0" b="0"/>
+      </a:lnRef>
+      <a:fillRef idx="1">
+        <a:scrgbClr r="0" g="0" b="0"/>
+      </a:fillRef>
+      <a:effectRef idx="0">
+        <a:scrgbClr r="0" g="0" b="0"/>
+      </a:effectRef>
+      <a:fontRef idx="minor"/>
+    </dgm:style>
+  </dgm:styleLbl>
+  <dgm:styleLbl name="fgAcc4">
+    <dgm:scene3d>
+      <a:camera prst="orthographicFront"/>
+      <a:lightRig rig="threePt" dir="t"/>
+    </dgm:scene3d>
+    <dgm:sp3d/>
+    <dgm:txPr/>
+    <dgm:style>
+      <a:lnRef idx="1">
+        <a:scrgbClr r="0" g="0" b="0"/>
+      </a:lnRef>
+      <a:fillRef idx="1">
+        <a:scrgbClr r="0" g="0" b="0"/>
+      </a:fillRef>
+      <a:effectRef idx="0">
+        <a:scrgbClr r="0" g="0" b="0"/>
+      </a:effectRef>
+      <a:fontRef idx="minor"/>
+    </dgm:style>
+  </dgm:styleLbl>
+  <dgm:styleLbl name="bgShp">
+    <dgm:scene3d>
+      <a:camera prst="orthographicFront"/>
+      <a:lightRig rig="threePt" dir="t"/>
+    </dgm:scene3d>
+    <dgm:sp3d/>
+    <dgm:txPr/>
+    <dgm:style>
+      <a:lnRef idx="0">
+        <a:scrgbClr r="0" g="0" b="0"/>
+      </a:lnRef>
+      <a:fillRef idx="1">
+        <a:scrgbClr r="0" g="0" b="0"/>
+      </a:fillRef>
+      <a:effectRef idx="2">
+        <a:scrgbClr r="0" g="0" b="0"/>
+      </a:effectRef>
+      <a:fontRef idx="minor"/>
+    </dgm:style>
+  </dgm:styleLbl>
+  <dgm:styleLbl name="dkBgShp">
+    <dgm:scene3d>
+      <a:camera prst="orthographicFront"/>
+      <a:lightRig rig="threePt" dir="t"/>
+    </dgm:scene3d>
+    <dgm:sp3d/>
+    <dgm:txPr/>
+    <dgm:style>
+      <a:lnRef idx="0">
+        <a:scrgbClr r="0" g="0" b="0"/>
+      </a:lnRef>
+      <a:fillRef idx="1">
+        <a:scrgbClr r="0" g="0" b="0"/>
+      </a:fillRef>
+      <a:effectRef idx="2">
+        <a:scrgbClr r="0" g="0" b="0"/>
+      </a:effectRef>
+      <a:fontRef idx="minor"/>
+    </dgm:style>
+  </dgm:styleLbl>
+  <dgm:styleLbl name="trBgShp">
+    <dgm:scene3d>
+      <a:camera prst="orthographicFront"/>
+      <a:lightRig rig="threePt" dir="t"/>
+    </dgm:scene3d>
+    <dgm:sp3d/>
+    <dgm:txPr/>
+    <dgm:style>
+      <a:lnRef idx="0">
+        <a:scrgbClr r="0" g="0" b="0"/>
+      </a:lnRef>
+      <a:fillRef idx="1">
+        <a:scrgbClr r="0" g="0" b="0"/>
+      </a:fillRef>
+      <a:effectRef idx="0">
+        <a:scrgbClr r="0" g="0" b="0"/>
+      </a:effectRef>
+      <a:fontRef idx="minor"/>
+    </dgm:style>
+  </dgm:styleLbl>
+  <dgm:styleLbl name="fgShp">
+    <dgm:scene3d>
+      <a:camera prst="orthographicFront"/>
+      <a:lightRig rig="threePt" dir="t"/>
+    </dgm:scene3d>
+    <dgm:sp3d/>
+    <dgm:txPr/>
+    <dgm:style>
+      <a:lnRef idx="0">
+        <a:scrgbClr r="0" g="0" b="0"/>
+      </a:lnRef>
+      <a:fillRef idx="3">
+        <a:scrgbClr r="0" g="0" b="0"/>
+      </a:fillRef>
+      <a:effectRef idx="2">
+        <a:scrgbClr r="0" g="0" b="0"/>
+      </a:effectRef>
+      <a:fontRef idx="minor"/>
+    </dgm:style>
+  </dgm:styleLbl>
+  <dgm:styleLbl name="revTx">
+    <dgm:scene3d>
+      <a:camera prst="orthographicFront"/>
+      <a:lightRig rig="threePt" dir="t"/>
+    </dgm:scene3d>
+    <dgm:sp3d/>
+    <dgm:txPr/>
+    <dgm:style>
+      <a:lnRef idx="0">
+        <a:scrgbClr r="0" g="0" b="0"/>
+      </a:lnRef>
+      <a:fillRef idx="0">
+        <a:scrgbClr r="0" g="0" b="0"/>
+      </a:fillRef>
+      <a:effectRef idx="0">
+        <a:scrgbClr r="0" g="0" b="0"/>
+      </a:effectRef>
+      <a:fontRef idx="minor"/>
+    </dgm:style>
+  </dgm:styleLbl>
+</dgm:styleDef>
+</file>
+
+<file path=ppt/diagrams/quickStyle4.xml><?xml version="1.0" encoding="utf-8"?>
 <dgm:styleDef xmlns:dgm="http://schemas.openxmlformats.org/drawingml/2006/diagram" xmlns:a="http://schemas.openxmlformats.org/drawingml/2006/main" uniqueId="urn:microsoft.com/office/officeart/2005/8/quickstyle/simple3">
   <dgm:title val=""/>
   <dgm:desc val=""/>
@@ -19493,8 +22030,8 @@
         </p:nvSpPr>
         <p:spPr bwMode="auto">
           <a:xfrm>
-            <a:off x="1403648" y="1700808"/>
-            <a:ext cx="4033837" cy="400110"/>
+            <a:off x="1403648" y="1657266"/>
+            <a:ext cx="4033837" cy="523220"/>
           </a:xfrm>
           <a:prstGeom prst="rect">
             <a:avLst/>
@@ -19514,7 +22051,7 @@
           <a:lstStyle/>
           <a:p>
             <a:r>
-              <a:rPr lang="es-AR" sz="2000" dirty="0" smtClean="0">
+              <a:rPr lang="es-AR" sz="2800" dirty="0" smtClean="0">
                 <a:solidFill>
                   <a:schemeClr val="tx2">
                     <a:lumMod val="50000"/>
@@ -19525,7 +22062,7 @@
               </a:rPr>
               <a:t>Caso de Análisis: Sprint 4</a:t>
             </a:r>
-            <a:endParaRPr lang="es-AR" sz="2000" dirty="0">
+            <a:endParaRPr lang="es-AR" sz="2800" dirty="0">
               <a:solidFill>
                 <a:schemeClr val="tx2">
                   <a:lumMod val="50000"/>
@@ -19697,7 +22234,7 @@
                                     </p:set>
                                     <p:animEffect transition="in" filter="fade">
                                       <p:cBhvr>
-                                        <p:cTn id="7" dur="2000"/>
+                                        <p:cTn id="7" dur="1000"/>
                                         <p:tgtEl>
                                           <p:spTgt spid="7"/>
                                         </p:tgtEl>
@@ -19787,10 +22324,10 @@
         </p:nvGrpSpPr>
         <p:grpSpPr>
           <a:xfrm>
-            <a:off x="1403648" y="1772816"/>
-            <a:ext cx="6928964" cy="4752528"/>
-            <a:chOff x="1403648" y="1772816"/>
-            <a:chExt cx="6928964" cy="4752528"/>
+            <a:off x="1403648" y="1643314"/>
+            <a:ext cx="6928964" cy="4954038"/>
+            <a:chOff x="1403648" y="1643314"/>
+            <a:chExt cx="6928964" cy="4954038"/>
           </a:xfrm>
         </p:grpSpPr>
         <p:sp>
@@ -19803,8 +22340,8 @@
           </p:nvSpPr>
           <p:spPr bwMode="auto">
             <a:xfrm>
-              <a:off x="1403648" y="1772816"/>
-              <a:ext cx="5832648" cy="400110"/>
+              <a:off x="1403648" y="1643314"/>
+              <a:ext cx="5832648" cy="523220"/>
             </a:xfrm>
             <a:prstGeom prst="rect">
               <a:avLst/>
@@ -19828,7 +22365,7 @@
                 <a:buChar char="•"/>
               </a:pPr>
               <a:r>
-                <a:rPr lang="es-AR" sz="2000" dirty="0" smtClean="0">
+                <a:rPr lang="es-AR" sz="2800" dirty="0" smtClean="0">
                   <a:solidFill>
                     <a:schemeClr val="tx2">
                       <a:lumMod val="50000"/>
@@ -19840,7 +22377,7 @@
                 <a:t> </a:t>
               </a:r>
               <a:r>
-                <a:rPr lang="es-AR" sz="2000" dirty="0" err="1" smtClean="0">
+                <a:rPr lang="es-AR" sz="2800" dirty="0" err="1" smtClean="0">
                   <a:solidFill>
                     <a:schemeClr val="tx2">
                       <a:lumMod val="50000"/>
@@ -19852,7 +22389,7 @@
                 <a:t>Code</a:t>
               </a:r>
               <a:r>
-                <a:rPr lang="es-AR" sz="2000" dirty="0" smtClean="0">
+                <a:rPr lang="es-AR" sz="2800" dirty="0" smtClean="0">
                   <a:solidFill>
                     <a:schemeClr val="tx2">
                       <a:lumMod val="50000"/>
@@ -19864,7 +22401,7 @@
                 <a:t> </a:t>
               </a:r>
               <a:r>
-                <a:rPr lang="es-AR" sz="2000" dirty="0" err="1" smtClean="0">
+                <a:rPr lang="es-AR" sz="2800" dirty="0" err="1" smtClean="0">
                   <a:solidFill>
                     <a:schemeClr val="tx2">
                       <a:lumMod val="50000"/>
@@ -19875,7 +22412,7 @@
                 </a:rPr>
                 <a:t>Coverage</a:t>
               </a:r>
-              <a:endParaRPr lang="es-AR" sz="2000" dirty="0">
+              <a:endParaRPr lang="es-AR" sz="2800" dirty="0">
                 <a:solidFill>
                   <a:schemeClr val="tx2">
                     <a:lumMod val="50000"/>
@@ -19903,7 +22440,7 @@
           </p:blipFill>
           <p:spPr>
             <a:xfrm>
-              <a:off x="1475656" y="2276872"/>
+              <a:off x="1475656" y="2348880"/>
               <a:ext cx="6856956" cy="4248472"/>
             </a:xfrm>
             <a:prstGeom prst="rect">
@@ -20106,8 +22643,8 @@
         </p:nvSpPr>
         <p:spPr bwMode="auto">
           <a:xfrm>
-            <a:off x="1403648" y="1988840"/>
-            <a:ext cx="5832648" cy="400110"/>
+            <a:off x="1403648" y="1696158"/>
+            <a:ext cx="7128792" cy="523220"/>
           </a:xfrm>
           <a:prstGeom prst="rect">
             <a:avLst/>
@@ -20131,7 +22668,7 @@
               <a:buChar char="•"/>
             </a:pPr>
             <a:r>
-              <a:rPr lang="es-AR" sz="2000" dirty="0" smtClean="0">
+              <a:rPr lang="es-AR" sz="2800" dirty="0" smtClean="0">
                 <a:solidFill>
                   <a:schemeClr val="tx2">
                     <a:lumMod val="50000"/>
@@ -20140,11 +22677,76 @@
                 <a:latin typeface="Cambria" pitchFamily="18" charset="0"/>
                 <a:cs typeface="Arial" charset="0"/>
               </a:rPr>
-              <a:t> Múltiples supervisores</a:t>
+              <a:t> </a:t>
+            </a:r>
+            <a:r>
+              <a:rPr lang="es-AR" sz="2800" dirty="0" smtClean="0">
+                <a:solidFill>
+                  <a:schemeClr val="tx2">
+                    <a:lumMod val="50000"/>
+                  </a:schemeClr>
+                </a:solidFill>
+                <a:latin typeface="Cambria" pitchFamily="18" charset="0"/>
+                <a:cs typeface="Arial" charset="0"/>
+              </a:rPr>
+              <a:t>Comienzo Sprint 2 </a:t>
+            </a:r>
+            <a:r>
+              <a:rPr lang="es-AR" sz="2800" dirty="0" smtClean="0">
+                <a:solidFill>
+                  <a:schemeClr val="tx2">
+                    <a:lumMod val="50000"/>
+                  </a:schemeClr>
+                </a:solidFill>
+                <a:latin typeface="Cambria" pitchFamily="18" charset="0"/>
+                <a:cs typeface="Arial" charset="0"/>
+                <a:sym typeface="Wingdings" pitchFamily="2" charset="2"/>
+              </a:rPr>
+              <a:t></a:t>
+            </a:r>
+            <a:r>
+              <a:rPr lang="es-AR" sz="2800" dirty="0" smtClean="0">
+                <a:solidFill>
+                  <a:schemeClr val="tx2">
+                    <a:lumMod val="50000"/>
+                  </a:schemeClr>
+                </a:solidFill>
+                <a:latin typeface="Cambria" pitchFamily="18" charset="0"/>
+                <a:cs typeface="Arial" charset="0"/>
+              </a:rPr>
+              <a:t>Múltiples </a:t>
+            </a:r>
+            <a:r>
+              <a:rPr lang="es-AR" sz="2800" dirty="0" smtClean="0">
+                <a:solidFill>
+                  <a:schemeClr val="tx2">
+                    <a:lumMod val="50000"/>
+                  </a:schemeClr>
+                </a:solidFill>
+                <a:latin typeface="Cambria" pitchFamily="18" charset="0"/>
+                <a:cs typeface="Arial" charset="0"/>
+              </a:rPr>
+              <a:t>supervisores</a:t>
             </a:r>
           </a:p>
         </p:txBody>
       </p:sp>
+      <p:graphicFrame>
+        <p:nvGraphicFramePr>
+          <p:cNvPr id="5" name="4 Diagrama"/>
+          <p:cNvGraphicFramePr/>
+          <p:nvPr/>
+        </p:nvGraphicFramePr>
+        <p:xfrm>
+          <a:off x="1403648" y="2420888"/>
+          <a:ext cx="7128792" cy="4248472"/>
+        </p:xfrm>
+        <a:graphic>
+          <a:graphicData uri="http://schemas.openxmlformats.org/drawingml/2006/diagram">
+            <dgm:relIds xmlns:dgm="http://schemas.openxmlformats.org/drawingml/2006/diagram" xmlns:r="http://schemas.openxmlformats.org/officeDocument/2006/relationships" r:dm="rId3" r:lo="rId4" r:qs="rId5" r:cs="rId6"/>
+          </a:graphicData>
+        </a:graphic>
+      </p:graphicFrame>
     </p:spTree>
   </p:cSld>
   <p:clrMapOvr>
@@ -20153,9 +22755,427 @@
   <p:timing>
     <p:tnLst>
       <p:par>
-        <p:cTn id="1" dur="indefinite" restart="never" nodeType="tmRoot"/>
+        <p:cTn id="1" dur="indefinite" restart="never" nodeType="tmRoot">
+          <p:childTnLst>
+            <p:seq concurrent="1" nextAc="seek">
+              <p:cTn id="2" dur="indefinite" nodeType="mainSeq">
+                <p:childTnLst>
+                  <p:par>
+                    <p:cTn id="3" fill="hold">
+                      <p:stCondLst>
+                        <p:cond delay="indefinite"/>
+                        <p:cond evt="onBegin" delay="0">
+                          <p:tn val="2"/>
+                        </p:cond>
+                      </p:stCondLst>
+                      <p:childTnLst>
+                        <p:par>
+                          <p:cTn id="4" fill="hold">
+                            <p:stCondLst>
+                              <p:cond delay="0"/>
+                            </p:stCondLst>
+                            <p:childTnLst>
+                              <p:par>
+                                <p:cTn id="5" presetID="2" presetClass="entr" presetSubtype="8" fill="hold" grpId="0" nodeType="withEffect">
+                                  <p:stCondLst>
+                                    <p:cond delay="0"/>
+                                  </p:stCondLst>
+                                  <p:childTnLst>
+                                    <p:set>
+                                      <p:cBhvr>
+                                        <p:cTn id="6" dur="1" fill="hold">
+                                          <p:stCondLst>
+                                            <p:cond delay="0"/>
+                                          </p:stCondLst>
+                                        </p:cTn>
+                                        <p:tgtEl>
+                                          <p:spTgt spid="5">
+                                            <p:graphicEl>
+                                              <a:dgm id="{B3E6B583-9654-4E7F-892D-8908B1435FF6}"/>
+                                            </p:graphicEl>
+                                          </p:spTgt>
+                                        </p:tgtEl>
+                                        <p:attrNameLst>
+                                          <p:attrName>style.visibility</p:attrName>
+                                        </p:attrNameLst>
+                                      </p:cBhvr>
+                                      <p:to>
+                                        <p:strVal val="visible"/>
+                                      </p:to>
+                                    </p:set>
+                                    <p:anim calcmode="lin" valueType="num">
+                                      <p:cBhvr additive="base">
+                                        <p:cTn id="7" dur="500" fill="hold"/>
+                                        <p:tgtEl>
+                                          <p:spTgt spid="5">
+                                            <p:graphicEl>
+                                              <a:dgm id="{B3E6B583-9654-4E7F-892D-8908B1435FF6}"/>
+                                            </p:graphicEl>
+                                          </p:spTgt>
+                                        </p:tgtEl>
+                                        <p:attrNameLst>
+                                          <p:attrName>ppt_x</p:attrName>
+                                        </p:attrNameLst>
+                                      </p:cBhvr>
+                                      <p:tavLst>
+                                        <p:tav tm="0">
+                                          <p:val>
+                                            <p:strVal val="0-#ppt_w/2"/>
+                                          </p:val>
+                                        </p:tav>
+                                        <p:tav tm="100000">
+                                          <p:val>
+                                            <p:strVal val="#ppt_x"/>
+                                          </p:val>
+                                        </p:tav>
+                                      </p:tavLst>
+                                    </p:anim>
+                                    <p:anim calcmode="lin" valueType="num">
+                                      <p:cBhvr additive="base">
+                                        <p:cTn id="8" dur="500" fill="hold"/>
+                                        <p:tgtEl>
+                                          <p:spTgt spid="5">
+                                            <p:graphicEl>
+                                              <a:dgm id="{B3E6B583-9654-4E7F-892D-8908B1435FF6}"/>
+                                            </p:graphicEl>
+                                          </p:spTgt>
+                                        </p:tgtEl>
+                                        <p:attrNameLst>
+                                          <p:attrName>ppt_y</p:attrName>
+                                        </p:attrNameLst>
+                                      </p:cBhvr>
+                                      <p:tavLst>
+                                        <p:tav tm="0">
+                                          <p:val>
+                                            <p:strVal val="#ppt_y"/>
+                                          </p:val>
+                                        </p:tav>
+                                        <p:tav tm="100000">
+                                          <p:val>
+                                            <p:strVal val="#ppt_y"/>
+                                          </p:val>
+                                        </p:tav>
+                                      </p:tavLst>
+                                    </p:anim>
+                                  </p:childTnLst>
+                                </p:cTn>
+                              </p:par>
+                            </p:childTnLst>
+                          </p:cTn>
+                        </p:par>
+                        <p:par>
+                          <p:cTn id="9" fill="hold">
+                            <p:stCondLst>
+                              <p:cond delay="500"/>
+                            </p:stCondLst>
+                            <p:childTnLst>
+                              <p:par>
+                                <p:cTn id="10" presetID="2" presetClass="entr" presetSubtype="8" fill="hold" grpId="0" nodeType="afterEffect">
+                                  <p:stCondLst>
+                                    <p:cond delay="0"/>
+                                  </p:stCondLst>
+                                  <p:childTnLst>
+                                    <p:set>
+                                      <p:cBhvr>
+                                        <p:cTn id="11" dur="1" fill="hold">
+                                          <p:stCondLst>
+                                            <p:cond delay="0"/>
+                                          </p:stCondLst>
+                                        </p:cTn>
+                                        <p:tgtEl>
+                                          <p:spTgt spid="5">
+                                            <p:graphicEl>
+                                              <a:dgm id="{C9C6AA2F-F6CE-4F9A-A0A0-A4FB364B78E4}"/>
+                                            </p:graphicEl>
+                                          </p:spTgt>
+                                        </p:tgtEl>
+                                        <p:attrNameLst>
+                                          <p:attrName>style.visibility</p:attrName>
+                                        </p:attrNameLst>
+                                      </p:cBhvr>
+                                      <p:to>
+                                        <p:strVal val="visible"/>
+                                      </p:to>
+                                    </p:set>
+                                    <p:anim calcmode="lin" valueType="num">
+                                      <p:cBhvr additive="base">
+                                        <p:cTn id="12" dur="500" fill="hold"/>
+                                        <p:tgtEl>
+                                          <p:spTgt spid="5">
+                                            <p:graphicEl>
+                                              <a:dgm id="{C9C6AA2F-F6CE-4F9A-A0A0-A4FB364B78E4}"/>
+                                            </p:graphicEl>
+                                          </p:spTgt>
+                                        </p:tgtEl>
+                                        <p:attrNameLst>
+                                          <p:attrName>ppt_x</p:attrName>
+                                        </p:attrNameLst>
+                                      </p:cBhvr>
+                                      <p:tavLst>
+                                        <p:tav tm="0">
+                                          <p:val>
+                                            <p:strVal val="0-#ppt_w/2"/>
+                                          </p:val>
+                                        </p:tav>
+                                        <p:tav tm="100000">
+                                          <p:val>
+                                            <p:strVal val="#ppt_x"/>
+                                          </p:val>
+                                        </p:tav>
+                                      </p:tavLst>
+                                    </p:anim>
+                                    <p:anim calcmode="lin" valueType="num">
+                                      <p:cBhvr additive="base">
+                                        <p:cTn id="13" dur="500" fill="hold"/>
+                                        <p:tgtEl>
+                                          <p:spTgt spid="5">
+                                            <p:graphicEl>
+                                              <a:dgm id="{C9C6AA2F-F6CE-4F9A-A0A0-A4FB364B78E4}"/>
+                                            </p:graphicEl>
+                                          </p:spTgt>
+                                        </p:tgtEl>
+                                        <p:attrNameLst>
+                                          <p:attrName>ppt_y</p:attrName>
+                                        </p:attrNameLst>
+                                      </p:cBhvr>
+                                      <p:tavLst>
+                                        <p:tav tm="0">
+                                          <p:val>
+                                            <p:strVal val="#ppt_y"/>
+                                          </p:val>
+                                        </p:tav>
+                                        <p:tav tm="100000">
+                                          <p:val>
+                                            <p:strVal val="#ppt_y"/>
+                                          </p:val>
+                                        </p:tav>
+                                      </p:tavLst>
+                                    </p:anim>
+                                  </p:childTnLst>
+                                </p:cTn>
+                              </p:par>
+                            </p:childTnLst>
+                          </p:cTn>
+                        </p:par>
+                        <p:par>
+                          <p:cTn id="14" fill="hold">
+                            <p:stCondLst>
+                              <p:cond delay="1000"/>
+                            </p:stCondLst>
+                            <p:childTnLst>
+                              <p:par>
+                                <p:cTn id="15" presetID="2" presetClass="entr" presetSubtype="8" fill="hold" grpId="0" nodeType="afterEffect">
+                                  <p:stCondLst>
+                                    <p:cond delay="0"/>
+                                  </p:stCondLst>
+                                  <p:childTnLst>
+                                    <p:set>
+                                      <p:cBhvr>
+                                        <p:cTn id="16" dur="1" fill="hold">
+                                          <p:stCondLst>
+                                            <p:cond delay="0"/>
+                                          </p:stCondLst>
+                                        </p:cTn>
+                                        <p:tgtEl>
+                                          <p:spTgt spid="5">
+                                            <p:graphicEl>
+                                              <a:dgm id="{89E31B8C-B1F1-4ACF-9FA6-A908EB5B54AA}"/>
+                                            </p:graphicEl>
+                                          </p:spTgt>
+                                        </p:tgtEl>
+                                        <p:attrNameLst>
+                                          <p:attrName>style.visibility</p:attrName>
+                                        </p:attrNameLst>
+                                      </p:cBhvr>
+                                      <p:to>
+                                        <p:strVal val="visible"/>
+                                      </p:to>
+                                    </p:set>
+                                    <p:anim calcmode="lin" valueType="num">
+                                      <p:cBhvr additive="base">
+                                        <p:cTn id="17" dur="500" fill="hold"/>
+                                        <p:tgtEl>
+                                          <p:spTgt spid="5">
+                                            <p:graphicEl>
+                                              <a:dgm id="{89E31B8C-B1F1-4ACF-9FA6-A908EB5B54AA}"/>
+                                            </p:graphicEl>
+                                          </p:spTgt>
+                                        </p:tgtEl>
+                                        <p:attrNameLst>
+                                          <p:attrName>ppt_x</p:attrName>
+                                        </p:attrNameLst>
+                                      </p:cBhvr>
+                                      <p:tavLst>
+                                        <p:tav tm="0">
+                                          <p:val>
+                                            <p:strVal val="0-#ppt_w/2"/>
+                                          </p:val>
+                                        </p:tav>
+                                        <p:tav tm="100000">
+                                          <p:val>
+                                            <p:strVal val="#ppt_x"/>
+                                          </p:val>
+                                        </p:tav>
+                                      </p:tavLst>
+                                    </p:anim>
+                                    <p:anim calcmode="lin" valueType="num">
+                                      <p:cBhvr additive="base">
+                                        <p:cTn id="18" dur="500" fill="hold"/>
+                                        <p:tgtEl>
+                                          <p:spTgt spid="5">
+                                            <p:graphicEl>
+                                              <a:dgm id="{89E31B8C-B1F1-4ACF-9FA6-A908EB5B54AA}"/>
+                                            </p:graphicEl>
+                                          </p:spTgt>
+                                        </p:tgtEl>
+                                        <p:attrNameLst>
+                                          <p:attrName>ppt_y</p:attrName>
+                                        </p:attrNameLst>
+                                      </p:cBhvr>
+                                      <p:tavLst>
+                                        <p:tav tm="0">
+                                          <p:val>
+                                            <p:strVal val="#ppt_y"/>
+                                          </p:val>
+                                        </p:tav>
+                                        <p:tav tm="100000">
+                                          <p:val>
+                                            <p:strVal val="#ppt_y"/>
+                                          </p:val>
+                                        </p:tav>
+                                      </p:tavLst>
+                                    </p:anim>
+                                  </p:childTnLst>
+                                </p:cTn>
+                              </p:par>
+                            </p:childTnLst>
+                          </p:cTn>
+                        </p:par>
+                        <p:par>
+                          <p:cTn id="19" fill="hold">
+                            <p:stCondLst>
+                              <p:cond delay="1500"/>
+                            </p:stCondLst>
+                            <p:childTnLst>
+                              <p:par>
+                                <p:cTn id="20" presetID="2" presetClass="entr" presetSubtype="8" fill="hold" grpId="0" nodeType="afterEffect">
+                                  <p:stCondLst>
+                                    <p:cond delay="0"/>
+                                  </p:stCondLst>
+                                  <p:childTnLst>
+                                    <p:set>
+                                      <p:cBhvr>
+                                        <p:cTn id="21" dur="1" fill="hold">
+                                          <p:stCondLst>
+                                            <p:cond delay="0"/>
+                                          </p:stCondLst>
+                                        </p:cTn>
+                                        <p:tgtEl>
+                                          <p:spTgt spid="5">
+                                            <p:graphicEl>
+                                              <a:dgm id="{31A8DE1E-3226-437D-9608-072DF772CBF1}"/>
+                                            </p:graphicEl>
+                                          </p:spTgt>
+                                        </p:tgtEl>
+                                        <p:attrNameLst>
+                                          <p:attrName>style.visibility</p:attrName>
+                                        </p:attrNameLst>
+                                      </p:cBhvr>
+                                      <p:to>
+                                        <p:strVal val="visible"/>
+                                      </p:to>
+                                    </p:set>
+                                    <p:anim calcmode="lin" valueType="num">
+                                      <p:cBhvr additive="base">
+                                        <p:cTn id="22" dur="500" fill="hold"/>
+                                        <p:tgtEl>
+                                          <p:spTgt spid="5">
+                                            <p:graphicEl>
+                                              <a:dgm id="{31A8DE1E-3226-437D-9608-072DF772CBF1}"/>
+                                            </p:graphicEl>
+                                          </p:spTgt>
+                                        </p:tgtEl>
+                                        <p:attrNameLst>
+                                          <p:attrName>ppt_x</p:attrName>
+                                        </p:attrNameLst>
+                                      </p:cBhvr>
+                                      <p:tavLst>
+                                        <p:tav tm="0">
+                                          <p:val>
+                                            <p:strVal val="0-#ppt_w/2"/>
+                                          </p:val>
+                                        </p:tav>
+                                        <p:tav tm="100000">
+                                          <p:val>
+                                            <p:strVal val="#ppt_x"/>
+                                          </p:val>
+                                        </p:tav>
+                                      </p:tavLst>
+                                    </p:anim>
+                                    <p:anim calcmode="lin" valueType="num">
+                                      <p:cBhvr additive="base">
+                                        <p:cTn id="23" dur="500" fill="hold"/>
+                                        <p:tgtEl>
+                                          <p:spTgt spid="5">
+                                            <p:graphicEl>
+                                              <a:dgm id="{31A8DE1E-3226-437D-9608-072DF772CBF1}"/>
+                                            </p:graphicEl>
+                                          </p:spTgt>
+                                        </p:tgtEl>
+                                        <p:attrNameLst>
+                                          <p:attrName>ppt_y</p:attrName>
+                                        </p:attrNameLst>
+                                      </p:cBhvr>
+                                      <p:tavLst>
+                                        <p:tav tm="0">
+                                          <p:val>
+                                            <p:strVal val="#ppt_y"/>
+                                          </p:val>
+                                        </p:tav>
+                                        <p:tav tm="100000">
+                                          <p:val>
+                                            <p:strVal val="#ppt_y"/>
+                                          </p:val>
+                                        </p:tav>
+                                      </p:tavLst>
+                                    </p:anim>
+                                  </p:childTnLst>
+                                </p:cTn>
+                              </p:par>
+                            </p:childTnLst>
+                          </p:cTn>
+                        </p:par>
+                      </p:childTnLst>
+                    </p:cTn>
+                  </p:par>
+                </p:childTnLst>
+              </p:cTn>
+              <p:prevCondLst>
+                <p:cond evt="onPrev" delay="0">
+                  <p:tgtEl>
+                    <p:sldTgt/>
+                  </p:tgtEl>
+                </p:cond>
+              </p:prevCondLst>
+              <p:nextCondLst>
+                <p:cond evt="onNext" delay="0">
+                  <p:tgtEl>
+                    <p:sldTgt/>
+                  </p:tgtEl>
+                </p:cond>
+              </p:nextCondLst>
+            </p:seq>
+          </p:childTnLst>
+        </p:cTn>
       </p:par>
     </p:tnLst>
+    <p:bldLst>
+      <p:bldGraphic spid="5" grpId="0" uiExpand="1">
+        <p:bldSub>
+          <a:bldDgm bld="one"/>
+        </p:bldSub>
+      </p:bldGraphic>
+    </p:bldLst>
   </p:timing>
 </p:sld>
 </file>
@@ -20461,129 +23481,16 @@
       </p:sp>
       <p:grpSp>
         <p:nvGrpSpPr>
-          <p:cNvPr id="10" name="9 Grupo"/>
+          <p:cNvPr id="16" name="15 Grupo"/>
           <p:cNvGrpSpPr/>
           <p:nvPr/>
         </p:nvGrpSpPr>
         <p:grpSpPr>
           <a:xfrm>
-            <a:off x="4071934" y="4286256"/>
-            <a:ext cx="5392180" cy="2340391"/>
-            <a:chOff x="2013360" y="4221087"/>
-            <a:chExt cx="5392180" cy="2340391"/>
-          </a:xfrm>
-        </p:grpSpPr>
-        <p:pic>
-          <p:nvPicPr>
-            <p:cNvPr id="11" name="Picture 2"/>
-            <p:cNvPicPr>
-              <a:picLocks noChangeAspect="1" noChangeArrowheads="1"/>
-            </p:cNvPicPr>
-            <p:nvPr/>
-          </p:nvPicPr>
-          <p:blipFill>
-            <a:blip r:embed="rId3" cstate="print">
-              <a:clrChange>
-                <a:clrFrom>
-                  <a:srgbClr val="FFFFFF"/>
-                </a:clrFrom>
-                <a:clrTo>
-                  <a:srgbClr val="FFFFFF">
-                    <a:alpha val="0"/>
-                  </a:srgbClr>
-                </a:clrTo>
-              </a:clrChange>
-            </a:blip>
-            <a:srcRect/>
-            <a:stretch>
-              <a:fillRect/>
-            </a:stretch>
-          </p:blipFill>
-          <p:spPr bwMode="auto">
-            <a:xfrm>
-              <a:off x="2013360" y="4221087"/>
-              <a:ext cx="3007512" cy="2340391"/>
-            </a:xfrm>
-            <a:prstGeom prst="rect">
-              <a:avLst/>
-            </a:prstGeom>
-            <a:noFill/>
-            <a:ln w="9525">
-              <a:noFill/>
-              <a:miter lim="800000"/>
-              <a:headEnd/>
-              <a:tailEnd/>
-            </a:ln>
-          </p:spPr>
-        </p:pic>
-        <p:sp>
-          <p:nvSpPr>
-            <p:cNvPr id="12" name="TextBox 20"/>
-            <p:cNvSpPr txBox="1">
-              <a:spLocks noChangeArrowheads="1"/>
-            </p:cNvSpPr>
-            <p:nvPr/>
-          </p:nvSpPr>
-          <p:spPr bwMode="auto">
-            <a:xfrm>
-              <a:off x="4476602" y="5013176"/>
-              <a:ext cx="2928938" cy="461665"/>
-            </a:xfrm>
-            <a:prstGeom prst="rect">
-              <a:avLst/>
-            </a:prstGeom>
-            <a:noFill/>
-            <a:ln w="9525">
-              <a:noFill/>
-              <a:miter lim="800000"/>
-              <a:headEnd/>
-              <a:tailEnd/>
-            </a:ln>
-          </p:spPr>
-          <p:txBody>
-            <a:bodyPr>
-              <a:spAutoFit/>
-            </a:bodyPr>
-            <a:lstStyle/>
-            <a:p>
-              <a:pPr algn="ctr"/>
-              <a:r>
-                <a:rPr lang="es-AR" sz="2400" dirty="0" smtClean="0">
-                  <a:solidFill>
-                    <a:schemeClr val="tx2">
-                      <a:lumMod val="50000"/>
-                    </a:schemeClr>
-                  </a:solidFill>
-                  <a:latin typeface="Cambria" pitchFamily="18" charset="0"/>
-                  <a:cs typeface="Arial" charset="0"/>
-                </a:rPr>
-                <a:t>Entregables</a:t>
-              </a:r>
-              <a:endParaRPr lang="es-AR" sz="2400" dirty="0">
-                <a:solidFill>
-                  <a:schemeClr val="tx2">
-                    <a:lumMod val="50000"/>
-                  </a:schemeClr>
-                </a:solidFill>
-                <a:latin typeface="Cambria" pitchFamily="18" charset="0"/>
-                <a:cs typeface="Arial" charset="0"/>
-              </a:endParaRPr>
-            </a:p>
-          </p:txBody>
-        </p:sp>
-      </p:grpSp>
-      <p:grpSp>
-        <p:nvGrpSpPr>
-          <p:cNvPr id="15" name="14 Grupo"/>
-          <p:cNvGrpSpPr/>
-          <p:nvPr/>
-        </p:nvGrpSpPr>
-        <p:grpSpPr>
-          <a:xfrm>
-            <a:off x="571472" y="1714488"/>
-            <a:ext cx="8572528" cy="3700659"/>
-            <a:chOff x="571472" y="1714488"/>
-            <a:chExt cx="8572528" cy="3700659"/>
+            <a:off x="1259632" y="1714488"/>
+            <a:ext cx="7416824" cy="1962886"/>
+            <a:chOff x="1259632" y="1714488"/>
+            <a:chExt cx="7416824" cy="1962886"/>
           </a:xfrm>
         </p:grpSpPr>
         <p:grpSp>
@@ -20594,10 +23501,10 @@
           </p:nvGrpSpPr>
           <p:grpSpPr>
             <a:xfrm>
-              <a:off x="571472" y="1714488"/>
-              <a:ext cx="5446938" cy="1962886"/>
-              <a:chOff x="925262" y="1673497"/>
-              <a:chExt cx="5446938" cy="1962886"/>
+              <a:off x="1259632" y="1714488"/>
+              <a:ext cx="4795290" cy="1962886"/>
+              <a:chOff x="1576910" y="1673497"/>
+              <a:chExt cx="4795290" cy="1962886"/>
             </a:xfrm>
           </p:grpSpPr>
           <p:pic>
@@ -20609,7 +23516,7 @@
               <p:nvPr/>
             </p:nvPicPr>
             <p:blipFill>
-              <a:blip r:embed="rId4" cstate="print"/>
+              <a:blip r:embed="rId3" cstate="print"/>
               <a:stretch>
                 <a:fillRect/>
               </a:stretch>
@@ -20644,8 +23551,8 @@
             </p:nvSpPr>
             <p:spPr bwMode="auto">
               <a:xfrm>
-                <a:off x="925262" y="2245001"/>
-                <a:ext cx="2928938" cy="830997"/>
+                <a:off x="1576910" y="2034373"/>
+                <a:ext cx="1656184" cy="1569660"/>
               </a:xfrm>
               <a:prstGeom prst="rect">
                 <a:avLst/>
@@ -20659,7 +23566,7 @@
               </a:ln>
             </p:spPr>
             <p:txBody>
-              <a:bodyPr>
+              <a:bodyPr wrap="square">
                 <a:spAutoFit/>
               </a:bodyPr>
               <a:lstStyle/>
@@ -20754,8 +23661,8 @@
           </p:nvSpPr>
           <p:spPr bwMode="auto">
             <a:xfrm>
-              <a:off x="6215062" y="2428868"/>
-              <a:ext cx="2928938" cy="830997"/>
+              <a:off x="6251574" y="2428868"/>
+              <a:ext cx="2424882" cy="1200329"/>
             </a:xfrm>
             <a:prstGeom prst="rect">
               <a:avLst/>
@@ -20769,7 +23676,7 @@
             </a:ln>
           </p:spPr>
           <p:txBody>
-            <a:bodyPr>
+            <a:bodyPr wrap="square">
               <a:spAutoFit/>
             </a:bodyPr>
             <a:lstStyle/>
@@ -20841,6 +23748,134 @@
             </a:p>
           </p:txBody>
         </p:sp>
+      </p:grpSp>
+      <p:grpSp>
+        <p:nvGrpSpPr>
+          <p:cNvPr id="17" name="16 Grupo"/>
+          <p:cNvGrpSpPr/>
+          <p:nvPr/>
+        </p:nvGrpSpPr>
+        <p:grpSpPr>
+          <a:xfrm>
+            <a:off x="1036612" y="4214818"/>
+            <a:ext cx="8207488" cy="2411829"/>
+            <a:chOff x="1036612" y="4214818"/>
+            <a:chExt cx="8207488" cy="2411829"/>
+          </a:xfrm>
+        </p:grpSpPr>
+        <p:grpSp>
+          <p:nvGrpSpPr>
+            <p:cNvPr id="10" name="9 Grupo"/>
+            <p:cNvGrpSpPr/>
+            <p:nvPr/>
+          </p:nvGrpSpPr>
+          <p:grpSpPr>
+            <a:xfrm>
+              <a:off x="3851920" y="4286256"/>
+              <a:ext cx="5392180" cy="2340391"/>
+              <a:chOff x="2013360" y="4221087"/>
+              <a:chExt cx="5392180" cy="2340391"/>
+            </a:xfrm>
+          </p:grpSpPr>
+          <p:pic>
+            <p:nvPicPr>
+              <p:cNvPr id="11" name="Picture 2"/>
+              <p:cNvPicPr>
+                <a:picLocks noChangeAspect="1" noChangeArrowheads="1"/>
+              </p:cNvPicPr>
+              <p:nvPr/>
+            </p:nvPicPr>
+            <p:blipFill>
+              <a:blip r:embed="rId4" cstate="print">
+                <a:clrChange>
+                  <a:clrFrom>
+                    <a:srgbClr val="FFFFFF"/>
+                  </a:clrFrom>
+                  <a:clrTo>
+                    <a:srgbClr val="FFFFFF">
+                      <a:alpha val="0"/>
+                    </a:srgbClr>
+                  </a:clrTo>
+                </a:clrChange>
+              </a:blip>
+              <a:srcRect/>
+              <a:stretch>
+                <a:fillRect/>
+              </a:stretch>
+            </p:blipFill>
+            <p:spPr bwMode="auto">
+              <a:xfrm>
+                <a:off x="2013360" y="4221087"/>
+                <a:ext cx="3007512" cy="2340391"/>
+              </a:xfrm>
+              <a:prstGeom prst="rect">
+                <a:avLst/>
+              </a:prstGeom>
+              <a:noFill/>
+              <a:ln w="9525">
+                <a:noFill/>
+                <a:miter lim="800000"/>
+                <a:headEnd/>
+                <a:tailEnd/>
+              </a:ln>
+            </p:spPr>
+          </p:pic>
+          <p:sp>
+            <p:nvSpPr>
+              <p:cNvPr id="12" name="TextBox 20"/>
+              <p:cNvSpPr txBox="1">
+                <a:spLocks noChangeArrowheads="1"/>
+              </p:cNvSpPr>
+              <p:nvPr/>
+            </p:nvSpPr>
+            <p:spPr bwMode="auto">
+              <a:xfrm>
+                <a:off x="4476602" y="5013176"/>
+                <a:ext cx="2928938" cy="461665"/>
+              </a:xfrm>
+              <a:prstGeom prst="rect">
+                <a:avLst/>
+              </a:prstGeom>
+              <a:noFill/>
+              <a:ln w="9525">
+                <a:noFill/>
+                <a:miter lim="800000"/>
+                <a:headEnd/>
+                <a:tailEnd/>
+              </a:ln>
+            </p:spPr>
+            <p:txBody>
+              <a:bodyPr>
+                <a:spAutoFit/>
+              </a:bodyPr>
+              <a:lstStyle/>
+              <a:p>
+                <a:pPr algn="ctr"/>
+                <a:r>
+                  <a:rPr lang="es-AR" sz="2400" dirty="0" smtClean="0">
+                    <a:solidFill>
+                      <a:schemeClr val="tx2">
+                        <a:lumMod val="50000"/>
+                      </a:schemeClr>
+                    </a:solidFill>
+                    <a:latin typeface="Cambria" pitchFamily="18" charset="0"/>
+                    <a:cs typeface="Arial" charset="0"/>
+                  </a:rPr>
+                  <a:t>Entregables</a:t>
+                </a:r>
+                <a:endParaRPr lang="es-AR" sz="2400" dirty="0">
+                  <a:solidFill>
+                    <a:schemeClr val="tx2">
+                      <a:lumMod val="50000"/>
+                    </a:schemeClr>
+                  </a:solidFill>
+                  <a:latin typeface="Cambria" pitchFamily="18" charset="0"/>
+                  <a:cs typeface="Arial" charset="0"/>
+                </a:endParaRPr>
+              </a:p>
+            </p:txBody>
+          </p:sp>
+        </p:grpSp>
         <p:sp>
           <p:nvSpPr>
             <p:cNvPr id="14" name="TextBox 20"/>
@@ -20851,7 +23886,7 @@
           </p:nvSpPr>
           <p:spPr bwMode="auto">
             <a:xfrm>
-              <a:off x="1000100" y="4214818"/>
+              <a:off x="1036612" y="4214818"/>
               <a:ext cx="2857500" cy="1200329"/>
             </a:xfrm>
             <a:prstGeom prst="rect">
@@ -20977,7 +24012,7 @@
                             </p:stCondLst>
                             <p:childTnLst>
                               <p:par>
-                                <p:cTn id="5" presetID="17" presetClass="entr" presetSubtype="10" fill="hold" nodeType="afterEffect">
+                                <p:cTn id="5" presetID="17" presetClass="entr" presetSubtype="10" fill="hold" nodeType="withEffect">
                                   <p:stCondLst>
                                     <p:cond delay="0"/>
                                   </p:stCondLst>
@@ -20990,7 +24025,7 @@
                                           </p:stCondLst>
                                         </p:cTn>
                                         <p:tgtEl>
-                                          <p:spTgt spid="10"/>
+                                          <p:spTgt spid="16"/>
                                         </p:tgtEl>
                                         <p:attrNameLst>
                                           <p:attrName>style.visibility</p:attrName>
@@ -21004,7 +24039,7 @@
                                       <p:cBhvr>
                                         <p:cTn id="7" dur="500" fill="hold"/>
                                         <p:tgtEl>
-                                          <p:spTgt spid="10"/>
+                                          <p:spTgt spid="16"/>
                                         </p:tgtEl>
                                         <p:attrNameLst>
                                           <p:attrName>ppt_w</p:attrName>
@@ -21027,7 +24062,89 @@
                                       <p:cBhvr>
                                         <p:cTn id="8" dur="500" fill="hold"/>
                                         <p:tgtEl>
-                                          <p:spTgt spid="10"/>
+                                          <p:spTgt spid="16"/>
+                                        </p:tgtEl>
+                                        <p:attrNameLst>
+                                          <p:attrName>ppt_h</p:attrName>
+                                        </p:attrNameLst>
+                                      </p:cBhvr>
+                                      <p:tavLst>
+                                        <p:tav tm="0">
+                                          <p:val>
+                                            <p:strVal val="#ppt_h"/>
+                                          </p:val>
+                                        </p:tav>
+                                        <p:tav tm="100000">
+                                          <p:val>
+                                            <p:strVal val="#ppt_h"/>
+                                          </p:val>
+                                        </p:tav>
+                                      </p:tavLst>
+                                    </p:anim>
+                                  </p:childTnLst>
+                                </p:cTn>
+                              </p:par>
+                            </p:childTnLst>
+                          </p:cTn>
+                        </p:par>
+                        <p:par>
+                          <p:cTn id="9" fill="hold">
+                            <p:stCondLst>
+                              <p:cond delay="500"/>
+                            </p:stCondLst>
+                            <p:childTnLst>
+                              <p:par>
+                                <p:cTn id="10" presetID="17" presetClass="entr" presetSubtype="10" fill="hold" nodeType="afterEffect">
+                                  <p:stCondLst>
+                                    <p:cond delay="0"/>
+                                  </p:stCondLst>
+                                  <p:childTnLst>
+                                    <p:set>
+                                      <p:cBhvr>
+                                        <p:cTn id="11" dur="1" fill="hold">
+                                          <p:stCondLst>
+                                            <p:cond delay="0"/>
+                                          </p:stCondLst>
+                                        </p:cTn>
+                                        <p:tgtEl>
+                                          <p:spTgt spid="17"/>
+                                        </p:tgtEl>
+                                        <p:attrNameLst>
+                                          <p:attrName>style.visibility</p:attrName>
+                                        </p:attrNameLst>
+                                      </p:cBhvr>
+                                      <p:to>
+                                        <p:strVal val="visible"/>
+                                      </p:to>
+                                    </p:set>
+                                    <p:anim calcmode="lin" valueType="num">
+                                      <p:cBhvr>
+                                        <p:cTn id="12" dur="500" fill="hold"/>
+                                        <p:tgtEl>
+                                          <p:spTgt spid="17"/>
+                                        </p:tgtEl>
+                                        <p:attrNameLst>
+                                          <p:attrName>ppt_w</p:attrName>
+                                        </p:attrNameLst>
+                                      </p:cBhvr>
+                                      <p:tavLst>
+                                        <p:tav tm="0">
+                                          <p:val>
+                                            <p:fltVal val="0"/>
+                                          </p:val>
+                                        </p:tav>
+                                        <p:tav tm="100000">
+                                          <p:val>
+                                            <p:strVal val="#ppt_w"/>
+                                          </p:val>
+                                        </p:tav>
+                                      </p:tavLst>
+                                    </p:anim>
+                                    <p:anim calcmode="lin" valueType="num">
+                                      <p:cBhvr>
+                                        <p:cTn id="13" dur="500" fill="hold"/>
+                                        <p:tgtEl>
+                                          <p:spTgt spid="17"/>
                                         </p:tgtEl>
                                         <p:attrNameLst>
                                           <p:attrName>ppt_h</p:attrName>
@@ -21117,17 +24234,8 @@
               <a:rPr lang="es-AR" dirty="0" smtClean="0">
                 <a:latin typeface="Copperplate Gothic Bold" pitchFamily="34" charset="0"/>
               </a:rPr>
-              <a:t>Lecciones </a:t>
+              <a:t>Lecciones Aprendidas (1)</a:t>
             </a:r>
-            <a:r>
-              <a:rPr lang="es-AR" dirty="0" smtClean="0">
-                <a:latin typeface="Copperplate Gothic Bold" pitchFamily="34" charset="0"/>
-              </a:rPr>
-              <a:t>Aprendidas (1)</a:t>
-            </a:r>
-            <a:endParaRPr lang="es-AR" dirty="0" smtClean="0">
-              <a:latin typeface="Copperplate Gothic Bold" pitchFamily="34" charset="0"/>
-            </a:endParaRPr>
           </a:p>
         </p:txBody>
       </p:sp>
@@ -21165,7 +24273,7 @@
         </p:nvSpPr>
         <p:spPr bwMode="auto">
           <a:xfrm>
-            <a:off x="1403648" y="1772816"/>
+            <a:off x="1403648" y="1714760"/>
             <a:ext cx="5832648" cy="523220"/>
           </a:xfrm>
           <a:prstGeom prst="rect">
@@ -21331,29 +24439,30 @@
               <a:rPr lang="es-AR" dirty="0" smtClean="0">
                 <a:latin typeface="Copperplate Gothic Bold" pitchFamily="34" charset="0"/>
               </a:rPr>
-              <a:t>Lecciones </a:t>
+              <a:t>Lecciones Aprendidas (2)</a:t>
             </a:r>
-            <a:r>
-              <a:rPr lang="es-AR" dirty="0" smtClean="0">
-                <a:latin typeface="Copperplate Gothic Bold" pitchFamily="34" charset="0"/>
-              </a:rPr>
-              <a:t>Aprendidas </a:t>
-            </a:r>
-            <a:r>
-              <a:rPr lang="es-AR" dirty="0" smtClean="0">
-                <a:latin typeface="Copperplate Gothic Bold" pitchFamily="34" charset="0"/>
-              </a:rPr>
-              <a:t>(2)</a:t>
-            </a:r>
-            <a:endParaRPr lang="es-AR" dirty="0" smtClean="0">
-              <a:latin typeface="Copperplate Gothic Bold" pitchFamily="34" charset="0"/>
-            </a:endParaRPr>
           </a:p>
         </p:txBody>
       </p:sp>
+      <p:graphicFrame>
+        <p:nvGraphicFramePr>
+          <p:cNvPr id="6" name="5 Diagrama"/>
+          <p:cNvGraphicFramePr/>
+          <p:nvPr/>
+        </p:nvGraphicFramePr>
+        <p:xfrm>
+          <a:off x="2051720" y="2636912"/>
+          <a:ext cx="5904656" cy="3936437"/>
+        </p:xfrm>
+        <a:graphic>
+          <a:graphicData uri="http://schemas.openxmlformats.org/drawingml/2006/diagram">
+            <dgm:relIds xmlns:dgm="http://schemas.openxmlformats.org/drawingml/2006/diagram" xmlns:r="http://schemas.openxmlformats.org/officeDocument/2006/relationships" r:dm="rId3" r:lo="rId4" r:qs="rId5" r:cs="rId6"/>
+          </a:graphicData>
+        </a:graphic>
+      </p:graphicFrame>
       <p:sp>
         <p:nvSpPr>
-          <p:cNvPr id="5" name="TextBox 24"/>
+          <p:cNvPr id="7" name="TextBox 24"/>
           <p:cNvSpPr txBox="1">
             <a:spLocks noChangeArrowheads="1"/>
           </p:cNvSpPr>
@@ -21361,7 +24470,7 @@
         </p:nvSpPr>
         <p:spPr bwMode="auto">
           <a:xfrm>
-            <a:off x="1403648" y="1772816"/>
+            <a:off x="1403648" y="1714760"/>
             <a:ext cx="5832648" cy="523220"/>
           </a:xfrm>
           <a:prstGeom prst="rect">
@@ -21396,22 +24505,6 @@
           </a:p>
         </p:txBody>
       </p:sp>
-      <p:graphicFrame>
-        <p:nvGraphicFramePr>
-          <p:cNvPr id="6" name="5 Diagrama"/>
-          <p:cNvGraphicFramePr/>
-          <p:nvPr/>
-        </p:nvGraphicFramePr>
-        <p:xfrm>
-          <a:off x="2051720" y="2636912"/>
-          <a:ext cx="5904656" cy="3936437"/>
-        </p:xfrm>
-        <a:graphic>
-          <a:graphicData uri="http://schemas.openxmlformats.org/drawingml/2006/diagram">
-            <dgm:relIds xmlns:dgm="http://schemas.openxmlformats.org/drawingml/2006/diagram" xmlns:r="http://schemas.openxmlformats.org/officeDocument/2006/relationships" r:dm="rId3" r:lo="rId4" r:qs="rId5" r:cs="rId6"/>
-          </a:graphicData>
-        </a:graphic>
-      </p:graphicFrame>
     </p:spTree>
   </p:cSld>
   <p:clrMapOvr>
@@ -21662,23 +24755,8 @@
               <a:rPr lang="es-AR" dirty="0" smtClean="0">
                 <a:latin typeface="Copperplate Gothic Bold" pitchFamily="34" charset="0"/>
               </a:rPr>
-              <a:t>Lecciones </a:t>
+              <a:t>Lecciones Aprendidas (3)</a:t>
             </a:r>
-            <a:r>
-              <a:rPr lang="es-AR" dirty="0" smtClean="0">
-                <a:latin typeface="Copperplate Gothic Bold" pitchFamily="34" charset="0"/>
-              </a:rPr>
-              <a:t>Aprendidas </a:t>
-            </a:r>
-            <a:r>
-              <a:rPr lang="es-AR" dirty="0" smtClean="0">
-                <a:latin typeface="Copperplate Gothic Bold" pitchFamily="34" charset="0"/>
-              </a:rPr>
-              <a:t>(3)</a:t>
-            </a:r>
-            <a:endParaRPr lang="es-AR" dirty="0" smtClean="0">
-              <a:latin typeface="Copperplate Gothic Bold" pitchFamily="34" charset="0"/>
-            </a:endParaRPr>
           </a:p>
         </p:txBody>
       </p:sp>
@@ -21729,43 +24807,7 @@
                 <a:latin typeface="Cambria" pitchFamily="18" charset="0"/>
                 <a:cs typeface="Arial" charset="0"/>
               </a:rPr>
-              <a:t> </a:t>
-            </a:r>
-            <a:r>
-              <a:rPr lang="es-AR" sz="2400" dirty="0" smtClean="0">
-                <a:solidFill>
-                  <a:schemeClr val="tx2">
-                    <a:lumMod val="50000"/>
-                  </a:schemeClr>
-                </a:solidFill>
-                <a:latin typeface="Cambria" pitchFamily="18" charset="0"/>
-                <a:cs typeface="Arial" charset="0"/>
-              </a:rPr>
-              <a:t>C</a:t>
-            </a:r>
-            <a:r>
-              <a:rPr lang="es-AR" sz="2400" dirty="0" smtClean="0">
-                <a:solidFill>
-                  <a:schemeClr val="tx2">
-                    <a:lumMod val="50000"/>
-                  </a:schemeClr>
-                </a:solidFill>
-                <a:latin typeface="Cambria" pitchFamily="18" charset="0"/>
-                <a:cs typeface="Arial" charset="0"/>
-              </a:rPr>
-              <a:t>omunicación </a:t>
-            </a:r>
-            <a:r>
-              <a:rPr lang="es-AR" sz="2400" dirty="0" smtClean="0">
-                <a:solidFill>
-                  <a:schemeClr val="tx2">
-                    <a:lumMod val="50000"/>
-                  </a:schemeClr>
-                </a:solidFill>
-                <a:latin typeface="Cambria" pitchFamily="18" charset="0"/>
-                <a:cs typeface="Arial" charset="0"/>
-              </a:rPr>
-              <a:t>fluida con el cliente</a:t>
+              <a:t> Comunicación fluida con el cliente</a:t>
             </a:r>
           </a:p>
           <a:p>
@@ -21786,31 +24828,7 @@
                 <a:latin typeface="Cambria" pitchFamily="18" charset="0"/>
                 <a:cs typeface="Arial" charset="0"/>
               </a:rPr>
-              <a:t> Asegurar que los requisitos </a:t>
-            </a:r>
-            <a:r>
-              <a:rPr lang="es-AR" sz="2400" dirty="0" smtClean="0">
-                <a:solidFill>
-                  <a:schemeClr val="tx2">
-                    <a:lumMod val="50000"/>
-                  </a:schemeClr>
-                </a:solidFill>
-                <a:latin typeface="Cambria" pitchFamily="18" charset="0"/>
-                <a:cs typeface="Arial" charset="0"/>
-              </a:rPr>
-              <a:t>sean </a:t>
-            </a:r>
-            <a:r>
-              <a:rPr lang="es-AR" sz="2400" dirty="0" smtClean="0">
-                <a:solidFill>
-                  <a:schemeClr val="tx2">
-                    <a:lumMod val="50000"/>
-                  </a:schemeClr>
-                </a:solidFill>
-                <a:latin typeface="Cambria" pitchFamily="18" charset="0"/>
-                <a:cs typeface="Arial" charset="0"/>
-              </a:rPr>
-              <a:t>precisos</a:t>
+              <a:t> Asegurar que los requisitos sean precisos</a:t>
             </a:r>
           </a:p>
           <a:p>
@@ -21831,43 +24849,7 @@
                 <a:latin typeface="Cambria" pitchFamily="18" charset="0"/>
                 <a:cs typeface="Arial" charset="0"/>
               </a:rPr>
-              <a:t> </a:t>
-            </a:r>
-            <a:r>
-              <a:rPr lang="es-AR" sz="2400" dirty="0" smtClean="0">
-                <a:solidFill>
-                  <a:schemeClr val="tx2">
-                    <a:lumMod val="50000"/>
-                  </a:schemeClr>
-                </a:solidFill>
-                <a:latin typeface="Cambria" pitchFamily="18" charset="0"/>
-                <a:cs typeface="Arial" charset="0"/>
-              </a:rPr>
-              <a:t>V</a:t>
-            </a:r>
-            <a:r>
-              <a:rPr lang="es-AR" sz="2400" dirty="0" smtClean="0">
-                <a:solidFill>
-                  <a:schemeClr val="tx2">
-                    <a:lumMod val="50000"/>
-                  </a:schemeClr>
-                </a:solidFill>
-                <a:latin typeface="Cambria" pitchFamily="18" charset="0"/>
-                <a:cs typeface="Arial" charset="0"/>
-              </a:rPr>
-              <a:t>erificar el alcance con el </a:t>
-            </a:r>
-            <a:r>
-              <a:rPr lang="es-AR" sz="2400" dirty="0" smtClean="0">
-                <a:solidFill>
-                  <a:schemeClr val="tx2">
-                    <a:lumMod val="50000"/>
-                  </a:schemeClr>
-                </a:solidFill>
-                <a:latin typeface="Cambria" pitchFamily="18" charset="0"/>
-                <a:cs typeface="Arial" charset="0"/>
-              </a:rPr>
-              <a:t>cliente</a:t>
+              <a:t> Verificar el alcance con el cliente</a:t>
             </a:r>
           </a:p>
           <a:p>
@@ -21923,7 +24905,7 @@
           <p:nvPr/>
         </p:nvPicPr>
         <p:blipFill>
-          <a:blip r:embed="rId3"/>
+          <a:blip r:embed="rId3" cstate="print"/>
           <a:srcRect/>
           <a:stretch>
             <a:fillRect/>
@@ -21955,9 +24937,307 @@
   <p:timing>
     <p:tnLst>
       <p:par>
-        <p:cTn id="1" dur="indefinite" restart="never" nodeType="tmRoot"/>
+        <p:cTn id="1" dur="indefinite" restart="never" nodeType="tmRoot">
+          <p:childTnLst>
+            <p:seq concurrent="1" nextAc="seek">
+              <p:cTn id="2" dur="indefinite" nodeType="mainSeq">
+                <p:childTnLst>
+                  <p:par>
+                    <p:cTn id="3" fill="hold">
+                      <p:stCondLst>
+                        <p:cond delay="indefinite"/>
+                        <p:cond evt="onBegin" delay="0">
+                          <p:tn val="2"/>
+                        </p:cond>
+                      </p:stCondLst>
+                      <p:childTnLst>
+                        <p:par>
+                          <p:cTn id="4" fill="hold">
+                            <p:stCondLst>
+                              <p:cond delay="0"/>
+                            </p:stCondLst>
+                            <p:childTnLst>
+                              <p:par>
+                                <p:cTn id="5" presetID="22" presetClass="entr" presetSubtype="4" fill="hold" grpId="0" nodeType="withEffect">
+                                  <p:stCondLst>
+                                    <p:cond delay="0"/>
+                                  </p:stCondLst>
+                                  <p:childTnLst>
+                                    <p:set>
+                                      <p:cBhvr>
+                                        <p:cTn id="6" dur="1" fill="hold">
+                                          <p:stCondLst>
+                                            <p:cond delay="0"/>
+                                          </p:stCondLst>
+                                        </p:cTn>
+                                        <p:tgtEl>
+                                          <p:spTgt spid="5">
+                                            <p:txEl>
+                                              <p:pRg st="0" end="0"/>
+                                            </p:txEl>
+                                          </p:spTgt>
+                                        </p:tgtEl>
+                                        <p:attrNameLst>
+                                          <p:attrName>style.visibility</p:attrName>
+                                        </p:attrNameLst>
+                                      </p:cBhvr>
+                                      <p:to>
+                                        <p:strVal val="visible"/>
+                                      </p:to>
+                                    </p:set>
+                                    <p:animEffect transition="in" filter="wipe(down)">
+                                      <p:cBhvr>
+                                        <p:cTn id="7" dur="500"/>
+                                        <p:tgtEl>
+                                          <p:spTgt spid="5">
+                                            <p:txEl>
+                                              <p:pRg st="0" end="0"/>
+                                            </p:txEl>
+                                          </p:spTgt>
+                                        </p:tgtEl>
+                                      </p:cBhvr>
+                                    </p:animEffect>
+                                  </p:childTnLst>
+                                </p:cTn>
+                              </p:par>
+                            </p:childTnLst>
+                          </p:cTn>
+                        </p:par>
+                        <p:par>
+                          <p:cTn id="8" fill="hold">
+                            <p:stCondLst>
+                              <p:cond delay="500"/>
+                            </p:stCondLst>
+                            <p:childTnLst>
+                              <p:par>
+                                <p:cTn id="9" presetID="22" presetClass="entr" presetSubtype="4" fill="hold" grpId="0" nodeType="afterEffect">
+                                  <p:stCondLst>
+                                    <p:cond delay="0"/>
+                                  </p:stCondLst>
+                                  <p:childTnLst>
+                                    <p:set>
+                                      <p:cBhvr>
+                                        <p:cTn id="10" dur="1" fill="hold">
+                                          <p:stCondLst>
+                                            <p:cond delay="0"/>
+                                          </p:stCondLst>
+                                        </p:cTn>
+                                        <p:tgtEl>
+                                          <p:spTgt spid="5">
+                                            <p:txEl>
+                                              <p:pRg st="1" end="1"/>
+                                            </p:txEl>
+                                          </p:spTgt>
+                                        </p:tgtEl>
+                                        <p:attrNameLst>
+                                          <p:attrName>style.visibility</p:attrName>
+                                        </p:attrNameLst>
+                                      </p:cBhvr>
+                                      <p:to>
+                                        <p:strVal val="visible"/>
+                                      </p:to>
+                                    </p:set>
+                                    <p:animEffect transition="in" filter="wipe(down)">
+                                      <p:cBhvr>
+                                        <p:cTn id="11" dur="500"/>
+                                        <p:tgtEl>
+                                          <p:spTgt spid="5">
+                                            <p:txEl>
+                                              <p:pRg st="1" end="1"/>
+                                            </p:txEl>
+                                          </p:spTgt>
+                                        </p:tgtEl>
+                                      </p:cBhvr>
+                                    </p:animEffect>
+                                  </p:childTnLst>
+                                </p:cTn>
+                              </p:par>
+                            </p:childTnLst>
+                          </p:cTn>
+                        </p:par>
+                        <p:par>
+                          <p:cTn id="12" fill="hold">
+                            <p:stCondLst>
+                              <p:cond delay="1000"/>
+                            </p:stCondLst>
+                            <p:childTnLst>
+                              <p:par>
+                                <p:cTn id="13" presetID="22" presetClass="entr" presetSubtype="4" fill="hold" grpId="0" nodeType="afterEffect">
+                                  <p:stCondLst>
+                                    <p:cond delay="0"/>
+                                  </p:stCondLst>
+                                  <p:childTnLst>
+                                    <p:set>
+                                      <p:cBhvr>
+                                        <p:cTn id="14" dur="1" fill="hold">
+                                          <p:stCondLst>
+                                            <p:cond delay="0"/>
+                                          </p:stCondLst>
+                                        </p:cTn>
+                                        <p:tgtEl>
+                                          <p:spTgt spid="5">
+                                            <p:txEl>
+                                              <p:pRg st="2" end="2"/>
+                                            </p:txEl>
+                                          </p:spTgt>
+                                        </p:tgtEl>
+                                        <p:attrNameLst>
+                                          <p:attrName>style.visibility</p:attrName>
+                                        </p:attrNameLst>
+                                      </p:cBhvr>
+                                      <p:to>
+                                        <p:strVal val="visible"/>
+                                      </p:to>
+                                    </p:set>
+                                    <p:animEffect transition="in" filter="wipe(down)">
+                                      <p:cBhvr>
+                                        <p:cTn id="15" dur="500"/>
+                                        <p:tgtEl>
+                                          <p:spTgt spid="5">
+                                            <p:txEl>
+                                              <p:pRg st="2" end="2"/>
+                                            </p:txEl>
+                                          </p:spTgt>
+                                        </p:tgtEl>
+                                      </p:cBhvr>
+                                    </p:animEffect>
+                                  </p:childTnLst>
+                                </p:cTn>
+                              </p:par>
+                            </p:childTnLst>
+                          </p:cTn>
+                        </p:par>
+                        <p:par>
+                          <p:cTn id="16" fill="hold">
+                            <p:stCondLst>
+                              <p:cond delay="1500"/>
+                            </p:stCondLst>
+                            <p:childTnLst>
+                              <p:par>
+                                <p:cTn id="17" presetID="22" presetClass="entr" presetSubtype="4" fill="hold" grpId="0" nodeType="afterEffect">
+                                  <p:stCondLst>
+                                    <p:cond delay="0"/>
+                                  </p:stCondLst>
+                                  <p:childTnLst>
+                                    <p:set>
+                                      <p:cBhvr>
+                                        <p:cTn id="18" dur="1" fill="hold">
+                                          <p:stCondLst>
+                                            <p:cond delay="0"/>
+                                          </p:stCondLst>
+                                        </p:cTn>
+                                        <p:tgtEl>
+                                          <p:spTgt spid="5">
+                                            <p:txEl>
+                                              <p:pRg st="3" end="3"/>
+                                            </p:txEl>
+                                          </p:spTgt>
+                                        </p:tgtEl>
+                                        <p:attrNameLst>
+                                          <p:attrName>style.visibility</p:attrName>
+                                        </p:attrNameLst>
+                                      </p:cBhvr>
+                                      <p:to>
+                                        <p:strVal val="visible"/>
+                                      </p:to>
+                                    </p:set>
+                                    <p:animEffect transition="in" filter="wipe(down)">
+                                      <p:cBhvr>
+                                        <p:cTn id="19" dur="500"/>
+                                        <p:tgtEl>
+                                          <p:spTgt spid="5">
+                                            <p:txEl>
+                                              <p:pRg st="3" end="3"/>
+                                            </p:txEl>
+                                          </p:spTgt>
+                                        </p:tgtEl>
+                                      </p:cBhvr>
+                                    </p:animEffect>
+                                  </p:childTnLst>
+                                </p:cTn>
+                              </p:par>
+                            </p:childTnLst>
+                          </p:cTn>
+                        </p:par>
+                        <p:par>
+                          <p:cTn id="20" fill="hold">
+                            <p:stCondLst>
+                              <p:cond delay="2000"/>
+                            </p:stCondLst>
+                            <p:childTnLst>
+                              <p:par>
+                                <p:cTn id="21" presetID="22" presetClass="entr" presetSubtype="4" fill="hold" grpId="0" nodeType="afterEffect">
+                                  <p:stCondLst>
+                                    <p:cond delay="0"/>
+                                  </p:stCondLst>
+                                  <p:childTnLst>
+                                    <p:set>
+                                      <p:cBhvr>
+                                        <p:cTn id="22" dur="1" fill="hold">
+                                          <p:stCondLst>
+                                            <p:cond delay="0"/>
+                                          </p:stCondLst>
+                                        </p:cTn>
+                                        <p:tgtEl>
+                                          <p:spTgt spid="5">
+                                            <p:txEl>
+                                              <p:pRg st="4" end="4"/>
+                                            </p:txEl>
+                                          </p:spTgt>
+                                        </p:tgtEl>
+                                        <p:attrNameLst>
+                                          <p:attrName>style.visibility</p:attrName>
+                                        </p:attrNameLst>
+                                      </p:cBhvr>
+                                      <p:to>
+                                        <p:strVal val="visible"/>
+                                      </p:to>
+                                    </p:set>
+                                    <p:animEffect transition="in" filter="wipe(down)">
+                                      <p:cBhvr>
+                                        <p:cTn id="23" dur="500"/>
+                                        <p:tgtEl>
+                                          <p:spTgt spid="5">
+                                            <p:txEl>
+                                              <p:pRg st="4" end="4"/>
+                                            </p:txEl>
+                                          </p:spTgt>
+                                        </p:tgtEl>
+                                      </p:cBhvr>
+                                    </p:animEffect>
+                                  </p:childTnLst>
+                                </p:cTn>
+                              </p:par>
+                            </p:childTnLst>
+                          </p:cTn>
+                        </p:par>
+                      </p:childTnLst>
+                    </p:cTn>
+                  </p:par>
+                </p:childTnLst>
+              </p:cTn>
+              <p:prevCondLst>
+                <p:cond evt="onPrev" delay="0">
+                  <p:tgtEl>
+                    <p:sldTgt/>
+                  </p:tgtEl>
+                </p:cond>
+              </p:prevCondLst>
+              <p:nextCondLst>
+                <p:cond evt="onNext" delay="0">
+                  <p:tgtEl>
+                    <p:sldTgt/>
+                  </p:tgtEl>
+                </p:cond>
+              </p:nextCondLst>
+            </p:seq>
+          </p:childTnLst>
+        </p:cTn>
       </p:par>
     </p:tnLst>
+    <p:bldLst>
+      <p:bldP spid="5" grpId="0" uiExpand="1" build="p"/>
+    </p:bldLst>
   </p:timing>
 </p:sld>
 </file>
@@ -22999,7 +26279,7 @@
           <p:nvPr/>
         </p:nvPicPr>
         <p:blipFill>
-          <a:blip r:embed="rId7" cstate="print"/>
+          <a:blip r:embed="rId8" cstate="print"/>
           <a:stretch>
             <a:fillRect/>
           </a:stretch>
@@ -23037,7 +26317,7 @@
             <p:nvPr/>
           </p:nvPicPr>
           <p:blipFill>
-            <a:blip r:embed="rId8" cstate="print">
+            <a:blip r:embed="rId9" cstate="print">
               <a:clrChange>
                 <a:clrFrom>
                   <a:srgbClr val="F6F6FB"/>
@@ -23072,7 +26352,7 @@
             <p:nvPr/>
           </p:nvPicPr>
           <p:blipFill>
-            <a:blip r:embed="rId9" cstate="print">
+            <a:blip r:embed="rId10" cstate="print">
               <a:clrChange>
                 <a:clrFrom>
                   <a:srgbClr val="F6F6FB"/>
@@ -23116,7 +26396,7 @@
           <p:nvPr/>
         </p:nvPicPr>
         <p:blipFill>
-          <a:blip r:embed="rId10" cstate="print"/>
+          <a:blip r:embed="rId11" cstate="print"/>
           <a:srcRect/>
           <a:stretch>
             <a:fillRect/>
@@ -23151,7 +26431,7 @@
           <p:nvPr/>
         </p:nvPicPr>
         <p:blipFill>
-          <a:blip r:embed="rId10" cstate="print"/>
+          <a:blip r:embed="rId11" cstate="print"/>
           <a:srcRect/>
           <a:stretch>
             <a:fillRect/>
@@ -23186,7 +26466,7 @@
           <p:nvPr/>
         </p:nvPicPr>
         <p:blipFill>
-          <a:blip r:embed="rId11" cstate="print"/>
+          <a:blip r:embed="rId12" cstate="print"/>
           <a:srcRect/>
           <a:stretch>
             <a:fillRect/>
@@ -23503,7 +26783,7 @@
         </p:nvSpPr>
         <p:spPr bwMode="auto">
           <a:xfrm>
-            <a:off x="1619672" y="1916832"/>
+            <a:off x="1403648" y="1772816"/>
             <a:ext cx="6740549" cy="504056"/>
           </a:xfrm>
           <a:prstGeom prst="rect">
@@ -23572,8 +26852,8 @@
           <p:nvPr/>
         </p:nvGraphicFramePr>
         <p:xfrm>
-          <a:off x="1619672" y="2708920"/>
-          <a:ext cx="5616624" cy="3744416"/>
+          <a:off x="1403648" y="2564904"/>
+          <a:ext cx="7200800" cy="3744416"/>
         </p:xfrm>
         <a:graphic>
           <a:graphicData uri="http://schemas.openxmlformats.org/drawingml/2006/diagram">
@@ -23652,15 +26932,24 @@
                                   </p:childTnLst>
                                 </p:cTn>
                               </p:par>
+                            </p:childTnLst>
+                          </p:cTn>
+                        </p:par>
+                        <p:par>
+                          <p:cTn id="8" fill="hold">
+                            <p:stCondLst>
+                              <p:cond delay="1000"/>
+                            </p:stCondLst>
+                            <p:childTnLst>
                               <p:par>
-                                <p:cTn id="8" presetID="10" presetClass="entr" presetSubtype="0" fill="hold" grpId="0" nodeType="withEffect">
+                                <p:cTn id="9" presetID="10" presetClass="entr" presetSubtype="0" fill="hold" grpId="0" nodeType="afterEffect">
                                   <p:stCondLst>
                                     <p:cond delay="0"/>
                                   </p:stCondLst>
                                   <p:childTnLst>
                                     <p:set>
                                       <p:cBhvr>
-                                        <p:cTn id="9" dur="1" fill="hold">
+                                        <p:cTn id="10" dur="1" fill="hold">
                                           <p:stCondLst>
                                             <p:cond delay="0"/>
                                           </p:stCondLst>
@@ -23682,7 +26971,7 @@
                                     </p:set>
                                     <p:animEffect transition="in" filter="fade">
                                       <p:cBhvr>
-                                        <p:cTn id="10" dur="1000"/>
+                                        <p:cTn id="11" dur="1000"/>
                                         <p:tgtEl>
                                           <p:spTgt spid="16">
                                             <p:graphicEl>
@@ -23696,14 +26985,14 @@
                                 </p:cTn>
                               </p:par>
                               <p:par>
-                                <p:cTn id="11" presetID="10" presetClass="entr" presetSubtype="0" fill="hold" grpId="0" nodeType="withEffect">
+                                <p:cTn id="12" presetID="10" presetClass="entr" presetSubtype="0" fill="hold" grpId="0" nodeType="withEffect">
                                   <p:stCondLst>
                                     <p:cond delay="0"/>
                                   </p:stCondLst>
                                   <p:childTnLst>
                                     <p:set>
                                       <p:cBhvr>
-                                        <p:cTn id="12" dur="1" fill="hold">
+                                        <p:cTn id="13" dur="1" fill="hold">
                                           <p:stCondLst>
                                             <p:cond delay="0"/>
                                           </p:stCondLst>
@@ -23725,7 +27014,7 @@
                                     </p:set>
                                     <p:animEffect transition="in" filter="fade">
                                       <p:cBhvr>
-                                        <p:cTn id="13" dur="1000"/>
+                                        <p:cTn id="14" dur="1000"/>
                                         <p:tgtEl>
                                           <p:spTgt spid="16">
                                             <p:graphicEl>
@@ -23738,15 +27027,24 @@
                                   </p:childTnLst>
                                 </p:cTn>
                               </p:par>
+                            </p:childTnLst>
+                          </p:cTn>
+                        </p:par>
+                        <p:par>
+                          <p:cTn id="15" fill="hold">
+                            <p:stCondLst>
+                              <p:cond delay="2000"/>
+                            </p:stCondLst>
+                            <p:childTnLst>
                               <p:par>
-                                <p:cTn id="14" presetID="10" presetClass="entr" presetSubtype="0" fill="hold" grpId="0" nodeType="withEffect">
+                                <p:cTn id="16" presetID="10" presetClass="entr" presetSubtype="0" fill="hold" grpId="0" nodeType="afterEffect">
                                   <p:stCondLst>
                                     <p:cond delay="0"/>
                                   </p:stCondLst>
                                   <p:childTnLst>
                                     <p:set>
                                       <p:cBhvr>
-                                        <p:cTn id="15" dur="1" fill="hold">
+                                        <p:cTn id="17" dur="1" fill="hold">
                                           <p:stCondLst>
                                             <p:cond delay="0"/>
                                           </p:stCondLst>
@@ -23768,7 +27066,7 @@
                                     </p:set>
                                     <p:animEffect transition="in" filter="fade">
                                       <p:cBhvr>
-                                        <p:cTn id="16" dur="1000"/>
+                                        <p:cTn id="18" dur="1000"/>
                                         <p:tgtEl>
                                           <p:spTgt spid="16">
                                             <p:graphicEl>
@@ -23782,14 +27080,14 @@
                                 </p:cTn>
                               </p:par>
                               <p:par>
-                                <p:cTn id="17" presetID="10" presetClass="entr" presetSubtype="0" fill="hold" grpId="0" nodeType="withEffect">
+                                <p:cTn id="19" presetID="10" presetClass="entr" presetSubtype="0" fill="hold" grpId="0" nodeType="withEffect">
                                   <p:stCondLst>
                                     <p:cond delay="0"/>
                                   </p:stCondLst>
                                   <p:childTnLst>
                                     <p:set>
                                       <p:cBhvr>
-                                        <p:cTn id="18" dur="1" fill="hold">
+                                        <p:cTn id="20" dur="1" fill="hold">
                                           <p:stCondLst>
                                             <p:cond delay="0"/>
                                           </p:stCondLst>
@@ -23811,7 +27109,7 @@
                                     </p:set>
                                     <p:animEffect transition="in" filter="fade">
                                       <p:cBhvr>
-                                        <p:cTn id="19" dur="1000"/>
+                                        <p:cTn id="21" dur="1000"/>
                                         <p:tgtEl>
                                           <p:spTgt spid="16">
                                             <p:graphicEl>
@@ -23852,7 +27150,7 @@
       </p:par>
     </p:tnLst>
     <p:bldLst>
-      <p:bldGraphic spid="16" grpId="0">
+      <p:bldGraphic spid="16" grpId="0" uiExpand="1">
         <p:bldSub>
           <a:bldDgm bld="one"/>
         </p:bldSub>
@@ -25065,60 +28363,6 @@
           </a:p>
         </p:txBody>
       </p:sp>
-      <p:sp>
-        <p:nvSpPr>
-          <p:cNvPr id="25" name="TextBox 24"/>
-          <p:cNvSpPr txBox="1">
-            <a:spLocks noChangeArrowheads="1"/>
-          </p:cNvSpPr>
-          <p:nvPr/>
-        </p:nvSpPr>
-        <p:spPr bwMode="auto">
-          <a:xfrm>
-            <a:off x="1403648" y="1700808"/>
-            <a:ext cx="4033837" cy="400110"/>
-          </a:xfrm>
-          <a:prstGeom prst="rect">
-            <a:avLst/>
-          </a:prstGeom>
-          <a:noFill/>
-          <a:ln w="9525">
-            <a:noFill/>
-            <a:miter lim="800000"/>
-            <a:headEnd/>
-            <a:tailEnd/>
-          </a:ln>
-        </p:spPr>
-        <p:txBody>
-          <a:bodyPr>
-            <a:spAutoFit/>
-          </a:bodyPr>
-          <a:lstStyle/>
-          <a:p>
-            <a:r>
-              <a:rPr lang="es-AR" sz="2000" dirty="0" smtClean="0">
-                <a:solidFill>
-                  <a:schemeClr val="tx2">
-                    <a:lumMod val="50000"/>
-                  </a:schemeClr>
-                </a:solidFill>
-                <a:latin typeface="Cambria" pitchFamily="18" charset="0"/>
-                <a:cs typeface="Arial" charset="0"/>
-              </a:rPr>
-              <a:t>Caso de Análisis: Sprint 4</a:t>
-            </a:r>
-            <a:endParaRPr lang="es-AR" sz="2000" dirty="0">
-              <a:solidFill>
-                <a:schemeClr val="tx2">
-                  <a:lumMod val="50000"/>
-                </a:schemeClr>
-              </a:solidFill>
-              <a:latin typeface="Cambria" pitchFamily="18" charset="0"/>
-              <a:cs typeface="Arial" charset="0"/>
-            </a:endParaRPr>
-          </a:p>
-        </p:txBody>
-      </p:sp>
       <p:grpSp>
         <p:nvGrpSpPr>
           <p:cNvPr id="6" name="5 Grupo"/>
@@ -25238,6 +28482,60 @@
           </p:txBody>
         </p:sp>
       </p:grpSp>
+      <p:sp>
+        <p:nvSpPr>
+          <p:cNvPr id="7" name="TextBox 24"/>
+          <p:cNvSpPr txBox="1">
+            <a:spLocks noChangeArrowheads="1"/>
+          </p:cNvSpPr>
+          <p:nvPr/>
+        </p:nvSpPr>
+        <p:spPr bwMode="auto">
+          <a:xfrm>
+            <a:off x="1403648" y="1657266"/>
+            <a:ext cx="4033837" cy="523220"/>
+          </a:xfrm>
+          <a:prstGeom prst="rect">
+            <a:avLst/>
+          </a:prstGeom>
+          <a:noFill/>
+          <a:ln w="9525">
+            <a:noFill/>
+            <a:miter lim="800000"/>
+            <a:headEnd/>
+            <a:tailEnd/>
+          </a:ln>
+        </p:spPr>
+        <p:txBody>
+          <a:bodyPr>
+            <a:spAutoFit/>
+          </a:bodyPr>
+          <a:lstStyle/>
+          <a:p>
+            <a:r>
+              <a:rPr lang="es-AR" sz="2800" dirty="0" smtClean="0">
+                <a:solidFill>
+                  <a:schemeClr val="tx2">
+                    <a:lumMod val="50000"/>
+                  </a:schemeClr>
+                </a:solidFill>
+                <a:latin typeface="Cambria" pitchFamily="18" charset="0"/>
+                <a:cs typeface="Arial" charset="0"/>
+              </a:rPr>
+              <a:t>Caso de Análisis: Sprint 4</a:t>
+            </a:r>
+            <a:endParaRPr lang="es-AR" sz="2800" dirty="0">
+              <a:solidFill>
+                <a:schemeClr val="tx2">
+                  <a:lumMod val="50000"/>
+                </a:schemeClr>
+              </a:solidFill>
+              <a:latin typeface="Cambria" pitchFamily="18" charset="0"/>
+              <a:cs typeface="Arial" charset="0"/>
+            </a:endParaRPr>
+          </a:p>
+        </p:txBody>
+      </p:sp>
     </p:spTree>
   </p:cSld>
   <p:clrMapOvr>
@@ -25292,7 +28590,7 @@
                                     </p:set>
                                     <p:animEffect transition="in" filter="fade">
                                       <p:cBhvr>
-                                        <p:cTn id="7" dur="2000"/>
+                                        <p:cTn id="7" dur="1000"/>
                                         <p:tgtEl>
                                           <p:spTgt spid="6"/>
                                         </p:tgtEl>
@@ -25371,60 +28669,6 @@
               </a:rPr>
               <a:t>Seguimiento y Control</a:t>
             </a:r>
-          </a:p>
-        </p:txBody>
-      </p:sp>
-      <p:sp>
-        <p:nvSpPr>
-          <p:cNvPr id="25" name="TextBox 24"/>
-          <p:cNvSpPr txBox="1">
-            <a:spLocks noChangeArrowheads="1"/>
-          </p:cNvSpPr>
-          <p:nvPr/>
-        </p:nvSpPr>
-        <p:spPr bwMode="auto">
-          <a:xfrm>
-            <a:off x="1403648" y="1700808"/>
-            <a:ext cx="4033837" cy="400110"/>
-          </a:xfrm>
-          <a:prstGeom prst="rect">
-            <a:avLst/>
-          </a:prstGeom>
-          <a:noFill/>
-          <a:ln w="9525">
-            <a:noFill/>
-            <a:miter lim="800000"/>
-            <a:headEnd/>
-            <a:tailEnd/>
-          </a:ln>
-        </p:spPr>
-        <p:txBody>
-          <a:bodyPr>
-            <a:spAutoFit/>
-          </a:bodyPr>
-          <a:lstStyle/>
-          <a:p>
-            <a:r>
-              <a:rPr lang="es-AR" sz="2000" dirty="0" smtClean="0">
-                <a:solidFill>
-                  <a:schemeClr val="tx2">
-                    <a:lumMod val="50000"/>
-                  </a:schemeClr>
-                </a:solidFill>
-                <a:latin typeface="Cambria" pitchFamily="18" charset="0"/>
-                <a:cs typeface="Arial" charset="0"/>
-              </a:rPr>
-              <a:t>Caso de Análisis: Sprint 4</a:t>
-            </a:r>
-            <a:endParaRPr lang="es-AR" sz="2000" dirty="0">
-              <a:solidFill>
-                <a:schemeClr val="tx2">
-                  <a:lumMod val="50000"/>
-                </a:schemeClr>
-              </a:solidFill>
-              <a:latin typeface="Cambria" pitchFamily="18" charset="0"/>
-              <a:cs typeface="Arial" charset="0"/>
-            </a:endParaRPr>
           </a:p>
         </p:txBody>
       </p:sp>
@@ -25547,6 +28791,60 @@
           </p:spPr>
         </p:pic>
       </p:grpSp>
+      <p:sp>
+        <p:nvSpPr>
+          <p:cNvPr id="8" name="TextBox 24"/>
+          <p:cNvSpPr txBox="1">
+            <a:spLocks noChangeArrowheads="1"/>
+          </p:cNvSpPr>
+          <p:nvPr/>
+        </p:nvSpPr>
+        <p:spPr bwMode="auto">
+          <a:xfrm>
+            <a:off x="1403648" y="1657266"/>
+            <a:ext cx="4033837" cy="523220"/>
+          </a:xfrm>
+          <a:prstGeom prst="rect">
+            <a:avLst/>
+          </a:prstGeom>
+          <a:noFill/>
+          <a:ln w="9525">
+            <a:noFill/>
+            <a:miter lim="800000"/>
+            <a:headEnd/>
+            <a:tailEnd/>
+          </a:ln>
+        </p:spPr>
+        <p:txBody>
+          <a:bodyPr>
+            <a:spAutoFit/>
+          </a:bodyPr>
+          <a:lstStyle/>
+          <a:p>
+            <a:r>
+              <a:rPr lang="es-AR" sz="2800" dirty="0" smtClean="0">
+                <a:solidFill>
+                  <a:schemeClr val="tx2">
+                    <a:lumMod val="50000"/>
+                  </a:schemeClr>
+                </a:solidFill>
+                <a:latin typeface="Cambria" pitchFamily="18" charset="0"/>
+                <a:cs typeface="Arial" charset="0"/>
+              </a:rPr>
+              <a:t>Caso de Análisis: Sprint 4</a:t>
+            </a:r>
+            <a:endParaRPr lang="es-AR" sz="2800" dirty="0">
+              <a:solidFill>
+                <a:schemeClr val="tx2">
+                  <a:lumMod val="50000"/>
+                </a:schemeClr>
+              </a:solidFill>
+              <a:latin typeface="Cambria" pitchFamily="18" charset="0"/>
+              <a:cs typeface="Arial" charset="0"/>
+            </a:endParaRPr>
+          </a:p>
+        </p:txBody>
+      </p:sp>
     </p:spTree>
   </p:cSld>
   <p:clrMapOvr>
@@ -25601,7 +28899,7 @@
                                     </p:set>
                                     <p:animEffect transition="in" filter="fade">
                                       <p:cBhvr>
-                                        <p:cTn id="7" dur="2000"/>
+                                        <p:cTn id="7" dur="1000"/>
                                         <p:tgtEl>
                                           <p:spTgt spid="7"/>
                                         </p:tgtEl>

--- a/presentations/presentacionFinal.pptx
+++ b/presentations/presentacionFinal.pptx
@@ -4511,6 +4511,13 @@
         </dgm:presLayoutVars>
       </dgm:prSet>
       <dgm:spPr/>
+      <dgm:t>
+        <a:bodyPr/>
+        <a:lstStyle/>
+        <a:p>
+          <a:endParaRPr lang="es-AR"/>
+        </a:p>
+      </dgm:t>
     </dgm:pt>
     <dgm:pt modelId="{BA95758A-2237-4356-B9A1-2725CF38A041}" type="pres">
       <dgm:prSet presAssocID="{F347E4E1-32C2-4ADD-86D3-636ADCF8C776}" presName="sibTrans" presStyleCnt="0"/>
@@ -4523,6 +4530,13 @@
         </dgm:presLayoutVars>
       </dgm:prSet>
       <dgm:spPr/>
+      <dgm:t>
+        <a:bodyPr/>
+        <a:lstStyle/>
+        <a:p>
+          <a:endParaRPr lang="es-AR"/>
+        </a:p>
+      </dgm:t>
     </dgm:pt>
     <dgm:pt modelId="{8BA669E2-4FE4-4A76-A003-7F81253E9070}" type="pres">
       <dgm:prSet presAssocID="{95638AF9-C5BA-4E06-969F-00394F314752}" presName="sibTrans" presStyleCnt="0"/>
@@ -4535,6 +4549,13 @@
         </dgm:presLayoutVars>
       </dgm:prSet>
       <dgm:spPr/>
+      <dgm:t>
+        <a:bodyPr/>
+        <a:lstStyle/>
+        <a:p>
+          <a:endParaRPr lang="es-AR"/>
+        </a:p>
+      </dgm:t>
     </dgm:pt>
   </dgm:ptLst>
   <dgm:cxnLst>
@@ -6338,8 +6359,8 @@
       </dsp:nvSpPr>
       <dsp:spPr>
         <a:xfrm>
-          <a:off x="534659" y="0"/>
-          <a:ext cx="6059473" cy="4248472"/>
+          <a:off x="561662" y="0"/>
+          <a:ext cx="6365507" cy="4248472"/>
         </a:xfrm>
         <a:prstGeom prst="rightArrow">
           <a:avLst/>
@@ -6384,8 +6405,8 @@
       </dsp:nvSpPr>
       <dsp:spPr>
         <a:xfrm>
-          <a:off x="1903" y="1274541"/>
-          <a:ext cx="2081703" cy="1699388"/>
+          <a:off x="2702" y="1274541"/>
+          <a:ext cx="2172053" cy="1699388"/>
         </a:xfrm>
         <a:prstGeom prst="roundRect">
           <a:avLst/>
@@ -6479,8 +6500,8 @@
         </a:p>
       </dsp:txBody>
       <dsp:txXfrm>
-        <a:off x="1903" y="1274541"/>
-        <a:ext cx="2081703" cy="1699388"/>
+        <a:off x="2702" y="1274541"/>
+        <a:ext cx="2172053" cy="1699388"/>
       </dsp:txXfrm>
     </dsp:sp>
     <dsp:sp modelId="{89E31B8C-B1F1-4ACF-9FA6-A908EB5B54AA}">
@@ -6490,8 +6511,8 @@
       </dsp:nvSpPr>
       <dsp:spPr>
         <a:xfrm>
-          <a:off x="2406979" y="1274541"/>
-          <a:ext cx="2081703" cy="1699388"/>
+          <a:off x="2536764" y="1274541"/>
+          <a:ext cx="2172053" cy="1699388"/>
         </a:xfrm>
         <a:prstGeom prst="roundRect">
           <a:avLst/>
@@ -6589,8 +6610,8 @@
         </a:p>
       </dsp:txBody>
       <dsp:txXfrm>
-        <a:off x="2406979" y="1274541"/>
-        <a:ext cx="2081703" cy="1699388"/>
+        <a:off x="2536764" y="1274541"/>
+        <a:ext cx="2172053" cy="1699388"/>
       </dsp:txXfrm>
     </dsp:sp>
     <dsp:sp modelId="{31A8DE1E-3226-437D-9608-072DF772CBF1}">
@@ -6600,8 +6621,8 @@
       </dsp:nvSpPr>
       <dsp:spPr>
         <a:xfrm>
-          <a:off x="4812054" y="1274541"/>
-          <a:ext cx="2314833" cy="1699388"/>
+          <a:off x="5070827" y="1274541"/>
+          <a:ext cx="2415302" cy="1699388"/>
         </a:xfrm>
         <a:prstGeom prst="roundRect">
           <a:avLst/>
@@ -6699,8 +6720,8 @@
         </a:p>
       </dsp:txBody>
       <dsp:txXfrm>
-        <a:off x="4812054" y="1274541"/>
-        <a:ext cx="2314833" cy="1699388"/>
+        <a:off x="5070827" y="1274541"/>
+        <a:ext cx="2415302" cy="1699388"/>
       </dsp:txXfrm>
     </dsp:sp>
   </dsp:spTree>
@@ -22677,19 +22698,7 @@
                 <a:latin typeface="Cambria" pitchFamily="18" charset="0"/>
                 <a:cs typeface="Arial" charset="0"/>
               </a:rPr>
-              <a:t> </a:t>
-            </a:r>
-            <a:r>
-              <a:rPr lang="es-AR" sz="2800" dirty="0" smtClean="0">
-                <a:solidFill>
-                  <a:schemeClr val="tx2">
-                    <a:lumMod val="50000"/>
-                  </a:schemeClr>
-                </a:solidFill>
-                <a:latin typeface="Cambria" pitchFamily="18" charset="0"/>
-                <a:cs typeface="Arial" charset="0"/>
-              </a:rPr>
-              <a:t>Comienzo Sprint 2 </a:t>
+              <a:t> Comienzo Sprint 2 </a:t>
             </a:r>
             <a:r>
               <a:rPr lang="es-AR" sz="2800" dirty="0" smtClean="0">
@@ -22714,19 +22723,7 @@
                 <a:latin typeface="Cambria" pitchFamily="18" charset="0"/>
                 <a:cs typeface="Arial" charset="0"/>
               </a:rPr>
-              <a:t>Múltiples </a:t>
-            </a:r>
-            <a:r>
-              <a:rPr lang="es-AR" sz="2800" dirty="0" smtClean="0">
-                <a:solidFill>
-                  <a:schemeClr val="tx2">
-                    <a:lumMod val="50000"/>
-                  </a:schemeClr>
-                </a:solidFill>
-                <a:latin typeface="Cambria" pitchFamily="18" charset="0"/>
-                <a:cs typeface="Arial" charset="0"/>
-              </a:rPr>
-              <a:t>supervisores</a:t>
+              <a:t>Múltiples supervisores</a:t>
             </a:r>
           </a:p>
         </p:txBody>
@@ -22738,8 +22735,8 @@
           <p:nvPr/>
         </p:nvGraphicFramePr>
         <p:xfrm>
-          <a:off x="1403648" y="2420888"/>
-          <a:ext cx="7128792" cy="4248472"/>
+          <a:off x="1259632" y="2420888"/>
+          <a:ext cx="7488832" cy="4248472"/>
         </p:xfrm>
         <a:graphic>
           <a:graphicData uri="http://schemas.openxmlformats.org/drawingml/2006/diagram">
@@ -23197,6 +23194,41 @@
           <a:chExt cx="0" cy="0"/>
         </a:xfrm>
       </p:grpSpPr>
+      <p:pic>
+        <p:nvPicPr>
+          <p:cNvPr id="2050" name="Picture 2"/>
+          <p:cNvPicPr>
+            <a:picLocks noChangeAspect="1" noChangeArrowheads="1"/>
+          </p:cNvPicPr>
+          <p:nvPr/>
+        </p:nvPicPr>
+        <p:blipFill>
+          <a:blip r:embed="rId3" cstate="print"/>
+          <a:srcRect/>
+          <a:stretch>
+            <a:fillRect/>
+          </a:stretch>
+        </p:blipFill>
+        <p:spPr bwMode="auto">
+          <a:xfrm>
+            <a:off x="1706195" y="1873852"/>
+            <a:ext cx="6276522" cy="4428000"/>
+          </a:xfrm>
+          <a:prstGeom prst="rect">
+            <a:avLst/>
+          </a:prstGeom>
+          <a:ln>
+            <a:noFill/>
+          </a:ln>
+          <a:effectLst>
+            <a:outerShdw blurRad="190500" algn="tl" rotWithShape="0">
+              <a:srgbClr val="000000">
+                <a:alpha val="70000"/>
+              </a:srgbClr>
+            </a:outerShdw>
+          </a:effectLst>
+        </p:spPr>
+      </p:pic>
       <p:sp>
         <p:nvSpPr>
           <p:cNvPr id="4099" name="Rectangle 2"/>
@@ -23222,78 +23254,32 @@
           </a:p>
         </p:txBody>
       </p:sp>
-      <p:sp>
-        <p:nvSpPr>
-          <p:cNvPr id="3" name="2 Botón de acción: Hacia delante o Siguiente">
-            <a:hlinkClick r:id="" action="ppaction://noaction" highlightClick="1"/>
-          </p:cNvPr>
-          <p:cNvSpPr/>
+      <p:pic>
+        <p:nvPicPr>
+          <p:cNvPr id="4" name="Picture 3" descr="C:\Users\sixdemons\AppData\Local\Microsoft\Windows\Temporary Internet Files\Content.IE5\07ASDV69\MCj02157920000[1].wmf"/>
+          <p:cNvPicPr>
+            <a:picLocks noChangeAspect="1" noChangeArrowheads="1"/>
+          </p:cNvPicPr>
           <p:nvPr/>
-        </p:nvSpPr>
+        </p:nvPicPr>
+        <p:blipFill>
+          <a:blip r:embed="rId4" cstate="print"/>
+          <a:srcRect/>
+          <a:stretch>
+            <a:fillRect/>
+          </a:stretch>
+        </p:blipFill>
         <p:spPr bwMode="auto">
           <a:xfrm>
-            <a:off x="3851920" y="3140968"/>
-            <a:ext cx="1872208" cy="1872208"/>
+            <a:off x="7092280" y="4941168"/>
+            <a:ext cx="1584000" cy="2241926"/>
           </a:xfrm>
-          <a:prstGeom prst="actionButtonForwardNext">
+          <a:prstGeom prst="rect">
             <a:avLst/>
           </a:prstGeom>
-          <a:ln>
-            <a:headEnd type="none" w="sm" len="sm"/>
-            <a:tailEnd type="none" w="sm" len="sm"/>
-          </a:ln>
+          <a:noFill/>
         </p:spPr>
-        <p:style>
-          <a:lnRef idx="1">
-            <a:schemeClr val="accent2"/>
-          </a:lnRef>
-          <a:fillRef idx="3">
-            <a:schemeClr val="accent2"/>
-          </a:fillRef>
-          <a:effectRef idx="2">
-            <a:schemeClr val="accent2"/>
-          </a:effectRef>
-          <a:fontRef idx="minor">
-            <a:schemeClr val="lt1"/>
-          </a:fontRef>
-        </p:style>
-        <p:txBody>
-          <a:bodyPr vert="horz" wrap="square" lIns="91440" tIns="45720" rIns="91440" bIns="45720" numCol="1" rtlCol="0" anchor="t" anchorCtr="0" compatLnSpc="1">
-            <a:prstTxWarp prst="textNoShape">
-              <a:avLst/>
-            </a:prstTxWarp>
-          </a:bodyPr>
-          <a:lstStyle/>
-          <a:p>
-            <a:pPr marL="0" marR="0" indent="0" algn="l" defTabSz="914400" rtl="0" eaLnBrk="1" fontAlgn="base" latinLnBrk="0" hangingPunct="1">
-              <a:lnSpc>
-                <a:spcPct val="100000"/>
-              </a:lnSpc>
-              <a:spcBef>
-                <a:spcPct val="0"/>
-              </a:spcBef>
-              <a:spcAft>
-                <a:spcPct val="0"/>
-              </a:spcAft>
-              <a:buClrTx/>
-              <a:buSzTx/>
-              <a:buFontTx/>
-              <a:buNone/>
-              <a:tabLst/>
-            </a:pPr>
-            <a:endParaRPr kumimoji="0" lang="en-US" sz="1800" b="0" i="0" u="none" strike="noStrike" cap="none" normalizeH="0" baseline="0" smtClean="0">
-              <a:ln>
-                <a:noFill/>
-              </a:ln>
-              <a:solidFill>
-                <a:schemeClr val="tx1"/>
-              </a:solidFill>
-              <a:effectLst/>
-              <a:latin typeface="Verdana" pitchFamily="34" charset="0"/>
-            </a:endParaRPr>
-          </a:p>
-        </p:txBody>
-      </p:sp>
+      </p:pic>
     </p:spTree>
   </p:cSld>
   <p:clrMapOvr>
@@ -23302,137 +23288,9 @@
   <p:timing>
     <p:tnLst>
       <p:par>
-        <p:cTn id="1" dur="indefinite" restart="never" nodeType="tmRoot">
-          <p:childTnLst>
-            <p:seq concurrent="1" nextAc="seek">
-              <p:cTn id="2" dur="indefinite" nodeType="mainSeq">
-                <p:childTnLst>
-                  <p:par>
-                    <p:cTn id="3" fill="hold">
-                      <p:stCondLst>
-                        <p:cond delay="indefinite"/>
-                        <p:cond evt="onBegin" delay="0">
-                          <p:tn val="2"/>
-                        </p:cond>
-                      </p:stCondLst>
-                      <p:childTnLst>
-                        <p:par>
-                          <p:cTn id="4" fill="hold">
-                            <p:stCondLst>
-                              <p:cond delay="0"/>
-                            </p:stCondLst>
-                            <p:childTnLst>
-                              <p:par>
-                                <p:cTn id="5" presetID="53" presetClass="entr" presetSubtype="0" fill="hold" grpId="0" nodeType="withEffect">
-                                  <p:stCondLst>
-                                    <p:cond delay="0"/>
-                                  </p:stCondLst>
-                                  <p:childTnLst>
-                                    <p:set>
-                                      <p:cBhvr>
-                                        <p:cTn id="6" dur="1" fill="hold">
-                                          <p:stCondLst>
-                                            <p:cond delay="0"/>
-                                          </p:stCondLst>
-                                        </p:cTn>
-                                        <p:tgtEl>
-                                          <p:spTgt spid="3"/>
-                                        </p:tgtEl>
-                                        <p:attrNameLst>
-                                          <p:attrName>style.visibility</p:attrName>
-                                        </p:attrNameLst>
-                                      </p:cBhvr>
-                                      <p:to>
-                                        <p:strVal val="visible"/>
-                                      </p:to>
-                                    </p:set>
-                                    <p:anim calcmode="lin" valueType="num">
-                                      <p:cBhvr>
-                                        <p:cTn id="7" dur="500" fill="hold"/>
-                                        <p:tgtEl>
-                                          <p:spTgt spid="3"/>
-                                        </p:tgtEl>
-                                        <p:attrNameLst>
-                                          <p:attrName>ppt_w</p:attrName>
-                                        </p:attrNameLst>
-                                      </p:cBhvr>
-                                      <p:tavLst>
-                                        <p:tav tm="0">
-                                          <p:val>
-                                            <p:fltVal val="0"/>
-                                          </p:val>
-                                        </p:tav>
-                                        <p:tav tm="100000">
-                                          <p:val>
-                                            <p:strVal val="#ppt_w"/>
-                                          </p:val>
-                                        </p:tav>
-                                      </p:tavLst>
-                                    </p:anim>
-                                    <p:anim calcmode="lin" valueType="num">
-                                      <p:cBhvr>
-                                        <p:cTn id="8" dur="500" fill="hold"/>
-                                        <p:tgtEl>
-                                          <p:spTgt spid="3"/>
-                                        </p:tgtEl>
-                                        <p:attrNameLst>
-                                          <p:attrName>ppt_h</p:attrName>
-                                        </p:attrNameLst>
-                                      </p:cBhvr>
-                                      <p:tavLst>
-                                        <p:tav tm="0">
-                                          <p:val>
-                                            <p:fltVal val="0"/>
-                                          </p:val>
-                                        </p:tav>
-                                        <p:tav tm="100000">
-                                          <p:val>
-                                            <p:strVal val="#ppt_h"/>
-                                          </p:val>
-                                        </p:tav>
-                                      </p:tavLst>
-                                    </p:anim>
-                                    <p:animEffect transition="in" filter="fade">
-                                      <p:cBhvr>
-                                        <p:cTn id="9" dur="500"/>
-                                        <p:tgtEl>
-                                          <p:spTgt spid="3"/>
-                                        </p:tgtEl>
-                                      </p:cBhvr>
-                                    </p:animEffect>
-                                  </p:childTnLst>
-                                </p:cTn>
-                              </p:par>
-                            </p:childTnLst>
-                          </p:cTn>
-                        </p:par>
-                      </p:childTnLst>
-                    </p:cTn>
-                  </p:par>
-                </p:childTnLst>
-              </p:cTn>
-              <p:prevCondLst>
-                <p:cond evt="onPrev" delay="0">
-                  <p:tgtEl>
-                    <p:sldTgt/>
-                  </p:tgtEl>
-                </p:cond>
-              </p:prevCondLst>
-              <p:nextCondLst>
-                <p:cond evt="onNext" delay="0">
-                  <p:tgtEl>
-                    <p:sldTgt/>
-                  </p:tgtEl>
-                </p:cond>
-              </p:nextCondLst>
-            </p:seq>
-          </p:childTnLst>
-        </p:cTn>
+        <p:cTn id="1" dur="indefinite" restart="never" nodeType="tmRoot"/>
       </p:par>
     </p:tnLst>
-    <p:bldLst>
-      <p:bldP spid="3" grpId="0" animBg="1"/>
-    </p:bldLst>
   </p:timing>
 </p:sld>
 </file>
@@ -28088,26 +27946,34 @@
       </p:pic>
       <p:pic>
         <p:nvPicPr>
-          <p:cNvPr id="22" name="21 Imagen" descr="WIF_logo.gif"/>
+          <p:cNvPr id="1026" name="Picture 2"/>
           <p:cNvPicPr>
-            <a:picLocks noChangeAspect="1"/>
+            <a:picLocks noChangeAspect="1" noChangeArrowheads="1"/>
           </p:cNvPicPr>
           <p:nvPr/>
         </p:nvPicPr>
         <p:blipFill>
           <a:blip r:embed="rId7" cstate="print"/>
+          <a:srcRect t="33075" b="33075"/>
           <a:stretch>
             <a:fillRect/>
           </a:stretch>
         </p:blipFill>
-        <p:spPr>
+        <p:spPr bwMode="auto">
           <a:xfrm>
-            <a:off x="2930330" y="3684568"/>
-            <a:ext cx="4386276" cy="824552"/>
+            <a:off x="3419872" y="3645024"/>
+            <a:ext cx="2552700" cy="864096"/>
           </a:xfrm>
           <a:prstGeom prst="rect">
             <a:avLst/>
           </a:prstGeom>
+          <a:noFill/>
+          <a:ln w="9525">
+            <a:noFill/>
+            <a:miter lim="800000"/>
+            <a:headEnd/>
+            <a:tailEnd/>
+          </a:ln>
         </p:spPr>
       </p:pic>
     </p:spTree>
@@ -28152,7 +28018,7 @@
                                           </p:stCondLst>
                                         </p:cTn>
                                         <p:tgtEl>
-                                          <p:spTgt spid="22"/>
+                                          <p:spTgt spid="20"/>
                                         </p:tgtEl>
                                         <p:attrNameLst>
                                           <p:attrName>style.visibility</p:attrName>
@@ -28166,7 +28032,7 @@
                                       <p:cBhvr>
                                         <p:cTn id="7" dur="1" fill="hold"/>
                                         <p:tgtEl>
-                                          <p:spTgt spid="22"/>
+                                          <p:spTgt spid="20"/>
                                         </p:tgtEl>
                                         <p:attrNameLst>
                                           <p:attrName/>
@@ -28190,7 +28056,7 @@
                                           </p:stCondLst>
                                         </p:cTn>
                                         <p:tgtEl>
-                                          <p:spTgt spid="20"/>
+                                          <p:spTgt spid="10"/>
                                         </p:tgtEl>
                                         <p:attrNameLst>
                                           <p:attrName>style.visibility</p:attrName>
@@ -28204,7 +28070,7 @@
                                       <p:cBhvr>
                                         <p:cTn id="10" dur="1" fill="hold"/>
                                         <p:tgtEl>
-                                          <p:spTgt spid="20"/>
+                                          <p:spTgt spid="10"/>
                                         </p:tgtEl>
                                         <p:attrNameLst>
                                           <p:attrName/>
@@ -28228,7 +28094,7 @@
                                           </p:stCondLst>
                                         </p:cTn>
                                         <p:tgtEl>
-                                          <p:spTgt spid="10"/>
+                                          <p:spTgt spid="21"/>
                                         </p:tgtEl>
                                         <p:attrNameLst>
                                           <p:attrName>style.visibility</p:attrName>
@@ -28241,44 +28107,6 @@
                                     <p:anim to="" calcmode="lin" valueType="num">
                                       <p:cBhvr>
                                         <p:cTn id="13" dur="1" fill="hold"/>
-                                        <p:tgtEl>
-                                          <p:spTgt spid="10"/>
-                                        </p:tgtEl>
-                                        <p:attrNameLst>
-                                          <p:attrName/>
-                                        </p:attrNameLst>
-                                      </p:cBhvr>
-                                    </p:anim>
-                                  </p:childTnLst>
-                                </p:cTn>
-                              </p:par>
-                              <p:par>
-                                <p:cTn id="14" presetID="24" presetClass="entr" presetSubtype="0" fill="hold" nodeType="withEffect">
-                                  <p:stCondLst>
-                                    <p:cond delay="0"/>
-                                  </p:stCondLst>
-                                  <p:childTnLst>
-                                    <p:set>
-                                      <p:cBhvr>
-                                        <p:cTn id="15" dur="1" fill="hold">
-                                          <p:stCondLst>
-                                            <p:cond delay="0"/>
-                                          </p:stCondLst>
-                                        </p:cTn>
-                                        <p:tgtEl>
-                                          <p:spTgt spid="21"/>
-                                        </p:tgtEl>
-                                        <p:attrNameLst>
-                                          <p:attrName>style.visibility</p:attrName>
-                                        </p:attrNameLst>
-                                      </p:cBhvr>
-                                      <p:to>
-                                        <p:strVal val="visible"/>
-                                      </p:to>
-                                    </p:set>
-                                    <p:anim to="" calcmode="lin" valueType="num">
-                                      <p:cBhvr>
-                                        <p:cTn id="16" dur="1" fill="hold"/>
                                         <p:tgtEl>
                                           <p:spTgt spid="21"/>
                                         </p:tgtEl>

--- a/presentations/presentacionFinal.pptx
+++ b/presentations/presentacionFinal.pptx
@@ -24628,8 +24628,8 @@
         </p:nvSpPr>
         <p:spPr bwMode="auto">
           <a:xfrm>
-            <a:off x="1214414" y="2285992"/>
-            <a:ext cx="7715304" cy="4093428"/>
+            <a:off x="1214414" y="1772816"/>
+            <a:ext cx="7715304" cy="4744889"/>
           </a:xfrm>
           <a:prstGeom prst="rect">
             <a:avLst/>
@@ -24648,9 +24648,9 @@
           </a:bodyPr>
           <a:lstStyle/>
           <a:p>
-            <a:pPr>
+            <a:pPr marL="261938" indent="-261938">
               <a:spcAft>
-                <a:spcPts val="4200"/>
+                <a:spcPts val="3800"/>
               </a:spcAft>
               <a:buFont typeface="Arial" pitchFamily="34" charset="0"/>
               <a:buChar char="•"/>
@@ -24665,13 +24665,13 @@
                 <a:latin typeface="Cambria" pitchFamily="18" charset="0"/>
                 <a:cs typeface="Arial" charset="0"/>
               </a:rPr>
-              <a:t> Comunicación fluida con el cliente</a:t>
+              <a:t>Lo que no está escrito no existe</a:t>
             </a:r>
           </a:p>
           <a:p>
-            <a:pPr>
+            <a:pPr marL="261938" indent="-261938">
               <a:spcAft>
-                <a:spcPts val="4200"/>
+                <a:spcPts val="3800"/>
               </a:spcAft>
               <a:buFont typeface="Arial" pitchFamily="34" charset="0"/>
               <a:buChar char="•"/>
@@ -24686,13 +24686,25 @@
                 <a:latin typeface="Cambria" pitchFamily="18" charset="0"/>
                 <a:cs typeface="Arial" charset="0"/>
               </a:rPr>
-              <a:t> Asegurar que los requisitos sean precisos</a:t>
+              <a:t>Comunicación </a:t>
+            </a:r>
+            <a:r>
+              <a:rPr lang="es-AR" sz="2400" dirty="0" smtClean="0">
+                <a:solidFill>
+                  <a:schemeClr val="tx2">
+                    <a:lumMod val="50000"/>
+                  </a:schemeClr>
+                </a:solidFill>
+                <a:latin typeface="Cambria" pitchFamily="18" charset="0"/>
+                <a:cs typeface="Arial" charset="0"/>
+              </a:rPr>
+              <a:t>fluida con el cliente</a:t>
             </a:r>
           </a:p>
           <a:p>
-            <a:pPr>
+            <a:pPr marL="261938" indent="-261938">
               <a:spcAft>
-                <a:spcPts val="4200"/>
+                <a:spcPts val="3800"/>
               </a:spcAft>
               <a:buFont typeface="Arial" pitchFamily="34" charset="0"/>
               <a:buChar char="•"/>
@@ -24707,13 +24719,25 @@
                 <a:latin typeface="Cambria" pitchFamily="18" charset="0"/>
                 <a:cs typeface="Arial" charset="0"/>
               </a:rPr>
-              <a:t> Verificar el alcance con el cliente</a:t>
+              <a:t>Asegurar </a:t>
+            </a:r>
+            <a:r>
+              <a:rPr lang="es-AR" sz="2400" dirty="0" smtClean="0">
+                <a:solidFill>
+                  <a:schemeClr val="tx2">
+                    <a:lumMod val="50000"/>
+                  </a:schemeClr>
+                </a:solidFill>
+                <a:latin typeface="Cambria" pitchFamily="18" charset="0"/>
+                <a:cs typeface="Arial" charset="0"/>
+              </a:rPr>
+              <a:t>que los requisitos sean precisos</a:t>
             </a:r>
           </a:p>
           <a:p>
-            <a:pPr>
+            <a:pPr marL="261938" indent="-261938">
               <a:spcAft>
-                <a:spcPts val="4200"/>
+                <a:spcPts val="3800"/>
               </a:spcAft>
               <a:buFont typeface="Arial" pitchFamily="34" charset="0"/>
               <a:buChar char="•"/>
@@ -24728,13 +24752,25 @@
                 <a:latin typeface="Cambria" pitchFamily="18" charset="0"/>
                 <a:cs typeface="Arial" charset="0"/>
               </a:rPr>
-              <a:t> Avisar con anticipación al no finalizar algo en un sprint</a:t>
+              <a:t>Verificar </a:t>
+            </a:r>
+            <a:r>
+              <a:rPr lang="es-AR" sz="2400" dirty="0" smtClean="0">
+                <a:solidFill>
+                  <a:schemeClr val="tx2">
+                    <a:lumMod val="50000"/>
+                  </a:schemeClr>
+                </a:solidFill>
+                <a:latin typeface="Cambria" pitchFamily="18" charset="0"/>
+                <a:cs typeface="Arial" charset="0"/>
+              </a:rPr>
+              <a:t>el alcance con el cliente</a:t>
             </a:r>
           </a:p>
           <a:p>
-            <a:pPr>
+            <a:pPr marL="261938" indent="-261938">
               <a:spcAft>
-                <a:spcPts val="4200"/>
+                <a:spcPts val="3800"/>
               </a:spcAft>
               <a:buFont typeface="Arial" pitchFamily="34" charset="0"/>
               <a:buChar char="•"/>
@@ -24749,7 +24785,52 @@
                 <a:latin typeface="Cambria" pitchFamily="18" charset="0"/>
                 <a:cs typeface="Arial" charset="0"/>
               </a:rPr>
-              <a:t> Importancia de mantener una trazabilidad</a:t>
+              <a:t>Avisar </a:t>
+            </a:r>
+            <a:r>
+              <a:rPr lang="es-AR" sz="2400" dirty="0" smtClean="0">
+                <a:solidFill>
+                  <a:schemeClr val="tx2">
+                    <a:lumMod val="50000"/>
+                  </a:schemeClr>
+                </a:solidFill>
+                <a:latin typeface="Cambria" pitchFamily="18" charset="0"/>
+                <a:cs typeface="Arial" charset="0"/>
+              </a:rPr>
+              <a:t>con anticipación al no finalizar algo en un sprint</a:t>
+            </a:r>
+          </a:p>
+          <a:p>
+            <a:pPr marL="261938" indent="-261938">
+              <a:spcAft>
+                <a:spcPts val="3800"/>
+              </a:spcAft>
+              <a:buFont typeface="Arial" pitchFamily="34" charset="0"/>
+              <a:buChar char="•"/>
+            </a:pPr>
+            <a:r>
+              <a:rPr lang="es-AR" sz="2400" dirty="0" smtClean="0">
+                <a:solidFill>
+                  <a:schemeClr val="tx2">
+                    <a:lumMod val="50000"/>
+                  </a:schemeClr>
+                </a:solidFill>
+                <a:latin typeface="Cambria" pitchFamily="18" charset="0"/>
+                <a:cs typeface="Arial" charset="0"/>
+              </a:rPr>
+              <a:t>Importancia </a:t>
+            </a:r>
+            <a:r>
+              <a:rPr lang="es-AR" sz="2400" dirty="0" smtClean="0">
+                <a:solidFill>
+                  <a:schemeClr val="tx2">
+                    <a:lumMod val="50000"/>
+                  </a:schemeClr>
+                </a:solidFill>
+                <a:latin typeface="Cambria" pitchFamily="18" charset="0"/>
+                <a:cs typeface="Arial" charset="0"/>
+              </a:rPr>
+              <a:t>de mantener una trazabilidad</a:t>
             </a:r>
           </a:p>
         </p:txBody>
@@ -24861,21 +24942,30 @@
                             </p:childTnLst>
                           </p:cTn>
                         </p:par>
+                      </p:childTnLst>
+                    </p:cTn>
+                  </p:par>
+                  <p:par>
+                    <p:cTn id="8" fill="hold">
+                      <p:stCondLst>
+                        <p:cond delay="indefinite"/>
+                      </p:stCondLst>
+                      <p:childTnLst>
                         <p:par>
-                          <p:cTn id="8" fill="hold">
+                          <p:cTn id="9" fill="hold">
                             <p:stCondLst>
-                              <p:cond delay="500"/>
+                              <p:cond delay="0"/>
                             </p:stCondLst>
                             <p:childTnLst>
                               <p:par>
-                                <p:cTn id="9" presetID="22" presetClass="entr" presetSubtype="4" fill="hold" grpId="0" nodeType="afterEffect">
+                                <p:cTn id="10" presetID="22" presetClass="entr" presetSubtype="4" fill="hold" grpId="0" nodeType="clickEffect">
                                   <p:stCondLst>
                                     <p:cond delay="0"/>
                                   </p:stCondLst>
                                   <p:childTnLst>
                                     <p:set>
                                       <p:cBhvr>
-                                        <p:cTn id="10" dur="1" fill="hold">
+                                        <p:cTn id="11" dur="1" fill="hold">
                                           <p:stCondLst>
                                             <p:cond delay="0"/>
                                           </p:stCondLst>
@@ -24897,7 +24987,7 @@
                                     </p:set>
                                     <p:animEffect transition="in" filter="wipe(down)">
                                       <p:cBhvr>
-                                        <p:cTn id="11" dur="500"/>
+                                        <p:cTn id="12" dur="500"/>
                                         <p:tgtEl>
                                           <p:spTgt spid="5">
                                             <p:txEl>
@@ -24914,20 +25004,20 @@
                           </p:cTn>
                         </p:par>
                         <p:par>
-                          <p:cTn id="12" fill="hold">
+                          <p:cTn id="13" fill="hold">
                             <p:stCondLst>
-                              <p:cond delay="1000"/>
+                              <p:cond delay="500"/>
                             </p:stCondLst>
                             <p:childTnLst>
                               <p:par>
-                                <p:cTn id="13" presetID="22" presetClass="entr" presetSubtype="4" fill="hold" grpId="0" nodeType="afterEffect">
+                                <p:cTn id="14" presetID="22" presetClass="entr" presetSubtype="4" fill="hold" grpId="0" nodeType="afterEffect">
                                   <p:stCondLst>
                                     <p:cond delay="0"/>
                                   </p:stCondLst>
                                   <p:childTnLst>
                                     <p:set>
                                       <p:cBhvr>
-                                        <p:cTn id="14" dur="1" fill="hold">
+                                        <p:cTn id="15" dur="1" fill="hold">
                                           <p:stCondLst>
                                             <p:cond delay="0"/>
                                           </p:stCondLst>
@@ -24949,7 +25039,7 @@
                                     </p:set>
                                     <p:animEffect transition="in" filter="wipe(down)">
                                       <p:cBhvr>
-                                        <p:cTn id="15" dur="500"/>
+                                        <p:cTn id="16" dur="500"/>
                                         <p:tgtEl>
                                           <p:spTgt spid="5">
                                             <p:txEl>
@@ -24966,20 +25056,20 @@
                           </p:cTn>
                         </p:par>
                         <p:par>
-                          <p:cTn id="16" fill="hold">
+                          <p:cTn id="17" fill="hold">
                             <p:stCondLst>
-                              <p:cond delay="1500"/>
+                              <p:cond delay="1000"/>
                             </p:stCondLst>
                             <p:childTnLst>
                               <p:par>
-                                <p:cTn id="17" presetID="22" presetClass="entr" presetSubtype="4" fill="hold" grpId="0" nodeType="afterEffect">
+                                <p:cTn id="18" presetID="22" presetClass="entr" presetSubtype="4" fill="hold" grpId="0" nodeType="afterEffect">
                                   <p:stCondLst>
                                     <p:cond delay="0"/>
                                   </p:stCondLst>
                                   <p:childTnLst>
                                     <p:set>
                                       <p:cBhvr>
-                                        <p:cTn id="18" dur="1" fill="hold">
+                                        <p:cTn id="19" dur="1" fill="hold">
                                           <p:stCondLst>
                                             <p:cond delay="0"/>
                                           </p:stCondLst>
@@ -25001,7 +25091,7 @@
                                     </p:set>
                                     <p:animEffect transition="in" filter="wipe(down)">
                                       <p:cBhvr>
-                                        <p:cTn id="19" dur="500"/>
+                                        <p:cTn id="20" dur="500"/>
                                         <p:tgtEl>
                                           <p:spTgt spid="5">
                                             <p:txEl>
@@ -25018,20 +25108,20 @@
                           </p:cTn>
                         </p:par>
                         <p:par>
-                          <p:cTn id="20" fill="hold">
+                          <p:cTn id="21" fill="hold">
                             <p:stCondLst>
-                              <p:cond delay="2000"/>
+                              <p:cond delay="1500"/>
                             </p:stCondLst>
                             <p:childTnLst>
                               <p:par>
-                                <p:cTn id="21" presetID="22" presetClass="entr" presetSubtype="4" fill="hold" grpId="0" nodeType="afterEffect">
+                                <p:cTn id="22" presetID="22" presetClass="entr" presetSubtype="4" fill="hold" grpId="0" nodeType="afterEffect">
                                   <p:stCondLst>
                                     <p:cond delay="0"/>
                                   </p:stCondLst>
                                   <p:childTnLst>
                                     <p:set>
                                       <p:cBhvr>
-                                        <p:cTn id="22" dur="1" fill="hold">
+                                        <p:cTn id="23" dur="1" fill="hold">
                                           <p:stCondLst>
                                             <p:cond delay="0"/>
                                           </p:stCondLst>
@@ -25053,11 +25143,63 @@
                                     </p:set>
                                     <p:animEffect transition="in" filter="wipe(down)">
                                       <p:cBhvr>
-                                        <p:cTn id="23" dur="500"/>
+                                        <p:cTn id="24" dur="500"/>
                                         <p:tgtEl>
                                           <p:spTgt spid="5">
                                             <p:txEl>
                                               <p:pRg st="4" end="4"/>
+                                            </p:txEl>
+                                          </p:spTgt>
+                                        </p:tgtEl>
+                                      </p:cBhvr>
+                                    </p:animEffect>
+                                  </p:childTnLst>
+                                </p:cTn>
+                              </p:par>
+                            </p:childTnLst>
+                          </p:cTn>
+                        </p:par>
+                        <p:par>
+                          <p:cTn id="25" fill="hold">
+                            <p:stCondLst>
+                              <p:cond delay="2000"/>
+                            </p:stCondLst>
+                            <p:childTnLst>
+                              <p:par>
+                                <p:cTn id="26" presetID="22" presetClass="entr" presetSubtype="4" fill="hold" grpId="0" nodeType="afterEffect">
+                                  <p:stCondLst>
+                                    <p:cond delay="0"/>
+                                  </p:stCondLst>
+                                  <p:childTnLst>
+                                    <p:set>
+                                      <p:cBhvr>
+                                        <p:cTn id="27" dur="1" fill="hold">
+                                          <p:stCondLst>
+                                            <p:cond delay="0"/>
+                                          </p:stCondLst>
+                                        </p:cTn>
+                                        <p:tgtEl>
+                                          <p:spTgt spid="5">
+                                            <p:txEl>
+                                              <p:pRg st="5" end="5"/>
+                                            </p:txEl>
+                                          </p:spTgt>
+                                        </p:tgtEl>
+                                        <p:attrNameLst>
+                                          <p:attrName>style.visibility</p:attrName>
+                                        </p:attrNameLst>
+                                      </p:cBhvr>
+                                      <p:to>
+                                        <p:strVal val="visible"/>
+                                      </p:to>
+                                    </p:set>
+                                    <p:animEffect transition="in" filter="wipe(down)">
+                                      <p:cBhvr>
+                                        <p:cTn id="28" dur="500"/>
+                                        <p:tgtEl>
+                                          <p:spTgt spid="5">
+                                            <p:txEl>
+                                              <p:pRg st="5" end="5"/>
                                             </p:txEl>
                                           </p:spTgt>
                                         </p:tgtEl>
@@ -27800,7 +27942,7 @@
         </p:blipFill>
         <p:spPr>
           <a:xfrm>
-            <a:off x="5868144" y="2204864"/>
+            <a:off x="5868144" y="2554073"/>
             <a:ext cx="2852908" cy="730911"/>
           </a:xfrm>
           <a:prstGeom prst="rect">

--- a/presentations/presentacionFinal.pptx
+++ b/presentations/presentacionFinal.pptx
@@ -3492,6 +3492,13 @@
         </dgm:presLayoutVars>
       </dgm:prSet>
       <dgm:spPr/>
+      <dgm:t>
+        <a:bodyPr/>
+        <a:lstStyle/>
+        <a:p>
+          <a:endParaRPr lang="en-US"/>
+        </a:p>
+      </dgm:t>
     </dgm:pt>
     <dgm:pt modelId="{42710863-34F1-4094-A333-162B00C38585}" type="pres">
       <dgm:prSet presAssocID="{D39DC43E-DB26-4A49-93E5-225531332D90}" presName="linNode" presStyleCnt="0"/>
@@ -3505,6 +3512,13 @@
         </dgm:presLayoutVars>
       </dgm:prSet>
       <dgm:spPr/>
+      <dgm:t>
+        <a:bodyPr/>
+        <a:lstStyle/>
+        <a:p>
+          <a:endParaRPr lang="en-US"/>
+        </a:p>
+      </dgm:t>
     </dgm:pt>
     <dgm:pt modelId="{32161D7C-8BF5-45A2-B633-1D94A9C34A3E}" type="pres">
       <dgm:prSet presAssocID="{D39DC43E-DB26-4A49-93E5-225531332D90}" presName="descendantText" presStyleLbl="alignAccFollowNode1" presStyleIdx="0" presStyleCnt="3">
@@ -3609,8 +3623,8 @@
     <dgm:cxn modelId="{F54C81C4-0BF3-45D2-BEEB-836330666D85}" srcId="{D39DC43E-DB26-4A49-93E5-225531332D90}" destId="{3B9743B4-F01D-4586-AC45-4E69667D0F26}" srcOrd="1" destOrd="0" parTransId="{5F40C76A-850B-4463-A83C-A0ADF637C544}" sibTransId="{431939FB-991F-4F77-BF80-CE18E689CFBA}"/>
     <dgm:cxn modelId="{024F3004-0FB1-4D4A-9237-D3CE237DD7E2}" srcId="{091CB852-3C3B-4641-B340-B62A23A17396}" destId="{D39DC43E-DB26-4A49-93E5-225531332D90}" srcOrd="0" destOrd="0" parTransId="{E47ACF2A-8D15-4275-9F09-BFCF12B33D96}" sibTransId="{2C6F4B07-6439-4A6B-8853-165E860B82DC}"/>
     <dgm:cxn modelId="{28D4EC2B-90E4-461E-8F48-559CB4B7530E}" srcId="{091CB852-3C3B-4641-B340-B62A23A17396}" destId="{1335ED87-60AC-4FFC-8D24-F07B546057F0}" srcOrd="1" destOrd="0" parTransId="{3759289C-15D4-4436-9D80-C32145D909D1}" sibTransId="{C7C5EE43-52AC-43FA-ABC7-872C8F6C822A}"/>
+    <dgm:cxn modelId="{8540E702-437C-4689-882B-F57CA367D2D9}" type="presOf" srcId="{ADD28C15-BDC6-4856-B977-CB7B9AA9115F}" destId="{224C24F4-2C6C-4F8C-861B-CC3CF40F5803}" srcOrd="0" destOrd="0" presId="urn:microsoft.com/office/officeart/2005/8/layout/vList5"/>
     <dgm:cxn modelId="{598EA5F9-4224-4E00-9650-A7D1A2D67DD5}" srcId="{D39DC43E-DB26-4A49-93E5-225531332D90}" destId="{EB0277B1-F0AD-41EF-8F28-0993A90E4BE4}" srcOrd="0" destOrd="0" parTransId="{EAF91662-4125-450F-9EDE-806F7C5AD8B8}" sibTransId="{C36C1C2F-9358-4263-AA14-27F3908BB04C}"/>
-    <dgm:cxn modelId="{8540E702-437C-4689-882B-F57CA367D2D9}" type="presOf" srcId="{ADD28C15-BDC6-4856-B977-CB7B9AA9115F}" destId="{224C24F4-2C6C-4F8C-861B-CC3CF40F5803}" srcOrd="0" destOrd="0" presId="urn:microsoft.com/office/officeart/2005/8/layout/vList5"/>
     <dgm:cxn modelId="{6F69E9B2-CE1D-44D5-92FD-E6C2E0ED5BA4}" type="presOf" srcId="{3B9743B4-F01D-4586-AC45-4E69667D0F26}" destId="{32161D7C-8BF5-45A2-B633-1D94A9C34A3E}" srcOrd="0" destOrd="1" presId="urn:microsoft.com/office/officeart/2005/8/layout/vList5"/>
     <dgm:cxn modelId="{EFE232A2-C856-4825-BBF1-35B18A274A30}" type="presOf" srcId="{D39DC43E-DB26-4A49-93E5-225531332D90}" destId="{D6DBB934-FBD1-4336-B203-F955487F2A33}" srcOrd="0" destOrd="0" presId="urn:microsoft.com/office/officeart/2005/8/layout/vList5"/>
     <dgm:cxn modelId="{610A8C35-D324-48EF-BA75-8F88004F461C}" type="presOf" srcId="{EB0277B1-F0AD-41EF-8F28-0993A90E4BE4}" destId="{32161D7C-8BF5-45A2-B633-1D94A9C34A3E}" srcOrd="0" destOrd="0" presId="urn:microsoft.com/office/officeart/2005/8/layout/vList5"/>
@@ -4273,6 +4287,13 @@
         </dgm:presLayoutVars>
       </dgm:prSet>
       <dgm:spPr/>
+      <dgm:t>
+        <a:bodyPr/>
+        <a:lstStyle/>
+        <a:p>
+          <a:endParaRPr lang="en-US"/>
+        </a:p>
+      </dgm:t>
     </dgm:pt>
     <dgm:pt modelId="{5CB312AE-E453-48C5-8573-8D450DC0DBF4}" type="pres">
       <dgm:prSet presAssocID="{DA2C4C93-0D99-48B7-9100-9588C92061C7}" presName="node" presStyleLbl="node1" presStyleIdx="0" presStyleCnt="2">
@@ -4300,11 +4321,18 @@
         </dgm:presLayoutVars>
       </dgm:prSet>
       <dgm:spPr/>
+      <dgm:t>
+        <a:bodyPr/>
+        <a:lstStyle/>
+        <a:p>
+          <a:endParaRPr lang="en-US"/>
+        </a:p>
+      </dgm:t>
     </dgm:pt>
   </dgm:ptLst>
   <dgm:cxnLst>
+    <dgm:cxn modelId="{6100977F-4892-474F-93F8-FF37F72EAF86}" type="presOf" srcId="{1AA6560F-C29B-4391-A153-7C8CFA54B322}" destId="{8F141758-D7D4-4CF2-84C1-6746D3C9A854}" srcOrd="0" destOrd="0" presId="urn:microsoft.com/office/officeart/2005/8/layout/default"/>
     <dgm:cxn modelId="{F9825BD0-F3C4-41F0-8B4A-1ECBDD66771D}" type="presOf" srcId="{DA2C4C93-0D99-48B7-9100-9588C92061C7}" destId="{5CB312AE-E453-48C5-8573-8D450DC0DBF4}" srcOrd="0" destOrd="0" presId="urn:microsoft.com/office/officeart/2005/8/layout/default"/>
-    <dgm:cxn modelId="{6100977F-4892-474F-93F8-FF37F72EAF86}" type="presOf" srcId="{1AA6560F-C29B-4391-A153-7C8CFA54B322}" destId="{8F141758-D7D4-4CF2-84C1-6746D3C9A854}" srcOrd="0" destOrd="0" presId="urn:microsoft.com/office/officeart/2005/8/layout/default"/>
     <dgm:cxn modelId="{A605F5F0-E535-48B1-831B-5CD619734955}" srcId="{D7C15FA8-A35E-469B-9A2A-125E202E81A0}" destId="{DA2C4C93-0D99-48B7-9100-9588C92061C7}" srcOrd="0" destOrd="0" parTransId="{698360B0-0EA8-44E1-A0FB-2D9250D03D0D}" sibTransId="{F60FE22C-DC2F-4539-8CFC-14129F861209}"/>
     <dgm:cxn modelId="{9456B9CC-138F-498C-94A6-808BC49E034B}" srcId="{D7C15FA8-A35E-469B-9A2A-125E202E81A0}" destId="{1AA6560F-C29B-4391-A153-7C8CFA54B322}" srcOrd="1" destOrd="0" parTransId="{2A6C1354-3C3F-47B2-B253-8D790C2F8EF4}" sibTransId="{0FABA480-1CFB-4298-954D-DA875A1FA215}"/>
     <dgm:cxn modelId="{CC687E8F-5793-48EA-B0CF-FD6ECC746CC2}" type="presOf" srcId="{D7C15FA8-A35E-469B-9A2A-125E202E81A0}" destId="{7C9BF8C6-58CC-489B-8D8D-681A44C17FCF}" srcOrd="0" destOrd="0" presId="urn:microsoft.com/office/officeart/2005/8/layout/default"/>
@@ -5356,378 +5384,6 @@
       <dsp:cNvGrpSpPr/>
     </dsp:nvGrpSpPr>
     <dsp:grpSpPr/>
-    <dsp:sp modelId="{B3E6B583-9654-4E7F-892D-8908B1435FF6}">
-      <dsp:nvSpPr>
-        <dsp:cNvPr id="0" name=""/>
-        <dsp:cNvSpPr/>
-      </dsp:nvSpPr>
-      <dsp:spPr>
-        <a:xfrm>
-          <a:off x="561662" y="0"/>
-          <a:ext cx="6365507" cy="4248472"/>
-        </a:xfrm>
-        <a:prstGeom prst="rightArrow">
-          <a:avLst/>
-        </a:prstGeom>
-        <a:solidFill>
-          <a:schemeClr val="dk2">
-            <a:tint val="40000"/>
-            <a:hueOff val="0"/>
-            <a:satOff val="0"/>
-            <a:lumOff val="0"/>
-            <a:alphaOff val="0"/>
-          </a:schemeClr>
-        </a:solidFill>
-        <a:ln>
-          <a:noFill/>
-        </a:ln>
-        <a:effectLst>
-          <a:outerShdw blurRad="40000" dist="23000" dir="5400000" rotWithShape="0">
-            <a:srgbClr val="000000">
-              <a:alpha val="35000"/>
-            </a:srgbClr>
-          </a:outerShdw>
-        </a:effectLst>
-      </dsp:spPr>
-      <dsp:style>
-        <a:lnRef idx="0">
-          <a:scrgbClr r="0" g="0" b="0"/>
-        </a:lnRef>
-        <a:fillRef idx="1">
-          <a:scrgbClr r="0" g="0" b="0"/>
-        </a:fillRef>
-        <a:effectRef idx="2">
-          <a:scrgbClr r="0" g="0" b="0"/>
-        </a:effectRef>
-        <a:fontRef idx="minor"/>
-      </dsp:style>
-    </dsp:sp>
-    <dsp:sp modelId="{C9C6AA2F-F6CE-4F9A-A0A0-A4FB364B78E4}">
-      <dsp:nvSpPr>
-        <dsp:cNvPr id="0" name=""/>
-        <dsp:cNvSpPr/>
-      </dsp:nvSpPr>
-      <dsp:spPr>
-        <a:xfrm>
-          <a:off x="2702" y="1274541"/>
-          <a:ext cx="2172053" cy="1699388"/>
-        </a:xfrm>
-        <a:prstGeom prst="roundRect">
-          <a:avLst/>
-        </a:prstGeom>
-        <a:gradFill rotWithShape="0">
-          <a:gsLst>
-            <a:gs pos="0">
-              <a:schemeClr val="dk2">
-                <a:hueOff val="0"/>
-                <a:satOff val="0"/>
-                <a:lumOff val="0"/>
-                <a:alphaOff val="0"/>
-                <a:shade val="51000"/>
-                <a:satMod val="130000"/>
-              </a:schemeClr>
-            </a:gs>
-            <a:gs pos="80000">
-              <a:schemeClr val="dk2">
-                <a:hueOff val="0"/>
-                <a:satOff val="0"/>
-                <a:lumOff val="0"/>
-                <a:alphaOff val="0"/>
-                <a:shade val="93000"/>
-                <a:satMod val="130000"/>
-              </a:schemeClr>
-            </a:gs>
-            <a:gs pos="100000">
-              <a:schemeClr val="dk2">
-                <a:hueOff val="0"/>
-                <a:satOff val="0"/>
-                <a:lumOff val="0"/>
-                <a:alphaOff val="0"/>
-                <a:shade val="94000"/>
-                <a:satMod val="135000"/>
-              </a:schemeClr>
-            </a:gs>
-          </a:gsLst>
-          <a:lin ang="16200000" scaled="0"/>
-        </a:gradFill>
-        <a:ln>
-          <a:noFill/>
-        </a:ln>
-        <a:effectLst>
-          <a:outerShdw blurRad="40000" dist="23000" dir="5400000" rotWithShape="0">
-            <a:srgbClr val="000000">
-              <a:alpha val="35000"/>
-            </a:srgbClr>
-          </a:outerShdw>
-        </a:effectLst>
-      </dsp:spPr>
-      <dsp:style>
-        <a:lnRef idx="0">
-          <a:scrgbClr r="0" g="0" b="0"/>
-        </a:lnRef>
-        <a:fillRef idx="3">
-          <a:scrgbClr r="0" g="0" b="0"/>
-        </a:fillRef>
-        <a:effectRef idx="2">
-          <a:scrgbClr r="0" g="0" b="0"/>
-        </a:effectRef>
-        <a:fontRef idx="minor">
-          <a:schemeClr val="lt1"/>
-        </a:fontRef>
-      </dsp:style>
-      <dsp:txBody>
-        <a:bodyPr spcFirstLastPara="0" vert="horz" wrap="square" lIns="68580" tIns="68580" rIns="68580" bIns="68580" numCol="1" spcCol="1270" anchor="ctr" anchorCtr="0">
-          <a:noAutofit/>
-        </a:bodyPr>
-        <a:lstStyle/>
-        <a:p>
-          <a:pPr lvl="0" algn="ctr" defTabSz="800100">
-            <a:lnSpc>
-              <a:spcPct val="90000"/>
-            </a:lnSpc>
-            <a:spcBef>
-              <a:spcPct val="0"/>
-            </a:spcBef>
-            <a:spcAft>
-              <a:spcPct val="35000"/>
-            </a:spcAft>
-          </a:pPr>
-          <a:r>
-            <a:rPr lang="es-AR" sz="1800" kern="1200" dirty="0" smtClean="0"/>
-            <a:t>Agregado de nuevas </a:t>
-          </a:r>
-          <a:r>
-            <a:rPr lang="es-AR" sz="1800" kern="1200" dirty="0" err="1" smtClean="0"/>
-            <a:t>stories</a:t>
-          </a:r>
-          <a:endParaRPr lang="en-US" sz="1800" kern="1200" dirty="0"/>
-        </a:p>
-      </dsp:txBody>
-      <dsp:txXfrm>
-        <a:off x="2702" y="1274541"/>
-        <a:ext cx="2172053" cy="1699388"/>
-      </dsp:txXfrm>
-    </dsp:sp>
-    <dsp:sp modelId="{89E31B8C-B1F1-4ACF-9FA6-A908EB5B54AA}">
-      <dsp:nvSpPr>
-        <dsp:cNvPr id="0" name=""/>
-        <dsp:cNvSpPr/>
-      </dsp:nvSpPr>
-      <dsp:spPr>
-        <a:xfrm>
-          <a:off x="2536764" y="1274541"/>
-          <a:ext cx="2172053" cy="1699388"/>
-        </a:xfrm>
-        <a:prstGeom prst="roundRect">
-          <a:avLst/>
-        </a:prstGeom>
-        <a:gradFill rotWithShape="0">
-          <a:gsLst>
-            <a:gs pos="0">
-              <a:schemeClr val="dk2">
-                <a:hueOff val="0"/>
-                <a:satOff val="0"/>
-                <a:lumOff val="0"/>
-                <a:alphaOff val="0"/>
-                <a:shade val="51000"/>
-                <a:satMod val="130000"/>
-              </a:schemeClr>
-            </a:gs>
-            <a:gs pos="80000">
-              <a:schemeClr val="dk2">
-                <a:hueOff val="0"/>
-                <a:satOff val="0"/>
-                <a:lumOff val="0"/>
-                <a:alphaOff val="0"/>
-                <a:shade val="93000"/>
-                <a:satMod val="130000"/>
-              </a:schemeClr>
-            </a:gs>
-            <a:gs pos="100000">
-              <a:schemeClr val="dk2">
-                <a:hueOff val="0"/>
-                <a:satOff val="0"/>
-                <a:lumOff val="0"/>
-                <a:alphaOff val="0"/>
-                <a:shade val="94000"/>
-                <a:satMod val="135000"/>
-              </a:schemeClr>
-            </a:gs>
-          </a:gsLst>
-          <a:lin ang="16200000" scaled="0"/>
-        </a:gradFill>
-        <a:ln>
-          <a:noFill/>
-        </a:ln>
-        <a:effectLst>
-          <a:outerShdw blurRad="40000" dist="23000" dir="5400000" rotWithShape="0">
-            <a:srgbClr val="000000">
-              <a:alpha val="35000"/>
-            </a:srgbClr>
-          </a:outerShdw>
-        </a:effectLst>
-      </dsp:spPr>
-      <dsp:style>
-        <a:lnRef idx="0">
-          <a:scrgbClr r="0" g="0" b="0"/>
-        </a:lnRef>
-        <a:fillRef idx="3">
-          <a:scrgbClr r="0" g="0" b="0"/>
-        </a:fillRef>
-        <a:effectRef idx="2">
-          <a:scrgbClr r="0" g="0" b="0"/>
-        </a:effectRef>
-        <a:fontRef idx="minor">
-          <a:schemeClr val="lt1"/>
-        </a:fontRef>
-      </dsp:style>
-      <dsp:txBody>
-        <a:bodyPr spcFirstLastPara="0" vert="horz" wrap="square" lIns="68580" tIns="68580" rIns="68580" bIns="68580" numCol="1" spcCol="1270" anchor="ctr" anchorCtr="0">
-          <a:noAutofit/>
-        </a:bodyPr>
-        <a:lstStyle/>
-        <a:p>
-          <a:pPr lvl="0" algn="ctr" defTabSz="800100">
-            <a:lnSpc>
-              <a:spcPct val="90000"/>
-            </a:lnSpc>
-            <a:spcBef>
-              <a:spcPct val="0"/>
-            </a:spcBef>
-            <a:spcAft>
-              <a:spcPct val="35000"/>
-            </a:spcAft>
-          </a:pPr>
-          <a:r>
-            <a:rPr lang="es-AR" sz="1800" kern="1200" dirty="0" err="1" smtClean="0"/>
-            <a:t>Repriorización</a:t>
-          </a:r>
-          <a:r>
-            <a:rPr lang="es-AR" sz="1800" kern="1200" dirty="0" smtClean="0"/>
-            <a:t> del </a:t>
-          </a:r>
-          <a:r>
-            <a:rPr lang="es-AR" sz="1800" kern="1200" dirty="0" err="1" smtClean="0"/>
-            <a:t>backlog</a:t>
-          </a:r>
-          <a:endParaRPr lang="en-US" sz="1800" kern="1200" dirty="0"/>
-        </a:p>
-      </dsp:txBody>
-      <dsp:txXfrm>
-        <a:off x="2536764" y="1274541"/>
-        <a:ext cx="2172053" cy="1699388"/>
-      </dsp:txXfrm>
-    </dsp:sp>
-    <dsp:sp modelId="{31A8DE1E-3226-437D-9608-072DF772CBF1}">
-      <dsp:nvSpPr>
-        <dsp:cNvPr id="0" name=""/>
-        <dsp:cNvSpPr/>
-      </dsp:nvSpPr>
-      <dsp:spPr>
-        <a:xfrm>
-          <a:off x="5070827" y="1274541"/>
-          <a:ext cx="2415302" cy="1699388"/>
-        </a:xfrm>
-        <a:prstGeom prst="roundRect">
-          <a:avLst/>
-        </a:prstGeom>
-        <a:gradFill rotWithShape="0">
-          <a:gsLst>
-            <a:gs pos="0">
-              <a:schemeClr val="dk2">
-                <a:hueOff val="0"/>
-                <a:satOff val="0"/>
-                <a:lumOff val="0"/>
-                <a:alphaOff val="0"/>
-                <a:shade val="51000"/>
-                <a:satMod val="130000"/>
-              </a:schemeClr>
-            </a:gs>
-            <a:gs pos="80000">
-              <a:schemeClr val="dk2">
-                <a:hueOff val="0"/>
-                <a:satOff val="0"/>
-                <a:lumOff val="0"/>
-                <a:alphaOff val="0"/>
-                <a:shade val="93000"/>
-                <a:satMod val="130000"/>
-              </a:schemeClr>
-            </a:gs>
-            <a:gs pos="100000">
-              <a:schemeClr val="dk2">
-                <a:hueOff val="0"/>
-                <a:satOff val="0"/>
-                <a:lumOff val="0"/>
-                <a:alphaOff val="0"/>
-                <a:shade val="94000"/>
-                <a:satMod val="135000"/>
-              </a:schemeClr>
-            </a:gs>
-          </a:gsLst>
-          <a:lin ang="16200000" scaled="0"/>
-        </a:gradFill>
-        <a:ln>
-          <a:noFill/>
-        </a:ln>
-        <a:effectLst>
-          <a:outerShdw blurRad="40000" dist="23000" dir="5400000" rotWithShape="0">
-            <a:srgbClr val="000000">
-              <a:alpha val="35000"/>
-            </a:srgbClr>
-          </a:outerShdw>
-        </a:effectLst>
-      </dsp:spPr>
-      <dsp:style>
-        <a:lnRef idx="0">
-          <a:scrgbClr r="0" g="0" b="0"/>
-        </a:lnRef>
-        <a:fillRef idx="3">
-          <a:scrgbClr r="0" g="0" b="0"/>
-        </a:fillRef>
-        <a:effectRef idx="2">
-          <a:scrgbClr r="0" g="0" b="0"/>
-        </a:effectRef>
-        <a:fontRef idx="minor">
-          <a:schemeClr val="lt1"/>
-        </a:fontRef>
-      </dsp:style>
-      <dsp:txBody>
-        <a:bodyPr spcFirstLastPara="0" vert="horz" wrap="square" lIns="68580" tIns="68580" rIns="68580" bIns="68580" numCol="1" spcCol="1270" anchor="ctr" anchorCtr="0">
-          <a:noAutofit/>
-        </a:bodyPr>
-        <a:lstStyle/>
-        <a:p>
-          <a:pPr lvl="0" algn="ctr" defTabSz="800100">
-            <a:lnSpc>
-              <a:spcPct val="90000"/>
-            </a:lnSpc>
-            <a:spcBef>
-              <a:spcPct val="0"/>
-            </a:spcBef>
-            <a:spcAft>
-              <a:spcPct val="35000"/>
-            </a:spcAft>
-          </a:pPr>
-          <a:r>
-            <a:rPr lang="es-AR" sz="1800" kern="1200" dirty="0" smtClean="0"/>
-            <a:t>Implementación de nuevas </a:t>
-          </a:r>
-          <a:r>
-            <a:rPr lang="es-AR" sz="1800" kern="1200" dirty="0" err="1" smtClean="0"/>
-            <a:t>stories</a:t>
-          </a:r>
-          <a:r>
-            <a:rPr lang="es-AR" sz="1800" kern="1200" dirty="0" smtClean="0"/>
-            <a:t> en Sprint 2</a:t>
-          </a:r>
-          <a:endParaRPr lang="en-US" sz="1800" kern="1200" dirty="0"/>
-        </a:p>
-      </dsp:txBody>
-      <dsp:txXfrm>
-        <a:off x="5070827" y="1274541"/>
-        <a:ext cx="2415302" cy="1699388"/>
-      </dsp:txXfrm>
-    </dsp:sp>
   </dsp:spTree>
 </dsp:drawing>
 </file>
@@ -12817,11 +12473,7 @@
             <a:pPr eaLnBrk="1" hangingPunct="1"/>
             <a:r>
               <a:rPr lang="es-AR" b="1" dirty="0" smtClean="0"/>
-              <a:t>Speaker</a:t>
-            </a:r>
-            <a:r>
-              <a:rPr lang="es-AR" b="1" dirty="0" smtClean="0"/>
-              <a:t>:</a:t>
+              <a:t>Speaker:</a:t>
             </a:r>
           </a:p>
           <a:p>
@@ -12834,7 +12486,6 @@
               <a:rPr lang="es-AR" b="0" baseline="0" dirty="0" smtClean="0"/>
               <a:t>Ahora pasamos a la demo del sistema</a:t>
             </a:r>
-            <a:endParaRPr lang="es-AR" b="0" baseline="0" dirty="0" smtClean="0"/>
           </a:p>
         </p:txBody>
       </p:sp>
@@ -12947,11 +12598,7 @@
             </a:r>
             <a:r>
               <a:rPr lang="es-AR" baseline="0" dirty="0" smtClean="0"/>
-              <a:t> para realizar la trazabilidad</a:t>
-            </a:r>
-            <a:r>
-              <a:rPr lang="es-AR" baseline="0" dirty="0" smtClean="0"/>
-              <a:t>. Las </a:t>
+              <a:t> para realizar la trazabilidad. Las </a:t>
             </a:r>
             <a:r>
               <a:rPr lang="es-AR" dirty="0" err="1" smtClean="0"/>
@@ -12971,11 +12618,7 @@
             </a:r>
             <a:r>
               <a:rPr lang="es-AR" baseline="0" dirty="0" smtClean="0"/>
-              <a:t> correspondiente. En </a:t>
-            </a:r>
-            <a:r>
-              <a:rPr lang="es-AR" baseline="0" dirty="0" smtClean="0"/>
-              <a:t>cada </a:t>
+              <a:t> correspondiente. En cada </a:t>
             </a:r>
             <a:r>
               <a:rPr lang="es-AR" baseline="0" dirty="0" err="1" smtClean="0"/>
@@ -13012,7 +12655,6 @@
               <a:rPr lang="es-AR" b="1" baseline="0" dirty="0" smtClean="0"/>
               <a:t> mostrando trazabilidad para el alta de campañas)</a:t>
             </a:r>
-            <a:endParaRPr lang="es-AR" b="1" baseline="0" dirty="0" smtClean="0"/>
           </a:p>
         </p:txBody>
       </p:sp>
@@ -13102,11 +12744,7 @@
             <a:pPr eaLnBrk="1" hangingPunct="1"/>
             <a:r>
               <a:rPr lang="es-AR" b="1" dirty="0" smtClean="0"/>
-              <a:t>Speaker</a:t>
-            </a:r>
-            <a:r>
-              <a:rPr lang="es-AR" b="1" dirty="0" smtClean="0"/>
-              <a:t>:</a:t>
+              <a:t>Speaker:</a:t>
             </a:r>
           </a:p>
           <a:p>
@@ -13502,11 +13140,7 @@
           <a:p>
             <a:r>
               <a:rPr lang="es-AR" b="1" dirty="0" smtClean="0"/>
-              <a:t>Speaker</a:t>
-            </a:r>
-            <a:r>
-              <a:rPr lang="es-AR" b="1" dirty="0" smtClean="0"/>
-              <a:t>:</a:t>
+              <a:t>Speaker:</a:t>
             </a:r>
           </a:p>
           <a:p>
@@ -13688,11 +13322,7 @@
             <a:pPr eaLnBrk="1" hangingPunct="1"/>
             <a:r>
               <a:rPr lang="es-AR" b="1" dirty="0" smtClean="0"/>
-              <a:t>Speaker</a:t>
-            </a:r>
-            <a:r>
-              <a:rPr lang="es-AR" b="1" dirty="0" smtClean="0"/>
-              <a:t>:</a:t>
+              <a:t>Speaker:</a:t>
             </a:r>
           </a:p>
           <a:p>
@@ -13917,17 +13547,7 @@
                   </a:schemeClr>
                 </a:solidFill>
               </a:rPr>
-              <a:t>Speaker</a:t>
-            </a:r>
-            <a:r>
-              <a:rPr lang="es-AR" b="1" dirty="0" smtClean="0">
-                <a:solidFill>
-                  <a:schemeClr val="accent6">
-                    <a:lumMod val="75000"/>
-                  </a:schemeClr>
-                </a:solidFill>
-              </a:rPr>
-              <a:t>:</a:t>
+              <a:t>Speaker:</a:t>
             </a:r>
           </a:p>
           <a:p>
@@ -14166,11 +13786,7 @@
             </a:pPr>
             <a:r>
               <a:rPr lang="es-AR" b="1" dirty="0" smtClean="0"/>
-              <a:t>Speaker</a:t>
-            </a:r>
-            <a:r>
-              <a:rPr lang="es-AR" b="1" dirty="0" smtClean="0"/>
-              <a:t>:</a:t>
+              <a:t>Speaker:</a:t>
             </a:r>
           </a:p>
           <a:p>
@@ -14319,11 +13935,7 @@
             </a:pPr>
             <a:r>
               <a:rPr lang="es-AR" b="1" dirty="0" smtClean="0"/>
-              <a:t>Speaker</a:t>
-            </a:r>
-            <a:r>
-              <a:rPr lang="es-AR" b="1" dirty="0" smtClean="0"/>
-              <a:t>:</a:t>
+              <a:t>Speaker:</a:t>
             </a:r>
           </a:p>
           <a:p>
@@ -14520,11 +14132,7 @@
             </a:pPr>
             <a:r>
               <a:rPr lang="es-AR" b="1" dirty="0" smtClean="0"/>
-              <a:t>Speaker</a:t>
-            </a:r>
-            <a:r>
-              <a:rPr lang="es-AR" b="1" dirty="0" smtClean="0"/>
-              <a:t>:</a:t>
+              <a:t>Speaker:</a:t>
             </a:r>
           </a:p>
           <a:p>
@@ -14648,11 +14256,7 @@
             </a:pPr>
             <a:r>
               <a:rPr lang="es-AR" b="1" dirty="0" smtClean="0"/>
-              <a:t>Speaker</a:t>
-            </a:r>
-            <a:r>
-              <a:rPr lang="es-AR" b="1" dirty="0" smtClean="0"/>
-              <a:t>:</a:t>
+              <a:t>Speaker:</a:t>
             </a:r>
           </a:p>
           <a:p>
@@ -14788,11 +14392,7 @@
             </a:pPr>
             <a:r>
               <a:rPr lang="es-AR" b="1" dirty="0" smtClean="0"/>
-              <a:t>Speaker</a:t>
-            </a:r>
-            <a:r>
-              <a:rPr lang="es-AR" b="1" dirty="0" smtClean="0"/>
-              <a:t>:</a:t>
+              <a:t>Speaker:</a:t>
             </a:r>
           </a:p>
           <a:p>
@@ -14851,7 +14451,6 @@
               <a:rPr lang="es-ES_tradnl" b="0" baseline="0" dirty="0" smtClean="0"/>
               <a:t>. Debido a ello, la incorporación de múltiples supervisores se realizó inmediatamente en el sprint que comenzaba, relegando otras funcionalidades para más adelante.</a:t>
             </a:r>
-            <a:endParaRPr lang="es-ES_tradnl" b="0" baseline="0" dirty="0" smtClean="0"/>
           </a:p>
         </p:txBody>
       </p:sp>
@@ -22492,17 +22091,8 @@
               <a:rPr lang="es-AR" dirty="0" smtClean="0">
                 <a:latin typeface="Copperplate Gothic Bold" pitchFamily="34" charset="0"/>
               </a:rPr>
-              <a:t>Lecciones Aprendidas </a:t>
-            </a:r>
-            <a:r>
-              <a:rPr lang="es-AR" dirty="0" smtClean="0">
-                <a:latin typeface="Copperplate Gothic Bold" pitchFamily="34" charset="0"/>
-              </a:rPr>
-              <a:t>(2)</a:t>
-            </a:r>
-            <a:endParaRPr lang="es-AR" dirty="0" smtClean="0">
-              <a:latin typeface="Copperplate Gothic Bold" pitchFamily="34" charset="0"/>
-            </a:endParaRPr>
+              <a:t>Lecciones Aprendidas (2)</a:t>
+            </a:r>
           </a:p>
         </p:txBody>
       </p:sp>
@@ -22516,8 +22106,8 @@
         </p:nvSpPr>
         <p:spPr bwMode="auto">
           <a:xfrm>
-            <a:off x="1214414" y="1772816"/>
-            <a:ext cx="7715304" cy="4744889"/>
+            <a:off x="1214414" y="1924084"/>
+            <a:ext cx="7715304" cy="4601260"/>
           </a:xfrm>
           <a:prstGeom prst="rect">
             <a:avLst/>
@@ -22538,7 +22128,7 @@
           <a:p>
             <a:pPr marL="261938" indent="-261938">
               <a:spcAft>
-                <a:spcPts val="3800"/>
+                <a:spcPts val="3000"/>
               </a:spcAft>
               <a:buFont typeface="Arial" pitchFamily="34" charset="0"/>
               <a:buChar char="•"/>
@@ -22553,13 +22143,34 @@
                 <a:latin typeface="Cambria" pitchFamily="18" charset="0"/>
                 <a:cs typeface="Arial" charset="0"/>
               </a:rPr>
-              <a:t>Lo que no está escrito no existe</a:t>
-            </a:r>
+              <a:t>Lo que no está escrito no </a:t>
+            </a:r>
+            <a:r>
+              <a:rPr lang="es-AR" sz="2400" dirty="0" smtClean="0">
+                <a:solidFill>
+                  <a:schemeClr val="tx2">
+                    <a:lumMod val="50000"/>
+                  </a:schemeClr>
+                </a:solidFill>
+                <a:latin typeface="Cambria" pitchFamily="18" charset="0"/>
+                <a:cs typeface="Arial" charset="0"/>
+              </a:rPr>
+              <a:t>se ha dicho</a:t>
+            </a:r>
+            <a:endParaRPr lang="es-AR" sz="2400" dirty="0" smtClean="0">
+              <a:solidFill>
+                <a:schemeClr val="tx2">
+                  <a:lumMod val="50000"/>
+                </a:schemeClr>
+              </a:solidFill>
+              <a:latin typeface="Cambria" pitchFamily="18" charset="0"/>
+              <a:cs typeface="Arial" charset="0"/>
+            </a:endParaRPr>
           </a:p>
           <a:p>
             <a:pPr marL="261938" indent="-261938">
               <a:spcAft>
-                <a:spcPts val="3800"/>
+                <a:spcPts val="3000"/>
               </a:spcAft>
               <a:buFont typeface="Arial" pitchFamily="34" charset="0"/>
               <a:buChar char="•"/>
@@ -22580,7 +22191,7 @@
           <a:p>
             <a:pPr marL="261938" indent="-261938">
               <a:spcAft>
-                <a:spcPts val="3800"/>
+                <a:spcPts val="3000"/>
               </a:spcAft>
               <a:buFont typeface="Arial" pitchFamily="34" charset="0"/>
               <a:buChar char="•"/>
@@ -22595,17 +22206,8 @@
                 <a:latin typeface="Cambria" pitchFamily="18" charset="0"/>
                 <a:cs typeface="Arial" charset="0"/>
               </a:rPr>
-              <a:t>Asegurar que los requisitos sean precisos</a:t>
-            </a:r>
-          </a:p>
-          <a:p>
-            <a:pPr marL="261938" indent="-261938">
-              <a:spcAft>
-                <a:spcPts val="3800"/>
-              </a:spcAft>
-              <a:buFont typeface="Arial" pitchFamily="34" charset="0"/>
-              <a:buChar char="•"/>
-            </a:pPr>
+              <a:t>Asegurar que los requisitos sean </a:t>
+            </a:r>
             <a:r>
               <a:rPr lang="es-AR" sz="2400" dirty="0" smtClean="0">
                 <a:solidFill>
@@ -22616,13 +22218,55 @@
                 <a:latin typeface="Cambria" pitchFamily="18" charset="0"/>
                 <a:cs typeface="Arial" charset="0"/>
               </a:rPr>
-              <a:t>Verificar el alcance con el cliente</a:t>
-            </a:r>
+              <a:t>precisos, completos y consistentes</a:t>
+            </a:r>
+            <a:endParaRPr lang="es-AR" sz="2400" dirty="0" smtClean="0">
+              <a:solidFill>
+                <a:schemeClr val="tx2">
+                  <a:lumMod val="50000"/>
+                </a:schemeClr>
+              </a:solidFill>
+              <a:latin typeface="Cambria" pitchFamily="18" charset="0"/>
+              <a:cs typeface="Arial" charset="0"/>
+            </a:endParaRPr>
           </a:p>
           <a:p>
             <a:pPr marL="261938" indent="-261938">
               <a:spcAft>
-                <a:spcPts val="3800"/>
+                <a:spcPts val="3000"/>
+              </a:spcAft>
+              <a:buFont typeface="Arial" pitchFamily="34" charset="0"/>
+              <a:buChar char="•"/>
+            </a:pPr>
+            <a:r>
+              <a:rPr lang="es-AR" sz="2400" dirty="0" smtClean="0">
+                <a:solidFill>
+                  <a:schemeClr val="tx2">
+                    <a:lumMod val="50000"/>
+                  </a:schemeClr>
+                </a:solidFill>
+                <a:latin typeface="Cambria" pitchFamily="18" charset="0"/>
+                <a:cs typeface="Arial" charset="0"/>
+              </a:rPr>
+              <a:t>Validar y verificar </a:t>
+            </a:r>
+            <a:r>
+              <a:rPr lang="es-AR" sz="2400" dirty="0" smtClean="0">
+                <a:solidFill>
+                  <a:schemeClr val="tx2">
+                    <a:lumMod val="50000"/>
+                  </a:schemeClr>
+                </a:solidFill>
+                <a:latin typeface="Cambria" pitchFamily="18" charset="0"/>
+                <a:cs typeface="Arial" charset="0"/>
+              </a:rPr>
+              <a:t>el alcance con el cliente</a:t>
+            </a:r>
+          </a:p>
+          <a:p>
+            <a:pPr marL="261938" indent="-261938">
+              <a:spcAft>
+                <a:spcPts val="3000"/>
               </a:spcAft>
               <a:buFont typeface="Arial" pitchFamily="34" charset="0"/>
               <a:buChar char="•"/>
@@ -22643,7 +22287,7 @@
           <a:p>
             <a:pPr marL="261938" indent="-261938">
               <a:spcAft>
-                <a:spcPts val="3800"/>
+                <a:spcPts val="3000"/>
               </a:spcAft>
               <a:buFont typeface="Arial" pitchFamily="34" charset="0"/>
               <a:buChar char="•"/>
@@ -23746,15 +23390,6 @@
                   </a:rPr>
                   <a:t>Herramienta de administración</a:t>
                 </a:r>
-                <a:endParaRPr lang="es-ES" sz="2200" dirty="0" smtClean="0">
-                  <a:solidFill>
-                    <a:schemeClr val="tx2">
-                      <a:lumMod val="50000"/>
-                    </a:schemeClr>
-                  </a:solidFill>
-                  <a:latin typeface="Cambria" pitchFamily="18" charset="0"/>
-                  <a:cs typeface="Calibri" pitchFamily="34" charset="0"/>
-                </a:endParaRPr>
               </a:p>
             </p:txBody>
           </p:sp>

--- a/presentations/presentacionFinal.pptx
+++ b/presentations/presentacionFinal.pptx
@@ -5,10 +5,10 @@
     <p:sldMasterId id="2147483648" r:id="rId1"/>
   </p:sldMasterIdLst>
   <p:notesMasterIdLst>
-    <p:notesMasterId r:id="rId17"/>
+    <p:notesMasterId r:id="rId19"/>
   </p:notesMasterIdLst>
   <p:handoutMasterIdLst>
-    <p:handoutMasterId r:id="rId18"/>
+    <p:handoutMasterId r:id="rId20"/>
   </p:handoutMasterIdLst>
   <p:sldIdLst>
     <p:sldId id="256" r:id="rId2"/>
@@ -24,8 +24,10 @@
     <p:sldId id="278" r:id="rId12"/>
     <p:sldId id="286" r:id="rId13"/>
     <p:sldId id="301" r:id="rId14"/>
-    <p:sldId id="293" r:id="rId15"/>
-    <p:sldId id="264" r:id="rId16"/>
+    <p:sldId id="302" r:id="rId15"/>
+    <p:sldId id="303" r:id="rId16"/>
+    <p:sldId id="293" r:id="rId17"/>
+    <p:sldId id="264" r:id="rId18"/>
   </p:sldIdLst>
   <p:sldSz cx="9144000" cy="6858000" type="screen4x3"/>
   <p:notesSz cx="6858000" cy="9144000"/>
@@ -3623,8 +3625,8 @@
     <dgm:cxn modelId="{F54C81C4-0BF3-45D2-BEEB-836330666D85}" srcId="{D39DC43E-DB26-4A49-93E5-225531332D90}" destId="{3B9743B4-F01D-4586-AC45-4E69667D0F26}" srcOrd="1" destOrd="0" parTransId="{5F40C76A-850B-4463-A83C-A0ADF637C544}" sibTransId="{431939FB-991F-4F77-BF80-CE18E689CFBA}"/>
     <dgm:cxn modelId="{024F3004-0FB1-4D4A-9237-D3CE237DD7E2}" srcId="{091CB852-3C3B-4641-B340-B62A23A17396}" destId="{D39DC43E-DB26-4A49-93E5-225531332D90}" srcOrd="0" destOrd="0" parTransId="{E47ACF2A-8D15-4275-9F09-BFCF12B33D96}" sibTransId="{2C6F4B07-6439-4A6B-8853-165E860B82DC}"/>
     <dgm:cxn modelId="{28D4EC2B-90E4-461E-8F48-559CB4B7530E}" srcId="{091CB852-3C3B-4641-B340-B62A23A17396}" destId="{1335ED87-60AC-4FFC-8D24-F07B546057F0}" srcOrd="1" destOrd="0" parTransId="{3759289C-15D4-4436-9D80-C32145D909D1}" sibTransId="{C7C5EE43-52AC-43FA-ABC7-872C8F6C822A}"/>
+    <dgm:cxn modelId="{598EA5F9-4224-4E00-9650-A7D1A2D67DD5}" srcId="{D39DC43E-DB26-4A49-93E5-225531332D90}" destId="{EB0277B1-F0AD-41EF-8F28-0993A90E4BE4}" srcOrd="0" destOrd="0" parTransId="{EAF91662-4125-450F-9EDE-806F7C5AD8B8}" sibTransId="{C36C1C2F-9358-4263-AA14-27F3908BB04C}"/>
     <dgm:cxn modelId="{8540E702-437C-4689-882B-F57CA367D2D9}" type="presOf" srcId="{ADD28C15-BDC6-4856-B977-CB7B9AA9115F}" destId="{224C24F4-2C6C-4F8C-861B-CC3CF40F5803}" srcOrd="0" destOrd="0" presId="urn:microsoft.com/office/officeart/2005/8/layout/vList5"/>
-    <dgm:cxn modelId="{598EA5F9-4224-4E00-9650-A7D1A2D67DD5}" srcId="{D39DC43E-DB26-4A49-93E5-225531332D90}" destId="{EB0277B1-F0AD-41EF-8F28-0993A90E4BE4}" srcOrd="0" destOrd="0" parTransId="{EAF91662-4125-450F-9EDE-806F7C5AD8B8}" sibTransId="{C36C1C2F-9358-4263-AA14-27F3908BB04C}"/>
     <dgm:cxn modelId="{6F69E9B2-CE1D-44D5-92FD-E6C2E0ED5BA4}" type="presOf" srcId="{3B9743B4-F01D-4586-AC45-4E69667D0F26}" destId="{32161D7C-8BF5-45A2-B633-1D94A9C34A3E}" srcOrd="0" destOrd="1" presId="urn:microsoft.com/office/officeart/2005/8/layout/vList5"/>
     <dgm:cxn modelId="{EFE232A2-C856-4825-BBF1-35B18A274A30}" type="presOf" srcId="{D39DC43E-DB26-4A49-93E5-225531332D90}" destId="{D6DBB934-FBD1-4336-B203-F955487F2A33}" srcOrd="0" destOrd="0" presId="urn:microsoft.com/office/officeart/2005/8/layout/vList5"/>
     <dgm:cxn modelId="{610A8C35-D324-48EF-BA75-8F88004F461C}" type="presOf" srcId="{EB0277B1-F0AD-41EF-8F28-0993A90E4BE4}" destId="{32161D7C-8BF5-45A2-B633-1D94A9C34A3E}" srcOrd="0" destOrd="0" presId="urn:microsoft.com/office/officeart/2005/8/layout/vList5"/>
@@ -3648,7 +3650,7 @@
   <dgm:whole/>
   <dgm:extLst>
     <a:ext uri="http://schemas.microsoft.com/office/drawing/2008/diagram">
-      <dsp:dataModelExt xmlns:dsp="http://schemas.microsoft.com/office/drawing/2008/diagram" xmlns="" relId="rId7" minVer="http://schemas.openxmlformats.org/drawingml/2006/diagram"/>
+      <dsp:dataModelExt xmlns="" xmlns:dsp="http://schemas.microsoft.com/office/drawing/2008/diagram" relId="rId7" minVer="http://schemas.openxmlformats.org/drawingml/2006/diagram"/>
     </a:ext>
   </dgm:extLst>
 </dgm:dataModel>
@@ -3950,7 +3952,7 @@
   <dgm:whole/>
   <dgm:extLst>
     <a:ext uri="http://schemas.microsoft.com/office/drawing/2008/diagram">
-      <dsp:dataModelExt xmlns:dsp="http://schemas.microsoft.com/office/drawing/2008/diagram" xmlns="" relId="rId7" minVer="http://schemas.openxmlformats.org/drawingml/2006/diagram"/>
+      <dsp:dataModelExt xmlns="" xmlns:dsp="http://schemas.microsoft.com/office/drawing/2008/diagram" relId="rId7" minVer="http://schemas.openxmlformats.org/drawingml/2006/diagram"/>
     </a:ext>
   </dgm:extLst>
 </dgm:dataModel>
@@ -4185,7 +4187,7 @@
   <dgm:whole/>
   <dgm:extLst>
     <a:ext uri="http://schemas.microsoft.com/office/drawing/2008/diagram">
-      <dsp:dataModelExt xmlns:dsp="http://schemas.microsoft.com/office/drawing/2008/diagram" xmlns="" relId="rId7" minVer="http://schemas.openxmlformats.org/drawingml/2006/diagram"/>
+      <dsp:dataModelExt xmlns="" xmlns:dsp="http://schemas.microsoft.com/office/drawing/2008/diagram" relId="rId7" minVer="http://schemas.openxmlformats.org/drawingml/2006/diagram"/>
     </a:ext>
   </dgm:extLst>
 </dgm:dataModel>
@@ -4344,7 +4346,7 @@
   <dgm:whole/>
   <dgm:extLst>
     <a:ext uri="http://schemas.microsoft.com/office/drawing/2008/diagram">
-      <dsp:dataModelExt xmlns:dsp="http://schemas.microsoft.com/office/drawing/2008/diagram" xmlns="" relId="rId8" minVer="http://schemas.openxmlformats.org/drawingml/2006/diagram"/>
+      <dsp:dataModelExt xmlns="" xmlns:dsp="http://schemas.microsoft.com/office/drawing/2008/diagram" relId="rId8" minVer="http://schemas.openxmlformats.org/drawingml/2006/diagram"/>
     </a:ext>
   </dgm:extLst>
 </dgm:dataModel>
@@ -12873,9 +12875,93 @@
             <a:pPr eaLnBrk="1" hangingPunct="1"/>
             <a:r>
               <a:rPr lang="es-AR" b="1" dirty="0" smtClean="0"/>
-              <a:t>Speaker:</a:t>
-            </a:r>
+              <a:t>Speaker</a:t>
+            </a:r>
+            <a:r>
+              <a:rPr lang="es-AR" b="1" dirty="0" smtClean="0"/>
+              <a:t>:</a:t>
+            </a:r>
+          </a:p>
+          <a:p>
+            <a:pPr eaLnBrk="1" hangingPunct="1"/>
+            <a:endParaRPr lang="es-AR" b="1" baseline="0" dirty="0" smtClean="0"/>
+          </a:p>
+          <a:p>
+            <a:pPr eaLnBrk="1" hangingPunct="1"/>
+            <a:r>
+              <a:rPr lang="es-AR" b="1" baseline="0" dirty="0" smtClean="0"/>
+              <a:t>Documentación</a:t>
+            </a:r>
+          </a:p>
+          <a:p>
+            <a:pPr eaLnBrk="1" hangingPunct="1"/>
+            <a:r>
+              <a:rPr lang="es-AR" b="0" baseline="0" dirty="0" smtClean="0"/>
+              <a:t>Fijar lo acordado en documentos es realmente útil, especialmente cuando pasado el tiempo nos olvidamos de ciertas cosas ya cubiertas tiempo atrás.</a:t>
+            </a:r>
+          </a:p>
+          <a:p>
+            <a:pPr eaLnBrk="1" hangingPunct="1"/>
             <a:endParaRPr lang="es-AR" b="0" baseline="0" dirty="0" smtClean="0"/>
+          </a:p>
+          <a:p>
+            <a:pPr eaLnBrk="1" hangingPunct="1"/>
+            <a:r>
+              <a:rPr lang="es-AR" b="1" baseline="0" dirty="0" smtClean="0"/>
+              <a:t>Comunicación</a:t>
+            </a:r>
+          </a:p>
+          <a:p>
+            <a:pPr eaLnBrk="1" hangingPunct="1"/>
+            <a:r>
+              <a:rPr lang="es-AR" b="0" baseline="0" dirty="0" smtClean="0"/>
+              <a:t>La comunicación fue siendo cada vez más fluida con Alejandro, en las reuniones informales, formarles y vía e-mail. Especialmente hacia la etapa final en donde el producto llegaba a su final.</a:t>
+            </a:r>
+          </a:p>
+          <a:p>
+            <a:pPr eaLnBrk="1" hangingPunct="1"/>
+            <a:endParaRPr lang="es-AR" b="0" baseline="0" dirty="0" smtClean="0"/>
+          </a:p>
+          <a:p>
+            <a:r>
+              <a:rPr lang="es-AR" b="1" dirty="0" smtClean="0"/>
+              <a:t>Requisitos</a:t>
+            </a:r>
+          </a:p>
+          <a:p>
+            <a:r>
+              <a:rPr lang="es-AR" dirty="0" smtClean="0"/>
+              <a:t>¿El requisito es necesario o presenta una característica agregada o</a:t>
+            </a:r>
+            <a:br>
+              <a:rPr lang="es-AR" dirty="0" smtClean="0"/>
+            </a:br>
+            <a:r>
+              <a:rPr lang="es-AR" dirty="0" smtClean="0"/>
+              <a:t>irrelevante al objetivo del sistema.?</a:t>
+            </a:r>
+            <a:br>
+              <a:rPr lang="es-AR" dirty="0" smtClean="0"/>
+            </a:br>
+            <a:r>
+              <a:rPr lang="es-AR" dirty="0" smtClean="0"/>
+              <a:t>¿Cada requisito está limitado y no es ambiguo?</a:t>
+            </a:r>
+            <a:br>
+              <a:rPr lang="es-AR" dirty="0" smtClean="0"/>
+            </a:br>
+            <a:r>
+              <a:rPr lang="es-AR" dirty="0" smtClean="0"/>
+              <a:t>¿Entra en conflicto con algún otro?</a:t>
+            </a:r>
+            <a:br>
+              <a:rPr lang="es-AR" dirty="0" smtClean="0"/>
+            </a:br>
+            <a:r>
+              <a:rPr lang="es-AR" dirty="0" smtClean="0"/>
+              <a:t>¿Cada requisito se puede probar una vez implementado?</a:t>
+            </a:r>
+            <a:endParaRPr lang="es-AR" dirty="0"/>
           </a:p>
         </p:txBody>
       </p:sp>
@@ -12888,6 +12974,430 @@
 </file>
 
 <file path=ppt/notesSlides/notesSlide14.xml><?xml version="1.0" encoding="utf-8"?>
+<p:notes xmlns:a="http://schemas.openxmlformats.org/drawingml/2006/main" xmlns:r="http://schemas.openxmlformats.org/officeDocument/2006/relationships" xmlns:p="http://schemas.openxmlformats.org/presentationml/2006/main">
+  <p:cSld>
+    <p:spTree>
+      <p:nvGrpSpPr>
+        <p:cNvPr id="1" name=""/>
+        <p:cNvGrpSpPr/>
+        <p:nvPr/>
+      </p:nvGrpSpPr>
+      <p:grpSpPr>
+        <a:xfrm>
+          <a:off x="0" y="0"/>
+          <a:ext cx="0" cy="0"/>
+          <a:chOff x="0" y="0"/>
+          <a:chExt cx="0" cy="0"/>
+        </a:xfrm>
+      </p:grpSpPr>
+      <p:sp>
+        <p:nvSpPr>
+          <p:cNvPr id="2" name="1 Marcador de imagen de diapositiva"/>
+          <p:cNvSpPr>
+            <a:spLocks noGrp="1" noRot="1" noChangeAspect="1"/>
+          </p:cNvSpPr>
+          <p:nvPr>
+            <p:ph type="sldImg"/>
+          </p:nvPr>
+        </p:nvSpPr>
+        <p:spPr/>
+      </p:sp>
+      <p:sp>
+        <p:nvSpPr>
+          <p:cNvPr id="3" name="2 Marcador de notas"/>
+          <p:cNvSpPr>
+            <a:spLocks noGrp="1"/>
+          </p:cNvSpPr>
+          <p:nvPr>
+            <p:ph type="body" idx="1"/>
+          </p:nvPr>
+        </p:nvSpPr>
+        <p:spPr/>
+        <p:txBody>
+          <a:bodyPr>
+            <a:normAutofit lnSpcReduction="10000"/>
+          </a:bodyPr>
+          <a:lstStyle/>
+          <a:p>
+            <a:endParaRPr lang="es-AR" b="1" dirty="0" smtClean="0"/>
+          </a:p>
+          <a:p>
+            <a:r>
+              <a:rPr lang="es-AR" b="1" dirty="0" smtClean="0"/>
+              <a:t>Speaker:</a:t>
+            </a:r>
+          </a:p>
+          <a:p>
+            <a:endParaRPr lang="es-AR" b="1" dirty="0" smtClean="0"/>
+          </a:p>
+          <a:p>
+            <a:r>
+              <a:rPr lang="es-AR" b="1" dirty="0" smtClean="0"/>
+              <a:t>Validar:</a:t>
+            </a:r>
+          </a:p>
+          <a:p>
+            <a:r>
+              <a:rPr lang="es-AR" dirty="0" smtClean="0"/>
+              <a:t>Consta de una revisión técnica y formal por los clientes, usuarios e interesados</a:t>
+            </a:r>
+            <a:br>
+              <a:rPr lang="es-AR" dirty="0" smtClean="0"/>
+            </a:br>
+            <a:r>
+              <a:rPr lang="es-AR" dirty="0" smtClean="0"/>
+              <a:t>Se buscan errores de interpretación, información faltante, inconsistencias, conflictos, etc.</a:t>
+            </a:r>
+          </a:p>
+          <a:p>
+            <a:endParaRPr lang="es-AR" dirty="0" smtClean="0"/>
+          </a:p>
+          <a:p>
+            <a:r>
+              <a:rPr lang="es-AR" b="1" dirty="0" smtClean="0"/>
+              <a:t>Verificar:</a:t>
+            </a:r>
+          </a:p>
+          <a:p>
+            <a:r>
+              <a:rPr lang="es-AR" dirty="0" smtClean="0"/>
+              <a:t>Proceso de obtener la aceptación formal del alcance del proyecto por parte del cliente. </a:t>
+            </a:r>
+          </a:p>
+          <a:p>
+            <a:r>
+              <a:rPr lang="es-AR" dirty="0" smtClean="0"/>
+              <a:t>Incluye revisar los productos entregables </a:t>
+            </a:r>
+          </a:p>
+          <a:p>
+            <a:endParaRPr lang="es-AR" dirty="0" smtClean="0"/>
+          </a:p>
+          <a:p>
+            <a:r>
+              <a:rPr lang="es-AR" b="1" dirty="0" smtClean="0"/>
+              <a:t>Avisar fallas o algo incompleto:</a:t>
+            </a:r>
+          </a:p>
+          <a:p>
+            <a:pPr marL="0" marR="0" lvl="0" indent="0" algn="l" defTabSz="914400" rtl="0" eaLnBrk="0" fontAlgn="base" latinLnBrk="0" hangingPunct="0">
+              <a:lnSpc>
+                <a:spcPct val="100000"/>
+              </a:lnSpc>
+              <a:spcBef>
+                <a:spcPct val="30000"/>
+              </a:spcBef>
+              <a:spcAft>
+                <a:spcPct val="0"/>
+              </a:spcAft>
+              <a:buClrTx/>
+              <a:buSzTx/>
+              <a:buFontTx/>
+              <a:buNone/>
+              <a:tabLst/>
+              <a:defRPr/>
+            </a:pPr>
+            <a:r>
+              <a:rPr lang="es-ES_tradnl" sz="1200" kern="1200" dirty="0" smtClean="0">
+                <a:solidFill>
+                  <a:schemeClr val="tx1"/>
+                </a:solidFill>
+                <a:latin typeface="Arial" charset="0"/>
+                <a:ea typeface="+mn-ea"/>
+                <a:cs typeface="+mn-cs"/>
+              </a:rPr>
+              <a:t>Avisar con anticipación cuando no se logra cumplir con todo lo comprometido para el sprint. Es preferible que el cliente vaya a la reunión sabiendo lo que falta o falla y no que se </a:t>
+            </a:r>
+            <a:r>
+              <a:rPr lang="es-ES_tradnl" sz="1200" kern="1200" dirty="0" err="1" smtClean="0">
+                <a:solidFill>
+                  <a:schemeClr val="tx1"/>
+                </a:solidFill>
+                <a:latin typeface="Arial" charset="0"/>
+                <a:ea typeface="+mn-ea"/>
+                <a:cs typeface="+mn-cs"/>
+              </a:rPr>
+              <a:t>se</a:t>
+            </a:r>
+            <a:r>
+              <a:rPr lang="es-ES_tradnl" sz="1200" kern="1200" dirty="0" smtClean="0">
+                <a:solidFill>
+                  <a:schemeClr val="tx1"/>
+                </a:solidFill>
+                <a:latin typeface="Arial" charset="0"/>
+                <a:ea typeface="+mn-ea"/>
+                <a:cs typeface="+mn-cs"/>
+              </a:rPr>
+              <a:t> presente con expectativas que no vamos a poder cumplir.</a:t>
+            </a:r>
+            <a:endParaRPr lang="es-AR" sz="1200" kern="1200" dirty="0" smtClean="0">
+              <a:solidFill>
+                <a:schemeClr val="tx1"/>
+              </a:solidFill>
+              <a:latin typeface="Arial" charset="0"/>
+              <a:ea typeface="+mn-ea"/>
+              <a:cs typeface="+mn-cs"/>
+            </a:endParaRPr>
+          </a:p>
+          <a:p>
+            <a:endParaRPr lang="es-AR" dirty="0" smtClean="0"/>
+          </a:p>
+          <a:p>
+            <a:r>
+              <a:rPr lang="es-AR" b="1" dirty="0" smtClean="0"/>
+              <a:t>Trazabilidad:</a:t>
+            </a:r>
+          </a:p>
+          <a:p>
+            <a:r>
+              <a:rPr lang="es-AR" b="0" dirty="0" smtClean="0"/>
+              <a:t>Permite poder</a:t>
+            </a:r>
+            <a:r>
+              <a:rPr lang="es-AR" b="0" baseline="0" dirty="0" smtClean="0"/>
+              <a:t> analizar fácilmente los impactos ante un cambio en una </a:t>
+            </a:r>
+            <a:r>
+              <a:rPr lang="es-AR" b="0" baseline="0" dirty="0" err="1" smtClean="0"/>
+              <a:t>User</a:t>
+            </a:r>
+            <a:r>
+              <a:rPr lang="es-AR" b="0" baseline="0" dirty="0" smtClean="0"/>
+              <a:t> </a:t>
+            </a:r>
+            <a:r>
+              <a:rPr lang="es-AR" b="0" baseline="0" dirty="0" err="1" smtClean="0"/>
+              <a:t>Story</a:t>
+            </a:r>
+            <a:endParaRPr lang="es-AR" b="0" baseline="0" dirty="0" smtClean="0"/>
+          </a:p>
+          <a:p>
+            <a:pPr marL="0" marR="0" lvl="0" indent="0" algn="l" defTabSz="914400" rtl="0" eaLnBrk="0" fontAlgn="base" latinLnBrk="0" hangingPunct="0">
+              <a:lnSpc>
+                <a:spcPct val="100000"/>
+              </a:lnSpc>
+              <a:spcBef>
+                <a:spcPct val="30000"/>
+              </a:spcBef>
+              <a:spcAft>
+                <a:spcPct val="0"/>
+              </a:spcAft>
+              <a:buClrTx/>
+              <a:buSzTx/>
+              <a:buFontTx/>
+              <a:buNone/>
+              <a:tabLst/>
+              <a:defRPr/>
+            </a:pPr>
+            <a:r>
+              <a:rPr lang="es-AR" b="0" baseline="0" dirty="0" smtClean="0"/>
+              <a:t>Localizar rápidamente </a:t>
+            </a:r>
+            <a:r>
+              <a:rPr lang="es-ES" sz="1200" kern="1200" dirty="0" smtClean="0">
+                <a:solidFill>
+                  <a:schemeClr val="tx1"/>
+                </a:solidFill>
+                <a:latin typeface="Arial" charset="0"/>
+                <a:ea typeface="+mn-ea"/>
+                <a:cs typeface="+mn-cs"/>
+              </a:rPr>
+              <a:t>código y documentación.</a:t>
+            </a:r>
+            <a:endParaRPr lang="es-AR" sz="1200" kern="1200" dirty="0" smtClean="0">
+              <a:solidFill>
+                <a:schemeClr val="tx1"/>
+              </a:solidFill>
+              <a:latin typeface="Arial" charset="0"/>
+              <a:ea typeface="+mn-ea"/>
+              <a:cs typeface="+mn-cs"/>
+            </a:endParaRPr>
+          </a:p>
+        </p:txBody>
+      </p:sp>
+      <p:sp>
+        <p:nvSpPr>
+          <p:cNvPr id="4" name="3 Marcador de número de diapositiva"/>
+          <p:cNvSpPr>
+            <a:spLocks noGrp="1"/>
+          </p:cNvSpPr>
+          <p:nvPr>
+            <p:ph type="sldNum" sz="quarter" idx="10"/>
+          </p:nvPr>
+        </p:nvSpPr>
+        <p:spPr/>
+        <p:txBody>
+          <a:bodyPr/>
+          <a:lstStyle/>
+          <a:p>
+            <a:pPr>
+              <a:defRPr/>
+            </a:pPr>
+            <a:fld id="{51644EF4-AF40-4770-9DB3-2273B7E220AD}" type="slidenum">
+              <a:rPr lang="es-ES" smtClean="0"/>
+              <a:pPr>
+                <a:defRPr/>
+              </a:pPr>
+              <a:t>14</a:t>
+            </a:fld>
+            <a:endParaRPr lang="es-ES"/>
+          </a:p>
+        </p:txBody>
+      </p:sp>
+    </p:spTree>
+  </p:cSld>
+  <p:clrMapOvr>
+    <a:masterClrMapping/>
+  </p:clrMapOvr>
+</p:notes>
+</file>
+
+<file path=ppt/notesSlides/notesSlide15.xml><?xml version="1.0" encoding="utf-8"?>
+<p:notes xmlns:a="http://schemas.openxmlformats.org/drawingml/2006/main" xmlns:r="http://schemas.openxmlformats.org/officeDocument/2006/relationships" xmlns:p="http://schemas.openxmlformats.org/presentationml/2006/main">
+  <p:cSld>
+    <p:spTree>
+      <p:nvGrpSpPr>
+        <p:cNvPr id="1" name=""/>
+        <p:cNvGrpSpPr/>
+        <p:nvPr/>
+      </p:nvGrpSpPr>
+      <p:grpSpPr>
+        <a:xfrm>
+          <a:off x="0" y="0"/>
+          <a:ext cx="0" cy="0"/>
+          <a:chOff x="0" y="0"/>
+          <a:chExt cx="0" cy="0"/>
+        </a:xfrm>
+      </p:grpSpPr>
+      <p:sp>
+        <p:nvSpPr>
+          <p:cNvPr id="2" name="1 Marcador de imagen de diapositiva"/>
+          <p:cNvSpPr>
+            <a:spLocks noGrp="1" noRot="1" noChangeAspect="1"/>
+          </p:cNvSpPr>
+          <p:nvPr>
+            <p:ph type="sldImg"/>
+          </p:nvPr>
+        </p:nvSpPr>
+        <p:spPr/>
+      </p:sp>
+      <p:sp>
+        <p:nvSpPr>
+          <p:cNvPr id="3" name="2 Marcador de notas"/>
+          <p:cNvSpPr>
+            <a:spLocks noGrp="1"/>
+          </p:cNvSpPr>
+          <p:nvPr>
+            <p:ph type="body" idx="1"/>
+          </p:nvPr>
+        </p:nvSpPr>
+        <p:spPr/>
+        <p:txBody>
+          <a:bodyPr>
+            <a:normAutofit/>
+          </a:bodyPr>
+          <a:lstStyle/>
+          <a:p>
+            <a:r>
+              <a:rPr lang="es-AR" b="1" dirty="0" smtClean="0"/>
+              <a:t>Estética</a:t>
+            </a:r>
+            <a:r>
+              <a:rPr lang="es-AR" b="1" baseline="0" dirty="0" smtClean="0"/>
+              <a:t> y usabilidad:</a:t>
+            </a:r>
+            <a:endParaRPr lang="es-AR" b="1" dirty="0" smtClean="0"/>
+          </a:p>
+          <a:p>
+            <a:r>
+              <a:rPr lang="es-AR" dirty="0" smtClean="0"/>
+              <a:t>Es deseable averiguar el formato de monitores que tienen en el</a:t>
+            </a:r>
+            <a:r>
+              <a:rPr lang="es-AR" baseline="0" dirty="0" smtClean="0"/>
+              <a:t> </a:t>
+            </a:r>
+            <a:r>
+              <a:rPr lang="es-AR" baseline="0" dirty="0" err="1" smtClean="0"/>
+              <a:t>CallCenter</a:t>
+            </a:r>
+            <a:r>
+              <a:rPr lang="es-AR" baseline="0" dirty="0" smtClean="0"/>
+              <a:t> y adaptar el diseño a ellos. Esto permitirá mejor navegabilidad y usabilidad del sistema. Esto fue uno de los puntos pendientes, a considerar en próximas versiones.</a:t>
+            </a:r>
+          </a:p>
+          <a:p>
+            <a:endParaRPr lang="es-AR" baseline="0" dirty="0" smtClean="0"/>
+          </a:p>
+          <a:p>
+            <a:r>
+              <a:rPr lang="es-AR" b="1" baseline="0" dirty="0" smtClean="0"/>
+              <a:t>Ley del Estudiante:</a:t>
+            </a:r>
+          </a:p>
+          <a:p>
+            <a:r>
+              <a:rPr lang="es-AR" b="0" baseline="0" dirty="0" smtClean="0"/>
+              <a:t>Es difícil no caer en el síndrome del estudiante: dejar todo para lo último. Por ello, manteniendo </a:t>
+            </a:r>
+            <a:r>
+              <a:rPr lang="es-AR" b="0" baseline="0" dirty="0" err="1" smtClean="0"/>
+              <a:t>sprints</a:t>
+            </a:r>
+            <a:r>
+              <a:rPr lang="es-AR" b="0" baseline="0" dirty="0" smtClean="0"/>
+              <a:t> de no mucha duración contribuye a aprovechar los tiempos del proyecto. </a:t>
+            </a:r>
+          </a:p>
+          <a:p>
+            <a:endParaRPr lang="es-AR" baseline="0" dirty="0" smtClean="0"/>
+          </a:p>
+          <a:p>
+            <a:endParaRPr lang="es-AR" baseline="0" dirty="0" smtClean="0"/>
+          </a:p>
+          <a:p>
+            <a:endParaRPr lang="es-AR" dirty="0"/>
+          </a:p>
+        </p:txBody>
+      </p:sp>
+      <p:sp>
+        <p:nvSpPr>
+          <p:cNvPr id="4" name="3 Marcador de número de diapositiva"/>
+          <p:cNvSpPr>
+            <a:spLocks noGrp="1"/>
+          </p:cNvSpPr>
+          <p:nvPr>
+            <p:ph type="sldNum" sz="quarter" idx="10"/>
+          </p:nvPr>
+        </p:nvSpPr>
+        <p:spPr/>
+        <p:txBody>
+          <a:bodyPr/>
+          <a:lstStyle/>
+          <a:p>
+            <a:pPr>
+              <a:defRPr/>
+            </a:pPr>
+            <a:fld id="{51644EF4-AF40-4770-9DB3-2273B7E220AD}" type="slidenum">
+              <a:rPr lang="es-ES" smtClean="0"/>
+              <a:pPr>
+                <a:defRPr/>
+              </a:pPr>
+              <a:t>15</a:t>
+            </a:fld>
+            <a:endParaRPr lang="es-ES"/>
+          </a:p>
+        </p:txBody>
+      </p:sp>
+    </p:spTree>
+  </p:cSld>
+  <p:clrMapOvr>
+    <a:masterClrMapping/>
+  </p:clrMapOvr>
+</p:notes>
+</file>
+
+<file path=ppt/notesSlides/notesSlide16.xml><?xml version="1.0" encoding="utf-8"?>
 <p:notes xmlns:a="http://schemas.openxmlformats.org/drawingml/2006/main" xmlns:r="http://schemas.openxmlformats.org/officeDocument/2006/relationships" xmlns:p="http://schemas.openxmlformats.org/presentationml/2006/main">
   <p:cSld>
     <p:spTree>
@@ -12924,7 +13434,7 @@
             <a:fld id="{4D183F08-FBD3-4A86-BA7F-79516DB782E6}" type="slidenum">
               <a:rPr lang="es-ES" smtClean="0"/>
               <a:pPr/>
-              <a:t>14</a:t>
+              <a:t>16</a:t>
             </a:fld>
             <a:endParaRPr lang="es-ES" smtClean="0"/>
           </a:p>
@@ -12975,7 +13485,7 @@
 </p:notes>
 </file>
 
-<file path=ppt/notesSlides/notesSlide15.xml><?xml version="1.0" encoding="utf-8"?>
+<file path=ppt/notesSlides/notesSlide17.xml><?xml version="1.0" encoding="utf-8"?>
 <p:notes xmlns:a="http://schemas.openxmlformats.org/drawingml/2006/main" xmlns:r="http://schemas.openxmlformats.org/officeDocument/2006/relationships" xmlns:p="http://schemas.openxmlformats.org/presentationml/2006/main">
   <p:cSld>
     <p:spTree>
@@ -13012,7 +13522,7 @@
             <a:fld id="{4D183F08-FBD3-4A86-BA7F-79516DB782E6}" type="slidenum">
               <a:rPr lang="es-ES" smtClean="0"/>
               <a:pPr/>
-              <a:t>15</a:t>
+              <a:t>17</a:t>
             </a:fld>
             <a:endParaRPr lang="es-ES" smtClean="0"/>
           </a:p>
@@ -22071,6 +22581,39 @@
           <a:chExt cx="0" cy="0"/>
         </a:xfrm>
       </p:grpSpPr>
+      <p:pic>
+        <p:nvPicPr>
+          <p:cNvPr id="2050" name="Picture 2"/>
+          <p:cNvPicPr>
+            <a:picLocks noChangeAspect="1" noChangeArrowheads="1"/>
+          </p:cNvPicPr>
+          <p:nvPr/>
+        </p:nvPicPr>
+        <p:blipFill>
+          <a:blip r:embed="rId3"/>
+          <a:srcRect/>
+          <a:stretch>
+            <a:fillRect/>
+          </a:stretch>
+        </p:blipFill>
+        <p:spPr bwMode="auto">
+          <a:xfrm>
+            <a:off x="7858148" y="5286388"/>
+            <a:ext cx="1159379" cy="1357322"/>
+          </a:xfrm>
+          <a:prstGeom prst="rect">
+            <a:avLst/>
+          </a:prstGeom>
+          <a:noFill/>
+          <a:ln w="9525">
+            <a:noFill/>
+            <a:miter lim="800000"/>
+            <a:headEnd/>
+            <a:tailEnd/>
+          </a:ln>
+          <a:effectLst/>
+        </p:spPr>
+      </p:pic>
       <p:sp>
         <p:nvSpPr>
           <p:cNvPr id="4099" name="Rectangle 2"/>
@@ -22106,8 +22649,8 @@
         </p:nvSpPr>
         <p:spPr bwMode="auto">
           <a:xfrm>
-            <a:off x="1214414" y="1924084"/>
-            <a:ext cx="7715304" cy="4601260"/>
+            <a:off x="928662" y="2205261"/>
+            <a:ext cx="7715304" cy="5081391"/>
           </a:xfrm>
           <a:prstGeom prst="rect">
             <a:avLst/>
@@ -22126,15 +22669,22 @@
           </a:bodyPr>
           <a:lstStyle/>
           <a:p>
-            <a:pPr marL="261938" indent="-261938">
+            <a:pPr marL="261938" indent="-261938" eaLnBrk="0" hangingPunct="0">
+              <a:spcBef>
+                <a:spcPct val="20000"/>
+              </a:spcBef>
               <a:spcAft>
-                <a:spcPts val="3000"/>
+                <a:spcPts val="5800"/>
               </a:spcAft>
+              <a:buClr>
+                <a:schemeClr val="tx2"/>
+              </a:buClr>
+              <a:buSzPct val="70000"/>
               <a:buFont typeface="Arial" pitchFamily="34" charset="0"/>
               <a:buChar char="•"/>
             </a:pPr>
             <a:r>
-              <a:rPr lang="es-AR" sz="2400" dirty="0" smtClean="0">
+              <a:rPr lang="es-AR" sz="3200" dirty="0" smtClean="0">
                 <a:solidFill>
                   <a:schemeClr val="tx2">
                     <a:lumMod val="50000"/>
@@ -22143,10 +22693,10 @@
                 <a:latin typeface="Cambria" pitchFamily="18" charset="0"/>
                 <a:cs typeface="Arial" charset="0"/>
               </a:rPr>
-              <a:t>Lo que no está escrito no </a:t>
-            </a:r>
-            <a:r>
-              <a:rPr lang="es-AR" sz="2400" dirty="0" smtClean="0">
+              <a:t>Comunicación </a:t>
+            </a:r>
+            <a:r>
+              <a:rPr lang="es-AR" sz="3200" dirty="0" smtClean="0">
                 <a:solidFill>
                   <a:schemeClr val="tx2">
                     <a:lumMod val="50000"/>
@@ -22155,9 +22705,21 @@
                 <a:latin typeface="Cambria" pitchFamily="18" charset="0"/>
                 <a:cs typeface="Arial" charset="0"/>
               </a:rPr>
-              <a:t>se ha dicho</a:t>
-            </a:r>
-            <a:endParaRPr lang="es-AR" sz="2400" dirty="0" smtClean="0">
+              <a:t>fluida con </a:t>
+            </a:r>
+            <a:r>
+              <a:rPr lang="es-AR" sz="3200" dirty="0" smtClean="0">
+                <a:solidFill>
+                  <a:schemeClr val="tx2">
+                    <a:lumMod val="50000"/>
+                  </a:schemeClr>
+                </a:solidFill>
+                <a:latin typeface="Cambria" pitchFamily="18" charset="0"/>
+                <a:cs typeface="Arial" charset="0"/>
+              </a:rPr>
+              <a:t>el cliente</a:t>
+            </a:r>
+            <a:endParaRPr lang="es-AR" sz="3200" dirty="0" smtClean="0">
               <a:solidFill>
                 <a:schemeClr val="tx2">
                   <a:lumMod val="50000"/>
@@ -22168,15 +22730,22 @@
             </a:endParaRPr>
           </a:p>
           <a:p>
-            <a:pPr marL="261938" indent="-261938">
+            <a:pPr marL="261938" indent="-261938" eaLnBrk="0" hangingPunct="0">
+              <a:spcBef>
+                <a:spcPct val="20000"/>
+              </a:spcBef>
               <a:spcAft>
-                <a:spcPts val="3000"/>
+                <a:spcPts val="5800"/>
               </a:spcAft>
+              <a:buClr>
+                <a:schemeClr val="tx2"/>
+              </a:buClr>
+              <a:buSzPct val="70000"/>
               <a:buFont typeface="Arial" pitchFamily="34" charset="0"/>
               <a:buChar char="•"/>
             </a:pPr>
             <a:r>
-              <a:rPr lang="es-AR" sz="2400" dirty="0" smtClean="0">
+              <a:rPr lang="es-AR" sz="3200" dirty="0" smtClean="0">
                 <a:solidFill>
                   <a:schemeClr val="tx2">
                     <a:lumMod val="50000"/>
@@ -22185,19 +22754,26 @@
                 <a:latin typeface="Cambria" pitchFamily="18" charset="0"/>
                 <a:cs typeface="Arial" charset="0"/>
               </a:rPr>
-              <a:t>Comunicación fluida con el cliente</a:t>
-            </a:r>
-          </a:p>
-          <a:p>
-            <a:pPr marL="261938" indent="-261938">
+              <a:t>Asegurar que los requisitos sean precisos, completos y consistentes</a:t>
+            </a:r>
+          </a:p>
+          <a:p>
+            <a:pPr marL="261938" indent="-261938" eaLnBrk="0" hangingPunct="0">
+              <a:spcBef>
+                <a:spcPct val="20000"/>
+              </a:spcBef>
               <a:spcAft>
-                <a:spcPts val="3000"/>
+                <a:spcPts val="5800"/>
               </a:spcAft>
+              <a:buClr>
+                <a:schemeClr val="tx2"/>
+              </a:buClr>
+              <a:buSzPct val="70000"/>
               <a:buFont typeface="Arial" pitchFamily="34" charset="0"/>
               <a:buChar char="•"/>
             </a:pPr>
             <a:r>
-              <a:rPr lang="es-AR" sz="2400" dirty="0" smtClean="0">
+              <a:rPr lang="es-AR" sz="3200" dirty="0" smtClean="0">
                 <a:solidFill>
                   <a:schemeClr val="tx2">
                     <a:lumMod val="50000"/>
@@ -22206,10 +22782,10 @@
                 <a:latin typeface="Cambria" pitchFamily="18" charset="0"/>
                 <a:cs typeface="Arial" charset="0"/>
               </a:rPr>
-              <a:t>Asegurar que los requisitos sean </a:t>
-            </a:r>
-            <a:r>
-              <a:rPr lang="es-AR" sz="2400" dirty="0" smtClean="0">
+              <a:t>Lo </a:t>
+            </a:r>
+            <a:r>
+              <a:rPr lang="es-AR" sz="3200" dirty="0" smtClean="0">
                 <a:solidFill>
                   <a:schemeClr val="tx2">
                     <a:lumMod val="50000"/>
@@ -22218,9 +22794,25 @@
                 <a:latin typeface="Cambria" pitchFamily="18" charset="0"/>
                 <a:cs typeface="Arial" charset="0"/>
               </a:rPr>
-              <a:t>precisos, completos y consistentes</a:t>
-            </a:r>
-            <a:endParaRPr lang="es-AR" sz="2400" dirty="0" smtClean="0">
+              <a:t>que no está escrito no se ha dicho</a:t>
+            </a:r>
+          </a:p>
+          <a:p>
+            <a:pPr marL="261938" indent="-261938" eaLnBrk="0" hangingPunct="0">
+              <a:spcBef>
+                <a:spcPct val="20000"/>
+              </a:spcBef>
+              <a:spcAft>
+                <a:spcPts val="4800"/>
+              </a:spcAft>
+              <a:buClr>
+                <a:schemeClr val="tx2"/>
+              </a:buClr>
+              <a:buSzPct val="70000"/>
+              <a:buFont typeface="Arial" pitchFamily="34" charset="0"/>
+              <a:buChar char="•"/>
+            </a:pPr>
+            <a:endParaRPr lang="es-AR" sz="3200" dirty="0" smtClean="0">
               <a:solidFill>
                 <a:schemeClr val="tx2">
                   <a:lumMod val="50000"/>
@@ -22229,81 +22821,6 @@
               <a:latin typeface="Cambria" pitchFamily="18" charset="0"/>
               <a:cs typeface="Arial" charset="0"/>
             </a:endParaRPr>
-          </a:p>
-          <a:p>
-            <a:pPr marL="261938" indent="-261938">
-              <a:spcAft>
-                <a:spcPts val="3000"/>
-              </a:spcAft>
-              <a:buFont typeface="Arial" pitchFamily="34" charset="0"/>
-              <a:buChar char="•"/>
-            </a:pPr>
-            <a:r>
-              <a:rPr lang="es-AR" sz="2400" dirty="0" smtClean="0">
-                <a:solidFill>
-                  <a:schemeClr val="tx2">
-                    <a:lumMod val="50000"/>
-                  </a:schemeClr>
-                </a:solidFill>
-                <a:latin typeface="Cambria" pitchFamily="18" charset="0"/>
-                <a:cs typeface="Arial" charset="0"/>
-              </a:rPr>
-              <a:t>Validar y verificar </a:t>
-            </a:r>
-            <a:r>
-              <a:rPr lang="es-AR" sz="2400" dirty="0" smtClean="0">
-                <a:solidFill>
-                  <a:schemeClr val="tx2">
-                    <a:lumMod val="50000"/>
-                  </a:schemeClr>
-                </a:solidFill>
-                <a:latin typeface="Cambria" pitchFamily="18" charset="0"/>
-                <a:cs typeface="Arial" charset="0"/>
-              </a:rPr>
-              <a:t>el alcance con el cliente</a:t>
-            </a:r>
-          </a:p>
-          <a:p>
-            <a:pPr marL="261938" indent="-261938">
-              <a:spcAft>
-                <a:spcPts val="3000"/>
-              </a:spcAft>
-              <a:buFont typeface="Arial" pitchFamily="34" charset="0"/>
-              <a:buChar char="•"/>
-            </a:pPr>
-            <a:r>
-              <a:rPr lang="es-AR" sz="2400" dirty="0" smtClean="0">
-                <a:solidFill>
-                  <a:schemeClr val="tx2">
-                    <a:lumMod val="50000"/>
-                  </a:schemeClr>
-                </a:solidFill>
-                <a:latin typeface="Cambria" pitchFamily="18" charset="0"/>
-                <a:cs typeface="Arial" charset="0"/>
-              </a:rPr>
-              <a:t>Avisar con anticipación al no finalizar algo en un sprint</a:t>
-            </a:r>
-          </a:p>
-          <a:p>
-            <a:pPr marL="261938" indent="-261938">
-              <a:spcAft>
-                <a:spcPts val="3000"/>
-              </a:spcAft>
-              <a:buFont typeface="Arial" pitchFamily="34" charset="0"/>
-              <a:buChar char="•"/>
-            </a:pPr>
-            <a:r>
-              <a:rPr lang="es-AR" sz="2400" dirty="0" smtClean="0">
-                <a:solidFill>
-                  <a:schemeClr val="tx2">
-                    <a:lumMod val="50000"/>
-                  </a:schemeClr>
-                </a:solidFill>
-                <a:latin typeface="Cambria" pitchFamily="18" charset="0"/>
-                <a:cs typeface="Arial" charset="0"/>
-              </a:rPr>
-              <a:t>Importancia de mantener una trazabilidad</a:t>
-            </a:r>
           </a:p>
         </p:txBody>
       </p:sp>
@@ -22316,7 +22833,7 @@
           <p:nvPr/>
         </p:nvPicPr>
         <p:blipFill>
-          <a:blip r:embed="rId3" cstate="print"/>
+          <a:blip r:embed="rId4" cstate="print"/>
           <a:srcRect/>
           <a:stretch>
             <a:fillRect/>
@@ -22324,8 +22841,8 @@
         </p:blipFill>
         <p:spPr bwMode="auto">
           <a:xfrm>
-            <a:off x="6929454" y="1714488"/>
-            <a:ext cx="1995311" cy="1481135"/>
+            <a:off x="7286676" y="2193146"/>
+            <a:ext cx="1857356" cy="1378730"/>
           </a:xfrm>
           <a:prstGeom prst="rect">
             <a:avLst/>
@@ -22414,21 +22931,30 @@
                             </p:childTnLst>
                           </p:cTn>
                         </p:par>
+                      </p:childTnLst>
+                    </p:cTn>
+                  </p:par>
+                  <p:par>
+                    <p:cTn id="8" fill="hold">
+                      <p:stCondLst>
+                        <p:cond delay="indefinite"/>
+                      </p:stCondLst>
+                      <p:childTnLst>
                         <p:par>
-                          <p:cTn id="8" fill="hold">
+                          <p:cTn id="9" fill="hold">
                             <p:stCondLst>
-                              <p:cond delay="500"/>
+                              <p:cond delay="0"/>
                             </p:stCondLst>
                             <p:childTnLst>
                               <p:par>
-                                <p:cTn id="9" presetID="22" presetClass="entr" presetSubtype="4" fill="hold" grpId="0" nodeType="afterEffect">
+                                <p:cTn id="10" presetID="22" presetClass="entr" presetSubtype="4" fill="hold" grpId="0" nodeType="clickEffect">
                                   <p:stCondLst>
                                     <p:cond delay="0"/>
                                   </p:stCondLst>
                                   <p:childTnLst>
                                     <p:set>
                                       <p:cBhvr>
-                                        <p:cTn id="10" dur="1" fill="hold">
+                                        <p:cTn id="11" dur="1" fill="hold">
                                           <p:stCondLst>
                                             <p:cond delay="0"/>
                                           </p:stCondLst>
@@ -22450,7 +22976,7 @@
                                     </p:set>
                                     <p:animEffect transition="in" filter="wipe(down)">
                                       <p:cBhvr>
-                                        <p:cTn id="11" dur="500"/>
+                                        <p:cTn id="12" dur="500"/>
                                         <p:tgtEl>
                                           <p:spTgt spid="5">
                                             <p:txEl>
@@ -22466,21 +22992,30 @@
                             </p:childTnLst>
                           </p:cTn>
                         </p:par>
+                      </p:childTnLst>
+                    </p:cTn>
+                  </p:par>
+                  <p:par>
+                    <p:cTn id="13" fill="hold">
+                      <p:stCondLst>
+                        <p:cond delay="indefinite"/>
+                      </p:stCondLst>
+                      <p:childTnLst>
                         <p:par>
-                          <p:cTn id="12" fill="hold">
+                          <p:cTn id="14" fill="hold">
                             <p:stCondLst>
-                              <p:cond delay="1000"/>
+                              <p:cond delay="0"/>
                             </p:stCondLst>
                             <p:childTnLst>
                               <p:par>
-                                <p:cTn id="13" presetID="22" presetClass="entr" presetSubtype="4" fill="hold" grpId="0" nodeType="afterEffect">
+                                <p:cTn id="15" presetID="22" presetClass="entr" presetSubtype="4" fill="hold" grpId="0" nodeType="clickEffect">
                                   <p:stCondLst>
                                     <p:cond delay="0"/>
                                   </p:stCondLst>
                                   <p:childTnLst>
                                     <p:set>
                                       <p:cBhvr>
-                                        <p:cTn id="14" dur="1" fill="hold">
+                                        <p:cTn id="16" dur="1" fill="hold">
                                           <p:stCondLst>
                                             <p:cond delay="0"/>
                                           </p:stCondLst>
@@ -22502,167 +23037,11 @@
                                     </p:set>
                                     <p:animEffect transition="in" filter="wipe(down)">
                                       <p:cBhvr>
-                                        <p:cTn id="15" dur="500"/>
+                                        <p:cTn id="17" dur="500"/>
                                         <p:tgtEl>
                                           <p:spTgt spid="5">
                                             <p:txEl>
                                               <p:pRg st="2" end="2"/>
-                                            </p:txEl>
-                                          </p:spTgt>
-                                        </p:tgtEl>
-                                      </p:cBhvr>
-                                    </p:animEffect>
-                                  </p:childTnLst>
-                                </p:cTn>
-                              </p:par>
-                            </p:childTnLst>
-                          </p:cTn>
-                        </p:par>
-                        <p:par>
-                          <p:cTn id="16" fill="hold">
-                            <p:stCondLst>
-                              <p:cond delay="1500"/>
-                            </p:stCondLst>
-                            <p:childTnLst>
-                              <p:par>
-                                <p:cTn id="17" presetID="22" presetClass="entr" presetSubtype="4" fill="hold" grpId="0" nodeType="afterEffect">
-                                  <p:stCondLst>
-                                    <p:cond delay="0"/>
-                                  </p:stCondLst>
-                                  <p:childTnLst>
-                                    <p:set>
-                                      <p:cBhvr>
-                                        <p:cTn id="18" dur="1" fill="hold">
-                                          <p:stCondLst>
-                                            <p:cond delay="0"/>
-                                          </p:stCondLst>
-                                        </p:cTn>
-                                        <p:tgtEl>
-                                          <p:spTgt spid="5">
-                                            <p:txEl>
-                                              <p:pRg st="3" end="3"/>
-                                            </p:txEl>
-                                          </p:spTgt>
-                                        </p:tgtEl>
-                                        <p:attrNameLst>
-                                          <p:attrName>style.visibility</p:attrName>
-                                        </p:attrNameLst>
-                                      </p:cBhvr>
-                                      <p:to>
-                                        <p:strVal val="visible"/>
-                                      </p:to>
-                                    </p:set>
-                                    <p:animEffect transition="in" filter="wipe(down)">
-                                      <p:cBhvr>
-                                        <p:cTn id="19" dur="500"/>
-                                        <p:tgtEl>
-                                          <p:spTgt spid="5">
-                                            <p:txEl>
-                                              <p:pRg st="3" end="3"/>
-                                            </p:txEl>
-                                          </p:spTgt>
-                                        </p:tgtEl>
-                                      </p:cBhvr>
-                                    </p:animEffect>
-                                  </p:childTnLst>
-                                </p:cTn>
-                              </p:par>
-                            </p:childTnLst>
-                          </p:cTn>
-                        </p:par>
-                        <p:par>
-                          <p:cTn id="20" fill="hold">
-                            <p:stCondLst>
-                              <p:cond delay="2000"/>
-                            </p:stCondLst>
-                            <p:childTnLst>
-                              <p:par>
-                                <p:cTn id="21" presetID="22" presetClass="entr" presetSubtype="4" fill="hold" grpId="0" nodeType="afterEffect">
-                                  <p:stCondLst>
-                                    <p:cond delay="0"/>
-                                  </p:stCondLst>
-                                  <p:childTnLst>
-                                    <p:set>
-                                      <p:cBhvr>
-                                        <p:cTn id="22" dur="1" fill="hold">
-                                          <p:stCondLst>
-                                            <p:cond delay="0"/>
-                                          </p:stCondLst>
-                                        </p:cTn>
-                                        <p:tgtEl>
-                                          <p:spTgt spid="5">
-                                            <p:txEl>
-                                              <p:pRg st="4" end="4"/>
-                                            </p:txEl>
-                                          </p:spTgt>
-                                        </p:tgtEl>
-                                        <p:attrNameLst>
-                                          <p:attrName>style.visibility</p:attrName>
-                                        </p:attrNameLst>
-                                      </p:cBhvr>
-                                      <p:to>
-                                        <p:strVal val="visible"/>
-                                      </p:to>
-                                    </p:set>
-                                    <p:animEffect transition="in" filter="wipe(down)">
-                                      <p:cBhvr>
-                                        <p:cTn id="23" dur="500"/>
-                                        <p:tgtEl>
-                                          <p:spTgt spid="5">
-                                            <p:txEl>
-                                              <p:pRg st="4" end="4"/>
-                                            </p:txEl>
-                                          </p:spTgt>
-                                        </p:tgtEl>
-                                      </p:cBhvr>
-                                    </p:animEffect>
-                                  </p:childTnLst>
-                                </p:cTn>
-                              </p:par>
-                            </p:childTnLst>
-                          </p:cTn>
-                        </p:par>
-                        <p:par>
-                          <p:cTn id="24" fill="hold">
-                            <p:stCondLst>
-                              <p:cond delay="2500"/>
-                            </p:stCondLst>
-                            <p:childTnLst>
-                              <p:par>
-                                <p:cTn id="25" presetID="22" presetClass="entr" presetSubtype="4" fill="hold" grpId="0" nodeType="afterEffect">
-                                  <p:stCondLst>
-                                    <p:cond delay="0"/>
-                                  </p:stCondLst>
-                                  <p:childTnLst>
-                                    <p:set>
-                                      <p:cBhvr>
-                                        <p:cTn id="26" dur="1" fill="hold">
-                                          <p:stCondLst>
-                                            <p:cond delay="0"/>
-                                          </p:stCondLst>
-                                        </p:cTn>
-                                        <p:tgtEl>
-                                          <p:spTgt spid="5">
-                                            <p:txEl>
-                                              <p:pRg st="5" end="5"/>
-                                            </p:txEl>
-                                          </p:spTgt>
-                                        </p:tgtEl>
-                                        <p:attrNameLst>
-                                          <p:attrName>style.visibility</p:attrName>
-                                        </p:attrNameLst>
-                                      </p:cBhvr>
-                                      <p:to>
-                                        <p:strVal val="visible"/>
-                                      </p:to>
-                                    </p:set>
-                                    <p:animEffect transition="in" filter="wipe(down)">
-                                      <p:cBhvr>
-                                        <p:cTn id="27" dur="500"/>
-                                        <p:tgtEl>
-                                          <p:spTgt spid="5">
-                                            <p:txEl>
-                                              <p:pRg st="5" end="5"/>
                                             </p:txEl>
                                           </p:spTgt>
                                         </p:tgtEl>
@@ -22706,6 +23085,697 @@
 </file>
 
 <file path=ppt/slides/slide14.xml><?xml version="1.0" encoding="utf-8"?>
+<p:sld xmlns:a="http://schemas.openxmlformats.org/drawingml/2006/main" xmlns:r="http://schemas.openxmlformats.org/officeDocument/2006/relationships" xmlns:p="http://schemas.openxmlformats.org/presentationml/2006/main">
+  <p:cSld>
+    <p:spTree>
+      <p:nvGrpSpPr>
+        <p:cNvPr id="1" name=""/>
+        <p:cNvGrpSpPr/>
+        <p:nvPr/>
+      </p:nvGrpSpPr>
+      <p:grpSpPr>
+        <a:xfrm>
+          <a:off x="0" y="0"/>
+          <a:ext cx="0" cy="0"/>
+          <a:chOff x="0" y="0"/>
+          <a:chExt cx="0" cy="0"/>
+        </a:xfrm>
+      </p:grpSpPr>
+      <p:sp>
+        <p:nvSpPr>
+          <p:cNvPr id="2" name="1 Título"/>
+          <p:cNvSpPr>
+            <a:spLocks noGrp="1"/>
+          </p:cNvSpPr>
+          <p:nvPr>
+            <p:ph type="title"/>
+          </p:nvPr>
+        </p:nvSpPr>
+        <p:spPr/>
+        <p:txBody>
+          <a:bodyPr/>
+          <a:lstStyle/>
+          <a:p>
+            <a:r>
+              <a:rPr lang="es-AR" dirty="0" smtClean="0">
+                <a:latin typeface="Copperplate Gothic Bold" pitchFamily="34" charset="0"/>
+              </a:rPr>
+              <a:t>Lecciones Aprendidas </a:t>
+            </a:r>
+            <a:r>
+              <a:rPr lang="es-AR" dirty="0" smtClean="0">
+                <a:latin typeface="Copperplate Gothic Bold" pitchFamily="34" charset="0"/>
+              </a:rPr>
+              <a:t>(3)</a:t>
+            </a:r>
+            <a:endParaRPr lang="es-AR" dirty="0"/>
+          </a:p>
+        </p:txBody>
+      </p:sp>
+      <p:sp>
+        <p:nvSpPr>
+          <p:cNvPr id="3" name="2 Marcador de contenido"/>
+          <p:cNvSpPr>
+            <a:spLocks noGrp="1"/>
+          </p:cNvSpPr>
+          <p:nvPr>
+            <p:ph idx="1"/>
+          </p:nvPr>
+        </p:nvSpPr>
+        <p:spPr>
+          <a:xfrm>
+            <a:off x="901726" y="2171720"/>
+            <a:ext cx="7313612" cy="4114800"/>
+          </a:xfrm>
+        </p:spPr>
+        <p:txBody>
+          <a:bodyPr/>
+          <a:lstStyle/>
+          <a:p>
+            <a:pPr marL="261938" indent="-261938">
+              <a:spcAft>
+                <a:spcPts val="3000"/>
+              </a:spcAft>
+              <a:buFont typeface="Arial" pitchFamily="34" charset="0"/>
+              <a:buChar char="•"/>
+            </a:pPr>
+            <a:r>
+              <a:rPr lang="es-AR" sz="3200" dirty="0" smtClean="0">
+                <a:solidFill>
+                  <a:schemeClr val="tx2">
+                    <a:lumMod val="50000"/>
+                  </a:schemeClr>
+                </a:solidFill>
+                <a:latin typeface="Cambria" pitchFamily="18" charset="0"/>
+                <a:cs typeface="Arial" charset="0"/>
+              </a:rPr>
+              <a:t>Validar y verificar el alcance con el cliente</a:t>
+            </a:r>
+          </a:p>
+          <a:p>
+            <a:pPr marL="261938" indent="-261938">
+              <a:spcAft>
+                <a:spcPts val="3000"/>
+              </a:spcAft>
+              <a:buFont typeface="Arial" pitchFamily="34" charset="0"/>
+              <a:buChar char="•"/>
+            </a:pPr>
+            <a:r>
+              <a:rPr lang="es-AR" sz="3200" dirty="0" smtClean="0">
+                <a:solidFill>
+                  <a:schemeClr val="tx2">
+                    <a:lumMod val="50000"/>
+                  </a:schemeClr>
+                </a:solidFill>
+                <a:latin typeface="Cambria" pitchFamily="18" charset="0"/>
+                <a:cs typeface="Arial" charset="0"/>
+              </a:rPr>
+              <a:t>Avisar con anticipación al no finalizar algo en un sprint</a:t>
+            </a:r>
+          </a:p>
+          <a:p>
+            <a:pPr marL="261938" indent="-261938">
+              <a:spcAft>
+                <a:spcPts val="3000"/>
+              </a:spcAft>
+              <a:buFont typeface="Arial" pitchFamily="34" charset="0"/>
+              <a:buChar char="•"/>
+            </a:pPr>
+            <a:r>
+              <a:rPr lang="es-AR" sz="3200" dirty="0" smtClean="0">
+                <a:solidFill>
+                  <a:schemeClr val="tx2">
+                    <a:lumMod val="50000"/>
+                  </a:schemeClr>
+                </a:solidFill>
+                <a:latin typeface="Cambria" pitchFamily="18" charset="0"/>
+                <a:cs typeface="Arial" charset="0"/>
+              </a:rPr>
+              <a:t>Importancia de mantener una trazabilidad</a:t>
+            </a:r>
+          </a:p>
+          <a:p>
+            <a:endParaRPr lang="es-AR" dirty="0"/>
+          </a:p>
+        </p:txBody>
+      </p:sp>
+      <p:pic>
+        <p:nvPicPr>
+          <p:cNvPr id="1031" name="Picture 7"/>
+          <p:cNvPicPr>
+            <a:picLocks noChangeAspect="1" noChangeArrowheads="1"/>
+          </p:cNvPicPr>
+          <p:nvPr/>
+        </p:nvPicPr>
+        <p:blipFill>
+          <a:blip r:embed="rId3"/>
+          <a:srcRect/>
+          <a:stretch>
+            <a:fillRect/>
+          </a:stretch>
+        </p:blipFill>
+        <p:spPr bwMode="auto">
+          <a:xfrm>
+            <a:off x="7786710" y="2214554"/>
+            <a:ext cx="1285884" cy="963172"/>
+          </a:xfrm>
+          <a:prstGeom prst="rect">
+            <a:avLst/>
+          </a:prstGeom>
+          <a:noFill/>
+          <a:ln w="9525">
+            <a:noFill/>
+            <a:miter lim="800000"/>
+            <a:headEnd/>
+            <a:tailEnd/>
+          </a:ln>
+          <a:effectLst/>
+        </p:spPr>
+      </p:pic>
+      <p:pic>
+        <p:nvPicPr>
+          <p:cNvPr id="1032" name="Picture 8"/>
+          <p:cNvPicPr>
+            <a:picLocks noChangeAspect="1" noChangeArrowheads="1"/>
+          </p:cNvPicPr>
+          <p:nvPr/>
+        </p:nvPicPr>
+        <p:blipFill>
+          <a:blip r:embed="rId4"/>
+          <a:srcRect/>
+          <a:stretch>
+            <a:fillRect/>
+          </a:stretch>
+        </p:blipFill>
+        <p:spPr bwMode="auto">
+          <a:xfrm>
+            <a:off x="8001024" y="3857628"/>
+            <a:ext cx="1000132" cy="969426"/>
+          </a:xfrm>
+          <a:prstGeom prst="rect">
+            <a:avLst/>
+          </a:prstGeom>
+          <a:noFill/>
+          <a:ln w="9525">
+            <a:noFill/>
+            <a:miter lim="800000"/>
+            <a:headEnd/>
+            <a:tailEnd/>
+          </a:ln>
+          <a:effectLst/>
+        </p:spPr>
+      </p:pic>
+      <p:pic>
+        <p:nvPicPr>
+          <p:cNvPr id="1033" name="Picture 9"/>
+          <p:cNvPicPr>
+            <a:picLocks noChangeAspect="1" noChangeArrowheads="1"/>
+          </p:cNvPicPr>
+          <p:nvPr/>
+        </p:nvPicPr>
+        <p:blipFill>
+          <a:blip r:embed="rId5"/>
+          <a:srcRect/>
+          <a:stretch>
+            <a:fillRect/>
+          </a:stretch>
+        </p:blipFill>
+        <p:spPr bwMode="auto">
+          <a:xfrm>
+            <a:off x="6929454" y="5500702"/>
+            <a:ext cx="1071570" cy="1016416"/>
+          </a:xfrm>
+          <a:prstGeom prst="rect">
+            <a:avLst/>
+          </a:prstGeom>
+          <a:noFill/>
+          <a:ln w="9525">
+            <a:noFill/>
+            <a:miter lim="800000"/>
+            <a:headEnd/>
+            <a:tailEnd/>
+          </a:ln>
+          <a:effectLst/>
+        </p:spPr>
+      </p:pic>
+    </p:spTree>
+  </p:cSld>
+  <p:clrMapOvr>
+    <a:masterClrMapping/>
+  </p:clrMapOvr>
+</p:sld>
+</file>
+
+<file path=ppt/slides/slide15.xml><?xml version="1.0" encoding="utf-8"?>
+<p:sld xmlns:a="http://schemas.openxmlformats.org/drawingml/2006/main" xmlns:r="http://schemas.openxmlformats.org/officeDocument/2006/relationships" xmlns:p="http://schemas.openxmlformats.org/presentationml/2006/main">
+  <p:cSld>
+    <p:spTree>
+      <p:nvGrpSpPr>
+        <p:cNvPr id="1" name=""/>
+        <p:cNvGrpSpPr/>
+        <p:nvPr/>
+      </p:nvGrpSpPr>
+      <p:grpSpPr>
+        <a:xfrm>
+          <a:off x="0" y="0"/>
+          <a:ext cx="0" cy="0"/>
+          <a:chOff x="0" y="0"/>
+          <a:chExt cx="0" cy="0"/>
+        </a:xfrm>
+      </p:grpSpPr>
+      <p:sp>
+        <p:nvSpPr>
+          <p:cNvPr id="2" name="1 Título"/>
+          <p:cNvSpPr>
+            <a:spLocks noGrp="1"/>
+          </p:cNvSpPr>
+          <p:nvPr>
+            <p:ph type="title"/>
+          </p:nvPr>
+        </p:nvSpPr>
+        <p:spPr/>
+        <p:txBody>
+          <a:bodyPr/>
+          <a:lstStyle/>
+          <a:p>
+            <a:r>
+              <a:rPr lang="es-AR" dirty="0" smtClean="0">
+                <a:latin typeface="Copperplate Gothic Bold" pitchFamily="34" charset="0"/>
+              </a:rPr>
+              <a:t>Lecciones Aprendidas </a:t>
+            </a:r>
+            <a:r>
+              <a:rPr lang="es-AR" dirty="0" smtClean="0">
+                <a:latin typeface="Copperplate Gothic Bold" pitchFamily="34" charset="0"/>
+              </a:rPr>
+              <a:t>(4)</a:t>
+            </a:r>
+            <a:endParaRPr lang="es-AR" dirty="0"/>
+          </a:p>
+        </p:txBody>
+      </p:sp>
+      <p:sp>
+        <p:nvSpPr>
+          <p:cNvPr id="5" name="2 Marcador de contenido"/>
+          <p:cNvSpPr txBox="1">
+            <a:spLocks/>
+          </p:cNvSpPr>
+          <p:nvPr/>
+        </p:nvSpPr>
+        <p:spPr bwMode="auto">
+          <a:xfrm>
+            <a:off x="1071538" y="1785926"/>
+            <a:ext cx="7313612" cy="4114800"/>
+          </a:xfrm>
+          <a:prstGeom prst="rect">
+            <a:avLst/>
+          </a:prstGeom>
+          <a:noFill/>
+          <a:ln w="9525">
+            <a:noFill/>
+            <a:miter lim="800000"/>
+            <a:headEnd/>
+            <a:tailEnd/>
+          </a:ln>
+        </p:spPr>
+        <p:txBody>
+          <a:bodyPr vert="horz" wrap="square" lIns="92075" tIns="46038" rIns="92075" bIns="46038" numCol="1" anchor="t" anchorCtr="0" compatLnSpc="1">
+            <a:prstTxWarp prst="textNoShape">
+              <a:avLst/>
+            </a:prstTxWarp>
+          </a:bodyPr>
+          <a:lstStyle/>
+          <a:p>
+            <a:pPr marL="261938" marR="0" lvl="0" indent="-261938" algn="l" defTabSz="914400" rtl="0" eaLnBrk="0" fontAlgn="base" latinLnBrk="0" hangingPunct="0">
+              <a:lnSpc>
+                <a:spcPct val="100000"/>
+              </a:lnSpc>
+              <a:spcBef>
+                <a:spcPct val="20000"/>
+              </a:spcBef>
+              <a:spcAft>
+                <a:spcPts val="3000"/>
+              </a:spcAft>
+              <a:buClr>
+                <a:schemeClr val="tx2"/>
+              </a:buClr>
+              <a:buSzPct val="70000"/>
+              <a:buFont typeface="Arial" pitchFamily="34" charset="0"/>
+              <a:buChar char="•"/>
+              <a:tabLst/>
+              <a:defRPr/>
+            </a:pPr>
+            <a:r>
+              <a:rPr kumimoji="0" lang="es-AR" sz="3200" b="0" i="0" u="none" strike="noStrike" kern="0" cap="none" spc="0" normalizeH="0" baseline="0" noProof="0" dirty="0" smtClean="0">
+                <a:ln>
+                  <a:noFill/>
+                </a:ln>
+                <a:solidFill>
+                  <a:schemeClr val="tx2">
+                    <a:lumMod val="50000"/>
+                  </a:schemeClr>
+                </a:solidFill>
+                <a:effectLst/>
+                <a:uLnTx/>
+                <a:uFillTx/>
+                <a:latin typeface="Cambria" pitchFamily="18" charset="0"/>
+                <a:ea typeface="+mn-ea"/>
+                <a:cs typeface="Arial" charset="0"/>
+              </a:rPr>
+              <a:t>Estética y usabilidad</a:t>
+            </a:r>
+            <a:endParaRPr kumimoji="0" lang="es-AR" sz="3200" b="0" i="0" u="none" strike="noStrike" kern="0" cap="none" spc="0" normalizeH="0" noProof="0" dirty="0" smtClean="0">
+              <a:ln>
+                <a:noFill/>
+              </a:ln>
+              <a:solidFill>
+                <a:schemeClr val="tx2">
+                  <a:lumMod val="50000"/>
+                </a:schemeClr>
+              </a:solidFill>
+              <a:effectLst/>
+              <a:uLnTx/>
+              <a:uFillTx/>
+              <a:latin typeface="Cambria" pitchFamily="18" charset="0"/>
+              <a:ea typeface="+mn-ea"/>
+              <a:cs typeface="Arial" charset="0"/>
+            </a:endParaRPr>
+          </a:p>
+          <a:p>
+            <a:pPr marL="261938" marR="0" lvl="0" indent="-261938" algn="l" defTabSz="914400" rtl="0" eaLnBrk="0" fontAlgn="base" latinLnBrk="0" hangingPunct="0">
+              <a:lnSpc>
+                <a:spcPct val="100000"/>
+              </a:lnSpc>
+              <a:spcBef>
+                <a:spcPct val="20000"/>
+              </a:spcBef>
+              <a:spcAft>
+                <a:spcPts val="3000"/>
+              </a:spcAft>
+              <a:buClr>
+                <a:schemeClr val="tx2"/>
+              </a:buClr>
+              <a:buSzPct val="70000"/>
+              <a:buFont typeface="Arial" pitchFamily="34" charset="0"/>
+              <a:buChar char="•"/>
+              <a:tabLst/>
+              <a:defRPr/>
+            </a:pPr>
+            <a:endParaRPr lang="es-AR" sz="3200" kern="0" baseline="0" dirty="0" smtClean="0">
+              <a:solidFill>
+                <a:schemeClr val="tx2">
+                  <a:lumMod val="50000"/>
+                </a:schemeClr>
+              </a:solidFill>
+              <a:latin typeface="Cambria" pitchFamily="18" charset="0"/>
+              <a:cs typeface="Arial" charset="0"/>
+            </a:endParaRPr>
+          </a:p>
+          <a:p>
+            <a:pPr marL="261938" marR="0" lvl="0" indent="-261938" algn="l" defTabSz="914400" rtl="0" eaLnBrk="0" fontAlgn="base" latinLnBrk="0" hangingPunct="0">
+              <a:lnSpc>
+                <a:spcPct val="100000"/>
+              </a:lnSpc>
+              <a:spcBef>
+                <a:spcPct val="20000"/>
+              </a:spcBef>
+              <a:spcAft>
+                <a:spcPts val="3000"/>
+              </a:spcAft>
+              <a:buClr>
+                <a:schemeClr val="tx2"/>
+              </a:buClr>
+              <a:buSzPct val="70000"/>
+              <a:buFont typeface="Arial" pitchFamily="34" charset="0"/>
+              <a:buChar char="•"/>
+              <a:tabLst/>
+              <a:defRPr/>
+            </a:pPr>
+            <a:endParaRPr lang="es-AR" sz="3200" kern="0" baseline="0" dirty="0" smtClean="0">
+              <a:solidFill>
+                <a:schemeClr val="tx2">
+                  <a:lumMod val="50000"/>
+                </a:schemeClr>
+              </a:solidFill>
+              <a:latin typeface="Cambria" pitchFamily="18" charset="0"/>
+              <a:cs typeface="Arial" charset="0"/>
+            </a:endParaRPr>
+          </a:p>
+          <a:p>
+            <a:pPr marL="261938" indent="-261938" eaLnBrk="0" hangingPunct="0">
+              <a:spcBef>
+                <a:spcPts val="2400"/>
+              </a:spcBef>
+              <a:spcAft>
+                <a:spcPts val="1200"/>
+              </a:spcAft>
+              <a:buClr>
+                <a:schemeClr val="tx2"/>
+              </a:buClr>
+              <a:buSzPct val="70000"/>
+              <a:buFont typeface="Arial" pitchFamily="34" charset="0"/>
+              <a:buChar char="•"/>
+            </a:pPr>
+            <a:r>
+              <a:rPr lang="es-AR" sz="3200" kern="0" baseline="0" dirty="0" smtClean="0">
+                <a:solidFill>
+                  <a:schemeClr val="tx2">
+                    <a:lumMod val="50000"/>
+                  </a:schemeClr>
+                </a:solidFill>
+                <a:latin typeface="Cambria" pitchFamily="18" charset="0"/>
+                <a:cs typeface="Arial" charset="0"/>
+              </a:rPr>
+              <a:t>Evitar </a:t>
+            </a:r>
+            <a:r>
+              <a:rPr lang="es-AR" sz="3200" kern="0" dirty="0" smtClean="0">
+                <a:solidFill>
+                  <a:schemeClr val="tx2">
+                    <a:lumMod val="50000"/>
+                  </a:schemeClr>
+                </a:solidFill>
+                <a:latin typeface="Cambria" pitchFamily="18" charset="0"/>
+                <a:cs typeface="Arial" charset="0"/>
+              </a:rPr>
+              <a:t>Síndrome </a:t>
+            </a:r>
+            <a:r>
+              <a:rPr lang="es-AR" sz="3200" kern="0" dirty="0" smtClean="0">
+                <a:solidFill>
+                  <a:schemeClr val="tx2">
+                    <a:lumMod val="50000"/>
+                  </a:schemeClr>
+                </a:solidFill>
+                <a:latin typeface="Cambria" pitchFamily="18" charset="0"/>
+                <a:cs typeface="Arial" charset="0"/>
+              </a:rPr>
+              <a:t>del </a:t>
+            </a:r>
+            <a:r>
+              <a:rPr lang="es-AR" sz="3200" kern="0" dirty="0" smtClean="0">
+                <a:solidFill>
+                  <a:schemeClr val="tx2">
+                    <a:lumMod val="50000"/>
+                  </a:schemeClr>
+                </a:solidFill>
+                <a:latin typeface="Cambria" pitchFamily="18" charset="0"/>
+                <a:cs typeface="Arial" charset="0"/>
+              </a:rPr>
+              <a:t>Estudiante:  </a:t>
+            </a:r>
+          </a:p>
+          <a:p>
+            <a:pPr marL="261938" indent="-261938" eaLnBrk="0" hangingPunct="0">
+              <a:spcBef>
+                <a:spcPts val="0"/>
+              </a:spcBef>
+              <a:spcAft>
+                <a:spcPts val="3000"/>
+              </a:spcAft>
+              <a:buClr>
+                <a:schemeClr val="tx2"/>
+              </a:buClr>
+              <a:buSzPct val="70000"/>
+            </a:pPr>
+            <a:r>
+              <a:rPr lang="es-AR" sz="2400" kern="0" dirty="0" smtClean="0">
+                <a:solidFill>
+                  <a:schemeClr val="tx2">
+                    <a:lumMod val="50000"/>
+                  </a:schemeClr>
+                </a:solidFill>
+                <a:latin typeface="Cambria" pitchFamily="18" charset="0"/>
+                <a:cs typeface="Arial" charset="0"/>
+              </a:rPr>
+              <a:t>   M</a:t>
+            </a:r>
+            <a:r>
+              <a:rPr lang="es-AR" sz="2400" kern="0" baseline="0" dirty="0" smtClean="0">
+                <a:solidFill>
+                  <a:schemeClr val="tx2">
+                    <a:lumMod val="50000"/>
+                  </a:schemeClr>
+                </a:solidFill>
+                <a:latin typeface="Cambria" pitchFamily="18" charset="0"/>
+                <a:cs typeface="Arial" charset="0"/>
+              </a:rPr>
+              <a:t>antener</a:t>
+            </a:r>
+            <a:r>
+              <a:rPr lang="es-AR" sz="2400" kern="0" dirty="0" smtClean="0">
+                <a:solidFill>
+                  <a:schemeClr val="tx2">
+                    <a:lumMod val="50000"/>
+                  </a:schemeClr>
+                </a:solidFill>
+                <a:latin typeface="Cambria" pitchFamily="18" charset="0"/>
+                <a:cs typeface="Arial" charset="0"/>
+              </a:rPr>
+              <a:t> objetivos de corto plazo</a:t>
+            </a:r>
+            <a:endParaRPr kumimoji="0" lang="es-AR" sz="2400" b="0" i="0" u="none" strike="noStrike" kern="0" cap="none" spc="0" normalizeH="0" baseline="0" noProof="0" dirty="0" smtClean="0">
+              <a:ln>
+                <a:noFill/>
+              </a:ln>
+              <a:solidFill>
+                <a:schemeClr val="tx2">
+                  <a:lumMod val="50000"/>
+                </a:schemeClr>
+              </a:solidFill>
+              <a:effectLst/>
+              <a:uLnTx/>
+              <a:uFillTx/>
+              <a:latin typeface="Cambria" pitchFamily="18" charset="0"/>
+              <a:ea typeface="+mn-ea"/>
+              <a:cs typeface="Arial" charset="0"/>
+            </a:endParaRPr>
+          </a:p>
+          <a:p>
+            <a:pPr marL="342900" marR="0" lvl="0" indent="-342900" algn="l" defTabSz="914400" rtl="0" eaLnBrk="0" fontAlgn="base" latinLnBrk="0" hangingPunct="0">
+              <a:lnSpc>
+                <a:spcPct val="100000"/>
+              </a:lnSpc>
+              <a:spcBef>
+                <a:spcPct val="20000"/>
+              </a:spcBef>
+              <a:spcAft>
+                <a:spcPct val="0"/>
+              </a:spcAft>
+              <a:buClr>
+                <a:schemeClr val="tx2"/>
+              </a:buClr>
+              <a:buSzPct val="70000"/>
+              <a:tabLst/>
+              <a:defRPr/>
+            </a:pPr>
+            <a:endParaRPr kumimoji="0" lang="es-AR" sz="2900" b="0" i="0" u="none" strike="noStrike" kern="0" cap="none" spc="0" normalizeH="0" baseline="0" noProof="0" dirty="0">
+              <a:ln>
+                <a:noFill/>
+              </a:ln>
+              <a:solidFill>
+                <a:schemeClr val="tx1"/>
+              </a:solidFill>
+              <a:effectLst/>
+              <a:uLnTx/>
+              <a:uFillTx/>
+              <a:latin typeface="+mn-lt"/>
+              <a:ea typeface="+mn-ea"/>
+              <a:cs typeface="+mn-cs"/>
+            </a:endParaRPr>
+          </a:p>
+        </p:txBody>
+      </p:sp>
+      <p:pic>
+        <p:nvPicPr>
+          <p:cNvPr id="9" name="8 Imagen" descr="Inicio.png"/>
+          <p:cNvPicPr>
+            <a:picLocks noChangeAspect="1"/>
+          </p:cNvPicPr>
+          <p:nvPr/>
+        </p:nvPicPr>
+        <p:blipFill>
+          <a:blip r:embed="rId3" cstate="print"/>
+          <a:stretch>
+            <a:fillRect/>
+          </a:stretch>
+        </p:blipFill>
+        <p:spPr>
+          <a:xfrm>
+            <a:off x="1428728" y="2571744"/>
+            <a:ext cx="3429025" cy="1993120"/>
+          </a:xfrm>
+          <a:prstGeom prst="rect">
+            <a:avLst/>
+          </a:prstGeom>
+        </p:spPr>
+      </p:pic>
+      <p:pic>
+        <p:nvPicPr>
+          <p:cNvPr id="3077" name="Picture 5"/>
+          <p:cNvPicPr>
+            <a:picLocks noChangeAspect="1" noChangeArrowheads="1"/>
+          </p:cNvPicPr>
+          <p:nvPr/>
+        </p:nvPicPr>
+        <p:blipFill>
+          <a:blip r:embed="rId4"/>
+          <a:srcRect/>
+          <a:stretch>
+            <a:fillRect/>
+          </a:stretch>
+        </p:blipFill>
+        <p:spPr bwMode="auto">
+          <a:xfrm>
+            <a:off x="7215206" y="5000636"/>
+            <a:ext cx="1028707" cy="1714512"/>
+          </a:xfrm>
+          <a:prstGeom prst="rect">
+            <a:avLst/>
+          </a:prstGeom>
+          <a:noFill/>
+          <a:ln w="9525">
+            <a:noFill/>
+            <a:miter lim="800000"/>
+            <a:headEnd/>
+            <a:tailEnd/>
+          </a:ln>
+          <a:effectLst/>
+        </p:spPr>
+      </p:pic>
+      <p:pic>
+        <p:nvPicPr>
+          <p:cNvPr id="11" name="10 Imagen" descr="visualizarEstadoAgente2.png"/>
+          <p:cNvPicPr>
+            <a:picLocks noChangeAspect="1"/>
+          </p:cNvPicPr>
+          <p:nvPr/>
+        </p:nvPicPr>
+        <p:blipFill>
+          <a:blip r:embed="rId5" cstate="print"/>
+          <a:stretch>
+            <a:fillRect/>
+          </a:stretch>
+        </p:blipFill>
+        <p:spPr>
+          <a:xfrm>
+            <a:off x="5500694" y="2571744"/>
+            <a:ext cx="2562047" cy="2011485"/>
+          </a:xfrm>
+          <a:prstGeom prst="rect">
+            <a:avLst/>
+          </a:prstGeom>
+        </p:spPr>
+      </p:pic>
+    </p:spTree>
+  </p:cSld>
+  <p:clrMapOvr>
+    <a:masterClrMapping/>
+  </p:clrMapOvr>
+</p:sld>
+</file>
+
+<file path=ppt/slides/slide16.xml><?xml version="1.0" encoding="utf-8"?>
 <p:sld xmlns:a="http://schemas.openxmlformats.org/drawingml/2006/main" xmlns:r="http://schemas.openxmlformats.org/officeDocument/2006/relationships" xmlns:p="http://schemas.openxmlformats.org/presentationml/2006/main">
   <p:cSld>
     <p:spTree>
@@ -22912,7 +23982,7 @@
 </p:sld>
 </file>
 
-<file path=ppt/slides/slide15.xml><?xml version="1.0" encoding="utf-8"?>
+<file path=ppt/slides/slide17.xml><?xml version="1.0" encoding="utf-8"?>
 <p:sld xmlns:a="http://schemas.openxmlformats.org/drawingml/2006/main" xmlns:r="http://schemas.openxmlformats.org/officeDocument/2006/relationships" xmlns:p="http://schemas.openxmlformats.org/presentationml/2006/main">
   <p:cSld>
     <p:spTree>
@@ -23816,7 +24886,7 @@
             <p:nvPr/>
           </p:nvPicPr>
           <p:blipFill>
-            <a:blip r:embed="rId8" cstate="print"/>
+            <a:blip r:embed="rId7" cstate="print"/>
             <a:srcRect/>
             <a:stretch>
               <a:fillRect/>
@@ -23851,7 +24921,7 @@
             <p:nvPr/>
           </p:nvPicPr>
           <p:blipFill>
-            <a:blip r:embed="rId9" cstate="print"/>
+            <a:blip r:embed="rId8" cstate="print"/>
             <a:srcRect/>
             <a:stretch>
               <a:fillRect/>
@@ -23886,7 +24956,7 @@
             <p:nvPr/>
           </p:nvPicPr>
           <p:blipFill>
-            <a:blip r:embed="rId8" cstate="print"/>
+            <a:blip r:embed="rId7" cstate="print"/>
             <a:srcRect/>
             <a:stretch>
               <a:fillRect/>
@@ -24186,7 +25256,7 @@
           <p:nvPr/>
         </p:nvPicPr>
         <p:blipFill>
-          <a:blip r:embed="rId8" cstate="print"/>
+          <a:blip r:embed="rId7" cstate="print"/>
           <a:srcRect/>
           <a:stretch>
             <a:fillRect/>

--- a/presentations/presentacionFinal.pptx
+++ b/presentations/presentacionFinal.pptx
@@ -20,8 +20,8 @@
     <p:sldId id="299" r:id="rId8"/>
     <p:sldId id="297" r:id="rId9"/>
     <p:sldId id="276" r:id="rId10"/>
-    <p:sldId id="296" r:id="rId11"/>
-    <p:sldId id="278" r:id="rId12"/>
+    <p:sldId id="278" r:id="rId11"/>
+    <p:sldId id="296" r:id="rId12"/>
     <p:sldId id="286" r:id="rId13"/>
     <p:sldId id="301" r:id="rId14"/>
     <p:sldId id="302" r:id="rId15"/>
@@ -3625,8 +3625,8 @@
     <dgm:cxn modelId="{F54C81C4-0BF3-45D2-BEEB-836330666D85}" srcId="{D39DC43E-DB26-4A49-93E5-225531332D90}" destId="{3B9743B4-F01D-4586-AC45-4E69667D0F26}" srcOrd="1" destOrd="0" parTransId="{5F40C76A-850B-4463-A83C-A0ADF637C544}" sibTransId="{431939FB-991F-4F77-BF80-CE18E689CFBA}"/>
     <dgm:cxn modelId="{024F3004-0FB1-4D4A-9237-D3CE237DD7E2}" srcId="{091CB852-3C3B-4641-B340-B62A23A17396}" destId="{D39DC43E-DB26-4A49-93E5-225531332D90}" srcOrd="0" destOrd="0" parTransId="{E47ACF2A-8D15-4275-9F09-BFCF12B33D96}" sibTransId="{2C6F4B07-6439-4A6B-8853-165E860B82DC}"/>
     <dgm:cxn modelId="{28D4EC2B-90E4-461E-8F48-559CB4B7530E}" srcId="{091CB852-3C3B-4641-B340-B62A23A17396}" destId="{1335ED87-60AC-4FFC-8D24-F07B546057F0}" srcOrd="1" destOrd="0" parTransId="{3759289C-15D4-4436-9D80-C32145D909D1}" sibTransId="{C7C5EE43-52AC-43FA-ABC7-872C8F6C822A}"/>
+    <dgm:cxn modelId="{8540E702-437C-4689-882B-F57CA367D2D9}" type="presOf" srcId="{ADD28C15-BDC6-4856-B977-CB7B9AA9115F}" destId="{224C24F4-2C6C-4F8C-861B-CC3CF40F5803}" srcOrd="0" destOrd="0" presId="urn:microsoft.com/office/officeart/2005/8/layout/vList5"/>
     <dgm:cxn modelId="{598EA5F9-4224-4E00-9650-A7D1A2D67DD5}" srcId="{D39DC43E-DB26-4A49-93E5-225531332D90}" destId="{EB0277B1-F0AD-41EF-8F28-0993A90E4BE4}" srcOrd="0" destOrd="0" parTransId="{EAF91662-4125-450F-9EDE-806F7C5AD8B8}" sibTransId="{C36C1C2F-9358-4263-AA14-27F3908BB04C}"/>
-    <dgm:cxn modelId="{8540E702-437C-4689-882B-F57CA367D2D9}" type="presOf" srcId="{ADD28C15-BDC6-4856-B977-CB7B9AA9115F}" destId="{224C24F4-2C6C-4F8C-861B-CC3CF40F5803}" srcOrd="0" destOrd="0" presId="urn:microsoft.com/office/officeart/2005/8/layout/vList5"/>
     <dgm:cxn modelId="{6F69E9B2-CE1D-44D5-92FD-E6C2E0ED5BA4}" type="presOf" srcId="{3B9743B4-F01D-4586-AC45-4E69667D0F26}" destId="{32161D7C-8BF5-45A2-B633-1D94A9C34A3E}" srcOrd="0" destOrd="1" presId="urn:microsoft.com/office/officeart/2005/8/layout/vList5"/>
     <dgm:cxn modelId="{EFE232A2-C856-4825-BBF1-35B18A274A30}" type="presOf" srcId="{D39DC43E-DB26-4A49-93E5-225531332D90}" destId="{D6DBB934-FBD1-4336-B203-F955487F2A33}" srcOrd="0" destOrd="0" presId="urn:microsoft.com/office/officeart/2005/8/layout/vList5"/>
     <dgm:cxn modelId="{610A8C35-D324-48EF-BA75-8F88004F461C}" type="presOf" srcId="{EB0277B1-F0AD-41EF-8F28-0993A90E4BE4}" destId="{32161D7C-8BF5-45A2-B633-1D94A9C34A3E}" srcOrd="0" destOrd="0" presId="urn:microsoft.com/office/officeart/2005/8/layout/vList5"/>
@@ -3650,7 +3650,7 @@
   <dgm:whole/>
   <dgm:extLst>
     <a:ext uri="http://schemas.microsoft.com/office/drawing/2008/diagram">
-      <dsp:dataModelExt xmlns="" xmlns:dsp="http://schemas.microsoft.com/office/drawing/2008/diagram" relId="rId7" minVer="http://schemas.openxmlformats.org/drawingml/2006/diagram"/>
+      <dsp:dataModelExt xmlns:dsp="http://schemas.microsoft.com/office/drawing/2008/diagram" xmlns="" relId="rId7" minVer="http://schemas.openxmlformats.org/drawingml/2006/diagram"/>
     </a:ext>
   </dgm:extLst>
 </dgm:dataModel>
@@ -3952,7 +3952,7 @@
   <dgm:whole/>
   <dgm:extLst>
     <a:ext uri="http://schemas.microsoft.com/office/drawing/2008/diagram">
-      <dsp:dataModelExt xmlns="" xmlns:dsp="http://schemas.microsoft.com/office/drawing/2008/diagram" relId="rId7" minVer="http://schemas.openxmlformats.org/drawingml/2006/diagram"/>
+      <dsp:dataModelExt xmlns:dsp="http://schemas.microsoft.com/office/drawing/2008/diagram" xmlns="" relId="rId7" minVer="http://schemas.openxmlformats.org/drawingml/2006/diagram"/>
     </a:ext>
   </dgm:extLst>
 </dgm:dataModel>
@@ -4187,7 +4187,7 @@
   <dgm:whole/>
   <dgm:extLst>
     <a:ext uri="http://schemas.microsoft.com/office/drawing/2008/diagram">
-      <dsp:dataModelExt xmlns="" xmlns:dsp="http://schemas.microsoft.com/office/drawing/2008/diagram" relId="rId7" minVer="http://schemas.openxmlformats.org/drawingml/2006/diagram"/>
+      <dsp:dataModelExt xmlns:dsp="http://schemas.microsoft.com/office/drawing/2008/diagram" xmlns="" relId="rId7" minVer="http://schemas.openxmlformats.org/drawingml/2006/diagram"/>
     </a:ext>
   </dgm:extLst>
 </dgm:dataModel>
@@ -4346,7 +4346,7 @@
   <dgm:whole/>
   <dgm:extLst>
     <a:ext uri="http://schemas.microsoft.com/office/drawing/2008/diagram">
-      <dsp:dataModelExt xmlns="" xmlns:dsp="http://schemas.microsoft.com/office/drawing/2008/diagram" relId="rId8" minVer="http://schemas.openxmlformats.org/drawingml/2006/diagram"/>
+      <dsp:dataModelExt xmlns:dsp="http://schemas.microsoft.com/office/drawing/2008/diagram" xmlns="" relId="rId8" minVer="http://schemas.openxmlformats.org/drawingml/2006/diagram"/>
     </a:ext>
   </dgm:extLst>
 </dgm:dataModel>
@@ -5386,6 +5386,378 @@
       <dsp:cNvGrpSpPr/>
     </dsp:nvGrpSpPr>
     <dsp:grpSpPr/>
+    <dsp:sp modelId="{B3E6B583-9654-4E7F-892D-8908B1435FF6}">
+      <dsp:nvSpPr>
+        <dsp:cNvPr id="0" name=""/>
+        <dsp:cNvSpPr/>
+      </dsp:nvSpPr>
+      <dsp:spPr>
+        <a:xfrm>
+          <a:off x="561662" y="0"/>
+          <a:ext cx="6365507" cy="4248472"/>
+        </a:xfrm>
+        <a:prstGeom prst="rightArrow">
+          <a:avLst/>
+        </a:prstGeom>
+        <a:solidFill>
+          <a:schemeClr val="dk2">
+            <a:tint val="40000"/>
+            <a:hueOff val="0"/>
+            <a:satOff val="0"/>
+            <a:lumOff val="0"/>
+            <a:alphaOff val="0"/>
+          </a:schemeClr>
+        </a:solidFill>
+        <a:ln>
+          <a:noFill/>
+        </a:ln>
+        <a:effectLst>
+          <a:outerShdw blurRad="40000" dist="23000" dir="5400000" rotWithShape="0">
+            <a:srgbClr val="000000">
+              <a:alpha val="35000"/>
+            </a:srgbClr>
+          </a:outerShdw>
+        </a:effectLst>
+      </dsp:spPr>
+      <dsp:style>
+        <a:lnRef idx="0">
+          <a:scrgbClr r="0" g="0" b="0"/>
+        </a:lnRef>
+        <a:fillRef idx="1">
+          <a:scrgbClr r="0" g="0" b="0"/>
+        </a:fillRef>
+        <a:effectRef idx="2">
+          <a:scrgbClr r="0" g="0" b="0"/>
+        </a:effectRef>
+        <a:fontRef idx="minor"/>
+      </dsp:style>
+    </dsp:sp>
+    <dsp:sp modelId="{C9C6AA2F-F6CE-4F9A-A0A0-A4FB364B78E4}">
+      <dsp:nvSpPr>
+        <dsp:cNvPr id="0" name=""/>
+        <dsp:cNvSpPr/>
+      </dsp:nvSpPr>
+      <dsp:spPr>
+        <a:xfrm>
+          <a:off x="2702" y="1274541"/>
+          <a:ext cx="2172053" cy="1699388"/>
+        </a:xfrm>
+        <a:prstGeom prst="roundRect">
+          <a:avLst/>
+        </a:prstGeom>
+        <a:gradFill rotWithShape="0">
+          <a:gsLst>
+            <a:gs pos="0">
+              <a:schemeClr val="dk2">
+                <a:hueOff val="0"/>
+                <a:satOff val="0"/>
+                <a:lumOff val="0"/>
+                <a:alphaOff val="0"/>
+                <a:shade val="51000"/>
+                <a:satMod val="130000"/>
+              </a:schemeClr>
+            </a:gs>
+            <a:gs pos="80000">
+              <a:schemeClr val="dk2">
+                <a:hueOff val="0"/>
+                <a:satOff val="0"/>
+                <a:lumOff val="0"/>
+                <a:alphaOff val="0"/>
+                <a:shade val="93000"/>
+                <a:satMod val="130000"/>
+              </a:schemeClr>
+            </a:gs>
+            <a:gs pos="100000">
+              <a:schemeClr val="dk2">
+                <a:hueOff val="0"/>
+                <a:satOff val="0"/>
+                <a:lumOff val="0"/>
+                <a:alphaOff val="0"/>
+                <a:shade val="94000"/>
+                <a:satMod val="135000"/>
+              </a:schemeClr>
+            </a:gs>
+          </a:gsLst>
+          <a:lin ang="16200000" scaled="0"/>
+        </a:gradFill>
+        <a:ln>
+          <a:noFill/>
+        </a:ln>
+        <a:effectLst>
+          <a:outerShdw blurRad="40000" dist="23000" dir="5400000" rotWithShape="0">
+            <a:srgbClr val="000000">
+              <a:alpha val="35000"/>
+            </a:srgbClr>
+          </a:outerShdw>
+        </a:effectLst>
+      </dsp:spPr>
+      <dsp:style>
+        <a:lnRef idx="0">
+          <a:scrgbClr r="0" g="0" b="0"/>
+        </a:lnRef>
+        <a:fillRef idx="3">
+          <a:scrgbClr r="0" g="0" b="0"/>
+        </a:fillRef>
+        <a:effectRef idx="2">
+          <a:scrgbClr r="0" g="0" b="0"/>
+        </a:effectRef>
+        <a:fontRef idx="minor">
+          <a:schemeClr val="lt1"/>
+        </a:fontRef>
+      </dsp:style>
+      <dsp:txBody>
+        <a:bodyPr spcFirstLastPara="0" vert="horz" wrap="square" lIns="68580" tIns="68580" rIns="68580" bIns="68580" numCol="1" spcCol="1270" anchor="ctr" anchorCtr="0">
+          <a:noAutofit/>
+        </a:bodyPr>
+        <a:lstStyle/>
+        <a:p>
+          <a:pPr lvl="0" algn="ctr" defTabSz="800100">
+            <a:lnSpc>
+              <a:spcPct val="90000"/>
+            </a:lnSpc>
+            <a:spcBef>
+              <a:spcPct val="0"/>
+            </a:spcBef>
+            <a:spcAft>
+              <a:spcPct val="35000"/>
+            </a:spcAft>
+          </a:pPr>
+          <a:r>
+            <a:rPr lang="es-AR" sz="1800" kern="1200" dirty="0" smtClean="0"/>
+            <a:t>Agregado de nuevas </a:t>
+          </a:r>
+          <a:r>
+            <a:rPr lang="es-AR" sz="1800" kern="1200" dirty="0" err="1" smtClean="0"/>
+            <a:t>stories</a:t>
+          </a:r>
+          <a:endParaRPr lang="en-US" sz="1800" kern="1200" dirty="0"/>
+        </a:p>
+      </dsp:txBody>
+      <dsp:txXfrm>
+        <a:off x="2702" y="1274541"/>
+        <a:ext cx="2172053" cy="1699388"/>
+      </dsp:txXfrm>
+    </dsp:sp>
+    <dsp:sp modelId="{89E31B8C-B1F1-4ACF-9FA6-A908EB5B54AA}">
+      <dsp:nvSpPr>
+        <dsp:cNvPr id="0" name=""/>
+        <dsp:cNvSpPr/>
+      </dsp:nvSpPr>
+      <dsp:spPr>
+        <a:xfrm>
+          <a:off x="2536764" y="1274541"/>
+          <a:ext cx="2172053" cy="1699388"/>
+        </a:xfrm>
+        <a:prstGeom prst="roundRect">
+          <a:avLst/>
+        </a:prstGeom>
+        <a:gradFill rotWithShape="0">
+          <a:gsLst>
+            <a:gs pos="0">
+              <a:schemeClr val="dk2">
+                <a:hueOff val="0"/>
+                <a:satOff val="0"/>
+                <a:lumOff val="0"/>
+                <a:alphaOff val="0"/>
+                <a:shade val="51000"/>
+                <a:satMod val="130000"/>
+              </a:schemeClr>
+            </a:gs>
+            <a:gs pos="80000">
+              <a:schemeClr val="dk2">
+                <a:hueOff val="0"/>
+                <a:satOff val="0"/>
+                <a:lumOff val="0"/>
+                <a:alphaOff val="0"/>
+                <a:shade val="93000"/>
+                <a:satMod val="130000"/>
+              </a:schemeClr>
+            </a:gs>
+            <a:gs pos="100000">
+              <a:schemeClr val="dk2">
+                <a:hueOff val="0"/>
+                <a:satOff val="0"/>
+                <a:lumOff val="0"/>
+                <a:alphaOff val="0"/>
+                <a:shade val="94000"/>
+                <a:satMod val="135000"/>
+              </a:schemeClr>
+            </a:gs>
+          </a:gsLst>
+          <a:lin ang="16200000" scaled="0"/>
+        </a:gradFill>
+        <a:ln>
+          <a:noFill/>
+        </a:ln>
+        <a:effectLst>
+          <a:outerShdw blurRad="40000" dist="23000" dir="5400000" rotWithShape="0">
+            <a:srgbClr val="000000">
+              <a:alpha val="35000"/>
+            </a:srgbClr>
+          </a:outerShdw>
+        </a:effectLst>
+      </dsp:spPr>
+      <dsp:style>
+        <a:lnRef idx="0">
+          <a:scrgbClr r="0" g="0" b="0"/>
+        </a:lnRef>
+        <a:fillRef idx="3">
+          <a:scrgbClr r="0" g="0" b="0"/>
+        </a:fillRef>
+        <a:effectRef idx="2">
+          <a:scrgbClr r="0" g="0" b="0"/>
+        </a:effectRef>
+        <a:fontRef idx="minor">
+          <a:schemeClr val="lt1"/>
+        </a:fontRef>
+      </dsp:style>
+      <dsp:txBody>
+        <a:bodyPr spcFirstLastPara="0" vert="horz" wrap="square" lIns="68580" tIns="68580" rIns="68580" bIns="68580" numCol="1" spcCol="1270" anchor="ctr" anchorCtr="0">
+          <a:noAutofit/>
+        </a:bodyPr>
+        <a:lstStyle/>
+        <a:p>
+          <a:pPr lvl="0" algn="ctr" defTabSz="800100">
+            <a:lnSpc>
+              <a:spcPct val="90000"/>
+            </a:lnSpc>
+            <a:spcBef>
+              <a:spcPct val="0"/>
+            </a:spcBef>
+            <a:spcAft>
+              <a:spcPct val="35000"/>
+            </a:spcAft>
+          </a:pPr>
+          <a:r>
+            <a:rPr lang="es-AR" sz="1800" kern="1200" dirty="0" err="1" smtClean="0"/>
+            <a:t>Repriorización</a:t>
+          </a:r>
+          <a:r>
+            <a:rPr lang="es-AR" sz="1800" kern="1200" dirty="0" smtClean="0"/>
+            <a:t> del </a:t>
+          </a:r>
+          <a:r>
+            <a:rPr lang="es-AR" sz="1800" kern="1200" dirty="0" err="1" smtClean="0"/>
+            <a:t>backlog</a:t>
+          </a:r>
+          <a:endParaRPr lang="en-US" sz="1800" kern="1200" dirty="0"/>
+        </a:p>
+      </dsp:txBody>
+      <dsp:txXfrm>
+        <a:off x="2536764" y="1274541"/>
+        <a:ext cx="2172053" cy="1699388"/>
+      </dsp:txXfrm>
+    </dsp:sp>
+    <dsp:sp modelId="{31A8DE1E-3226-437D-9608-072DF772CBF1}">
+      <dsp:nvSpPr>
+        <dsp:cNvPr id="0" name=""/>
+        <dsp:cNvSpPr/>
+      </dsp:nvSpPr>
+      <dsp:spPr>
+        <a:xfrm>
+          <a:off x="5070827" y="1274541"/>
+          <a:ext cx="2415302" cy="1699388"/>
+        </a:xfrm>
+        <a:prstGeom prst="roundRect">
+          <a:avLst/>
+        </a:prstGeom>
+        <a:gradFill rotWithShape="0">
+          <a:gsLst>
+            <a:gs pos="0">
+              <a:schemeClr val="dk2">
+                <a:hueOff val="0"/>
+                <a:satOff val="0"/>
+                <a:lumOff val="0"/>
+                <a:alphaOff val="0"/>
+                <a:shade val="51000"/>
+                <a:satMod val="130000"/>
+              </a:schemeClr>
+            </a:gs>
+            <a:gs pos="80000">
+              <a:schemeClr val="dk2">
+                <a:hueOff val="0"/>
+                <a:satOff val="0"/>
+                <a:lumOff val="0"/>
+                <a:alphaOff val="0"/>
+                <a:shade val="93000"/>
+                <a:satMod val="130000"/>
+              </a:schemeClr>
+            </a:gs>
+            <a:gs pos="100000">
+              <a:schemeClr val="dk2">
+                <a:hueOff val="0"/>
+                <a:satOff val="0"/>
+                <a:lumOff val="0"/>
+                <a:alphaOff val="0"/>
+                <a:shade val="94000"/>
+                <a:satMod val="135000"/>
+              </a:schemeClr>
+            </a:gs>
+          </a:gsLst>
+          <a:lin ang="16200000" scaled="0"/>
+        </a:gradFill>
+        <a:ln>
+          <a:noFill/>
+        </a:ln>
+        <a:effectLst>
+          <a:outerShdw blurRad="40000" dist="23000" dir="5400000" rotWithShape="0">
+            <a:srgbClr val="000000">
+              <a:alpha val="35000"/>
+            </a:srgbClr>
+          </a:outerShdw>
+        </a:effectLst>
+      </dsp:spPr>
+      <dsp:style>
+        <a:lnRef idx="0">
+          <a:scrgbClr r="0" g="0" b="0"/>
+        </a:lnRef>
+        <a:fillRef idx="3">
+          <a:scrgbClr r="0" g="0" b="0"/>
+        </a:fillRef>
+        <a:effectRef idx="2">
+          <a:scrgbClr r="0" g="0" b="0"/>
+        </a:effectRef>
+        <a:fontRef idx="minor">
+          <a:schemeClr val="lt1"/>
+        </a:fontRef>
+      </dsp:style>
+      <dsp:txBody>
+        <a:bodyPr spcFirstLastPara="0" vert="horz" wrap="square" lIns="68580" tIns="68580" rIns="68580" bIns="68580" numCol="1" spcCol="1270" anchor="ctr" anchorCtr="0">
+          <a:noAutofit/>
+        </a:bodyPr>
+        <a:lstStyle/>
+        <a:p>
+          <a:pPr lvl="0" algn="ctr" defTabSz="800100">
+            <a:lnSpc>
+              <a:spcPct val="90000"/>
+            </a:lnSpc>
+            <a:spcBef>
+              <a:spcPct val="0"/>
+            </a:spcBef>
+            <a:spcAft>
+              <a:spcPct val="35000"/>
+            </a:spcAft>
+          </a:pPr>
+          <a:r>
+            <a:rPr lang="es-AR" sz="1800" kern="1200" dirty="0" smtClean="0"/>
+            <a:t>Implementación de nuevas </a:t>
+          </a:r>
+          <a:r>
+            <a:rPr lang="es-AR" sz="1800" kern="1200" dirty="0" err="1" smtClean="0"/>
+            <a:t>stories</a:t>
+          </a:r>
+          <a:r>
+            <a:rPr lang="es-AR" sz="1800" kern="1200" dirty="0" smtClean="0"/>
+            <a:t> en Sprint 2</a:t>
+          </a:r>
+          <a:endParaRPr lang="en-US" sz="1800" kern="1200" dirty="0"/>
+        </a:p>
+      </dsp:txBody>
+      <dsp:txXfrm>
+        <a:off x="5070827" y="1274541"/>
+        <a:ext cx="2415302" cy="1699388"/>
+      </dsp:txXfrm>
+    </dsp:sp>
   </dsp:spTree>
 </dsp:drawing>
 </file>
@@ -12416,6 +12788,175 @@
       </p:grpSpPr>
       <p:sp>
         <p:nvSpPr>
+          <p:cNvPr id="44034" name="Rectangle 7"/>
+          <p:cNvSpPr>
+            <a:spLocks noGrp="1" noChangeArrowheads="1"/>
+          </p:cNvSpPr>
+          <p:nvPr>
+            <p:ph type="sldNum" sz="quarter" idx="5"/>
+          </p:nvPr>
+        </p:nvSpPr>
+        <p:spPr>
+          <a:noFill/>
+        </p:spPr>
+        <p:txBody>
+          <a:bodyPr/>
+          <a:lstStyle/>
+          <a:p>
+            <a:fld id="{D9234D06-4B3E-4649-8770-4AC86EB469B1}" type="slidenum">
+              <a:rPr lang="es-ES" smtClean="0"/>
+              <a:pPr/>
+              <a:t>10</a:t>
+            </a:fld>
+            <a:endParaRPr lang="es-ES" smtClean="0"/>
+          </a:p>
+        </p:txBody>
+      </p:sp>
+      <p:sp>
+        <p:nvSpPr>
+          <p:cNvPr id="44035" name="Rectangle 2"/>
+          <p:cNvSpPr>
+            <a:spLocks noGrp="1" noRot="1" noChangeAspect="1" noChangeArrowheads="1" noTextEdit="1"/>
+          </p:cNvSpPr>
+          <p:nvPr>
+            <p:ph type="sldImg"/>
+          </p:nvPr>
+        </p:nvSpPr>
+        <p:spPr>
+          <a:ln cap="flat"/>
+        </p:spPr>
+      </p:sp>
+      <p:sp>
+        <p:nvSpPr>
+          <p:cNvPr id="44036" name="Rectangle 3"/>
+          <p:cNvSpPr>
+            <a:spLocks noGrp="1" noChangeArrowheads="1"/>
+          </p:cNvSpPr>
+          <p:nvPr>
+            <p:ph type="body" idx="1"/>
+          </p:nvPr>
+        </p:nvSpPr>
+        <p:spPr>
+          <a:noFill/>
+          <a:ln/>
+        </p:spPr>
+        <p:txBody>
+          <a:bodyPr/>
+          <a:lstStyle/>
+          <a:p>
+            <a:pPr eaLnBrk="1" hangingPunct="1"/>
+            <a:r>
+              <a:rPr lang="es-AR" b="1" dirty="0" smtClean="0"/>
+              <a:t>Speaker:</a:t>
+            </a:r>
+          </a:p>
+          <a:p>
+            <a:pPr eaLnBrk="1" hangingPunct="1"/>
+            <a:endParaRPr lang="es-AR" b="1" baseline="0" dirty="0" smtClean="0"/>
+          </a:p>
+          <a:p>
+            <a:pPr eaLnBrk="1" hangingPunct="1"/>
+            <a:r>
+              <a:rPr lang="es-AR" dirty="0" smtClean="0"/>
+              <a:t>Utilizamos</a:t>
+            </a:r>
+            <a:r>
+              <a:rPr lang="es-AR" baseline="0" dirty="0" smtClean="0"/>
+              <a:t> etiquetas y links a archivos en los </a:t>
+            </a:r>
+            <a:r>
+              <a:rPr lang="es-AR" baseline="0" dirty="0" err="1" smtClean="0"/>
+              <a:t>Stories</a:t>
+            </a:r>
+            <a:r>
+              <a:rPr lang="es-AR" baseline="0" dirty="0" smtClean="0"/>
+              <a:t> para realizar la trazabilidad. Las </a:t>
+            </a:r>
+            <a:r>
+              <a:rPr lang="es-AR" dirty="0" err="1" smtClean="0"/>
+              <a:t>UATs</a:t>
+            </a:r>
+            <a:r>
+              <a:rPr lang="es-AR" dirty="0" smtClean="0"/>
+              <a:t> se encuentran relacionadas</a:t>
+            </a:r>
+            <a:r>
+              <a:rPr lang="es-AR" baseline="0" dirty="0" smtClean="0"/>
+              <a:t> con su </a:t>
+            </a:r>
+            <a:r>
+              <a:rPr lang="es-AR" baseline="0" dirty="0" err="1" smtClean="0"/>
+              <a:t>story</a:t>
+            </a:r>
+            <a:r>
+              <a:rPr lang="es-AR" baseline="0" dirty="0" smtClean="0"/>
+              <a:t> correspondiente. En cada </a:t>
+            </a:r>
+            <a:r>
+              <a:rPr lang="es-AR" baseline="0" dirty="0" err="1" smtClean="0"/>
+              <a:t>commit</a:t>
+            </a:r>
+            <a:r>
+              <a:rPr lang="es-AR" baseline="0" dirty="0" smtClean="0"/>
+              <a:t> se mencionaba la </a:t>
+            </a:r>
+            <a:r>
+              <a:rPr lang="es-AR" baseline="0" dirty="0" err="1" smtClean="0"/>
+              <a:t>story</a:t>
+            </a:r>
+            <a:r>
+              <a:rPr lang="es-AR" baseline="0" dirty="0" smtClean="0"/>
+              <a:t> involucrada.</a:t>
+            </a:r>
+          </a:p>
+          <a:p>
+            <a:pPr eaLnBrk="1" hangingPunct="1"/>
+            <a:endParaRPr lang="es-AR" baseline="0" dirty="0" smtClean="0"/>
+          </a:p>
+          <a:p>
+            <a:pPr eaLnBrk="1" hangingPunct="1"/>
+            <a:r>
+              <a:rPr lang="es-AR" b="1" baseline="0" dirty="0" smtClean="0"/>
+              <a:t>(Demo con </a:t>
+            </a:r>
+            <a:r>
+              <a:rPr lang="es-AR" b="1" baseline="0" dirty="0" err="1" smtClean="0"/>
+              <a:t>Wolof</a:t>
+            </a:r>
+            <a:r>
+              <a:rPr lang="es-AR" b="1" baseline="0" dirty="0" smtClean="0"/>
+              <a:t> mostrando trazabilidad para el alta de campañas)</a:t>
+            </a:r>
+          </a:p>
+        </p:txBody>
+      </p:sp>
+    </p:spTree>
+  </p:cSld>
+  <p:clrMapOvr>
+    <a:masterClrMapping/>
+  </p:clrMapOvr>
+</p:notes>
+</file>
+
+<file path=ppt/notesSlides/notesSlide11.xml><?xml version="1.0" encoding="utf-8"?>
+<p:notes xmlns:a="http://schemas.openxmlformats.org/drawingml/2006/main" xmlns:r="http://schemas.openxmlformats.org/officeDocument/2006/relationships" xmlns:p="http://schemas.openxmlformats.org/presentationml/2006/main">
+  <p:cSld>
+    <p:spTree>
+      <p:nvGrpSpPr>
+        <p:cNvPr id="1" name=""/>
+        <p:cNvGrpSpPr/>
+        <p:nvPr/>
+      </p:nvGrpSpPr>
+      <p:grpSpPr>
+        <a:xfrm>
+          <a:off x="0" y="0"/>
+          <a:ext cx="0" cy="0"/>
+          <a:chOff x="0" y="0"/>
+          <a:chExt cx="0" cy="0"/>
+        </a:xfrm>
+      </p:grpSpPr>
+      <p:sp>
+        <p:nvSpPr>
           <p:cNvPr id="47106" name="Rectangle 7"/>
           <p:cNvSpPr>
             <a:spLocks noGrp="1" noChangeArrowheads="1"/>
@@ -12434,7 +12975,7 @@
             <a:fld id="{060F6942-349D-437D-B6CE-AF49DFD3E8BD}" type="slidenum">
               <a:rPr lang="es-ES" smtClean="0"/>
               <a:pPr/>
-              <a:t>10</a:t>
+              <a:t>11</a:t>
             </a:fld>
             <a:endParaRPr lang="es-ES" smtClean="0"/>
           </a:p>
@@ -12487,175 +13028,6 @@
             <a:r>
               <a:rPr lang="es-AR" b="0" baseline="0" dirty="0" smtClean="0"/>
               <a:t>Ahora pasamos a la demo del sistema</a:t>
-            </a:r>
-          </a:p>
-        </p:txBody>
-      </p:sp>
-    </p:spTree>
-  </p:cSld>
-  <p:clrMapOvr>
-    <a:masterClrMapping/>
-  </p:clrMapOvr>
-</p:notes>
-</file>
-
-<file path=ppt/notesSlides/notesSlide11.xml><?xml version="1.0" encoding="utf-8"?>
-<p:notes xmlns:a="http://schemas.openxmlformats.org/drawingml/2006/main" xmlns:r="http://schemas.openxmlformats.org/officeDocument/2006/relationships" xmlns:p="http://schemas.openxmlformats.org/presentationml/2006/main">
-  <p:cSld>
-    <p:spTree>
-      <p:nvGrpSpPr>
-        <p:cNvPr id="1" name=""/>
-        <p:cNvGrpSpPr/>
-        <p:nvPr/>
-      </p:nvGrpSpPr>
-      <p:grpSpPr>
-        <a:xfrm>
-          <a:off x="0" y="0"/>
-          <a:ext cx="0" cy="0"/>
-          <a:chOff x="0" y="0"/>
-          <a:chExt cx="0" cy="0"/>
-        </a:xfrm>
-      </p:grpSpPr>
-      <p:sp>
-        <p:nvSpPr>
-          <p:cNvPr id="44034" name="Rectangle 7"/>
-          <p:cNvSpPr>
-            <a:spLocks noGrp="1" noChangeArrowheads="1"/>
-          </p:cNvSpPr>
-          <p:nvPr>
-            <p:ph type="sldNum" sz="quarter" idx="5"/>
-          </p:nvPr>
-        </p:nvSpPr>
-        <p:spPr>
-          <a:noFill/>
-        </p:spPr>
-        <p:txBody>
-          <a:bodyPr/>
-          <a:lstStyle/>
-          <a:p>
-            <a:fld id="{D9234D06-4B3E-4649-8770-4AC86EB469B1}" type="slidenum">
-              <a:rPr lang="es-ES" smtClean="0"/>
-              <a:pPr/>
-              <a:t>11</a:t>
-            </a:fld>
-            <a:endParaRPr lang="es-ES" smtClean="0"/>
-          </a:p>
-        </p:txBody>
-      </p:sp>
-      <p:sp>
-        <p:nvSpPr>
-          <p:cNvPr id="44035" name="Rectangle 2"/>
-          <p:cNvSpPr>
-            <a:spLocks noGrp="1" noRot="1" noChangeAspect="1" noChangeArrowheads="1" noTextEdit="1"/>
-          </p:cNvSpPr>
-          <p:nvPr>
-            <p:ph type="sldImg"/>
-          </p:nvPr>
-        </p:nvSpPr>
-        <p:spPr>
-          <a:ln cap="flat"/>
-        </p:spPr>
-      </p:sp>
-      <p:sp>
-        <p:nvSpPr>
-          <p:cNvPr id="44036" name="Rectangle 3"/>
-          <p:cNvSpPr>
-            <a:spLocks noGrp="1" noChangeArrowheads="1"/>
-          </p:cNvSpPr>
-          <p:nvPr>
-            <p:ph type="body" idx="1"/>
-          </p:nvPr>
-        </p:nvSpPr>
-        <p:spPr>
-          <a:noFill/>
-          <a:ln/>
-        </p:spPr>
-        <p:txBody>
-          <a:bodyPr/>
-          <a:lstStyle/>
-          <a:p>
-            <a:pPr eaLnBrk="1" hangingPunct="1"/>
-            <a:r>
-              <a:rPr lang="es-AR" b="1" dirty="0" smtClean="0"/>
-              <a:t>Speaker:</a:t>
-            </a:r>
-          </a:p>
-          <a:p>
-            <a:pPr eaLnBrk="1" hangingPunct="1"/>
-            <a:endParaRPr lang="es-AR" b="1" baseline="0" dirty="0" smtClean="0"/>
-          </a:p>
-          <a:p>
-            <a:pPr eaLnBrk="1" hangingPunct="1"/>
-            <a:r>
-              <a:rPr lang="es-AR" dirty="0" smtClean="0"/>
-              <a:t>Utilizamos</a:t>
-            </a:r>
-            <a:r>
-              <a:rPr lang="es-AR" baseline="0" dirty="0" smtClean="0"/>
-              <a:t> etiquetas y links a archivos en los </a:t>
-            </a:r>
-            <a:r>
-              <a:rPr lang="es-AR" baseline="0" dirty="0" err="1" smtClean="0"/>
-              <a:t>Stories</a:t>
-            </a:r>
-            <a:r>
-              <a:rPr lang="es-AR" baseline="0" dirty="0" smtClean="0"/>
-              <a:t> para realizar la trazabilidad. Las </a:t>
-            </a:r>
-            <a:r>
-              <a:rPr lang="es-AR" dirty="0" err="1" smtClean="0"/>
-              <a:t>UATs</a:t>
-            </a:r>
-            <a:r>
-              <a:rPr lang="es-AR" dirty="0" smtClean="0"/>
-              <a:t> se encuentran relacionadas</a:t>
-            </a:r>
-            <a:r>
-              <a:rPr lang="es-AR" baseline="0" dirty="0" smtClean="0"/>
-              <a:t> con su </a:t>
-            </a:r>
-            <a:r>
-              <a:rPr lang="es-AR" baseline="0" dirty="0" err="1" smtClean="0"/>
-              <a:t>story</a:t>
-            </a:r>
-            <a:r>
-              <a:rPr lang="es-AR" baseline="0" dirty="0" smtClean="0"/>
-              <a:t> correspondiente. En cada </a:t>
-            </a:r>
-            <a:r>
-              <a:rPr lang="es-AR" baseline="0" dirty="0" err="1" smtClean="0"/>
-              <a:t>commit</a:t>
-            </a:r>
-            <a:r>
-              <a:rPr lang="es-AR" baseline="0" dirty="0" smtClean="0"/>
-              <a:t> se mencionaba la </a:t>
-            </a:r>
-            <a:r>
-              <a:rPr lang="es-AR" baseline="0" dirty="0" err="1" smtClean="0"/>
-              <a:t>story</a:t>
-            </a:r>
-            <a:r>
-              <a:rPr lang="es-AR" baseline="0" dirty="0" smtClean="0"/>
-              <a:t> involucrada.</a:t>
-            </a:r>
-          </a:p>
-          <a:p>
-            <a:pPr eaLnBrk="1" hangingPunct="1"/>
-            <a:endParaRPr lang="es-AR" baseline="0" dirty="0" smtClean="0"/>
-          </a:p>
-          <a:p>
-            <a:pPr eaLnBrk="1" hangingPunct="1"/>
-            <a:r>
-              <a:rPr lang="es-AR" b="1" baseline="0" dirty="0" smtClean="0"/>
-              <a:t>(Demo con </a:t>
-            </a:r>
-            <a:r>
-              <a:rPr lang="es-AR" b="1" baseline="0" dirty="0" err="1" smtClean="0"/>
-              <a:t>Wolof</a:t>
-            </a:r>
-            <a:r>
-              <a:rPr lang="es-AR" b="1" baseline="0" dirty="0" smtClean="0"/>
-              <a:t> mostrando trazabilidad para el alta de campañas)</a:t>
             </a:r>
           </a:p>
         </p:txBody>
@@ -12875,11 +13247,7 @@
             <a:pPr eaLnBrk="1" hangingPunct="1"/>
             <a:r>
               <a:rPr lang="es-AR" b="1" dirty="0" smtClean="0"/>
-              <a:t>Speaker</a:t>
-            </a:r>
-            <a:r>
-              <a:rPr lang="es-AR" b="1" dirty="0" smtClean="0"/>
-              <a:t>:</a:t>
+              <a:t>Speaker:</a:t>
             </a:r>
           </a:p>
           <a:p>
@@ -21362,124 +21730,6 @@
           <a:chExt cx="0" cy="0"/>
         </a:xfrm>
       </p:grpSpPr>
-      <p:pic>
-        <p:nvPicPr>
-          <p:cNvPr id="2050" name="Picture 2"/>
-          <p:cNvPicPr>
-            <a:picLocks noChangeAspect="1" noChangeArrowheads="1"/>
-          </p:cNvPicPr>
-          <p:nvPr/>
-        </p:nvPicPr>
-        <p:blipFill>
-          <a:blip r:embed="rId3" cstate="print"/>
-          <a:srcRect/>
-          <a:stretch>
-            <a:fillRect/>
-          </a:stretch>
-        </p:blipFill>
-        <p:spPr bwMode="auto">
-          <a:xfrm>
-            <a:off x="1706195" y="1873852"/>
-            <a:ext cx="6276522" cy="4428000"/>
-          </a:xfrm>
-          <a:prstGeom prst="rect">
-            <a:avLst/>
-          </a:prstGeom>
-          <a:ln>
-            <a:noFill/>
-          </a:ln>
-          <a:effectLst>
-            <a:outerShdw blurRad="190500" algn="tl" rotWithShape="0">
-              <a:srgbClr val="000000">
-                <a:alpha val="70000"/>
-              </a:srgbClr>
-            </a:outerShdw>
-          </a:effectLst>
-        </p:spPr>
-      </p:pic>
-      <p:sp>
-        <p:nvSpPr>
-          <p:cNvPr id="4099" name="Rectangle 2"/>
-          <p:cNvSpPr>
-            <a:spLocks noGrp="1" noChangeArrowheads="1"/>
-          </p:cNvSpPr>
-          <p:nvPr>
-            <p:ph type="title"/>
-          </p:nvPr>
-        </p:nvSpPr>
-        <p:spPr/>
-        <p:txBody>
-          <a:bodyPr/>
-          <a:lstStyle/>
-          <a:p>
-            <a:pPr eaLnBrk="1" hangingPunct="1"/>
-            <a:r>
-              <a:rPr lang="es-AR" dirty="0" smtClean="0">
-                <a:latin typeface="Copperplate Gothic Bold" pitchFamily="34" charset="0"/>
-              </a:rPr>
-              <a:t>DEMO</a:t>
-            </a:r>
-          </a:p>
-        </p:txBody>
-      </p:sp>
-      <p:pic>
-        <p:nvPicPr>
-          <p:cNvPr id="4" name="Picture 3" descr="C:\Users\sixdemons\AppData\Local\Microsoft\Windows\Temporary Internet Files\Content.IE5\07ASDV69\MCj02157920000[1].wmf"/>
-          <p:cNvPicPr>
-            <a:picLocks noChangeAspect="1" noChangeArrowheads="1"/>
-          </p:cNvPicPr>
-          <p:nvPr/>
-        </p:nvPicPr>
-        <p:blipFill>
-          <a:blip r:embed="rId4" cstate="print"/>
-          <a:srcRect/>
-          <a:stretch>
-            <a:fillRect/>
-          </a:stretch>
-        </p:blipFill>
-        <p:spPr bwMode="auto">
-          <a:xfrm>
-            <a:off x="6876256" y="4293096"/>
-            <a:ext cx="1584000" cy="2241926"/>
-          </a:xfrm>
-          <a:prstGeom prst="rect">
-            <a:avLst/>
-          </a:prstGeom>
-          <a:noFill/>
-        </p:spPr>
-      </p:pic>
-    </p:spTree>
-  </p:cSld>
-  <p:clrMapOvr>
-    <a:masterClrMapping/>
-  </p:clrMapOvr>
-  <p:timing>
-    <p:tnLst>
-      <p:par>
-        <p:cTn id="1" dur="indefinite" restart="never" nodeType="tmRoot"/>
-      </p:par>
-    </p:tnLst>
-  </p:timing>
-</p:sld>
-</file>
-
-<file path=ppt/slides/slide11.xml><?xml version="1.0" encoding="utf-8"?>
-<p:sld xmlns:a="http://schemas.openxmlformats.org/drawingml/2006/main" xmlns:r="http://schemas.openxmlformats.org/officeDocument/2006/relationships" xmlns:p="http://schemas.openxmlformats.org/presentationml/2006/main">
-  <p:cSld>
-    <p:spTree>
-      <p:nvGrpSpPr>
-        <p:cNvPr id="1" name=""/>
-        <p:cNvGrpSpPr/>
-        <p:nvPr/>
-      </p:nvGrpSpPr>
-      <p:grpSpPr>
-        <a:xfrm>
-          <a:off x="0" y="0"/>
-          <a:ext cx="0" cy="0"/>
-          <a:chOff x="0" y="0"/>
-          <a:chExt cx="0" cy="0"/>
-        </a:xfrm>
-      </p:grpSpPr>
       <p:sp>
         <p:nvSpPr>
           <p:cNvPr id="21506" name="Rectangle 2"/>
@@ -21513,10 +21763,10 @@
         </p:nvGrpSpPr>
         <p:grpSpPr>
           <a:xfrm>
-            <a:off x="1259632" y="1714488"/>
-            <a:ext cx="7416824" cy="1962886"/>
-            <a:chOff x="1259632" y="1714488"/>
-            <a:chExt cx="7416824" cy="1962886"/>
+            <a:off x="1056308" y="1714488"/>
+            <a:ext cx="7908180" cy="2028753"/>
+            <a:chOff x="1018208" y="1714488"/>
+            <a:chExt cx="7908180" cy="2028753"/>
           </a:xfrm>
         </p:grpSpPr>
         <p:grpSp>
@@ -21527,10 +21777,10 @@
           </p:nvGrpSpPr>
           <p:grpSpPr>
             <a:xfrm>
-              <a:off x="1259632" y="1714488"/>
-              <a:ext cx="4795290" cy="1962886"/>
-              <a:chOff x="1576910" y="1673497"/>
-              <a:chExt cx="4795290" cy="1962886"/>
+              <a:off x="1018208" y="1714488"/>
+              <a:ext cx="5112914" cy="1962886"/>
+              <a:chOff x="1335486" y="1673497"/>
+              <a:chExt cx="5112914" cy="1962886"/>
             </a:xfrm>
           </p:grpSpPr>
           <p:pic>
@@ -21549,7 +21799,7 @@
             </p:blipFill>
             <p:spPr>
               <a:xfrm>
-                <a:off x="3645969" y="1673497"/>
+                <a:off x="3722169" y="1673497"/>
                 <a:ext cx="2726231" cy="1962886"/>
               </a:xfrm>
               <a:prstGeom prst="rect">
@@ -21577,8 +21827,8 @@
             </p:nvSpPr>
             <p:spPr bwMode="auto">
               <a:xfrm>
-                <a:off x="1576910" y="2034373"/>
-                <a:ext cx="1656184" cy="1569660"/>
+                <a:off x="1335486" y="1706425"/>
+                <a:ext cx="2376264" cy="830997"/>
               </a:xfrm>
               <a:prstGeom prst="rect">
                 <a:avLst/>
@@ -21687,8 +21937,8 @@
           </p:nvSpPr>
           <p:spPr bwMode="auto">
             <a:xfrm>
-              <a:off x="6251574" y="2428868"/>
-              <a:ext cx="2424882" cy="1200329"/>
+              <a:off x="6046068" y="2912244"/>
+              <a:ext cx="2880320" cy="830997"/>
             </a:xfrm>
             <a:prstGeom prst="rect">
               <a:avLst/>
@@ -21784,9 +22034,9 @@
         <p:grpSpPr>
           <a:xfrm>
             <a:off x="1036612" y="4214818"/>
-            <a:ext cx="8207488" cy="2411829"/>
+            <a:ext cx="8048502" cy="2411829"/>
             <a:chOff x="1036612" y="4214818"/>
-            <a:chExt cx="8207488" cy="2411829"/>
+            <a:chExt cx="8048502" cy="2411829"/>
           </a:xfrm>
         </p:grpSpPr>
         <p:grpSp>
@@ -21798,9 +22048,9 @@
           <p:grpSpPr>
             <a:xfrm>
               <a:off x="3851920" y="4286256"/>
-              <a:ext cx="5392180" cy="2340391"/>
+              <a:ext cx="5233194" cy="2340391"/>
               <a:chOff x="2013360" y="4221087"/>
-              <a:chExt cx="5392180" cy="2340391"/>
+              <a:chExt cx="5233194" cy="2340391"/>
             </a:xfrm>
           </p:grpSpPr>
           <p:pic>
@@ -21856,7 +22106,7 @@
             </p:nvSpPr>
             <p:spPr bwMode="auto">
               <a:xfrm>
-                <a:off x="4476602" y="5013176"/>
+                <a:off x="4317616" y="5422446"/>
                 <a:ext cx="2928938" cy="461665"/>
               </a:xfrm>
               <a:prstGeom prst="rect">
@@ -22223,6 +22473,127 @@
 </p:sld>
 </file>
 
+<file path=ppt/slides/slide11.xml><?xml version="1.0" encoding="utf-8"?>
+<p:sld xmlns:a="http://schemas.openxmlformats.org/drawingml/2006/main" xmlns:r="http://schemas.openxmlformats.org/officeDocument/2006/relationships" xmlns:p="http://schemas.openxmlformats.org/presentationml/2006/main">
+  <p:cSld>
+    <p:spTree>
+      <p:nvGrpSpPr>
+        <p:cNvPr id="1" name=""/>
+        <p:cNvGrpSpPr/>
+        <p:nvPr/>
+      </p:nvGrpSpPr>
+      <p:grpSpPr>
+        <a:xfrm>
+          <a:off x="0" y="0"/>
+          <a:ext cx="0" cy="0"/>
+          <a:chOff x="0" y="0"/>
+          <a:chExt cx="0" cy="0"/>
+        </a:xfrm>
+      </p:grpSpPr>
+      <p:pic>
+        <p:nvPicPr>
+          <p:cNvPr id="2050" name="Picture 2"/>
+          <p:cNvPicPr>
+            <a:picLocks noChangeAspect="1" noChangeArrowheads="1"/>
+          </p:cNvPicPr>
+          <p:nvPr/>
+        </p:nvPicPr>
+        <p:blipFill>
+          <a:blip r:embed="rId3" cstate="print"/>
+          <a:srcRect/>
+          <a:stretch>
+            <a:fillRect/>
+          </a:stretch>
+        </p:blipFill>
+        <p:spPr bwMode="auto">
+          <a:xfrm>
+            <a:off x="1706195" y="1873852"/>
+            <a:ext cx="6276522" cy="4428000"/>
+          </a:xfrm>
+          <a:prstGeom prst="rect">
+            <a:avLst/>
+          </a:prstGeom>
+          <a:ln>
+            <a:noFill/>
+          </a:ln>
+          <a:effectLst>
+            <a:outerShdw blurRad="190500" algn="tl" rotWithShape="0">
+              <a:srgbClr val="000000">
+                <a:alpha val="70000"/>
+              </a:srgbClr>
+            </a:outerShdw>
+          </a:effectLst>
+        </p:spPr>
+      </p:pic>
+      <p:sp>
+        <p:nvSpPr>
+          <p:cNvPr id="4099" name="Rectangle 2"/>
+          <p:cNvSpPr>
+            <a:spLocks noGrp="1" noChangeArrowheads="1"/>
+          </p:cNvSpPr>
+          <p:nvPr>
+            <p:ph type="title"/>
+          </p:nvPr>
+        </p:nvSpPr>
+        <p:spPr/>
+        <p:txBody>
+          <a:bodyPr/>
+          <a:lstStyle/>
+          <a:p>
+            <a:pPr eaLnBrk="1" hangingPunct="1"/>
+            <a:r>
+              <a:rPr lang="es-AR" dirty="0" smtClean="0">
+                <a:latin typeface="Copperplate Gothic Bold" pitchFamily="34" charset="0"/>
+              </a:rPr>
+              <a:t>Demo</a:t>
+            </a:r>
+            <a:endParaRPr lang="es-AR" dirty="0" smtClean="0">
+              <a:latin typeface="Copperplate Gothic Bold" pitchFamily="34" charset="0"/>
+            </a:endParaRPr>
+          </a:p>
+        </p:txBody>
+      </p:sp>
+      <p:pic>
+        <p:nvPicPr>
+          <p:cNvPr id="4" name="Picture 3" descr="C:\Users\sixdemons\AppData\Local\Microsoft\Windows\Temporary Internet Files\Content.IE5\07ASDV69\MCj02157920000[1].wmf"/>
+          <p:cNvPicPr>
+            <a:picLocks noChangeAspect="1" noChangeArrowheads="1"/>
+          </p:cNvPicPr>
+          <p:nvPr/>
+        </p:nvPicPr>
+        <p:blipFill>
+          <a:blip r:embed="rId4" cstate="print"/>
+          <a:srcRect/>
+          <a:stretch>
+            <a:fillRect/>
+          </a:stretch>
+        </p:blipFill>
+        <p:spPr bwMode="auto">
+          <a:xfrm>
+            <a:off x="6973840" y="4571450"/>
+            <a:ext cx="1584000" cy="2241926"/>
+          </a:xfrm>
+          <a:prstGeom prst="rect">
+            <a:avLst/>
+          </a:prstGeom>
+          <a:noFill/>
+        </p:spPr>
+      </p:pic>
+    </p:spTree>
+  </p:cSld>
+  <p:clrMapOvr>
+    <a:masterClrMapping/>
+  </p:clrMapOvr>
+  <p:timing>
+    <p:tnLst>
+      <p:par>
+        <p:cTn id="1" dur="indefinite" restart="never" nodeType="tmRoot"/>
+      </p:par>
+    </p:tnLst>
+  </p:timing>
+</p:sld>
+</file>
+
 <file path=ppt/slides/slide12.xml><?xml version="1.0" encoding="utf-8"?>
 <p:sld xmlns:a="http://schemas.openxmlformats.org/drawingml/2006/main" xmlns:r="http://schemas.openxmlformats.org/officeDocument/2006/relationships" xmlns:p="http://schemas.openxmlformats.org/presentationml/2006/main">
   <p:cSld>
@@ -22590,7 +22961,7 @@
           <p:nvPr/>
         </p:nvPicPr>
         <p:blipFill>
-          <a:blip r:embed="rId3"/>
+          <a:blip r:embed="rId3" cstate="print"/>
           <a:srcRect/>
           <a:stretch>
             <a:fillRect/>
@@ -22598,7 +22969,7 @@
         </p:blipFill>
         <p:spPr bwMode="auto">
           <a:xfrm>
-            <a:off x="7858148" y="5286388"/>
+            <a:off x="7740352" y="4869160"/>
             <a:ext cx="1159379" cy="1357322"/>
           </a:xfrm>
           <a:prstGeom prst="rect">
@@ -22650,7 +23021,7 @@
         <p:spPr bwMode="auto">
           <a:xfrm>
             <a:off x="928662" y="2205261"/>
-            <a:ext cx="7715304" cy="5081391"/>
+            <a:ext cx="7715304" cy="3746667"/>
           </a:xfrm>
           <a:prstGeom prst="rect">
             <a:avLst/>
@@ -22693,41 +23064,8 @@
                 <a:latin typeface="Cambria" pitchFamily="18" charset="0"/>
                 <a:cs typeface="Arial" charset="0"/>
               </a:rPr>
-              <a:t>Comunicación </a:t>
-            </a:r>
-            <a:r>
-              <a:rPr lang="es-AR" sz="3200" dirty="0" smtClean="0">
-                <a:solidFill>
-                  <a:schemeClr val="tx2">
-                    <a:lumMod val="50000"/>
-                  </a:schemeClr>
-                </a:solidFill>
-                <a:latin typeface="Cambria" pitchFamily="18" charset="0"/>
-                <a:cs typeface="Arial" charset="0"/>
-              </a:rPr>
-              <a:t>fluida con </a:t>
-            </a:r>
-            <a:r>
-              <a:rPr lang="es-AR" sz="3200" dirty="0" smtClean="0">
-                <a:solidFill>
-                  <a:schemeClr val="tx2">
-                    <a:lumMod val="50000"/>
-                  </a:schemeClr>
-                </a:solidFill>
-                <a:latin typeface="Cambria" pitchFamily="18" charset="0"/>
-                <a:cs typeface="Arial" charset="0"/>
-              </a:rPr>
-              <a:t>el cliente</a:t>
-            </a:r>
-            <a:endParaRPr lang="es-AR" sz="3200" dirty="0" smtClean="0">
-              <a:solidFill>
-                <a:schemeClr val="tx2">
-                  <a:lumMod val="50000"/>
-                </a:schemeClr>
-              </a:solidFill>
-              <a:latin typeface="Cambria" pitchFamily="18" charset="0"/>
-              <a:cs typeface="Arial" charset="0"/>
-            </a:endParaRPr>
+              <a:t>Comunicación fluida con el cliente</a:t>
+            </a:r>
           </a:p>
           <a:p>
             <a:pPr marL="261938" indent="-261938" eaLnBrk="0" hangingPunct="0">
@@ -22782,7 +23120,7 @@
                 <a:latin typeface="Cambria" pitchFamily="18" charset="0"/>
                 <a:cs typeface="Arial" charset="0"/>
               </a:rPr>
-              <a:t>Lo </a:t>
+              <a:t>Lo que no está escrito no se ha </a:t>
             </a:r>
             <a:r>
               <a:rPr lang="es-AR" sz="3200" dirty="0" smtClean="0">
@@ -22794,24 +23132,8 @@
                 <a:latin typeface="Cambria" pitchFamily="18" charset="0"/>
                 <a:cs typeface="Arial" charset="0"/>
               </a:rPr>
-              <a:t>que no está escrito no se ha dicho</a:t>
-            </a:r>
-          </a:p>
-          <a:p>
-            <a:pPr marL="261938" indent="-261938" eaLnBrk="0" hangingPunct="0">
-              <a:spcBef>
-                <a:spcPct val="20000"/>
-              </a:spcBef>
-              <a:spcAft>
-                <a:spcPts val="4800"/>
-              </a:spcAft>
-              <a:buClr>
-                <a:schemeClr val="tx2"/>
-              </a:buClr>
-              <a:buSzPct val="70000"/>
-              <a:buFont typeface="Arial" pitchFamily="34" charset="0"/>
-              <a:buChar char="•"/>
-            </a:pPr>
+              <a:t>dicho</a:t>
+            </a:r>
             <a:endParaRPr lang="es-AR" sz="3200" dirty="0" smtClean="0">
               <a:solidFill>
                 <a:schemeClr val="tx2">
@@ -22928,6 +23250,41 @@
                                   </p:childTnLst>
                                 </p:cTn>
                               </p:par>
+                              <p:par>
+                                <p:cTn id="8" presetID="10" presetClass="entr" presetSubtype="0" fill="hold" nodeType="withEffect">
+                                  <p:stCondLst>
+                                    <p:cond delay="0"/>
+                                  </p:stCondLst>
+                                  <p:childTnLst>
+                                    <p:set>
+                                      <p:cBhvr>
+                                        <p:cTn id="9" dur="1" fill="hold">
+                                          <p:stCondLst>
+                                            <p:cond delay="0"/>
+                                          </p:stCondLst>
+                                        </p:cTn>
+                                        <p:tgtEl>
+                                          <p:spTgt spid="1026"/>
+                                        </p:tgtEl>
+                                        <p:attrNameLst>
+                                          <p:attrName>style.visibility</p:attrName>
+                                        </p:attrNameLst>
+                                      </p:cBhvr>
+                                      <p:to>
+                                        <p:strVal val="visible"/>
+                                      </p:to>
+                                    </p:set>
+                                    <p:animEffect transition="in" filter="fade">
+                                      <p:cBhvr>
+                                        <p:cTn id="10" dur="2000"/>
+                                        <p:tgtEl>
+                                          <p:spTgt spid="1026"/>
+                                        </p:tgtEl>
+                                      </p:cBhvr>
+                                    </p:animEffect>
+                                  </p:childTnLst>
+                                </p:cTn>
+                              </p:par>
                             </p:childTnLst>
                           </p:cTn>
                         </p:par>
@@ -22935,26 +23292,26 @@
                     </p:cTn>
                   </p:par>
                   <p:par>
-                    <p:cTn id="8" fill="hold">
+                    <p:cTn id="11" fill="hold">
                       <p:stCondLst>
                         <p:cond delay="indefinite"/>
                       </p:stCondLst>
                       <p:childTnLst>
                         <p:par>
-                          <p:cTn id="9" fill="hold">
+                          <p:cTn id="12" fill="hold">
                             <p:stCondLst>
                               <p:cond delay="0"/>
                             </p:stCondLst>
                             <p:childTnLst>
                               <p:par>
-                                <p:cTn id="10" presetID="22" presetClass="entr" presetSubtype="4" fill="hold" grpId="0" nodeType="clickEffect">
+                                <p:cTn id="13" presetID="22" presetClass="entr" presetSubtype="4" fill="hold" grpId="0" nodeType="clickEffect">
                                   <p:stCondLst>
                                     <p:cond delay="0"/>
                                   </p:stCondLst>
                                   <p:childTnLst>
                                     <p:set>
                                       <p:cBhvr>
-                                        <p:cTn id="11" dur="1" fill="hold">
+                                        <p:cTn id="14" dur="1" fill="hold">
                                           <p:stCondLst>
                                             <p:cond delay="0"/>
                                           </p:stCondLst>
@@ -22976,7 +23333,7 @@
                                     </p:set>
                                     <p:animEffect transition="in" filter="wipe(down)">
                                       <p:cBhvr>
-                                        <p:cTn id="12" dur="500"/>
+                                        <p:cTn id="15" dur="500"/>
                                         <p:tgtEl>
                                           <p:spTgt spid="5">
                                             <p:txEl>
@@ -22996,26 +23353,26 @@
                     </p:cTn>
                   </p:par>
                   <p:par>
-                    <p:cTn id="13" fill="hold">
+                    <p:cTn id="16" fill="hold">
                       <p:stCondLst>
                         <p:cond delay="indefinite"/>
                       </p:stCondLst>
                       <p:childTnLst>
                         <p:par>
-                          <p:cTn id="14" fill="hold">
+                          <p:cTn id="17" fill="hold">
                             <p:stCondLst>
                               <p:cond delay="0"/>
                             </p:stCondLst>
                             <p:childTnLst>
                               <p:par>
-                                <p:cTn id="15" presetID="22" presetClass="entr" presetSubtype="4" fill="hold" grpId="0" nodeType="clickEffect">
+                                <p:cTn id="18" presetID="22" presetClass="entr" presetSubtype="4" fill="hold" grpId="0" nodeType="clickEffect">
                                   <p:stCondLst>
                                     <p:cond delay="0"/>
                                   </p:stCondLst>
                                   <p:childTnLst>
                                     <p:set>
                                       <p:cBhvr>
-                                        <p:cTn id="16" dur="1" fill="hold">
+                                        <p:cTn id="19" dur="1" fill="hold">
                                           <p:stCondLst>
                                             <p:cond delay="0"/>
                                           </p:stCondLst>
@@ -23037,13 +23394,48 @@
                                     </p:set>
                                     <p:animEffect transition="in" filter="wipe(down)">
                                       <p:cBhvr>
-                                        <p:cTn id="17" dur="500"/>
+                                        <p:cTn id="20" dur="500"/>
                                         <p:tgtEl>
                                           <p:spTgt spid="5">
                                             <p:txEl>
                                               <p:pRg st="2" end="2"/>
                                             </p:txEl>
                                           </p:spTgt>
+                                        </p:tgtEl>
+                                      </p:cBhvr>
+                                    </p:animEffect>
+                                  </p:childTnLst>
+                                </p:cTn>
+                              </p:par>
+                              <p:par>
+                                <p:cTn id="21" presetID="10" presetClass="entr" presetSubtype="0" fill="hold" nodeType="withEffect">
+                                  <p:stCondLst>
+                                    <p:cond delay="0"/>
+                                  </p:stCondLst>
+                                  <p:childTnLst>
+                                    <p:set>
+                                      <p:cBhvr>
+                                        <p:cTn id="22" dur="1" fill="hold">
+                                          <p:stCondLst>
+                                            <p:cond delay="0"/>
+                                          </p:stCondLst>
+                                        </p:cTn>
+                                        <p:tgtEl>
+                                          <p:spTgt spid="2050"/>
+                                        </p:tgtEl>
+                                        <p:attrNameLst>
+                                          <p:attrName>style.visibility</p:attrName>
+                                        </p:attrNameLst>
+                                      </p:cBhvr>
+                                      <p:to>
+                                        <p:strVal val="visible"/>
+                                      </p:to>
+                                    </p:set>
+                                    <p:animEffect transition="in" filter="fade">
+                                      <p:cBhvr>
+                                        <p:cTn id="23" dur="2000"/>
+                                        <p:tgtEl>
+                                          <p:spTgt spid="2050"/>
                                         </p:tgtEl>
                                       </p:cBhvr>
                                     </p:animEffect>
@@ -23120,13 +23512,7 @@
               <a:rPr lang="es-AR" dirty="0" smtClean="0">
                 <a:latin typeface="Copperplate Gothic Bold" pitchFamily="34" charset="0"/>
               </a:rPr>
-              <a:t>Lecciones Aprendidas </a:t>
-            </a:r>
-            <a:r>
-              <a:rPr lang="es-AR" dirty="0" smtClean="0">
-                <a:latin typeface="Copperplate Gothic Bold" pitchFamily="34" charset="0"/>
-              </a:rPr>
-              <a:t>(3)</a:t>
+              <a:t>Lecciones Aprendidas (3)</a:t>
             </a:r>
             <a:endParaRPr lang="es-AR" dirty="0"/>
           </a:p>
@@ -23228,7 +23614,7 @@
           <p:nvPr/>
         </p:nvPicPr>
         <p:blipFill>
-          <a:blip r:embed="rId3"/>
+          <a:blip r:embed="rId3" cstate="print"/>
           <a:srcRect/>
           <a:stretch>
             <a:fillRect/>
@@ -23236,7 +23622,7 @@
         </p:blipFill>
         <p:spPr bwMode="auto">
           <a:xfrm>
-            <a:off x="7786710" y="2214554"/>
+            <a:off x="7524328" y="2204864"/>
             <a:ext cx="1285884" cy="963172"/>
           </a:xfrm>
           <a:prstGeom prst="rect">
@@ -23261,7 +23647,7 @@
           <p:nvPr/>
         </p:nvPicPr>
         <p:blipFill>
-          <a:blip r:embed="rId4"/>
+          <a:blip r:embed="rId4" cstate="print"/>
           <a:srcRect/>
           <a:stretch>
             <a:fillRect/>
@@ -23269,7 +23655,7 @@
         </p:blipFill>
         <p:spPr bwMode="auto">
           <a:xfrm>
-            <a:off x="8001024" y="3857628"/>
+            <a:off x="7897068" y="3598416"/>
             <a:ext cx="1000132" cy="969426"/>
           </a:xfrm>
           <a:prstGeom prst="rect">
@@ -23294,7 +23680,7 @@
           <p:nvPr/>
         </p:nvPicPr>
         <p:blipFill>
-          <a:blip r:embed="rId5"/>
+          <a:blip r:embed="rId5" cstate="print"/>
           <a:srcRect/>
           <a:stretch>
             <a:fillRect/>
@@ -23302,7 +23688,7 @@
         </p:blipFill>
         <p:spPr bwMode="auto">
           <a:xfrm>
-            <a:off x="6929454" y="5500702"/>
+            <a:off x="7579486" y="5059784"/>
             <a:ext cx="1071570" cy="1016416"/>
           </a:xfrm>
           <a:prstGeom prst="rect">
@@ -23323,6 +23709,594 @@
   <p:clrMapOvr>
     <a:masterClrMapping/>
   </p:clrMapOvr>
+  <p:timing>
+    <p:tnLst>
+      <p:par>
+        <p:cTn id="1" dur="indefinite" restart="never" nodeType="tmRoot">
+          <p:childTnLst>
+            <p:seq concurrent="1" nextAc="seek">
+              <p:cTn id="2" dur="indefinite" nodeType="mainSeq">
+                <p:childTnLst>
+                  <p:par>
+                    <p:cTn id="3" fill="hold">
+                      <p:stCondLst>
+                        <p:cond delay="indefinite"/>
+                        <p:cond evt="onBegin" delay="0">
+                          <p:tn val="2"/>
+                        </p:cond>
+                      </p:stCondLst>
+                      <p:childTnLst>
+                        <p:par>
+                          <p:cTn id="4" fill="hold">
+                            <p:stCondLst>
+                              <p:cond delay="0"/>
+                            </p:stCondLst>
+                            <p:childTnLst>
+                              <p:par>
+                                <p:cTn id="5" presetID="2" presetClass="entr" presetSubtype="4" fill="hold" grpId="0" nodeType="withEffect">
+                                  <p:stCondLst>
+                                    <p:cond delay="0"/>
+                                  </p:stCondLst>
+                                  <p:childTnLst>
+                                    <p:set>
+                                      <p:cBhvr>
+                                        <p:cTn id="6" dur="1" fill="hold">
+                                          <p:stCondLst>
+                                            <p:cond delay="0"/>
+                                          </p:stCondLst>
+                                        </p:cTn>
+                                        <p:tgtEl>
+                                          <p:spTgt spid="3">
+                                            <p:txEl>
+                                              <p:pRg st="0" end="0"/>
+                                            </p:txEl>
+                                          </p:spTgt>
+                                        </p:tgtEl>
+                                        <p:attrNameLst>
+                                          <p:attrName>style.visibility</p:attrName>
+                                        </p:attrNameLst>
+                                      </p:cBhvr>
+                                      <p:to>
+                                        <p:strVal val="visible"/>
+                                      </p:to>
+                                    </p:set>
+                                    <p:anim calcmode="lin" valueType="num">
+                                      <p:cBhvr additive="base">
+                                        <p:cTn id="7" dur="500" fill="hold"/>
+                                        <p:tgtEl>
+                                          <p:spTgt spid="3">
+                                            <p:txEl>
+                                              <p:pRg st="0" end="0"/>
+                                            </p:txEl>
+                                          </p:spTgt>
+                                        </p:tgtEl>
+                                        <p:attrNameLst>
+                                          <p:attrName>ppt_x</p:attrName>
+                                        </p:attrNameLst>
+                                      </p:cBhvr>
+                                      <p:tavLst>
+                                        <p:tav tm="0">
+                                          <p:val>
+                                            <p:strVal val="#ppt_x"/>
+                                          </p:val>
+                                        </p:tav>
+                                        <p:tav tm="100000">
+                                          <p:val>
+                                            <p:strVal val="#ppt_x"/>
+                                          </p:val>
+                                        </p:tav>
+                                      </p:tavLst>
+                                    </p:anim>
+                                    <p:anim calcmode="lin" valueType="num">
+                                      <p:cBhvr additive="base">
+                                        <p:cTn id="8" dur="500" fill="hold"/>
+                                        <p:tgtEl>
+                                          <p:spTgt spid="3">
+                                            <p:txEl>
+                                              <p:pRg st="0" end="0"/>
+                                            </p:txEl>
+                                          </p:spTgt>
+                                        </p:tgtEl>
+                                        <p:attrNameLst>
+                                          <p:attrName>ppt_y</p:attrName>
+                                        </p:attrNameLst>
+                                      </p:cBhvr>
+                                      <p:tavLst>
+                                        <p:tav tm="0">
+                                          <p:val>
+                                            <p:strVal val="1+#ppt_h/2"/>
+                                          </p:val>
+                                        </p:tav>
+                                        <p:tav tm="100000">
+                                          <p:val>
+                                            <p:strVal val="#ppt_y"/>
+                                          </p:val>
+                                        </p:tav>
+                                      </p:tavLst>
+                                    </p:anim>
+                                  </p:childTnLst>
+                                </p:cTn>
+                              </p:par>
+                              <p:par>
+                                <p:cTn id="9" presetID="55" presetClass="entr" presetSubtype="0" fill="hold" nodeType="withEffect">
+                                  <p:stCondLst>
+                                    <p:cond delay="0"/>
+                                  </p:stCondLst>
+                                  <p:childTnLst>
+                                    <p:set>
+                                      <p:cBhvr>
+                                        <p:cTn id="10" dur="1" fill="hold">
+                                          <p:stCondLst>
+                                            <p:cond delay="0"/>
+                                          </p:stCondLst>
+                                        </p:cTn>
+                                        <p:tgtEl>
+                                          <p:spTgt spid="1031"/>
+                                        </p:tgtEl>
+                                        <p:attrNameLst>
+                                          <p:attrName>style.visibility</p:attrName>
+                                        </p:attrNameLst>
+                                      </p:cBhvr>
+                                      <p:to>
+                                        <p:strVal val="visible"/>
+                                      </p:to>
+                                    </p:set>
+                                    <p:anim calcmode="lin" valueType="num">
+                                      <p:cBhvr>
+                                        <p:cTn id="11" dur="1000" fill="hold"/>
+                                        <p:tgtEl>
+                                          <p:spTgt spid="1031"/>
+                                        </p:tgtEl>
+                                        <p:attrNameLst>
+                                          <p:attrName>ppt_w</p:attrName>
+                                        </p:attrNameLst>
+                                      </p:cBhvr>
+                                      <p:tavLst>
+                                        <p:tav tm="0">
+                                          <p:val>
+                                            <p:strVal val="#ppt_w*0.70"/>
+                                          </p:val>
+                                        </p:tav>
+                                        <p:tav tm="100000">
+                                          <p:val>
+                                            <p:strVal val="#ppt_w"/>
+                                          </p:val>
+                                        </p:tav>
+                                      </p:tavLst>
+                                    </p:anim>
+                                    <p:anim calcmode="lin" valueType="num">
+                                      <p:cBhvr>
+                                        <p:cTn id="12" dur="1000" fill="hold"/>
+                                        <p:tgtEl>
+                                          <p:spTgt spid="1031"/>
+                                        </p:tgtEl>
+                                        <p:attrNameLst>
+                                          <p:attrName>ppt_h</p:attrName>
+                                        </p:attrNameLst>
+                                      </p:cBhvr>
+                                      <p:tavLst>
+                                        <p:tav tm="0">
+                                          <p:val>
+                                            <p:strVal val="#ppt_h"/>
+                                          </p:val>
+                                        </p:tav>
+                                        <p:tav tm="100000">
+                                          <p:val>
+                                            <p:strVal val="#ppt_h"/>
+                                          </p:val>
+                                        </p:tav>
+                                      </p:tavLst>
+                                    </p:anim>
+                                    <p:animEffect transition="in" filter="fade">
+                                      <p:cBhvr>
+                                        <p:cTn id="13" dur="1000"/>
+                                        <p:tgtEl>
+                                          <p:spTgt spid="1031"/>
+                                        </p:tgtEl>
+                                      </p:cBhvr>
+                                    </p:animEffect>
+                                  </p:childTnLst>
+                                </p:cTn>
+                              </p:par>
+                            </p:childTnLst>
+                          </p:cTn>
+                        </p:par>
+                      </p:childTnLst>
+                    </p:cTn>
+                  </p:par>
+                  <p:par>
+                    <p:cTn id="14" fill="hold">
+                      <p:stCondLst>
+                        <p:cond delay="indefinite"/>
+                      </p:stCondLst>
+                      <p:childTnLst>
+                        <p:par>
+                          <p:cTn id="15" fill="hold">
+                            <p:stCondLst>
+                              <p:cond delay="0"/>
+                            </p:stCondLst>
+                            <p:childTnLst>
+                              <p:par>
+                                <p:cTn id="16" presetID="2" presetClass="entr" presetSubtype="4" fill="hold" grpId="0" nodeType="clickEffect">
+                                  <p:stCondLst>
+                                    <p:cond delay="0"/>
+                                  </p:stCondLst>
+                                  <p:childTnLst>
+                                    <p:set>
+                                      <p:cBhvr>
+                                        <p:cTn id="17" dur="1" fill="hold">
+                                          <p:stCondLst>
+                                            <p:cond delay="0"/>
+                                          </p:stCondLst>
+                                        </p:cTn>
+                                        <p:tgtEl>
+                                          <p:spTgt spid="3">
+                                            <p:txEl>
+                                              <p:pRg st="1" end="1"/>
+                                            </p:txEl>
+                                          </p:spTgt>
+                                        </p:tgtEl>
+                                        <p:attrNameLst>
+                                          <p:attrName>style.visibility</p:attrName>
+                                        </p:attrNameLst>
+                                      </p:cBhvr>
+                                      <p:to>
+                                        <p:strVal val="visible"/>
+                                      </p:to>
+                                    </p:set>
+                                    <p:anim calcmode="lin" valueType="num">
+                                      <p:cBhvr additive="base">
+                                        <p:cTn id="18" dur="500" fill="hold"/>
+                                        <p:tgtEl>
+                                          <p:spTgt spid="3">
+                                            <p:txEl>
+                                              <p:pRg st="1" end="1"/>
+                                            </p:txEl>
+                                          </p:spTgt>
+                                        </p:tgtEl>
+                                        <p:attrNameLst>
+                                          <p:attrName>ppt_x</p:attrName>
+                                        </p:attrNameLst>
+                                      </p:cBhvr>
+                                      <p:tavLst>
+                                        <p:tav tm="0">
+                                          <p:val>
+                                            <p:strVal val="#ppt_x"/>
+                                          </p:val>
+                                        </p:tav>
+                                        <p:tav tm="100000">
+                                          <p:val>
+                                            <p:strVal val="#ppt_x"/>
+                                          </p:val>
+                                        </p:tav>
+                                      </p:tavLst>
+                                    </p:anim>
+                                    <p:anim calcmode="lin" valueType="num">
+                                      <p:cBhvr additive="base">
+                                        <p:cTn id="19" dur="500" fill="hold"/>
+                                        <p:tgtEl>
+                                          <p:spTgt spid="3">
+                                            <p:txEl>
+                                              <p:pRg st="1" end="1"/>
+                                            </p:txEl>
+                                          </p:spTgt>
+                                        </p:tgtEl>
+                                        <p:attrNameLst>
+                                          <p:attrName>ppt_y</p:attrName>
+                                        </p:attrNameLst>
+                                      </p:cBhvr>
+                                      <p:tavLst>
+                                        <p:tav tm="0">
+                                          <p:val>
+                                            <p:strVal val="1+#ppt_h/2"/>
+                                          </p:val>
+                                        </p:tav>
+                                        <p:tav tm="100000">
+                                          <p:val>
+                                            <p:strVal val="#ppt_y"/>
+                                          </p:val>
+                                        </p:tav>
+                                      </p:tavLst>
+                                    </p:anim>
+                                  </p:childTnLst>
+                                </p:cTn>
+                              </p:par>
+                              <p:par>
+                                <p:cTn id="20" presetID="55" presetClass="entr" presetSubtype="0" fill="hold" nodeType="withEffect">
+                                  <p:stCondLst>
+                                    <p:cond delay="0"/>
+                                  </p:stCondLst>
+                                  <p:childTnLst>
+                                    <p:set>
+                                      <p:cBhvr>
+                                        <p:cTn id="21" dur="1" fill="hold">
+                                          <p:stCondLst>
+                                            <p:cond delay="0"/>
+                                          </p:stCondLst>
+                                        </p:cTn>
+                                        <p:tgtEl>
+                                          <p:spTgt spid="1032"/>
+                                        </p:tgtEl>
+                                        <p:attrNameLst>
+                                          <p:attrName>style.visibility</p:attrName>
+                                        </p:attrNameLst>
+                                      </p:cBhvr>
+                                      <p:to>
+                                        <p:strVal val="visible"/>
+                                      </p:to>
+                                    </p:set>
+                                    <p:anim calcmode="lin" valueType="num">
+                                      <p:cBhvr>
+                                        <p:cTn id="22" dur="1000" fill="hold"/>
+                                        <p:tgtEl>
+                                          <p:spTgt spid="1032"/>
+                                        </p:tgtEl>
+                                        <p:attrNameLst>
+                                          <p:attrName>ppt_w</p:attrName>
+                                        </p:attrNameLst>
+                                      </p:cBhvr>
+                                      <p:tavLst>
+                                        <p:tav tm="0">
+                                          <p:val>
+                                            <p:strVal val="#ppt_w*0.70"/>
+                                          </p:val>
+                                        </p:tav>
+                                        <p:tav tm="100000">
+                                          <p:val>
+                                            <p:strVal val="#ppt_w"/>
+                                          </p:val>
+                                        </p:tav>
+                                      </p:tavLst>
+                                    </p:anim>
+                                    <p:anim calcmode="lin" valueType="num">
+                                      <p:cBhvr>
+                                        <p:cTn id="23" dur="1000" fill="hold"/>
+                                        <p:tgtEl>
+                                          <p:spTgt spid="1032"/>
+                                        </p:tgtEl>
+                                        <p:attrNameLst>
+                                          <p:attrName>ppt_h</p:attrName>
+                                        </p:attrNameLst>
+                                      </p:cBhvr>
+                                      <p:tavLst>
+                                        <p:tav tm="0">
+                                          <p:val>
+                                            <p:strVal val="#ppt_h"/>
+                                          </p:val>
+                                        </p:tav>
+                                        <p:tav tm="100000">
+                                          <p:val>
+                                            <p:strVal val="#ppt_h"/>
+                                          </p:val>
+                                        </p:tav>
+                                      </p:tavLst>
+                                    </p:anim>
+                                    <p:animEffect transition="in" filter="fade">
+                                      <p:cBhvr>
+                                        <p:cTn id="24" dur="1000"/>
+                                        <p:tgtEl>
+                                          <p:spTgt spid="1032"/>
+                                        </p:tgtEl>
+                                      </p:cBhvr>
+                                    </p:animEffect>
+                                  </p:childTnLst>
+                                </p:cTn>
+                              </p:par>
+                            </p:childTnLst>
+                          </p:cTn>
+                        </p:par>
+                      </p:childTnLst>
+                    </p:cTn>
+                  </p:par>
+                  <p:par>
+                    <p:cTn id="25" fill="hold">
+                      <p:stCondLst>
+                        <p:cond delay="indefinite"/>
+                      </p:stCondLst>
+                      <p:childTnLst>
+                        <p:par>
+                          <p:cTn id="26" fill="hold">
+                            <p:stCondLst>
+                              <p:cond delay="0"/>
+                            </p:stCondLst>
+                            <p:childTnLst>
+                              <p:par>
+                                <p:cTn id="27" presetID="2" presetClass="entr" presetSubtype="4" fill="hold" grpId="0" nodeType="clickEffect">
+                                  <p:stCondLst>
+                                    <p:cond delay="0"/>
+                                  </p:stCondLst>
+                                  <p:childTnLst>
+                                    <p:set>
+                                      <p:cBhvr>
+                                        <p:cTn id="28" dur="1" fill="hold">
+                                          <p:stCondLst>
+                                            <p:cond delay="0"/>
+                                          </p:stCondLst>
+                                        </p:cTn>
+                                        <p:tgtEl>
+                                          <p:spTgt spid="3">
+                                            <p:txEl>
+                                              <p:pRg st="2" end="2"/>
+                                            </p:txEl>
+                                          </p:spTgt>
+                                        </p:tgtEl>
+                                        <p:attrNameLst>
+                                          <p:attrName>style.visibility</p:attrName>
+                                        </p:attrNameLst>
+                                      </p:cBhvr>
+                                      <p:to>
+                                        <p:strVal val="visible"/>
+                                      </p:to>
+                                    </p:set>
+                                    <p:anim calcmode="lin" valueType="num">
+                                      <p:cBhvr additive="base">
+                                        <p:cTn id="29" dur="500" fill="hold"/>
+                                        <p:tgtEl>
+                                          <p:spTgt spid="3">
+                                            <p:txEl>
+                                              <p:pRg st="2" end="2"/>
+                                            </p:txEl>
+                                          </p:spTgt>
+                                        </p:tgtEl>
+                                        <p:attrNameLst>
+                                          <p:attrName>ppt_x</p:attrName>
+                                        </p:attrNameLst>
+                                      </p:cBhvr>
+                                      <p:tavLst>
+                                        <p:tav tm="0">
+                                          <p:val>
+                                            <p:strVal val="#ppt_x"/>
+                                          </p:val>
+                                        </p:tav>
+                                        <p:tav tm="100000">
+                                          <p:val>
+                                            <p:strVal val="#ppt_x"/>
+                                          </p:val>
+                                        </p:tav>
+                                      </p:tavLst>
+                                    </p:anim>
+                                    <p:anim calcmode="lin" valueType="num">
+                                      <p:cBhvr additive="base">
+                                        <p:cTn id="30" dur="500" fill="hold"/>
+                                        <p:tgtEl>
+                                          <p:spTgt spid="3">
+                                            <p:txEl>
+                                              <p:pRg st="2" end="2"/>
+                                            </p:txEl>
+                                          </p:spTgt>
+                                        </p:tgtEl>
+                                        <p:attrNameLst>
+                                          <p:attrName>ppt_y</p:attrName>
+                                        </p:attrNameLst>
+                                      </p:cBhvr>
+                                      <p:tavLst>
+                                        <p:tav tm="0">
+                                          <p:val>
+                                            <p:strVal val="1+#ppt_h/2"/>
+                                          </p:val>
+                                        </p:tav>
+                                        <p:tav tm="100000">
+                                          <p:val>
+                                            <p:strVal val="#ppt_y"/>
+                                          </p:val>
+                                        </p:tav>
+                                      </p:tavLst>
+                                    </p:anim>
+                                  </p:childTnLst>
+                                </p:cTn>
+                              </p:par>
+                              <p:par>
+                                <p:cTn id="31" presetID="55" presetClass="entr" presetSubtype="0" fill="hold" nodeType="withEffect">
+                                  <p:stCondLst>
+                                    <p:cond delay="0"/>
+                                  </p:stCondLst>
+                                  <p:childTnLst>
+                                    <p:set>
+                                      <p:cBhvr>
+                                        <p:cTn id="32" dur="1" fill="hold">
+                                          <p:stCondLst>
+                                            <p:cond delay="0"/>
+                                          </p:stCondLst>
+                                        </p:cTn>
+                                        <p:tgtEl>
+                                          <p:spTgt spid="1033"/>
+                                        </p:tgtEl>
+                                        <p:attrNameLst>
+                                          <p:attrName>style.visibility</p:attrName>
+                                        </p:attrNameLst>
+                                      </p:cBhvr>
+                                      <p:to>
+                                        <p:strVal val="visible"/>
+                                      </p:to>
+                                    </p:set>
+                                    <p:anim calcmode="lin" valueType="num">
+                                      <p:cBhvr>
+                                        <p:cTn id="33" dur="1000" fill="hold"/>
+                                        <p:tgtEl>
+                                          <p:spTgt spid="1033"/>
+                                        </p:tgtEl>
+                                        <p:attrNameLst>
+                                          <p:attrName>ppt_w</p:attrName>
+                                        </p:attrNameLst>
+                                      </p:cBhvr>
+                                      <p:tavLst>
+                                        <p:tav tm="0">
+                                          <p:val>
+                                            <p:strVal val="#ppt_w*0.70"/>
+                                          </p:val>
+                                        </p:tav>
+                                        <p:tav tm="100000">
+                                          <p:val>
+                                            <p:strVal val="#ppt_w"/>
+                                          </p:val>
+                                        </p:tav>
+                                      </p:tavLst>
+                                    </p:anim>
+                                    <p:anim calcmode="lin" valueType="num">
+                                      <p:cBhvr>
+                                        <p:cTn id="34" dur="1000" fill="hold"/>
+                                        <p:tgtEl>
+                                          <p:spTgt spid="1033"/>
+                                        </p:tgtEl>
+                                        <p:attrNameLst>
+                                          <p:attrName>ppt_h</p:attrName>
+                                        </p:attrNameLst>
+                                      </p:cBhvr>
+                                      <p:tavLst>
+                                        <p:tav tm="0">
+                                          <p:val>
+                                            <p:strVal val="#ppt_h"/>
+                                          </p:val>
+                                        </p:tav>
+                                        <p:tav tm="100000">
+                                          <p:val>
+                                            <p:strVal val="#ppt_h"/>
+                                          </p:val>
+                                        </p:tav>
+                                      </p:tavLst>
+                                    </p:anim>
+                                    <p:animEffect transition="in" filter="fade">
+                                      <p:cBhvr>
+                                        <p:cTn id="35" dur="1000"/>
+                                        <p:tgtEl>
+                                          <p:spTgt spid="1033"/>
+                                        </p:tgtEl>
+                                      </p:cBhvr>
+                                    </p:animEffect>
+                                  </p:childTnLst>
+                                </p:cTn>
+                              </p:par>
+                            </p:childTnLst>
+                          </p:cTn>
+                        </p:par>
+                      </p:childTnLst>
+                    </p:cTn>
+                  </p:par>
+                </p:childTnLst>
+              </p:cTn>
+              <p:prevCondLst>
+                <p:cond evt="onPrev" delay="0">
+                  <p:tgtEl>
+                    <p:sldTgt/>
+                  </p:tgtEl>
+                </p:cond>
+              </p:prevCondLst>
+              <p:nextCondLst>
+                <p:cond evt="onNext" delay="0">
+                  <p:tgtEl>
+                    <p:sldTgt/>
+                  </p:tgtEl>
+                </p:cond>
+              </p:nextCondLst>
+            </p:seq>
+          </p:childTnLst>
+        </p:cTn>
+      </p:par>
+    </p:tnLst>
+    <p:bldLst>
+      <p:bldP spid="3" grpId="0" uiExpand="1" build="p"/>
+    </p:bldLst>
+  </p:timing>
 </p:sld>
 </file>
 
@@ -23362,13 +24336,7 @@
               <a:rPr lang="es-AR" dirty="0" smtClean="0">
                 <a:latin typeface="Copperplate Gothic Bold" pitchFamily="34" charset="0"/>
               </a:rPr>
-              <a:t>Lecciones Aprendidas </a:t>
-            </a:r>
-            <a:r>
-              <a:rPr lang="es-AR" dirty="0" smtClean="0">
-                <a:latin typeface="Copperplate Gothic Bold" pitchFamily="34" charset="0"/>
-              </a:rPr>
-              <a:t>(4)</a:t>
+              <a:t>Lecciones Aprendidas (4)</a:t>
             </a:r>
             <a:endParaRPr lang="es-AR" dirty="0"/>
           </a:p>
@@ -23385,7 +24353,7 @@
         <p:spPr bwMode="auto">
           <a:xfrm>
             <a:off x="1071538" y="1785926"/>
-            <a:ext cx="7313612" cy="4114800"/>
+            <a:ext cx="7313612" cy="778978"/>
           </a:xfrm>
           <a:prstGeom prst="rect">
             <a:avLst/>
@@ -23442,274 +24410,30 @@
                 <a:ea typeface="+mn-ea"/>
                 <a:cs typeface="Arial" charset="0"/>
               </a:rPr>
-              <a:t>Estética y usabilidad</a:t>
-            </a:r>
-            <a:endParaRPr kumimoji="0" lang="es-AR" sz="3200" b="0" i="0" u="none" strike="noStrike" kern="0" cap="none" spc="0" normalizeH="0" noProof="0" dirty="0" smtClean="0">
-              <a:ln>
-                <a:noFill/>
-              </a:ln>
-              <a:solidFill>
-                <a:schemeClr val="tx2">
-                  <a:lumMod val="50000"/>
-                </a:schemeClr>
-              </a:solidFill>
-              <a:effectLst/>
-              <a:uLnTx/>
-              <a:uFillTx/>
-              <a:latin typeface="Cambria" pitchFamily="18" charset="0"/>
-              <a:ea typeface="+mn-ea"/>
-              <a:cs typeface="Arial" charset="0"/>
-            </a:endParaRPr>
-          </a:p>
-          <a:p>
-            <a:pPr marL="261938" marR="0" lvl="0" indent="-261938" algn="l" defTabSz="914400" rtl="0" eaLnBrk="0" fontAlgn="base" latinLnBrk="0" hangingPunct="0">
-              <a:lnSpc>
-                <a:spcPct val="100000"/>
-              </a:lnSpc>
-              <a:spcBef>
-                <a:spcPct val="20000"/>
-              </a:spcBef>
-              <a:spcAft>
-                <a:spcPts val="3000"/>
-              </a:spcAft>
-              <a:buClr>
-                <a:schemeClr val="tx2"/>
-              </a:buClr>
-              <a:buSzPct val="70000"/>
-              <a:buFont typeface="Arial" pitchFamily="34" charset="0"/>
-              <a:buChar char="•"/>
-              <a:tabLst/>
-              <a:defRPr/>
-            </a:pPr>
-            <a:endParaRPr lang="es-AR" sz="3200" kern="0" baseline="0" dirty="0" smtClean="0">
-              <a:solidFill>
-                <a:schemeClr val="tx2">
-                  <a:lumMod val="50000"/>
-                </a:schemeClr>
-              </a:solidFill>
-              <a:latin typeface="Cambria" pitchFamily="18" charset="0"/>
-              <a:cs typeface="Arial" charset="0"/>
-            </a:endParaRPr>
-          </a:p>
-          <a:p>
-            <a:pPr marL="261938" marR="0" lvl="0" indent="-261938" algn="l" defTabSz="914400" rtl="0" eaLnBrk="0" fontAlgn="base" latinLnBrk="0" hangingPunct="0">
-              <a:lnSpc>
-                <a:spcPct val="100000"/>
-              </a:lnSpc>
-              <a:spcBef>
-                <a:spcPct val="20000"/>
-              </a:spcBef>
-              <a:spcAft>
-                <a:spcPts val="3000"/>
-              </a:spcAft>
-              <a:buClr>
-                <a:schemeClr val="tx2"/>
-              </a:buClr>
-              <a:buSzPct val="70000"/>
-              <a:buFont typeface="Arial" pitchFamily="34" charset="0"/>
-              <a:buChar char="•"/>
-              <a:tabLst/>
-              <a:defRPr/>
-            </a:pPr>
-            <a:endParaRPr lang="es-AR" sz="3200" kern="0" baseline="0" dirty="0" smtClean="0">
-              <a:solidFill>
-                <a:schemeClr val="tx2">
-                  <a:lumMod val="50000"/>
-                </a:schemeClr>
-              </a:solidFill>
-              <a:latin typeface="Cambria" pitchFamily="18" charset="0"/>
-              <a:cs typeface="Arial" charset="0"/>
-            </a:endParaRPr>
-          </a:p>
-          <a:p>
-            <a:pPr marL="261938" indent="-261938" eaLnBrk="0" hangingPunct="0">
-              <a:spcBef>
-                <a:spcPts val="2400"/>
-              </a:spcBef>
-              <a:spcAft>
-                <a:spcPts val="1200"/>
-              </a:spcAft>
-              <a:buClr>
-                <a:schemeClr val="tx2"/>
-              </a:buClr>
-              <a:buSzPct val="70000"/>
-              <a:buFont typeface="Arial" pitchFamily="34" charset="0"/>
-              <a:buChar char="•"/>
-            </a:pPr>
-            <a:r>
-              <a:rPr lang="es-AR" sz="3200" kern="0" baseline="0" dirty="0" smtClean="0">
+              <a:t>Estética y </a:t>
+            </a:r>
+            <a:r>
+              <a:rPr kumimoji="0" lang="es-AR" sz="3200" b="0" i="0" u="none" strike="noStrike" kern="0" cap="none" spc="0" normalizeH="0" baseline="0" noProof="0" dirty="0" smtClean="0">
+                <a:ln>
+                  <a:noFill/>
+                </a:ln>
                 <a:solidFill>
                   <a:schemeClr val="tx2">
                     <a:lumMod val="50000"/>
                   </a:schemeClr>
                 </a:solidFill>
+                <a:effectLst/>
+                <a:uLnTx/>
+                <a:uFillTx/>
                 <a:latin typeface="Cambria" pitchFamily="18" charset="0"/>
+                <a:ea typeface="+mn-ea"/>
                 <a:cs typeface="Arial" charset="0"/>
               </a:rPr>
-              <a:t>Evitar </a:t>
-            </a:r>
-            <a:r>
-              <a:rPr lang="es-AR" sz="3200" kern="0" dirty="0" smtClean="0">
-                <a:solidFill>
-                  <a:schemeClr val="tx2">
-                    <a:lumMod val="50000"/>
-                  </a:schemeClr>
-                </a:solidFill>
-                <a:latin typeface="Cambria" pitchFamily="18" charset="0"/>
-                <a:cs typeface="Arial" charset="0"/>
-              </a:rPr>
-              <a:t>Síndrome </a:t>
-            </a:r>
-            <a:r>
-              <a:rPr lang="es-AR" sz="3200" kern="0" dirty="0" smtClean="0">
-                <a:solidFill>
-                  <a:schemeClr val="tx2">
-                    <a:lumMod val="50000"/>
-                  </a:schemeClr>
-                </a:solidFill>
-                <a:latin typeface="Cambria" pitchFamily="18" charset="0"/>
-                <a:cs typeface="Arial" charset="0"/>
-              </a:rPr>
-              <a:t>del </a:t>
-            </a:r>
-            <a:r>
-              <a:rPr lang="es-AR" sz="3200" kern="0" dirty="0" smtClean="0">
-                <a:solidFill>
-                  <a:schemeClr val="tx2">
-                    <a:lumMod val="50000"/>
-                  </a:schemeClr>
-                </a:solidFill>
-                <a:latin typeface="Cambria" pitchFamily="18" charset="0"/>
-                <a:cs typeface="Arial" charset="0"/>
-              </a:rPr>
-              <a:t>Estudiante:  </a:t>
-            </a:r>
-          </a:p>
-          <a:p>
-            <a:pPr marL="261938" indent="-261938" eaLnBrk="0" hangingPunct="0">
-              <a:spcBef>
-                <a:spcPts val="0"/>
-              </a:spcBef>
-              <a:spcAft>
-                <a:spcPts val="3000"/>
-              </a:spcAft>
-              <a:buClr>
-                <a:schemeClr val="tx2"/>
-              </a:buClr>
-              <a:buSzPct val="70000"/>
-            </a:pPr>
-            <a:r>
-              <a:rPr lang="es-AR" sz="2400" kern="0" dirty="0" smtClean="0">
-                <a:solidFill>
-                  <a:schemeClr val="tx2">
-                    <a:lumMod val="50000"/>
-                  </a:schemeClr>
-                </a:solidFill>
-                <a:latin typeface="Cambria" pitchFamily="18" charset="0"/>
-                <a:cs typeface="Arial" charset="0"/>
-              </a:rPr>
-              <a:t>   M</a:t>
-            </a:r>
-            <a:r>
-              <a:rPr lang="es-AR" sz="2400" kern="0" baseline="0" dirty="0" smtClean="0">
-                <a:solidFill>
-                  <a:schemeClr val="tx2">
-                    <a:lumMod val="50000"/>
-                  </a:schemeClr>
-                </a:solidFill>
-                <a:latin typeface="Cambria" pitchFamily="18" charset="0"/>
-                <a:cs typeface="Arial" charset="0"/>
-              </a:rPr>
-              <a:t>antener</a:t>
-            </a:r>
-            <a:r>
-              <a:rPr lang="es-AR" sz="2400" kern="0" dirty="0" smtClean="0">
-                <a:solidFill>
-                  <a:schemeClr val="tx2">
-                    <a:lumMod val="50000"/>
-                  </a:schemeClr>
-                </a:solidFill>
-                <a:latin typeface="Cambria" pitchFamily="18" charset="0"/>
-                <a:cs typeface="Arial" charset="0"/>
-              </a:rPr>
-              <a:t> objetivos de corto plazo</a:t>
-            </a:r>
-            <a:endParaRPr kumimoji="0" lang="es-AR" sz="2400" b="0" i="0" u="none" strike="noStrike" kern="0" cap="none" spc="0" normalizeH="0" baseline="0" noProof="0" dirty="0" smtClean="0">
-              <a:ln>
-                <a:noFill/>
-              </a:ln>
-              <a:solidFill>
-                <a:schemeClr val="tx2">
-                  <a:lumMod val="50000"/>
-                </a:schemeClr>
-              </a:solidFill>
-              <a:effectLst/>
-              <a:uLnTx/>
-              <a:uFillTx/>
-              <a:latin typeface="Cambria" pitchFamily="18" charset="0"/>
-              <a:ea typeface="+mn-ea"/>
-              <a:cs typeface="Arial" charset="0"/>
-            </a:endParaRPr>
-          </a:p>
-          <a:p>
-            <a:pPr marL="342900" marR="0" lvl="0" indent="-342900" algn="l" defTabSz="914400" rtl="0" eaLnBrk="0" fontAlgn="base" latinLnBrk="0" hangingPunct="0">
-              <a:lnSpc>
-                <a:spcPct val="100000"/>
-              </a:lnSpc>
-              <a:spcBef>
-                <a:spcPct val="20000"/>
-              </a:spcBef>
-              <a:spcAft>
-                <a:spcPct val="0"/>
-              </a:spcAft>
-              <a:buClr>
-                <a:schemeClr val="tx2"/>
-              </a:buClr>
-              <a:buSzPct val="70000"/>
-              <a:tabLst/>
-              <a:defRPr/>
-            </a:pPr>
-            <a:endParaRPr kumimoji="0" lang="es-AR" sz="2900" b="0" i="0" u="none" strike="noStrike" kern="0" cap="none" spc="0" normalizeH="0" baseline="0" noProof="0" dirty="0">
-              <a:ln>
-                <a:noFill/>
-              </a:ln>
-              <a:solidFill>
-                <a:schemeClr val="tx1"/>
-              </a:solidFill>
-              <a:effectLst/>
-              <a:uLnTx/>
-              <a:uFillTx/>
-              <a:latin typeface="+mn-lt"/>
-              <a:ea typeface="+mn-ea"/>
-              <a:cs typeface="+mn-cs"/>
-            </a:endParaRPr>
+              <a:t>usabilidad</a:t>
+            </a:r>
           </a:p>
         </p:txBody>
       </p:sp>
-      <p:pic>
-        <p:nvPicPr>
-          <p:cNvPr id="9" name="8 Imagen" descr="Inicio.png"/>
-          <p:cNvPicPr>
-            <a:picLocks noChangeAspect="1"/>
-          </p:cNvPicPr>
-          <p:nvPr/>
-        </p:nvPicPr>
-        <p:blipFill>
-          <a:blip r:embed="rId3" cstate="print"/>
-          <a:stretch>
-            <a:fillRect/>
-          </a:stretch>
-        </p:blipFill>
-        <p:spPr>
-          <a:xfrm>
-            <a:off x="1428728" y="2571744"/>
-            <a:ext cx="3429025" cy="1993120"/>
-          </a:xfrm>
-          <a:prstGeom prst="rect">
-            <a:avLst/>
-          </a:prstGeom>
-        </p:spPr>
-      </p:pic>
       <p:pic>
         <p:nvPicPr>
           <p:cNvPr id="3077" name="Picture 5"/>
@@ -23719,7 +24443,7 @@
           <p:nvPr/>
         </p:nvPicPr>
         <p:blipFill>
-          <a:blip r:embed="rId4"/>
+          <a:blip r:embed="rId3" cstate="print"/>
           <a:srcRect/>
           <a:stretch>
             <a:fillRect/>
@@ -23727,7 +24451,7 @@
         </p:blipFill>
         <p:spPr bwMode="auto">
           <a:xfrm>
-            <a:off x="7215206" y="5000636"/>
+            <a:off x="7719757" y="5000636"/>
             <a:ext cx="1028707" cy="1714512"/>
           </a:xfrm>
           <a:prstGeom prst="rect">
@@ -23745,7 +24469,42 @@
       </p:pic>
       <p:pic>
         <p:nvPicPr>
-          <p:cNvPr id="11" name="10 Imagen" descr="visualizarEstadoAgente2.png"/>
+          <p:cNvPr id="7" name="6 Imagen"/>
+          <p:cNvPicPr>
+            <a:picLocks noChangeAspect="1"/>
+          </p:cNvPicPr>
+          <p:nvPr/>
+        </p:nvPicPr>
+        <p:blipFill>
+          <a:blip r:embed="rId4" cstate="print"/>
+          <a:srcRect/>
+          <a:stretch>
+            <a:fillRect/>
+          </a:stretch>
+        </p:blipFill>
+        <p:spPr bwMode="auto">
+          <a:xfrm>
+            <a:off x="1495032" y="2391435"/>
+            <a:ext cx="3456000" cy="2380916"/>
+          </a:xfrm>
+          <a:prstGeom prst="rect">
+            <a:avLst/>
+          </a:prstGeom>
+          <a:ln>
+            <a:noFill/>
+          </a:ln>
+          <a:effectLst>
+            <a:outerShdw blurRad="190500" algn="tl" rotWithShape="0">
+              <a:srgbClr val="000000">
+                <a:alpha val="70000"/>
+              </a:srgbClr>
+            </a:outerShdw>
+          </a:effectLst>
+        </p:spPr>
+      </p:pic>
+      <p:pic>
+        <p:nvPicPr>
+          <p:cNvPr id="8" name="7 Imagen"/>
           <p:cNvPicPr>
             <a:picLocks noChangeAspect="1"/>
           </p:cNvPicPr>
@@ -23753,25 +24512,527 @@
         </p:nvPicPr>
         <p:blipFill>
           <a:blip r:embed="rId5" cstate="print"/>
+          <a:srcRect/>
           <a:stretch>
             <a:fillRect/>
           </a:stretch>
         </p:blipFill>
-        <p:spPr>
+        <p:spPr bwMode="auto">
           <a:xfrm>
-            <a:off x="5500694" y="2571744"/>
-            <a:ext cx="2562047" cy="2011485"/>
+            <a:off x="5173864" y="2399547"/>
+            <a:ext cx="3456000" cy="2350469"/>
           </a:xfrm>
           <a:prstGeom prst="rect">
             <a:avLst/>
           </a:prstGeom>
+          <a:ln>
+            <a:noFill/>
+          </a:ln>
+          <a:effectLst>
+            <a:outerShdw blurRad="190500" algn="tl" rotWithShape="0">
+              <a:srgbClr val="000000">
+                <a:alpha val="70000"/>
+              </a:srgbClr>
+            </a:outerShdw>
+          </a:effectLst>
         </p:spPr>
       </p:pic>
+      <p:sp>
+        <p:nvSpPr>
+          <p:cNvPr id="10" name="9 CuadroTexto"/>
+          <p:cNvSpPr txBox="1"/>
+          <p:nvPr/>
+        </p:nvSpPr>
+        <p:spPr>
+          <a:xfrm>
+            <a:off x="1081708" y="4925369"/>
+            <a:ext cx="6686767" cy="1383951"/>
+          </a:xfrm>
+          <a:prstGeom prst="rect">
+            <a:avLst/>
+          </a:prstGeom>
+          <a:noFill/>
+          <a:ln w="9525">
+            <a:noFill/>
+            <a:miter lim="800000"/>
+            <a:headEnd/>
+            <a:tailEnd/>
+          </a:ln>
+        </p:spPr>
+        <p:txBody>
+          <a:bodyPr vert="horz" wrap="square" lIns="92075" tIns="46038" rIns="92075" bIns="46038" numCol="1" anchor="t" anchorCtr="0" compatLnSpc="1">
+            <a:prstTxWarp prst="textNoShape">
+              <a:avLst/>
+            </a:prstTxWarp>
+          </a:bodyPr>
+          <a:lstStyle/>
+          <a:p>
+            <a:pPr marL="261938" indent="-261938" eaLnBrk="0" hangingPunct="0">
+              <a:spcBef>
+                <a:spcPts val="0"/>
+              </a:spcBef>
+              <a:spcAft>
+                <a:spcPts val="0"/>
+              </a:spcAft>
+              <a:buClr>
+                <a:schemeClr val="tx2"/>
+              </a:buClr>
+              <a:buSzPct val="70000"/>
+              <a:buFont typeface="Arial" pitchFamily="34" charset="0"/>
+              <a:buChar char="•"/>
+              <a:defRPr/>
+            </a:pPr>
+            <a:r>
+              <a:rPr lang="es-AR" sz="3200" kern="0" dirty="0" smtClean="0">
+                <a:solidFill>
+                  <a:schemeClr val="tx2">
+                    <a:lumMod val="50000"/>
+                  </a:schemeClr>
+                </a:solidFill>
+                <a:latin typeface="Cambria" pitchFamily="18" charset="0"/>
+                <a:cs typeface="Arial" charset="0"/>
+              </a:rPr>
+              <a:t>Evitar Síndrome del </a:t>
+            </a:r>
+            <a:r>
+              <a:rPr lang="es-AR" sz="3200" kern="0" dirty="0" smtClean="0">
+                <a:solidFill>
+                  <a:schemeClr val="tx2">
+                    <a:lumMod val="50000"/>
+                  </a:schemeClr>
+                </a:solidFill>
+                <a:latin typeface="Cambria" pitchFamily="18" charset="0"/>
+                <a:cs typeface="Arial" charset="0"/>
+              </a:rPr>
+              <a:t>Estudiante: Mantener </a:t>
+            </a:r>
+            <a:r>
+              <a:rPr lang="es-AR" sz="3200" kern="0" dirty="0" smtClean="0">
+                <a:solidFill>
+                  <a:schemeClr val="tx2">
+                    <a:lumMod val="50000"/>
+                  </a:schemeClr>
+                </a:solidFill>
+                <a:latin typeface="Cambria" pitchFamily="18" charset="0"/>
+                <a:cs typeface="Arial" charset="0"/>
+              </a:rPr>
+              <a:t>objetivos de corto </a:t>
+            </a:r>
+            <a:r>
+              <a:rPr lang="es-AR" sz="3200" kern="0" dirty="0" smtClean="0">
+                <a:solidFill>
+                  <a:schemeClr val="tx2">
+                    <a:lumMod val="50000"/>
+                  </a:schemeClr>
+                </a:solidFill>
+                <a:latin typeface="Cambria" pitchFamily="18" charset="0"/>
+                <a:cs typeface="Arial" charset="0"/>
+              </a:rPr>
+              <a:t>plazo</a:t>
+            </a:r>
+            <a:endParaRPr lang="es-AR" sz="3200" kern="0" dirty="0" smtClean="0">
+              <a:solidFill>
+                <a:schemeClr val="tx2">
+                  <a:lumMod val="50000"/>
+                </a:schemeClr>
+              </a:solidFill>
+              <a:latin typeface="Cambria" pitchFamily="18" charset="0"/>
+              <a:cs typeface="Arial" charset="0"/>
+            </a:endParaRPr>
+          </a:p>
+        </p:txBody>
+      </p:sp>
     </p:spTree>
   </p:cSld>
   <p:clrMapOvr>
     <a:masterClrMapping/>
   </p:clrMapOvr>
+  <p:timing>
+    <p:tnLst>
+      <p:par>
+        <p:cTn id="1" dur="indefinite" restart="never" nodeType="tmRoot">
+          <p:childTnLst>
+            <p:seq concurrent="1" nextAc="seek">
+              <p:cTn id="2" dur="indefinite" nodeType="mainSeq">
+                <p:childTnLst>
+                  <p:par>
+                    <p:cTn id="3" fill="hold">
+                      <p:stCondLst>
+                        <p:cond delay="indefinite"/>
+                        <p:cond evt="onBegin" delay="0">
+                          <p:tn val="2"/>
+                        </p:cond>
+                      </p:stCondLst>
+                      <p:childTnLst>
+                        <p:par>
+                          <p:cTn id="4" fill="hold">
+                            <p:stCondLst>
+                              <p:cond delay="0"/>
+                            </p:stCondLst>
+                            <p:childTnLst>
+                              <p:par>
+                                <p:cTn id="5" presetID="3" presetClass="entr" presetSubtype="10" fill="hold" grpId="0" nodeType="withEffect">
+                                  <p:stCondLst>
+                                    <p:cond delay="0"/>
+                                  </p:stCondLst>
+                                  <p:childTnLst>
+                                    <p:set>
+                                      <p:cBhvr>
+                                        <p:cTn id="6" dur="1" fill="hold">
+                                          <p:stCondLst>
+                                            <p:cond delay="0"/>
+                                          </p:stCondLst>
+                                        </p:cTn>
+                                        <p:tgtEl>
+                                          <p:spTgt spid="5"/>
+                                        </p:tgtEl>
+                                        <p:attrNameLst>
+                                          <p:attrName>style.visibility</p:attrName>
+                                        </p:attrNameLst>
+                                      </p:cBhvr>
+                                      <p:to>
+                                        <p:strVal val="visible"/>
+                                      </p:to>
+                                    </p:set>
+                                    <p:animEffect transition="in" filter="blinds(horizontal)">
+                                      <p:cBhvr>
+                                        <p:cTn id="7" dur="500"/>
+                                        <p:tgtEl>
+                                          <p:spTgt spid="5"/>
+                                        </p:tgtEl>
+                                      </p:cBhvr>
+                                    </p:animEffect>
+                                  </p:childTnLst>
+                                </p:cTn>
+                              </p:par>
+                              <p:par>
+                                <p:cTn id="8" presetID="55" presetClass="entr" presetSubtype="0" fill="hold" nodeType="withEffect">
+                                  <p:stCondLst>
+                                    <p:cond delay="0"/>
+                                  </p:stCondLst>
+                                  <p:childTnLst>
+                                    <p:set>
+                                      <p:cBhvr>
+                                        <p:cTn id="9" dur="1" fill="hold">
+                                          <p:stCondLst>
+                                            <p:cond delay="0"/>
+                                          </p:stCondLst>
+                                        </p:cTn>
+                                        <p:tgtEl>
+                                          <p:spTgt spid="7"/>
+                                        </p:tgtEl>
+                                        <p:attrNameLst>
+                                          <p:attrName>style.visibility</p:attrName>
+                                        </p:attrNameLst>
+                                      </p:cBhvr>
+                                      <p:to>
+                                        <p:strVal val="visible"/>
+                                      </p:to>
+                                    </p:set>
+                                    <p:anim calcmode="lin" valueType="num">
+                                      <p:cBhvr>
+                                        <p:cTn id="10" dur="1000" fill="hold"/>
+                                        <p:tgtEl>
+                                          <p:spTgt spid="7"/>
+                                        </p:tgtEl>
+                                        <p:attrNameLst>
+                                          <p:attrName>ppt_w</p:attrName>
+                                        </p:attrNameLst>
+                                      </p:cBhvr>
+                                      <p:tavLst>
+                                        <p:tav tm="0">
+                                          <p:val>
+                                            <p:strVal val="#ppt_w*0.70"/>
+                                          </p:val>
+                                        </p:tav>
+                                        <p:tav tm="100000">
+                                          <p:val>
+                                            <p:strVal val="#ppt_w"/>
+                                          </p:val>
+                                        </p:tav>
+                                      </p:tavLst>
+                                    </p:anim>
+                                    <p:anim calcmode="lin" valueType="num">
+                                      <p:cBhvr>
+                                        <p:cTn id="11" dur="1000" fill="hold"/>
+                                        <p:tgtEl>
+                                          <p:spTgt spid="7"/>
+                                        </p:tgtEl>
+                                        <p:attrNameLst>
+                                          <p:attrName>ppt_h</p:attrName>
+                                        </p:attrNameLst>
+                                      </p:cBhvr>
+                                      <p:tavLst>
+                                        <p:tav tm="0">
+                                          <p:val>
+                                            <p:strVal val="#ppt_h"/>
+                                          </p:val>
+                                        </p:tav>
+                                        <p:tav tm="100000">
+                                          <p:val>
+                                            <p:strVal val="#ppt_h"/>
+                                          </p:val>
+                                        </p:tav>
+                                      </p:tavLst>
+                                    </p:anim>
+                                    <p:animEffect transition="in" filter="fade">
+                                      <p:cBhvr>
+                                        <p:cTn id="12" dur="1000"/>
+                                        <p:tgtEl>
+                                          <p:spTgt spid="7"/>
+                                        </p:tgtEl>
+                                      </p:cBhvr>
+                                    </p:animEffect>
+                                  </p:childTnLst>
+                                </p:cTn>
+                              </p:par>
+                              <p:par>
+                                <p:cTn id="13" presetID="55" presetClass="entr" presetSubtype="0" fill="hold" nodeType="withEffect">
+                                  <p:stCondLst>
+                                    <p:cond delay="0"/>
+                                  </p:stCondLst>
+                                  <p:childTnLst>
+                                    <p:set>
+                                      <p:cBhvr>
+                                        <p:cTn id="14" dur="1" fill="hold">
+                                          <p:stCondLst>
+                                            <p:cond delay="0"/>
+                                          </p:stCondLst>
+                                        </p:cTn>
+                                        <p:tgtEl>
+                                          <p:spTgt spid="8"/>
+                                        </p:tgtEl>
+                                        <p:attrNameLst>
+                                          <p:attrName>style.visibility</p:attrName>
+                                        </p:attrNameLst>
+                                      </p:cBhvr>
+                                      <p:to>
+                                        <p:strVal val="visible"/>
+                                      </p:to>
+                                    </p:set>
+                                    <p:anim calcmode="lin" valueType="num">
+                                      <p:cBhvr>
+                                        <p:cTn id="15" dur="1000" fill="hold"/>
+                                        <p:tgtEl>
+                                          <p:spTgt spid="8"/>
+                                        </p:tgtEl>
+                                        <p:attrNameLst>
+                                          <p:attrName>ppt_w</p:attrName>
+                                        </p:attrNameLst>
+                                      </p:cBhvr>
+                                      <p:tavLst>
+                                        <p:tav tm="0">
+                                          <p:val>
+                                            <p:strVal val="#ppt_w*0.70"/>
+                                          </p:val>
+                                        </p:tav>
+                                        <p:tav tm="100000">
+                                          <p:val>
+                                            <p:strVal val="#ppt_w"/>
+                                          </p:val>
+                                        </p:tav>
+                                      </p:tavLst>
+                                    </p:anim>
+                                    <p:anim calcmode="lin" valueType="num">
+                                      <p:cBhvr>
+                                        <p:cTn id="16" dur="1000" fill="hold"/>
+                                        <p:tgtEl>
+                                          <p:spTgt spid="8"/>
+                                        </p:tgtEl>
+                                        <p:attrNameLst>
+                                          <p:attrName>ppt_h</p:attrName>
+                                        </p:attrNameLst>
+                                      </p:cBhvr>
+                                      <p:tavLst>
+                                        <p:tav tm="0">
+                                          <p:val>
+                                            <p:strVal val="#ppt_h"/>
+                                          </p:val>
+                                        </p:tav>
+                                        <p:tav tm="100000">
+                                          <p:val>
+                                            <p:strVal val="#ppt_h"/>
+                                          </p:val>
+                                        </p:tav>
+                                      </p:tavLst>
+                                    </p:anim>
+                                    <p:animEffect transition="in" filter="fade">
+                                      <p:cBhvr>
+                                        <p:cTn id="17" dur="1000"/>
+                                        <p:tgtEl>
+                                          <p:spTgt spid="8"/>
+                                        </p:tgtEl>
+                                      </p:cBhvr>
+                                    </p:animEffect>
+                                  </p:childTnLst>
+                                </p:cTn>
+                              </p:par>
+                            </p:childTnLst>
+                          </p:cTn>
+                        </p:par>
+                      </p:childTnLst>
+                    </p:cTn>
+                  </p:par>
+                  <p:par>
+                    <p:cTn id="18" fill="hold">
+                      <p:stCondLst>
+                        <p:cond delay="indefinite"/>
+                      </p:stCondLst>
+                      <p:childTnLst>
+                        <p:par>
+                          <p:cTn id="19" fill="hold">
+                            <p:stCondLst>
+                              <p:cond delay="0"/>
+                            </p:stCondLst>
+                            <p:childTnLst>
+                              <p:par>
+                                <p:cTn id="20" presetID="3" presetClass="entr" presetSubtype="10" fill="hold" grpId="0" nodeType="clickEffect">
+                                  <p:stCondLst>
+                                    <p:cond delay="0"/>
+                                  </p:stCondLst>
+                                  <p:childTnLst>
+                                    <p:set>
+                                      <p:cBhvr>
+                                        <p:cTn id="21" dur="1" fill="hold">
+                                          <p:stCondLst>
+                                            <p:cond delay="0"/>
+                                          </p:stCondLst>
+                                        </p:cTn>
+                                        <p:tgtEl>
+                                          <p:spTgt spid="10"/>
+                                        </p:tgtEl>
+                                        <p:attrNameLst>
+                                          <p:attrName>style.visibility</p:attrName>
+                                        </p:attrNameLst>
+                                      </p:cBhvr>
+                                      <p:to>
+                                        <p:strVal val="visible"/>
+                                      </p:to>
+                                    </p:set>
+                                    <p:animEffect transition="in" filter="blinds(horizontal)">
+                                      <p:cBhvr>
+                                        <p:cTn id="22" dur="500"/>
+                                        <p:tgtEl>
+                                          <p:spTgt spid="10"/>
+                                        </p:tgtEl>
+                                      </p:cBhvr>
+                                    </p:animEffect>
+                                  </p:childTnLst>
+                                </p:cTn>
+                              </p:par>
+                              <p:par>
+                                <p:cTn id="23" presetID="55" presetClass="entr" presetSubtype="0" fill="hold" nodeType="withEffect">
+                                  <p:stCondLst>
+                                    <p:cond delay="0"/>
+                                  </p:stCondLst>
+                                  <p:childTnLst>
+                                    <p:set>
+                                      <p:cBhvr>
+                                        <p:cTn id="24" dur="1" fill="hold">
+                                          <p:stCondLst>
+                                            <p:cond delay="0"/>
+                                          </p:stCondLst>
+                                        </p:cTn>
+                                        <p:tgtEl>
+                                          <p:spTgt spid="3077"/>
+                                        </p:tgtEl>
+                                        <p:attrNameLst>
+                                          <p:attrName>style.visibility</p:attrName>
+                                        </p:attrNameLst>
+                                      </p:cBhvr>
+                                      <p:to>
+                                        <p:strVal val="visible"/>
+                                      </p:to>
+                                    </p:set>
+                                    <p:anim calcmode="lin" valueType="num">
+                                      <p:cBhvr>
+                                        <p:cTn id="25" dur="1000" fill="hold"/>
+                                        <p:tgtEl>
+                                          <p:spTgt spid="3077"/>
+                                        </p:tgtEl>
+                                        <p:attrNameLst>
+                                          <p:attrName>ppt_w</p:attrName>
+                                        </p:attrNameLst>
+                                      </p:cBhvr>
+                                      <p:tavLst>
+                                        <p:tav tm="0">
+                                          <p:val>
+                                            <p:strVal val="#ppt_w*0.70"/>
+                                          </p:val>
+                                        </p:tav>
+                                        <p:tav tm="100000">
+                                          <p:val>
+                                            <p:strVal val="#ppt_w"/>
+                                          </p:val>
+                                        </p:tav>
+                                      </p:tavLst>
+                                    </p:anim>
+                                    <p:anim calcmode="lin" valueType="num">
+                                      <p:cBhvr>
+                                        <p:cTn id="26" dur="1000" fill="hold"/>
+                                        <p:tgtEl>
+                                          <p:spTgt spid="3077"/>
+                                        </p:tgtEl>
+                                        <p:attrNameLst>
+                                          <p:attrName>ppt_h</p:attrName>
+                                        </p:attrNameLst>
+                                      </p:cBhvr>
+                                      <p:tavLst>
+                                        <p:tav tm="0">
+                                          <p:val>
+                                            <p:strVal val="#ppt_h"/>
+                                          </p:val>
+                                        </p:tav>
+                                        <p:tav tm="100000">
+                                          <p:val>
+                                            <p:strVal val="#ppt_h"/>
+                                          </p:val>
+                                        </p:tav>
+                                      </p:tavLst>
+                                    </p:anim>
+                                    <p:animEffect transition="in" filter="fade">
+                                      <p:cBhvr>
+                                        <p:cTn id="27" dur="1000"/>
+                                        <p:tgtEl>
+                                          <p:spTgt spid="3077"/>
+                                        </p:tgtEl>
+                                      </p:cBhvr>
+                                    </p:animEffect>
+                                  </p:childTnLst>
+                                </p:cTn>
+                              </p:par>
+                            </p:childTnLst>
+                          </p:cTn>
+                        </p:par>
+                      </p:childTnLst>
+                    </p:cTn>
+                  </p:par>
+                </p:childTnLst>
+              </p:cTn>
+              <p:prevCondLst>
+                <p:cond evt="onPrev" delay="0">
+                  <p:tgtEl>
+                    <p:sldTgt/>
+                  </p:tgtEl>
+                </p:cond>
+              </p:prevCondLst>
+              <p:nextCondLst>
+                <p:cond evt="onNext" delay="0">
+                  <p:tgtEl>
+                    <p:sldTgt/>
+                  </p:tgtEl>
+                </p:cond>
+              </p:nextCondLst>
+            </p:seq>
+          </p:childTnLst>
+        </p:cTn>
+      </p:par>
+    </p:tnLst>
+    <p:bldLst>
+      <p:bldP spid="5" grpId="0"/>
+      <p:bldP spid="10" grpId="0"/>
+    </p:bldLst>
+  </p:timing>
 </p:sld>
 </file>
 
@@ -23957,8 +25218,8 @@
           </p:blipFill>
           <p:spPr bwMode="auto">
             <a:xfrm>
-              <a:off x="3635896" y="3068960"/>
-              <a:ext cx="1857388" cy="1857388"/>
+              <a:off x="3707904" y="3140968"/>
+              <a:ext cx="1785380" cy="1785380"/>
             </a:xfrm>
             <a:prstGeom prst="rect">
               <a:avLst/>
@@ -24886,7 +26147,7 @@
             <p:nvPr/>
           </p:nvPicPr>
           <p:blipFill>
-            <a:blip r:embed="rId7" cstate="print"/>
+            <a:blip r:embed="rId8" cstate="print"/>
             <a:srcRect/>
             <a:stretch>
               <a:fillRect/>
@@ -24921,7 +26182,7 @@
             <p:nvPr/>
           </p:nvPicPr>
           <p:blipFill>
-            <a:blip r:embed="rId8" cstate="print"/>
+            <a:blip r:embed="rId9" cstate="print"/>
             <a:srcRect/>
             <a:stretch>
               <a:fillRect/>
@@ -24956,7 +26217,7 @@
             <p:nvPr/>
           </p:nvPicPr>
           <p:blipFill>
-            <a:blip r:embed="rId7" cstate="print"/>
+            <a:blip r:embed="rId8" cstate="print"/>
             <a:srcRect/>
             <a:stretch>
               <a:fillRect/>
@@ -25000,6 +26261,9 @@
                     <p:cTn id="3" fill="hold">
                       <p:stCondLst>
                         <p:cond delay="indefinite"/>
+                        <p:cond evt="onBegin" delay="0">
+                          <p:tn val="2"/>
+                        </p:cond>
                       </p:stCondLst>
                       <p:childTnLst>
                         <p:par>
@@ -25009,7 +26273,7 @@
                             </p:stCondLst>
                             <p:childTnLst>
                               <p:par>
-                                <p:cTn id="5" presetID="2" presetClass="entr" presetSubtype="4" fill="hold" nodeType="clickEffect">
+                                <p:cTn id="5" presetID="2" presetClass="entr" presetSubtype="4" fill="hold" nodeType="withEffect">
                                   <p:stCondLst>
                                     <p:cond delay="0"/>
                                   </p:stCondLst>
@@ -25154,8 +26418,11 @@
               <a:rPr lang="es-AR" dirty="0" smtClean="0">
                 <a:latin typeface="Copperplate Gothic Bold" pitchFamily="34" charset="0"/>
               </a:rPr>
-              <a:t>ACEPTACION</a:t>
-            </a:r>
+              <a:t>Aceptación</a:t>
+            </a:r>
+            <a:endParaRPr lang="es-AR" dirty="0" smtClean="0">
+              <a:latin typeface="Copperplate Gothic Bold" pitchFamily="34" charset="0"/>
+            </a:endParaRPr>
           </a:p>
         </p:txBody>
       </p:sp>
@@ -25256,7 +26523,7 @@
           <p:nvPr/>
         </p:nvPicPr>
         <p:blipFill>
-          <a:blip r:embed="rId7" cstate="print"/>
+          <a:blip r:embed="rId8" cstate="print"/>
           <a:srcRect/>
           <a:stretch>
             <a:fillRect/>
@@ -25615,11 +26882,20 @@
           <a:p>
             <a:pPr eaLnBrk="1" hangingPunct="1"/>
             <a:r>
-              <a:rPr lang="es-AR" sz="3200" smtClean="0">
+              <a:rPr lang="es-AR" dirty="0" smtClean="0">
                 <a:latin typeface="Copperplate Gothic Bold" pitchFamily="34" charset="0"/>
               </a:rPr>
-              <a:t>Seguimiento y Control</a:t>
-            </a:r>
+              <a:t>Seguimiento y </a:t>
+            </a:r>
+            <a:r>
+              <a:rPr lang="es-AR" dirty="0" smtClean="0">
+                <a:latin typeface="Copperplate Gothic Bold" pitchFamily="34" charset="0"/>
+              </a:rPr>
+              <a:t>Control (1)</a:t>
+            </a:r>
+            <a:endParaRPr lang="es-AR" dirty="0" smtClean="0">
+              <a:latin typeface="Copperplate Gothic Bold" pitchFamily="34" charset="0"/>
+            </a:endParaRPr>
           </a:p>
         </p:txBody>
       </p:sp>
@@ -25924,11 +27200,26 @@
           <a:p>
             <a:pPr eaLnBrk="1" hangingPunct="1"/>
             <a:r>
-              <a:rPr lang="es-AR" sz="3200" smtClean="0">
+              <a:rPr lang="es-AR" dirty="0" smtClean="0">
                 <a:latin typeface="Copperplate Gothic Bold" pitchFamily="34" charset="0"/>
               </a:rPr>
-              <a:t>Seguimiento y Control</a:t>
-            </a:r>
+              <a:t>Seguimiento y </a:t>
+            </a:r>
+            <a:r>
+              <a:rPr lang="es-AR" dirty="0" smtClean="0">
+                <a:latin typeface="Copperplate Gothic Bold" pitchFamily="34" charset="0"/>
+              </a:rPr>
+              <a:t>Control </a:t>
+            </a:r>
+            <a:r>
+              <a:rPr lang="es-AR" dirty="0" smtClean="0">
+                <a:latin typeface="Copperplate Gothic Bold" pitchFamily="34" charset="0"/>
+              </a:rPr>
+              <a:t>(2)</a:t>
+            </a:r>
+            <a:endParaRPr lang="es-AR" dirty="0" smtClean="0">
+              <a:latin typeface="Copperplate Gothic Bold" pitchFamily="34" charset="0"/>
+            </a:endParaRPr>
           </a:p>
         </p:txBody>
       </p:sp>
@@ -26233,11 +27524,26 @@
           <a:p>
             <a:pPr eaLnBrk="1" hangingPunct="1"/>
             <a:r>
-              <a:rPr lang="es-AR" sz="3200" smtClean="0">
+              <a:rPr lang="es-AR" dirty="0" smtClean="0">
                 <a:latin typeface="Copperplate Gothic Bold" pitchFamily="34" charset="0"/>
               </a:rPr>
-              <a:t>Seguimiento y Control</a:t>
-            </a:r>
+              <a:t>Seguimiento y </a:t>
+            </a:r>
+            <a:r>
+              <a:rPr lang="es-AR" dirty="0" smtClean="0">
+                <a:latin typeface="Copperplate Gothic Bold" pitchFamily="34" charset="0"/>
+              </a:rPr>
+              <a:t>Control </a:t>
+            </a:r>
+            <a:r>
+              <a:rPr lang="es-AR" dirty="0" smtClean="0">
+                <a:latin typeface="Copperplate Gothic Bold" pitchFamily="34" charset="0"/>
+              </a:rPr>
+              <a:t>(3)</a:t>
+            </a:r>
+            <a:endParaRPr lang="es-AR" dirty="0" smtClean="0">
+              <a:latin typeface="Copperplate Gothic Bold" pitchFamily="34" charset="0"/>
+            </a:endParaRPr>
           </a:p>
         </p:txBody>
       </p:sp>
@@ -26251,7 +27557,7 @@
         </p:nvSpPr>
         <p:spPr bwMode="auto">
           <a:xfrm>
-            <a:off x="1403648" y="1657266"/>
+            <a:off x="1403648" y="1644566"/>
             <a:ext cx="4033837" cy="523220"/>
           </a:xfrm>
           <a:prstGeom prst="rect">
@@ -26303,7 +27609,7 @@
         </p:nvGrpSpPr>
         <p:grpSpPr>
           <a:xfrm>
-            <a:off x="971600" y="2132856"/>
+            <a:off x="997000" y="2120156"/>
             <a:ext cx="7805330" cy="4536504"/>
             <a:chOff x="971600" y="2132856"/>
             <a:chExt cx="7805330" cy="4536504"/>
@@ -26532,8 +27838,17 @@
               <a:rPr lang="es-AR" dirty="0" smtClean="0">
                 <a:latin typeface="Copperplate Gothic Bold" pitchFamily="34" charset="0"/>
               </a:rPr>
-              <a:t>Desvíos No Planificados</a:t>
-            </a:r>
+              <a:t>Desvíos No </a:t>
+            </a:r>
+            <a:r>
+              <a:rPr lang="es-AR" dirty="0" smtClean="0">
+                <a:latin typeface="Copperplate Gothic Bold" pitchFamily="34" charset="0"/>
+              </a:rPr>
+              <a:t>Planificados</a:t>
+            </a:r>
+            <a:endParaRPr lang="es-AR" dirty="0" smtClean="0">
+              <a:latin typeface="Copperplate Gothic Bold" pitchFamily="34" charset="0"/>
+            </a:endParaRPr>
           </a:p>
         </p:txBody>
       </p:sp>
